--- a/第2遍/数据结构与算法.pptx
+++ b/第2遍/数据结构与算法.pptx
@@ -5,29 +5,31 @@
     <p:sldMasterId id="2147483648" r:id="rId1"/>
   </p:sldMasterIdLst>
   <p:sldIdLst>
-    <p:sldId id="287" r:id="rId3"/>
-    <p:sldId id="273" r:id="rId4"/>
-    <p:sldId id="288" r:id="rId5"/>
-    <p:sldId id="289" r:id="rId6"/>
-    <p:sldId id="291" r:id="rId7"/>
-    <p:sldId id="272" r:id="rId8"/>
-    <p:sldId id="269" r:id="rId9"/>
-    <p:sldId id="270" r:id="rId10"/>
-    <p:sldId id="271" r:id="rId11"/>
-    <p:sldId id="292" r:id="rId12"/>
-    <p:sldId id="293" r:id="rId13"/>
-    <p:sldId id="294" r:id="rId14"/>
-    <p:sldId id="268" r:id="rId15"/>
-    <p:sldId id="259" r:id="rId16"/>
-    <p:sldId id="257" r:id="rId17"/>
-    <p:sldId id="260" r:id="rId18"/>
-    <p:sldId id="295" r:id="rId19"/>
+    <p:sldId id="287" r:id="rId2"/>
+    <p:sldId id="273" r:id="rId3"/>
+    <p:sldId id="288" r:id="rId4"/>
+    <p:sldId id="289" r:id="rId5"/>
+    <p:sldId id="291" r:id="rId6"/>
+    <p:sldId id="272" r:id="rId7"/>
+    <p:sldId id="269" r:id="rId8"/>
+    <p:sldId id="270" r:id="rId9"/>
+    <p:sldId id="271" r:id="rId10"/>
+    <p:sldId id="292" r:id="rId11"/>
+    <p:sldId id="293" r:id="rId12"/>
+    <p:sldId id="294" r:id="rId13"/>
+    <p:sldId id="268" r:id="rId14"/>
+    <p:sldId id="259" r:id="rId15"/>
+    <p:sldId id="257" r:id="rId16"/>
+    <p:sldId id="260" r:id="rId17"/>
+    <p:sldId id="295" r:id="rId18"/>
+    <p:sldId id="298" r:id="rId19"/>
     <p:sldId id="296" r:id="rId20"/>
     <p:sldId id="258" r:id="rId21"/>
     <p:sldId id="261" r:id="rId22"/>
     <p:sldId id="264" r:id="rId23"/>
-    <p:sldId id="266" r:id="rId24"/>
-    <p:sldId id="265" r:id="rId25"/>
+    <p:sldId id="297" r:id="rId24"/>
+    <p:sldId id="266" r:id="rId25"/>
+    <p:sldId id="265" r:id="rId26"/>
   </p:sldIdLst>
   <p:sldSz cx="9144000" cy="6858000" type="screen4x3"/>
   <p:notesSz cx="6858000" cy="9144000"/>
@@ -310,6 +312,8 @@
           <a:p>
             <a:fld id="{530820CF-B880-4189-942D-D702A7CBA730}" type="datetimeFigureOut">
               <a:rPr lang="zh-CN" altLang="en-US" smtClean="0"/>
+              <a:pPr/>
+              <a:t>2020/8/22</a:t>
             </a:fld>
             <a:endParaRPr lang="zh-CN" altLang="en-US"/>
           </a:p>
@@ -351,6 +355,8 @@
           <a:p>
             <a:fld id="{0C913308-F349-4B6D-A68A-DD1791B4A57B}" type="slidenum">
               <a:rPr lang="zh-CN" altLang="en-US" smtClean="0"/>
+              <a:pPr/>
+              <a:t>‹#›</a:t>
             </a:fld>
             <a:endParaRPr lang="zh-CN" altLang="en-US"/>
           </a:p>
@@ -424,7 +430,6 @@
               <a:rPr lang="zh-CN" altLang="en-US" smtClean="0"/>
               <a:t>单击此处编辑母版文本样式</a:t>
             </a:r>
-            <a:endParaRPr lang="zh-CN" altLang="en-US" smtClean="0"/>
           </a:p>
           <a:p>
             <a:pPr lvl="1"/>
@@ -432,7 +437,6 @@
               <a:rPr lang="zh-CN" altLang="en-US" smtClean="0"/>
               <a:t>第二级</a:t>
             </a:r>
-            <a:endParaRPr lang="zh-CN" altLang="en-US" smtClean="0"/>
           </a:p>
           <a:p>
             <a:pPr lvl="2"/>
@@ -440,7 +444,6 @@
               <a:rPr lang="zh-CN" altLang="en-US" smtClean="0"/>
               <a:t>第三级</a:t>
             </a:r>
-            <a:endParaRPr lang="zh-CN" altLang="en-US" smtClean="0"/>
           </a:p>
           <a:p>
             <a:pPr lvl="3"/>
@@ -448,7 +451,6 @@
               <a:rPr lang="zh-CN" altLang="en-US" smtClean="0"/>
               <a:t>第四级</a:t>
             </a:r>
-            <a:endParaRPr lang="zh-CN" altLang="en-US" smtClean="0"/>
           </a:p>
           <a:p>
             <a:pPr lvl="4"/>
@@ -477,6 +479,8 @@
           <a:p>
             <a:fld id="{530820CF-B880-4189-942D-D702A7CBA730}" type="datetimeFigureOut">
               <a:rPr lang="zh-CN" altLang="en-US" smtClean="0"/>
+              <a:pPr/>
+              <a:t>2020/8/22</a:t>
             </a:fld>
             <a:endParaRPr lang="zh-CN" altLang="en-US"/>
           </a:p>
@@ -518,6 +522,8 @@
           <a:p>
             <a:fld id="{0C913308-F349-4B6D-A68A-DD1791B4A57B}" type="slidenum">
               <a:rPr lang="zh-CN" altLang="en-US" smtClean="0"/>
+              <a:pPr/>
+              <a:t>‹#›</a:t>
             </a:fld>
             <a:endParaRPr lang="zh-CN" altLang="en-US"/>
           </a:p>
@@ -601,7 +607,6 @@
               <a:rPr lang="zh-CN" altLang="en-US" smtClean="0"/>
               <a:t>单击此处编辑母版文本样式</a:t>
             </a:r>
-            <a:endParaRPr lang="zh-CN" altLang="en-US" smtClean="0"/>
           </a:p>
           <a:p>
             <a:pPr lvl="1"/>
@@ -609,7 +614,6 @@
               <a:rPr lang="zh-CN" altLang="en-US" smtClean="0"/>
               <a:t>第二级</a:t>
             </a:r>
-            <a:endParaRPr lang="zh-CN" altLang="en-US" smtClean="0"/>
           </a:p>
           <a:p>
             <a:pPr lvl="2"/>
@@ -617,7 +621,6 @@
               <a:rPr lang="zh-CN" altLang="en-US" smtClean="0"/>
               <a:t>第三级</a:t>
             </a:r>
-            <a:endParaRPr lang="zh-CN" altLang="en-US" smtClean="0"/>
           </a:p>
           <a:p>
             <a:pPr lvl="3"/>
@@ -625,7 +628,6 @@
               <a:rPr lang="zh-CN" altLang="en-US" smtClean="0"/>
               <a:t>第四级</a:t>
             </a:r>
-            <a:endParaRPr lang="zh-CN" altLang="en-US" smtClean="0"/>
           </a:p>
           <a:p>
             <a:pPr lvl="4"/>
@@ -654,6 +656,8 @@
           <a:p>
             <a:fld id="{530820CF-B880-4189-942D-D702A7CBA730}" type="datetimeFigureOut">
               <a:rPr lang="zh-CN" altLang="en-US" smtClean="0"/>
+              <a:pPr/>
+              <a:t>2020/8/22</a:t>
             </a:fld>
             <a:endParaRPr lang="zh-CN" altLang="en-US"/>
           </a:p>
@@ -695,6 +699,8 @@
           <a:p>
             <a:fld id="{0C913308-F349-4B6D-A68A-DD1791B4A57B}" type="slidenum">
               <a:rPr lang="zh-CN" altLang="en-US" smtClean="0"/>
+              <a:pPr/>
+              <a:t>‹#›</a:t>
             </a:fld>
             <a:endParaRPr lang="zh-CN" altLang="en-US"/>
           </a:p>
@@ -768,7 +774,6 @@
               <a:rPr lang="zh-CN" altLang="en-US" smtClean="0"/>
               <a:t>单击此处编辑母版文本样式</a:t>
             </a:r>
-            <a:endParaRPr lang="zh-CN" altLang="en-US" smtClean="0"/>
           </a:p>
           <a:p>
             <a:pPr lvl="1"/>
@@ -776,7 +781,6 @@
               <a:rPr lang="zh-CN" altLang="en-US" smtClean="0"/>
               <a:t>第二级</a:t>
             </a:r>
-            <a:endParaRPr lang="zh-CN" altLang="en-US" smtClean="0"/>
           </a:p>
           <a:p>
             <a:pPr lvl="2"/>
@@ -784,7 +788,6 @@
               <a:rPr lang="zh-CN" altLang="en-US" smtClean="0"/>
               <a:t>第三级</a:t>
             </a:r>
-            <a:endParaRPr lang="zh-CN" altLang="en-US" smtClean="0"/>
           </a:p>
           <a:p>
             <a:pPr lvl="3"/>
@@ -792,7 +795,6 @@
               <a:rPr lang="zh-CN" altLang="en-US" smtClean="0"/>
               <a:t>第四级</a:t>
             </a:r>
-            <a:endParaRPr lang="zh-CN" altLang="en-US" smtClean="0"/>
           </a:p>
           <a:p>
             <a:pPr lvl="4"/>
@@ -821,6 +823,8 @@
           <a:p>
             <a:fld id="{530820CF-B880-4189-942D-D702A7CBA730}" type="datetimeFigureOut">
               <a:rPr lang="zh-CN" altLang="en-US" smtClean="0"/>
+              <a:pPr/>
+              <a:t>2020/8/22</a:t>
             </a:fld>
             <a:endParaRPr lang="zh-CN" altLang="en-US"/>
           </a:p>
@@ -862,6 +866,8 @@
           <a:p>
             <a:fld id="{0C913308-F349-4B6D-A68A-DD1791B4A57B}" type="slidenum">
               <a:rPr lang="zh-CN" altLang="en-US" smtClean="0"/>
+              <a:pPr/>
+              <a:t>‹#›</a:t>
             </a:fld>
             <a:endParaRPr lang="zh-CN" altLang="en-US"/>
           </a:p>
@@ -1040,7 +1046,6 @@
               <a:rPr lang="zh-CN" altLang="en-US" smtClean="0"/>
               <a:t>单击此处编辑母版文本样式</a:t>
             </a:r>
-            <a:endParaRPr lang="zh-CN" altLang="en-US" smtClean="0"/>
           </a:p>
         </p:txBody>
       </p:sp>
@@ -1061,6 +1066,8 @@
           <a:p>
             <a:fld id="{530820CF-B880-4189-942D-D702A7CBA730}" type="datetimeFigureOut">
               <a:rPr lang="zh-CN" altLang="en-US" smtClean="0"/>
+              <a:pPr/>
+              <a:t>2020/8/22</a:t>
             </a:fld>
             <a:endParaRPr lang="zh-CN" altLang="en-US"/>
           </a:p>
@@ -1102,6 +1109,8 @@
           <a:p>
             <a:fld id="{0C913308-F349-4B6D-A68A-DD1791B4A57B}" type="slidenum">
               <a:rPr lang="zh-CN" altLang="en-US" smtClean="0"/>
+              <a:pPr/>
+              <a:t>‹#›</a:t>
             </a:fld>
             <a:endParaRPr lang="zh-CN" altLang="en-US"/>
           </a:p>
@@ -1208,7 +1217,6 @@
               <a:rPr lang="zh-CN" altLang="en-US" smtClean="0"/>
               <a:t>单击此处编辑母版文本样式</a:t>
             </a:r>
-            <a:endParaRPr lang="zh-CN" altLang="en-US" smtClean="0"/>
           </a:p>
           <a:p>
             <a:pPr lvl="1"/>
@@ -1216,7 +1224,6 @@
               <a:rPr lang="zh-CN" altLang="en-US" smtClean="0"/>
               <a:t>第二级</a:t>
             </a:r>
-            <a:endParaRPr lang="zh-CN" altLang="en-US" smtClean="0"/>
           </a:p>
           <a:p>
             <a:pPr lvl="2"/>
@@ -1224,7 +1231,6 @@
               <a:rPr lang="zh-CN" altLang="en-US" smtClean="0"/>
               <a:t>第三级</a:t>
             </a:r>
-            <a:endParaRPr lang="zh-CN" altLang="en-US" smtClean="0"/>
           </a:p>
           <a:p>
             <a:pPr lvl="3"/>
@@ -1232,7 +1238,6 @@
               <a:rPr lang="zh-CN" altLang="en-US" smtClean="0"/>
               <a:t>第四级</a:t>
             </a:r>
-            <a:endParaRPr lang="zh-CN" altLang="en-US" smtClean="0"/>
           </a:p>
           <a:p>
             <a:pPr lvl="4"/>
@@ -1297,7 +1302,6 @@
               <a:rPr lang="zh-CN" altLang="en-US" smtClean="0"/>
               <a:t>单击此处编辑母版文本样式</a:t>
             </a:r>
-            <a:endParaRPr lang="zh-CN" altLang="en-US" smtClean="0"/>
           </a:p>
           <a:p>
             <a:pPr lvl="1"/>
@@ -1305,7 +1309,6 @@
               <a:rPr lang="zh-CN" altLang="en-US" smtClean="0"/>
               <a:t>第二级</a:t>
             </a:r>
-            <a:endParaRPr lang="zh-CN" altLang="en-US" smtClean="0"/>
           </a:p>
           <a:p>
             <a:pPr lvl="2"/>
@@ -1313,7 +1316,6 @@
               <a:rPr lang="zh-CN" altLang="en-US" smtClean="0"/>
               <a:t>第三级</a:t>
             </a:r>
-            <a:endParaRPr lang="zh-CN" altLang="en-US" smtClean="0"/>
           </a:p>
           <a:p>
             <a:pPr lvl="3"/>
@@ -1321,7 +1323,6 @@
               <a:rPr lang="zh-CN" altLang="en-US" smtClean="0"/>
               <a:t>第四级</a:t>
             </a:r>
-            <a:endParaRPr lang="zh-CN" altLang="en-US" smtClean="0"/>
           </a:p>
           <a:p>
             <a:pPr lvl="4"/>
@@ -1350,6 +1351,8 @@
           <a:p>
             <a:fld id="{530820CF-B880-4189-942D-D702A7CBA730}" type="datetimeFigureOut">
               <a:rPr lang="zh-CN" altLang="en-US" smtClean="0"/>
+              <a:pPr/>
+              <a:t>2020/8/22</a:t>
             </a:fld>
             <a:endParaRPr lang="zh-CN" altLang="en-US"/>
           </a:p>
@@ -1391,6 +1394,8 @@
           <a:p>
             <a:fld id="{0C913308-F349-4B6D-A68A-DD1791B4A57B}" type="slidenum">
               <a:rPr lang="zh-CN" altLang="en-US" smtClean="0"/>
+              <a:pPr/>
+              <a:t>‹#›</a:t>
             </a:fld>
             <a:endParaRPr lang="zh-CN" altLang="en-US"/>
           </a:p>
@@ -1510,7 +1515,6 @@
               <a:rPr lang="zh-CN" altLang="en-US" smtClean="0"/>
               <a:t>单击此处编辑母版文本样式</a:t>
             </a:r>
-            <a:endParaRPr lang="zh-CN" altLang="en-US" smtClean="0"/>
           </a:p>
         </p:txBody>
       </p:sp>
@@ -1567,7 +1571,6 @@
               <a:rPr lang="zh-CN" altLang="en-US" smtClean="0"/>
               <a:t>单击此处编辑母版文本样式</a:t>
             </a:r>
-            <a:endParaRPr lang="zh-CN" altLang="en-US" smtClean="0"/>
           </a:p>
           <a:p>
             <a:pPr lvl="1"/>
@@ -1575,7 +1578,6 @@
               <a:rPr lang="zh-CN" altLang="en-US" smtClean="0"/>
               <a:t>第二级</a:t>
             </a:r>
-            <a:endParaRPr lang="zh-CN" altLang="en-US" smtClean="0"/>
           </a:p>
           <a:p>
             <a:pPr lvl="2"/>
@@ -1583,7 +1585,6 @@
               <a:rPr lang="zh-CN" altLang="en-US" smtClean="0"/>
               <a:t>第三级</a:t>
             </a:r>
-            <a:endParaRPr lang="zh-CN" altLang="en-US" smtClean="0"/>
           </a:p>
           <a:p>
             <a:pPr lvl="3"/>
@@ -1591,7 +1592,6 @@
               <a:rPr lang="zh-CN" altLang="en-US" smtClean="0"/>
               <a:t>第四级</a:t>
             </a:r>
-            <a:endParaRPr lang="zh-CN" altLang="en-US" smtClean="0"/>
           </a:p>
           <a:p>
             <a:pPr lvl="4"/>
@@ -1665,7 +1665,6 @@
               <a:rPr lang="zh-CN" altLang="en-US" smtClean="0"/>
               <a:t>单击此处编辑母版文本样式</a:t>
             </a:r>
-            <a:endParaRPr lang="zh-CN" altLang="en-US" smtClean="0"/>
           </a:p>
         </p:txBody>
       </p:sp>
@@ -1722,7 +1721,6 @@
               <a:rPr lang="zh-CN" altLang="en-US" smtClean="0"/>
               <a:t>单击此处编辑母版文本样式</a:t>
             </a:r>
-            <a:endParaRPr lang="zh-CN" altLang="en-US" smtClean="0"/>
           </a:p>
           <a:p>
             <a:pPr lvl="1"/>
@@ -1730,7 +1728,6 @@
               <a:rPr lang="zh-CN" altLang="en-US" smtClean="0"/>
               <a:t>第二级</a:t>
             </a:r>
-            <a:endParaRPr lang="zh-CN" altLang="en-US" smtClean="0"/>
           </a:p>
           <a:p>
             <a:pPr lvl="2"/>
@@ -1738,7 +1735,6 @@
               <a:rPr lang="zh-CN" altLang="en-US" smtClean="0"/>
               <a:t>第三级</a:t>
             </a:r>
-            <a:endParaRPr lang="zh-CN" altLang="en-US" smtClean="0"/>
           </a:p>
           <a:p>
             <a:pPr lvl="3"/>
@@ -1746,7 +1742,6 @@
               <a:rPr lang="zh-CN" altLang="en-US" smtClean="0"/>
               <a:t>第四级</a:t>
             </a:r>
-            <a:endParaRPr lang="zh-CN" altLang="en-US" smtClean="0"/>
           </a:p>
           <a:p>
             <a:pPr lvl="4"/>
@@ -1775,6 +1770,8 @@
           <a:p>
             <a:fld id="{530820CF-B880-4189-942D-D702A7CBA730}" type="datetimeFigureOut">
               <a:rPr lang="zh-CN" altLang="en-US" smtClean="0"/>
+              <a:pPr/>
+              <a:t>2020/8/22</a:t>
             </a:fld>
             <a:endParaRPr lang="zh-CN" altLang="en-US"/>
           </a:p>
@@ -1816,6 +1813,8 @@
           <a:p>
             <a:fld id="{0C913308-F349-4B6D-A68A-DD1791B4A57B}" type="slidenum">
               <a:rPr lang="zh-CN" altLang="en-US" smtClean="0"/>
+              <a:pPr/>
+              <a:t>‹#›</a:t>
             </a:fld>
             <a:endParaRPr lang="zh-CN" altLang="en-US"/>
           </a:p>
@@ -1886,6 +1885,8 @@
           <a:p>
             <a:fld id="{530820CF-B880-4189-942D-D702A7CBA730}" type="datetimeFigureOut">
               <a:rPr lang="zh-CN" altLang="en-US" smtClean="0"/>
+              <a:pPr/>
+              <a:t>2020/8/22</a:t>
             </a:fld>
             <a:endParaRPr lang="zh-CN" altLang="en-US"/>
           </a:p>
@@ -1927,6 +1928,8 @@
           <a:p>
             <a:fld id="{0C913308-F349-4B6D-A68A-DD1791B4A57B}" type="slidenum">
               <a:rPr lang="zh-CN" altLang="en-US" smtClean="0"/>
+              <a:pPr/>
+              <a:t>‹#›</a:t>
             </a:fld>
             <a:endParaRPr lang="zh-CN" altLang="en-US"/>
           </a:p>
@@ -1974,6 +1977,8 @@
           <a:p>
             <a:fld id="{530820CF-B880-4189-942D-D702A7CBA730}" type="datetimeFigureOut">
               <a:rPr lang="zh-CN" altLang="en-US" smtClean="0"/>
+              <a:pPr/>
+              <a:t>2020/8/22</a:t>
             </a:fld>
             <a:endParaRPr lang="zh-CN" altLang="en-US"/>
           </a:p>
@@ -2015,6 +2020,8 @@
           <a:p>
             <a:fld id="{0C913308-F349-4B6D-A68A-DD1791B4A57B}" type="slidenum">
               <a:rPr lang="zh-CN" altLang="en-US" smtClean="0"/>
+              <a:pPr/>
+              <a:t>‹#›</a:t>
             </a:fld>
             <a:endParaRPr lang="zh-CN" altLang="en-US"/>
           </a:p>
@@ -2130,7 +2137,6 @@
               <a:rPr lang="zh-CN" altLang="en-US" smtClean="0"/>
               <a:t>单击此处编辑母版文本样式</a:t>
             </a:r>
-            <a:endParaRPr lang="zh-CN" altLang="en-US" smtClean="0"/>
           </a:p>
           <a:p>
             <a:pPr lvl="1"/>
@@ -2138,7 +2144,6 @@
               <a:rPr lang="zh-CN" altLang="en-US" smtClean="0"/>
               <a:t>第二级</a:t>
             </a:r>
-            <a:endParaRPr lang="zh-CN" altLang="en-US" smtClean="0"/>
           </a:p>
           <a:p>
             <a:pPr lvl="2"/>
@@ -2146,7 +2151,6 @@
               <a:rPr lang="zh-CN" altLang="en-US" smtClean="0"/>
               <a:t>第三级</a:t>
             </a:r>
-            <a:endParaRPr lang="zh-CN" altLang="en-US" smtClean="0"/>
           </a:p>
           <a:p>
             <a:pPr lvl="3"/>
@@ -2154,7 +2158,6 @@
               <a:rPr lang="zh-CN" altLang="en-US" smtClean="0"/>
               <a:t>第四级</a:t>
             </a:r>
-            <a:endParaRPr lang="zh-CN" altLang="en-US" smtClean="0"/>
           </a:p>
           <a:p>
             <a:pPr lvl="4"/>
@@ -2228,7 +2231,6 @@
               <a:rPr lang="zh-CN" altLang="en-US" smtClean="0"/>
               <a:t>单击此处编辑母版文本样式</a:t>
             </a:r>
-            <a:endParaRPr lang="zh-CN" altLang="en-US" smtClean="0"/>
           </a:p>
         </p:txBody>
       </p:sp>
@@ -2249,6 +2251,8 @@
           <a:p>
             <a:fld id="{530820CF-B880-4189-942D-D702A7CBA730}" type="datetimeFigureOut">
               <a:rPr lang="zh-CN" altLang="en-US" smtClean="0"/>
+              <a:pPr/>
+              <a:t>2020/8/22</a:t>
             </a:fld>
             <a:endParaRPr lang="zh-CN" altLang="en-US"/>
           </a:p>
@@ -2290,6 +2294,8 @@
           <a:p>
             <a:fld id="{0C913308-F349-4B6D-A68A-DD1791B4A57B}" type="slidenum">
               <a:rPr lang="zh-CN" altLang="en-US" smtClean="0"/>
+              <a:pPr/>
+              <a:t>‹#›</a:t>
             </a:fld>
             <a:endParaRPr lang="zh-CN" altLang="en-US"/>
           </a:p>
@@ -2475,7 +2481,6 @@
               <a:rPr lang="zh-CN" altLang="en-US" smtClean="0"/>
               <a:t>单击此处编辑母版文本样式</a:t>
             </a:r>
-            <a:endParaRPr lang="zh-CN" altLang="en-US" smtClean="0"/>
           </a:p>
         </p:txBody>
       </p:sp>
@@ -2496,6 +2501,8 @@
           <a:p>
             <a:fld id="{530820CF-B880-4189-942D-D702A7CBA730}" type="datetimeFigureOut">
               <a:rPr lang="zh-CN" altLang="en-US" smtClean="0"/>
+              <a:pPr/>
+              <a:t>2020/8/22</a:t>
             </a:fld>
             <a:endParaRPr lang="zh-CN" altLang="en-US"/>
           </a:p>
@@ -2537,6 +2544,8 @@
           <a:p>
             <a:fld id="{0C913308-F349-4B6D-A68A-DD1791B4A57B}" type="slidenum">
               <a:rPr lang="zh-CN" altLang="en-US" smtClean="0"/>
+              <a:pPr/>
+              <a:t>‹#›</a:t>
             </a:fld>
             <a:endParaRPr lang="zh-CN" altLang="en-US"/>
           </a:p>
@@ -2635,7 +2644,6 @@
               <a:rPr lang="zh-CN" altLang="en-US" smtClean="0"/>
               <a:t>单击此处编辑母版文本样式</a:t>
             </a:r>
-            <a:endParaRPr lang="zh-CN" altLang="en-US" smtClean="0"/>
           </a:p>
           <a:p>
             <a:pPr lvl="1"/>
@@ -2643,7 +2651,6 @@
               <a:rPr lang="zh-CN" altLang="en-US" smtClean="0"/>
               <a:t>第二级</a:t>
             </a:r>
-            <a:endParaRPr lang="zh-CN" altLang="en-US" smtClean="0"/>
           </a:p>
           <a:p>
             <a:pPr lvl="2"/>
@@ -2651,7 +2658,6 @@
               <a:rPr lang="zh-CN" altLang="en-US" smtClean="0"/>
               <a:t>第三级</a:t>
             </a:r>
-            <a:endParaRPr lang="zh-CN" altLang="en-US" smtClean="0"/>
           </a:p>
           <a:p>
             <a:pPr lvl="3"/>
@@ -2659,7 +2665,6 @@
               <a:rPr lang="zh-CN" altLang="en-US" smtClean="0"/>
               <a:t>第四级</a:t>
             </a:r>
-            <a:endParaRPr lang="zh-CN" altLang="en-US" smtClean="0"/>
           </a:p>
           <a:p>
             <a:pPr lvl="4"/>
@@ -2706,6 +2711,8 @@
           <a:p>
             <a:fld id="{530820CF-B880-4189-942D-D702A7CBA730}" type="datetimeFigureOut">
               <a:rPr lang="zh-CN" altLang="en-US" smtClean="0"/>
+              <a:pPr/>
+              <a:t>2020/8/22</a:t>
             </a:fld>
             <a:endParaRPr lang="zh-CN" altLang="en-US"/>
           </a:p>
@@ -2783,6 +2790,8 @@
           <a:p>
             <a:fld id="{0C913308-F349-4B6D-A68A-DD1791B4A57B}" type="slidenum">
               <a:rPr lang="zh-CN" altLang="en-US" smtClean="0"/>
+              <a:pPr/>
+              <a:t>‹#›</a:t>
             </a:fld>
             <a:endParaRPr lang="zh-CN" altLang="en-US"/>
           </a:p>
@@ -3100,7 +3109,6 @@
               <a:rPr lang="zh-CN" altLang="en-US" sz="6600" b="1" dirty="0"/>
               <a:t>赋值与拷贝</a:t>
             </a:r>
-            <a:endParaRPr lang="zh-CN" altLang="en-US" sz="6600" b="1" dirty="0"/>
           </a:p>
         </p:txBody>
       </p:sp>
@@ -3165,13 +3173,13 @@
         </p:style>
         <p:txBody>
           <a:bodyPr rtlCol="0" anchor="ctr"/>
+          <a:lstStyle/>
           <a:p>
             <a:pPr algn="ctr"/>
             <a:r>
               <a:rPr lang="zh-CN" altLang="en-US" dirty="0"/>
               <a:t>从中序和后序重构</a:t>
             </a:r>
-            <a:endParaRPr lang="zh-CN" altLang="en-US" dirty="0"/>
           </a:p>
         </p:txBody>
       </p:sp>
@@ -3208,13 +3216,13 @@
         </p:style>
         <p:txBody>
           <a:bodyPr rtlCol="0" anchor="ctr"/>
+          <a:lstStyle/>
           <a:p>
             <a:pPr algn="ctr"/>
             <a:r>
               <a:rPr lang="en-US" altLang="zh-CN"/>
               <a:t>1</a:t>
             </a:r>
-            <a:endParaRPr lang="en-US" altLang="zh-CN"/>
           </a:p>
         </p:txBody>
       </p:sp>
@@ -3290,13 +3298,13 @@
         </p:style>
         <p:txBody>
           <a:bodyPr rtlCol="0" anchor="ctr"/>
+          <a:lstStyle/>
           <a:p>
             <a:pPr algn="ctr"/>
             <a:r>
               <a:rPr lang="en-US" altLang="zh-CN"/>
               <a:t>2</a:t>
             </a:r>
-            <a:endParaRPr lang="en-US" altLang="zh-CN"/>
           </a:p>
         </p:txBody>
       </p:sp>
@@ -3333,13 +3341,13 @@
         </p:style>
         <p:txBody>
           <a:bodyPr rtlCol="0" anchor="ctr"/>
+          <a:lstStyle/>
           <a:p>
             <a:pPr algn="ctr"/>
             <a:r>
               <a:rPr lang="en-US" altLang="zh-CN"/>
               <a:t>3</a:t>
             </a:r>
-            <a:endParaRPr lang="en-US" altLang="zh-CN"/>
           </a:p>
         </p:txBody>
       </p:sp>
@@ -3376,13 +3384,13 @@
         </p:style>
         <p:txBody>
           <a:bodyPr rtlCol="0" anchor="ctr"/>
+          <a:lstStyle/>
           <a:p>
             <a:pPr algn="ctr"/>
             <a:r>
               <a:rPr lang="en-US" altLang="zh-CN"/>
               <a:t>4</a:t>
             </a:r>
-            <a:endParaRPr lang="en-US" altLang="zh-CN"/>
           </a:p>
         </p:txBody>
       </p:sp>
@@ -3419,13 +3427,13 @@
         </p:style>
         <p:txBody>
           <a:bodyPr rtlCol="0" anchor="ctr"/>
+          <a:lstStyle/>
           <a:p>
             <a:pPr algn="ctr"/>
             <a:r>
               <a:rPr lang="en-US" altLang="zh-CN"/>
               <a:t>5</a:t>
             </a:r>
-            <a:endParaRPr lang="en-US" altLang="zh-CN"/>
           </a:p>
         </p:txBody>
       </p:sp>
@@ -3566,6 +3574,7 @@
           <a:bodyPr wrap="square" rtlCol="0">
             <a:spAutoFit/>
           </a:bodyPr>
+          <a:lstStyle/>
           <a:p>
             <a:r>
               <a:rPr lang="zh-CN" altLang="en-US"/>
@@ -3583,7 +3592,6 @@
               <a:rPr lang="en-US" altLang="zh-CN"/>
               <a:t>2 1 4 3 5</a:t>
             </a:r>
-            <a:endParaRPr lang="en-US" altLang="zh-CN"/>
           </a:p>
         </p:txBody>
       </p:sp>
@@ -3607,6 +3615,7 @@
           <a:bodyPr wrap="square" rtlCol="0">
             <a:spAutoFit/>
           </a:bodyPr>
+          <a:lstStyle/>
           <a:p>
             <a:r>
               <a:rPr lang="zh-CN" altLang="en-US"/>
@@ -3624,7 +3633,6 @@
               <a:rPr lang="en-US" altLang="zh-CN"/>
               <a:t>2 4 5 3 1</a:t>
             </a:r>
-            <a:endParaRPr lang="en-US" altLang="zh-CN"/>
           </a:p>
         </p:txBody>
       </p:sp>
@@ -3648,6 +3656,7 @@
           <a:bodyPr wrap="none" rtlCol="0">
             <a:spAutoFit/>
           </a:bodyPr>
+          <a:lstStyle/>
           <a:p>
             <a:r>
               <a:rPr lang="zh-CN" altLang="en-US"/>
@@ -3657,7 +3666,6 @@
               <a:rPr lang="en-US" altLang="zh-CN"/>
               <a:t>1</a:t>
             </a:r>
-            <a:endParaRPr lang="en-US" altLang="zh-CN"/>
           </a:p>
           <a:p>
             <a:r>
@@ -3668,7 +3676,6 @@
               <a:rPr lang="en-US" altLang="zh-CN"/>
               <a:t>:2</a:t>
             </a:r>
-            <a:endParaRPr lang="en-US" altLang="zh-CN"/>
           </a:p>
           <a:p>
             <a:r>
@@ -3679,14 +3686,12 @@
               <a:rPr lang="en-US" altLang="zh-CN"/>
               <a:t>4 3 5</a:t>
             </a:r>
-            <a:endParaRPr lang="en-US" altLang="zh-CN"/>
           </a:p>
           <a:p>
             <a:r>
               <a:rPr lang="zh-CN" altLang="en-US"/>
               <a:t>根据左子树中序的长度：</a:t>
             </a:r>
-            <a:endParaRPr lang="zh-CN" altLang="en-US"/>
           </a:p>
           <a:p>
             <a:r>
@@ -3697,7 +3702,6 @@
               <a:rPr lang="en-US" altLang="zh-CN"/>
               <a:t>2</a:t>
             </a:r>
-            <a:endParaRPr lang="en-US" altLang="zh-CN"/>
           </a:p>
           <a:p>
             <a:r>
@@ -3708,7 +3712,6 @@
               <a:rPr lang="en-US" altLang="zh-CN"/>
               <a:t>4 5 3</a:t>
             </a:r>
-            <a:endParaRPr lang="en-US" altLang="zh-CN"/>
           </a:p>
           <a:p>
             <a:endParaRPr lang="en-US" altLang="zh-CN"/>
@@ -3783,13 +3786,13 @@
         </p:style>
         <p:txBody>
           <a:bodyPr rtlCol="0" anchor="ctr"/>
+          <a:lstStyle/>
           <a:p>
             <a:pPr algn="ctr"/>
             <a:r>
               <a:rPr lang="zh-CN" altLang="en-US" dirty="0"/>
               <a:t>从中序和先序重构</a:t>
             </a:r>
-            <a:endParaRPr lang="zh-CN" altLang="en-US" dirty="0"/>
           </a:p>
         </p:txBody>
       </p:sp>
@@ -3826,13 +3829,13 @@
         </p:style>
         <p:txBody>
           <a:bodyPr rtlCol="0" anchor="ctr"/>
+          <a:lstStyle/>
           <a:p>
             <a:pPr algn="ctr"/>
             <a:r>
               <a:rPr lang="en-US" altLang="zh-CN"/>
               <a:t>1</a:t>
             </a:r>
-            <a:endParaRPr lang="en-US" altLang="zh-CN"/>
           </a:p>
         </p:txBody>
       </p:sp>
@@ -3908,13 +3911,13 @@
         </p:style>
         <p:txBody>
           <a:bodyPr rtlCol="0" anchor="ctr"/>
+          <a:lstStyle/>
           <a:p>
             <a:pPr algn="ctr"/>
             <a:r>
               <a:rPr lang="en-US" altLang="zh-CN"/>
               <a:t>2</a:t>
             </a:r>
-            <a:endParaRPr lang="en-US" altLang="zh-CN"/>
           </a:p>
         </p:txBody>
       </p:sp>
@@ -3951,13 +3954,13 @@
         </p:style>
         <p:txBody>
           <a:bodyPr rtlCol="0" anchor="ctr"/>
+          <a:lstStyle/>
           <a:p>
             <a:pPr algn="ctr"/>
             <a:r>
               <a:rPr lang="en-US" altLang="zh-CN"/>
               <a:t>3</a:t>
             </a:r>
-            <a:endParaRPr lang="en-US" altLang="zh-CN"/>
           </a:p>
         </p:txBody>
       </p:sp>
@@ -3994,13 +3997,13 @@
         </p:style>
         <p:txBody>
           <a:bodyPr rtlCol="0" anchor="ctr"/>
+          <a:lstStyle/>
           <a:p>
             <a:pPr algn="ctr"/>
             <a:r>
               <a:rPr lang="en-US" altLang="zh-CN"/>
               <a:t>4</a:t>
             </a:r>
-            <a:endParaRPr lang="en-US" altLang="zh-CN"/>
           </a:p>
         </p:txBody>
       </p:sp>
@@ -4037,13 +4040,13 @@
         </p:style>
         <p:txBody>
           <a:bodyPr rtlCol="0" anchor="ctr"/>
+          <a:lstStyle/>
           <a:p>
             <a:pPr algn="ctr"/>
             <a:r>
               <a:rPr lang="en-US" altLang="zh-CN"/>
               <a:t>5</a:t>
             </a:r>
-            <a:endParaRPr lang="en-US" altLang="zh-CN"/>
           </a:p>
         </p:txBody>
       </p:sp>
@@ -4184,6 +4187,7 @@
           <a:bodyPr wrap="square" rtlCol="0">
             <a:spAutoFit/>
           </a:bodyPr>
+          <a:lstStyle/>
           <a:p>
             <a:r>
               <a:rPr lang="zh-CN" altLang="en-US"/>
@@ -4201,7 +4205,6 @@
               <a:rPr lang="en-US" altLang="zh-CN"/>
               <a:t>1 2 3 4 5</a:t>
             </a:r>
-            <a:endParaRPr lang="en-US" altLang="zh-CN"/>
           </a:p>
         </p:txBody>
       </p:sp>
@@ -4225,6 +4228,7 @@
           <a:bodyPr wrap="square" rtlCol="0">
             <a:spAutoFit/>
           </a:bodyPr>
+          <a:lstStyle/>
           <a:p>
             <a:r>
               <a:rPr lang="zh-CN" altLang="en-US"/>
@@ -4242,7 +4246,6 @@
               <a:rPr lang="en-US" altLang="zh-CN"/>
               <a:t>2 1 4 3 5</a:t>
             </a:r>
-            <a:endParaRPr lang="en-US" altLang="zh-CN"/>
           </a:p>
         </p:txBody>
       </p:sp>
@@ -4266,6 +4269,7 @@
           <a:bodyPr wrap="none" rtlCol="0">
             <a:spAutoFit/>
           </a:bodyPr>
+          <a:lstStyle/>
           <a:p>
             <a:r>
               <a:rPr lang="zh-CN" altLang="en-US"/>
@@ -4275,7 +4279,6 @@
               <a:rPr lang="en-US" altLang="zh-CN"/>
               <a:t>1</a:t>
             </a:r>
-            <a:endParaRPr lang="en-US" altLang="zh-CN"/>
           </a:p>
           <a:p>
             <a:r>
@@ -4286,7 +4289,6 @@
               <a:rPr lang="en-US" altLang="zh-CN"/>
               <a:t>:2</a:t>
             </a:r>
-            <a:endParaRPr lang="en-US" altLang="zh-CN"/>
           </a:p>
           <a:p>
             <a:r>
@@ -4297,14 +4299,12 @@
               <a:rPr lang="en-US" altLang="zh-CN"/>
               <a:t>4 3 5</a:t>
             </a:r>
-            <a:endParaRPr lang="en-US" altLang="zh-CN"/>
           </a:p>
           <a:p>
             <a:r>
               <a:rPr lang="zh-CN" altLang="en-US"/>
               <a:t>根据左子树中序的长度：</a:t>
             </a:r>
-            <a:endParaRPr lang="zh-CN" altLang="en-US"/>
           </a:p>
           <a:p>
             <a:r>
@@ -4315,7 +4315,6 @@
               <a:rPr lang="en-US" altLang="zh-CN"/>
               <a:t>2</a:t>
             </a:r>
-            <a:endParaRPr lang="en-US" altLang="zh-CN"/>
           </a:p>
           <a:p>
             <a:r>
@@ -4326,7 +4325,6 @@
               <a:rPr lang="en-US" altLang="zh-CN"/>
               <a:t>345</a:t>
             </a:r>
-            <a:endParaRPr lang="en-US" altLang="zh-CN"/>
           </a:p>
           <a:p>
             <a:endParaRPr lang="en-US" altLang="zh-CN"/>
@@ -4401,13 +4399,13 @@
         </p:style>
         <p:txBody>
           <a:bodyPr rtlCol="0" anchor="ctr"/>
+          <a:lstStyle/>
           <a:p>
             <a:pPr algn="ctr"/>
             <a:r>
               <a:rPr lang="zh-CN" altLang="en-US" dirty="0"/>
               <a:t>从后序和先序重构</a:t>
             </a:r>
-            <a:endParaRPr lang="zh-CN" altLang="en-US" dirty="0"/>
           </a:p>
         </p:txBody>
       </p:sp>
@@ -4444,13 +4442,13 @@
         </p:style>
         <p:txBody>
           <a:bodyPr rtlCol="0" anchor="ctr"/>
+          <a:lstStyle/>
           <a:p>
             <a:pPr algn="ctr"/>
             <a:r>
               <a:rPr lang="en-US" altLang="zh-CN"/>
               <a:t>1</a:t>
             </a:r>
-            <a:endParaRPr lang="en-US" altLang="zh-CN"/>
           </a:p>
         </p:txBody>
       </p:sp>
@@ -4526,13 +4524,13 @@
         </p:style>
         <p:txBody>
           <a:bodyPr rtlCol="0" anchor="ctr"/>
+          <a:lstStyle/>
           <a:p>
             <a:pPr algn="ctr"/>
             <a:r>
               <a:rPr lang="en-US" altLang="zh-CN"/>
               <a:t>2</a:t>
             </a:r>
-            <a:endParaRPr lang="en-US" altLang="zh-CN"/>
           </a:p>
         </p:txBody>
       </p:sp>
@@ -4569,13 +4567,13 @@
         </p:style>
         <p:txBody>
           <a:bodyPr rtlCol="0" anchor="ctr"/>
+          <a:lstStyle/>
           <a:p>
             <a:pPr algn="ctr"/>
             <a:r>
               <a:rPr lang="en-US" altLang="zh-CN"/>
               <a:t>3</a:t>
             </a:r>
-            <a:endParaRPr lang="en-US" altLang="zh-CN"/>
           </a:p>
         </p:txBody>
       </p:sp>
@@ -4612,13 +4610,13 @@
         </p:style>
         <p:txBody>
           <a:bodyPr rtlCol="0" anchor="ctr"/>
+          <a:lstStyle/>
           <a:p>
             <a:pPr algn="ctr"/>
             <a:r>
               <a:rPr lang="en-US" altLang="zh-CN"/>
               <a:t>4</a:t>
             </a:r>
-            <a:endParaRPr lang="en-US" altLang="zh-CN"/>
           </a:p>
         </p:txBody>
       </p:sp>
@@ -4655,13 +4653,13 @@
         </p:style>
         <p:txBody>
           <a:bodyPr rtlCol="0" anchor="ctr"/>
+          <a:lstStyle/>
           <a:p>
             <a:pPr algn="ctr"/>
             <a:r>
               <a:rPr lang="en-US" altLang="zh-CN"/>
               <a:t>5</a:t>
             </a:r>
-            <a:endParaRPr lang="en-US" altLang="zh-CN"/>
           </a:p>
         </p:txBody>
       </p:sp>
@@ -4816,6 +4814,7 @@
             <a:bodyPr wrap="square" rtlCol="0">
               <a:spAutoFit/>
             </a:bodyPr>
+            <a:lstStyle/>
             <a:p>
               <a:r>
                 <a:rPr lang="zh-CN" altLang="en-US"/>
@@ -4833,7 +4832,6 @@
                 <a:rPr lang="en-US" altLang="zh-CN"/>
                 <a:t>1 2 3 4 5</a:t>
               </a:r>
-              <a:endParaRPr lang="en-US" altLang="zh-CN"/>
             </a:p>
           </p:txBody>
         </p:sp>
@@ -4857,6 +4855,7 @@
             <a:bodyPr wrap="square" rtlCol="0">
               <a:spAutoFit/>
             </a:bodyPr>
+            <a:lstStyle/>
             <a:p>
               <a:r>
                 <a:rPr lang="zh-CN" altLang="en-US"/>
@@ -4874,7 +4873,6 @@
                 <a:rPr lang="en-US" altLang="zh-CN"/>
                 <a:t>2 4 5 3 1</a:t>
               </a:r>
-              <a:endParaRPr lang="en-US" altLang="zh-CN"/>
             </a:p>
           </p:txBody>
         </p:sp>
@@ -4899,6 +4897,7 @@
           <a:bodyPr wrap="none" rtlCol="0">
             <a:spAutoFit/>
           </a:bodyPr>
+          <a:lstStyle/>
           <a:p>
             <a:r>
               <a:rPr lang="zh-CN" altLang="en-US"/>
@@ -4908,28 +4907,24 @@
               <a:rPr lang="en-US" altLang="zh-CN"/>
               <a:t>1</a:t>
             </a:r>
-            <a:endParaRPr lang="en-US" altLang="zh-CN"/>
           </a:p>
           <a:p>
             <a:r>
               <a:rPr lang="zh-CN" altLang="en-US" b="1"/>
               <a:t>左右子树无法划分</a:t>
             </a:r>
-            <a:endParaRPr lang="zh-CN" altLang="en-US" b="1"/>
           </a:p>
           <a:p>
             <a:r>
               <a:rPr lang="zh-CN" altLang="en-US"/>
               <a:t>可行解：设定先序遍历</a:t>
             </a:r>
-            <a:endParaRPr lang="zh-CN" altLang="en-US"/>
           </a:p>
           <a:p>
             <a:r>
               <a:rPr lang="zh-CN" altLang="en-US"/>
               <a:t>第一个节点为单节点左子树</a:t>
             </a:r>
-            <a:endParaRPr lang="zh-CN" altLang="en-US"/>
           </a:p>
         </p:txBody>
       </p:sp>
@@ -4966,13 +4961,13 @@
         </p:style>
         <p:txBody>
           <a:bodyPr rtlCol="0" anchor="ctr"/>
+          <a:lstStyle/>
           <a:p>
             <a:pPr algn="ctr"/>
             <a:r>
               <a:rPr lang="en-US" altLang="zh-CN"/>
               <a:t>1</a:t>
             </a:r>
-            <a:endParaRPr lang="en-US" altLang="zh-CN"/>
           </a:p>
         </p:txBody>
       </p:sp>
@@ -5048,13 +5043,13 @@
         </p:style>
         <p:txBody>
           <a:bodyPr rtlCol="0" anchor="ctr"/>
+          <a:lstStyle/>
           <a:p>
             <a:pPr algn="ctr"/>
             <a:r>
               <a:rPr lang="en-US" altLang="zh-CN"/>
               <a:t>2</a:t>
             </a:r>
-            <a:endParaRPr lang="en-US" altLang="zh-CN"/>
           </a:p>
         </p:txBody>
       </p:sp>
@@ -5091,13 +5086,13 @@
         </p:style>
         <p:txBody>
           <a:bodyPr rtlCol="0" anchor="ctr"/>
+          <a:lstStyle/>
           <a:p>
             <a:pPr algn="ctr"/>
             <a:r>
               <a:rPr lang="en-US" altLang="zh-CN"/>
               <a:t>3</a:t>
             </a:r>
-            <a:endParaRPr lang="en-US" altLang="zh-CN"/>
           </a:p>
         </p:txBody>
       </p:sp>
@@ -5134,13 +5129,13 @@
         </p:style>
         <p:txBody>
           <a:bodyPr rtlCol="0" anchor="ctr"/>
+          <a:lstStyle/>
           <a:p>
             <a:pPr algn="ctr"/>
             <a:r>
               <a:rPr lang="en-US" altLang="zh-CN"/>
               <a:t>4</a:t>
             </a:r>
-            <a:endParaRPr lang="en-US" altLang="zh-CN"/>
           </a:p>
         </p:txBody>
       </p:sp>
@@ -5177,13 +5172,13 @@
         </p:style>
         <p:txBody>
           <a:bodyPr rtlCol="0" anchor="ctr"/>
+          <a:lstStyle/>
           <a:p>
             <a:pPr algn="ctr"/>
             <a:r>
               <a:rPr lang="en-US" altLang="zh-CN"/>
               <a:t>5</a:t>
             </a:r>
-            <a:endParaRPr lang="en-US" altLang="zh-CN"/>
           </a:p>
         </p:txBody>
       </p:sp>
@@ -5324,6 +5319,7 @@
           <a:bodyPr wrap="square" rtlCol="0">
             <a:spAutoFit/>
           </a:bodyPr>
+          <a:lstStyle/>
           <a:p>
             <a:r>
               <a:rPr lang="zh-CN" altLang="en-US" b="1">
@@ -5333,11 +5329,6 @@
               </a:rPr>
               <a:t>小结：重构必须用到中序遍历</a:t>
             </a:r>
-            <a:endParaRPr lang="zh-CN" altLang="en-US" b="1">
-              <a:solidFill>
-                <a:srgbClr val="FF0000"/>
-              </a:solidFill>
-            </a:endParaRPr>
           </a:p>
         </p:txBody>
       </p:sp>
@@ -8276,11 +8267,7 @@
           <a:p>
             <a:r>
               <a:rPr lang="zh-CN" altLang="en-US" sz="6600" b="1" dirty="0" smtClean="0"/>
-              <a:t>子</a:t>
-            </a:r>
-            <a:r>
-              <a:rPr lang="zh-CN" altLang="en-US" sz="6600" b="1" dirty="0" smtClean="0"/>
-              <a:t>串子序列问题</a:t>
+              <a:t>子串子序列问题</a:t>
             </a:r>
             <a:endParaRPr lang="zh-CN" altLang="en-US" sz="6600" b="1" dirty="0"/>
           </a:p>
@@ -8319,6 +8306,7 @@
         </p:style>
         <p:txBody>
           <a:bodyPr rtlCol="0" anchor="ctr"/>
+          <a:lstStyle/>
           <a:p>
             <a:pPr algn="ctr"/>
             <a:endParaRPr lang="zh-CN" altLang="en-US">
@@ -8338,7 +8326,7 @@
         <p:spPr>
           <a:xfrm>
             <a:off x="1731010" y="2820035"/>
-            <a:ext cx="5786755" cy="368300"/>
+            <a:ext cx="5786755" cy="1477328"/>
           </a:xfrm>
           <a:prstGeom prst="rect">
             <a:avLst/>
@@ -8349,17 +8337,30 @@
           <a:bodyPr wrap="square" rtlCol="0">
             <a:spAutoFit/>
           </a:bodyPr>
-          <a:p>
-            <a:r>
-              <a:rPr lang="en-US" altLang="zh-CN"/>
+          <a:lstStyle/>
+          <a:p>
+            <a:r>
+              <a:rPr lang="en-US" altLang="zh-CN" dirty="0"/>
               <a:t>1</a:t>
             </a:r>
             <a:r>
-              <a:rPr lang="zh-CN" altLang="en-US"/>
-              <a:t>、</a:t>
-            </a:r>
-            <a:r>
-              <a:rPr lang="zh-CN" altLang="en-US" b="1">
+              <a:rPr lang="zh-CN" altLang="en-US" dirty="0" smtClean="0"/>
+              <a:t>、滑动</a:t>
+            </a:r>
+            <a:r>
+              <a:rPr lang="zh-CN" altLang="en-US" dirty="0"/>
+              <a:t>窗口内的最大</a:t>
+            </a:r>
+            <a:r>
+              <a:rPr lang="zh-CN" altLang="en-US" dirty="0" smtClean="0"/>
+              <a:t>值</a:t>
+            </a:r>
+            <a:r>
+              <a:rPr lang="en-US" altLang="zh-CN" dirty="0" smtClean="0"/>
+              <a:t>-</a:t>
+            </a:r>
+            <a:r>
+              <a:rPr lang="zh-CN" altLang="en-US" b="1" dirty="0" smtClean="0">
                 <a:solidFill>
                   <a:schemeClr val="accent6">
                     <a:lumMod val="75000"/>
@@ -8368,15 +8369,121 @@
               </a:rPr>
               <a:t>单调队列</a:t>
             </a:r>
-            <a:r>
-              <a:rPr lang="en-US" altLang="zh-CN"/>
+            <a:endParaRPr lang="en-US" altLang="zh-CN" b="1" dirty="0" smtClean="0">
+              <a:solidFill>
+                <a:schemeClr val="accent6">
+                  <a:lumMod val="75000"/>
+                </a:schemeClr>
+              </a:solidFill>
+            </a:endParaRPr>
+          </a:p>
+          <a:p>
+            <a:r>
+              <a:rPr lang="en-US" altLang="zh-CN" dirty="0" smtClean="0"/>
+              <a:t>2</a:t>
+            </a:r>
+            <a:r>
+              <a:rPr lang="zh-CN" altLang="en-US" dirty="0" smtClean="0"/>
+              <a:t>、最长</a:t>
+            </a:r>
+            <a:r>
+              <a:rPr lang="zh-CN" altLang="en-US" dirty="0" smtClean="0">
+                <a:solidFill>
+                  <a:srgbClr val="FF0000"/>
+                </a:solidFill>
+              </a:rPr>
+              <a:t>上升</a:t>
+            </a:r>
+            <a:r>
+              <a:rPr lang="zh-CN" altLang="en-US" dirty="0" smtClean="0"/>
+              <a:t>子序列</a:t>
+            </a:r>
+            <a:r>
+              <a:rPr lang="en-US" altLang="zh-CN" dirty="0" smtClean="0"/>
               <a:t>-</a:t>
             </a:r>
             <a:r>
-              <a:rPr lang="zh-CN" altLang="en-US"/>
-              <a:t>滑动窗口内的最大值</a:t>
-            </a:r>
-            <a:endParaRPr lang="zh-CN" altLang="en-US"/>
+              <a:rPr lang="zh-CN" altLang="en-US" dirty="0" smtClean="0"/>
+              <a:t>动态规划</a:t>
+            </a:r>
+            <a:endParaRPr lang="en-US" altLang="zh-CN" dirty="0" smtClean="0"/>
+          </a:p>
+          <a:p>
+            <a:r>
+              <a:rPr lang="en-US" altLang="zh-CN" dirty="0" smtClean="0"/>
+              <a:t>3</a:t>
+            </a:r>
+            <a:r>
+              <a:rPr lang="zh-CN" altLang="en-US" dirty="0" smtClean="0"/>
+              <a:t>、最长</a:t>
+            </a:r>
+            <a:r>
+              <a:rPr lang="zh-CN" altLang="en-US" dirty="0" smtClean="0">
+                <a:solidFill>
+                  <a:srgbClr val="FF0000"/>
+                </a:solidFill>
+              </a:rPr>
+              <a:t>公共</a:t>
+            </a:r>
+            <a:r>
+              <a:rPr lang="zh-CN" altLang="en-US" dirty="0" smtClean="0"/>
+              <a:t>子序列</a:t>
+            </a:r>
+            <a:r>
+              <a:rPr lang="en-US" altLang="zh-CN" dirty="0" smtClean="0"/>
+              <a:t>-</a:t>
+            </a:r>
+            <a:r>
+              <a:rPr lang="zh-CN" altLang="en-US" dirty="0" smtClean="0"/>
+              <a:t>动态规划</a:t>
+            </a:r>
+            <a:r>
+              <a:rPr lang="en-US" altLang="zh-CN" dirty="0" smtClean="0"/>
+              <a:t>-</a:t>
+            </a:r>
+            <a:r>
+              <a:rPr lang="zh-CN" altLang="en-US" dirty="0" smtClean="0"/>
+              <a:t>贪心</a:t>
+            </a:r>
+            <a:endParaRPr lang="en-US" altLang="zh-CN" dirty="0" smtClean="0"/>
+          </a:p>
+          <a:p>
+            <a:r>
+              <a:rPr lang="en-US" altLang="zh-CN" dirty="0" smtClean="0"/>
+              <a:t>4</a:t>
+            </a:r>
+            <a:r>
+              <a:rPr lang="zh-CN" altLang="en-US" dirty="0" smtClean="0"/>
+              <a:t>、最长</a:t>
+            </a:r>
+            <a:r>
+              <a:rPr lang="zh-CN" altLang="en-US" dirty="0" smtClean="0">
+                <a:solidFill>
+                  <a:srgbClr val="FF0000"/>
+                </a:solidFill>
+              </a:rPr>
+              <a:t>公共子串</a:t>
+            </a:r>
+            <a:r>
+              <a:rPr lang="en-US" altLang="zh-CN" dirty="0" smtClean="0"/>
+              <a:t>-</a:t>
+            </a:r>
+            <a:r>
+              <a:rPr lang="zh-CN" altLang="en-US" dirty="0" smtClean="0"/>
+              <a:t>动态规划</a:t>
+            </a:r>
+            <a:r>
+              <a:rPr lang="en-US" altLang="zh-CN" dirty="0" smtClean="0"/>
+              <a:t>-</a:t>
+            </a:r>
+            <a:r>
+              <a:rPr lang="zh-CN" altLang="en-US" dirty="0" smtClean="0"/>
+              <a:t>清空</a:t>
+            </a:r>
+            <a:endParaRPr lang="en-US" altLang="zh-CN" dirty="0" smtClean="0"/>
+          </a:p>
+          <a:p>
+            <a:endParaRPr lang="zh-CN" altLang="en-US" dirty="0"/>
           </a:p>
         </p:txBody>
       </p:sp>
@@ -8439,10 +8546,6 @@
               </a:rPr>
               <a:t>滑动窗口的最大值</a:t>
             </a:r>
-            <a:endParaRPr lang="zh-CN" altLang="en-US" sz="1350" b="1" dirty="0">
-              <a:latin typeface="宋体" panose="02010600030101010101" pitchFamily="2" charset="-122"/>
-              <a:ea typeface="宋体" panose="02010600030101010101" pitchFamily="2" charset="-122"/>
-            </a:endParaRPr>
           </a:p>
         </p:txBody>
       </p:sp>
@@ -8479,13 +8582,13 @@
         </p:style>
         <p:txBody>
           <a:bodyPr rtlCol="0" anchor="ctr"/>
+          <a:lstStyle/>
           <a:p>
             <a:pPr algn="ctr"/>
             <a:r>
               <a:rPr lang="en-US" altLang="zh-CN"/>
               <a:t>2</a:t>
             </a:r>
-            <a:endParaRPr lang="en-US" altLang="zh-CN"/>
           </a:p>
         </p:txBody>
       </p:sp>
@@ -8522,13 +8625,13 @@
         </p:style>
         <p:txBody>
           <a:bodyPr rtlCol="0" anchor="ctr"/>
+          <a:lstStyle/>
           <a:p>
             <a:pPr algn="ctr"/>
             <a:r>
               <a:rPr lang="en-US" altLang="zh-CN"/>
               <a:t>3</a:t>
             </a:r>
-            <a:endParaRPr lang="en-US" altLang="zh-CN"/>
           </a:p>
         </p:txBody>
       </p:sp>
@@ -8565,13 +8668,13 @@
         </p:style>
         <p:txBody>
           <a:bodyPr rtlCol="0" anchor="ctr"/>
+          <a:lstStyle/>
           <a:p>
             <a:pPr algn="ctr"/>
             <a:r>
               <a:rPr lang="en-US" altLang="zh-CN"/>
               <a:t>4</a:t>
             </a:r>
-            <a:endParaRPr lang="en-US" altLang="zh-CN"/>
           </a:p>
         </p:txBody>
       </p:sp>
@@ -8608,13 +8711,13 @@
         </p:style>
         <p:txBody>
           <a:bodyPr rtlCol="0" anchor="ctr"/>
+          <a:lstStyle/>
           <a:p>
             <a:pPr algn="ctr"/>
             <a:r>
               <a:rPr lang="en-US" altLang="zh-CN"/>
               <a:t>3</a:t>
             </a:r>
-            <a:endParaRPr lang="en-US" altLang="zh-CN"/>
           </a:p>
         </p:txBody>
       </p:sp>
@@ -8651,13 +8754,13 @@
         </p:style>
         <p:txBody>
           <a:bodyPr rtlCol="0" anchor="ctr"/>
+          <a:lstStyle/>
           <a:p>
             <a:pPr algn="ctr"/>
             <a:r>
               <a:rPr lang="en-US" altLang="zh-CN"/>
               <a:t>5</a:t>
             </a:r>
-            <a:endParaRPr lang="en-US" altLang="zh-CN"/>
           </a:p>
         </p:txBody>
       </p:sp>
@@ -8694,13 +8797,13 @@
         </p:style>
         <p:txBody>
           <a:bodyPr rtlCol="0" anchor="ctr"/>
+          <a:lstStyle/>
           <a:p>
             <a:pPr algn="ctr"/>
             <a:r>
               <a:rPr lang="en-US" altLang="zh-CN"/>
               <a:t>1</a:t>
             </a:r>
-            <a:endParaRPr lang="en-US" altLang="zh-CN"/>
           </a:p>
         </p:txBody>
       </p:sp>
@@ -8735,6 +8838,7 @@
         </p:style>
         <p:txBody>
           <a:bodyPr rtlCol="0" anchor="ctr"/>
+          <a:lstStyle/>
           <a:p>
             <a:pPr algn="ctr"/>
             <a:endParaRPr lang="zh-CN" altLang="en-US"/>
@@ -8772,6 +8876,7 @@
         </p:style>
         <p:txBody>
           <a:bodyPr rtlCol="0" anchor="ctr"/>
+          <a:lstStyle/>
           <a:p>
             <a:pPr algn="ctr"/>
             <a:endParaRPr lang="zh-CN" altLang="en-US"/>
@@ -8809,13 +8914,13 @@
         </p:style>
         <p:txBody>
           <a:bodyPr rtlCol="0" anchor="ctr"/>
+          <a:lstStyle/>
           <a:p>
             <a:pPr algn="ctr"/>
             <a:r>
               <a:rPr lang="en-US" altLang="zh-CN"/>
               <a:t>4</a:t>
             </a:r>
-            <a:endParaRPr lang="en-US" altLang="zh-CN"/>
           </a:p>
         </p:txBody>
       </p:sp>
@@ -8852,13 +8957,13 @@
         </p:style>
         <p:txBody>
           <a:bodyPr rtlCol="0" anchor="ctr"/>
+          <a:lstStyle/>
           <a:p>
             <a:pPr algn="ctr"/>
             <a:r>
               <a:rPr lang="en-US" altLang="zh-CN"/>
               <a:t>2</a:t>
             </a:r>
-            <a:endParaRPr lang="en-US" altLang="zh-CN"/>
           </a:p>
         </p:txBody>
       </p:sp>
@@ -8895,13 +9000,13 @@
         </p:style>
         <p:txBody>
           <a:bodyPr rtlCol="0" anchor="ctr"/>
+          <a:lstStyle/>
           <a:p>
             <a:pPr algn="ctr"/>
             <a:r>
               <a:rPr lang="en-US" altLang="zh-CN"/>
               <a:t>3</a:t>
             </a:r>
-            <a:endParaRPr lang="en-US" altLang="zh-CN"/>
           </a:p>
         </p:txBody>
       </p:sp>
@@ -8938,13 +9043,13 @@
         </p:style>
         <p:txBody>
           <a:bodyPr rtlCol="0" anchor="ctr"/>
+          <a:lstStyle/>
           <a:p>
             <a:pPr algn="ctr"/>
             <a:r>
               <a:rPr lang="en-US" altLang="zh-CN"/>
               <a:t>4</a:t>
             </a:r>
-            <a:endParaRPr lang="en-US" altLang="zh-CN"/>
           </a:p>
         </p:txBody>
       </p:sp>
@@ -8981,13 +9086,13 @@
         </p:style>
         <p:txBody>
           <a:bodyPr rtlCol="0" anchor="ctr"/>
+          <a:lstStyle/>
           <a:p>
             <a:pPr algn="ctr"/>
             <a:r>
               <a:rPr lang="en-US" altLang="zh-CN"/>
               <a:t>3</a:t>
             </a:r>
-            <a:endParaRPr lang="en-US" altLang="zh-CN"/>
           </a:p>
         </p:txBody>
       </p:sp>
@@ -9024,13 +9129,13 @@
         </p:style>
         <p:txBody>
           <a:bodyPr rtlCol="0" anchor="ctr"/>
+          <a:lstStyle/>
           <a:p>
             <a:pPr algn="ctr"/>
             <a:r>
               <a:rPr lang="en-US" altLang="zh-CN"/>
               <a:t>5</a:t>
             </a:r>
-            <a:endParaRPr lang="en-US" altLang="zh-CN"/>
           </a:p>
         </p:txBody>
       </p:sp>
@@ -9067,13 +9172,13 @@
         </p:style>
         <p:txBody>
           <a:bodyPr rtlCol="0" anchor="ctr"/>
+          <a:lstStyle/>
           <a:p>
             <a:pPr algn="ctr"/>
             <a:r>
               <a:rPr lang="en-US" altLang="zh-CN"/>
               <a:t>1</a:t>
             </a:r>
-            <a:endParaRPr lang="en-US" altLang="zh-CN"/>
           </a:p>
         </p:txBody>
       </p:sp>
@@ -9122,6 +9227,7 @@
           </p:style>
           <p:txBody>
             <a:bodyPr rtlCol="0" anchor="ctr"/>
+            <a:lstStyle/>
             <a:p>
               <a:pPr algn="ctr"/>
               <a:endParaRPr lang="zh-CN" altLang="en-US"/>
@@ -9159,6 +9265,7 @@
           </p:style>
           <p:txBody>
             <a:bodyPr rtlCol="0" anchor="ctr"/>
+            <a:lstStyle/>
             <a:p>
               <a:pPr algn="ctr"/>
               <a:endParaRPr lang="zh-CN" altLang="en-US"/>
@@ -9197,13 +9304,13 @@
         </p:style>
         <p:txBody>
           <a:bodyPr rtlCol="0" anchor="ctr"/>
+          <a:lstStyle/>
           <a:p>
             <a:pPr algn="ctr"/>
             <a:r>
               <a:rPr lang="en-US" altLang="zh-CN"/>
               <a:t>4</a:t>
             </a:r>
-            <a:endParaRPr lang="en-US" altLang="zh-CN"/>
           </a:p>
         </p:txBody>
       </p:sp>
@@ -9238,13 +9345,13 @@
         </p:style>
         <p:txBody>
           <a:bodyPr rtlCol="0" anchor="ctr"/>
+          <a:lstStyle/>
           <a:p>
             <a:pPr algn="ctr"/>
             <a:r>
               <a:rPr lang="en-US" altLang="zh-CN"/>
               <a:t>3</a:t>
             </a:r>
-            <a:endParaRPr lang="en-US" altLang="zh-CN"/>
           </a:p>
         </p:txBody>
       </p:sp>
@@ -9281,13 +9388,13 @@
         </p:style>
         <p:txBody>
           <a:bodyPr rtlCol="0" anchor="ctr"/>
+          <a:lstStyle/>
           <a:p>
             <a:pPr algn="ctr"/>
             <a:r>
               <a:rPr lang="en-US" altLang="zh-CN"/>
               <a:t>2</a:t>
             </a:r>
-            <a:endParaRPr lang="en-US" altLang="zh-CN"/>
           </a:p>
         </p:txBody>
       </p:sp>
@@ -9324,13 +9431,13 @@
         </p:style>
         <p:txBody>
           <a:bodyPr rtlCol="0" anchor="ctr"/>
+          <a:lstStyle/>
           <a:p>
             <a:pPr algn="ctr"/>
             <a:r>
               <a:rPr lang="en-US" altLang="zh-CN"/>
               <a:t>3</a:t>
             </a:r>
-            <a:endParaRPr lang="en-US" altLang="zh-CN"/>
           </a:p>
         </p:txBody>
       </p:sp>
@@ -9367,13 +9474,13 @@
         </p:style>
         <p:txBody>
           <a:bodyPr rtlCol="0" anchor="ctr"/>
+          <a:lstStyle/>
           <a:p>
             <a:pPr algn="ctr"/>
             <a:r>
               <a:rPr lang="en-US" altLang="zh-CN"/>
               <a:t>4</a:t>
             </a:r>
-            <a:endParaRPr lang="en-US" altLang="zh-CN"/>
           </a:p>
         </p:txBody>
       </p:sp>
@@ -9410,13 +9517,13 @@
         </p:style>
         <p:txBody>
           <a:bodyPr rtlCol="0" anchor="ctr"/>
+          <a:lstStyle/>
           <a:p>
             <a:pPr algn="ctr"/>
             <a:r>
               <a:rPr lang="en-US" altLang="zh-CN"/>
               <a:t>3</a:t>
             </a:r>
-            <a:endParaRPr lang="en-US" altLang="zh-CN"/>
           </a:p>
         </p:txBody>
       </p:sp>
@@ -9453,13 +9560,13 @@
         </p:style>
         <p:txBody>
           <a:bodyPr rtlCol="0" anchor="ctr"/>
+          <a:lstStyle/>
           <a:p>
             <a:pPr algn="ctr"/>
             <a:r>
               <a:rPr lang="en-US" altLang="zh-CN"/>
               <a:t>5</a:t>
             </a:r>
-            <a:endParaRPr lang="en-US" altLang="zh-CN"/>
           </a:p>
         </p:txBody>
       </p:sp>
@@ -9496,13 +9603,13 @@
         </p:style>
         <p:txBody>
           <a:bodyPr rtlCol="0" anchor="ctr"/>
+          <a:lstStyle/>
           <a:p>
             <a:pPr algn="ctr"/>
             <a:r>
               <a:rPr lang="en-US" altLang="zh-CN"/>
               <a:t>1</a:t>
             </a:r>
-            <a:endParaRPr lang="en-US" altLang="zh-CN"/>
           </a:p>
         </p:txBody>
       </p:sp>
@@ -9551,6 +9658,7 @@
           </p:style>
           <p:txBody>
             <a:bodyPr rtlCol="0" anchor="ctr"/>
+            <a:lstStyle/>
             <a:p>
               <a:pPr algn="ctr"/>
               <a:endParaRPr lang="zh-CN" altLang="en-US"/>
@@ -9588,6 +9696,7 @@
           </p:style>
           <p:txBody>
             <a:bodyPr rtlCol="0" anchor="ctr"/>
+            <a:lstStyle/>
             <a:p>
               <a:pPr algn="ctr"/>
               <a:endParaRPr lang="zh-CN" altLang="en-US"/>
@@ -9626,13 +9735,13 @@
         </p:style>
         <p:txBody>
           <a:bodyPr rtlCol="0" anchor="ctr"/>
+          <a:lstStyle/>
           <a:p>
             <a:pPr algn="ctr"/>
             <a:r>
               <a:rPr lang="en-US" altLang="zh-CN"/>
               <a:t>5</a:t>
             </a:r>
-            <a:endParaRPr lang="en-US" altLang="zh-CN"/>
           </a:p>
         </p:txBody>
       </p:sp>
@@ -9669,13 +9778,13 @@
         </p:style>
         <p:txBody>
           <a:bodyPr rtlCol="0" anchor="ctr"/>
+          <a:lstStyle/>
           <a:p>
             <a:pPr algn="ctr"/>
             <a:r>
               <a:rPr lang="en-US" altLang="zh-CN"/>
               <a:t>2</a:t>
             </a:r>
-            <a:endParaRPr lang="en-US" altLang="zh-CN"/>
           </a:p>
         </p:txBody>
       </p:sp>
@@ -9712,13 +9821,13 @@
         </p:style>
         <p:txBody>
           <a:bodyPr rtlCol="0" anchor="ctr"/>
+          <a:lstStyle/>
           <a:p>
             <a:pPr algn="ctr"/>
             <a:r>
               <a:rPr lang="en-US" altLang="zh-CN"/>
               <a:t>3</a:t>
             </a:r>
-            <a:endParaRPr lang="en-US" altLang="zh-CN"/>
           </a:p>
         </p:txBody>
       </p:sp>
@@ -9755,13 +9864,13 @@
         </p:style>
         <p:txBody>
           <a:bodyPr rtlCol="0" anchor="ctr"/>
+          <a:lstStyle/>
           <a:p>
             <a:pPr algn="ctr"/>
             <a:r>
               <a:rPr lang="en-US" altLang="zh-CN"/>
               <a:t>4</a:t>
             </a:r>
-            <a:endParaRPr lang="en-US" altLang="zh-CN"/>
           </a:p>
         </p:txBody>
       </p:sp>
@@ -9798,13 +9907,13 @@
         </p:style>
         <p:txBody>
           <a:bodyPr rtlCol="0" anchor="ctr"/>
+          <a:lstStyle/>
           <a:p>
             <a:pPr algn="ctr"/>
             <a:r>
               <a:rPr lang="en-US" altLang="zh-CN"/>
               <a:t>3</a:t>
             </a:r>
-            <a:endParaRPr lang="en-US" altLang="zh-CN"/>
           </a:p>
         </p:txBody>
       </p:sp>
@@ -9841,13 +9950,13 @@
         </p:style>
         <p:txBody>
           <a:bodyPr rtlCol="0" anchor="ctr"/>
+          <a:lstStyle/>
           <a:p>
             <a:pPr algn="ctr"/>
             <a:r>
               <a:rPr lang="en-US" altLang="zh-CN"/>
               <a:t>5</a:t>
             </a:r>
-            <a:endParaRPr lang="en-US" altLang="zh-CN"/>
           </a:p>
         </p:txBody>
       </p:sp>
@@ -9884,13 +9993,13 @@
         </p:style>
         <p:txBody>
           <a:bodyPr rtlCol="0" anchor="ctr"/>
+          <a:lstStyle/>
           <a:p>
             <a:pPr algn="ctr"/>
             <a:r>
               <a:rPr lang="en-US" altLang="zh-CN"/>
               <a:t>1</a:t>
             </a:r>
-            <a:endParaRPr lang="en-US" altLang="zh-CN"/>
           </a:p>
         </p:txBody>
       </p:sp>
@@ -9939,6 +10048,7 @@
           </p:style>
           <p:txBody>
             <a:bodyPr rtlCol="0" anchor="ctr"/>
+            <a:lstStyle/>
             <a:p>
               <a:pPr algn="ctr"/>
               <a:endParaRPr lang="zh-CN" altLang="en-US"/>
@@ -9976,6 +10086,7 @@
           </p:style>
           <p:txBody>
             <a:bodyPr rtlCol="0" anchor="ctr"/>
+            <a:lstStyle/>
             <a:p>
               <a:pPr algn="ctr"/>
               <a:endParaRPr lang="zh-CN" altLang="en-US"/>
@@ -10014,13 +10125,13 @@
         </p:style>
         <p:txBody>
           <a:bodyPr rtlCol="0" anchor="ctr"/>
+          <a:lstStyle/>
           <a:p>
             <a:pPr algn="ctr"/>
             <a:r>
               <a:rPr lang="en-US" altLang="zh-CN"/>
               <a:t>5</a:t>
             </a:r>
-            <a:endParaRPr lang="en-US" altLang="zh-CN"/>
           </a:p>
         </p:txBody>
       </p:sp>
@@ -10055,13 +10166,13 @@
         </p:style>
         <p:txBody>
           <a:bodyPr rtlCol="0" anchor="ctr"/>
+          <a:lstStyle/>
           <a:p>
             <a:pPr algn="ctr"/>
             <a:r>
               <a:rPr lang="en-US" altLang="zh-CN"/>
               <a:t>1</a:t>
             </a:r>
-            <a:endParaRPr lang="en-US" altLang="zh-CN"/>
           </a:p>
         </p:txBody>
       </p:sp>
@@ -10125,26 +10236,24 @@
           <a:bodyPr wrap="none" rtlCol="0">
             <a:spAutoFit/>
           </a:bodyPr>
+          <a:lstStyle/>
           <a:p>
             <a:r>
               <a:rPr lang="zh-CN" altLang="en-US"/>
               <a:t>始终保持队列单调递减</a:t>
             </a:r>
-            <a:endParaRPr lang="zh-CN" altLang="en-US"/>
           </a:p>
           <a:p>
             <a:r>
               <a:rPr lang="zh-CN" altLang="en-US"/>
               <a:t>后面的值较大，会无条件清除队列前面的成员</a:t>
             </a:r>
-            <a:endParaRPr lang="zh-CN" altLang="en-US"/>
           </a:p>
           <a:p>
             <a:r>
               <a:rPr lang="zh-CN" altLang="en-US"/>
               <a:t>每次迭代，都会无条件的加入当前的索引作为候选的最大值</a:t>
             </a:r>
-            <a:endParaRPr lang="zh-CN" altLang="en-US"/>
           </a:p>
           <a:p>
             <a:endParaRPr lang="en-US" altLang="zh-CN"/>
@@ -10174,14 +10283,12 @@
               <a:rPr lang="zh-CN" altLang="en-US"/>
               <a:t>是窗口的宽</a:t>
             </a:r>
-            <a:endParaRPr lang="zh-CN" altLang="en-US"/>
           </a:p>
           <a:p>
             <a:r>
               <a:rPr lang="zh-CN" altLang="en-US"/>
               <a:t>注意：在涉及队列弹出的时候，要判空</a:t>
             </a:r>
-            <a:endParaRPr lang="zh-CN" altLang="en-US"/>
           </a:p>
         </p:txBody>
       </p:sp>
@@ -10219,7 +10326,7 @@
         <p:spPr>
           <a:xfrm>
             <a:off x="0" y="0"/>
-            <a:ext cx="1046480" cy="299085"/>
+            <a:ext cx="1396536" cy="300082"/>
           </a:xfrm>
           <a:prstGeom prst="rect">
             <a:avLst/>
@@ -10242,7 +10349,14 @@
                 <a:latin typeface="宋体" panose="02010600030101010101" pitchFamily="2" charset="-122"/>
                 <a:ea typeface="宋体" panose="02010600030101010101" pitchFamily="2" charset="-122"/>
               </a:rPr>
-              <a:t>最大子串和</a:t>
+              <a:t>最</a:t>
+            </a:r>
+            <a:r>
+              <a:rPr lang="zh-CN" altLang="en-US" sz="1350" b="1" dirty="0" smtClean="0">
+                <a:latin typeface="宋体" panose="02010600030101010101" pitchFamily="2" charset="-122"/>
+                <a:ea typeface="宋体" panose="02010600030101010101" pitchFamily="2" charset="-122"/>
+              </a:rPr>
+              <a:t>长上升子序列</a:t>
             </a:r>
             <a:endParaRPr lang="zh-CN" altLang="en-US" sz="1350" b="1" dirty="0">
               <a:latin typeface="宋体" panose="02010600030101010101" pitchFamily="2" charset="-122"/>
@@ -10251,86 +10365,496 @@
           </a:p>
         </p:txBody>
       </p:sp>
-      <p:cxnSp>
-        <p:nvCxnSpPr>
-          <p:cNvPr id="6" name="直接箭头连接符 5"/>
-          <p:cNvCxnSpPr/>
-          <p:nvPr/>
-        </p:nvCxnSpPr>
-        <p:spPr>
-          <a:xfrm>
-            <a:off x="4499265" y="3021839"/>
-            <a:ext cx="4426527" cy="10391"/>
-          </a:xfrm>
-          <a:prstGeom prst="straightConnector1">
-            <a:avLst/>
-          </a:prstGeom>
-          <a:ln w="76200">
-            <a:solidFill>
-              <a:srgbClr val="00B050"/>
-            </a:solidFill>
-            <a:tailEnd type="triangle"/>
-          </a:ln>
-        </p:spPr>
-        <p:style>
-          <a:lnRef idx="1">
-            <a:schemeClr val="accent1"/>
-          </a:lnRef>
-          <a:fillRef idx="0">
-            <a:schemeClr val="accent1"/>
-          </a:fillRef>
-          <a:effectRef idx="0">
-            <a:schemeClr val="accent1"/>
-          </a:effectRef>
-          <a:fontRef idx="minor">
-            <a:schemeClr val="tx1"/>
-          </a:fontRef>
-        </p:style>
-      </p:cxnSp>
-      <p:cxnSp>
-        <p:nvCxnSpPr>
-          <p:cNvPr id="8" name="直接箭头连接符 7"/>
-          <p:cNvCxnSpPr/>
-          <p:nvPr/>
-        </p:nvCxnSpPr>
-        <p:spPr>
-          <a:xfrm>
-            <a:off x="7294419" y="2190566"/>
-            <a:ext cx="0" cy="831272"/>
-          </a:xfrm>
-          <a:prstGeom prst="straightConnector1">
-            <a:avLst/>
-          </a:prstGeom>
-          <a:ln w="57150">
-            <a:prstDash val="sysDot"/>
-            <a:tailEnd type="triangle"/>
-          </a:ln>
-        </p:spPr>
-        <p:style>
-          <a:lnRef idx="1">
-            <a:schemeClr val="accent1"/>
-          </a:lnRef>
-          <a:fillRef idx="0">
-            <a:schemeClr val="accent1"/>
-          </a:fillRef>
-          <a:effectRef idx="0">
-            <a:schemeClr val="accent1"/>
-          </a:effectRef>
-          <a:fontRef idx="minor">
-            <a:schemeClr val="tx1"/>
-          </a:fontRef>
-        </p:style>
-      </p:cxnSp>
-      <p:sp>
-        <p:nvSpPr>
-          <p:cNvPr id="9" name="文本框 8"/>
+      <p:sp>
+        <p:nvSpPr>
+          <p:cNvPr id="47" name="矩形 46"/>
+          <p:cNvSpPr/>
+          <p:nvPr/>
+        </p:nvSpPr>
+        <p:spPr>
+          <a:xfrm>
+            <a:off x="2714612" y="857232"/>
+            <a:ext cx="285752" cy="2500330"/>
+          </a:xfrm>
+          <a:prstGeom prst="rect">
+            <a:avLst/>
+          </a:prstGeom>
+        </p:spPr>
+        <p:style>
+          <a:lnRef idx="2">
+            <a:schemeClr val="accent1">
+              <a:shade val="50000"/>
+            </a:schemeClr>
+          </a:lnRef>
+          <a:fillRef idx="1">
+            <a:schemeClr val="accent1"/>
+          </a:fillRef>
+          <a:effectRef idx="0">
+            <a:schemeClr val="accent1"/>
+          </a:effectRef>
+          <a:fontRef idx="minor">
+            <a:schemeClr val="lt1"/>
+          </a:fontRef>
+        </p:style>
+        <p:txBody>
+          <a:bodyPr rtlCol="0" anchor="ctr"/>
+          <a:lstStyle/>
+          <a:p>
+            <a:pPr algn="ctr"/>
+            <a:endParaRPr lang="zh-CN" altLang="en-US"/>
+          </a:p>
+        </p:txBody>
+      </p:sp>
+      <p:sp>
+        <p:nvSpPr>
+          <p:cNvPr id="55" name="矩形 54"/>
+          <p:cNvSpPr/>
+          <p:nvPr/>
+        </p:nvSpPr>
+        <p:spPr>
+          <a:xfrm>
+            <a:off x="3000364" y="2857496"/>
+            <a:ext cx="285752" cy="500066"/>
+          </a:xfrm>
+          <a:prstGeom prst="rect">
+            <a:avLst/>
+          </a:prstGeom>
+        </p:spPr>
+        <p:style>
+          <a:lnRef idx="2">
+            <a:schemeClr val="accent3">
+              <a:shade val="50000"/>
+            </a:schemeClr>
+          </a:lnRef>
+          <a:fillRef idx="1">
+            <a:schemeClr val="accent3"/>
+          </a:fillRef>
+          <a:effectRef idx="0">
+            <a:schemeClr val="accent3"/>
+          </a:effectRef>
+          <a:fontRef idx="minor">
+            <a:schemeClr val="lt1"/>
+          </a:fontRef>
+        </p:style>
+        <p:txBody>
+          <a:bodyPr rtlCol="0" anchor="ctr"/>
+          <a:lstStyle/>
+          <a:p>
+            <a:pPr algn="ctr"/>
+            <a:endParaRPr lang="zh-CN" altLang="en-US"/>
+          </a:p>
+        </p:txBody>
+      </p:sp>
+      <p:sp>
+        <p:nvSpPr>
+          <p:cNvPr id="58" name="矩形 57"/>
+          <p:cNvSpPr/>
+          <p:nvPr/>
+        </p:nvSpPr>
+        <p:spPr>
+          <a:xfrm>
+            <a:off x="3286116" y="2643182"/>
+            <a:ext cx="285752" cy="714380"/>
+          </a:xfrm>
+          <a:prstGeom prst="rect">
+            <a:avLst/>
+          </a:prstGeom>
+        </p:spPr>
+        <p:style>
+          <a:lnRef idx="2">
+            <a:schemeClr val="accent3">
+              <a:shade val="50000"/>
+            </a:schemeClr>
+          </a:lnRef>
+          <a:fillRef idx="1">
+            <a:schemeClr val="accent3"/>
+          </a:fillRef>
+          <a:effectRef idx="0">
+            <a:schemeClr val="accent3"/>
+          </a:effectRef>
+          <a:fontRef idx="minor">
+            <a:schemeClr val="lt1"/>
+          </a:fontRef>
+        </p:style>
+        <p:txBody>
+          <a:bodyPr rtlCol="0" anchor="ctr"/>
+          <a:lstStyle/>
+          <a:p>
+            <a:pPr algn="ctr"/>
+            <a:endParaRPr lang="zh-CN" altLang="en-US"/>
+          </a:p>
+        </p:txBody>
+      </p:sp>
+      <p:sp>
+        <p:nvSpPr>
+          <p:cNvPr id="61" name="矩形 60"/>
+          <p:cNvSpPr/>
+          <p:nvPr/>
+        </p:nvSpPr>
+        <p:spPr>
+          <a:xfrm>
+            <a:off x="3571868" y="2143116"/>
+            <a:ext cx="285752" cy="1214446"/>
+          </a:xfrm>
+          <a:prstGeom prst="rect">
+            <a:avLst/>
+          </a:prstGeom>
+        </p:spPr>
+        <p:style>
+          <a:lnRef idx="2">
+            <a:schemeClr val="accent1">
+              <a:shade val="50000"/>
+            </a:schemeClr>
+          </a:lnRef>
+          <a:fillRef idx="1">
+            <a:schemeClr val="accent1"/>
+          </a:fillRef>
+          <a:effectRef idx="0">
+            <a:schemeClr val="accent1"/>
+          </a:effectRef>
+          <a:fontRef idx="minor">
+            <a:schemeClr val="lt1"/>
+          </a:fontRef>
+        </p:style>
+        <p:txBody>
+          <a:bodyPr rtlCol="0" anchor="ctr"/>
+          <a:lstStyle/>
+          <a:p>
+            <a:pPr algn="ctr"/>
+            <a:endParaRPr lang="zh-CN" altLang="en-US"/>
+          </a:p>
+        </p:txBody>
+      </p:sp>
+      <p:sp>
+        <p:nvSpPr>
+          <p:cNvPr id="64" name="矩形 63"/>
+          <p:cNvSpPr/>
+          <p:nvPr/>
+        </p:nvSpPr>
+        <p:spPr>
+          <a:xfrm>
+            <a:off x="3857620" y="2428868"/>
+            <a:ext cx="285752" cy="928694"/>
+          </a:xfrm>
+          <a:prstGeom prst="rect">
+            <a:avLst/>
+          </a:prstGeom>
+        </p:spPr>
+        <p:style>
+          <a:lnRef idx="2">
+            <a:schemeClr val="accent3">
+              <a:shade val="50000"/>
+            </a:schemeClr>
+          </a:lnRef>
+          <a:fillRef idx="1">
+            <a:schemeClr val="accent3"/>
+          </a:fillRef>
+          <a:effectRef idx="0">
+            <a:schemeClr val="accent3"/>
+          </a:effectRef>
+          <a:fontRef idx="minor">
+            <a:schemeClr val="lt1"/>
+          </a:fontRef>
+        </p:style>
+        <p:txBody>
+          <a:bodyPr rtlCol="0" anchor="ctr"/>
+          <a:lstStyle/>
+          <a:p>
+            <a:pPr algn="ctr"/>
+            <a:endParaRPr lang="zh-CN" altLang="en-US"/>
+          </a:p>
+        </p:txBody>
+      </p:sp>
+      <p:sp>
+        <p:nvSpPr>
+          <p:cNvPr id="65" name="矩形 64"/>
+          <p:cNvSpPr/>
+          <p:nvPr/>
+        </p:nvSpPr>
+        <p:spPr>
+          <a:xfrm>
+            <a:off x="4143372" y="1571612"/>
+            <a:ext cx="285752" cy="1785950"/>
+          </a:xfrm>
+          <a:prstGeom prst="rect">
+            <a:avLst/>
+          </a:prstGeom>
+        </p:spPr>
+        <p:style>
+          <a:lnRef idx="2">
+            <a:schemeClr val="accent1">
+              <a:shade val="50000"/>
+            </a:schemeClr>
+          </a:lnRef>
+          <a:fillRef idx="1">
+            <a:schemeClr val="accent1"/>
+          </a:fillRef>
+          <a:effectRef idx="0">
+            <a:schemeClr val="accent1"/>
+          </a:effectRef>
+          <a:fontRef idx="minor">
+            <a:schemeClr val="lt1"/>
+          </a:fontRef>
+        </p:style>
+        <p:txBody>
+          <a:bodyPr rtlCol="0" anchor="ctr"/>
+          <a:lstStyle/>
+          <a:p>
+            <a:pPr algn="ctr"/>
+            <a:endParaRPr lang="zh-CN" altLang="en-US"/>
+          </a:p>
+        </p:txBody>
+      </p:sp>
+      <p:sp>
+        <p:nvSpPr>
+          <p:cNvPr id="66" name="矩形 65"/>
+          <p:cNvSpPr/>
+          <p:nvPr/>
+        </p:nvSpPr>
+        <p:spPr>
+          <a:xfrm>
+            <a:off x="4429124" y="1928802"/>
+            <a:ext cx="285752" cy="1428760"/>
+          </a:xfrm>
+          <a:prstGeom prst="rect">
+            <a:avLst/>
+          </a:prstGeom>
+        </p:spPr>
+        <p:style>
+          <a:lnRef idx="2">
+            <a:schemeClr val="accent3">
+              <a:shade val="50000"/>
+            </a:schemeClr>
+          </a:lnRef>
+          <a:fillRef idx="1">
+            <a:schemeClr val="accent3"/>
+          </a:fillRef>
+          <a:effectRef idx="0">
+            <a:schemeClr val="accent3"/>
+          </a:effectRef>
+          <a:fontRef idx="minor">
+            <a:schemeClr val="lt1"/>
+          </a:fontRef>
+        </p:style>
+        <p:txBody>
+          <a:bodyPr rtlCol="0" anchor="ctr"/>
+          <a:lstStyle/>
+          <a:p>
+            <a:pPr algn="ctr"/>
+            <a:endParaRPr lang="zh-CN" altLang="en-US"/>
+          </a:p>
+        </p:txBody>
+      </p:sp>
+      <p:sp>
+        <p:nvSpPr>
+          <p:cNvPr id="67" name="矩形 66"/>
+          <p:cNvSpPr/>
+          <p:nvPr/>
+        </p:nvSpPr>
+        <p:spPr>
+          <a:xfrm>
+            <a:off x="4714876" y="1214422"/>
+            <a:ext cx="285752" cy="2143140"/>
+          </a:xfrm>
+          <a:prstGeom prst="rect">
+            <a:avLst/>
+          </a:prstGeom>
+        </p:spPr>
+        <p:style>
+          <a:lnRef idx="2">
+            <a:schemeClr val="accent3">
+              <a:shade val="50000"/>
+            </a:schemeClr>
+          </a:lnRef>
+          <a:fillRef idx="1">
+            <a:schemeClr val="accent3"/>
+          </a:fillRef>
+          <a:effectRef idx="0">
+            <a:schemeClr val="accent3"/>
+          </a:effectRef>
+          <a:fontRef idx="minor">
+            <a:schemeClr val="lt1"/>
+          </a:fontRef>
+        </p:style>
+        <p:txBody>
+          <a:bodyPr rtlCol="0" anchor="ctr"/>
+          <a:lstStyle/>
+          <a:p>
+            <a:pPr algn="ctr"/>
+            <a:endParaRPr lang="zh-CN" altLang="en-US"/>
+          </a:p>
+        </p:txBody>
+      </p:sp>
+      <p:sp>
+        <p:nvSpPr>
+          <p:cNvPr id="68" name="矩形 67"/>
+          <p:cNvSpPr/>
+          <p:nvPr/>
+        </p:nvSpPr>
+        <p:spPr>
+          <a:xfrm>
+            <a:off x="5000628" y="2357430"/>
+            <a:ext cx="285752" cy="1000132"/>
+          </a:xfrm>
+          <a:prstGeom prst="rect">
+            <a:avLst/>
+          </a:prstGeom>
+        </p:spPr>
+        <p:style>
+          <a:lnRef idx="2">
+            <a:schemeClr val="accent1">
+              <a:shade val="50000"/>
+            </a:schemeClr>
+          </a:lnRef>
+          <a:fillRef idx="1">
+            <a:schemeClr val="accent1"/>
+          </a:fillRef>
+          <a:effectRef idx="0">
+            <a:schemeClr val="accent1"/>
+          </a:effectRef>
+          <a:fontRef idx="minor">
+            <a:schemeClr val="lt1"/>
+          </a:fontRef>
+        </p:style>
+        <p:txBody>
+          <a:bodyPr rtlCol="0" anchor="ctr"/>
+          <a:lstStyle/>
+          <a:p>
+            <a:pPr algn="ctr"/>
+            <a:endParaRPr lang="zh-CN" altLang="en-US"/>
+          </a:p>
+        </p:txBody>
+      </p:sp>
+      <p:sp>
+        <p:nvSpPr>
+          <p:cNvPr id="69" name="矩形 68"/>
+          <p:cNvSpPr/>
+          <p:nvPr/>
+        </p:nvSpPr>
+        <p:spPr>
+          <a:xfrm>
+            <a:off x="5286380" y="1000108"/>
+            <a:ext cx="285752" cy="2357454"/>
+          </a:xfrm>
+          <a:prstGeom prst="rect">
+            <a:avLst/>
+          </a:prstGeom>
+        </p:spPr>
+        <p:style>
+          <a:lnRef idx="2">
+            <a:schemeClr val="accent3">
+              <a:shade val="50000"/>
+            </a:schemeClr>
+          </a:lnRef>
+          <a:fillRef idx="1">
+            <a:schemeClr val="accent3"/>
+          </a:fillRef>
+          <a:effectRef idx="0">
+            <a:schemeClr val="accent3"/>
+          </a:effectRef>
+          <a:fontRef idx="minor">
+            <a:schemeClr val="lt1"/>
+          </a:fontRef>
+        </p:style>
+        <p:txBody>
+          <a:bodyPr rtlCol="0" anchor="ctr"/>
+          <a:lstStyle/>
+          <a:p>
+            <a:pPr algn="ctr"/>
+            <a:endParaRPr lang="zh-CN" altLang="en-US"/>
+          </a:p>
+        </p:txBody>
+      </p:sp>
+      <p:sp>
+        <p:nvSpPr>
+          <p:cNvPr id="70" name="矩形 69"/>
+          <p:cNvSpPr/>
+          <p:nvPr/>
+        </p:nvSpPr>
+        <p:spPr>
+          <a:xfrm>
+            <a:off x="5572132" y="357166"/>
+            <a:ext cx="285752" cy="3000396"/>
+          </a:xfrm>
+          <a:prstGeom prst="rect">
+            <a:avLst/>
+          </a:prstGeom>
+        </p:spPr>
+        <p:style>
+          <a:lnRef idx="2">
+            <a:schemeClr val="accent3">
+              <a:shade val="50000"/>
+            </a:schemeClr>
+          </a:lnRef>
+          <a:fillRef idx="1">
+            <a:schemeClr val="accent3"/>
+          </a:fillRef>
+          <a:effectRef idx="0">
+            <a:schemeClr val="accent3"/>
+          </a:effectRef>
+          <a:fontRef idx="minor">
+            <a:schemeClr val="lt1"/>
+          </a:fontRef>
+        </p:style>
+        <p:txBody>
+          <a:bodyPr rtlCol="0" anchor="ctr"/>
+          <a:lstStyle/>
+          <a:p>
+            <a:pPr algn="ctr"/>
+            <a:endParaRPr lang="zh-CN" altLang="en-US"/>
+          </a:p>
+        </p:txBody>
+      </p:sp>
+      <p:sp>
+        <p:nvSpPr>
+          <p:cNvPr id="71" name="矩形 70"/>
+          <p:cNvSpPr/>
+          <p:nvPr/>
+        </p:nvSpPr>
+        <p:spPr>
+          <a:xfrm>
+            <a:off x="5857884" y="857232"/>
+            <a:ext cx="285752" cy="2500330"/>
+          </a:xfrm>
+          <a:prstGeom prst="rect">
+            <a:avLst/>
+          </a:prstGeom>
+        </p:spPr>
+        <p:style>
+          <a:lnRef idx="2">
+            <a:schemeClr val="accent1">
+              <a:shade val="50000"/>
+            </a:schemeClr>
+          </a:lnRef>
+          <a:fillRef idx="1">
+            <a:schemeClr val="accent1"/>
+          </a:fillRef>
+          <a:effectRef idx="0">
+            <a:schemeClr val="accent1"/>
+          </a:effectRef>
+          <a:fontRef idx="minor">
+            <a:schemeClr val="lt1"/>
+          </a:fontRef>
+        </p:style>
+        <p:txBody>
+          <a:bodyPr rtlCol="0" anchor="ctr"/>
+          <a:lstStyle/>
+          <a:p>
+            <a:pPr algn="ctr"/>
+            <a:endParaRPr lang="zh-CN" altLang="en-US"/>
+          </a:p>
+        </p:txBody>
+      </p:sp>
+      <p:sp>
+        <p:nvSpPr>
+          <p:cNvPr id="72" name="TextBox 71"/>
           <p:cNvSpPr txBox="1"/>
           <p:nvPr/>
         </p:nvSpPr>
         <p:spPr>
           <a:xfrm>
-            <a:off x="7160849" y="3032230"/>
-            <a:ext cx="309880" cy="645160"/>
+            <a:off x="2643174" y="4143380"/>
+            <a:ext cx="5011308" cy="646331"/>
           </a:xfrm>
           <a:prstGeom prst="rect">
             <a:avLst/>
@@ -10344,583 +10868,79 @@
           <a:lstStyle/>
           <a:p>
             <a:r>
-              <a:rPr lang="en-US" altLang="zh-CN" sz="3600" dirty="0" smtClean="0">
-                <a:latin typeface="Times New Roman" panose="02020603050405020304" pitchFamily="18" charset="0"/>
-                <a:cs typeface="Times New Roman" panose="02020603050405020304" pitchFamily="18" charset="0"/>
-              </a:rPr>
+              <a:rPr lang="en-US" altLang="zh-CN" dirty="0" smtClean="0"/>
+              <a:t>1</a:t>
+            </a:r>
+            <a:r>
+              <a:rPr lang="zh-CN" altLang="en-US" dirty="0" smtClean="0"/>
+              <a:t>、</a:t>
+            </a:r>
+            <a:r>
+              <a:rPr lang="en-US" altLang="zh-CN" dirty="0" err="1" smtClean="0"/>
+              <a:t>dp</a:t>
+            </a:r>
+            <a:r>
+              <a:rPr lang="en-US" altLang="zh-CN" dirty="0" smtClean="0"/>
+              <a:t>[</a:t>
+            </a:r>
+            <a:r>
+              <a:rPr lang="en-US" altLang="zh-CN" dirty="0" err="1" smtClean="0"/>
               <a:t>i</a:t>
             </a:r>
-            <a:endParaRPr lang="zh-CN" altLang="en-US" sz="3600" dirty="0">
-              <a:latin typeface="Times New Roman" panose="02020603050405020304" pitchFamily="18" charset="0"/>
-              <a:cs typeface="Times New Roman" panose="02020603050405020304" pitchFamily="18" charset="0"/>
-            </a:endParaRPr>
-          </a:p>
-        </p:txBody>
-      </p:sp>
-      <p:sp>
-        <p:nvSpPr>
-          <p:cNvPr id="10" name="文本框 9"/>
-          <p:cNvSpPr txBox="1"/>
-          <p:nvPr/>
-        </p:nvSpPr>
-        <p:spPr>
-          <a:xfrm>
-            <a:off x="717326" y="1647416"/>
-            <a:ext cx="3406140" cy="3207385"/>
-          </a:xfrm>
-          <a:prstGeom prst="rect">
-            <a:avLst/>
-          </a:prstGeom>
-          <a:noFill/>
-        </p:spPr>
-        <p:txBody>
-          <a:bodyPr wrap="none" rtlCol="0">
-            <a:spAutoFit/>
-          </a:bodyPr>
-          <a:lstStyle/>
-          <a:p>
-            <a:pPr>
-              <a:lnSpc>
-                <a:spcPct val="150000"/>
-              </a:lnSpc>
-            </a:pPr>
-            <a:r>
-              <a:rPr lang="en-US" altLang="zh-CN" sz="1350" dirty="0"/>
-              <a:t>S</a:t>
-            </a:r>
-            <a:r>
-              <a:rPr lang="en-US" altLang="zh-CN" sz="1350" dirty="0" smtClean="0"/>
-              <a:t>:</a:t>
-            </a:r>
-            <a:r>
-              <a:rPr lang="zh-CN" altLang="en-US" sz="1350" dirty="0" smtClean="0"/>
-              <a:t>前缀和</a:t>
-            </a:r>
-            <a:endParaRPr lang="en-US" altLang="zh-CN" sz="1350" dirty="0" smtClean="0"/>
-          </a:p>
-          <a:p>
-            <a:pPr>
-              <a:lnSpc>
-                <a:spcPct val="150000"/>
-              </a:lnSpc>
-            </a:pPr>
-            <a:r>
-              <a:rPr lang="en-US" altLang="zh-CN" sz="1350" dirty="0" smtClean="0"/>
-              <a:t>I</a:t>
-            </a:r>
-            <a:r>
-              <a:rPr lang="zh-CN" altLang="en-US" sz="1350" dirty="0" smtClean="0"/>
-              <a:t>到</a:t>
-            </a:r>
-            <a:r>
-              <a:rPr lang="en-US" altLang="zh-CN" sz="1350" dirty="0" smtClean="0"/>
-              <a:t>j</a:t>
-            </a:r>
-            <a:r>
-              <a:rPr lang="zh-CN" altLang="en-US" sz="1350" dirty="0" smtClean="0"/>
-              <a:t>闭区间的子串和为</a:t>
-            </a:r>
-            <a:r>
-              <a:rPr lang="en-US" altLang="zh-CN" sz="1350" dirty="0"/>
-              <a:t>S</a:t>
-            </a:r>
-            <a:r>
-              <a:rPr lang="en-US" altLang="zh-CN" sz="1350" dirty="0" smtClean="0"/>
-              <a:t>[i]-S[j-1]</a:t>
-            </a:r>
-            <a:endParaRPr lang="en-US" altLang="zh-CN" sz="1350" dirty="0" smtClean="0"/>
-          </a:p>
-          <a:p>
-            <a:pPr>
-              <a:lnSpc>
-                <a:spcPct val="150000"/>
-              </a:lnSpc>
-            </a:pPr>
-            <a:r>
-              <a:rPr lang="zh-CN" altLang="en-US" sz="1350" dirty="0"/>
-              <a:t>假</a:t>
-            </a:r>
-            <a:r>
-              <a:rPr lang="zh-CN" altLang="en-US" sz="1350" dirty="0" smtClean="0"/>
-              <a:t>如求一个宽度为</a:t>
-            </a:r>
-            <a:r>
-              <a:rPr lang="en-US" altLang="zh-CN" sz="1350" dirty="0" smtClean="0"/>
-              <a:t>m</a:t>
-            </a:r>
-            <a:r>
-              <a:rPr lang="zh-CN" altLang="en-US" sz="1350" dirty="0" smtClean="0"/>
-              <a:t>的区间的最大子串和：</a:t>
-            </a:r>
-            <a:endParaRPr lang="en-US" altLang="zh-CN" sz="1350" dirty="0" smtClean="0"/>
-          </a:p>
-          <a:p>
-            <a:pPr>
-              <a:lnSpc>
-                <a:spcPct val="150000"/>
-              </a:lnSpc>
-            </a:pPr>
-            <a:r>
-              <a:rPr lang="zh-CN" altLang="en-US" sz="1350" dirty="0"/>
-              <a:t>等</a:t>
-            </a:r>
-            <a:r>
-              <a:rPr lang="zh-CN" altLang="en-US" sz="1350" dirty="0" smtClean="0"/>
-              <a:t>价于：</a:t>
-            </a:r>
-            <a:r>
-              <a:rPr lang="en-US" altLang="zh-CN" sz="1350" dirty="0" smtClean="0"/>
-              <a:t>Max(Si - Sj)  # i-m &lt;= j &lt;= i-1</a:t>
-            </a:r>
-            <a:endParaRPr lang="en-US" altLang="zh-CN" sz="1350" dirty="0" smtClean="0"/>
-          </a:p>
-          <a:p>
-            <a:pPr>
-              <a:lnSpc>
-                <a:spcPct val="150000"/>
-              </a:lnSpc>
-            </a:pPr>
-            <a:endParaRPr lang="en-US" altLang="zh-CN" sz="1350" dirty="0"/>
-          </a:p>
-          <a:p>
-            <a:pPr>
-              <a:lnSpc>
-                <a:spcPct val="150000"/>
-              </a:lnSpc>
-            </a:pPr>
-            <a:r>
-              <a:rPr lang="zh-CN" altLang="en-US" sz="1350" dirty="0"/>
-              <a:t>那</a:t>
-            </a:r>
-            <a:r>
-              <a:rPr lang="zh-CN" altLang="en-US" sz="1350" dirty="0" smtClean="0"/>
-              <a:t>么在遍历的过程中，我们只要维护一个</a:t>
-            </a:r>
-            <a:endParaRPr lang="en-US" altLang="zh-CN" sz="1350" dirty="0" smtClean="0"/>
-          </a:p>
-          <a:p>
-            <a:pPr>
-              <a:lnSpc>
-                <a:spcPct val="150000"/>
-              </a:lnSpc>
-            </a:pPr>
-            <a:r>
-              <a:rPr lang="zh-CN" altLang="en-US" sz="1350" dirty="0"/>
-              <a:t>宽</a:t>
-            </a:r>
-            <a:r>
-              <a:rPr lang="zh-CN" altLang="en-US" sz="1350" dirty="0" smtClean="0"/>
-              <a:t>度为</a:t>
-            </a:r>
-            <a:r>
-              <a:rPr lang="en-US" altLang="zh-CN" sz="1350" dirty="0" smtClean="0"/>
-              <a:t>&lt;=m</a:t>
-            </a:r>
-            <a:r>
-              <a:rPr lang="zh-CN" altLang="en-US" sz="1350" dirty="0" smtClean="0"/>
-              <a:t>的单调队列，每次步进一步</a:t>
-            </a:r>
-            <a:endParaRPr lang="en-US" altLang="zh-CN" sz="1350" dirty="0" smtClean="0"/>
-          </a:p>
-          <a:p>
-            <a:pPr>
-              <a:lnSpc>
-                <a:spcPct val="150000"/>
-              </a:lnSpc>
-            </a:pPr>
-            <a:r>
-              <a:rPr lang="en-US" altLang="zh-CN" sz="1350" dirty="0" smtClean="0"/>
-              <a:t>1</a:t>
-            </a:r>
-            <a:r>
-              <a:rPr lang="zh-CN" altLang="en-US" sz="1350" dirty="0" smtClean="0"/>
-              <a:t>、判断是否弹出队首元素</a:t>
-            </a:r>
-            <a:endParaRPr lang="en-US" altLang="zh-CN" sz="1350" dirty="0" smtClean="0"/>
-          </a:p>
-          <a:p>
-            <a:pPr>
-              <a:lnSpc>
-                <a:spcPct val="150000"/>
-              </a:lnSpc>
-            </a:pPr>
-            <a:r>
-              <a:rPr lang="en-US" altLang="zh-CN" sz="1350" dirty="0" smtClean="0"/>
+            <a:r>
+              <a:rPr lang="en-US" altLang="zh-CN" dirty="0" smtClean="0"/>
+              <a:t>]</a:t>
+            </a:r>
+            <a:r>
+              <a:rPr lang="zh-CN" altLang="en-US" dirty="0" smtClean="0"/>
+              <a:t>：以</a:t>
+            </a:r>
+            <a:r>
+              <a:rPr lang="en-US" altLang="zh-CN" dirty="0" err="1" smtClean="0"/>
+              <a:t>nums</a:t>
+            </a:r>
+            <a:r>
+              <a:rPr lang="en-US" altLang="zh-CN" dirty="0" smtClean="0"/>
+              <a:t>[</a:t>
+            </a:r>
+            <a:r>
+              <a:rPr lang="en-US" altLang="zh-CN" dirty="0" err="1" smtClean="0"/>
+              <a:t>i</a:t>
+            </a:r>
+            <a:r>
+              <a:rPr lang="en-US" altLang="zh-CN" dirty="0" smtClean="0"/>
+              <a:t>]</a:t>
+            </a:r>
+            <a:r>
+              <a:rPr lang="zh-CN" altLang="en-US" dirty="0" smtClean="0"/>
+              <a:t>结尾的最长上升序列，</a:t>
+            </a:r>
+            <a:r>
+              <a:rPr lang="en-US" altLang="zh-CN" dirty="0" smtClean="0"/>
+              <a:t>O(N2)</a:t>
+            </a:r>
+          </a:p>
+          <a:p>
+            <a:r>
+              <a:rPr lang="en-US" altLang="zh-CN" dirty="0" smtClean="0"/>
               <a:t>2</a:t>
             </a:r>
             <a:r>
-              <a:rPr lang="zh-CN" altLang="en-US" sz="1350" dirty="0" smtClean="0"/>
-              <a:t>、判断</a:t>
-            </a:r>
-            <a:r>
-              <a:rPr lang="zh-CN" altLang="en-US" sz="1350" dirty="0"/>
-              <a:t>弹</a:t>
-            </a:r>
-            <a:r>
-              <a:rPr lang="zh-CN" altLang="en-US" sz="1350" dirty="0" smtClean="0"/>
-              <a:t>出若干队尾</a:t>
-            </a:r>
-            <a:endParaRPr lang="en-US" altLang="zh-CN" sz="1350" dirty="0" smtClean="0"/>
-          </a:p>
-          <a:p>
-            <a:pPr>
-              <a:lnSpc>
-                <a:spcPct val="150000"/>
-              </a:lnSpc>
-            </a:pPr>
-            <a:r>
-              <a:rPr lang="en-US" altLang="zh-CN" sz="1350" dirty="0" smtClean="0"/>
-              <a:t>2</a:t>
-            </a:r>
-            <a:r>
-              <a:rPr lang="zh-CN" altLang="en-US" sz="1350" dirty="0" smtClean="0"/>
-              <a:t>、新元素的索引入队</a:t>
-            </a:r>
-            <a:endParaRPr lang="en-US" altLang="zh-CN" sz="1350" dirty="0" smtClean="0"/>
-          </a:p>
-        </p:txBody>
-      </p:sp>
-      <p:cxnSp>
-        <p:nvCxnSpPr>
-          <p:cNvPr id="11" name="直接箭头连接符 10"/>
-          <p:cNvCxnSpPr/>
-          <p:nvPr/>
-        </p:nvCxnSpPr>
-        <p:spPr>
-          <a:xfrm flipV="1">
-            <a:off x="4956464" y="3032230"/>
-            <a:ext cx="0" cy="623248"/>
-          </a:xfrm>
-          <a:prstGeom prst="straightConnector1">
-            <a:avLst/>
-          </a:prstGeom>
-          <a:ln w="57150">
-            <a:solidFill>
-              <a:srgbClr val="FF0000"/>
-            </a:solidFill>
-            <a:prstDash val="sysDot"/>
-            <a:tailEnd type="triangle"/>
-          </a:ln>
-        </p:spPr>
-        <p:style>
-          <a:lnRef idx="1">
-            <a:schemeClr val="accent1"/>
-          </a:lnRef>
-          <a:fillRef idx="0">
-            <a:schemeClr val="accent1"/>
-          </a:fillRef>
-          <a:effectRef idx="0">
-            <a:schemeClr val="accent1"/>
-          </a:effectRef>
-          <a:fontRef idx="minor">
-            <a:schemeClr val="tx1"/>
-          </a:fontRef>
-        </p:style>
-      </p:cxnSp>
-      <p:cxnSp>
-        <p:nvCxnSpPr>
-          <p:cNvPr id="13" name="直接箭头连接符 12"/>
-          <p:cNvCxnSpPr/>
-          <p:nvPr/>
-        </p:nvCxnSpPr>
-        <p:spPr>
-          <a:xfrm flipV="1">
-            <a:off x="6847610" y="3021839"/>
-            <a:ext cx="0" cy="623248"/>
-          </a:xfrm>
-          <a:prstGeom prst="straightConnector1">
-            <a:avLst/>
-          </a:prstGeom>
-          <a:ln w="57150">
-            <a:solidFill>
-              <a:srgbClr val="FF0000"/>
-            </a:solidFill>
-            <a:prstDash val="sysDot"/>
-            <a:tailEnd type="triangle"/>
-          </a:ln>
-        </p:spPr>
-        <p:style>
-          <a:lnRef idx="1">
-            <a:schemeClr val="accent1"/>
-          </a:lnRef>
-          <a:fillRef idx="0">
-            <a:schemeClr val="accent1"/>
-          </a:fillRef>
-          <a:effectRef idx="0">
-            <a:schemeClr val="accent1"/>
-          </a:effectRef>
-          <a:fontRef idx="minor">
-            <a:schemeClr val="tx1"/>
-          </a:fontRef>
-        </p:style>
-      </p:cxnSp>
-      <p:sp>
-        <p:nvSpPr>
-          <p:cNvPr id="14" name="文本框 13"/>
-          <p:cNvSpPr txBox="1"/>
-          <p:nvPr/>
-        </p:nvSpPr>
-        <p:spPr>
-          <a:xfrm>
-            <a:off x="6521678" y="3780374"/>
-            <a:ext cx="690880" cy="645160"/>
-          </a:xfrm>
-          <a:prstGeom prst="rect">
-            <a:avLst/>
-          </a:prstGeom>
-          <a:noFill/>
-        </p:spPr>
-        <p:txBody>
-          <a:bodyPr wrap="none" rtlCol="0">
-            <a:spAutoFit/>
-          </a:bodyPr>
-          <a:lstStyle/>
-          <a:p>
-            <a:r>
-              <a:rPr lang="en-US" altLang="zh-CN" sz="3600" dirty="0" smtClean="0">
-                <a:latin typeface="Times New Roman" panose="02020603050405020304" pitchFamily="18" charset="0"/>
-                <a:cs typeface="Times New Roman" panose="02020603050405020304" pitchFamily="18" charset="0"/>
-              </a:rPr>
-              <a:t>i-1</a:t>
-            </a:r>
-            <a:endParaRPr lang="zh-CN" altLang="en-US" sz="3600" dirty="0">
-              <a:latin typeface="Times New Roman" panose="02020603050405020304" pitchFamily="18" charset="0"/>
-              <a:cs typeface="Times New Roman" panose="02020603050405020304" pitchFamily="18" charset="0"/>
-            </a:endParaRPr>
-          </a:p>
-        </p:txBody>
-      </p:sp>
-      <p:sp>
-        <p:nvSpPr>
-          <p:cNvPr id="15" name="文本框 14"/>
-          <p:cNvSpPr txBox="1"/>
-          <p:nvPr/>
-        </p:nvSpPr>
-        <p:spPr>
-          <a:xfrm>
-            <a:off x="4566213" y="3780167"/>
-            <a:ext cx="817880" cy="645160"/>
-          </a:xfrm>
-          <a:prstGeom prst="rect">
-            <a:avLst/>
-          </a:prstGeom>
-          <a:noFill/>
-        </p:spPr>
-        <p:txBody>
-          <a:bodyPr wrap="none" rtlCol="0">
-            <a:spAutoFit/>
-          </a:bodyPr>
-          <a:lstStyle/>
-          <a:p>
-            <a:r>
-              <a:rPr lang="en-US" altLang="zh-CN" sz="3600" dirty="0" smtClean="0">
-                <a:latin typeface="Times New Roman" panose="02020603050405020304" pitchFamily="18" charset="0"/>
-                <a:cs typeface="Times New Roman" panose="02020603050405020304" pitchFamily="18" charset="0"/>
-              </a:rPr>
-              <a:t>i-m</a:t>
-            </a:r>
-            <a:endParaRPr lang="zh-CN" altLang="en-US" sz="3600" dirty="0">
-              <a:latin typeface="Times New Roman" panose="02020603050405020304" pitchFamily="18" charset="0"/>
-              <a:cs typeface="Times New Roman" panose="02020603050405020304" pitchFamily="18" charset="0"/>
-            </a:endParaRPr>
-          </a:p>
-        </p:txBody>
-      </p:sp>
-      <p:cxnSp>
-        <p:nvCxnSpPr>
-          <p:cNvPr id="20" name="直接箭头连接符 19"/>
-          <p:cNvCxnSpPr/>
-          <p:nvPr/>
-        </p:nvCxnSpPr>
-        <p:spPr>
-          <a:xfrm>
-            <a:off x="4956464" y="3343853"/>
-            <a:ext cx="1891145" cy="0"/>
-          </a:xfrm>
-          <a:prstGeom prst="straightConnector1">
-            <a:avLst/>
-          </a:prstGeom>
-          <a:ln w="38100">
-            <a:prstDash val="sysDash"/>
-            <a:headEnd type="triangle"/>
-            <a:tailEnd type="triangle"/>
-          </a:ln>
-        </p:spPr>
-        <p:style>
-          <a:lnRef idx="1">
-            <a:schemeClr val="accent1"/>
-          </a:lnRef>
-          <a:fillRef idx="0">
-            <a:schemeClr val="accent1"/>
-          </a:fillRef>
-          <a:effectRef idx="0">
-            <a:schemeClr val="accent1"/>
-          </a:effectRef>
-          <a:fontRef idx="minor">
-            <a:schemeClr val="tx1"/>
-          </a:fontRef>
-        </p:style>
-      </p:cxnSp>
-      <p:sp>
-        <p:nvSpPr>
-          <p:cNvPr id="21" name="文本框 20"/>
-          <p:cNvSpPr txBox="1"/>
-          <p:nvPr/>
-        </p:nvSpPr>
-        <p:spPr>
-          <a:xfrm>
-            <a:off x="5480945" y="3342720"/>
-            <a:ext cx="1158497" cy="460375"/>
-          </a:xfrm>
-          <a:prstGeom prst="rect">
-            <a:avLst/>
-          </a:prstGeom>
-          <a:noFill/>
-        </p:spPr>
-        <p:txBody>
-          <a:bodyPr wrap="square" rtlCol="0">
-            <a:spAutoFit/>
-          </a:bodyPr>
-          <a:lstStyle/>
-          <a:p>
-            <a:r>
-              <a:rPr lang="zh-CN" altLang="en-US" dirty="0" smtClean="0">
-                <a:latin typeface="Times New Roman" panose="02020603050405020304" pitchFamily="18" charset="0"/>
-                <a:cs typeface="Times New Roman" panose="02020603050405020304" pitchFamily="18" charset="0"/>
-              </a:rPr>
-              <a:t>逻辑</a:t>
-            </a:r>
-            <a:r>
-              <a:rPr lang="en-US" altLang="zh-CN" sz="2400" dirty="0" smtClean="0">
-                <a:latin typeface="Times New Roman" panose="02020603050405020304" pitchFamily="18" charset="0"/>
-                <a:cs typeface="Times New Roman" panose="02020603050405020304" pitchFamily="18" charset="0"/>
-              </a:rPr>
-              <a:t>m</a:t>
-            </a:r>
-            <a:endParaRPr lang="zh-CN" altLang="en-US" sz="2400" dirty="0">
-              <a:latin typeface="Times New Roman" panose="02020603050405020304" pitchFamily="18" charset="0"/>
-              <a:cs typeface="Times New Roman" panose="02020603050405020304" pitchFamily="18" charset="0"/>
-            </a:endParaRPr>
-          </a:p>
-        </p:txBody>
-      </p:sp>
-      <p:sp>
-        <p:nvSpPr>
-          <p:cNvPr id="25" name="圆角矩形 24"/>
-          <p:cNvSpPr/>
-          <p:nvPr/>
-        </p:nvSpPr>
-        <p:spPr>
-          <a:xfrm>
-            <a:off x="4748645" y="2000250"/>
-            <a:ext cx="2286000" cy="384464"/>
-          </a:xfrm>
-          <a:prstGeom prst="roundRect">
-            <a:avLst/>
-          </a:prstGeom>
-          <a:ln w="38100"/>
-        </p:spPr>
-        <p:style>
-          <a:lnRef idx="2">
-            <a:schemeClr val="accent6"/>
-          </a:lnRef>
-          <a:fillRef idx="1">
-            <a:schemeClr val="lt1"/>
-          </a:fillRef>
-          <a:effectRef idx="0">
-            <a:schemeClr val="accent6"/>
-          </a:effectRef>
-          <a:fontRef idx="minor">
-            <a:schemeClr val="dk1"/>
-          </a:fontRef>
-        </p:style>
-        <p:txBody>
-          <a:bodyPr rtlCol="0" anchor="ctr"/>
-          <a:lstStyle/>
-          <a:p>
-            <a:pPr algn="ctr"/>
-            <a:r>
-              <a:rPr lang="en-US" altLang="zh-CN" dirty="0" smtClean="0">
-                <a:latin typeface="Times New Roman" panose="02020603050405020304" pitchFamily="18" charset="0"/>
-                <a:cs typeface="Times New Roman" panose="02020603050405020304" pitchFamily="18" charset="0"/>
-              </a:rPr>
-              <a:t>deque</a:t>
-            </a:r>
-            <a:endParaRPr lang="zh-CN" altLang="en-US" dirty="0">
-              <a:latin typeface="Times New Roman" panose="02020603050405020304" pitchFamily="18" charset="0"/>
-              <a:cs typeface="Times New Roman" panose="02020603050405020304" pitchFamily="18" charset="0"/>
-            </a:endParaRPr>
-          </a:p>
-        </p:txBody>
-      </p:sp>
-      <p:cxnSp>
-        <p:nvCxnSpPr>
-          <p:cNvPr id="27" name="曲线连接符 26"/>
-          <p:cNvCxnSpPr/>
-          <p:nvPr/>
-        </p:nvCxnSpPr>
-        <p:spPr>
-          <a:xfrm rot="16200000" flipV="1">
-            <a:off x="4739783" y="2432565"/>
-            <a:ext cx="566914" cy="549184"/>
-          </a:xfrm>
-          <a:prstGeom prst="curvedConnector3">
-            <a:avLst>
-              <a:gd name="adj1" fmla="val 50000"/>
-            </a:avLst>
-          </a:prstGeom>
-          <a:ln>
-            <a:tailEnd type="triangle"/>
-          </a:ln>
-        </p:spPr>
-        <p:style>
-          <a:lnRef idx="1">
-            <a:schemeClr val="accent1"/>
-          </a:lnRef>
-          <a:fillRef idx="0">
-            <a:schemeClr val="accent1"/>
-          </a:fillRef>
-          <a:effectRef idx="0">
-            <a:schemeClr val="accent1"/>
-          </a:effectRef>
-          <a:fontRef idx="minor">
-            <a:schemeClr val="tx1"/>
-          </a:fontRef>
-        </p:style>
-      </p:cxnSp>
-      <p:cxnSp>
-        <p:nvCxnSpPr>
-          <p:cNvPr id="28" name="曲线连接符 27"/>
-          <p:cNvCxnSpPr/>
-          <p:nvPr/>
-        </p:nvCxnSpPr>
-        <p:spPr>
-          <a:xfrm rot="5400000" flipH="1" flipV="1">
-            <a:off x="6494465" y="2450913"/>
-            <a:ext cx="567395" cy="512967"/>
-          </a:xfrm>
-          <a:prstGeom prst="curvedConnector3">
-            <a:avLst/>
-          </a:prstGeom>
-          <a:ln>
-            <a:tailEnd type="triangle"/>
-          </a:ln>
-        </p:spPr>
-        <p:style>
-          <a:lnRef idx="1">
-            <a:schemeClr val="accent1"/>
-          </a:lnRef>
-          <a:fillRef idx="0">
-            <a:schemeClr val="accent1"/>
-          </a:fillRef>
-          <a:effectRef idx="0">
-            <a:schemeClr val="accent1"/>
-          </a:effectRef>
-          <a:fontRef idx="minor">
-            <a:schemeClr val="tx1"/>
-          </a:fontRef>
-        </p:style>
-      </p:cxnSp>
+              <a:rPr lang="zh-CN" altLang="en-US" dirty="0" smtClean="0"/>
+              <a:t>、动规</a:t>
+            </a:r>
+            <a:r>
+              <a:rPr lang="en-US" altLang="zh-CN" dirty="0" smtClean="0"/>
+              <a:t>+</a:t>
+            </a:r>
+            <a:r>
+              <a:rPr lang="zh-CN" altLang="en-US" dirty="0" smtClean="0"/>
+              <a:t>二分：</a:t>
+            </a:r>
+            <a:endParaRPr lang="zh-CN" altLang="en-US" dirty="0"/>
+          </a:p>
+        </p:txBody>
+      </p:sp>
     </p:spTree>
   </p:cSld>
   <p:clrMapOvr>
@@ -10948,259 +10968,24 @@
       </p:grpSpPr>
       <p:sp>
         <p:nvSpPr>
-          <p:cNvPr id="4" name="圆角矩形 3"/>
-          <p:cNvSpPr/>
-          <p:nvPr/>
-        </p:nvSpPr>
-        <p:spPr>
-          <a:xfrm>
-            <a:off x="1357290" y="1071546"/>
-            <a:ext cx="1785950" cy="500066"/>
-          </a:xfrm>
-          <a:prstGeom prst="roundRect">
-            <a:avLst/>
-          </a:prstGeom>
-        </p:spPr>
-        <p:style>
-          <a:lnRef idx="2">
-            <a:schemeClr val="accent3">
-              <a:shade val="50000"/>
-            </a:schemeClr>
-          </a:lnRef>
-          <a:fillRef idx="1">
-            <a:schemeClr val="accent3"/>
-          </a:fillRef>
-          <a:effectRef idx="0">
-            <a:schemeClr val="accent3"/>
-          </a:effectRef>
-          <a:fontRef idx="minor">
-            <a:schemeClr val="lt1"/>
-          </a:fontRef>
-        </p:style>
-        <p:txBody>
-          <a:bodyPr rtlCol="0" anchor="ctr"/>
-          <a:lstStyle/>
-          <a:p>
-            <a:pPr algn="ctr"/>
-            <a:endParaRPr lang="zh-CN" altLang="en-US"/>
-          </a:p>
-        </p:txBody>
-      </p:sp>
-      <p:sp>
-        <p:nvSpPr>
-          <p:cNvPr id="5" name="圆角矩形 4"/>
-          <p:cNvSpPr/>
-          <p:nvPr/>
-        </p:nvSpPr>
-        <p:spPr>
-          <a:xfrm>
-            <a:off x="3571868" y="1071546"/>
-            <a:ext cx="1785950" cy="500066"/>
-          </a:xfrm>
-          <a:prstGeom prst="roundRect">
-            <a:avLst/>
-          </a:prstGeom>
-        </p:spPr>
-        <p:style>
-          <a:lnRef idx="2">
-            <a:schemeClr val="accent6">
-              <a:shade val="50000"/>
-            </a:schemeClr>
-          </a:lnRef>
-          <a:fillRef idx="1">
-            <a:schemeClr val="accent6"/>
-          </a:fillRef>
-          <a:effectRef idx="0">
-            <a:schemeClr val="accent6"/>
-          </a:effectRef>
-          <a:fontRef idx="minor">
-            <a:schemeClr val="lt1"/>
-          </a:fontRef>
-        </p:style>
-        <p:txBody>
-          <a:bodyPr rtlCol="0" anchor="ctr"/>
-          <a:lstStyle/>
-          <a:p>
-            <a:pPr algn="ctr"/>
-            <a:endParaRPr lang="zh-CN" altLang="en-US"/>
-          </a:p>
-        </p:txBody>
-      </p:sp>
-      <p:sp>
-        <p:nvSpPr>
-          <p:cNvPr id="6" name="圆角矩形 5"/>
-          <p:cNvSpPr/>
-          <p:nvPr/>
-        </p:nvSpPr>
-        <p:spPr>
-          <a:xfrm>
-            <a:off x="6072198" y="1071546"/>
-            <a:ext cx="1785950" cy="500066"/>
-          </a:xfrm>
-          <a:prstGeom prst="roundRect">
-            <a:avLst/>
-          </a:prstGeom>
-        </p:spPr>
-        <p:style>
-          <a:lnRef idx="2">
-            <a:schemeClr val="accent2">
-              <a:shade val="50000"/>
-            </a:schemeClr>
-          </a:lnRef>
-          <a:fillRef idx="1">
-            <a:schemeClr val="accent2"/>
-          </a:fillRef>
-          <a:effectRef idx="0">
-            <a:schemeClr val="accent2"/>
-          </a:effectRef>
-          <a:fontRef idx="minor">
-            <a:schemeClr val="lt1"/>
-          </a:fontRef>
-        </p:style>
-        <p:txBody>
-          <a:bodyPr rtlCol="0" anchor="ctr"/>
-          <a:lstStyle/>
-          <a:p>
-            <a:pPr algn="ctr"/>
-            <a:endParaRPr lang="zh-CN" altLang="en-US"/>
-          </a:p>
-        </p:txBody>
-      </p:sp>
-      <p:sp>
-        <p:nvSpPr>
-          <p:cNvPr id="7" name="圆角矩形 6"/>
-          <p:cNvSpPr/>
-          <p:nvPr/>
-        </p:nvSpPr>
-        <p:spPr>
-          <a:xfrm>
-            <a:off x="1285852" y="3857628"/>
-            <a:ext cx="1785950" cy="500066"/>
-          </a:xfrm>
-          <a:prstGeom prst="roundRect">
-            <a:avLst/>
-          </a:prstGeom>
-        </p:spPr>
-        <p:style>
-          <a:lnRef idx="2">
-            <a:schemeClr val="accent3">
-              <a:shade val="50000"/>
-            </a:schemeClr>
-          </a:lnRef>
-          <a:fillRef idx="1">
-            <a:schemeClr val="accent3"/>
-          </a:fillRef>
-          <a:effectRef idx="0">
-            <a:schemeClr val="accent3"/>
-          </a:effectRef>
-          <a:fontRef idx="minor">
-            <a:schemeClr val="lt1"/>
-          </a:fontRef>
-        </p:style>
-        <p:txBody>
-          <a:bodyPr rtlCol="0" anchor="ctr"/>
-          <a:lstStyle/>
-          <a:p>
-            <a:pPr algn="ctr"/>
-            <a:endParaRPr lang="zh-CN" altLang="en-US"/>
-          </a:p>
-        </p:txBody>
-      </p:sp>
-      <p:sp>
-        <p:nvSpPr>
-          <p:cNvPr id="8" name="圆角矩形 7"/>
-          <p:cNvSpPr/>
-          <p:nvPr/>
-        </p:nvSpPr>
-        <p:spPr>
-          <a:xfrm>
-            <a:off x="4929190" y="3857628"/>
-            <a:ext cx="1785950" cy="500066"/>
-          </a:xfrm>
-          <a:prstGeom prst="roundRect">
-            <a:avLst/>
-          </a:prstGeom>
-        </p:spPr>
-        <p:style>
-          <a:lnRef idx="2">
-            <a:schemeClr val="accent6">
-              <a:shade val="50000"/>
-            </a:schemeClr>
-          </a:lnRef>
-          <a:fillRef idx="1">
-            <a:schemeClr val="accent6"/>
-          </a:fillRef>
-          <a:effectRef idx="0">
-            <a:schemeClr val="accent6"/>
-          </a:effectRef>
-          <a:fontRef idx="minor">
-            <a:schemeClr val="lt1"/>
-          </a:fontRef>
-        </p:style>
-        <p:txBody>
-          <a:bodyPr rtlCol="0" anchor="ctr"/>
-          <a:lstStyle/>
-          <a:p>
-            <a:pPr algn="ctr"/>
-            <a:endParaRPr lang="zh-CN" altLang="en-US"/>
-          </a:p>
-        </p:txBody>
-      </p:sp>
-      <p:sp>
-        <p:nvSpPr>
-          <p:cNvPr id="9" name="圆角矩形 8"/>
-          <p:cNvSpPr/>
-          <p:nvPr/>
-        </p:nvSpPr>
-        <p:spPr>
-          <a:xfrm>
-            <a:off x="6000760" y="3857628"/>
-            <a:ext cx="1785950" cy="500066"/>
-          </a:xfrm>
-          <a:prstGeom prst="roundRect">
-            <a:avLst/>
-          </a:prstGeom>
-        </p:spPr>
-        <p:style>
-          <a:lnRef idx="2">
-            <a:schemeClr val="accent2">
-              <a:shade val="50000"/>
-            </a:schemeClr>
-          </a:lnRef>
-          <a:fillRef idx="1">
-            <a:schemeClr val="accent2"/>
-          </a:fillRef>
-          <a:effectRef idx="0">
-            <a:schemeClr val="accent2"/>
-          </a:effectRef>
-          <a:fontRef idx="minor">
-            <a:schemeClr val="lt1"/>
-          </a:fontRef>
-        </p:style>
-        <p:txBody>
-          <a:bodyPr rtlCol="0" anchor="ctr"/>
-          <a:lstStyle/>
-          <a:p>
-            <a:pPr algn="ctr"/>
-            <a:endParaRPr lang="zh-CN" altLang="en-US"/>
-          </a:p>
-        </p:txBody>
-      </p:sp>
-      <p:sp>
-        <p:nvSpPr>
-          <p:cNvPr id="10" name="TextBox 9"/>
+          <p:cNvPr id="4" name="文本框 3"/>
           <p:cNvSpPr txBox="1"/>
           <p:nvPr/>
         </p:nvSpPr>
         <p:spPr>
           <a:xfrm>
-            <a:off x="1357290" y="1857364"/>
-            <a:ext cx="4069080" cy="922020"/>
+            <a:off x="0" y="0"/>
+            <a:ext cx="1046480" cy="299085"/>
           </a:xfrm>
           <a:prstGeom prst="rect">
             <a:avLst/>
           </a:prstGeom>
           <a:noFill/>
+          <a:ln w="38100">
+            <a:solidFill>
+              <a:srgbClr val="FF0000"/>
+            </a:solidFill>
+          </a:ln>
         </p:spPr>
         <p:txBody>
           <a:bodyPr wrap="none" rtlCol="0">
@@ -11209,37 +10994,99 @@
           <a:lstStyle/>
           <a:p>
             <a:r>
-              <a:rPr lang="zh-CN" altLang="en-US" dirty="0" smtClean="0"/>
-              <a:t>当我们考虑绿色要不要连接橙色的时候</a:t>
-            </a:r>
-            <a:endParaRPr lang="en-US" altLang="zh-CN" dirty="0" smtClean="0"/>
-          </a:p>
-          <a:p>
-            <a:r>
-              <a:rPr lang="zh-CN" altLang="en-US" dirty="0" smtClean="0"/>
-              <a:t>情况一：不干涉下一次</a:t>
-            </a:r>
-            <a:r>
-              <a:rPr lang="en-US" altLang="zh-CN" dirty="0" smtClean="0"/>
-              <a:t>OK</a:t>
-            </a:r>
-            <a:endParaRPr lang="en-US" altLang="zh-CN" dirty="0" smtClean="0"/>
-          </a:p>
-          <a:p>
-            <a:endParaRPr lang="zh-CN" altLang="en-US" dirty="0"/>
-          </a:p>
-        </p:txBody>
-      </p:sp>
-      <p:sp>
-        <p:nvSpPr>
-          <p:cNvPr id="11" name="TextBox 10"/>
+              <a:rPr lang="zh-CN" altLang="en-US" sz="1350" b="1" dirty="0" smtClean="0">
+                <a:latin typeface="宋体" panose="02010600030101010101" pitchFamily="2" charset="-122"/>
+                <a:ea typeface="宋体" panose="02010600030101010101" pitchFamily="2" charset="-122"/>
+              </a:rPr>
+              <a:t>最大子串和</a:t>
+            </a:r>
+            <a:endParaRPr lang="zh-CN" altLang="en-US" sz="1350" b="1" dirty="0">
+              <a:latin typeface="宋体" panose="02010600030101010101" pitchFamily="2" charset="-122"/>
+              <a:ea typeface="宋体" panose="02010600030101010101" pitchFamily="2" charset="-122"/>
+            </a:endParaRPr>
+          </a:p>
+        </p:txBody>
+      </p:sp>
+      <p:cxnSp>
+        <p:nvCxnSpPr>
+          <p:cNvPr id="6" name="直接箭头连接符 5"/>
+          <p:cNvCxnSpPr/>
+          <p:nvPr/>
+        </p:nvCxnSpPr>
+        <p:spPr>
+          <a:xfrm>
+            <a:off x="4499265" y="3021839"/>
+            <a:ext cx="4426527" cy="10391"/>
+          </a:xfrm>
+          <a:prstGeom prst="straightConnector1">
+            <a:avLst/>
+          </a:prstGeom>
+          <a:ln w="76200">
+            <a:solidFill>
+              <a:srgbClr val="00B050"/>
+            </a:solidFill>
+            <a:tailEnd type="triangle"/>
+          </a:ln>
+        </p:spPr>
+        <p:style>
+          <a:lnRef idx="1">
+            <a:schemeClr val="accent1"/>
+          </a:lnRef>
+          <a:fillRef idx="0">
+            <a:schemeClr val="accent1"/>
+          </a:fillRef>
+          <a:effectRef idx="0">
+            <a:schemeClr val="accent1"/>
+          </a:effectRef>
+          <a:fontRef idx="minor">
+            <a:schemeClr val="tx1"/>
+          </a:fontRef>
+        </p:style>
+      </p:cxnSp>
+      <p:cxnSp>
+        <p:nvCxnSpPr>
+          <p:cNvPr id="8" name="直接箭头连接符 7"/>
+          <p:cNvCxnSpPr/>
+          <p:nvPr/>
+        </p:nvCxnSpPr>
+        <p:spPr>
+          <a:xfrm>
+            <a:off x="7294419" y="2190566"/>
+            <a:ext cx="0" cy="831272"/>
+          </a:xfrm>
+          <a:prstGeom prst="straightConnector1">
+            <a:avLst/>
+          </a:prstGeom>
+          <a:ln w="57150">
+            <a:prstDash val="sysDot"/>
+            <a:tailEnd type="triangle"/>
+          </a:ln>
+        </p:spPr>
+        <p:style>
+          <a:lnRef idx="1">
+            <a:schemeClr val="accent1"/>
+          </a:lnRef>
+          <a:fillRef idx="0">
+            <a:schemeClr val="accent1"/>
+          </a:fillRef>
+          <a:effectRef idx="0">
+            <a:schemeClr val="accent1"/>
+          </a:effectRef>
+          <a:fontRef idx="minor">
+            <a:schemeClr val="tx1"/>
+          </a:fontRef>
+        </p:style>
+      </p:cxnSp>
+      <p:sp>
+        <p:nvSpPr>
+          <p:cNvPr id="9" name="文本框 8"/>
           <p:cNvSpPr txBox="1"/>
           <p:nvPr/>
         </p:nvSpPr>
         <p:spPr>
           <a:xfrm>
-            <a:off x="1285852" y="4929198"/>
-            <a:ext cx="6878806" cy="646331"/>
+            <a:off x="7160849" y="3032230"/>
+            <a:ext cx="309880" cy="645160"/>
           </a:xfrm>
           <a:prstGeom prst="rect">
             <a:avLst/>
@@ -11253,16 +11100,581 @@
           <a:lstStyle/>
           <a:p>
             <a:r>
-              <a:rPr lang="zh-CN" altLang="en-US" dirty="0" smtClean="0"/>
-              <a:t>情况二：干涉下一次，但是由于右边界递增，所以不会影响总长度</a:t>
-            </a:r>
-            <a:endParaRPr lang="en-US" altLang="zh-CN" dirty="0" smtClean="0"/>
-          </a:p>
-          <a:p>
-            <a:endParaRPr lang="zh-CN" altLang="en-US" dirty="0"/>
-          </a:p>
-        </p:txBody>
-      </p:sp>
+              <a:rPr lang="en-US" altLang="zh-CN" sz="3600" dirty="0" smtClean="0">
+                <a:latin typeface="Times New Roman" panose="02020603050405020304" pitchFamily="18" charset="0"/>
+                <a:cs typeface="Times New Roman" panose="02020603050405020304" pitchFamily="18" charset="0"/>
+              </a:rPr>
+              <a:t>i</a:t>
+            </a:r>
+            <a:endParaRPr lang="zh-CN" altLang="en-US" sz="3600" dirty="0">
+              <a:latin typeface="Times New Roman" panose="02020603050405020304" pitchFamily="18" charset="0"/>
+              <a:cs typeface="Times New Roman" panose="02020603050405020304" pitchFamily="18" charset="0"/>
+            </a:endParaRPr>
+          </a:p>
+        </p:txBody>
+      </p:sp>
+      <p:sp>
+        <p:nvSpPr>
+          <p:cNvPr id="10" name="文本框 9"/>
+          <p:cNvSpPr txBox="1"/>
+          <p:nvPr/>
+        </p:nvSpPr>
+        <p:spPr>
+          <a:xfrm>
+            <a:off x="717326" y="1647416"/>
+            <a:ext cx="3406140" cy="3207385"/>
+          </a:xfrm>
+          <a:prstGeom prst="rect">
+            <a:avLst/>
+          </a:prstGeom>
+          <a:noFill/>
+        </p:spPr>
+        <p:txBody>
+          <a:bodyPr wrap="none" rtlCol="0">
+            <a:spAutoFit/>
+          </a:bodyPr>
+          <a:lstStyle/>
+          <a:p>
+            <a:pPr>
+              <a:lnSpc>
+                <a:spcPct val="150000"/>
+              </a:lnSpc>
+            </a:pPr>
+            <a:r>
+              <a:rPr lang="en-US" altLang="zh-CN" sz="1350" dirty="0"/>
+              <a:t>S</a:t>
+            </a:r>
+            <a:r>
+              <a:rPr lang="en-US" altLang="zh-CN" sz="1350" dirty="0" smtClean="0"/>
+              <a:t>:</a:t>
+            </a:r>
+            <a:r>
+              <a:rPr lang="zh-CN" altLang="en-US" sz="1350" dirty="0" smtClean="0"/>
+              <a:t>前缀和</a:t>
+            </a:r>
+            <a:endParaRPr lang="en-US" altLang="zh-CN" sz="1350" dirty="0" smtClean="0"/>
+          </a:p>
+          <a:p>
+            <a:pPr>
+              <a:lnSpc>
+                <a:spcPct val="150000"/>
+              </a:lnSpc>
+            </a:pPr>
+            <a:r>
+              <a:rPr lang="en-US" altLang="zh-CN" sz="1350" dirty="0" smtClean="0"/>
+              <a:t>I</a:t>
+            </a:r>
+            <a:r>
+              <a:rPr lang="zh-CN" altLang="en-US" sz="1350" dirty="0" smtClean="0"/>
+              <a:t>到</a:t>
+            </a:r>
+            <a:r>
+              <a:rPr lang="en-US" altLang="zh-CN" sz="1350" dirty="0" smtClean="0"/>
+              <a:t>j</a:t>
+            </a:r>
+            <a:r>
+              <a:rPr lang="zh-CN" altLang="en-US" sz="1350" dirty="0" smtClean="0"/>
+              <a:t>闭区间的子串和为</a:t>
+            </a:r>
+            <a:r>
+              <a:rPr lang="en-US" altLang="zh-CN" sz="1350" dirty="0"/>
+              <a:t>S</a:t>
+            </a:r>
+            <a:r>
+              <a:rPr lang="en-US" altLang="zh-CN" sz="1350" dirty="0" smtClean="0"/>
+              <a:t>[i]-S[j-1]</a:t>
+            </a:r>
+          </a:p>
+          <a:p>
+            <a:pPr>
+              <a:lnSpc>
+                <a:spcPct val="150000"/>
+              </a:lnSpc>
+            </a:pPr>
+            <a:r>
+              <a:rPr lang="zh-CN" altLang="en-US" sz="1350" dirty="0"/>
+              <a:t>假</a:t>
+            </a:r>
+            <a:r>
+              <a:rPr lang="zh-CN" altLang="en-US" sz="1350" dirty="0" smtClean="0"/>
+              <a:t>如求一个宽度为</a:t>
+            </a:r>
+            <a:r>
+              <a:rPr lang="en-US" altLang="zh-CN" sz="1350" dirty="0" smtClean="0"/>
+              <a:t>m</a:t>
+            </a:r>
+            <a:r>
+              <a:rPr lang="zh-CN" altLang="en-US" sz="1350" dirty="0" smtClean="0"/>
+              <a:t>的区间的最大子串和：</a:t>
+            </a:r>
+            <a:endParaRPr lang="en-US" altLang="zh-CN" sz="1350" dirty="0" smtClean="0"/>
+          </a:p>
+          <a:p>
+            <a:pPr>
+              <a:lnSpc>
+                <a:spcPct val="150000"/>
+              </a:lnSpc>
+            </a:pPr>
+            <a:r>
+              <a:rPr lang="zh-CN" altLang="en-US" sz="1350" dirty="0"/>
+              <a:t>等</a:t>
+            </a:r>
+            <a:r>
+              <a:rPr lang="zh-CN" altLang="en-US" sz="1350" dirty="0" smtClean="0"/>
+              <a:t>价于：</a:t>
+            </a:r>
+            <a:r>
+              <a:rPr lang="en-US" altLang="zh-CN" sz="1350" dirty="0" smtClean="0"/>
+              <a:t>Max(Si - Sj)  # i-m &lt;= j &lt;= i-1</a:t>
+            </a:r>
+          </a:p>
+          <a:p>
+            <a:pPr>
+              <a:lnSpc>
+                <a:spcPct val="150000"/>
+              </a:lnSpc>
+            </a:pPr>
+            <a:endParaRPr lang="en-US" altLang="zh-CN" sz="1350" dirty="0"/>
+          </a:p>
+          <a:p>
+            <a:pPr>
+              <a:lnSpc>
+                <a:spcPct val="150000"/>
+              </a:lnSpc>
+            </a:pPr>
+            <a:r>
+              <a:rPr lang="zh-CN" altLang="en-US" sz="1350" dirty="0"/>
+              <a:t>那</a:t>
+            </a:r>
+            <a:r>
+              <a:rPr lang="zh-CN" altLang="en-US" sz="1350" dirty="0" smtClean="0"/>
+              <a:t>么在遍历的过程中，我们只要维护一个</a:t>
+            </a:r>
+            <a:endParaRPr lang="en-US" altLang="zh-CN" sz="1350" dirty="0" smtClean="0"/>
+          </a:p>
+          <a:p>
+            <a:pPr>
+              <a:lnSpc>
+                <a:spcPct val="150000"/>
+              </a:lnSpc>
+            </a:pPr>
+            <a:r>
+              <a:rPr lang="zh-CN" altLang="en-US" sz="1350" dirty="0"/>
+              <a:t>宽</a:t>
+            </a:r>
+            <a:r>
+              <a:rPr lang="zh-CN" altLang="en-US" sz="1350" dirty="0" smtClean="0"/>
+              <a:t>度为</a:t>
+            </a:r>
+            <a:r>
+              <a:rPr lang="en-US" altLang="zh-CN" sz="1350" dirty="0" smtClean="0"/>
+              <a:t>&lt;=m</a:t>
+            </a:r>
+            <a:r>
+              <a:rPr lang="zh-CN" altLang="en-US" sz="1350" dirty="0" smtClean="0"/>
+              <a:t>的单调队列，每次步进一步</a:t>
+            </a:r>
+            <a:endParaRPr lang="en-US" altLang="zh-CN" sz="1350" dirty="0" smtClean="0"/>
+          </a:p>
+          <a:p>
+            <a:pPr>
+              <a:lnSpc>
+                <a:spcPct val="150000"/>
+              </a:lnSpc>
+            </a:pPr>
+            <a:r>
+              <a:rPr lang="en-US" altLang="zh-CN" sz="1350" dirty="0" smtClean="0"/>
+              <a:t>1</a:t>
+            </a:r>
+            <a:r>
+              <a:rPr lang="zh-CN" altLang="en-US" sz="1350" dirty="0" smtClean="0"/>
+              <a:t>、判断是否弹出队首元素</a:t>
+            </a:r>
+            <a:endParaRPr lang="en-US" altLang="zh-CN" sz="1350" dirty="0" smtClean="0"/>
+          </a:p>
+          <a:p>
+            <a:pPr>
+              <a:lnSpc>
+                <a:spcPct val="150000"/>
+              </a:lnSpc>
+            </a:pPr>
+            <a:r>
+              <a:rPr lang="en-US" altLang="zh-CN" sz="1350" dirty="0" smtClean="0"/>
+              <a:t>2</a:t>
+            </a:r>
+            <a:r>
+              <a:rPr lang="zh-CN" altLang="en-US" sz="1350" dirty="0" smtClean="0"/>
+              <a:t>、判断</a:t>
+            </a:r>
+            <a:r>
+              <a:rPr lang="zh-CN" altLang="en-US" sz="1350" dirty="0"/>
+              <a:t>弹</a:t>
+            </a:r>
+            <a:r>
+              <a:rPr lang="zh-CN" altLang="en-US" sz="1350" dirty="0" smtClean="0"/>
+              <a:t>出若干队尾</a:t>
+            </a:r>
+            <a:endParaRPr lang="en-US" altLang="zh-CN" sz="1350" dirty="0" smtClean="0"/>
+          </a:p>
+          <a:p>
+            <a:pPr>
+              <a:lnSpc>
+                <a:spcPct val="150000"/>
+              </a:lnSpc>
+            </a:pPr>
+            <a:r>
+              <a:rPr lang="en-US" altLang="zh-CN" sz="1350" dirty="0" smtClean="0"/>
+              <a:t>2</a:t>
+            </a:r>
+            <a:r>
+              <a:rPr lang="zh-CN" altLang="en-US" sz="1350" dirty="0" smtClean="0"/>
+              <a:t>、新元素的索引入队</a:t>
+            </a:r>
+            <a:endParaRPr lang="en-US" altLang="zh-CN" sz="1350" dirty="0" smtClean="0"/>
+          </a:p>
+        </p:txBody>
+      </p:sp>
+      <p:cxnSp>
+        <p:nvCxnSpPr>
+          <p:cNvPr id="11" name="直接箭头连接符 10"/>
+          <p:cNvCxnSpPr/>
+          <p:nvPr/>
+        </p:nvCxnSpPr>
+        <p:spPr>
+          <a:xfrm flipV="1">
+            <a:off x="4956464" y="3032230"/>
+            <a:ext cx="0" cy="623248"/>
+          </a:xfrm>
+          <a:prstGeom prst="straightConnector1">
+            <a:avLst/>
+          </a:prstGeom>
+          <a:ln w="57150">
+            <a:solidFill>
+              <a:srgbClr val="FF0000"/>
+            </a:solidFill>
+            <a:prstDash val="sysDot"/>
+            <a:tailEnd type="triangle"/>
+          </a:ln>
+        </p:spPr>
+        <p:style>
+          <a:lnRef idx="1">
+            <a:schemeClr val="accent1"/>
+          </a:lnRef>
+          <a:fillRef idx="0">
+            <a:schemeClr val="accent1"/>
+          </a:fillRef>
+          <a:effectRef idx="0">
+            <a:schemeClr val="accent1"/>
+          </a:effectRef>
+          <a:fontRef idx="minor">
+            <a:schemeClr val="tx1"/>
+          </a:fontRef>
+        </p:style>
+      </p:cxnSp>
+      <p:cxnSp>
+        <p:nvCxnSpPr>
+          <p:cNvPr id="13" name="直接箭头连接符 12"/>
+          <p:cNvCxnSpPr/>
+          <p:nvPr/>
+        </p:nvCxnSpPr>
+        <p:spPr>
+          <a:xfrm flipV="1">
+            <a:off x="6847610" y="3021839"/>
+            <a:ext cx="0" cy="623248"/>
+          </a:xfrm>
+          <a:prstGeom prst="straightConnector1">
+            <a:avLst/>
+          </a:prstGeom>
+          <a:ln w="57150">
+            <a:solidFill>
+              <a:srgbClr val="FF0000"/>
+            </a:solidFill>
+            <a:prstDash val="sysDot"/>
+            <a:tailEnd type="triangle"/>
+          </a:ln>
+        </p:spPr>
+        <p:style>
+          <a:lnRef idx="1">
+            <a:schemeClr val="accent1"/>
+          </a:lnRef>
+          <a:fillRef idx="0">
+            <a:schemeClr val="accent1"/>
+          </a:fillRef>
+          <a:effectRef idx="0">
+            <a:schemeClr val="accent1"/>
+          </a:effectRef>
+          <a:fontRef idx="minor">
+            <a:schemeClr val="tx1"/>
+          </a:fontRef>
+        </p:style>
+      </p:cxnSp>
+      <p:sp>
+        <p:nvSpPr>
+          <p:cNvPr id="14" name="文本框 13"/>
+          <p:cNvSpPr txBox="1"/>
+          <p:nvPr/>
+        </p:nvSpPr>
+        <p:spPr>
+          <a:xfrm>
+            <a:off x="6521678" y="3780374"/>
+            <a:ext cx="690880" cy="645160"/>
+          </a:xfrm>
+          <a:prstGeom prst="rect">
+            <a:avLst/>
+          </a:prstGeom>
+          <a:noFill/>
+        </p:spPr>
+        <p:txBody>
+          <a:bodyPr wrap="none" rtlCol="0">
+            <a:spAutoFit/>
+          </a:bodyPr>
+          <a:lstStyle/>
+          <a:p>
+            <a:r>
+              <a:rPr lang="en-US" altLang="zh-CN" sz="3600" dirty="0" smtClean="0">
+                <a:latin typeface="Times New Roman" panose="02020603050405020304" pitchFamily="18" charset="0"/>
+                <a:cs typeface="Times New Roman" panose="02020603050405020304" pitchFamily="18" charset="0"/>
+              </a:rPr>
+              <a:t>i-1</a:t>
+            </a:r>
+            <a:endParaRPr lang="zh-CN" altLang="en-US" sz="3600" dirty="0">
+              <a:latin typeface="Times New Roman" panose="02020603050405020304" pitchFamily="18" charset="0"/>
+              <a:cs typeface="Times New Roman" panose="02020603050405020304" pitchFamily="18" charset="0"/>
+            </a:endParaRPr>
+          </a:p>
+        </p:txBody>
+      </p:sp>
+      <p:sp>
+        <p:nvSpPr>
+          <p:cNvPr id="15" name="文本框 14"/>
+          <p:cNvSpPr txBox="1"/>
+          <p:nvPr/>
+        </p:nvSpPr>
+        <p:spPr>
+          <a:xfrm>
+            <a:off x="4566213" y="3780167"/>
+            <a:ext cx="817880" cy="645160"/>
+          </a:xfrm>
+          <a:prstGeom prst="rect">
+            <a:avLst/>
+          </a:prstGeom>
+          <a:noFill/>
+        </p:spPr>
+        <p:txBody>
+          <a:bodyPr wrap="none" rtlCol="0">
+            <a:spAutoFit/>
+          </a:bodyPr>
+          <a:lstStyle/>
+          <a:p>
+            <a:r>
+              <a:rPr lang="en-US" altLang="zh-CN" sz="3600" dirty="0" smtClean="0">
+                <a:latin typeface="Times New Roman" panose="02020603050405020304" pitchFamily="18" charset="0"/>
+                <a:cs typeface="Times New Roman" panose="02020603050405020304" pitchFamily="18" charset="0"/>
+              </a:rPr>
+              <a:t>i-m</a:t>
+            </a:r>
+            <a:endParaRPr lang="zh-CN" altLang="en-US" sz="3600" dirty="0">
+              <a:latin typeface="Times New Roman" panose="02020603050405020304" pitchFamily="18" charset="0"/>
+              <a:cs typeface="Times New Roman" panose="02020603050405020304" pitchFamily="18" charset="0"/>
+            </a:endParaRPr>
+          </a:p>
+        </p:txBody>
+      </p:sp>
+      <p:cxnSp>
+        <p:nvCxnSpPr>
+          <p:cNvPr id="20" name="直接箭头连接符 19"/>
+          <p:cNvCxnSpPr/>
+          <p:nvPr/>
+        </p:nvCxnSpPr>
+        <p:spPr>
+          <a:xfrm>
+            <a:off x="4956464" y="3343853"/>
+            <a:ext cx="1891145" cy="0"/>
+          </a:xfrm>
+          <a:prstGeom prst="straightConnector1">
+            <a:avLst/>
+          </a:prstGeom>
+          <a:ln w="38100">
+            <a:prstDash val="sysDash"/>
+            <a:headEnd type="triangle"/>
+            <a:tailEnd type="triangle"/>
+          </a:ln>
+        </p:spPr>
+        <p:style>
+          <a:lnRef idx="1">
+            <a:schemeClr val="accent1"/>
+          </a:lnRef>
+          <a:fillRef idx="0">
+            <a:schemeClr val="accent1"/>
+          </a:fillRef>
+          <a:effectRef idx="0">
+            <a:schemeClr val="accent1"/>
+          </a:effectRef>
+          <a:fontRef idx="minor">
+            <a:schemeClr val="tx1"/>
+          </a:fontRef>
+        </p:style>
+      </p:cxnSp>
+      <p:sp>
+        <p:nvSpPr>
+          <p:cNvPr id="21" name="文本框 20"/>
+          <p:cNvSpPr txBox="1"/>
+          <p:nvPr/>
+        </p:nvSpPr>
+        <p:spPr>
+          <a:xfrm>
+            <a:off x="5480945" y="3342720"/>
+            <a:ext cx="1158497" cy="460375"/>
+          </a:xfrm>
+          <a:prstGeom prst="rect">
+            <a:avLst/>
+          </a:prstGeom>
+          <a:noFill/>
+        </p:spPr>
+        <p:txBody>
+          <a:bodyPr wrap="square" rtlCol="0">
+            <a:spAutoFit/>
+          </a:bodyPr>
+          <a:lstStyle/>
+          <a:p>
+            <a:r>
+              <a:rPr lang="zh-CN" altLang="en-US" dirty="0" smtClean="0">
+                <a:latin typeface="Times New Roman" panose="02020603050405020304" pitchFamily="18" charset="0"/>
+                <a:cs typeface="Times New Roman" panose="02020603050405020304" pitchFamily="18" charset="0"/>
+              </a:rPr>
+              <a:t>逻辑</a:t>
+            </a:r>
+            <a:r>
+              <a:rPr lang="en-US" altLang="zh-CN" sz="2400" dirty="0" smtClean="0">
+                <a:latin typeface="Times New Roman" panose="02020603050405020304" pitchFamily="18" charset="0"/>
+                <a:cs typeface="Times New Roman" panose="02020603050405020304" pitchFamily="18" charset="0"/>
+              </a:rPr>
+              <a:t>m</a:t>
+            </a:r>
+            <a:endParaRPr lang="zh-CN" altLang="en-US" sz="2400" dirty="0">
+              <a:latin typeface="Times New Roman" panose="02020603050405020304" pitchFamily="18" charset="0"/>
+              <a:cs typeface="Times New Roman" panose="02020603050405020304" pitchFamily="18" charset="0"/>
+            </a:endParaRPr>
+          </a:p>
+        </p:txBody>
+      </p:sp>
+      <p:sp>
+        <p:nvSpPr>
+          <p:cNvPr id="25" name="圆角矩形 24"/>
+          <p:cNvSpPr/>
+          <p:nvPr/>
+        </p:nvSpPr>
+        <p:spPr>
+          <a:xfrm>
+            <a:off x="4748645" y="2000250"/>
+            <a:ext cx="2286000" cy="384464"/>
+          </a:xfrm>
+          <a:prstGeom prst="roundRect">
+            <a:avLst/>
+          </a:prstGeom>
+          <a:ln w="38100"/>
+        </p:spPr>
+        <p:style>
+          <a:lnRef idx="2">
+            <a:schemeClr val="accent6"/>
+          </a:lnRef>
+          <a:fillRef idx="1">
+            <a:schemeClr val="lt1"/>
+          </a:fillRef>
+          <a:effectRef idx="0">
+            <a:schemeClr val="accent6"/>
+          </a:effectRef>
+          <a:fontRef idx="minor">
+            <a:schemeClr val="dk1"/>
+          </a:fontRef>
+        </p:style>
+        <p:txBody>
+          <a:bodyPr rtlCol="0" anchor="ctr"/>
+          <a:lstStyle/>
+          <a:p>
+            <a:pPr algn="ctr"/>
+            <a:r>
+              <a:rPr lang="en-US" altLang="zh-CN" dirty="0" smtClean="0">
+                <a:latin typeface="Times New Roman" panose="02020603050405020304" pitchFamily="18" charset="0"/>
+                <a:cs typeface="Times New Roman" panose="02020603050405020304" pitchFamily="18" charset="0"/>
+              </a:rPr>
+              <a:t>deque</a:t>
+            </a:r>
+            <a:endParaRPr lang="zh-CN" altLang="en-US" dirty="0">
+              <a:latin typeface="Times New Roman" panose="02020603050405020304" pitchFamily="18" charset="0"/>
+              <a:cs typeface="Times New Roman" panose="02020603050405020304" pitchFamily="18" charset="0"/>
+            </a:endParaRPr>
+          </a:p>
+        </p:txBody>
+      </p:sp>
+      <p:cxnSp>
+        <p:nvCxnSpPr>
+          <p:cNvPr id="27" name="曲线连接符 26"/>
+          <p:cNvCxnSpPr/>
+          <p:nvPr/>
+        </p:nvCxnSpPr>
+        <p:spPr>
+          <a:xfrm rot="16200000" flipV="1">
+            <a:off x="4739783" y="2432565"/>
+            <a:ext cx="566914" cy="549184"/>
+          </a:xfrm>
+          <a:prstGeom prst="curvedConnector3">
+            <a:avLst>
+              <a:gd name="adj1" fmla="val 50000"/>
+            </a:avLst>
+          </a:prstGeom>
+          <a:ln>
+            <a:tailEnd type="triangle"/>
+          </a:ln>
+        </p:spPr>
+        <p:style>
+          <a:lnRef idx="1">
+            <a:schemeClr val="accent1"/>
+          </a:lnRef>
+          <a:fillRef idx="0">
+            <a:schemeClr val="accent1"/>
+          </a:fillRef>
+          <a:effectRef idx="0">
+            <a:schemeClr val="accent1"/>
+          </a:effectRef>
+          <a:fontRef idx="minor">
+            <a:schemeClr val="tx1"/>
+          </a:fontRef>
+        </p:style>
+      </p:cxnSp>
+      <p:cxnSp>
+        <p:nvCxnSpPr>
+          <p:cNvPr id="28" name="曲线连接符 27"/>
+          <p:cNvCxnSpPr/>
+          <p:nvPr/>
+        </p:nvCxnSpPr>
+        <p:spPr>
+          <a:xfrm rot="5400000" flipH="1" flipV="1">
+            <a:off x="6494465" y="2450913"/>
+            <a:ext cx="567395" cy="512967"/>
+          </a:xfrm>
+          <a:prstGeom prst="curvedConnector3">
+            <a:avLst/>
+          </a:prstGeom>
+          <a:ln>
+            <a:tailEnd type="triangle"/>
+          </a:ln>
+        </p:spPr>
+        <p:style>
+          <a:lnRef idx="1">
+            <a:schemeClr val="accent1"/>
+          </a:lnRef>
+          <a:fillRef idx="0">
+            <a:schemeClr val="accent1"/>
+          </a:fillRef>
+          <a:effectRef idx="0">
+            <a:schemeClr val="accent1"/>
+          </a:effectRef>
+          <a:fontRef idx="minor">
+            <a:schemeClr val="tx1"/>
+          </a:fontRef>
+        </p:style>
+      </p:cxnSp>
     </p:spTree>
   </p:cSld>
   <p:clrMapOvr>
@@ -11324,6 +11736,7 @@
         </p:style>
         <p:txBody>
           <a:bodyPr rtlCol="0" anchor="ctr"/>
+          <a:lstStyle/>
           <a:p>
             <a:pPr algn="ctr"/>
             <a:r>
@@ -11342,7 +11755,6 @@
               <a:rPr lang="zh-CN" altLang="zh-CN" dirty="0"/>
               <a:t>复杂对象</a:t>
             </a:r>
-            <a:endParaRPr lang="zh-CN" altLang="zh-CN" dirty="0"/>
           </a:p>
         </p:txBody>
       </p:sp>
@@ -11379,6 +11791,7 @@
         </p:style>
         <p:txBody>
           <a:bodyPr rtlCol="0" anchor="ctr"/>
+          <a:lstStyle/>
           <a:p>
             <a:pPr algn="ctr"/>
             <a:endParaRPr lang="zh-CN" altLang="en-US"/>
@@ -11418,6 +11831,7 @@
         </p:style>
         <p:txBody>
           <a:bodyPr rtlCol="0" anchor="ctr"/>
+          <a:lstStyle/>
           <a:p>
             <a:pPr algn="ctr"/>
             <a:endParaRPr lang="zh-CN" altLang="en-US"/>
@@ -11455,6 +11869,7 @@
         </p:style>
         <p:txBody>
           <a:bodyPr rtlCol="0" anchor="ctr"/>
+          <a:lstStyle/>
           <a:p>
             <a:pPr algn="ctr"/>
             <a:endParaRPr lang="zh-CN" altLang="en-US"/>
@@ -11494,6 +11909,7 @@
         </p:style>
         <p:txBody>
           <a:bodyPr rtlCol="0" anchor="ctr"/>
+          <a:lstStyle/>
           <a:p>
             <a:pPr algn="ctr"/>
             <a:endParaRPr lang="zh-CN" altLang="en-US"/>
@@ -11592,12 +12008,12 @@
           <a:bodyPr wrap="none" rtlCol="0">
             <a:spAutoFit/>
           </a:bodyPr>
+          <a:lstStyle/>
           <a:p>
             <a:r>
               <a:rPr lang="en-US" altLang="zh-CN"/>
               <a:t>a</a:t>
             </a:r>
-            <a:endParaRPr lang="en-US" altLang="zh-CN"/>
           </a:p>
         </p:txBody>
       </p:sp>
@@ -11621,12 +12037,12 @@
           <a:bodyPr wrap="none" rtlCol="0">
             <a:spAutoFit/>
           </a:bodyPr>
+          <a:lstStyle/>
           <a:p>
             <a:r>
               <a:rPr lang="en-US" altLang="zh-CN"/>
               <a:t>b</a:t>
             </a:r>
-            <a:endParaRPr lang="en-US" altLang="zh-CN"/>
           </a:p>
         </p:txBody>
       </p:sp>
@@ -11663,6 +12079,7 @@
         </p:style>
         <p:txBody>
           <a:bodyPr rtlCol="0" anchor="ctr"/>
+          <a:lstStyle/>
           <a:p>
             <a:pPr algn="ctr"/>
             <a:endParaRPr lang="zh-CN" altLang="en-US"/>
@@ -11702,6 +12119,7 @@
         </p:style>
         <p:txBody>
           <a:bodyPr rtlCol="0" anchor="ctr"/>
+          <a:lstStyle/>
           <a:p>
             <a:pPr algn="ctr"/>
             <a:endParaRPr lang="zh-CN" altLang="en-US"/>
@@ -11739,6 +12157,7 @@
         </p:style>
         <p:txBody>
           <a:bodyPr rtlCol="0" anchor="ctr"/>
+          <a:lstStyle/>
           <a:p>
             <a:pPr algn="ctr"/>
             <a:endParaRPr lang="zh-CN" altLang="en-US"/>
@@ -11778,6 +12197,7 @@
         </p:style>
         <p:txBody>
           <a:bodyPr rtlCol="0" anchor="ctr"/>
+          <a:lstStyle/>
           <a:p>
             <a:pPr algn="ctr"/>
             <a:endParaRPr lang="zh-CN" altLang="en-US"/>
@@ -11876,12 +12296,12 @@
           <a:bodyPr wrap="none" rtlCol="0">
             <a:spAutoFit/>
           </a:bodyPr>
+          <a:lstStyle/>
           <a:p>
             <a:r>
               <a:rPr lang="en-US" altLang="zh-CN"/>
               <a:t>a</a:t>
             </a:r>
-            <a:endParaRPr lang="en-US" altLang="zh-CN"/>
           </a:p>
         </p:txBody>
       </p:sp>
@@ -11905,12 +12325,12 @@
           <a:bodyPr wrap="none" rtlCol="0">
             <a:spAutoFit/>
           </a:bodyPr>
+          <a:lstStyle/>
           <a:p>
             <a:r>
               <a:rPr lang="en-US" altLang="zh-CN"/>
               <a:t>b</a:t>
             </a:r>
-            <a:endParaRPr lang="en-US" altLang="zh-CN"/>
           </a:p>
         </p:txBody>
       </p:sp>
@@ -11945,6 +12365,7 @@
         </p:style>
         <p:txBody>
           <a:bodyPr rtlCol="0" anchor="ctr"/>
+          <a:lstStyle/>
           <a:p>
             <a:pPr algn="ctr"/>
             <a:endParaRPr lang="zh-CN" altLang="en-US"/>
@@ -12022,13 +12443,13 @@
         </p:style>
         <p:txBody>
           <a:bodyPr rtlCol="0" anchor="ctr"/>
+          <a:lstStyle/>
           <a:p>
             <a:pPr algn="ctr"/>
             <a:r>
               <a:rPr lang="en-US" altLang="zh-CN"/>
               <a:t>10</a:t>
             </a:r>
-            <a:endParaRPr lang="en-US" altLang="zh-CN"/>
           </a:p>
         </p:txBody>
       </p:sp>
@@ -12124,12 +12545,12 @@
           <a:bodyPr wrap="none" rtlCol="0">
             <a:spAutoFit/>
           </a:bodyPr>
+          <a:lstStyle/>
           <a:p>
             <a:r>
               <a:rPr lang="en-US" altLang="zh-CN"/>
               <a:t>a</a:t>
             </a:r>
-            <a:endParaRPr lang="en-US" altLang="zh-CN"/>
           </a:p>
         </p:txBody>
       </p:sp>
@@ -12153,12 +12574,12 @@
           <a:bodyPr wrap="none" rtlCol="0">
             <a:spAutoFit/>
           </a:bodyPr>
+          <a:lstStyle/>
           <a:p>
             <a:r>
               <a:rPr lang="en-US" altLang="zh-CN"/>
               <a:t>b</a:t>
             </a:r>
-            <a:endParaRPr lang="en-US" altLang="zh-CN"/>
           </a:p>
         </p:txBody>
       </p:sp>
@@ -12218,12 +12639,12 @@
           <a:bodyPr wrap="none" rtlCol="0">
             <a:spAutoFit/>
           </a:bodyPr>
+          <a:lstStyle/>
           <a:p>
             <a:r>
               <a:rPr lang="en-US" altLang="zh-CN"/>
               <a:t>b</a:t>
             </a:r>
-            <a:endParaRPr lang="en-US" altLang="zh-CN"/>
           </a:p>
         </p:txBody>
       </p:sp>
@@ -12258,13 +12679,13 @@
         </p:style>
         <p:txBody>
           <a:bodyPr rtlCol="0" anchor="ctr"/>
+          <a:lstStyle/>
           <a:p>
             <a:pPr algn="ctr"/>
             <a:r>
               <a:rPr lang="en-US" altLang="zh-CN"/>
               <a:t>20</a:t>
             </a:r>
-            <a:endParaRPr lang="en-US" altLang="zh-CN"/>
           </a:p>
         </p:txBody>
       </p:sp>
@@ -12288,19 +12709,18 @@
           <a:bodyPr wrap="none" rtlCol="0">
             <a:spAutoFit/>
           </a:bodyPr>
+          <a:lstStyle/>
           <a:p>
             <a:r>
               <a:rPr lang="en-US" altLang="zh-CN"/>
               <a:t>a=b=10</a:t>
             </a:r>
-            <a:endParaRPr lang="en-US" altLang="zh-CN"/>
           </a:p>
           <a:p>
             <a:r>
               <a:rPr lang="en-US" altLang="zh-CN"/>
               <a:t>b+=10</a:t>
             </a:r>
-            <a:endParaRPr lang="en-US" altLang="zh-CN"/>
           </a:p>
         </p:txBody>
       </p:sp>
@@ -12324,19 +12744,18 @@
           <a:bodyPr wrap="none" rtlCol="0">
             <a:spAutoFit/>
           </a:bodyPr>
+          <a:lstStyle/>
           <a:p>
             <a:r>
               <a:rPr lang="en-US" altLang="zh-CN"/>
               <a:t>a=b=[1,2,3,4]</a:t>
             </a:r>
-            <a:endParaRPr lang="en-US" altLang="zh-CN"/>
           </a:p>
           <a:p>
             <a:r>
               <a:rPr lang="en-US" altLang="zh-CN"/>
               <a:t>b.append(5)</a:t>
             </a:r>
-            <a:endParaRPr lang="en-US" altLang="zh-CN"/>
           </a:p>
         </p:txBody>
       </p:sp>
@@ -12360,6 +12779,7 @@
           <a:bodyPr wrap="none" rtlCol="0">
             <a:spAutoFit/>
           </a:bodyPr>
+          <a:lstStyle/>
           <a:p>
             <a:r>
               <a:rPr lang="zh-CN" altLang="zh-CN"/>
@@ -12380,14 +12800,12 @@
               <a:rPr lang="zh-CN" altLang="zh-CN"/>
               <a:t>一方变化，另一方也变化，</a:t>
             </a:r>
-            <a:endParaRPr lang="zh-CN" altLang="zh-CN"/>
           </a:p>
           <a:p>
             <a:r>
               <a:rPr lang="zh-CN" altLang="zh-CN"/>
               <a:t>相当于是引用，别名</a:t>
             </a:r>
-            <a:endParaRPr lang="zh-CN" altLang="zh-CN"/>
           </a:p>
         </p:txBody>
       </p:sp>
@@ -12411,6 +12829,7 @@
           <a:bodyPr wrap="none" rtlCol="0">
             <a:spAutoFit/>
           </a:bodyPr>
+          <a:lstStyle/>
           <a:p>
             <a:r>
               <a:rPr lang="zh-CN" altLang="zh-CN"/>
@@ -12424,11 +12843,6 @@
               </a:rPr>
               <a:t>数字，</a:t>
             </a:r>
-            <a:endParaRPr lang="zh-CN" altLang="zh-CN">
-              <a:solidFill>
-                <a:srgbClr val="FF0000"/>
-              </a:solidFill>
-            </a:endParaRPr>
           </a:p>
           <a:p>
             <a:r>
@@ -12443,21 +12857,18 @@
               <a:rPr lang="zh-CN" altLang="zh-CN"/>
               <a:t>，变化的话，地址</a:t>
             </a:r>
-            <a:endParaRPr lang="zh-CN" altLang="zh-CN"/>
           </a:p>
           <a:p>
             <a:r>
               <a:rPr lang="zh-CN" altLang="zh-CN"/>
               <a:t>直接就变了，两个变量没有</a:t>
             </a:r>
-            <a:endParaRPr lang="zh-CN" altLang="zh-CN"/>
           </a:p>
           <a:p>
             <a:r>
               <a:rPr lang="zh-CN" altLang="zh-CN"/>
               <a:t>关系，只是初值相等。</a:t>
             </a:r>
-            <a:endParaRPr lang="zh-CN" altLang="zh-CN"/>
           </a:p>
         </p:txBody>
       </p:sp>
@@ -12488,101 +12899,14 @@
       </p:grpSpPr>
       <p:sp>
         <p:nvSpPr>
-          <p:cNvPr id="33" name="圆角矩形 32"/>
-          <p:cNvSpPr/>
-          <p:nvPr/>
-        </p:nvSpPr>
-        <p:spPr>
-          <a:xfrm>
-            <a:off x="2071670" y="357166"/>
-            <a:ext cx="5143536" cy="6000792"/>
-          </a:xfrm>
-          <a:prstGeom prst="roundRect">
-            <a:avLst>
-              <a:gd name="adj" fmla="val 5214"/>
-            </a:avLst>
-          </a:prstGeom>
-        </p:spPr>
-        <p:style>
-          <a:lnRef idx="1">
-            <a:schemeClr val="accent6"/>
-          </a:lnRef>
-          <a:fillRef idx="2">
-            <a:schemeClr val="accent6"/>
-          </a:fillRef>
-          <a:effectRef idx="1">
-            <a:schemeClr val="accent6"/>
-          </a:effectRef>
-          <a:fontRef idx="minor">
-            <a:schemeClr val="dk1"/>
-          </a:fontRef>
-        </p:style>
-        <p:txBody>
-          <a:bodyPr rtlCol="0" anchor="ctr"/>
-          <a:lstStyle/>
-          <a:p>
-            <a:pPr algn="ctr"/>
-            <a:endParaRPr lang="zh-CN" altLang="en-US"/>
-          </a:p>
-        </p:txBody>
-      </p:sp>
-      <p:sp>
-        <p:nvSpPr>
-          <p:cNvPr id="3" name="矩形 2"/>
-          <p:cNvSpPr/>
-          <p:nvPr/>
-        </p:nvSpPr>
-        <p:spPr>
-          <a:xfrm>
-            <a:off x="0" y="0"/>
-            <a:ext cx="1214414" cy="428604"/>
-          </a:xfrm>
-          <a:prstGeom prst="rect">
-            <a:avLst/>
-          </a:prstGeom>
-          <a:ln w="38100">
-            <a:solidFill>
-              <a:srgbClr val="FF0000"/>
-            </a:solidFill>
-          </a:ln>
-        </p:spPr>
-        <p:style>
-          <a:lnRef idx="2">
-            <a:schemeClr val="accent2"/>
-          </a:lnRef>
-          <a:fillRef idx="1">
-            <a:schemeClr val="lt1"/>
-          </a:fillRef>
-          <a:effectRef idx="0">
-            <a:schemeClr val="accent2"/>
-          </a:effectRef>
-          <a:fontRef idx="minor">
-            <a:schemeClr val="dk1"/>
-          </a:fontRef>
-        </p:style>
-        <p:txBody>
-          <a:bodyPr rtlCol="0" anchor="ctr"/>
-          <a:lstStyle/>
-          <a:p>
-            <a:pPr algn="ctr"/>
-            <a:r>
-              <a:rPr lang="zh-CN" altLang="en-US" b="1" dirty="0" smtClean="0"/>
-              <a:t>编辑距离</a:t>
-            </a:r>
-            <a:endParaRPr lang="zh-CN" altLang="en-US" b="1" dirty="0"/>
-          </a:p>
-        </p:txBody>
-      </p:sp>
-      <p:sp>
-        <p:nvSpPr>
           <p:cNvPr id="4" name="圆角矩形 3"/>
           <p:cNvSpPr/>
           <p:nvPr/>
         </p:nvSpPr>
         <p:spPr>
           <a:xfrm>
-            <a:off x="3143240" y="928670"/>
-            <a:ext cx="2571768" cy="285752"/>
+            <a:off x="1357290" y="1071546"/>
+            <a:ext cx="1785950" cy="500066"/>
           </a:xfrm>
           <a:prstGeom prst="roundRect">
             <a:avLst/>
@@ -12621,8 +12945,88 @@
         </p:nvSpPr>
         <p:spPr>
           <a:xfrm>
-            <a:off x="3143240" y="1214422"/>
-            <a:ext cx="3429024" cy="285752"/>
+            <a:off x="3571868" y="1071546"/>
+            <a:ext cx="1785950" cy="500066"/>
+          </a:xfrm>
+          <a:prstGeom prst="roundRect">
+            <a:avLst/>
+          </a:prstGeom>
+        </p:spPr>
+        <p:style>
+          <a:lnRef idx="2">
+            <a:schemeClr val="accent6">
+              <a:shade val="50000"/>
+            </a:schemeClr>
+          </a:lnRef>
+          <a:fillRef idx="1">
+            <a:schemeClr val="accent6"/>
+          </a:fillRef>
+          <a:effectRef idx="0">
+            <a:schemeClr val="accent6"/>
+          </a:effectRef>
+          <a:fontRef idx="minor">
+            <a:schemeClr val="lt1"/>
+          </a:fontRef>
+        </p:style>
+        <p:txBody>
+          <a:bodyPr rtlCol="0" anchor="ctr"/>
+          <a:lstStyle/>
+          <a:p>
+            <a:pPr algn="ctr"/>
+            <a:endParaRPr lang="zh-CN" altLang="en-US"/>
+          </a:p>
+        </p:txBody>
+      </p:sp>
+      <p:sp>
+        <p:nvSpPr>
+          <p:cNvPr id="6" name="圆角矩形 5"/>
+          <p:cNvSpPr/>
+          <p:nvPr/>
+        </p:nvSpPr>
+        <p:spPr>
+          <a:xfrm>
+            <a:off x="6072198" y="1071546"/>
+            <a:ext cx="1785950" cy="500066"/>
+          </a:xfrm>
+          <a:prstGeom prst="roundRect">
+            <a:avLst/>
+          </a:prstGeom>
+        </p:spPr>
+        <p:style>
+          <a:lnRef idx="2">
+            <a:schemeClr val="accent2">
+              <a:shade val="50000"/>
+            </a:schemeClr>
+          </a:lnRef>
+          <a:fillRef idx="1">
+            <a:schemeClr val="accent2"/>
+          </a:fillRef>
+          <a:effectRef idx="0">
+            <a:schemeClr val="accent2"/>
+          </a:effectRef>
+          <a:fontRef idx="minor">
+            <a:schemeClr val="lt1"/>
+          </a:fontRef>
+        </p:style>
+        <p:txBody>
+          <a:bodyPr rtlCol="0" anchor="ctr"/>
+          <a:lstStyle/>
+          <a:p>
+            <a:pPr algn="ctr"/>
+            <a:endParaRPr lang="zh-CN" altLang="en-US"/>
+          </a:p>
+        </p:txBody>
+      </p:sp>
+      <p:sp>
+        <p:nvSpPr>
+          <p:cNvPr id="7" name="圆角矩形 6"/>
+          <p:cNvSpPr/>
+          <p:nvPr/>
+        </p:nvSpPr>
+        <p:spPr>
+          <a:xfrm>
+            <a:off x="1285852" y="3857628"/>
+            <a:ext cx="1785950" cy="500066"/>
           </a:xfrm>
           <a:prstGeom prst="roundRect">
             <a:avLst/>
@@ -12655,14 +13059,94 @@
       </p:sp>
       <p:sp>
         <p:nvSpPr>
-          <p:cNvPr id="6" name="TextBox 5"/>
+          <p:cNvPr id="8" name="圆角矩形 7"/>
+          <p:cNvSpPr/>
+          <p:nvPr/>
+        </p:nvSpPr>
+        <p:spPr>
+          <a:xfrm>
+            <a:off x="4929190" y="3857628"/>
+            <a:ext cx="1785950" cy="500066"/>
+          </a:xfrm>
+          <a:prstGeom prst="roundRect">
+            <a:avLst/>
+          </a:prstGeom>
+        </p:spPr>
+        <p:style>
+          <a:lnRef idx="2">
+            <a:schemeClr val="accent6">
+              <a:shade val="50000"/>
+            </a:schemeClr>
+          </a:lnRef>
+          <a:fillRef idx="1">
+            <a:schemeClr val="accent6"/>
+          </a:fillRef>
+          <a:effectRef idx="0">
+            <a:schemeClr val="accent6"/>
+          </a:effectRef>
+          <a:fontRef idx="minor">
+            <a:schemeClr val="lt1"/>
+          </a:fontRef>
+        </p:style>
+        <p:txBody>
+          <a:bodyPr rtlCol="0" anchor="ctr"/>
+          <a:lstStyle/>
+          <a:p>
+            <a:pPr algn="ctr"/>
+            <a:endParaRPr lang="zh-CN" altLang="en-US"/>
+          </a:p>
+        </p:txBody>
+      </p:sp>
+      <p:sp>
+        <p:nvSpPr>
+          <p:cNvPr id="9" name="圆角矩形 8"/>
+          <p:cNvSpPr/>
+          <p:nvPr/>
+        </p:nvSpPr>
+        <p:spPr>
+          <a:xfrm>
+            <a:off x="6000760" y="3857628"/>
+            <a:ext cx="1785950" cy="500066"/>
+          </a:xfrm>
+          <a:prstGeom prst="roundRect">
+            <a:avLst/>
+          </a:prstGeom>
+        </p:spPr>
+        <p:style>
+          <a:lnRef idx="2">
+            <a:schemeClr val="accent2">
+              <a:shade val="50000"/>
+            </a:schemeClr>
+          </a:lnRef>
+          <a:fillRef idx="1">
+            <a:schemeClr val="accent2"/>
+          </a:fillRef>
+          <a:effectRef idx="0">
+            <a:schemeClr val="accent2"/>
+          </a:effectRef>
+          <a:fontRef idx="minor">
+            <a:schemeClr val="lt1"/>
+          </a:fontRef>
+        </p:style>
+        <p:txBody>
+          <a:bodyPr rtlCol="0" anchor="ctr"/>
+          <a:lstStyle/>
+          <a:p>
+            <a:pPr algn="ctr"/>
+            <a:endParaRPr lang="zh-CN" altLang="en-US"/>
+          </a:p>
+        </p:txBody>
+      </p:sp>
+      <p:sp>
+        <p:nvSpPr>
+          <p:cNvPr id="10" name="TextBox 9"/>
           <p:cNvSpPr txBox="1"/>
           <p:nvPr/>
         </p:nvSpPr>
         <p:spPr>
           <a:xfrm>
-            <a:off x="2428860" y="928670"/>
-            <a:ext cx="585417" cy="307777"/>
+            <a:off x="1357290" y="1857364"/>
+            <a:ext cx="4069080" cy="922020"/>
           </a:xfrm>
           <a:prstGeom prst="rect">
             <a:avLst/>
@@ -12676,27 +13160,36 @@
           <a:lstStyle/>
           <a:p>
             <a:r>
-              <a:rPr lang="zh-CN" altLang="en-US" sz="1400" dirty="0" smtClean="0"/>
-              <a:t>单词</a:t>
-            </a:r>
-            <a:r>
-              <a:rPr lang="en-US" altLang="zh-CN" sz="1400" dirty="0" smtClean="0"/>
-              <a:t>i</a:t>
-            </a:r>
-            <a:endParaRPr lang="zh-CN" altLang="en-US" sz="1400" dirty="0"/>
-          </a:p>
-        </p:txBody>
-      </p:sp>
-      <p:sp>
-        <p:nvSpPr>
-          <p:cNvPr id="7" name="TextBox 6"/>
+              <a:rPr lang="zh-CN" altLang="en-US" dirty="0" smtClean="0"/>
+              <a:t>当我们考虑绿色要不要连接橙色的时候</a:t>
+            </a:r>
+            <a:endParaRPr lang="en-US" altLang="zh-CN" dirty="0" smtClean="0"/>
+          </a:p>
+          <a:p>
+            <a:r>
+              <a:rPr lang="zh-CN" altLang="en-US" dirty="0" smtClean="0"/>
+              <a:t>情况一：不干涉下一次</a:t>
+            </a:r>
+            <a:r>
+              <a:rPr lang="en-US" altLang="zh-CN" dirty="0" smtClean="0"/>
+              <a:t>OK</a:t>
+            </a:r>
+          </a:p>
+          <a:p>
+            <a:endParaRPr lang="zh-CN" altLang="en-US" dirty="0"/>
+          </a:p>
+        </p:txBody>
+      </p:sp>
+      <p:sp>
+        <p:nvSpPr>
+          <p:cNvPr id="11" name="TextBox 10"/>
           <p:cNvSpPr txBox="1"/>
           <p:nvPr/>
         </p:nvSpPr>
         <p:spPr>
           <a:xfrm>
-            <a:off x="2428860" y="1214422"/>
-            <a:ext cx="587020" cy="307777"/>
+            <a:off x="1285852" y="4929198"/>
+            <a:ext cx="6878806" cy="646331"/>
           </a:xfrm>
           <a:prstGeom prst="rect">
             <a:avLst/>
@@ -12710,869 +13203,16 @@
           <a:lstStyle/>
           <a:p>
             <a:r>
-              <a:rPr lang="zh-CN" altLang="en-US" sz="1400" dirty="0" smtClean="0"/>
-              <a:t>单词</a:t>
-            </a:r>
-            <a:r>
-              <a:rPr lang="en-US" altLang="zh-CN" sz="1400" dirty="0" smtClean="0"/>
-              <a:t>j</a:t>
-            </a:r>
-            <a:endParaRPr lang="zh-CN" altLang="en-US" sz="1400" dirty="0"/>
-          </a:p>
-        </p:txBody>
-      </p:sp>
-      <p:sp>
-        <p:nvSpPr>
-          <p:cNvPr id="8" name="圆角矩形 7"/>
-          <p:cNvSpPr/>
-          <p:nvPr/>
-        </p:nvSpPr>
-        <p:spPr>
-          <a:xfrm>
-            <a:off x="6572264" y="1223214"/>
-            <a:ext cx="285752" cy="285752"/>
-          </a:xfrm>
-          <a:prstGeom prst="roundRect">
-            <a:avLst/>
-          </a:prstGeom>
-        </p:spPr>
-        <p:style>
-          <a:lnRef idx="0">
-            <a:schemeClr val="accent2"/>
-          </a:lnRef>
-          <a:fillRef idx="3">
-            <a:schemeClr val="accent2"/>
-          </a:fillRef>
-          <a:effectRef idx="3">
-            <a:schemeClr val="accent2"/>
-          </a:effectRef>
-          <a:fontRef idx="minor">
-            <a:schemeClr val="lt1"/>
-          </a:fontRef>
-        </p:style>
-        <p:txBody>
-          <a:bodyPr rtlCol="0" anchor="ctr"/>
-          <a:lstStyle/>
-          <a:p>
-            <a:pPr algn="ctr"/>
-            <a:endParaRPr lang="zh-CN" altLang="en-US"/>
-          </a:p>
-        </p:txBody>
-      </p:sp>
-      <p:sp>
-        <p:nvSpPr>
-          <p:cNvPr id="10" name="圆角矩形 9"/>
-          <p:cNvSpPr/>
-          <p:nvPr/>
-        </p:nvSpPr>
-        <p:spPr>
-          <a:xfrm>
-            <a:off x="3143240" y="2357430"/>
-            <a:ext cx="2286016" cy="285752"/>
-          </a:xfrm>
-          <a:prstGeom prst="roundRect">
-            <a:avLst/>
-          </a:prstGeom>
-        </p:spPr>
-        <p:style>
-          <a:lnRef idx="2">
-            <a:schemeClr val="accent3">
-              <a:shade val="50000"/>
-            </a:schemeClr>
-          </a:lnRef>
-          <a:fillRef idx="1">
-            <a:schemeClr val="accent3"/>
-          </a:fillRef>
-          <a:effectRef idx="0">
-            <a:schemeClr val="accent3"/>
-          </a:effectRef>
-          <a:fontRef idx="minor">
-            <a:schemeClr val="lt1"/>
-          </a:fontRef>
-        </p:style>
-        <p:txBody>
-          <a:bodyPr rtlCol="0" anchor="ctr"/>
-          <a:lstStyle/>
-          <a:p>
-            <a:pPr algn="ctr"/>
-            <a:endParaRPr lang="zh-CN" altLang="en-US"/>
-          </a:p>
-        </p:txBody>
-      </p:sp>
-      <p:sp>
-        <p:nvSpPr>
-          <p:cNvPr id="11" name="圆角矩形 10"/>
-          <p:cNvSpPr/>
-          <p:nvPr/>
-        </p:nvSpPr>
-        <p:spPr>
-          <a:xfrm>
-            <a:off x="3143240" y="2643182"/>
-            <a:ext cx="3429024" cy="285752"/>
-          </a:xfrm>
-          <a:prstGeom prst="roundRect">
-            <a:avLst/>
-          </a:prstGeom>
-        </p:spPr>
-        <p:style>
-          <a:lnRef idx="2">
-            <a:schemeClr val="accent3">
-              <a:shade val="50000"/>
-            </a:schemeClr>
-          </a:lnRef>
-          <a:fillRef idx="1">
-            <a:schemeClr val="accent3"/>
-          </a:fillRef>
-          <a:effectRef idx="0">
-            <a:schemeClr val="accent3"/>
-          </a:effectRef>
-          <a:fontRef idx="minor">
-            <a:schemeClr val="lt1"/>
-          </a:fontRef>
-        </p:style>
-        <p:txBody>
-          <a:bodyPr rtlCol="0" anchor="ctr"/>
-          <a:lstStyle/>
-          <a:p>
-            <a:pPr algn="ctr"/>
-            <a:endParaRPr lang="zh-CN" altLang="en-US"/>
-          </a:p>
-        </p:txBody>
-      </p:sp>
-      <p:sp>
-        <p:nvSpPr>
-          <p:cNvPr id="12" name="TextBox 11"/>
-          <p:cNvSpPr txBox="1"/>
-          <p:nvPr/>
-        </p:nvSpPr>
-        <p:spPr>
-          <a:xfrm>
-            <a:off x="2428860" y="2357430"/>
-            <a:ext cx="585417" cy="307777"/>
-          </a:xfrm>
-          <a:prstGeom prst="rect">
-            <a:avLst/>
-          </a:prstGeom>
-          <a:noFill/>
-        </p:spPr>
-        <p:txBody>
-          <a:bodyPr wrap="none" rtlCol="0">
-            <a:spAutoFit/>
-          </a:bodyPr>
-          <a:lstStyle/>
-          <a:p>
-            <a:r>
-              <a:rPr lang="zh-CN" altLang="en-US" sz="1400" dirty="0" smtClean="0"/>
-              <a:t>单词</a:t>
-            </a:r>
-            <a:r>
-              <a:rPr lang="en-US" altLang="zh-CN" sz="1400" dirty="0" smtClean="0"/>
-              <a:t>i</a:t>
-            </a:r>
-            <a:endParaRPr lang="zh-CN" altLang="en-US" sz="1400" dirty="0"/>
-          </a:p>
-        </p:txBody>
-      </p:sp>
-      <p:sp>
-        <p:nvSpPr>
-          <p:cNvPr id="13" name="TextBox 12"/>
-          <p:cNvSpPr txBox="1"/>
-          <p:nvPr/>
-        </p:nvSpPr>
-        <p:spPr>
-          <a:xfrm>
-            <a:off x="2428860" y="2643182"/>
-            <a:ext cx="587020" cy="307777"/>
-          </a:xfrm>
-          <a:prstGeom prst="rect">
-            <a:avLst/>
-          </a:prstGeom>
-          <a:noFill/>
-        </p:spPr>
-        <p:txBody>
-          <a:bodyPr wrap="none" rtlCol="0">
-            <a:spAutoFit/>
-          </a:bodyPr>
-          <a:lstStyle/>
-          <a:p>
-            <a:r>
-              <a:rPr lang="zh-CN" altLang="en-US" sz="1400" dirty="0" smtClean="0"/>
-              <a:t>单词</a:t>
-            </a:r>
-            <a:r>
-              <a:rPr lang="en-US" altLang="zh-CN" sz="1400" dirty="0" smtClean="0"/>
-              <a:t>j</a:t>
-            </a:r>
-            <a:endParaRPr lang="zh-CN" altLang="en-US" sz="1400" dirty="0"/>
-          </a:p>
-        </p:txBody>
-      </p:sp>
-      <p:sp>
-        <p:nvSpPr>
-          <p:cNvPr id="14" name="圆角矩形 13"/>
-          <p:cNvSpPr/>
-          <p:nvPr/>
-        </p:nvSpPr>
-        <p:spPr>
-          <a:xfrm>
-            <a:off x="5429256" y="2357430"/>
-            <a:ext cx="285752" cy="285752"/>
-          </a:xfrm>
-          <a:prstGeom prst="roundRect">
-            <a:avLst/>
-          </a:prstGeom>
-        </p:spPr>
-        <p:style>
-          <a:lnRef idx="0">
-            <a:schemeClr val="accent2"/>
-          </a:lnRef>
-          <a:fillRef idx="3">
-            <a:schemeClr val="accent2"/>
-          </a:fillRef>
-          <a:effectRef idx="3">
-            <a:schemeClr val="accent2"/>
-          </a:effectRef>
-          <a:fontRef idx="minor">
-            <a:schemeClr val="lt1"/>
-          </a:fontRef>
-        </p:style>
-        <p:txBody>
-          <a:bodyPr rtlCol="0" anchor="ctr"/>
-          <a:lstStyle/>
-          <a:p>
-            <a:pPr algn="ctr"/>
-            <a:endParaRPr lang="zh-CN" altLang="en-US"/>
-          </a:p>
-        </p:txBody>
-      </p:sp>
-      <p:sp>
-        <p:nvSpPr>
-          <p:cNvPr id="15" name="圆角矩形 14"/>
-          <p:cNvSpPr/>
-          <p:nvPr/>
-        </p:nvSpPr>
-        <p:spPr>
-          <a:xfrm>
-            <a:off x="3143240" y="3907041"/>
-            <a:ext cx="2286016" cy="285752"/>
-          </a:xfrm>
-          <a:prstGeom prst="roundRect">
-            <a:avLst/>
-          </a:prstGeom>
-        </p:spPr>
-        <p:style>
-          <a:lnRef idx="2">
-            <a:schemeClr val="accent3">
-              <a:shade val="50000"/>
-            </a:schemeClr>
-          </a:lnRef>
-          <a:fillRef idx="1">
-            <a:schemeClr val="accent3"/>
-          </a:fillRef>
-          <a:effectRef idx="0">
-            <a:schemeClr val="accent3"/>
-          </a:effectRef>
-          <a:fontRef idx="minor">
-            <a:schemeClr val="lt1"/>
-          </a:fontRef>
-        </p:style>
-        <p:txBody>
-          <a:bodyPr rtlCol="0" anchor="ctr"/>
-          <a:lstStyle/>
-          <a:p>
-            <a:pPr algn="ctr"/>
-            <a:endParaRPr lang="zh-CN" altLang="en-US"/>
-          </a:p>
-        </p:txBody>
-      </p:sp>
-      <p:sp>
-        <p:nvSpPr>
-          <p:cNvPr id="16" name="圆角矩形 15"/>
-          <p:cNvSpPr/>
-          <p:nvPr/>
-        </p:nvSpPr>
-        <p:spPr>
-          <a:xfrm>
-            <a:off x="3143240" y="4192793"/>
-            <a:ext cx="3429024" cy="285752"/>
-          </a:xfrm>
-          <a:prstGeom prst="roundRect">
-            <a:avLst/>
-          </a:prstGeom>
-        </p:spPr>
-        <p:style>
-          <a:lnRef idx="2">
-            <a:schemeClr val="accent3">
-              <a:shade val="50000"/>
-            </a:schemeClr>
-          </a:lnRef>
-          <a:fillRef idx="1">
-            <a:schemeClr val="accent3"/>
-          </a:fillRef>
-          <a:effectRef idx="0">
-            <a:schemeClr val="accent3"/>
-          </a:effectRef>
-          <a:fontRef idx="minor">
-            <a:schemeClr val="lt1"/>
-          </a:fontRef>
-        </p:style>
-        <p:txBody>
-          <a:bodyPr rtlCol="0" anchor="ctr"/>
-          <a:lstStyle/>
-          <a:p>
-            <a:pPr algn="ctr"/>
-            <a:endParaRPr lang="zh-CN" altLang="en-US"/>
-          </a:p>
-        </p:txBody>
-      </p:sp>
-      <p:sp>
-        <p:nvSpPr>
-          <p:cNvPr id="17" name="TextBox 16"/>
-          <p:cNvSpPr txBox="1"/>
-          <p:nvPr/>
-        </p:nvSpPr>
-        <p:spPr>
-          <a:xfrm>
-            <a:off x="2428860" y="3907041"/>
-            <a:ext cx="585417" cy="307777"/>
-          </a:xfrm>
-          <a:prstGeom prst="rect">
-            <a:avLst/>
-          </a:prstGeom>
-          <a:noFill/>
-        </p:spPr>
-        <p:txBody>
-          <a:bodyPr wrap="none" rtlCol="0">
-            <a:spAutoFit/>
-          </a:bodyPr>
-          <a:lstStyle/>
-          <a:p>
-            <a:r>
-              <a:rPr lang="zh-CN" altLang="en-US" sz="1400" dirty="0" smtClean="0"/>
-              <a:t>单词</a:t>
-            </a:r>
-            <a:r>
-              <a:rPr lang="en-US" altLang="zh-CN" sz="1400" dirty="0" smtClean="0"/>
-              <a:t>i</a:t>
-            </a:r>
-            <a:endParaRPr lang="zh-CN" altLang="en-US" sz="1400" dirty="0"/>
-          </a:p>
-        </p:txBody>
-      </p:sp>
-      <p:sp>
-        <p:nvSpPr>
-          <p:cNvPr id="18" name="TextBox 17"/>
-          <p:cNvSpPr txBox="1"/>
-          <p:nvPr/>
-        </p:nvSpPr>
-        <p:spPr>
-          <a:xfrm>
-            <a:off x="2428860" y="4192793"/>
-            <a:ext cx="587020" cy="307777"/>
-          </a:xfrm>
-          <a:prstGeom prst="rect">
-            <a:avLst/>
-          </a:prstGeom>
-          <a:noFill/>
-        </p:spPr>
-        <p:txBody>
-          <a:bodyPr wrap="none" rtlCol="0">
-            <a:spAutoFit/>
-          </a:bodyPr>
-          <a:lstStyle/>
-          <a:p>
-            <a:r>
-              <a:rPr lang="zh-CN" altLang="en-US" sz="1400" dirty="0" smtClean="0"/>
-              <a:t>单词</a:t>
-            </a:r>
-            <a:r>
-              <a:rPr lang="en-US" altLang="zh-CN" sz="1400" dirty="0" smtClean="0"/>
-              <a:t>j</a:t>
-            </a:r>
-            <a:endParaRPr lang="zh-CN" altLang="en-US" sz="1400" dirty="0"/>
-          </a:p>
-        </p:txBody>
-      </p:sp>
-      <p:sp>
-        <p:nvSpPr>
-          <p:cNvPr id="19" name="圆角矩形 18"/>
-          <p:cNvSpPr/>
-          <p:nvPr/>
-        </p:nvSpPr>
-        <p:spPr>
-          <a:xfrm>
-            <a:off x="5429256" y="3907041"/>
-            <a:ext cx="285752" cy="285752"/>
-          </a:xfrm>
-          <a:prstGeom prst="roundRect">
-            <a:avLst/>
-          </a:prstGeom>
-        </p:spPr>
-        <p:style>
-          <a:lnRef idx="0">
-            <a:schemeClr val="accent2"/>
-          </a:lnRef>
-          <a:fillRef idx="3">
-            <a:schemeClr val="accent2"/>
-          </a:fillRef>
-          <a:effectRef idx="3">
-            <a:schemeClr val="accent2"/>
-          </a:effectRef>
-          <a:fontRef idx="minor">
-            <a:schemeClr val="lt1"/>
-          </a:fontRef>
-        </p:style>
-        <p:txBody>
-          <a:bodyPr rtlCol="0" anchor="ctr"/>
-          <a:lstStyle/>
-          <a:p>
-            <a:pPr algn="ctr"/>
-            <a:endParaRPr lang="zh-CN" altLang="en-US"/>
-          </a:p>
-        </p:txBody>
-      </p:sp>
-      <p:sp>
-        <p:nvSpPr>
-          <p:cNvPr id="20" name="圆角矩形 19"/>
-          <p:cNvSpPr/>
-          <p:nvPr/>
-        </p:nvSpPr>
-        <p:spPr>
-          <a:xfrm>
-            <a:off x="6572264" y="4192793"/>
-            <a:ext cx="285752" cy="285752"/>
-          </a:xfrm>
-          <a:prstGeom prst="roundRect">
-            <a:avLst/>
-          </a:prstGeom>
-        </p:spPr>
-        <p:style>
-          <a:lnRef idx="0">
-            <a:schemeClr val="accent2"/>
-          </a:lnRef>
-          <a:fillRef idx="3">
-            <a:schemeClr val="accent2"/>
-          </a:fillRef>
-          <a:effectRef idx="3">
-            <a:schemeClr val="accent2"/>
-          </a:effectRef>
-          <a:fontRef idx="minor">
-            <a:schemeClr val="lt1"/>
-          </a:fontRef>
-        </p:style>
-        <p:txBody>
-          <a:bodyPr rtlCol="0" anchor="ctr"/>
-          <a:lstStyle/>
-          <a:p>
-            <a:pPr algn="ctr"/>
-            <a:endParaRPr lang="zh-CN" altLang="en-US"/>
-          </a:p>
-        </p:txBody>
-      </p:sp>
-      <p:sp>
-        <p:nvSpPr>
-          <p:cNvPr id="21" name="TextBox 20"/>
-          <p:cNvSpPr txBox="1"/>
-          <p:nvPr/>
-        </p:nvSpPr>
-        <p:spPr>
-          <a:xfrm>
-            <a:off x="3143240" y="571480"/>
-            <a:ext cx="2228495" cy="369332"/>
-          </a:xfrm>
-          <a:prstGeom prst="rect">
-            <a:avLst/>
-          </a:prstGeom>
-          <a:noFill/>
-        </p:spPr>
-        <p:txBody>
-          <a:bodyPr wrap="none" rtlCol="0">
-            <a:spAutoFit/>
-          </a:bodyPr>
-          <a:lstStyle/>
-          <a:p>
-            <a:r>
-              <a:rPr lang="en-US" altLang="zh-CN" dirty="0" smtClean="0"/>
-              <a:t>Dp[i][j] &lt;= dp[i][j-1]+1</a:t>
-            </a:r>
+              <a:rPr lang="zh-CN" altLang="en-US" dirty="0" smtClean="0"/>
+              <a:t>情况二：干涉下一次，但是由于右边界递增，所以不会影响总长度</a:t>
+            </a:r>
+            <a:endParaRPr lang="en-US" altLang="zh-CN" dirty="0" smtClean="0"/>
+          </a:p>
+          <a:p>
             <a:endParaRPr lang="zh-CN" altLang="en-US" dirty="0"/>
           </a:p>
         </p:txBody>
       </p:sp>
-      <p:sp>
-        <p:nvSpPr>
-          <p:cNvPr id="24" name="TextBox 23"/>
-          <p:cNvSpPr txBox="1"/>
-          <p:nvPr/>
-        </p:nvSpPr>
-        <p:spPr>
-          <a:xfrm>
-            <a:off x="3143240" y="2000240"/>
-            <a:ext cx="2299027" cy="369332"/>
-          </a:xfrm>
-          <a:prstGeom prst="rect">
-            <a:avLst/>
-          </a:prstGeom>
-          <a:noFill/>
-        </p:spPr>
-        <p:txBody>
-          <a:bodyPr wrap="none" rtlCol="0">
-            <a:spAutoFit/>
-          </a:bodyPr>
-          <a:lstStyle/>
-          <a:p>
-            <a:r>
-              <a:rPr lang="en-US" altLang="zh-CN" dirty="0" smtClean="0"/>
-              <a:t>Dp[i][j] &lt;= dp[i-1][j]+1</a:t>
-            </a:r>
-            <a:endParaRPr lang="zh-CN" altLang="en-US" dirty="0"/>
-          </a:p>
-        </p:txBody>
-      </p:sp>
-      <p:sp>
-        <p:nvSpPr>
-          <p:cNvPr id="25" name="TextBox 24"/>
-          <p:cNvSpPr txBox="1"/>
-          <p:nvPr/>
-        </p:nvSpPr>
-        <p:spPr>
-          <a:xfrm>
-            <a:off x="3143240" y="3500438"/>
-            <a:ext cx="2183611" cy="369332"/>
-          </a:xfrm>
-          <a:prstGeom prst="rect">
-            <a:avLst/>
-          </a:prstGeom>
-          <a:noFill/>
-        </p:spPr>
-        <p:txBody>
-          <a:bodyPr wrap="none" rtlCol="0">
-            <a:spAutoFit/>
-          </a:bodyPr>
-          <a:lstStyle/>
-          <a:p>
-            <a:r>
-              <a:rPr lang="en-US" altLang="zh-CN" dirty="0" smtClean="0"/>
-              <a:t>Dp[i][j] &lt;= dp[i-1][j-1]</a:t>
-            </a:r>
-            <a:endParaRPr lang="zh-CN" altLang="en-US" dirty="0"/>
-          </a:p>
-        </p:txBody>
-      </p:sp>
-      <p:sp>
-        <p:nvSpPr>
-          <p:cNvPr id="26" name="圆角矩形 25"/>
-          <p:cNvSpPr/>
-          <p:nvPr/>
-        </p:nvSpPr>
-        <p:spPr>
-          <a:xfrm>
-            <a:off x="3143240" y="5264363"/>
-            <a:ext cx="2286016" cy="285752"/>
-          </a:xfrm>
-          <a:prstGeom prst="roundRect">
-            <a:avLst/>
-          </a:prstGeom>
-        </p:spPr>
-        <p:style>
-          <a:lnRef idx="2">
-            <a:schemeClr val="accent3">
-              <a:shade val="50000"/>
-            </a:schemeClr>
-          </a:lnRef>
-          <a:fillRef idx="1">
-            <a:schemeClr val="accent3"/>
-          </a:fillRef>
-          <a:effectRef idx="0">
-            <a:schemeClr val="accent3"/>
-          </a:effectRef>
-          <a:fontRef idx="minor">
-            <a:schemeClr val="lt1"/>
-          </a:fontRef>
-        </p:style>
-        <p:txBody>
-          <a:bodyPr rtlCol="0" anchor="ctr"/>
-          <a:lstStyle/>
-          <a:p>
-            <a:pPr algn="ctr"/>
-            <a:endParaRPr lang="zh-CN" altLang="en-US"/>
-          </a:p>
-        </p:txBody>
-      </p:sp>
-      <p:sp>
-        <p:nvSpPr>
-          <p:cNvPr id="27" name="圆角矩形 26"/>
-          <p:cNvSpPr/>
-          <p:nvPr/>
-        </p:nvSpPr>
-        <p:spPr>
-          <a:xfrm>
-            <a:off x="3143240" y="5550115"/>
-            <a:ext cx="3429024" cy="285752"/>
-          </a:xfrm>
-          <a:prstGeom prst="roundRect">
-            <a:avLst/>
-          </a:prstGeom>
-        </p:spPr>
-        <p:style>
-          <a:lnRef idx="2">
-            <a:schemeClr val="accent3">
-              <a:shade val="50000"/>
-            </a:schemeClr>
-          </a:lnRef>
-          <a:fillRef idx="1">
-            <a:schemeClr val="accent3"/>
-          </a:fillRef>
-          <a:effectRef idx="0">
-            <a:schemeClr val="accent3"/>
-          </a:effectRef>
-          <a:fontRef idx="minor">
-            <a:schemeClr val="lt1"/>
-          </a:fontRef>
-        </p:style>
-        <p:txBody>
-          <a:bodyPr rtlCol="0" anchor="ctr"/>
-          <a:lstStyle/>
-          <a:p>
-            <a:pPr algn="ctr"/>
-            <a:endParaRPr lang="zh-CN" altLang="en-US"/>
-          </a:p>
-        </p:txBody>
-      </p:sp>
-      <p:sp>
-        <p:nvSpPr>
-          <p:cNvPr id="28" name="TextBox 27"/>
-          <p:cNvSpPr txBox="1"/>
-          <p:nvPr/>
-        </p:nvSpPr>
-        <p:spPr>
-          <a:xfrm>
-            <a:off x="2428860" y="5264363"/>
-            <a:ext cx="585417" cy="307777"/>
-          </a:xfrm>
-          <a:prstGeom prst="rect">
-            <a:avLst/>
-          </a:prstGeom>
-          <a:noFill/>
-        </p:spPr>
-        <p:txBody>
-          <a:bodyPr wrap="none" rtlCol="0">
-            <a:spAutoFit/>
-          </a:bodyPr>
-          <a:lstStyle/>
-          <a:p>
-            <a:r>
-              <a:rPr lang="zh-CN" altLang="en-US" sz="1400" dirty="0" smtClean="0"/>
-              <a:t>单词</a:t>
-            </a:r>
-            <a:r>
-              <a:rPr lang="en-US" altLang="zh-CN" sz="1400" dirty="0" smtClean="0"/>
-              <a:t>i</a:t>
-            </a:r>
-            <a:endParaRPr lang="zh-CN" altLang="en-US" sz="1400" dirty="0"/>
-          </a:p>
-        </p:txBody>
-      </p:sp>
-      <p:sp>
-        <p:nvSpPr>
-          <p:cNvPr id="29" name="TextBox 28"/>
-          <p:cNvSpPr txBox="1"/>
-          <p:nvPr/>
-        </p:nvSpPr>
-        <p:spPr>
-          <a:xfrm>
-            <a:off x="2428860" y="5550115"/>
-            <a:ext cx="587020" cy="307777"/>
-          </a:xfrm>
-          <a:prstGeom prst="rect">
-            <a:avLst/>
-          </a:prstGeom>
-          <a:noFill/>
-        </p:spPr>
-        <p:txBody>
-          <a:bodyPr wrap="none" rtlCol="0">
-            <a:spAutoFit/>
-          </a:bodyPr>
-          <a:lstStyle/>
-          <a:p>
-            <a:r>
-              <a:rPr lang="zh-CN" altLang="en-US" sz="1400" dirty="0" smtClean="0"/>
-              <a:t>单词</a:t>
-            </a:r>
-            <a:r>
-              <a:rPr lang="en-US" altLang="zh-CN" sz="1400" dirty="0" smtClean="0"/>
-              <a:t>j</a:t>
-            </a:r>
-            <a:endParaRPr lang="zh-CN" altLang="en-US" sz="1400" dirty="0"/>
-          </a:p>
-        </p:txBody>
-      </p:sp>
-      <p:sp>
-        <p:nvSpPr>
-          <p:cNvPr id="30" name="圆角矩形 29"/>
-          <p:cNvSpPr/>
-          <p:nvPr/>
-        </p:nvSpPr>
-        <p:spPr>
-          <a:xfrm>
-            <a:off x="5429256" y="5264363"/>
-            <a:ext cx="285752" cy="285752"/>
-          </a:xfrm>
-          <a:prstGeom prst="roundRect">
-            <a:avLst/>
-          </a:prstGeom>
-        </p:spPr>
-        <p:style>
-          <a:lnRef idx="0">
-            <a:schemeClr val="accent4"/>
-          </a:lnRef>
-          <a:fillRef idx="3">
-            <a:schemeClr val="accent4"/>
-          </a:fillRef>
-          <a:effectRef idx="3">
-            <a:schemeClr val="accent4"/>
-          </a:effectRef>
-          <a:fontRef idx="minor">
-            <a:schemeClr val="lt1"/>
-          </a:fontRef>
-        </p:style>
-        <p:txBody>
-          <a:bodyPr rtlCol="0" anchor="ctr"/>
-          <a:lstStyle/>
-          <a:p>
-            <a:pPr algn="ctr"/>
-            <a:endParaRPr lang="zh-CN" altLang="en-US"/>
-          </a:p>
-        </p:txBody>
-      </p:sp>
-      <p:sp>
-        <p:nvSpPr>
-          <p:cNvPr id="31" name="圆角矩形 30"/>
-          <p:cNvSpPr/>
-          <p:nvPr/>
-        </p:nvSpPr>
-        <p:spPr>
-          <a:xfrm>
-            <a:off x="6572264" y="5550115"/>
-            <a:ext cx="285752" cy="285752"/>
-          </a:xfrm>
-          <a:prstGeom prst="roundRect">
-            <a:avLst/>
-          </a:prstGeom>
-        </p:spPr>
-        <p:style>
-          <a:lnRef idx="0">
-            <a:schemeClr val="accent2"/>
-          </a:lnRef>
-          <a:fillRef idx="3">
-            <a:schemeClr val="accent2"/>
-          </a:fillRef>
-          <a:effectRef idx="3">
-            <a:schemeClr val="accent2"/>
-          </a:effectRef>
-          <a:fontRef idx="minor">
-            <a:schemeClr val="lt1"/>
-          </a:fontRef>
-        </p:style>
-        <p:txBody>
-          <a:bodyPr rtlCol="0" anchor="ctr"/>
-          <a:lstStyle/>
-          <a:p>
-            <a:pPr algn="ctr"/>
-            <a:endParaRPr lang="zh-CN" altLang="en-US"/>
-          </a:p>
-        </p:txBody>
-      </p:sp>
-      <p:sp>
-        <p:nvSpPr>
-          <p:cNvPr id="32" name="TextBox 31"/>
-          <p:cNvSpPr txBox="1"/>
-          <p:nvPr/>
-        </p:nvSpPr>
-        <p:spPr>
-          <a:xfrm>
-            <a:off x="3143240" y="4907173"/>
-            <a:ext cx="2416046" cy="369332"/>
-          </a:xfrm>
-          <a:prstGeom prst="rect">
-            <a:avLst/>
-          </a:prstGeom>
-          <a:noFill/>
-        </p:spPr>
-        <p:txBody>
-          <a:bodyPr wrap="none" rtlCol="0">
-            <a:spAutoFit/>
-          </a:bodyPr>
-          <a:lstStyle/>
-          <a:p>
-            <a:r>
-              <a:rPr lang="en-US" altLang="zh-CN" dirty="0" smtClean="0"/>
-              <a:t>Dp[i][j] &lt;= dp[i-1][j-1]+1</a:t>
-            </a:r>
-            <a:endParaRPr lang="zh-CN" altLang="en-US" dirty="0"/>
-          </a:p>
-        </p:txBody>
-      </p:sp>
-      <p:cxnSp>
-        <p:nvCxnSpPr>
-          <p:cNvPr id="36" name="直接连接符 35"/>
-          <p:cNvCxnSpPr/>
-          <p:nvPr/>
-        </p:nvCxnSpPr>
-        <p:spPr>
-          <a:xfrm>
-            <a:off x="2071670" y="1714488"/>
-            <a:ext cx="5143536" cy="1588"/>
-          </a:xfrm>
-          <a:prstGeom prst="line">
-            <a:avLst/>
-          </a:prstGeom>
-        </p:spPr>
-        <p:style>
-          <a:lnRef idx="1">
-            <a:schemeClr val="accent1"/>
-          </a:lnRef>
-          <a:fillRef idx="0">
-            <a:schemeClr val="accent1"/>
-          </a:fillRef>
-          <a:effectRef idx="0">
-            <a:schemeClr val="accent1"/>
-          </a:effectRef>
-          <a:fontRef idx="minor">
-            <a:schemeClr val="tx1"/>
-          </a:fontRef>
-        </p:style>
-      </p:cxnSp>
-      <p:cxnSp>
-        <p:nvCxnSpPr>
-          <p:cNvPr id="37" name="直接连接符 36"/>
-          <p:cNvCxnSpPr/>
-          <p:nvPr/>
-        </p:nvCxnSpPr>
-        <p:spPr>
-          <a:xfrm>
-            <a:off x="2071670" y="3286124"/>
-            <a:ext cx="5143536" cy="1588"/>
-          </a:xfrm>
-          <a:prstGeom prst="line">
-            <a:avLst/>
-          </a:prstGeom>
-        </p:spPr>
-        <p:style>
-          <a:lnRef idx="1">
-            <a:schemeClr val="accent1"/>
-          </a:lnRef>
-          <a:fillRef idx="0">
-            <a:schemeClr val="accent1"/>
-          </a:fillRef>
-          <a:effectRef idx="0">
-            <a:schemeClr val="accent1"/>
-          </a:effectRef>
-          <a:fontRef idx="minor">
-            <a:schemeClr val="tx1"/>
-          </a:fontRef>
-        </p:style>
-      </p:cxnSp>
     </p:spTree>
   </p:cSld>
   <p:clrMapOvr>
@@ -13600,14 +13240,181 @@
       </p:grpSpPr>
       <p:sp>
         <p:nvSpPr>
-          <p:cNvPr id="34" name="TextBox 33"/>
+          <p:cNvPr id="33" name="圆角矩形 32"/>
+          <p:cNvSpPr/>
+          <p:nvPr/>
+        </p:nvSpPr>
+        <p:spPr>
+          <a:xfrm>
+            <a:off x="2071670" y="357166"/>
+            <a:ext cx="5143536" cy="6000792"/>
+          </a:xfrm>
+          <a:prstGeom prst="roundRect">
+            <a:avLst>
+              <a:gd name="adj" fmla="val 5214"/>
+            </a:avLst>
+          </a:prstGeom>
+        </p:spPr>
+        <p:style>
+          <a:lnRef idx="1">
+            <a:schemeClr val="accent6"/>
+          </a:lnRef>
+          <a:fillRef idx="2">
+            <a:schemeClr val="accent6"/>
+          </a:fillRef>
+          <a:effectRef idx="1">
+            <a:schemeClr val="accent6"/>
+          </a:effectRef>
+          <a:fontRef idx="minor">
+            <a:schemeClr val="dk1"/>
+          </a:fontRef>
+        </p:style>
+        <p:txBody>
+          <a:bodyPr rtlCol="0" anchor="ctr"/>
+          <a:lstStyle/>
+          <a:p>
+            <a:pPr algn="ctr"/>
+            <a:endParaRPr lang="zh-CN" altLang="en-US"/>
+          </a:p>
+        </p:txBody>
+      </p:sp>
+      <p:sp>
+        <p:nvSpPr>
+          <p:cNvPr id="3" name="矩形 2"/>
+          <p:cNvSpPr/>
+          <p:nvPr/>
+        </p:nvSpPr>
+        <p:spPr>
+          <a:xfrm>
+            <a:off x="0" y="0"/>
+            <a:ext cx="1214414" cy="428604"/>
+          </a:xfrm>
+          <a:prstGeom prst="rect">
+            <a:avLst/>
+          </a:prstGeom>
+          <a:ln w="38100">
+            <a:solidFill>
+              <a:srgbClr val="FF0000"/>
+            </a:solidFill>
+          </a:ln>
+        </p:spPr>
+        <p:style>
+          <a:lnRef idx="2">
+            <a:schemeClr val="accent2"/>
+          </a:lnRef>
+          <a:fillRef idx="1">
+            <a:schemeClr val="lt1"/>
+          </a:fillRef>
+          <a:effectRef idx="0">
+            <a:schemeClr val="accent2"/>
+          </a:effectRef>
+          <a:fontRef idx="minor">
+            <a:schemeClr val="dk1"/>
+          </a:fontRef>
+        </p:style>
+        <p:txBody>
+          <a:bodyPr rtlCol="0" anchor="ctr"/>
+          <a:lstStyle/>
+          <a:p>
+            <a:pPr algn="ctr"/>
+            <a:r>
+              <a:rPr lang="zh-CN" altLang="en-US" b="1" dirty="0" smtClean="0"/>
+              <a:t>编辑距离</a:t>
+            </a:r>
+            <a:endParaRPr lang="zh-CN" altLang="en-US" b="1" dirty="0"/>
+          </a:p>
+        </p:txBody>
+      </p:sp>
+      <p:sp>
+        <p:nvSpPr>
+          <p:cNvPr id="4" name="圆角矩形 3"/>
+          <p:cNvSpPr/>
+          <p:nvPr/>
+        </p:nvSpPr>
+        <p:spPr>
+          <a:xfrm>
+            <a:off x="3143240" y="928670"/>
+            <a:ext cx="2571768" cy="285752"/>
+          </a:xfrm>
+          <a:prstGeom prst="roundRect">
+            <a:avLst/>
+          </a:prstGeom>
+        </p:spPr>
+        <p:style>
+          <a:lnRef idx="2">
+            <a:schemeClr val="accent3">
+              <a:shade val="50000"/>
+            </a:schemeClr>
+          </a:lnRef>
+          <a:fillRef idx="1">
+            <a:schemeClr val="accent3"/>
+          </a:fillRef>
+          <a:effectRef idx="0">
+            <a:schemeClr val="accent3"/>
+          </a:effectRef>
+          <a:fontRef idx="minor">
+            <a:schemeClr val="lt1"/>
+          </a:fontRef>
+        </p:style>
+        <p:txBody>
+          <a:bodyPr rtlCol="0" anchor="ctr"/>
+          <a:lstStyle/>
+          <a:p>
+            <a:pPr algn="ctr"/>
+            <a:endParaRPr lang="zh-CN" altLang="en-US"/>
+          </a:p>
+        </p:txBody>
+      </p:sp>
+      <p:sp>
+        <p:nvSpPr>
+          <p:cNvPr id="5" name="圆角矩形 4"/>
+          <p:cNvSpPr/>
+          <p:nvPr/>
+        </p:nvSpPr>
+        <p:spPr>
+          <a:xfrm>
+            <a:off x="3143240" y="1214422"/>
+            <a:ext cx="3429024" cy="285752"/>
+          </a:xfrm>
+          <a:prstGeom prst="roundRect">
+            <a:avLst/>
+          </a:prstGeom>
+        </p:spPr>
+        <p:style>
+          <a:lnRef idx="2">
+            <a:schemeClr val="accent3">
+              <a:shade val="50000"/>
+            </a:schemeClr>
+          </a:lnRef>
+          <a:fillRef idx="1">
+            <a:schemeClr val="accent3"/>
+          </a:fillRef>
+          <a:effectRef idx="0">
+            <a:schemeClr val="accent3"/>
+          </a:effectRef>
+          <a:fontRef idx="minor">
+            <a:schemeClr val="lt1"/>
+          </a:fontRef>
+        </p:style>
+        <p:txBody>
+          <a:bodyPr rtlCol="0" anchor="ctr"/>
+          <a:lstStyle/>
+          <a:p>
+            <a:pPr algn="ctr"/>
+            <a:endParaRPr lang="zh-CN" altLang="en-US"/>
+          </a:p>
+        </p:txBody>
+      </p:sp>
+      <p:sp>
+        <p:nvSpPr>
+          <p:cNvPr id="6" name="TextBox 5"/>
           <p:cNvSpPr txBox="1"/>
           <p:nvPr/>
         </p:nvSpPr>
         <p:spPr>
           <a:xfrm>
-            <a:off x="3144499" y="2483161"/>
-            <a:ext cx="2708910" cy="1106805"/>
+            <a:off x="2428860" y="928670"/>
+            <a:ext cx="585417" cy="307777"/>
           </a:xfrm>
           <a:prstGeom prst="rect">
             <a:avLst/>
@@ -13620,15 +13427,904 @@
           </a:bodyPr>
           <a:lstStyle/>
           <a:p>
-            <a:pPr algn="ctr"/>
-            <a:r>
-              <a:rPr lang="zh-CN" altLang="en-US" sz="6600" b="1" dirty="0"/>
-              <a:t>位运算</a:t>
-            </a:r>
-            <a:endParaRPr lang="zh-CN" altLang="en-US" sz="6600" b="1" dirty="0"/>
-          </a:p>
-        </p:txBody>
-      </p:sp>
+            <a:r>
+              <a:rPr lang="zh-CN" altLang="en-US" sz="1400" dirty="0" smtClean="0"/>
+              <a:t>单词</a:t>
+            </a:r>
+            <a:r>
+              <a:rPr lang="en-US" altLang="zh-CN" sz="1400" dirty="0" smtClean="0"/>
+              <a:t>i</a:t>
+            </a:r>
+            <a:endParaRPr lang="zh-CN" altLang="en-US" sz="1400" dirty="0"/>
+          </a:p>
+        </p:txBody>
+      </p:sp>
+      <p:sp>
+        <p:nvSpPr>
+          <p:cNvPr id="7" name="TextBox 6"/>
+          <p:cNvSpPr txBox="1"/>
+          <p:nvPr/>
+        </p:nvSpPr>
+        <p:spPr>
+          <a:xfrm>
+            <a:off x="2428860" y="1214422"/>
+            <a:ext cx="587020" cy="307777"/>
+          </a:xfrm>
+          <a:prstGeom prst="rect">
+            <a:avLst/>
+          </a:prstGeom>
+          <a:noFill/>
+        </p:spPr>
+        <p:txBody>
+          <a:bodyPr wrap="none" rtlCol="0">
+            <a:spAutoFit/>
+          </a:bodyPr>
+          <a:lstStyle/>
+          <a:p>
+            <a:r>
+              <a:rPr lang="zh-CN" altLang="en-US" sz="1400" dirty="0" smtClean="0"/>
+              <a:t>单词</a:t>
+            </a:r>
+            <a:r>
+              <a:rPr lang="en-US" altLang="zh-CN" sz="1400" dirty="0" smtClean="0"/>
+              <a:t>j</a:t>
+            </a:r>
+            <a:endParaRPr lang="zh-CN" altLang="en-US" sz="1400" dirty="0"/>
+          </a:p>
+        </p:txBody>
+      </p:sp>
+      <p:sp>
+        <p:nvSpPr>
+          <p:cNvPr id="8" name="圆角矩形 7"/>
+          <p:cNvSpPr/>
+          <p:nvPr/>
+        </p:nvSpPr>
+        <p:spPr>
+          <a:xfrm>
+            <a:off x="6572264" y="1223214"/>
+            <a:ext cx="285752" cy="285752"/>
+          </a:xfrm>
+          <a:prstGeom prst="roundRect">
+            <a:avLst/>
+          </a:prstGeom>
+        </p:spPr>
+        <p:style>
+          <a:lnRef idx="0">
+            <a:schemeClr val="accent2"/>
+          </a:lnRef>
+          <a:fillRef idx="3">
+            <a:schemeClr val="accent2"/>
+          </a:fillRef>
+          <a:effectRef idx="3">
+            <a:schemeClr val="accent2"/>
+          </a:effectRef>
+          <a:fontRef idx="minor">
+            <a:schemeClr val="lt1"/>
+          </a:fontRef>
+        </p:style>
+        <p:txBody>
+          <a:bodyPr rtlCol="0" anchor="ctr"/>
+          <a:lstStyle/>
+          <a:p>
+            <a:pPr algn="ctr"/>
+            <a:endParaRPr lang="zh-CN" altLang="en-US"/>
+          </a:p>
+        </p:txBody>
+      </p:sp>
+      <p:sp>
+        <p:nvSpPr>
+          <p:cNvPr id="10" name="圆角矩形 9"/>
+          <p:cNvSpPr/>
+          <p:nvPr/>
+        </p:nvSpPr>
+        <p:spPr>
+          <a:xfrm>
+            <a:off x="3143240" y="2357430"/>
+            <a:ext cx="2286016" cy="285752"/>
+          </a:xfrm>
+          <a:prstGeom prst="roundRect">
+            <a:avLst/>
+          </a:prstGeom>
+        </p:spPr>
+        <p:style>
+          <a:lnRef idx="2">
+            <a:schemeClr val="accent3">
+              <a:shade val="50000"/>
+            </a:schemeClr>
+          </a:lnRef>
+          <a:fillRef idx="1">
+            <a:schemeClr val="accent3"/>
+          </a:fillRef>
+          <a:effectRef idx="0">
+            <a:schemeClr val="accent3"/>
+          </a:effectRef>
+          <a:fontRef idx="minor">
+            <a:schemeClr val="lt1"/>
+          </a:fontRef>
+        </p:style>
+        <p:txBody>
+          <a:bodyPr rtlCol="0" anchor="ctr"/>
+          <a:lstStyle/>
+          <a:p>
+            <a:pPr algn="ctr"/>
+            <a:endParaRPr lang="zh-CN" altLang="en-US"/>
+          </a:p>
+        </p:txBody>
+      </p:sp>
+      <p:sp>
+        <p:nvSpPr>
+          <p:cNvPr id="11" name="圆角矩形 10"/>
+          <p:cNvSpPr/>
+          <p:nvPr/>
+        </p:nvSpPr>
+        <p:spPr>
+          <a:xfrm>
+            <a:off x="3143240" y="2643182"/>
+            <a:ext cx="3429024" cy="285752"/>
+          </a:xfrm>
+          <a:prstGeom prst="roundRect">
+            <a:avLst/>
+          </a:prstGeom>
+        </p:spPr>
+        <p:style>
+          <a:lnRef idx="2">
+            <a:schemeClr val="accent3">
+              <a:shade val="50000"/>
+            </a:schemeClr>
+          </a:lnRef>
+          <a:fillRef idx="1">
+            <a:schemeClr val="accent3"/>
+          </a:fillRef>
+          <a:effectRef idx="0">
+            <a:schemeClr val="accent3"/>
+          </a:effectRef>
+          <a:fontRef idx="minor">
+            <a:schemeClr val="lt1"/>
+          </a:fontRef>
+        </p:style>
+        <p:txBody>
+          <a:bodyPr rtlCol="0" anchor="ctr"/>
+          <a:lstStyle/>
+          <a:p>
+            <a:pPr algn="ctr"/>
+            <a:endParaRPr lang="zh-CN" altLang="en-US"/>
+          </a:p>
+        </p:txBody>
+      </p:sp>
+      <p:sp>
+        <p:nvSpPr>
+          <p:cNvPr id="12" name="TextBox 11"/>
+          <p:cNvSpPr txBox="1"/>
+          <p:nvPr/>
+        </p:nvSpPr>
+        <p:spPr>
+          <a:xfrm>
+            <a:off x="2428860" y="2357430"/>
+            <a:ext cx="585417" cy="307777"/>
+          </a:xfrm>
+          <a:prstGeom prst="rect">
+            <a:avLst/>
+          </a:prstGeom>
+          <a:noFill/>
+        </p:spPr>
+        <p:txBody>
+          <a:bodyPr wrap="none" rtlCol="0">
+            <a:spAutoFit/>
+          </a:bodyPr>
+          <a:lstStyle/>
+          <a:p>
+            <a:r>
+              <a:rPr lang="zh-CN" altLang="en-US" sz="1400" dirty="0" smtClean="0"/>
+              <a:t>单词</a:t>
+            </a:r>
+            <a:r>
+              <a:rPr lang="en-US" altLang="zh-CN" sz="1400" dirty="0" smtClean="0"/>
+              <a:t>i</a:t>
+            </a:r>
+            <a:endParaRPr lang="zh-CN" altLang="en-US" sz="1400" dirty="0"/>
+          </a:p>
+        </p:txBody>
+      </p:sp>
+      <p:sp>
+        <p:nvSpPr>
+          <p:cNvPr id="13" name="TextBox 12"/>
+          <p:cNvSpPr txBox="1"/>
+          <p:nvPr/>
+        </p:nvSpPr>
+        <p:spPr>
+          <a:xfrm>
+            <a:off x="2428860" y="2643182"/>
+            <a:ext cx="587020" cy="307777"/>
+          </a:xfrm>
+          <a:prstGeom prst="rect">
+            <a:avLst/>
+          </a:prstGeom>
+          <a:noFill/>
+        </p:spPr>
+        <p:txBody>
+          <a:bodyPr wrap="none" rtlCol="0">
+            <a:spAutoFit/>
+          </a:bodyPr>
+          <a:lstStyle/>
+          <a:p>
+            <a:r>
+              <a:rPr lang="zh-CN" altLang="en-US" sz="1400" dirty="0" smtClean="0"/>
+              <a:t>单词</a:t>
+            </a:r>
+            <a:r>
+              <a:rPr lang="en-US" altLang="zh-CN" sz="1400" dirty="0" smtClean="0"/>
+              <a:t>j</a:t>
+            </a:r>
+            <a:endParaRPr lang="zh-CN" altLang="en-US" sz="1400" dirty="0"/>
+          </a:p>
+        </p:txBody>
+      </p:sp>
+      <p:sp>
+        <p:nvSpPr>
+          <p:cNvPr id="14" name="圆角矩形 13"/>
+          <p:cNvSpPr/>
+          <p:nvPr/>
+        </p:nvSpPr>
+        <p:spPr>
+          <a:xfrm>
+            <a:off x="5429256" y="2357430"/>
+            <a:ext cx="285752" cy="285752"/>
+          </a:xfrm>
+          <a:prstGeom prst="roundRect">
+            <a:avLst/>
+          </a:prstGeom>
+        </p:spPr>
+        <p:style>
+          <a:lnRef idx="0">
+            <a:schemeClr val="accent2"/>
+          </a:lnRef>
+          <a:fillRef idx="3">
+            <a:schemeClr val="accent2"/>
+          </a:fillRef>
+          <a:effectRef idx="3">
+            <a:schemeClr val="accent2"/>
+          </a:effectRef>
+          <a:fontRef idx="minor">
+            <a:schemeClr val="lt1"/>
+          </a:fontRef>
+        </p:style>
+        <p:txBody>
+          <a:bodyPr rtlCol="0" anchor="ctr"/>
+          <a:lstStyle/>
+          <a:p>
+            <a:pPr algn="ctr"/>
+            <a:endParaRPr lang="zh-CN" altLang="en-US"/>
+          </a:p>
+        </p:txBody>
+      </p:sp>
+      <p:sp>
+        <p:nvSpPr>
+          <p:cNvPr id="15" name="圆角矩形 14"/>
+          <p:cNvSpPr/>
+          <p:nvPr/>
+        </p:nvSpPr>
+        <p:spPr>
+          <a:xfrm>
+            <a:off x="3143240" y="3907041"/>
+            <a:ext cx="2286016" cy="285752"/>
+          </a:xfrm>
+          <a:prstGeom prst="roundRect">
+            <a:avLst/>
+          </a:prstGeom>
+        </p:spPr>
+        <p:style>
+          <a:lnRef idx="2">
+            <a:schemeClr val="accent3">
+              <a:shade val="50000"/>
+            </a:schemeClr>
+          </a:lnRef>
+          <a:fillRef idx="1">
+            <a:schemeClr val="accent3"/>
+          </a:fillRef>
+          <a:effectRef idx="0">
+            <a:schemeClr val="accent3"/>
+          </a:effectRef>
+          <a:fontRef idx="minor">
+            <a:schemeClr val="lt1"/>
+          </a:fontRef>
+        </p:style>
+        <p:txBody>
+          <a:bodyPr rtlCol="0" anchor="ctr"/>
+          <a:lstStyle/>
+          <a:p>
+            <a:pPr algn="ctr"/>
+            <a:endParaRPr lang="zh-CN" altLang="en-US"/>
+          </a:p>
+        </p:txBody>
+      </p:sp>
+      <p:sp>
+        <p:nvSpPr>
+          <p:cNvPr id="16" name="圆角矩形 15"/>
+          <p:cNvSpPr/>
+          <p:nvPr/>
+        </p:nvSpPr>
+        <p:spPr>
+          <a:xfrm>
+            <a:off x="3143240" y="4192793"/>
+            <a:ext cx="3429024" cy="285752"/>
+          </a:xfrm>
+          <a:prstGeom prst="roundRect">
+            <a:avLst/>
+          </a:prstGeom>
+        </p:spPr>
+        <p:style>
+          <a:lnRef idx="2">
+            <a:schemeClr val="accent3">
+              <a:shade val="50000"/>
+            </a:schemeClr>
+          </a:lnRef>
+          <a:fillRef idx="1">
+            <a:schemeClr val="accent3"/>
+          </a:fillRef>
+          <a:effectRef idx="0">
+            <a:schemeClr val="accent3"/>
+          </a:effectRef>
+          <a:fontRef idx="minor">
+            <a:schemeClr val="lt1"/>
+          </a:fontRef>
+        </p:style>
+        <p:txBody>
+          <a:bodyPr rtlCol="0" anchor="ctr"/>
+          <a:lstStyle/>
+          <a:p>
+            <a:pPr algn="ctr"/>
+            <a:endParaRPr lang="zh-CN" altLang="en-US"/>
+          </a:p>
+        </p:txBody>
+      </p:sp>
+      <p:sp>
+        <p:nvSpPr>
+          <p:cNvPr id="17" name="TextBox 16"/>
+          <p:cNvSpPr txBox="1"/>
+          <p:nvPr/>
+        </p:nvSpPr>
+        <p:spPr>
+          <a:xfrm>
+            <a:off x="2428860" y="3907041"/>
+            <a:ext cx="585417" cy="307777"/>
+          </a:xfrm>
+          <a:prstGeom prst="rect">
+            <a:avLst/>
+          </a:prstGeom>
+          <a:noFill/>
+        </p:spPr>
+        <p:txBody>
+          <a:bodyPr wrap="none" rtlCol="0">
+            <a:spAutoFit/>
+          </a:bodyPr>
+          <a:lstStyle/>
+          <a:p>
+            <a:r>
+              <a:rPr lang="zh-CN" altLang="en-US" sz="1400" dirty="0" smtClean="0"/>
+              <a:t>单词</a:t>
+            </a:r>
+            <a:r>
+              <a:rPr lang="en-US" altLang="zh-CN" sz="1400" dirty="0" smtClean="0"/>
+              <a:t>i</a:t>
+            </a:r>
+            <a:endParaRPr lang="zh-CN" altLang="en-US" sz="1400" dirty="0"/>
+          </a:p>
+        </p:txBody>
+      </p:sp>
+      <p:sp>
+        <p:nvSpPr>
+          <p:cNvPr id="18" name="TextBox 17"/>
+          <p:cNvSpPr txBox="1"/>
+          <p:nvPr/>
+        </p:nvSpPr>
+        <p:spPr>
+          <a:xfrm>
+            <a:off x="2428860" y="4192793"/>
+            <a:ext cx="587020" cy="307777"/>
+          </a:xfrm>
+          <a:prstGeom prst="rect">
+            <a:avLst/>
+          </a:prstGeom>
+          <a:noFill/>
+        </p:spPr>
+        <p:txBody>
+          <a:bodyPr wrap="none" rtlCol="0">
+            <a:spAutoFit/>
+          </a:bodyPr>
+          <a:lstStyle/>
+          <a:p>
+            <a:r>
+              <a:rPr lang="zh-CN" altLang="en-US" sz="1400" dirty="0" smtClean="0"/>
+              <a:t>单词</a:t>
+            </a:r>
+            <a:r>
+              <a:rPr lang="en-US" altLang="zh-CN" sz="1400" dirty="0" smtClean="0"/>
+              <a:t>j</a:t>
+            </a:r>
+            <a:endParaRPr lang="zh-CN" altLang="en-US" sz="1400" dirty="0"/>
+          </a:p>
+        </p:txBody>
+      </p:sp>
+      <p:sp>
+        <p:nvSpPr>
+          <p:cNvPr id="19" name="圆角矩形 18"/>
+          <p:cNvSpPr/>
+          <p:nvPr/>
+        </p:nvSpPr>
+        <p:spPr>
+          <a:xfrm>
+            <a:off x="5429256" y="3907041"/>
+            <a:ext cx="285752" cy="285752"/>
+          </a:xfrm>
+          <a:prstGeom prst="roundRect">
+            <a:avLst/>
+          </a:prstGeom>
+        </p:spPr>
+        <p:style>
+          <a:lnRef idx="0">
+            <a:schemeClr val="accent2"/>
+          </a:lnRef>
+          <a:fillRef idx="3">
+            <a:schemeClr val="accent2"/>
+          </a:fillRef>
+          <a:effectRef idx="3">
+            <a:schemeClr val="accent2"/>
+          </a:effectRef>
+          <a:fontRef idx="minor">
+            <a:schemeClr val="lt1"/>
+          </a:fontRef>
+        </p:style>
+        <p:txBody>
+          <a:bodyPr rtlCol="0" anchor="ctr"/>
+          <a:lstStyle/>
+          <a:p>
+            <a:pPr algn="ctr"/>
+            <a:endParaRPr lang="zh-CN" altLang="en-US"/>
+          </a:p>
+        </p:txBody>
+      </p:sp>
+      <p:sp>
+        <p:nvSpPr>
+          <p:cNvPr id="20" name="圆角矩形 19"/>
+          <p:cNvSpPr/>
+          <p:nvPr/>
+        </p:nvSpPr>
+        <p:spPr>
+          <a:xfrm>
+            <a:off x="6572264" y="4192793"/>
+            <a:ext cx="285752" cy="285752"/>
+          </a:xfrm>
+          <a:prstGeom prst="roundRect">
+            <a:avLst/>
+          </a:prstGeom>
+        </p:spPr>
+        <p:style>
+          <a:lnRef idx="0">
+            <a:schemeClr val="accent2"/>
+          </a:lnRef>
+          <a:fillRef idx="3">
+            <a:schemeClr val="accent2"/>
+          </a:fillRef>
+          <a:effectRef idx="3">
+            <a:schemeClr val="accent2"/>
+          </a:effectRef>
+          <a:fontRef idx="minor">
+            <a:schemeClr val="lt1"/>
+          </a:fontRef>
+        </p:style>
+        <p:txBody>
+          <a:bodyPr rtlCol="0" anchor="ctr"/>
+          <a:lstStyle/>
+          <a:p>
+            <a:pPr algn="ctr"/>
+            <a:endParaRPr lang="zh-CN" altLang="en-US"/>
+          </a:p>
+        </p:txBody>
+      </p:sp>
+      <p:sp>
+        <p:nvSpPr>
+          <p:cNvPr id="21" name="TextBox 20"/>
+          <p:cNvSpPr txBox="1"/>
+          <p:nvPr/>
+        </p:nvSpPr>
+        <p:spPr>
+          <a:xfrm>
+            <a:off x="3143240" y="571480"/>
+            <a:ext cx="2228495" cy="369332"/>
+          </a:xfrm>
+          <a:prstGeom prst="rect">
+            <a:avLst/>
+          </a:prstGeom>
+          <a:noFill/>
+        </p:spPr>
+        <p:txBody>
+          <a:bodyPr wrap="none" rtlCol="0">
+            <a:spAutoFit/>
+          </a:bodyPr>
+          <a:lstStyle/>
+          <a:p>
+            <a:r>
+              <a:rPr lang="en-US" altLang="zh-CN" dirty="0" smtClean="0"/>
+              <a:t>Dp[i][j] &lt;= dp[i][j-1]+1</a:t>
+            </a:r>
+            <a:endParaRPr lang="zh-CN" altLang="en-US" dirty="0"/>
+          </a:p>
+        </p:txBody>
+      </p:sp>
+      <p:sp>
+        <p:nvSpPr>
+          <p:cNvPr id="24" name="TextBox 23"/>
+          <p:cNvSpPr txBox="1"/>
+          <p:nvPr/>
+        </p:nvSpPr>
+        <p:spPr>
+          <a:xfrm>
+            <a:off x="3143240" y="2000240"/>
+            <a:ext cx="2299027" cy="369332"/>
+          </a:xfrm>
+          <a:prstGeom prst="rect">
+            <a:avLst/>
+          </a:prstGeom>
+          <a:noFill/>
+        </p:spPr>
+        <p:txBody>
+          <a:bodyPr wrap="none" rtlCol="0">
+            <a:spAutoFit/>
+          </a:bodyPr>
+          <a:lstStyle/>
+          <a:p>
+            <a:r>
+              <a:rPr lang="en-US" altLang="zh-CN" dirty="0" smtClean="0"/>
+              <a:t>Dp[i][j] &lt;= dp[i-1][j]+1</a:t>
+            </a:r>
+            <a:endParaRPr lang="zh-CN" altLang="en-US" dirty="0"/>
+          </a:p>
+        </p:txBody>
+      </p:sp>
+      <p:sp>
+        <p:nvSpPr>
+          <p:cNvPr id="25" name="TextBox 24"/>
+          <p:cNvSpPr txBox="1"/>
+          <p:nvPr/>
+        </p:nvSpPr>
+        <p:spPr>
+          <a:xfrm>
+            <a:off x="3143240" y="3500438"/>
+            <a:ext cx="2183611" cy="369332"/>
+          </a:xfrm>
+          <a:prstGeom prst="rect">
+            <a:avLst/>
+          </a:prstGeom>
+          <a:noFill/>
+        </p:spPr>
+        <p:txBody>
+          <a:bodyPr wrap="none" rtlCol="0">
+            <a:spAutoFit/>
+          </a:bodyPr>
+          <a:lstStyle/>
+          <a:p>
+            <a:r>
+              <a:rPr lang="en-US" altLang="zh-CN" dirty="0" smtClean="0"/>
+              <a:t>Dp[i][j] &lt;= dp[i-1][j-1]</a:t>
+            </a:r>
+            <a:endParaRPr lang="zh-CN" altLang="en-US" dirty="0"/>
+          </a:p>
+        </p:txBody>
+      </p:sp>
+      <p:sp>
+        <p:nvSpPr>
+          <p:cNvPr id="26" name="圆角矩形 25"/>
+          <p:cNvSpPr/>
+          <p:nvPr/>
+        </p:nvSpPr>
+        <p:spPr>
+          <a:xfrm>
+            <a:off x="3143240" y="5264363"/>
+            <a:ext cx="2286016" cy="285752"/>
+          </a:xfrm>
+          <a:prstGeom prst="roundRect">
+            <a:avLst/>
+          </a:prstGeom>
+        </p:spPr>
+        <p:style>
+          <a:lnRef idx="2">
+            <a:schemeClr val="accent3">
+              <a:shade val="50000"/>
+            </a:schemeClr>
+          </a:lnRef>
+          <a:fillRef idx="1">
+            <a:schemeClr val="accent3"/>
+          </a:fillRef>
+          <a:effectRef idx="0">
+            <a:schemeClr val="accent3"/>
+          </a:effectRef>
+          <a:fontRef idx="minor">
+            <a:schemeClr val="lt1"/>
+          </a:fontRef>
+        </p:style>
+        <p:txBody>
+          <a:bodyPr rtlCol="0" anchor="ctr"/>
+          <a:lstStyle/>
+          <a:p>
+            <a:pPr algn="ctr"/>
+            <a:endParaRPr lang="zh-CN" altLang="en-US"/>
+          </a:p>
+        </p:txBody>
+      </p:sp>
+      <p:sp>
+        <p:nvSpPr>
+          <p:cNvPr id="27" name="圆角矩形 26"/>
+          <p:cNvSpPr/>
+          <p:nvPr/>
+        </p:nvSpPr>
+        <p:spPr>
+          <a:xfrm>
+            <a:off x="3143240" y="5550115"/>
+            <a:ext cx="3429024" cy="285752"/>
+          </a:xfrm>
+          <a:prstGeom prst="roundRect">
+            <a:avLst/>
+          </a:prstGeom>
+        </p:spPr>
+        <p:style>
+          <a:lnRef idx="2">
+            <a:schemeClr val="accent3">
+              <a:shade val="50000"/>
+            </a:schemeClr>
+          </a:lnRef>
+          <a:fillRef idx="1">
+            <a:schemeClr val="accent3"/>
+          </a:fillRef>
+          <a:effectRef idx="0">
+            <a:schemeClr val="accent3"/>
+          </a:effectRef>
+          <a:fontRef idx="minor">
+            <a:schemeClr val="lt1"/>
+          </a:fontRef>
+        </p:style>
+        <p:txBody>
+          <a:bodyPr rtlCol="0" anchor="ctr"/>
+          <a:lstStyle/>
+          <a:p>
+            <a:pPr algn="ctr"/>
+            <a:endParaRPr lang="zh-CN" altLang="en-US"/>
+          </a:p>
+        </p:txBody>
+      </p:sp>
+      <p:sp>
+        <p:nvSpPr>
+          <p:cNvPr id="28" name="TextBox 27"/>
+          <p:cNvSpPr txBox="1"/>
+          <p:nvPr/>
+        </p:nvSpPr>
+        <p:spPr>
+          <a:xfrm>
+            <a:off x="2428860" y="5264363"/>
+            <a:ext cx="585417" cy="307777"/>
+          </a:xfrm>
+          <a:prstGeom prst="rect">
+            <a:avLst/>
+          </a:prstGeom>
+          <a:noFill/>
+        </p:spPr>
+        <p:txBody>
+          <a:bodyPr wrap="none" rtlCol="0">
+            <a:spAutoFit/>
+          </a:bodyPr>
+          <a:lstStyle/>
+          <a:p>
+            <a:r>
+              <a:rPr lang="zh-CN" altLang="en-US" sz="1400" dirty="0" smtClean="0"/>
+              <a:t>单词</a:t>
+            </a:r>
+            <a:r>
+              <a:rPr lang="en-US" altLang="zh-CN" sz="1400" dirty="0" smtClean="0"/>
+              <a:t>i</a:t>
+            </a:r>
+            <a:endParaRPr lang="zh-CN" altLang="en-US" sz="1400" dirty="0"/>
+          </a:p>
+        </p:txBody>
+      </p:sp>
+      <p:sp>
+        <p:nvSpPr>
+          <p:cNvPr id="29" name="TextBox 28"/>
+          <p:cNvSpPr txBox="1"/>
+          <p:nvPr/>
+        </p:nvSpPr>
+        <p:spPr>
+          <a:xfrm>
+            <a:off x="2428860" y="5550115"/>
+            <a:ext cx="587020" cy="307777"/>
+          </a:xfrm>
+          <a:prstGeom prst="rect">
+            <a:avLst/>
+          </a:prstGeom>
+          <a:noFill/>
+        </p:spPr>
+        <p:txBody>
+          <a:bodyPr wrap="none" rtlCol="0">
+            <a:spAutoFit/>
+          </a:bodyPr>
+          <a:lstStyle/>
+          <a:p>
+            <a:r>
+              <a:rPr lang="zh-CN" altLang="en-US" sz="1400" dirty="0" smtClean="0"/>
+              <a:t>单词</a:t>
+            </a:r>
+            <a:r>
+              <a:rPr lang="en-US" altLang="zh-CN" sz="1400" dirty="0" smtClean="0"/>
+              <a:t>j</a:t>
+            </a:r>
+            <a:endParaRPr lang="zh-CN" altLang="en-US" sz="1400" dirty="0"/>
+          </a:p>
+        </p:txBody>
+      </p:sp>
+      <p:sp>
+        <p:nvSpPr>
+          <p:cNvPr id="30" name="圆角矩形 29"/>
+          <p:cNvSpPr/>
+          <p:nvPr/>
+        </p:nvSpPr>
+        <p:spPr>
+          <a:xfrm>
+            <a:off x="5429256" y="5264363"/>
+            <a:ext cx="285752" cy="285752"/>
+          </a:xfrm>
+          <a:prstGeom prst="roundRect">
+            <a:avLst/>
+          </a:prstGeom>
+        </p:spPr>
+        <p:style>
+          <a:lnRef idx="0">
+            <a:schemeClr val="accent4"/>
+          </a:lnRef>
+          <a:fillRef idx="3">
+            <a:schemeClr val="accent4"/>
+          </a:fillRef>
+          <a:effectRef idx="3">
+            <a:schemeClr val="accent4"/>
+          </a:effectRef>
+          <a:fontRef idx="minor">
+            <a:schemeClr val="lt1"/>
+          </a:fontRef>
+        </p:style>
+        <p:txBody>
+          <a:bodyPr rtlCol="0" anchor="ctr"/>
+          <a:lstStyle/>
+          <a:p>
+            <a:pPr algn="ctr"/>
+            <a:endParaRPr lang="zh-CN" altLang="en-US"/>
+          </a:p>
+        </p:txBody>
+      </p:sp>
+      <p:sp>
+        <p:nvSpPr>
+          <p:cNvPr id="31" name="圆角矩形 30"/>
+          <p:cNvSpPr/>
+          <p:nvPr/>
+        </p:nvSpPr>
+        <p:spPr>
+          <a:xfrm>
+            <a:off x="6572264" y="5550115"/>
+            <a:ext cx="285752" cy="285752"/>
+          </a:xfrm>
+          <a:prstGeom prst="roundRect">
+            <a:avLst/>
+          </a:prstGeom>
+        </p:spPr>
+        <p:style>
+          <a:lnRef idx="0">
+            <a:schemeClr val="accent2"/>
+          </a:lnRef>
+          <a:fillRef idx="3">
+            <a:schemeClr val="accent2"/>
+          </a:fillRef>
+          <a:effectRef idx="3">
+            <a:schemeClr val="accent2"/>
+          </a:effectRef>
+          <a:fontRef idx="minor">
+            <a:schemeClr val="lt1"/>
+          </a:fontRef>
+        </p:style>
+        <p:txBody>
+          <a:bodyPr rtlCol="0" anchor="ctr"/>
+          <a:lstStyle/>
+          <a:p>
+            <a:pPr algn="ctr"/>
+            <a:endParaRPr lang="zh-CN" altLang="en-US"/>
+          </a:p>
+        </p:txBody>
+      </p:sp>
+      <p:sp>
+        <p:nvSpPr>
+          <p:cNvPr id="32" name="TextBox 31"/>
+          <p:cNvSpPr txBox="1"/>
+          <p:nvPr/>
+        </p:nvSpPr>
+        <p:spPr>
+          <a:xfrm>
+            <a:off x="3143240" y="4907173"/>
+            <a:ext cx="2416046" cy="369332"/>
+          </a:xfrm>
+          <a:prstGeom prst="rect">
+            <a:avLst/>
+          </a:prstGeom>
+          <a:noFill/>
+        </p:spPr>
+        <p:txBody>
+          <a:bodyPr wrap="none" rtlCol="0">
+            <a:spAutoFit/>
+          </a:bodyPr>
+          <a:lstStyle/>
+          <a:p>
+            <a:r>
+              <a:rPr lang="en-US" altLang="zh-CN" dirty="0" smtClean="0"/>
+              <a:t>Dp[i][j] &lt;= dp[i-1][j-1]+1</a:t>
+            </a:r>
+            <a:endParaRPr lang="zh-CN" altLang="en-US" dirty="0"/>
+          </a:p>
+        </p:txBody>
+      </p:sp>
+      <p:cxnSp>
+        <p:nvCxnSpPr>
+          <p:cNvPr id="36" name="直接连接符 35"/>
+          <p:cNvCxnSpPr/>
+          <p:nvPr/>
+        </p:nvCxnSpPr>
+        <p:spPr>
+          <a:xfrm>
+            <a:off x="2071670" y="1714488"/>
+            <a:ext cx="5143536" cy="1588"/>
+          </a:xfrm>
+          <a:prstGeom prst="line">
+            <a:avLst/>
+          </a:prstGeom>
+        </p:spPr>
+        <p:style>
+          <a:lnRef idx="1">
+            <a:schemeClr val="accent1"/>
+          </a:lnRef>
+          <a:fillRef idx="0">
+            <a:schemeClr val="accent1"/>
+          </a:fillRef>
+          <a:effectRef idx="0">
+            <a:schemeClr val="accent1"/>
+          </a:effectRef>
+          <a:fontRef idx="minor">
+            <a:schemeClr val="tx1"/>
+          </a:fontRef>
+        </p:style>
+      </p:cxnSp>
+      <p:cxnSp>
+        <p:nvCxnSpPr>
+          <p:cNvPr id="37" name="直接连接符 36"/>
+          <p:cNvCxnSpPr/>
+          <p:nvPr/>
+        </p:nvCxnSpPr>
+        <p:spPr>
+          <a:xfrm>
+            <a:off x="2071670" y="3286124"/>
+            <a:ext cx="5143536" cy="1588"/>
+          </a:xfrm>
+          <a:prstGeom prst="line">
+            <a:avLst/>
+          </a:prstGeom>
+        </p:spPr>
+        <p:style>
+          <a:lnRef idx="1">
+            <a:schemeClr val="accent1"/>
+          </a:lnRef>
+          <a:fillRef idx="0">
+            <a:schemeClr val="accent1"/>
+          </a:fillRef>
+          <a:effectRef idx="0">
+            <a:schemeClr val="accent1"/>
+          </a:effectRef>
+          <a:fontRef idx="minor">
+            <a:schemeClr val="tx1"/>
+          </a:fontRef>
+        </p:style>
+      </p:cxnSp>
     </p:spTree>
   </p:cSld>
   <p:clrMapOvr>
@@ -13656,14 +14352,14 @@
       </p:grpSpPr>
       <p:sp>
         <p:nvSpPr>
-          <p:cNvPr id="2" name="文本框 1"/>
+          <p:cNvPr id="34" name="TextBox 33"/>
           <p:cNvSpPr txBox="1"/>
           <p:nvPr/>
         </p:nvSpPr>
         <p:spPr>
           <a:xfrm>
-            <a:off x="920115" y="601345"/>
-            <a:ext cx="4726305" cy="2722880"/>
+            <a:off x="3857620" y="928670"/>
+            <a:ext cx="1034257" cy="1107996"/>
           </a:xfrm>
           <a:prstGeom prst="rect">
             <a:avLst/>
@@ -13671,254 +14367,57 @@
           <a:noFill/>
         </p:spPr>
         <p:txBody>
-          <a:bodyPr wrap="square" rtlCol="0">
+          <a:bodyPr wrap="none" rtlCol="0">
             <a:spAutoFit/>
           </a:bodyPr>
-          <a:p>
-            <a:pPr algn="l" fontAlgn="auto">
-              <a:lnSpc>
-                <a:spcPct val="150000"/>
-              </a:lnSpc>
-            </a:pPr>
-            <a:r>
-              <a:rPr lang="zh-CN" altLang="en-US">
-                <a:solidFill>
-                  <a:srgbClr val="FF0000"/>
-                </a:solidFill>
-              </a:rPr>
-              <a:t>亦或</a:t>
-            </a:r>
-            <a:r>
-              <a:rPr lang="zh-CN" altLang="en-US"/>
-              <a:t>：</a:t>
-            </a:r>
-            <a:r>
-              <a:rPr lang="en-US" altLang="zh-CN"/>
-              <a:t>a^a=0,  a^0=a,  a^1=~a</a:t>
-            </a:r>
-            <a:endParaRPr lang="en-US" altLang="zh-CN"/>
-          </a:p>
-          <a:p>
-            <a:pPr algn="l" fontAlgn="auto">
-              <a:lnSpc>
-                <a:spcPct val="150000"/>
-              </a:lnSpc>
-            </a:pPr>
-            <a:r>
-              <a:rPr lang="zh-CN" altLang="zh-CN"/>
-              <a:t>判断</a:t>
-            </a:r>
-            <a:r>
-              <a:rPr lang="en-US" altLang="zh-CN"/>
-              <a:t>a</a:t>
-            </a:r>
-            <a:r>
-              <a:rPr lang="zh-CN" altLang="zh-CN"/>
-              <a:t>从右数</a:t>
-            </a:r>
-            <a:r>
-              <a:rPr lang="zh-CN" altLang="zh-CN">
-                <a:solidFill>
-                  <a:srgbClr val="FF0000"/>
-                </a:solidFill>
-              </a:rPr>
-              <a:t>第</a:t>
-            </a:r>
-            <a:r>
-              <a:rPr lang="en-US" altLang="zh-CN">
-                <a:solidFill>
-                  <a:srgbClr val="FF0000"/>
-                </a:solidFill>
-              </a:rPr>
-              <a:t>n</a:t>
-            </a:r>
-            <a:r>
-              <a:rPr lang="zh-CN" altLang="en-US">
-                <a:solidFill>
-                  <a:srgbClr val="FF0000"/>
-                </a:solidFill>
-              </a:rPr>
-              <a:t>位</a:t>
-            </a:r>
-            <a:r>
-              <a:rPr lang="zh-CN" altLang="zh-CN">
-                <a:solidFill>
-                  <a:srgbClr val="FF0000"/>
-                </a:solidFill>
-              </a:rPr>
-              <a:t>是否为</a:t>
-            </a:r>
-            <a:r>
-              <a:rPr lang="en-US" altLang="zh-CN">
-                <a:solidFill>
-                  <a:srgbClr val="FF0000"/>
-                </a:solidFill>
-              </a:rPr>
-              <a:t>0</a:t>
-            </a:r>
-            <a:r>
-              <a:rPr lang="zh-CN" altLang="en-US"/>
-              <a:t>：</a:t>
-            </a:r>
-            <a:r>
-              <a:rPr lang="en-US" altLang="zh-CN"/>
-              <a:t>a &amp; (</a:t>
-            </a:r>
-            <a:r>
-              <a:rPr lang="en-US" altLang="zh-CN">
-                <a:sym typeface="+mn-ea"/>
-              </a:rPr>
-              <a:t>1 </a:t>
-            </a:r>
-            <a:r>
-              <a:rPr lang="zh-CN" altLang="zh-CN">
-                <a:sym typeface="+mn-ea"/>
-              </a:rPr>
-              <a:t> </a:t>
-            </a:r>
-            <a:r>
-              <a:rPr lang="en-US" altLang="zh-CN">
-                <a:sym typeface="+mn-ea"/>
-              </a:rPr>
-              <a:t>&lt;&lt;= n-1 </a:t>
-            </a:r>
-            <a:r>
-              <a:rPr lang="en-US" altLang="zh-CN"/>
-              <a:t>)</a:t>
-            </a:r>
-            <a:endParaRPr lang="en-US" altLang="zh-CN"/>
-          </a:p>
-          <a:p>
-            <a:pPr algn="l" fontAlgn="auto">
-              <a:lnSpc>
-                <a:spcPct val="150000"/>
-              </a:lnSpc>
-            </a:pPr>
-            <a:r>
-              <a:rPr lang="en-US" altLang="zh-CN">
-                <a:solidFill>
-                  <a:srgbClr val="FF0000"/>
-                </a:solidFill>
-              </a:rPr>
-              <a:t>n-1</a:t>
-            </a:r>
-            <a:r>
-              <a:rPr lang="en-US" altLang="zh-CN"/>
-              <a:t>:</a:t>
-            </a:r>
-            <a:r>
-              <a:rPr lang="zh-CN" altLang="zh-CN"/>
-              <a:t>最右边的</a:t>
-            </a:r>
-            <a:r>
-              <a:rPr lang="en-US" altLang="zh-CN"/>
-              <a:t>1</a:t>
-            </a:r>
-            <a:r>
-              <a:rPr lang="zh-CN" altLang="en-US"/>
-              <a:t>变成</a:t>
-            </a:r>
-            <a:r>
-              <a:rPr lang="en-US" altLang="zh-CN"/>
-              <a:t>0</a:t>
-            </a:r>
-            <a:r>
-              <a:rPr lang="zh-CN" altLang="en-US"/>
-              <a:t>，该位右边的</a:t>
-            </a:r>
-            <a:r>
-              <a:rPr lang="en-US" altLang="zh-CN"/>
-              <a:t>0</a:t>
-            </a:r>
-            <a:r>
-              <a:rPr lang="zh-CN" altLang="en-US"/>
-              <a:t>全部变为</a:t>
-            </a:r>
-            <a:r>
-              <a:rPr lang="en-US" altLang="zh-CN"/>
-              <a:t>1</a:t>
-            </a:r>
-            <a:endParaRPr lang="en-US" altLang="zh-CN"/>
-          </a:p>
-          <a:p>
-            <a:pPr algn="l" fontAlgn="auto">
-              <a:lnSpc>
-                <a:spcPct val="150000"/>
-              </a:lnSpc>
-            </a:pPr>
-            <a:r>
-              <a:rPr lang="en-US" altLang="zh-CN">
-                <a:solidFill>
-                  <a:srgbClr val="FF0000"/>
-                </a:solidFill>
-              </a:rPr>
-              <a:t>n&amp;(n-1)</a:t>
-            </a:r>
-            <a:r>
-              <a:rPr lang="zh-CN" altLang="en-US"/>
-              <a:t>：最右边的</a:t>
-            </a:r>
-            <a:r>
-              <a:rPr lang="en-US" altLang="zh-CN"/>
-              <a:t>1</a:t>
-            </a:r>
-            <a:r>
-              <a:rPr lang="zh-CN" altLang="en-US"/>
-              <a:t>变成</a:t>
-            </a:r>
-            <a:r>
-              <a:rPr lang="en-US" altLang="zh-CN"/>
-              <a:t>0</a:t>
-            </a:r>
-            <a:r>
-              <a:rPr lang="zh-CN" altLang="en-US"/>
-              <a:t>，其余位置不变</a:t>
-            </a:r>
+          <a:lstStyle/>
+          <a:p>
+            <a:pPr algn="ctr"/>
+            <a:r>
+              <a:rPr lang="zh-CN" altLang="en-US" sz="6600" b="1" dirty="0" smtClean="0"/>
+              <a:t>图</a:t>
+            </a:r>
+            <a:endParaRPr lang="zh-CN" altLang="en-US" sz="6600" b="1" dirty="0"/>
+          </a:p>
+        </p:txBody>
+      </p:sp>
+      <p:sp>
+        <p:nvSpPr>
+          <p:cNvPr id="3" name="矩形 2"/>
+          <p:cNvSpPr/>
+          <p:nvPr/>
+        </p:nvSpPr>
+        <p:spPr>
+          <a:xfrm>
+            <a:off x="714348" y="2428868"/>
+            <a:ext cx="7786742" cy="3929090"/>
+          </a:xfrm>
+          <a:prstGeom prst="rect">
+            <a:avLst/>
+          </a:prstGeom>
+        </p:spPr>
+        <p:style>
+          <a:lnRef idx="2">
+            <a:schemeClr val="accent3">
+              <a:shade val="50000"/>
+            </a:schemeClr>
+          </a:lnRef>
+          <a:fillRef idx="1">
+            <a:schemeClr val="accent3"/>
+          </a:fillRef>
+          <a:effectRef idx="0">
+            <a:schemeClr val="accent3"/>
+          </a:effectRef>
+          <a:fontRef idx="minor">
+            <a:schemeClr val="lt1"/>
+          </a:fontRef>
+        </p:style>
+        <p:txBody>
+          <a:bodyPr rtlCol="0" anchor="ctr"/>
+          <a:lstStyle/>
+          <a:p>
+            <a:pPr algn="ctr"/>
             <a:endParaRPr lang="zh-CN" altLang="en-US"/>
-          </a:p>
-          <a:p>
-            <a:pPr algn="l" fontAlgn="auto">
-              <a:lnSpc>
-                <a:spcPct val="150000"/>
-              </a:lnSpc>
-            </a:pPr>
-            <a:r>
-              <a:rPr lang="zh-CN" altLang="en-US"/>
-              <a:t>判断</a:t>
-            </a:r>
-            <a:r>
-              <a:rPr lang="zh-CN" altLang="en-US">
-                <a:solidFill>
-                  <a:srgbClr val="FF0000"/>
-                </a:solidFill>
-              </a:rPr>
-              <a:t>奇偶性</a:t>
-            </a:r>
-            <a:r>
-              <a:rPr lang="zh-CN" altLang="en-US"/>
-              <a:t>：</a:t>
-            </a:r>
-            <a:r>
-              <a:rPr lang="en-US" altLang="zh-CN"/>
-              <a:t>if a &amp; 1  #</a:t>
-            </a:r>
-            <a:r>
-              <a:rPr lang="zh-CN" altLang="en-US"/>
-              <a:t>奇数为</a:t>
-            </a:r>
-            <a:r>
-              <a:rPr lang="en-US" altLang="zh-CN"/>
-              <a:t>true</a:t>
-            </a:r>
-            <a:endParaRPr lang="en-US" altLang="zh-CN"/>
-          </a:p>
-          <a:p>
-            <a:pPr algn="l"/>
-            <a:endParaRPr lang="en-US" altLang="zh-CN"/>
-          </a:p>
-          <a:p>
-            <a:pPr algn="l"/>
-            <a:endParaRPr lang="en-US" altLang="zh-CN"/>
           </a:p>
         </p:txBody>
       </p:sp>
@@ -13949,14 +14448,14 @@
       </p:grpSpPr>
       <p:sp>
         <p:nvSpPr>
-          <p:cNvPr id="2" name="文本框 1"/>
+          <p:cNvPr id="34" name="TextBox 33"/>
           <p:cNvSpPr txBox="1"/>
           <p:nvPr/>
         </p:nvSpPr>
         <p:spPr>
           <a:xfrm>
-            <a:off x="1017905" y="1358900"/>
-            <a:ext cx="6808470" cy="368300"/>
+            <a:off x="3144499" y="2483161"/>
+            <a:ext cx="2708910" cy="1106805"/>
           </a:xfrm>
           <a:prstGeom prst="rect">
             <a:avLst/>
@@ -13967,18 +14466,195 @@
           <a:bodyPr wrap="none" rtlCol="0">
             <a:spAutoFit/>
           </a:bodyPr>
-          <a:p>
+          <a:lstStyle/>
+          <a:p>
+            <a:pPr algn="ctr"/>
+            <a:r>
+              <a:rPr lang="zh-CN" altLang="en-US" sz="6600" b="1" dirty="0"/>
+              <a:t>位运算</a:t>
+            </a:r>
+          </a:p>
+        </p:txBody>
+      </p:sp>
+    </p:spTree>
+  </p:cSld>
+  <p:clrMapOvr>
+    <a:masterClrMapping/>
+  </p:clrMapOvr>
+</p:sld>
+</file>
+
+<file path=ppt/slides/slide24.xml><?xml version="1.0" encoding="utf-8"?>
+<p:sld xmlns:a="http://schemas.openxmlformats.org/drawingml/2006/main" xmlns:r="http://schemas.openxmlformats.org/officeDocument/2006/relationships" xmlns:p="http://schemas.openxmlformats.org/presentationml/2006/main">
+  <p:cSld>
+    <p:spTree>
+      <p:nvGrpSpPr>
+        <p:cNvPr id="1" name=""/>
+        <p:cNvGrpSpPr/>
+        <p:nvPr/>
+      </p:nvGrpSpPr>
+      <p:grpSpPr>
+        <a:xfrm>
+          <a:off x="0" y="0"/>
+          <a:ext cx="0" cy="0"/>
+          <a:chOff x="0" y="0"/>
+          <a:chExt cx="0" cy="0"/>
+        </a:xfrm>
+      </p:grpSpPr>
+      <p:sp>
+        <p:nvSpPr>
+          <p:cNvPr id="2" name="文本框 1"/>
+          <p:cNvSpPr txBox="1"/>
+          <p:nvPr/>
+        </p:nvSpPr>
+        <p:spPr>
+          <a:xfrm>
+            <a:off x="920115" y="601345"/>
+            <a:ext cx="4726305" cy="2722880"/>
+          </a:xfrm>
+          <a:prstGeom prst="rect">
+            <a:avLst/>
+          </a:prstGeom>
+          <a:noFill/>
+        </p:spPr>
+        <p:txBody>
+          <a:bodyPr wrap="square" rtlCol="0">
+            <a:spAutoFit/>
+          </a:bodyPr>
+          <a:lstStyle/>
+          <a:p>
+            <a:pPr algn="l" fontAlgn="auto">
+              <a:lnSpc>
+                <a:spcPct val="150000"/>
+              </a:lnSpc>
+            </a:pPr>
+            <a:r>
+              <a:rPr lang="zh-CN" altLang="en-US">
+                <a:solidFill>
+                  <a:srgbClr val="FF0000"/>
+                </a:solidFill>
+              </a:rPr>
+              <a:t>亦或</a:t>
+            </a:r>
             <a:r>
               <a:rPr lang="zh-CN" altLang="en-US"/>
-              <a:t>数组中，</a:t>
+              <a:t>：</a:t>
             </a:r>
             <a:r>
               <a:rPr lang="en-US" altLang="zh-CN"/>
-              <a:t>a, b</a:t>
+              <a:t>a^a=0,  a^0=a,  a^1=~a</a:t>
+            </a:r>
+          </a:p>
+          <a:p>
+            <a:pPr algn="l" fontAlgn="auto">
+              <a:lnSpc>
+                <a:spcPct val="150000"/>
+              </a:lnSpc>
+            </a:pPr>
+            <a:r>
+              <a:rPr lang="zh-CN" altLang="zh-CN"/>
+              <a:t>判断</a:t>
+            </a:r>
+            <a:r>
+              <a:rPr lang="en-US" altLang="zh-CN"/>
+              <a:t>a</a:t>
+            </a:r>
+            <a:r>
+              <a:rPr lang="zh-CN" altLang="zh-CN"/>
+              <a:t>从右数</a:t>
+            </a:r>
+            <a:r>
+              <a:rPr lang="zh-CN" altLang="zh-CN">
+                <a:solidFill>
+                  <a:srgbClr val="FF0000"/>
+                </a:solidFill>
+              </a:rPr>
+              <a:t>第</a:t>
+            </a:r>
+            <a:r>
+              <a:rPr lang="en-US" altLang="zh-CN">
+                <a:solidFill>
+                  <a:srgbClr val="FF0000"/>
+                </a:solidFill>
+              </a:rPr>
+              <a:t>n</a:t>
+            </a:r>
+            <a:r>
+              <a:rPr lang="zh-CN" altLang="en-US">
+                <a:solidFill>
+                  <a:srgbClr val="FF0000"/>
+                </a:solidFill>
+              </a:rPr>
+              <a:t>位</a:t>
+            </a:r>
+            <a:r>
+              <a:rPr lang="zh-CN" altLang="zh-CN">
+                <a:solidFill>
+                  <a:srgbClr val="FF0000"/>
+                </a:solidFill>
+              </a:rPr>
+              <a:t>是否为</a:t>
+            </a:r>
+            <a:r>
+              <a:rPr lang="en-US" altLang="zh-CN">
+                <a:solidFill>
+                  <a:srgbClr val="FF0000"/>
+                </a:solidFill>
+              </a:rPr>
+              <a:t>0</a:t>
             </a:r>
             <a:r>
               <a:rPr lang="zh-CN" altLang="en-US"/>
-              <a:t>出现了</a:t>
+              <a:t>：</a:t>
+            </a:r>
+            <a:r>
+              <a:rPr lang="en-US" altLang="zh-CN"/>
+              <a:t>a &amp; (</a:t>
+            </a:r>
+            <a:r>
+              <a:rPr lang="en-US" altLang="zh-CN">
+                <a:sym typeface="+mn-ea"/>
+              </a:rPr>
+              <a:t>1 </a:t>
+            </a:r>
+            <a:r>
+              <a:rPr lang="zh-CN" altLang="zh-CN">
+                <a:sym typeface="+mn-ea"/>
+              </a:rPr>
+              <a:t> </a:t>
+            </a:r>
+            <a:r>
+              <a:rPr lang="en-US" altLang="zh-CN">
+                <a:sym typeface="+mn-ea"/>
+              </a:rPr>
+              <a:t>&lt;&lt;= n-1 </a:t>
+            </a:r>
+            <a:r>
+              <a:rPr lang="en-US" altLang="zh-CN"/>
+              <a:t>)</a:t>
+            </a:r>
+          </a:p>
+          <a:p>
+            <a:pPr algn="l" fontAlgn="auto">
+              <a:lnSpc>
+                <a:spcPct val="150000"/>
+              </a:lnSpc>
+            </a:pPr>
+            <a:r>
+              <a:rPr lang="en-US" altLang="zh-CN">
+                <a:solidFill>
+                  <a:srgbClr val="FF0000"/>
+                </a:solidFill>
+              </a:rPr>
+              <a:t>n-1</a:t>
+            </a:r>
+            <a:r>
+              <a:rPr lang="en-US" altLang="zh-CN"/>
+              <a:t>:</a:t>
+            </a:r>
+            <a:r>
+              <a:rPr lang="zh-CN" altLang="zh-CN"/>
+              <a:t>最右边的</a:t>
             </a:r>
             <a:r>
               <a:rPr lang="en-US" altLang="zh-CN"/>
@@ -13986,22 +14662,144 @@
             </a:r>
             <a:r>
               <a:rPr lang="zh-CN" altLang="en-US"/>
-              <a:t>次，其他的都出现了偶数次，找到这两个数字</a:t>
-            </a:r>
-            <a:endParaRPr lang="zh-CN" altLang="en-US"/>
-          </a:p>
-        </p:txBody>
-      </p:sp>
-      <p:sp>
-        <p:nvSpPr>
-          <p:cNvPr id="3" name="文本框 2"/>
+              <a:t>变成</a:t>
+            </a:r>
+            <a:r>
+              <a:rPr lang="en-US" altLang="zh-CN"/>
+              <a:t>0</a:t>
+            </a:r>
+            <a:r>
+              <a:rPr lang="zh-CN" altLang="en-US"/>
+              <a:t>，该位右边的</a:t>
+            </a:r>
+            <a:r>
+              <a:rPr lang="en-US" altLang="zh-CN"/>
+              <a:t>0</a:t>
+            </a:r>
+            <a:r>
+              <a:rPr lang="zh-CN" altLang="en-US"/>
+              <a:t>全部变为</a:t>
+            </a:r>
+            <a:r>
+              <a:rPr lang="en-US" altLang="zh-CN"/>
+              <a:t>1</a:t>
+            </a:r>
+          </a:p>
+          <a:p>
+            <a:pPr algn="l" fontAlgn="auto">
+              <a:lnSpc>
+                <a:spcPct val="150000"/>
+              </a:lnSpc>
+            </a:pPr>
+            <a:r>
+              <a:rPr lang="en-US" altLang="zh-CN">
+                <a:solidFill>
+                  <a:srgbClr val="FF0000"/>
+                </a:solidFill>
+              </a:rPr>
+              <a:t>n&amp;(n-1)</a:t>
+            </a:r>
+            <a:r>
+              <a:rPr lang="zh-CN" altLang="en-US"/>
+              <a:t>：最右边的</a:t>
+            </a:r>
+            <a:r>
+              <a:rPr lang="en-US" altLang="zh-CN"/>
+              <a:t>1</a:t>
+            </a:r>
+            <a:r>
+              <a:rPr lang="zh-CN" altLang="en-US"/>
+              <a:t>变成</a:t>
+            </a:r>
+            <a:r>
+              <a:rPr lang="en-US" altLang="zh-CN"/>
+              <a:t>0</a:t>
+            </a:r>
+            <a:r>
+              <a:rPr lang="zh-CN" altLang="en-US"/>
+              <a:t>，其余位置不变</a:t>
+            </a:r>
+          </a:p>
+          <a:p>
+            <a:pPr algn="l" fontAlgn="auto">
+              <a:lnSpc>
+                <a:spcPct val="150000"/>
+              </a:lnSpc>
+            </a:pPr>
+            <a:r>
+              <a:rPr lang="zh-CN" altLang="en-US"/>
+              <a:t>判断</a:t>
+            </a:r>
+            <a:r>
+              <a:rPr lang="zh-CN" altLang="en-US">
+                <a:solidFill>
+                  <a:srgbClr val="FF0000"/>
+                </a:solidFill>
+              </a:rPr>
+              <a:t>奇偶性</a:t>
+            </a:r>
+            <a:r>
+              <a:rPr lang="zh-CN" altLang="en-US"/>
+              <a:t>：</a:t>
+            </a:r>
+            <a:r>
+              <a:rPr lang="en-US" altLang="zh-CN"/>
+              <a:t>if a &amp; 1  #</a:t>
+            </a:r>
+            <a:r>
+              <a:rPr lang="zh-CN" altLang="en-US"/>
+              <a:t>奇数为</a:t>
+            </a:r>
+            <a:r>
+              <a:rPr lang="en-US" altLang="zh-CN"/>
+              <a:t>true</a:t>
+            </a:r>
+          </a:p>
+          <a:p>
+            <a:pPr algn="l"/>
+            <a:endParaRPr lang="en-US" altLang="zh-CN"/>
+          </a:p>
+          <a:p>
+            <a:pPr algn="l"/>
+            <a:endParaRPr lang="en-US" altLang="zh-CN"/>
+          </a:p>
+        </p:txBody>
+      </p:sp>
+    </p:spTree>
+  </p:cSld>
+  <p:clrMapOvr>
+    <a:masterClrMapping/>
+  </p:clrMapOvr>
+</p:sld>
+</file>
+
+<file path=ppt/slides/slide25.xml><?xml version="1.0" encoding="utf-8"?>
+<p:sld xmlns:a="http://schemas.openxmlformats.org/drawingml/2006/main" xmlns:r="http://schemas.openxmlformats.org/officeDocument/2006/relationships" xmlns:p="http://schemas.openxmlformats.org/presentationml/2006/main">
+  <p:cSld>
+    <p:spTree>
+      <p:nvGrpSpPr>
+        <p:cNvPr id="1" name=""/>
+        <p:cNvGrpSpPr/>
+        <p:nvPr/>
+      </p:nvGrpSpPr>
+      <p:grpSpPr>
+        <a:xfrm>
+          <a:off x="0" y="0"/>
+          <a:ext cx="0" cy="0"/>
+          <a:chOff x="0" y="0"/>
+          <a:chExt cx="0" cy="0"/>
+        </a:xfrm>
+      </p:grpSpPr>
+      <p:sp>
+        <p:nvSpPr>
+          <p:cNvPr id="2" name="文本框 1"/>
           <p:cNvSpPr txBox="1"/>
           <p:nvPr/>
         </p:nvSpPr>
         <p:spPr>
           <a:xfrm>
-            <a:off x="1081405" y="1974850"/>
-            <a:ext cx="4293870" cy="368300"/>
+            <a:off x="1017905" y="1358900"/>
+            <a:ext cx="6808470" cy="368300"/>
           </a:xfrm>
           <a:prstGeom prst="rect">
             <a:avLst/>
@@ -14012,37 +14810,41 @@
           <a:bodyPr wrap="none" rtlCol="0">
             <a:spAutoFit/>
           </a:bodyPr>
-          <a:p>
+          <a:lstStyle/>
+          <a:p>
+            <a:r>
+              <a:rPr lang="zh-CN" altLang="en-US"/>
+              <a:t>数组中，</a:t>
+            </a:r>
+            <a:r>
+              <a:rPr lang="en-US" altLang="zh-CN"/>
+              <a:t>a, b</a:t>
+            </a:r>
+            <a:r>
+              <a:rPr lang="zh-CN" altLang="en-US"/>
+              <a:t>出现了</a:t>
+            </a:r>
             <a:r>
               <a:rPr lang="en-US" altLang="zh-CN"/>
               <a:t>1</a:t>
             </a:r>
             <a:r>
               <a:rPr lang="zh-CN" altLang="en-US"/>
-              <a:t>、所有数字全部亦或得到</a:t>
-            </a:r>
-            <a:r>
-              <a:rPr lang="en-US" altLang="zh-CN"/>
-              <a:t>a, b</a:t>
-            </a:r>
-            <a:r>
-              <a:rPr lang="zh-CN" altLang="zh-CN"/>
-              <a:t>亦或的结果</a:t>
-            </a:r>
-            <a:endParaRPr lang="zh-CN" altLang="zh-CN"/>
-          </a:p>
-        </p:txBody>
-      </p:sp>
-      <p:sp>
-        <p:nvSpPr>
-          <p:cNvPr id="4" name="文本框 3"/>
+              <a:t>次，其他的都出现了偶数次，找到这两个数字</a:t>
+            </a:r>
+          </a:p>
+        </p:txBody>
+      </p:sp>
+      <p:sp>
+        <p:nvSpPr>
+          <p:cNvPr id="3" name="文本框 2"/>
           <p:cNvSpPr txBox="1"/>
           <p:nvPr/>
         </p:nvSpPr>
         <p:spPr>
           <a:xfrm>
-            <a:off x="3073400" y="2517775"/>
-            <a:ext cx="2268855" cy="645160"/>
+            <a:off x="1081405" y="1974850"/>
+            <a:ext cx="4293870" cy="368300"/>
           </a:xfrm>
           <a:prstGeom prst="rect">
             <a:avLst/>
@@ -14053,6 +14855,48 @@
           <a:bodyPr wrap="none" rtlCol="0">
             <a:spAutoFit/>
           </a:bodyPr>
+          <a:lstStyle/>
+          <a:p>
+            <a:r>
+              <a:rPr lang="en-US" altLang="zh-CN"/>
+              <a:t>1</a:t>
+            </a:r>
+            <a:r>
+              <a:rPr lang="zh-CN" altLang="en-US"/>
+              <a:t>、所有数字全部亦或得到</a:t>
+            </a:r>
+            <a:r>
+              <a:rPr lang="en-US" altLang="zh-CN"/>
+              <a:t>a, b</a:t>
+            </a:r>
+            <a:r>
+              <a:rPr lang="zh-CN" altLang="zh-CN"/>
+              <a:t>亦或的结果</a:t>
+            </a:r>
+          </a:p>
+        </p:txBody>
+      </p:sp>
+      <p:sp>
+        <p:nvSpPr>
+          <p:cNvPr id="4" name="文本框 3"/>
+          <p:cNvSpPr txBox="1"/>
+          <p:nvPr/>
+        </p:nvSpPr>
+        <p:spPr>
+          <a:xfrm>
+            <a:off x="3073400" y="2517775"/>
+            <a:ext cx="2268855" cy="645160"/>
+          </a:xfrm>
+          <a:prstGeom prst="rect">
+            <a:avLst/>
+          </a:prstGeom>
+          <a:noFill/>
+        </p:spPr>
+        <p:txBody>
+          <a:bodyPr wrap="none" rtlCol="0">
+            <a:spAutoFit/>
+          </a:bodyPr>
+          <a:lstStyle/>
           <a:p>
             <a:r>
               <a:rPr lang="en-US" altLang="zh-CN" sz="3600"/>
@@ -14094,7 +14938,6 @@
               <a:rPr lang="en-US" altLang="zh-CN" sz="3600"/>
               <a:t>0</a:t>
             </a:r>
-            <a:endParaRPr lang="en-US" altLang="zh-CN" sz="3600"/>
           </a:p>
         </p:txBody>
       </p:sp>
@@ -14153,6 +14996,7 @@
           <a:bodyPr wrap="none" rtlCol="0">
             <a:spAutoFit/>
           </a:bodyPr>
+          <a:lstStyle/>
           <a:p>
             <a:r>
               <a:rPr lang="zh-CN" altLang="zh-CN"/>
@@ -14166,7 +15010,6 @@
               <a:rPr lang="zh-CN" altLang="en-US"/>
               <a:t>不同</a:t>
             </a:r>
-            <a:endParaRPr lang="zh-CN" altLang="en-US"/>
           </a:p>
         </p:txBody>
       </p:sp>
@@ -14225,6 +15068,7 @@
           <a:bodyPr wrap="none" rtlCol="0">
             <a:spAutoFit/>
           </a:bodyPr>
+          <a:lstStyle/>
           <a:p>
             <a:r>
               <a:rPr lang="zh-CN" altLang="zh-CN"/>
@@ -14238,7 +15082,6 @@
               <a:rPr lang="zh-CN" altLang="en-US"/>
               <a:t>相同</a:t>
             </a:r>
-            <a:endParaRPr lang="zh-CN" altLang="en-US"/>
           </a:p>
         </p:txBody>
       </p:sp>
@@ -14298,12 +15141,12 @@
           <a:bodyPr wrap="none" rtlCol="0">
             <a:spAutoFit/>
           </a:bodyPr>
+          <a:lstStyle/>
           <a:p>
             <a:r>
               <a:rPr lang="zh-CN" altLang="en-US"/>
               <a:t>以此为切入点，遍历整个数组</a:t>
             </a:r>
-            <a:endParaRPr lang="zh-CN" altLang="en-US"/>
           </a:p>
           <a:p>
             <a:r>
@@ -14326,7 +15169,6 @@
               <a:rPr lang="zh-CN" altLang="en-US"/>
               <a:t>分到另</a:t>
             </a:r>
-            <a:endParaRPr lang="zh-CN" altLang="en-US"/>
           </a:p>
           <a:p>
             <a:r>
@@ -14349,11 +15191,6 @@
               </a:rPr>
               <a:t>binary</a:t>
             </a:r>
-            <a:endParaRPr lang="en-US" altLang="zh-CN">
-              <a:solidFill>
-                <a:srgbClr val="FF0000"/>
-              </a:solidFill>
-            </a:endParaRPr>
           </a:p>
           <a:p>
             <a:r>
@@ -14388,11 +15225,6 @@
               </a:rPr>
               <a:t>&amp;</a:t>
             </a:r>
-            <a:endParaRPr lang="en-US" altLang="zh-CN">
-              <a:solidFill>
-                <a:srgbClr val="FF0000"/>
-              </a:solidFill>
-            </a:endParaRPr>
           </a:p>
           <a:p>
             <a:r>
@@ -14403,11 +15235,6 @@
               </a:rPr>
               <a:t>即可。</a:t>
             </a:r>
-            <a:endParaRPr lang="zh-CN" altLang="en-US">
-              <a:solidFill>
-                <a:srgbClr val="FF0000"/>
-              </a:solidFill>
-            </a:endParaRPr>
           </a:p>
         </p:txBody>
       </p:sp>
@@ -14447,13 +15274,13 @@
         </p:style>
         <p:txBody>
           <a:bodyPr rtlCol="0" anchor="ctr"/>
+          <a:lstStyle/>
           <a:p>
             <a:pPr algn="ctr"/>
             <a:r>
               <a:rPr lang="zh-CN" altLang="en-US" b="1" dirty="0"/>
               <a:t>出现一次的数字</a:t>
             </a:r>
-            <a:endParaRPr lang="zh-CN" altLang="en-US" b="1" dirty="0"/>
           </a:p>
         </p:txBody>
       </p:sp>
@@ -14508,7 +15335,6 @@
               <a:rPr lang="zh-CN" altLang="en-US" sz="6600" b="1" dirty="0"/>
               <a:t>排序</a:t>
             </a:r>
-            <a:endParaRPr lang="zh-CN" altLang="en-US" sz="6600" b="1" dirty="0"/>
           </a:p>
         </p:txBody>
       </p:sp>
@@ -14573,13 +15399,13 @@
         </p:style>
         <p:txBody>
           <a:bodyPr rtlCol="0" anchor="ctr"/>
+          <a:lstStyle/>
           <a:p>
             <a:pPr algn="ctr"/>
             <a:r>
               <a:rPr lang="zh-CN" altLang="zh-CN" dirty="0"/>
               <a:t>快速排序</a:t>
             </a:r>
-            <a:endParaRPr lang="zh-CN" altLang="zh-CN" dirty="0"/>
           </a:p>
         </p:txBody>
       </p:sp>
@@ -14616,13 +15442,13 @@
         </p:style>
         <p:txBody>
           <a:bodyPr rtlCol="0" anchor="ctr"/>
+          <a:lstStyle/>
           <a:p>
             <a:pPr algn="ctr"/>
             <a:r>
               <a:rPr lang="en-US" altLang="zh-CN"/>
               <a:t>3</a:t>
             </a:r>
-            <a:endParaRPr lang="en-US" altLang="zh-CN"/>
           </a:p>
         </p:txBody>
       </p:sp>
@@ -14659,6 +15485,7 @@
         </p:style>
         <p:txBody>
           <a:bodyPr rtlCol="0" anchor="ctr"/>
+          <a:lstStyle/>
           <a:p>
             <a:pPr algn="ctr"/>
             <a:endParaRPr lang="en-US" altLang="zh-CN"/>
@@ -14698,13 +15525,13 @@
         </p:style>
         <p:txBody>
           <a:bodyPr rtlCol="0" anchor="ctr"/>
+          <a:lstStyle/>
           <a:p>
             <a:pPr algn="ctr"/>
             <a:r>
               <a:rPr lang="en-US" altLang="zh-CN"/>
               <a:t>6</a:t>
             </a:r>
-            <a:endParaRPr lang="en-US" altLang="zh-CN"/>
           </a:p>
         </p:txBody>
       </p:sp>
@@ -14741,13 +15568,13 @@
         </p:style>
         <p:txBody>
           <a:bodyPr rtlCol="0" anchor="ctr"/>
+          <a:lstStyle/>
           <a:p>
             <a:pPr algn="ctr"/>
             <a:r>
               <a:rPr lang="en-US" altLang="zh-CN"/>
               <a:t>5</a:t>
             </a:r>
-            <a:endParaRPr lang="en-US" altLang="zh-CN"/>
           </a:p>
         </p:txBody>
       </p:sp>
@@ -14784,13 +15611,13 @@
         </p:style>
         <p:txBody>
           <a:bodyPr rtlCol="0" anchor="ctr"/>
+          <a:lstStyle/>
           <a:p>
             <a:pPr algn="ctr"/>
             <a:r>
               <a:rPr lang="en-US" altLang="zh-CN"/>
               <a:t>8</a:t>
             </a:r>
-            <a:endParaRPr lang="en-US" altLang="zh-CN"/>
           </a:p>
         </p:txBody>
       </p:sp>
@@ -14827,13 +15654,13 @@
         </p:style>
         <p:txBody>
           <a:bodyPr rtlCol="0" anchor="ctr"/>
+          <a:lstStyle/>
           <a:p>
             <a:pPr algn="ctr"/>
             <a:r>
               <a:rPr lang="en-US" altLang="zh-CN"/>
               <a:t>2</a:t>
             </a:r>
-            <a:endParaRPr lang="en-US" altLang="zh-CN"/>
           </a:p>
         </p:txBody>
       </p:sp>
@@ -14870,13 +15697,13 @@
         </p:style>
         <p:txBody>
           <a:bodyPr rtlCol="0" anchor="ctr"/>
+          <a:lstStyle/>
           <a:p>
             <a:pPr algn="ctr"/>
             <a:r>
               <a:rPr lang="en-US" altLang="zh-CN"/>
               <a:t>1</a:t>
             </a:r>
-            <a:endParaRPr lang="en-US" altLang="zh-CN"/>
           </a:p>
         </p:txBody>
       </p:sp>
@@ -14913,13 +15740,13 @@
         </p:style>
         <p:txBody>
           <a:bodyPr rtlCol="0" anchor="ctr"/>
+          <a:lstStyle/>
           <a:p>
             <a:pPr algn="ctr"/>
             <a:r>
               <a:rPr lang="en-US" altLang="zh-CN"/>
               <a:t>4</a:t>
             </a:r>
-            <a:endParaRPr lang="en-US" altLang="zh-CN"/>
           </a:p>
         </p:txBody>
       </p:sp>
@@ -14943,12 +15770,12 @@
           <a:bodyPr wrap="none" rtlCol="0">
             <a:spAutoFit/>
           </a:bodyPr>
+          <a:lstStyle/>
           <a:p>
             <a:r>
               <a:rPr lang="en-US" altLang="zh-CN"/>
               <a:t>pivot</a:t>
             </a:r>
-            <a:endParaRPr lang="en-US" altLang="zh-CN"/>
           </a:p>
         </p:txBody>
       </p:sp>
@@ -14985,6 +15812,7 @@
         </p:style>
         <p:txBody>
           <a:bodyPr rtlCol="0" anchor="ctr"/>
+          <a:lstStyle/>
           <a:p>
             <a:pPr algn="ctr"/>
             <a:endParaRPr lang="zh-CN" altLang="en-US"/>
@@ -15024,6 +15852,7 @@
         </p:style>
         <p:txBody>
           <a:bodyPr rtlCol="0" anchor="ctr"/>
+          <a:lstStyle/>
           <a:p>
             <a:pPr algn="ctr"/>
             <a:endParaRPr lang="zh-CN" altLang="en-US"/>
@@ -15063,6 +15892,7 @@
         </p:style>
         <p:txBody>
           <a:bodyPr rtlCol="0" anchor="ctr"/>
+          <a:lstStyle/>
           <a:p>
             <a:pPr algn="ctr"/>
             <a:endParaRPr lang="zh-CN" altLang="en-US"/>
@@ -15111,6 +15941,7 @@
         </p:style>
         <p:txBody>
           <a:bodyPr rtlCol="0" anchor="ctr"/>
+          <a:lstStyle/>
           <a:p>
             <a:pPr algn="ctr"/>
             <a:endParaRPr lang="zh-CN" altLang="en-US"/>
@@ -15150,13 +15981,13 @@
         </p:style>
         <p:txBody>
           <a:bodyPr rtlCol="0" anchor="ctr"/>
+          <a:lstStyle/>
           <a:p>
             <a:pPr algn="ctr"/>
             <a:r>
               <a:rPr lang="en-US" altLang="zh-CN"/>
               <a:t>3</a:t>
             </a:r>
-            <a:endParaRPr lang="en-US" altLang="zh-CN"/>
           </a:p>
         </p:txBody>
       </p:sp>
@@ -15193,13 +16024,13 @@
         </p:style>
         <p:txBody>
           <a:bodyPr rtlCol="0" anchor="ctr"/>
+          <a:lstStyle/>
           <a:p>
             <a:pPr algn="ctr"/>
             <a:r>
               <a:rPr lang="en-US" altLang="zh-CN"/>
               <a:t>2</a:t>
             </a:r>
-            <a:endParaRPr lang="en-US" altLang="zh-CN"/>
           </a:p>
         </p:txBody>
       </p:sp>
@@ -15236,13 +16067,13 @@
         </p:style>
         <p:txBody>
           <a:bodyPr rtlCol="0" anchor="ctr"/>
+          <a:lstStyle/>
           <a:p>
             <a:pPr algn="ctr"/>
             <a:r>
               <a:rPr lang="en-US" altLang="zh-CN"/>
               <a:t>6</a:t>
             </a:r>
-            <a:endParaRPr lang="en-US" altLang="zh-CN"/>
           </a:p>
         </p:txBody>
       </p:sp>
@@ -15279,13 +16110,13 @@
         </p:style>
         <p:txBody>
           <a:bodyPr rtlCol="0" anchor="ctr"/>
+          <a:lstStyle/>
           <a:p>
             <a:pPr algn="ctr"/>
             <a:r>
               <a:rPr lang="en-US" altLang="zh-CN"/>
               <a:t>5</a:t>
             </a:r>
-            <a:endParaRPr lang="en-US" altLang="zh-CN"/>
           </a:p>
         </p:txBody>
       </p:sp>
@@ -15322,13 +16153,13 @@
         </p:style>
         <p:txBody>
           <a:bodyPr rtlCol="0" anchor="ctr"/>
+          <a:lstStyle/>
           <a:p>
             <a:pPr algn="ctr"/>
             <a:r>
               <a:rPr lang="en-US" altLang="zh-CN"/>
               <a:t>8</a:t>
             </a:r>
-            <a:endParaRPr lang="en-US" altLang="zh-CN"/>
           </a:p>
         </p:txBody>
       </p:sp>
@@ -15365,6 +16196,7 @@
         </p:style>
         <p:txBody>
           <a:bodyPr rtlCol="0" anchor="ctr"/>
+          <a:lstStyle/>
           <a:p>
             <a:pPr algn="ctr"/>
             <a:endParaRPr lang="en-US" altLang="zh-CN"/>
@@ -15404,13 +16236,13 @@
         </p:style>
         <p:txBody>
           <a:bodyPr rtlCol="0" anchor="ctr"/>
+          <a:lstStyle/>
           <a:p>
             <a:pPr algn="ctr"/>
             <a:r>
               <a:rPr lang="en-US" altLang="zh-CN"/>
               <a:t>1</a:t>
             </a:r>
-            <a:endParaRPr lang="en-US" altLang="zh-CN"/>
           </a:p>
         </p:txBody>
       </p:sp>
@@ -15447,6 +16279,7 @@
         </p:style>
         <p:txBody>
           <a:bodyPr rtlCol="0" anchor="ctr"/>
+          <a:lstStyle/>
           <a:p>
             <a:pPr algn="ctr"/>
             <a:endParaRPr lang="zh-CN" altLang="en-US"/>
@@ -15486,6 +16319,7 @@
         </p:style>
         <p:txBody>
           <a:bodyPr rtlCol="0" anchor="ctr"/>
+          <a:lstStyle/>
           <a:p>
             <a:pPr algn="ctr"/>
             <a:endParaRPr lang="zh-CN" altLang="en-US"/>
@@ -15534,6 +16368,7 @@
         </p:style>
         <p:txBody>
           <a:bodyPr rtlCol="0" anchor="ctr"/>
+          <a:lstStyle/>
           <a:p>
             <a:pPr algn="ctr"/>
             <a:endParaRPr lang="zh-CN" altLang="en-US"/>
@@ -15573,6 +16408,7 @@
         </p:style>
         <p:txBody>
           <a:bodyPr rtlCol="0" anchor="ctr"/>
+          <a:lstStyle/>
           <a:p>
             <a:pPr algn="ctr"/>
             <a:endParaRPr lang="zh-CN" altLang="en-US"/>
@@ -15612,13 +16448,13 @@
         </p:style>
         <p:txBody>
           <a:bodyPr rtlCol="0" anchor="ctr"/>
+          <a:lstStyle/>
           <a:p>
             <a:pPr algn="ctr"/>
             <a:r>
               <a:rPr lang="en-US" altLang="zh-CN"/>
               <a:t>3</a:t>
             </a:r>
-            <a:endParaRPr lang="en-US" altLang="zh-CN"/>
           </a:p>
         </p:txBody>
       </p:sp>
@@ -15655,13 +16491,13 @@
         </p:style>
         <p:txBody>
           <a:bodyPr rtlCol="0" anchor="ctr"/>
+          <a:lstStyle/>
           <a:p>
             <a:pPr algn="ctr"/>
             <a:r>
               <a:rPr lang="en-US" altLang="zh-CN"/>
               <a:t>2</a:t>
             </a:r>
-            <a:endParaRPr lang="en-US" altLang="zh-CN"/>
           </a:p>
         </p:txBody>
       </p:sp>
@@ -15698,6 +16534,7 @@
         </p:style>
         <p:txBody>
           <a:bodyPr rtlCol="0" anchor="ctr"/>
+          <a:lstStyle/>
           <a:p>
             <a:pPr algn="ctr"/>
             <a:endParaRPr lang="en-US" altLang="zh-CN"/>
@@ -15737,13 +16574,13 @@
         </p:style>
         <p:txBody>
           <a:bodyPr rtlCol="0" anchor="ctr"/>
+          <a:lstStyle/>
           <a:p>
             <a:pPr algn="ctr"/>
             <a:r>
               <a:rPr lang="en-US" altLang="zh-CN"/>
               <a:t>5</a:t>
             </a:r>
-            <a:endParaRPr lang="en-US" altLang="zh-CN"/>
           </a:p>
         </p:txBody>
       </p:sp>
@@ -15780,13 +16617,13 @@
         </p:style>
         <p:txBody>
           <a:bodyPr rtlCol="0" anchor="ctr"/>
+          <a:lstStyle/>
           <a:p>
             <a:pPr algn="ctr"/>
             <a:r>
               <a:rPr lang="en-US" altLang="zh-CN"/>
               <a:t>8</a:t>
             </a:r>
-            <a:endParaRPr lang="en-US" altLang="zh-CN"/>
           </a:p>
         </p:txBody>
       </p:sp>
@@ -15823,13 +16660,13 @@
         </p:style>
         <p:txBody>
           <a:bodyPr rtlCol="0" anchor="ctr"/>
+          <a:lstStyle/>
           <a:p>
             <a:pPr algn="ctr"/>
             <a:r>
               <a:rPr lang="en-US" altLang="zh-CN"/>
               <a:t>6</a:t>
             </a:r>
-            <a:endParaRPr lang="en-US" altLang="zh-CN"/>
           </a:p>
         </p:txBody>
       </p:sp>
@@ -15866,13 +16703,13 @@
         </p:style>
         <p:txBody>
           <a:bodyPr rtlCol="0" anchor="ctr"/>
+          <a:lstStyle/>
           <a:p>
             <a:pPr algn="ctr"/>
             <a:r>
               <a:rPr lang="en-US" altLang="zh-CN"/>
               <a:t>1</a:t>
             </a:r>
-            <a:endParaRPr lang="en-US" altLang="zh-CN"/>
           </a:p>
         </p:txBody>
       </p:sp>
@@ -15909,6 +16746,7 @@
         </p:style>
         <p:txBody>
           <a:bodyPr rtlCol="0" anchor="ctr"/>
+          <a:lstStyle/>
           <a:p>
             <a:pPr algn="ctr"/>
             <a:endParaRPr lang="zh-CN" altLang="en-US"/>
@@ -15948,13 +16786,13 @@
         </p:style>
         <p:txBody>
           <a:bodyPr rtlCol="0" anchor="ctr"/>
+          <a:lstStyle/>
           <a:p>
             <a:pPr algn="ctr"/>
             <a:r>
               <a:rPr lang="en-US" altLang="zh-CN"/>
               <a:t>3</a:t>
             </a:r>
-            <a:endParaRPr lang="en-US" altLang="zh-CN"/>
           </a:p>
         </p:txBody>
       </p:sp>
@@ -15991,13 +16829,13 @@
         </p:style>
         <p:txBody>
           <a:bodyPr rtlCol="0" anchor="ctr"/>
+          <a:lstStyle/>
           <a:p>
             <a:pPr algn="ctr"/>
             <a:r>
               <a:rPr lang="en-US" altLang="zh-CN"/>
               <a:t>2</a:t>
             </a:r>
-            <a:endParaRPr lang="en-US" altLang="zh-CN"/>
           </a:p>
         </p:txBody>
       </p:sp>
@@ -16034,6 +16872,7 @@
         </p:style>
         <p:txBody>
           <a:bodyPr rtlCol="0" anchor="ctr"/>
+          <a:lstStyle/>
           <a:p>
             <a:pPr algn="ctr"/>
             <a:endParaRPr lang="en-US" altLang="zh-CN"/>
@@ -16073,13 +16912,13 @@
         </p:style>
         <p:txBody>
           <a:bodyPr rtlCol="0" anchor="ctr"/>
+          <a:lstStyle/>
           <a:p>
             <a:pPr algn="ctr"/>
             <a:r>
               <a:rPr lang="en-US" altLang="zh-CN"/>
               <a:t>5</a:t>
             </a:r>
-            <a:endParaRPr lang="en-US" altLang="zh-CN"/>
           </a:p>
         </p:txBody>
       </p:sp>
@@ -16116,13 +16955,13 @@
         </p:style>
         <p:txBody>
           <a:bodyPr rtlCol="0" anchor="ctr"/>
+          <a:lstStyle/>
           <a:p>
             <a:pPr algn="ctr"/>
             <a:r>
               <a:rPr lang="en-US" altLang="zh-CN"/>
               <a:t>8</a:t>
             </a:r>
-            <a:endParaRPr lang="en-US" altLang="zh-CN"/>
           </a:p>
         </p:txBody>
       </p:sp>
@@ -16159,13 +16998,13 @@
         </p:style>
         <p:txBody>
           <a:bodyPr rtlCol="0" anchor="ctr"/>
+          <a:lstStyle/>
           <a:p>
             <a:pPr algn="ctr"/>
             <a:r>
               <a:rPr lang="en-US" altLang="zh-CN"/>
               <a:t>6</a:t>
             </a:r>
-            <a:endParaRPr lang="en-US" altLang="zh-CN"/>
           </a:p>
         </p:txBody>
       </p:sp>
@@ -16202,13 +17041,13 @@
         </p:style>
         <p:txBody>
           <a:bodyPr rtlCol="0" anchor="ctr"/>
+          <a:lstStyle/>
           <a:p>
             <a:pPr algn="ctr"/>
             <a:r>
               <a:rPr lang="en-US" altLang="zh-CN"/>
               <a:t>1</a:t>
             </a:r>
-            <a:endParaRPr lang="en-US" altLang="zh-CN"/>
           </a:p>
         </p:txBody>
       </p:sp>
@@ -16272,6 +17111,7 @@
           <a:bodyPr wrap="none" rtlCol="0">
             <a:spAutoFit/>
           </a:bodyPr>
+          <a:lstStyle/>
           <a:p>
             <a:r>
               <a:rPr lang="zh-CN" altLang="zh-CN"/>
@@ -16285,14 +17125,12 @@
               <a:rPr lang="zh-CN" altLang="en-US"/>
               <a:t>结束</a:t>
             </a:r>
-            <a:endParaRPr lang="zh-CN" altLang="en-US"/>
           </a:p>
           <a:p>
             <a:r>
               <a:rPr lang="zh-CN" altLang="en-US"/>
               <a:t>两个指针相遇</a:t>
             </a:r>
-            <a:endParaRPr lang="zh-CN" altLang="en-US"/>
           </a:p>
           <a:p>
             <a:r>
@@ -16307,14 +17145,12 @@
               <a:rPr lang="zh-CN" altLang="en-US"/>
               <a:t>，放到</a:t>
             </a:r>
-            <a:endParaRPr lang="zh-CN" altLang="en-US"/>
           </a:p>
           <a:p>
             <a:r>
               <a:rPr lang="zh-CN" altLang="en-US"/>
               <a:t>指针停止的位置</a:t>
             </a:r>
-            <a:endParaRPr lang="zh-CN" altLang="en-US"/>
           </a:p>
         </p:txBody>
       </p:sp>
@@ -16379,13 +17215,13 @@
         </p:style>
         <p:txBody>
           <a:bodyPr rtlCol="0" anchor="ctr"/>
+          <a:lstStyle/>
           <a:p>
             <a:pPr algn="ctr"/>
             <a:r>
               <a:rPr lang="zh-CN" altLang="zh-CN" dirty="0"/>
               <a:t>归并排序</a:t>
             </a:r>
-            <a:endParaRPr lang="zh-CN" altLang="zh-CN" dirty="0"/>
           </a:p>
         </p:txBody>
       </p:sp>
@@ -16422,13 +17258,13 @@
         </p:style>
         <p:txBody>
           <a:bodyPr rtlCol="0" anchor="ctr"/>
+          <a:lstStyle/>
           <a:p>
             <a:pPr algn="ctr"/>
             <a:r>
               <a:rPr lang="en-US" altLang="zh-CN"/>
               <a:t>3</a:t>
             </a:r>
-            <a:endParaRPr lang="en-US" altLang="zh-CN"/>
           </a:p>
         </p:txBody>
       </p:sp>
@@ -16465,13 +17301,13 @@
         </p:style>
         <p:txBody>
           <a:bodyPr rtlCol="0" anchor="ctr"/>
+          <a:lstStyle/>
           <a:p>
             <a:pPr algn="ctr"/>
             <a:r>
               <a:rPr lang="en-US" altLang="zh-CN"/>
               <a:t>4</a:t>
             </a:r>
-            <a:endParaRPr lang="en-US" altLang="zh-CN"/>
           </a:p>
         </p:txBody>
       </p:sp>
@@ -16508,13 +17344,13 @@
         </p:style>
         <p:txBody>
           <a:bodyPr rtlCol="0" anchor="ctr"/>
+          <a:lstStyle/>
           <a:p>
             <a:pPr algn="ctr"/>
             <a:r>
               <a:rPr lang="en-US" altLang="zh-CN"/>
               <a:t>6</a:t>
             </a:r>
-            <a:endParaRPr lang="en-US" altLang="zh-CN"/>
           </a:p>
         </p:txBody>
       </p:sp>
@@ -16551,6 +17387,7 @@
         </p:style>
         <p:txBody>
           <a:bodyPr rtlCol="0" anchor="ctr"/>
+          <a:lstStyle/>
           <a:p>
             <a:pPr algn="ctr"/>
             <a:r>
@@ -16571,21 +17408,6 @@
               </a:rPr>
               <a:t>2</a:t>
             </a:r>
-            <a:endParaRPr lang="en-US" altLang="zh-CN">
-              <a:ln w="22225">
-                <a:solidFill>
-                  <a:schemeClr val="accent2"/>
-                </a:solidFill>
-                <a:prstDash val="solid"/>
-              </a:ln>
-              <a:solidFill>
-                <a:schemeClr val="accent2">
-                  <a:lumMod val="40000"/>
-                  <a:lumOff val="60000"/>
-                </a:schemeClr>
-              </a:solidFill>
-              <a:effectLst/>
-            </a:endParaRPr>
           </a:p>
         </p:txBody>
       </p:sp>
@@ -16622,13 +17444,13 @@
         </p:style>
         <p:txBody>
           <a:bodyPr rtlCol="0" anchor="ctr"/>
+          <a:lstStyle/>
           <a:p>
             <a:pPr algn="ctr"/>
             <a:r>
               <a:rPr lang="en-US" altLang="zh-CN"/>
               <a:t>5</a:t>
             </a:r>
-            <a:endParaRPr lang="en-US" altLang="zh-CN"/>
           </a:p>
         </p:txBody>
       </p:sp>
@@ -16665,13 +17487,13 @@
         </p:style>
         <p:txBody>
           <a:bodyPr rtlCol="0" anchor="ctr"/>
+          <a:lstStyle/>
           <a:p>
             <a:pPr algn="ctr"/>
             <a:r>
               <a:rPr lang="en-US" altLang="zh-CN"/>
               <a:t>8</a:t>
             </a:r>
-            <a:endParaRPr lang="en-US" altLang="zh-CN"/>
           </a:p>
         </p:txBody>
       </p:sp>
@@ -16708,13 +17530,13 @@
         </p:style>
         <p:txBody>
           <a:bodyPr rtlCol="0" anchor="ctr"/>
+          <a:lstStyle/>
           <a:p>
             <a:pPr algn="ctr"/>
             <a:r>
               <a:rPr lang="en-US" altLang="zh-CN"/>
               <a:t>2</a:t>
             </a:r>
-            <a:endParaRPr lang="en-US" altLang="zh-CN"/>
           </a:p>
         </p:txBody>
       </p:sp>
@@ -16751,6 +17573,7 @@
         </p:style>
         <p:txBody>
           <a:bodyPr rtlCol="0" anchor="ctr"/>
+          <a:lstStyle/>
           <a:p>
             <a:pPr algn="ctr"/>
             <a:endParaRPr lang="en-US" altLang="zh-CN"/>
@@ -16790,6 +17613,7 @@
         </p:style>
         <p:txBody>
           <a:bodyPr rtlCol="0" anchor="ctr"/>
+          <a:lstStyle/>
           <a:p>
             <a:pPr algn="ctr"/>
             <a:endParaRPr lang="en-US" altLang="zh-CN"/>
@@ -16829,6 +17653,7 @@
         </p:style>
         <p:txBody>
           <a:bodyPr rtlCol="0" anchor="ctr"/>
+          <a:lstStyle/>
           <a:p>
             <a:pPr algn="ctr"/>
             <a:endParaRPr lang="en-US" altLang="zh-CN"/>
@@ -16868,6 +17693,7 @@
         </p:style>
         <p:txBody>
           <a:bodyPr rtlCol="0" anchor="ctr"/>
+          <a:lstStyle/>
           <a:p>
             <a:pPr algn="ctr"/>
             <a:endParaRPr lang="en-US" altLang="zh-CN"/>
@@ -16907,6 +17733,7 @@
         </p:style>
         <p:txBody>
           <a:bodyPr rtlCol="0" anchor="ctr"/>
+          <a:lstStyle/>
           <a:p>
             <a:pPr algn="ctr"/>
             <a:endParaRPr lang="en-US" altLang="zh-CN"/>
@@ -16933,6 +17760,7 @@
           <a:bodyPr wrap="square" rtlCol="0">
             <a:spAutoFit/>
           </a:bodyPr>
+          <a:lstStyle/>
           <a:p>
             <a:r>
               <a:rPr lang="zh-CN" altLang="en-US" sz="1200"/>
@@ -16942,7 +17770,6 @@
               <a:rPr lang="en-US" altLang="zh-CN" sz="1200"/>
               <a:t>1</a:t>
             </a:r>
-            <a:endParaRPr lang="en-US" altLang="zh-CN" sz="1200"/>
           </a:p>
         </p:txBody>
       </p:sp>
@@ -16966,6 +17793,7 @@
           <a:bodyPr wrap="square" rtlCol="0">
             <a:spAutoFit/>
           </a:bodyPr>
+          <a:lstStyle/>
           <a:p>
             <a:r>
               <a:rPr lang="zh-CN" altLang="en-US" sz="1200"/>
@@ -16975,7 +17803,6 @@
               <a:rPr lang="en-US" altLang="zh-CN" sz="1200"/>
               <a:t>2</a:t>
             </a:r>
-            <a:endParaRPr lang="en-US" altLang="zh-CN" sz="1200"/>
           </a:p>
         </p:txBody>
       </p:sp>
@@ -16999,6 +17826,7 @@
           <a:bodyPr wrap="square" rtlCol="0">
             <a:spAutoFit/>
           </a:bodyPr>
+          <a:lstStyle/>
           <a:p>
             <a:r>
               <a:rPr lang="zh-CN" altLang="en-US" sz="1200"/>
@@ -17008,7 +17836,6 @@
               <a:rPr lang="en-US" altLang="zh-CN" sz="1200"/>
               <a:t>3</a:t>
             </a:r>
-            <a:endParaRPr lang="en-US" altLang="zh-CN" sz="1200"/>
           </a:p>
         </p:txBody>
       </p:sp>
@@ -17117,6 +17944,7 @@
         </p:style>
         <p:txBody>
           <a:bodyPr rtlCol="0" anchor="ctr"/>
+          <a:lstStyle/>
           <a:p>
             <a:pPr algn="ctr"/>
             <a:r>
@@ -17137,21 +17965,6 @@
               </a:rPr>
               <a:t>3</a:t>
             </a:r>
-            <a:endParaRPr lang="en-US" altLang="zh-CN">
-              <a:ln w="22225">
-                <a:solidFill>
-                  <a:schemeClr val="accent2"/>
-                </a:solidFill>
-                <a:prstDash val="solid"/>
-              </a:ln>
-              <a:solidFill>
-                <a:schemeClr val="accent2">
-                  <a:lumMod val="40000"/>
-                  <a:lumOff val="60000"/>
-                </a:schemeClr>
-              </a:solidFill>
-              <a:effectLst/>
-            </a:endParaRPr>
           </a:p>
         </p:txBody>
       </p:sp>
@@ -17188,13 +18001,13 @@
         </p:style>
         <p:txBody>
           <a:bodyPr rtlCol="0" anchor="ctr"/>
+          <a:lstStyle/>
           <a:p>
             <a:pPr algn="ctr"/>
             <a:r>
               <a:rPr lang="en-US" altLang="zh-CN"/>
               <a:t>4</a:t>
             </a:r>
-            <a:endParaRPr lang="en-US" altLang="zh-CN"/>
           </a:p>
         </p:txBody>
       </p:sp>
@@ -17231,13 +18044,13 @@
         </p:style>
         <p:txBody>
           <a:bodyPr rtlCol="0" anchor="ctr"/>
+          <a:lstStyle/>
           <a:p>
             <a:pPr algn="ctr"/>
             <a:r>
               <a:rPr lang="en-US" altLang="zh-CN"/>
               <a:t>6</a:t>
             </a:r>
-            <a:endParaRPr lang="en-US" altLang="zh-CN"/>
           </a:p>
         </p:txBody>
       </p:sp>
@@ -17274,6 +18087,7 @@
         </p:style>
         <p:txBody>
           <a:bodyPr rtlCol="0" anchor="ctr"/>
+          <a:lstStyle/>
           <a:p>
             <a:pPr algn="ctr"/>
             <a:r>
@@ -17294,21 +18108,6 @@
               </a:rPr>
               <a:t>2</a:t>
             </a:r>
-            <a:endParaRPr lang="en-US" altLang="zh-CN">
-              <a:ln w="22225">
-                <a:solidFill>
-                  <a:schemeClr val="accent2"/>
-                </a:solidFill>
-                <a:prstDash val="solid"/>
-              </a:ln>
-              <a:solidFill>
-                <a:schemeClr val="accent2">
-                  <a:lumMod val="40000"/>
-                  <a:lumOff val="60000"/>
-                </a:schemeClr>
-              </a:solidFill>
-              <a:effectLst/>
-            </a:endParaRPr>
           </a:p>
         </p:txBody>
       </p:sp>
@@ -17345,13 +18144,13 @@
         </p:style>
         <p:txBody>
           <a:bodyPr rtlCol="0" anchor="ctr"/>
+          <a:lstStyle/>
           <a:p>
             <a:pPr algn="ctr"/>
             <a:r>
               <a:rPr lang="en-US" altLang="zh-CN"/>
               <a:t>5</a:t>
             </a:r>
-            <a:endParaRPr lang="en-US" altLang="zh-CN"/>
           </a:p>
         </p:txBody>
       </p:sp>
@@ -17388,13 +18187,13 @@
         </p:style>
         <p:txBody>
           <a:bodyPr rtlCol="0" anchor="ctr"/>
+          <a:lstStyle/>
           <a:p>
             <a:pPr algn="ctr"/>
             <a:r>
               <a:rPr lang="en-US" altLang="zh-CN"/>
               <a:t>8</a:t>
             </a:r>
-            <a:endParaRPr lang="en-US" altLang="zh-CN"/>
           </a:p>
         </p:txBody>
       </p:sp>
@@ -17431,6 +18230,7 @@
         </p:style>
         <p:txBody>
           <a:bodyPr rtlCol="0" anchor="ctr"/>
+          <a:lstStyle/>
           <a:p>
             <a:pPr algn="ctr"/>
             <a:r>
@@ -17451,21 +18251,6 @@
               </a:rPr>
               <a:t>2</a:t>
             </a:r>
-            <a:endParaRPr lang="en-US" altLang="zh-CN">
-              <a:ln w="22225">
-                <a:solidFill>
-                  <a:schemeClr val="accent2"/>
-                </a:solidFill>
-                <a:prstDash val="solid"/>
-              </a:ln>
-              <a:solidFill>
-                <a:schemeClr val="accent2">
-                  <a:lumMod val="40000"/>
-                  <a:lumOff val="60000"/>
-                </a:schemeClr>
-              </a:solidFill>
-              <a:effectLst/>
-            </a:endParaRPr>
           </a:p>
         </p:txBody>
       </p:sp>
@@ -17502,13 +18287,13 @@
         </p:style>
         <p:txBody>
           <a:bodyPr rtlCol="0" anchor="ctr"/>
+          <a:lstStyle/>
           <a:p>
             <a:pPr algn="ctr"/>
             <a:r>
               <a:rPr lang="en-US" altLang="zh-CN"/>
               <a:t>3</a:t>
             </a:r>
-            <a:endParaRPr lang="en-US" altLang="zh-CN"/>
           </a:p>
         </p:txBody>
       </p:sp>
@@ -17545,6 +18330,7 @@
         </p:style>
         <p:txBody>
           <a:bodyPr rtlCol="0" anchor="ctr"/>
+          <a:lstStyle/>
           <a:p>
             <a:pPr algn="ctr"/>
             <a:endParaRPr lang="en-US" altLang="zh-CN"/>
@@ -17584,6 +18370,7 @@
         </p:style>
         <p:txBody>
           <a:bodyPr rtlCol="0" anchor="ctr"/>
+          <a:lstStyle/>
           <a:p>
             <a:pPr algn="ctr"/>
             <a:endParaRPr lang="en-US" altLang="zh-CN"/>
@@ -17623,6 +18410,7 @@
         </p:style>
         <p:txBody>
           <a:bodyPr rtlCol="0" anchor="ctr"/>
+          <a:lstStyle/>
           <a:p>
             <a:pPr algn="ctr"/>
             <a:endParaRPr lang="en-US" altLang="zh-CN"/>
@@ -17662,6 +18450,7 @@
         </p:style>
         <p:txBody>
           <a:bodyPr rtlCol="0" anchor="ctr"/>
+          <a:lstStyle/>
           <a:p>
             <a:pPr algn="ctr"/>
             <a:endParaRPr lang="en-US" altLang="zh-CN"/>
@@ -17688,6 +18477,7 @@
           <a:bodyPr wrap="square" rtlCol="0">
             <a:spAutoFit/>
           </a:bodyPr>
+          <a:lstStyle/>
           <a:p>
             <a:r>
               <a:rPr lang="zh-CN" altLang="en-US" sz="1200"/>
@@ -17697,7 +18487,6 @@
               <a:rPr lang="en-US" altLang="zh-CN" sz="1200"/>
               <a:t>1</a:t>
             </a:r>
-            <a:endParaRPr lang="en-US" altLang="zh-CN" sz="1200"/>
           </a:p>
         </p:txBody>
       </p:sp>
@@ -17721,6 +18510,7 @@
           <a:bodyPr wrap="square" rtlCol="0">
             <a:spAutoFit/>
           </a:bodyPr>
+          <a:lstStyle/>
           <a:p>
             <a:r>
               <a:rPr lang="zh-CN" altLang="en-US" sz="1200"/>
@@ -17730,7 +18520,6 @@
               <a:rPr lang="en-US" altLang="zh-CN" sz="1200"/>
               <a:t>2</a:t>
             </a:r>
-            <a:endParaRPr lang="en-US" altLang="zh-CN" sz="1200"/>
           </a:p>
         </p:txBody>
       </p:sp>
@@ -17754,6 +18543,7 @@
           <a:bodyPr wrap="square" rtlCol="0">
             <a:spAutoFit/>
           </a:bodyPr>
+          <a:lstStyle/>
           <a:p>
             <a:r>
               <a:rPr lang="zh-CN" altLang="en-US" sz="1200"/>
@@ -17763,7 +18553,6 @@
               <a:rPr lang="en-US" altLang="zh-CN" sz="1200"/>
               <a:t>3</a:t>
             </a:r>
-            <a:endParaRPr lang="en-US" altLang="zh-CN" sz="1200"/>
           </a:p>
         </p:txBody>
       </p:sp>
@@ -17882,6 +18671,7 @@
         </p:style>
         <p:txBody>
           <a:bodyPr rtlCol="0" anchor="ctr"/>
+          <a:lstStyle/>
           <a:p>
             <a:pPr algn="ctr"/>
             <a:endParaRPr lang="zh-CN" altLang="en-US"/>
@@ -17930,6 +18720,7 @@
         </p:style>
         <p:txBody>
           <a:bodyPr rtlCol="0" anchor="ctr"/>
+          <a:lstStyle/>
           <a:p>
             <a:pPr algn="ctr"/>
             <a:endParaRPr lang="zh-CN" altLang="en-US"/>
@@ -17969,13 +18760,13 @@
         </p:style>
         <p:txBody>
           <a:bodyPr rtlCol="0" anchor="ctr"/>
+          <a:lstStyle/>
           <a:p>
             <a:pPr algn="ctr"/>
             <a:r>
               <a:rPr lang="en-US" altLang="zh-CN"/>
               <a:t>1</a:t>
             </a:r>
-            <a:endParaRPr lang="en-US" altLang="zh-CN"/>
           </a:p>
         </p:txBody>
       </p:sp>
@@ -18012,13 +18803,13 @@
         </p:style>
         <p:txBody>
           <a:bodyPr rtlCol="0" anchor="ctr"/>
+          <a:lstStyle/>
           <a:p>
             <a:pPr algn="ctr"/>
             <a:r>
               <a:rPr lang="en-US" altLang="zh-CN"/>
               <a:t>1</a:t>
             </a:r>
-            <a:endParaRPr lang="en-US" altLang="zh-CN"/>
           </a:p>
         </p:txBody>
       </p:sp>
@@ -18055,13 +18846,13 @@
         </p:style>
         <p:txBody>
           <a:bodyPr rtlCol="0" anchor="ctr"/>
+          <a:lstStyle/>
           <a:p>
             <a:pPr algn="ctr"/>
             <a:r>
               <a:rPr lang="en-US" altLang="zh-CN"/>
               <a:t>1</a:t>
             </a:r>
-            <a:endParaRPr lang="en-US" altLang="zh-CN"/>
           </a:p>
         </p:txBody>
       </p:sp>
@@ -18098,13 +18889,13 @@
         </p:style>
         <p:txBody>
           <a:bodyPr rtlCol="0" anchor="ctr"/>
+          <a:lstStyle/>
           <a:p>
             <a:pPr algn="ctr"/>
             <a:r>
               <a:rPr lang="en-US" altLang="zh-CN"/>
               <a:t>1</a:t>
             </a:r>
-            <a:endParaRPr lang="en-US" altLang="zh-CN"/>
           </a:p>
         </p:txBody>
       </p:sp>
@@ -18128,6 +18919,7 @@
           <a:bodyPr wrap="none" rtlCol="0">
             <a:spAutoFit/>
           </a:bodyPr>
+          <a:lstStyle/>
           <a:p>
             <a:r>
               <a:rPr lang="zh-CN" altLang="en-US"/>
@@ -18141,7 +18933,6 @@
               <a:rPr lang="zh-CN" altLang="en-US"/>
               <a:t>的时候，指向</a:t>
             </a:r>
-            <a:endParaRPr lang="zh-CN" altLang="en-US"/>
           </a:p>
           <a:p>
             <a:r>
@@ -18154,17 +18945,12 @@
             </a:r>
             <a:r>
               <a:rPr lang="zh-CN" altLang="en-US"/>
-              <a:t>的</a:t>
-            </a:r>
-            <a:r>
-              <a:rPr lang="zh-CN" altLang="en-US"/>
-              <a:t>指针从需要</a:t>
+              <a:t>的指针从需要</a:t>
             </a:r>
             <a:r>
               <a:rPr lang="en-US" altLang="zh-CN"/>
               <a:t>merge</a:t>
             </a:r>
-            <a:endParaRPr lang="en-US" altLang="zh-CN"/>
           </a:p>
           <a:p>
             <a:r>
@@ -18179,7 +18965,6 @@
               <a:rPr lang="zh-CN" altLang="en-US"/>
               <a:t>开始</a:t>
             </a:r>
-            <a:endParaRPr lang="zh-CN" altLang="en-US"/>
           </a:p>
         </p:txBody>
       </p:sp>
@@ -18225,6 +19010,7 @@
         </p:style>
         <p:txBody>
           <a:bodyPr rtlCol="0" anchor="ctr"/>
+          <a:lstStyle/>
           <a:p>
             <a:pPr algn="ctr"/>
             <a:endParaRPr lang="zh-CN" altLang="en-US"/>
@@ -18273,6 +19059,7 @@
         </p:style>
         <p:txBody>
           <a:bodyPr rtlCol="0" anchor="ctr"/>
+          <a:lstStyle/>
           <a:p>
             <a:pPr algn="ctr"/>
             <a:endParaRPr lang="zh-CN" altLang="en-US"/>
@@ -18330,7 +19117,6 @@
               <a:rPr lang="zh-CN" altLang="en-US" sz="6600" b="1" dirty="0"/>
               <a:t>二叉树</a:t>
             </a:r>
-            <a:endParaRPr lang="zh-CN" altLang="en-US" sz="6600" b="1" dirty="0"/>
           </a:p>
         </p:txBody>
       </p:sp>
@@ -18391,13 +19177,13 @@
         </p:style>
         <p:txBody>
           <a:bodyPr rtlCol="0" anchor="ctr"/>
+          <a:lstStyle/>
           <a:p>
             <a:pPr algn="ctr"/>
             <a:r>
               <a:rPr lang="zh-CN" altLang="en-US" dirty="0"/>
               <a:t>序列化</a:t>
             </a:r>
-            <a:endParaRPr lang="zh-CN" altLang="en-US" dirty="0"/>
           </a:p>
         </p:txBody>
       </p:sp>
@@ -18410,7 +19196,7 @@
           <p:nvPr/>
         </p:nvPicPr>
         <p:blipFill>
-          <a:blip r:embed="rId1"/>
+          <a:blip r:embed="rId2"/>
           <a:stretch>
             <a:fillRect/>
           </a:stretch>
@@ -18482,13 +19268,13 @@
         </p:style>
         <p:txBody>
           <a:bodyPr rtlCol="0" anchor="ctr"/>
+          <a:lstStyle/>
           <a:p>
             <a:pPr algn="ctr"/>
             <a:r>
               <a:rPr lang="zh-CN" altLang="en-US" dirty="0"/>
               <a:t>逆序列化</a:t>
             </a:r>
-            <a:endParaRPr lang="zh-CN" altLang="en-US" dirty="0"/>
           </a:p>
         </p:txBody>
       </p:sp>
@@ -18505,7 +19291,7 @@
           </p:nvPr>
         </p:nvPicPr>
         <p:blipFill>
-          <a:blip r:embed="rId2"/>
+          <a:blip r:embed="rId3"/>
           <a:stretch>
             <a:fillRect/>
           </a:stretch>
@@ -18577,13 +19363,13 @@
         </p:style>
         <p:txBody>
           <a:bodyPr rtlCol="0" anchor="ctr"/>
+          <a:lstStyle/>
           <a:p>
             <a:pPr algn="ctr"/>
             <a:r>
               <a:rPr lang="zh-CN" altLang="en-US" dirty="0"/>
               <a:t>逆序列化</a:t>
             </a:r>
-            <a:endParaRPr lang="zh-CN" altLang="en-US" dirty="0"/>
           </a:p>
         </p:txBody>
       </p:sp>
@@ -18596,7 +19382,7 @@
           <p:nvPr/>
         </p:nvPicPr>
         <p:blipFill>
-          <a:blip r:embed="rId1"/>
+          <a:blip r:embed="rId2"/>
           <a:stretch>
             <a:fillRect/>
           </a:stretch>
@@ -18620,7 +19406,7 @@
 </file>
 
 <file path=ppt/tags/tag1.xml><?xml version="1.0" encoding="utf-8"?>
-<p:tagLst xmlns:p="http://schemas.openxmlformats.org/presentationml/2006/main">
+<p:tagLst xmlns:a="http://schemas.openxmlformats.org/drawingml/2006/main" xmlns:r="http://schemas.openxmlformats.org/officeDocument/2006/relationships" xmlns:p="http://schemas.openxmlformats.org/presentationml/2006/main">
   <p:tag name="KSO_WM_UNIT_PLACING_PICTURE_USER_VIEWPORT" val="{&quot;height&quot;:8160,&quot;width&quot;:5925}"/>
 </p:tagLst>
 </file>
@@ -18903,9 +19689,11 @@
       </a:bgFillStyleLst>
     </a:fmtScheme>
   </a:themeElements>
+  <a:objectDefaults/>
+  <a:extraClrSchemeLst/>
   <a:extLst>
     <a:ext uri="{05A4C25C-085E-4340-85A3-A5531E510DB2}">
-      <thm15:themeFamily xmlns:thm15="http://schemas.microsoft.com/office/thememl/2012/main" name="Office Theme" id="{62F939B6-93AF-4DB8-9C6B-D6C7DFDC589F}" vid="{4A3C46E8-61CC-4603-A589-7422A47A8E4A}"/>
+      <thm15:themeFamily xmlns:thm15="http://schemas.microsoft.com/office/thememl/2012/main" xmlns="" name="Office Theme" id="{62F939B6-93AF-4DB8-9C6B-D6C7DFDC589F}" vid="{4A3C46E8-61CC-4603-A589-7422A47A8E4A}"/>
     </a:ext>
   </a:extLst>
 </a:theme>

--- a/第2遍/数据结构与算法.pptx
+++ b/第2遍/数据结构与算法.pptx
@@ -5,31 +5,38 @@
     <p:sldMasterId id="2147483648" r:id="rId1"/>
   </p:sldMasterIdLst>
   <p:sldIdLst>
-    <p:sldId id="287" r:id="rId2"/>
-    <p:sldId id="273" r:id="rId3"/>
-    <p:sldId id="288" r:id="rId4"/>
-    <p:sldId id="289" r:id="rId5"/>
-    <p:sldId id="291" r:id="rId6"/>
-    <p:sldId id="272" r:id="rId7"/>
-    <p:sldId id="269" r:id="rId8"/>
-    <p:sldId id="270" r:id="rId9"/>
-    <p:sldId id="271" r:id="rId10"/>
-    <p:sldId id="292" r:id="rId11"/>
-    <p:sldId id="293" r:id="rId12"/>
-    <p:sldId id="294" r:id="rId13"/>
-    <p:sldId id="268" r:id="rId14"/>
-    <p:sldId id="259" r:id="rId15"/>
-    <p:sldId id="257" r:id="rId16"/>
-    <p:sldId id="260" r:id="rId17"/>
-    <p:sldId id="295" r:id="rId18"/>
-    <p:sldId id="298" r:id="rId19"/>
-    <p:sldId id="296" r:id="rId20"/>
-    <p:sldId id="258" r:id="rId21"/>
-    <p:sldId id="261" r:id="rId22"/>
-    <p:sldId id="264" r:id="rId23"/>
-    <p:sldId id="297" r:id="rId24"/>
-    <p:sldId id="266" r:id="rId25"/>
-    <p:sldId id="265" r:id="rId26"/>
+    <p:sldId id="287" r:id="rId3"/>
+    <p:sldId id="273" r:id="rId4"/>
+    <p:sldId id="288" r:id="rId5"/>
+    <p:sldId id="289" r:id="rId6"/>
+    <p:sldId id="291" r:id="rId7"/>
+    <p:sldId id="272" r:id="rId8"/>
+    <p:sldId id="269" r:id="rId9"/>
+    <p:sldId id="270" r:id="rId10"/>
+    <p:sldId id="271" r:id="rId11"/>
+    <p:sldId id="292" r:id="rId12"/>
+    <p:sldId id="293" r:id="rId13"/>
+    <p:sldId id="294" r:id="rId14"/>
+    <p:sldId id="268" r:id="rId15"/>
+    <p:sldId id="259" r:id="rId16"/>
+    <p:sldId id="257" r:id="rId17"/>
+    <p:sldId id="260" r:id="rId18"/>
+    <p:sldId id="295" r:id="rId19"/>
+    <p:sldId id="298" r:id="rId20"/>
+    <p:sldId id="296" r:id="rId21"/>
+    <p:sldId id="258" r:id="rId22"/>
+    <p:sldId id="312" r:id="rId23"/>
+    <p:sldId id="261" r:id="rId24"/>
+    <p:sldId id="264" r:id="rId25"/>
+    <p:sldId id="297" r:id="rId26"/>
+    <p:sldId id="266" r:id="rId27"/>
+    <p:sldId id="265" r:id="rId28"/>
+    <p:sldId id="318" r:id="rId29"/>
+    <p:sldId id="319" r:id="rId30"/>
+    <p:sldId id="323" r:id="rId31"/>
+    <p:sldId id="320" r:id="rId32"/>
+    <p:sldId id="321" r:id="rId33"/>
+    <p:sldId id="322" r:id="rId34"/>
   </p:sldIdLst>
   <p:sldSz cx="9144000" cy="6858000" type="screen4x3"/>
   <p:notesSz cx="6858000" cy="9144000"/>
@@ -312,8 +319,6 @@
           <a:p>
             <a:fld id="{530820CF-B880-4189-942D-D702A7CBA730}" type="datetimeFigureOut">
               <a:rPr lang="zh-CN" altLang="en-US" smtClean="0"/>
-              <a:pPr/>
-              <a:t>2020/8/22</a:t>
             </a:fld>
             <a:endParaRPr lang="zh-CN" altLang="en-US"/>
           </a:p>
@@ -355,8 +360,6 @@
           <a:p>
             <a:fld id="{0C913308-F349-4B6D-A68A-DD1791B4A57B}" type="slidenum">
               <a:rPr lang="zh-CN" altLang="en-US" smtClean="0"/>
-              <a:pPr/>
-              <a:t>‹#›</a:t>
             </a:fld>
             <a:endParaRPr lang="zh-CN" altLang="en-US"/>
           </a:p>
@@ -430,6 +433,7 @@
               <a:rPr lang="zh-CN" altLang="en-US" smtClean="0"/>
               <a:t>单击此处编辑母版文本样式</a:t>
             </a:r>
+            <a:endParaRPr lang="zh-CN" altLang="en-US" smtClean="0"/>
           </a:p>
           <a:p>
             <a:pPr lvl="1"/>
@@ -437,6 +441,7 @@
               <a:rPr lang="zh-CN" altLang="en-US" smtClean="0"/>
               <a:t>第二级</a:t>
             </a:r>
+            <a:endParaRPr lang="zh-CN" altLang="en-US" smtClean="0"/>
           </a:p>
           <a:p>
             <a:pPr lvl="2"/>
@@ -444,6 +449,7 @@
               <a:rPr lang="zh-CN" altLang="en-US" smtClean="0"/>
               <a:t>第三级</a:t>
             </a:r>
+            <a:endParaRPr lang="zh-CN" altLang="en-US" smtClean="0"/>
           </a:p>
           <a:p>
             <a:pPr lvl="3"/>
@@ -451,6 +457,7 @@
               <a:rPr lang="zh-CN" altLang="en-US" smtClean="0"/>
               <a:t>第四级</a:t>
             </a:r>
+            <a:endParaRPr lang="zh-CN" altLang="en-US" smtClean="0"/>
           </a:p>
           <a:p>
             <a:pPr lvl="4"/>
@@ -479,8 +486,6 @@
           <a:p>
             <a:fld id="{530820CF-B880-4189-942D-D702A7CBA730}" type="datetimeFigureOut">
               <a:rPr lang="zh-CN" altLang="en-US" smtClean="0"/>
-              <a:pPr/>
-              <a:t>2020/8/22</a:t>
             </a:fld>
             <a:endParaRPr lang="zh-CN" altLang="en-US"/>
           </a:p>
@@ -522,8 +527,6 @@
           <a:p>
             <a:fld id="{0C913308-F349-4B6D-A68A-DD1791B4A57B}" type="slidenum">
               <a:rPr lang="zh-CN" altLang="en-US" smtClean="0"/>
-              <a:pPr/>
-              <a:t>‹#›</a:t>
             </a:fld>
             <a:endParaRPr lang="zh-CN" altLang="en-US"/>
           </a:p>
@@ -607,6 +610,7 @@
               <a:rPr lang="zh-CN" altLang="en-US" smtClean="0"/>
               <a:t>单击此处编辑母版文本样式</a:t>
             </a:r>
+            <a:endParaRPr lang="zh-CN" altLang="en-US" smtClean="0"/>
           </a:p>
           <a:p>
             <a:pPr lvl="1"/>
@@ -614,6 +618,7 @@
               <a:rPr lang="zh-CN" altLang="en-US" smtClean="0"/>
               <a:t>第二级</a:t>
             </a:r>
+            <a:endParaRPr lang="zh-CN" altLang="en-US" smtClean="0"/>
           </a:p>
           <a:p>
             <a:pPr lvl="2"/>
@@ -621,6 +626,7 @@
               <a:rPr lang="zh-CN" altLang="en-US" smtClean="0"/>
               <a:t>第三级</a:t>
             </a:r>
+            <a:endParaRPr lang="zh-CN" altLang="en-US" smtClean="0"/>
           </a:p>
           <a:p>
             <a:pPr lvl="3"/>
@@ -628,6 +634,7 @@
               <a:rPr lang="zh-CN" altLang="en-US" smtClean="0"/>
               <a:t>第四级</a:t>
             </a:r>
+            <a:endParaRPr lang="zh-CN" altLang="en-US" smtClean="0"/>
           </a:p>
           <a:p>
             <a:pPr lvl="4"/>
@@ -656,8 +663,6 @@
           <a:p>
             <a:fld id="{530820CF-B880-4189-942D-D702A7CBA730}" type="datetimeFigureOut">
               <a:rPr lang="zh-CN" altLang="en-US" smtClean="0"/>
-              <a:pPr/>
-              <a:t>2020/8/22</a:t>
             </a:fld>
             <a:endParaRPr lang="zh-CN" altLang="en-US"/>
           </a:p>
@@ -699,8 +704,6 @@
           <a:p>
             <a:fld id="{0C913308-F349-4B6D-A68A-DD1791B4A57B}" type="slidenum">
               <a:rPr lang="zh-CN" altLang="en-US" smtClean="0"/>
-              <a:pPr/>
-              <a:t>‹#›</a:t>
             </a:fld>
             <a:endParaRPr lang="zh-CN" altLang="en-US"/>
           </a:p>
@@ -774,6 +777,7 @@
               <a:rPr lang="zh-CN" altLang="en-US" smtClean="0"/>
               <a:t>单击此处编辑母版文本样式</a:t>
             </a:r>
+            <a:endParaRPr lang="zh-CN" altLang="en-US" smtClean="0"/>
           </a:p>
           <a:p>
             <a:pPr lvl="1"/>
@@ -781,6 +785,7 @@
               <a:rPr lang="zh-CN" altLang="en-US" smtClean="0"/>
               <a:t>第二级</a:t>
             </a:r>
+            <a:endParaRPr lang="zh-CN" altLang="en-US" smtClean="0"/>
           </a:p>
           <a:p>
             <a:pPr lvl="2"/>
@@ -788,6 +793,7 @@
               <a:rPr lang="zh-CN" altLang="en-US" smtClean="0"/>
               <a:t>第三级</a:t>
             </a:r>
+            <a:endParaRPr lang="zh-CN" altLang="en-US" smtClean="0"/>
           </a:p>
           <a:p>
             <a:pPr lvl="3"/>
@@ -795,6 +801,7 @@
               <a:rPr lang="zh-CN" altLang="en-US" smtClean="0"/>
               <a:t>第四级</a:t>
             </a:r>
+            <a:endParaRPr lang="zh-CN" altLang="en-US" smtClean="0"/>
           </a:p>
           <a:p>
             <a:pPr lvl="4"/>
@@ -823,8 +830,6 @@
           <a:p>
             <a:fld id="{530820CF-B880-4189-942D-D702A7CBA730}" type="datetimeFigureOut">
               <a:rPr lang="zh-CN" altLang="en-US" smtClean="0"/>
-              <a:pPr/>
-              <a:t>2020/8/22</a:t>
             </a:fld>
             <a:endParaRPr lang="zh-CN" altLang="en-US"/>
           </a:p>
@@ -866,8 +871,6 @@
           <a:p>
             <a:fld id="{0C913308-F349-4B6D-A68A-DD1791B4A57B}" type="slidenum">
               <a:rPr lang="zh-CN" altLang="en-US" smtClean="0"/>
-              <a:pPr/>
-              <a:t>‹#›</a:t>
             </a:fld>
             <a:endParaRPr lang="zh-CN" altLang="en-US"/>
           </a:p>
@@ -1046,6 +1049,7 @@
               <a:rPr lang="zh-CN" altLang="en-US" smtClean="0"/>
               <a:t>单击此处编辑母版文本样式</a:t>
             </a:r>
+            <a:endParaRPr lang="zh-CN" altLang="en-US" smtClean="0"/>
           </a:p>
         </p:txBody>
       </p:sp>
@@ -1066,8 +1070,6 @@
           <a:p>
             <a:fld id="{530820CF-B880-4189-942D-D702A7CBA730}" type="datetimeFigureOut">
               <a:rPr lang="zh-CN" altLang="en-US" smtClean="0"/>
-              <a:pPr/>
-              <a:t>2020/8/22</a:t>
             </a:fld>
             <a:endParaRPr lang="zh-CN" altLang="en-US"/>
           </a:p>
@@ -1109,8 +1111,6 @@
           <a:p>
             <a:fld id="{0C913308-F349-4B6D-A68A-DD1791B4A57B}" type="slidenum">
               <a:rPr lang="zh-CN" altLang="en-US" smtClean="0"/>
-              <a:pPr/>
-              <a:t>‹#›</a:t>
             </a:fld>
             <a:endParaRPr lang="zh-CN" altLang="en-US"/>
           </a:p>
@@ -1217,6 +1217,7 @@
               <a:rPr lang="zh-CN" altLang="en-US" smtClean="0"/>
               <a:t>单击此处编辑母版文本样式</a:t>
             </a:r>
+            <a:endParaRPr lang="zh-CN" altLang="en-US" smtClean="0"/>
           </a:p>
           <a:p>
             <a:pPr lvl="1"/>
@@ -1224,6 +1225,7 @@
               <a:rPr lang="zh-CN" altLang="en-US" smtClean="0"/>
               <a:t>第二级</a:t>
             </a:r>
+            <a:endParaRPr lang="zh-CN" altLang="en-US" smtClean="0"/>
           </a:p>
           <a:p>
             <a:pPr lvl="2"/>
@@ -1231,6 +1233,7 @@
               <a:rPr lang="zh-CN" altLang="en-US" smtClean="0"/>
               <a:t>第三级</a:t>
             </a:r>
+            <a:endParaRPr lang="zh-CN" altLang="en-US" smtClean="0"/>
           </a:p>
           <a:p>
             <a:pPr lvl="3"/>
@@ -1238,6 +1241,7 @@
               <a:rPr lang="zh-CN" altLang="en-US" smtClean="0"/>
               <a:t>第四级</a:t>
             </a:r>
+            <a:endParaRPr lang="zh-CN" altLang="en-US" smtClean="0"/>
           </a:p>
           <a:p>
             <a:pPr lvl="4"/>
@@ -1302,6 +1306,7 @@
               <a:rPr lang="zh-CN" altLang="en-US" smtClean="0"/>
               <a:t>单击此处编辑母版文本样式</a:t>
             </a:r>
+            <a:endParaRPr lang="zh-CN" altLang="en-US" smtClean="0"/>
           </a:p>
           <a:p>
             <a:pPr lvl="1"/>
@@ -1309,6 +1314,7 @@
               <a:rPr lang="zh-CN" altLang="en-US" smtClean="0"/>
               <a:t>第二级</a:t>
             </a:r>
+            <a:endParaRPr lang="zh-CN" altLang="en-US" smtClean="0"/>
           </a:p>
           <a:p>
             <a:pPr lvl="2"/>
@@ -1316,6 +1322,7 @@
               <a:rPr lang="zh-CN" altLang="en-US" smtClean="0"/>
               <a:t>第三级</a:t>
             </a:r>
+            <a:endParaRPr lang="zh-CN" altLang="en-US" smtClean="0"/>
           </a:p>
           <a:p>
             <a:pPr lvl="3"/>
@@ -1323,6 +1330,7 @@
               <a:rPr lang="zh-CN" altLang="en-US" smtClean="0"/>
               <a:t>第四级</a:t>
             </a:r>
+            <a:endParaRPr lang="zh-CN" altLang="en-US" smtClean="0"/>
           </a:p>
           <a:p>
             <a:pPr lvl="4"/>
@@ -1351,8 +1359,6 @@
           <a:p>
             <a:fld id="{530820CF-B880-4189-942D-D702A7CBA730}" type="datetimeFigureOut">
               <a:rPr lang="zh-CN" altLang="en-US" smtClean="0"/>
-              <a:pPr/>
-              <a:t>2020/8/22</a:t>
             </a:fld>
             <a:endParaRPr lang="zh-CN" altLang="en-US"/>
           </a:p>
@@ -1394,8 +1400,6 @@
           <a:p>
             <a:fld id="{0C913308-F349-4B6D-A68A-DD1791B4A57B}" type="slidenum">
               <a:rPr lang="zh-CN" altLang="en-US" smtClean="0"/>
-              <a:pPr/>
-              <a:t>‹#›</a:t>
             </a:fld>
             <a:endParaRPr lang="zh-CN" altLang="en-US"/>
           </a:p>
@@ -1515,6 +1519,7 @@
               <a:rPr lang="zh-CN" altLang="en-US" smtClean="0"/>
               <a:t>单击此处编辑母版文本样式</a:t>
             </a:r>
+            <a:endParaRPr lang="zh-CN" altLang="en-US" smtClean="0"/>
           </a:p>
         </p:txBody>
       </p:sp>
@@ -1571,6 +1576,7 @@
               <a:rPr lang="zh-CN" altLang="en-US" smtClean="0"/>
               <a:t>单击此处编辑母版文本样式</a:t>
             </a:r>
+            <a:endParaRPr lang="zh-CN" altLang="en-US" smtClean="0"/>
           </a:p>
           <a:p>
             <a:pPr lvl="1"/>
@@ -1578,6 +1584,7 @@
               <a:rPr lang="zh-CN" altLang="en-US" smtClean="0"/>
               <a:t>第二级</a:t>
             </a:r>
+            <a:endParaRPr lang="zh-CN" altLang="en-US" smtClean="0"/>
           </a:p>
           <a:p>
             <a:pPr lvl="2"/>
@@ -1585,6 +1592,7 @@
               <a:rPr lang="zh-CN" altLang="en-US" smtClean="0"/>
               <a:t>第三级</a:t>
             </a:r>
+            <a:endParaRPr lang="zh-CN" altLang="en-US" smtClean="0"/>
           </a:p>
           <a:p>
             <a:pPr lvl="3"/>
@@ -1592,6 +1600,7 @@
               <a:rPr lang="zh-CN" altLang="en-US" smtClean="0"/>
               <a:t>第四级</a:t>
             </a:r>
+            <a:endParaRPr lang="zh-CN" altLang="en-US" smtClean="0"/>
           </a:p>
           <a:p>
             <a:pPr lvl="4"/>
@@ -1665,6 +1674,7 @@
               <a:rPr lang="zh-CN" altLang="en-US" smtClean="0"/>
               <a:t>单击此处编辑母版文本样式</a:t>
             </a:r>
+            <a:endParaRPr lang="zh-CN" altLang="en-US" smtClean="0"/>
           </a:p>
         </p:txBody>
       </p:sp>
@@ -1721,6 +1731,7 @@
               <a:rPr lang="zh-CN" altLang="en-US" smtClean="0"/>
               <a:t>单击此处编辑母版文本样式</a:t>
             </a:r>
+            <a:endParaRPr lang="zh-CN" altLang="en-US" smtClean="0"/>
           </a:p>
           <a:p>
             <a:pPr lvl="1"/>
@@ -1728,6 +1739,7 @@
               <a:rPr lang="zh-CN" altLang="en-US" smtClean="0"/>
               <a:t>第二级</a:t>
             </a:r>
+            <a:endParaRPr lang="zh-CN" altLang="en-US" smtClean="0"/>
           </a:p>
           <a:p>
             <a:pPr lvl="2"/>
@@ -1735,6 +1747,7 @@
               <a:rPr lang="zh-CN" altLang="en-US" smtClean="0"/>
               <a:t>第三级</a:t>
             </a:r>
+            <a:endParaRPr lang="zh-CN" altLang="en-US" smtClean="0"/>
           </a:p>
           <a:p>
             <a:pPr lvl="3"/>
@@ -1742,6 +1755,7 @@
               <a:rPr lang="zh-CN" altLang="en-US" smtClean="0"/>
               <a:t>第四级</a:t>
             </a:r>
+            <a:endParaRPr lang="zh-CN" altLang="en-US" smtClean="0"/>
           </a:p>
           <a:p>
             <a:pPr lvl="4"/>
@@ -1770,8 +1784,6 @@
           <a:p>
             <a:fld id="{530820CF-B880-4189-942D-D702A7CBA730}" type="datetimeFigureOut">
               <a:rPr lang="zh-CN" altLang="en-US" smtClean="0"/>
-              <a:pPr/>
-              <a:t>2020/8/22</a:t>
             </a:fld>
             <a:endParaRPr lang="zh-CN" altLang="en-US"/>
           </a:p>
@@ -1813,8 +1825,6 @@
           <a:p>
             <a:fld id="{0C913308-F349-4B6D-A68A-DD1791B4A57B}" type="slidenum">
               <a:rPr lang="zh-CN" altLang="en-US" smtClean="0"/>
-              <a:pPr/>
-              <a:t>‹#›</a:t>
             </a:fld>
             <a:endParaRPr lang="zh-CN" altLang="en-US"/>
           </a:p>
@@ -1885,8 +1895,6 @@
           <a:p>
             <a:fld id="{530820CF-B880-4189-942D-D702A7CBA730}" type="datetimeFigureOut">
               <a:rPr lang="zh-CN" altLang="en-US" smtClean="0"/>
-              <a:pPr/>
-              <a:t>2020/8/22</a:t>
             </a:fld>
             <a:endParaRPr lang="zh-CN" altLang="en-US"/>
           </a:p>
@@ -1928,8 +1936,6 @@
           <a:p>
             <a:fld id="{0C913308-F349-4B6D-A68A-DD1791B4A57B}" type="slidenum">
               <a:rPr lang="zh-CN" altLang="en-US" smtClean="0"/>
-              <a:pPr/>
-              <a:t>‹#›</a:t>
             </a:fld>
             <a:endParaRPr lang="zh-CN" altLang="en-US"/>
           </a:p>
@@ -1977,8 +1983,6 @@
           <a:p>
             <a:fld id="{530820CF-B880-4189-942D-D702A7CBA730}" type="datetimeFigureOut">
               <a:rPr lang="zh-CN" altLang="en-US" smtClean="0"/>
-              <a:pPr/>
-              <a:t>2020/8/22</a:t>
             </a:fld>
             <a:endParaRPr lang="zh-CN" altLang="en-US"/>
           </a:p>
@@ -2020,8 +2024,6 @@
           <a:p>
             <a:fld id="{0C913308-F349-4B6D-A68A-DD1791B4A57B}" type="slidenum">
               <a:rPr lang="zh-CN" altLang="en-US" smtClean="0"/>
-              <a:pPr/>
-              <a:t>‹#›</a:t>
             </a:fld>
             <a:endParaRPr lang="zh-CN" altLang="en-US"/>
           </a:p>
@@ -2137,6 +2139,7 @@
               <a:rPr lang="zh-CN" altLang="en-US" smtClean="0"/>
               <a:t>单击此处编辑母版文本样式</a:t>
             </a:r>
+            <a:endParaRPr lang="zh-CN" altLang="en-US" smtClean="0"/>
           </a:p>
           <a:p>
             <a:pPr lvl="1"/>
@@ -2144,6 +2147,7 @@
               <a:rPr lang="zh-CN" altLang="en-US" smtClean="0"/>
               <a:t>第二级</a:t>
             </a:r>
+            <a:endParaRPr lang="zh-CN" altLang="en-US" smtClean="0"/>
           </a:p>
           <a:p>
             <a:pPr lvl="2"/>
@@ -2151,6 +2155,7 @@
               <a:rPr lang="zh-CN" altLang="en-US" smtClean="0"/>
               <a:t>第三级</a:t>
             </a:r>
+            <a:endParaRPr lang="zh-CN" altLang="en-US" smtClean="0"/>
           </a:p>
           <a:p>
             <a:pPr lvl="3"/>
@@ -2158,6 +2163,7 @@
               <a:rPr lang="zh-CN" altLang="en-US" smtClean="0"/>
               <a:t>第四级</a:t>
             </a:r>
+            <a:endParaRPr lang="zh-CN" altLang="en-US" smtClean="0"/>
           </a:p>
           <a:p>
             <a:pPr lvl="4"/>
@@ -2231,6 +2237,7 @@
               <a:rPr lang="zh-CN" altLang="en-US" smtClean="0"/>
               <a:t>单击此处编辑母版文本样式</a:t>
             </a:r>
+            <a:endParaRPr lang="zh-CN" altLang="en-US" smtClean="0"/>
           </a:p>
         </p:txBody>
       </p:sp>
@@ -2251,8 +2258,6 @@
           <a:p>
             <a:fld id="{530820CF-B880-4189-942D-D702A7CBA730}" type="datetimeFigureOut">
               <a:rPr lang="zh-CN" altLang="en-US" smtClean="0"/>
-              <a:pPr/>
-              <a:t>2020/8/22</a:t>
             </a:fld>
             <a:endParaRPr lang="zh-CN" altLang="en-US"/>
           </a:p>
@@ -2294,8 +2299,6 @@
           <a:p>
             <a:fld id="{0C913308-F349-4B6D-A68A-DD1791B4A57B}" type="slidenum">
               <a:rPr lang="zh-CN" altLang="en-US" smtClean="0"/>
-              <a:pPr/>
-              <a:t>‹#›</a:t>
             </a:fld>
             <a:endParaRPr lang="zh-CN" altLang="en-US"/>
           </a:p>
@@ -2481,6 +2484,7 @@
               <a:rPr lang="zh-CN" altLang="en-US" smtClean="0"/>
               <a:t>单击此处编辑母版文本样式</a:t>
             </a:r>
+            <a:endParaRPr lang="zh-CN" altLang="en-US" smtClean="0"/>
           </a:p>
         </p:txBody>
       </p:sp>
@@ -2501,8 +2505,6 @@
           <a:p>
             <a:fld id="{530820CF-B880-4189-942D-D702A7CBA730}" type="datetimeFigureOut">
               <a:rPr lang="zh-CN" altLang="en-US" smtClean="0"/>
-              <a:pPr/>
-              <a:t>2020/8/22</a:t>
             </a:fld>
             <a:endParaRPr lang="zh-CN" altLang="en-US"/>
           </a:p>
@@ -2544,8 +2546,6 @@
           <a:p>
             <a:fld id="{0C913308-F349-4B6D-A68A-DD1791B4A57B}" type="slidenum">
               <a:rPr lang="zh-CN" altLang="en-US" smtClean="0"/>
-              <a:pPr/>
-              <a:t>‹#›</a:t>
             </a:fld>
             <a:endParaRPr lang="zh-CN" altLang="en-US"/>
           </a:p>
@@ -2644,6 +2644,7 @@
               <a:rPr lang="zh-CN" altLang="en-US" smtClean="0"/>
               <a:t>单击此处编辑母版文本样式</a:t>
             </a:r>
+            <a:endParaRPr lang="zh-CN" altLang="en-US" smtClean="0"/>
           </a:p>
           <a:p>
             <a:pPr lvl="1"/>
@@ -2651,6 +2652,7 @@
               <a:rPr lang="zh-CN" altLang="en-US" smtClean="0"/>
               <a:t>第二级</a:t>
             </a:r>
+            <a:endParaRPr lang="zh-CN" altLang="en-US" smtClean="0"/>
           </a:p>
           <a:p>
             <a:pPr lvl="2"/>
@@ -2658,6 +2660,7 @@
               <a:rPr lang="zh-CN" altLang="en-US" smtClean="0"/>
               <a:t>第三级</a:t>
             </a:r>
+            <a:endParaRPr lang="zh-CN" altLang="en-US" smtClean="0"/>
           </a:p>
           <a:p>
             <a:pPr lvl="3"/>
@@ -2665,6 +2668,7 @@
               <a:rPr lang="zh-CN" altLang="en-US" smtClean="0"/>
               <a:t>第四级</a:t>
             </a:r>
+            <a:endParaRPr lang="zh-CN" altLang="en-US" smtClean="0"/>
           </a:p>
           <a:p>
             <a:pPr lvl="4"/>
@@ -2711,8 +2715,6 @@
           <a:p>
             <a:fld id="{530820CF-B880-4189-942D-D702A7CBA730}" type="datetimeFigureOut">
               <a:rPr lang="zh-CN" altLang="en-US" smtClean="0"/>
-              <a:pPr/>
-              <a:t>2020/8/22</a:t>
             </a:fld>
             <a:endParaRPr lang="zh-CN" altLang="en-US"/>
           </a:p>
@@ -2790,8 +2792,6 @@
           <a:p>
             <a:fld id="{0C913308-F349-4B6D-A68A-DD1791B4A57B}" type="slidenum">
               <a:rPr lang="zh-CN" altLang="en-US" smtClean="0"/>
-              <a:pPr/>
-              <a:t>‹#›</a:t>
             </a:fld>
             <a:endParaRPr lang="zh-CN" altLang="en-US"/>
           </a:p>
@@ -3109,6 +3109,7 @@
               <a:rPr lang="zh-CN" altLang="en-US" sz="6600" b="1" dirty="0"/>
               <a:t>赋值与拷贝</a:t>
             </a:r>
+            <a:endParaRPr lang="zh-CN" altLang="en-US" sz="6600" b="1" dirty="0"/>
           </a:p>
         </p:txBody>
       </p:sp>
@@ -3180,6 +3181,7 @@
               <a:rPr lang="zh-CN" altLang="en-US" dirty="0"/>
               <a:t>从中序和后序重构</a:t>
             </a:r>
+            <a:endParaRPr lang="zh-CN" altLang="en-US" dirty="0"/>
           </a:p>
         </p:txBody>
       </p:sp>
@@ -3223,6 +3225,7 @@
               <a:rPr lang="en-US" altLang="zh-CN"/>
               <a:t>1</a:t>
             </a:r>
+            <a:endParaRPr lang="en-US" altLang="zh-CN"/>
           </a:p>
         </p:txBody>
       </p:sp>
@@ -3305,6 +3308,7 @@
               <a:rPr lang="en-US" altLang="zh-CN"/>
               <a:t>2</a:t>
             </a:r>
+            <a:endParaRPr lang="en-US" altLang="zh-CN"/>
           </a:p>
         </p:txBody>
       </p:sp>
@@ -3348,6 +3352,7 @@
               <a:rPr lang="en-US" altLang="zh-CN"/>
               <a:t>3</a:t>
             </a:r>
+            <a:endParaRPr lang="en-US" altLang="zh-CN"/>
           </a:p>
         </p:txBody>
       </p:sp>
@@ -3391,6 +3396,7 @@
               <a:rPr lang="en-US" altLang="zh-CN"/>
               <a:t>4</a:t>
             </a:r>
+            <a:endParaRPr lang="en-US" altLang="zh-CN"/>
           </a:p>
         </p:txBody>
       </p:sp>
@@ -3434,6 +3440,7 @@
               <a:rPr lang="en-US" altLang="zh-CN"/>
               <a:t>5</a:t>
             </a:r>
+            <a:endParaRPr lang="en-US" altLang="zh-CN"/>
           </a:p>
         </p:txBody>
       </p:sp>
@@ -3592,6 +3599,7 @@
               <a:rPr lang="en-US" altLang="zh-CN"/>
               <a:t>2 1 4 3 5</a:t>
             </a:r>
+            <a:endParaRPr lang="en-US" altLang="zh-CN"/>
           </a:p>
         </p:txBody>
       </p:sp>
@@ -3633,6 +3641,7 @@
               <a:rPr lang="en-US" altLang="zh-CN"/>
               <a:t>2 4 5 3 1</a:t>
             </a:r>
+            <a:endParaRPr lang="en-US" altLang="zh-CN"/>
           </a:p>
         </p:txBody>
       </p:sp>
@@ -3666,6 +3675,7 @@
               <a:rPr lang="en-US" altLang="zh-CN"/>
               <a:t>1</a:t>
             </a:r>
+            <a:endParaRPr lang="en-US" altLang="zh-CN"/>
           </a:p>
           <a:p>
             <a:r>
@@ -3676,6 +3686,7 @@
               <a:rPr lang="en-US" altLang="zh-CN"/>
               <a:t>:2</a:t>
             </a:r>
+            <a:endParaRPr lang="en-US" altLang="zh-CN"/>
           </a:p>
           <a:p>
             <a:r>
@@ -3686,12 +3697,14 @@
               <a:rPr lang="en-US" altLang="zh-CN"/>
               <a:t>4 3 5</a:t>
             </a:r>
+            <a:endParaRPr lang="en-US" altLang="zh-CN"/>
           </a:p>
           <a:p>
             <a:r>
               <a:rPr lang="zh-CN" altLang="en-US"/>
               <a:t>根据左子树中序的长度：</a:t>
             </a:r>
+            <a:endParaRPr lang="zh-CN" altLang="en-US"/>
           </a:p>
           <a:p>
             <a:r>
@@ -3702,6 +3715,7 @@
               <a:rPr lang="en-US" altLang="zh-CN"/>
               <a:t>2</a:t>
             </a:r>
+            <a:endParaRPr lang="en-US" altLang="zh-CN"/>
           </a:p>
           <a:p>
             <a:r>
@@ -3712,6 +3726,7 @@
               <a:rPr lang="en-US" altLang="zh-CN"/>
               <a:t>4 5 3</a:t>
             </a:r>
+            <a:endParaRPr lang="en-US" altLang="zh-CN"/>
           </a:p>
           <a:p>
             <a:endParaRPr lang="en-US" altLang="zh-CN"/>
@@ -3793,6 +3808,7 @@
               <a:rPr lang="zh-CN" altLang="en-US" dirty="0"/>
               <a:t>从中序和先序重构</a:t>
             </a:r>
+            <a:endParaRPr lang="zh-CN" altLang="en-US" dirty="0"/>
           </a:p>
         </p:txBody>
       </p:sp>
@@ -3836,6 +3852,7 @@
               <a:rPr lang="en-US" altLang="zh-CN"/>
               <a:t>1</a:t>
             </a:r>
+            <a:endParaRPr lang="en-US" altLang="zh-CN"/>
           </a:p>
         </p:txBody>
       </p:sp>
@@ -3918,6 +3935,7 @@
               <a:rPr lang="en-US" altLang="zh-CN"/>
               <a:t>2</a:t>
             </a:r>
+            <a:endParaRPr lang="en-US" altLang="zh-CN"/>
           </a:p>
         </p:txBody>
       </p:sp>
@@ -3961,6 +3979,7 @@
               <a:rPr lang="en-US" altLang="zh-CN"/>
               <a:t>3</a:t>
             </a:r>
+            <a:endParaRPr lang="en-US" altLang="zh-CN"/>
           </a:p>
         </p:txBody>
       </p:sp>
@@ -4004,6 +4023,7 @@
               <a:rPr lang="en-US" altLang="zh-CN"/>
               <a:t>4</a:t>
             </a:r>
+            <a:endParaRPr lang="en-US" altLang="zh-CN"/>
           </a:p>
         </p:txBody>
       </p:sp>
@@ -4047,6 +4067,7 @@
               <a:rPr lang="en-US" altLang="zh-CN"/>
               <a:t>5</a:t>
             </a:r>
+            <a:endParaRPr lang="en-US" altLang="zh-CN"/>
           </a:p>
         </p:txBody>
       </p:sp>
@@ -4205,6 +4226,7 @@
               <a:rPr lang="en-US" altLang="zh-CN"/>
               <a:t>1 2 3 4 5</a:t>
             </a:r>
+            <a:endParaRPr lang="en-US" altLang="zh-CN"/>
           </a:p>
         </p:txBody>
       </p:sp>
@@ -4246,6 +4268,7 @@
               <a:rPr lang="en-US" altLang="zh-CN"/>
               <a:t>2 1 4 3 5</a:t>
             </a:r>
+            <a:endParaRPr lang="en-US" altLang="zh-CN"/>
           </a:p>
         </p:txBody>
       </p:sp>
@@ -4279,6 +4302,7 @@
               <a:rPr lang="en-US" altLang="zh-CN"/>
               <a:t>1</a:t>
             </a:r>
+            <a:endParaRPr lang="en-US" altLang="zh-CN"/>
           </a:p>
           <a:p>
             <a:r>
@@ -4289,6 +4313,7 @@
               <a:rPr lang="en-US" altLang="zh-CN"/>
               <a:t>:2</a:t>
             </a:r>
+            <a:endParaRPr lang="en-US" altLang="zh-CN"/>
           </a:p>
           <a:p>
             <a:r>
@@ -4299,12 +4324,14 @@
               <a:rPr lang="en-US" altLang="zh-CN"/>
               <a:t>4 3 5</a:t>
             </a:r>
+            <a:endParaRPr lang="en-US" altLang="zh-CN"/>
           </a:p>
           <a:p>
             <a:r>
               <a:rPr lang="zh-CN" altLang="en-US"/>
               <a:t>根据左子树中序的长度：</a:t>
             </a:r>
+            <a:endParaRPr lang="zh-CN" altLang="en-US"/>
           </a:p>
           <a:p>
             <a:r>
@@ -4315,6 +4342,7 @@
               <a:rPr lang="en-US" altLang="zh-CN"/>
               <a:t>2</a:t>
             </a:r>
+            <a:endParaRPr lang="en-US" altLang="zh-CN"/>
           </a:p>
           <a:p>
             <a:r>
@@ -4325,6 +4353,7 @@
               <a:rPr lang="en-US" altLang="zh-CN"/>
               <a:t>345</a:t>
             </a:r>
+            <a:endParaRPr lang="en-US" altLang="zh-CN"/>
           </a:p>
           <a:p>
             <a:endParaRPr lang="en-US" altLang="zh-CN"/>
@@ -4406,6 +4435,7 @@
               <a:rPr lang="zh-CN" altLang="en-US" dirty="0"/>
               <a:t>从后序和先序重构</a:t>
             </a:r>
+            <a:endParaRPr lang="zh-CN" altLang="en-US" dirty="0"/>
           </a:p>
         </p:txBody>
       </p:sp>
@@ -4449,6 +4479,7 @@
               <a:rPr lang="en-US" altLang="zh-CN"/>
               <a:t>1</a:t>
             </a:r>
+            <a:endParaRPr lang="en-US" altLang="zh-CN"/>
           </a:p>
         </p:txBody>
       </p:sp>
@@ -4531,6 +4562,7 @@
               <a:rPr lang="en-US" altLang="zh-CN"/>
               <a:t>2</a:t>
             </a:r>
+            <a:endParaRPr lang="en-US" altLang="zh-CN"/>
           </a:p>
         </p:txBody>
       </p:sp>
@@ -4574,6 +4606,7 @@
               <a:rPr lang="en-US" altLang="zh-CN"/>
               <a:t>3</a:t>
             </a:r>
+            <a:endParaRPr lang="en-US" altLang="zh-CN"/>
           </a:p>
         </p:txBody>
       </p:sp>
@@ -4617,6 +4650,7 @@
               <a:rPr lang="en-US" altLang="zh-CN"/>
               <a:t>4</a:t>
             </a:r>
+            <a:endParaRPr lang="en-US" altLang="zh-CN"/>
           </a:p>
         </p:txBody>
       </p:sp>
@@ -4660,6 +4694,7 @@
               <a:rPr lang="en-US" altLang="zh-CN"/>
               <a:t>5</a:t>
             </a:r>
+            <a:endParaRPr lang="en-US" altLang="zh-CN"/>
           </a:p>
         </p:txBody>
       </p:sp>
@@ -4832,6 +4867,7 @@
                 <a:rPr lang="en-US" altLang="zh-CN"/>
                 <a:t>1 2 3 4 5</a:t>
               </a:r>
+              <a:endParaRPr lang="en-US" altLang="zh-CN"/>
             </a:p>
           </p:txBody>
         </p:sp>
@@ -4873,6 +4909,7 @@
                 <a:rPr lang="en-US" altLang="zh-CN"/>
                 <a:t>2 4 5 3 1</a:t>
               </a:r>
+              <a:endParaRPr lang="en-US" altLang="zh-CN"/>
             </a:p>
           </p:txBody>
         </p:sp>
@@ -4907,24 +4944,28 @@
               <a:rPr lang="en-US" altLang="zh-CN"/>
               <a:t>1</a:t>
             </a:r>
+            <a:endParaRPr lang="en-US" altLang="zh-CN"/>
           </a:p>
           <a:p>
             <a:r>
               <a:rPr lang="zh-CN" altLang="en-US" b="1"/>
               <a:t>左右子树无法划分</a:t>
             </a:r>
+            <a:endParaRPr lang="zh-CN" altLang="en-US" b="1"/>
           </a:p>
           <a:p>
             <a:r>
               <a:rPr lang="zh-CN" altLang="en-US"/>
               <a:t>可行解：设定先序遍历</a:t>
             </a:r>
+            <a:endParaRPr lang="zh-CN" altLang="en-US"/>
           </a:p>
           <a:p>
             <a:r>
               <a:rPr lang="zh-CN" altLang="en-US"/>
               <a:t>第一个节点为单节点左子树</a:t>
             </a:r>
+            <a:endParaRPr lang="zh-CN" altLang="en-US"/>
           </a:p>
         </p:txBody>
       </p:sp>
@@ -4968,6 +5009,7 @@
               <a:rPr lang="en-US" altLang="zh-CN"/>
               <a:t>1</a:t>
             </a:r>
+            <a:endParaRPr lang="en-US" altLang="zh-CN"/>
           </a:p>
         </p:txBody>
       </p:sp>
@@ -5050,6 +5092,7 @@
               <a:rPr lang="en-US" altLang="zh-CN"/>
               <a:t>2</a:t>
             </a:r>
+            <a:endParaRPr lang="en-US" altLang="zh-CN"/>
           </a:p>
         </p:txBody>
       </p:sp>
@@ -5093,6 +5136,7 @@
               <a:rPr lang="en-US" altLang="zh-CN"/>
               <a:t>3</a:t>
             </a:r>
+            <a:endParaRPr lang="en-US" altLang="zh-CN"/>
           </a:p>
         </p:txBody>
       </p:sp>
@@ -5136,6 +5180,7 @@
               <a:rPr lang="en-US" altLang="zh-CN"/>
               <a:t>4</a:t>
             </a:r>
+            <a:endParaRPr lang="en-US" altLang="zh-CN"/>
           </a:p>
         </p:txBody>
       </p:sp>
@@ -5179,6 +5224,7 @@
               <a:rPr lang="en-US" altLang="zh-CN"/>
               <a:t>5</a:t>
             </a:r>
+            <a:endParaRPr lang="en-US" altLang="zh-CN"/>
           </a:p>
         </p:txBody>
       </p:sp>
@@ -5329,6 +5375,11 @@
               </a:rPr>
               <a:t>小结：重构必须用到中序遍历</a:t>
             </a:r>
+            <a:endParaRPr lang="zh-CN" altLang="en-US" b="1">
+              <a:solidFill>
+                <a:srgbClr val="FF0000"/>
+              </a:solidFill>
+            </a:endParaRPr>
           </a:p>
         </p:txBody>
       </p:sp>
@@ -5366,7 +5417,7 @@
         <p:spPr>
           <a:xfrm>
             <a:off x="2857488" y="2500306"/>
-            <a:ext cx="3583032" cy="1107996"/>
+            <a:ext cx="3550920" cy="1660525"/>
           </a:xfrm>
           <a:prstGeom prst="rect">
             <a:avLst/>
@@ -5381,9 +5432,17 @@
           <a:p>
             <a:r>
               <a:rPr lang="zh-CN" altLang="en-US" sz="6600" b="1" dirty="0" smtClean="0"/>
+              <a:t>动态规划</a:t>
+            </a:r>
+            <a:endParaRPr lang="zh-CN" altLang="en-US" sz="6600" b="1" dirty="0" smtClean="0"/>
+          </a:p>
+          <a:p>
+            <a:pPr algn="ctr"/>
+            <a:r>
+              <a:rPr lang="zh-CN" altLang="en-US" sz="3600" dirty="0" smtClean="0"/>
               <a:t>背包问题</a:t>
             </a:r>
-            <a:endParaRPr lang="zh-CN" altLang="en-US" sz="6600" b="1" dirty="0"/>
+            <a:endParaRPr lang="zh-CN" altLang="en-US" sz="3600" dirty="0" smtClean="0"/>
           </a:p>
         </p:txBody>
       </p:sp>
@@ -8252,7 +8311,7 @@
         <p:spPr>
           <a:xfrm>
             <a:off x="1499849" y="1495736"/>
-            <a:ext cx="6131807" cy="1107996"/>
+            <a:ext cx="6296660" cy="1106805"/>
           </a:xfrm>
           <a:prstGeom prst="rect">
             <a:avLst/>
@@ -8267,9 +8326,17 @@
           <a:p>
             <a:r>
               <a:rPr lang="zh-CN" altLang="en-US" sz="6600" b="1" dirty="0" smtClean="0"/>
+              <a:t>动态规划</a:t>
+            </a:r>
+            <a:r>
+              <a:rPr lang="en-US" altLang="zh-CN" sz="6600" b="1" dirty="0" smtClean="0"/>
+              <a:t>-</a:t>
+            </a:r>
+            <a:r>
+              <a:rPr lang="zh-CN" altLang="en-US" sz="2800" dirty="0" smtClean="0"/>
               <a:t>子串子序列问题</a:t>
             </a:r>
-            <a:endParaRPr lang="zh-CN" altLang="en-US" sz="6600" b="1" dirty="0"/>
+            <a:endParaRPr lang="zh-CN" altLang="en-US" sz="2800" dirty="0" smtClean="0"/>
           </a:p>
         </p:txBody>
       </p:sp>
@@ -8546,6 +8613,10 @@
               </a:rPr>
               <a:t>滑动窗口的最大值</a:t>
             </a:r>
+            <a:endParaRPr lang="zh-CN" altLang="en-US" sz="1350" b="1" dirty="0">
+              <a:latin typeface="宋体" panose="02010600030101010101" pitchFamily="2" charset="-122"/>
+              <a:ea typeface="宋体" panose="02010600030101010101" pitchFamily="2" charset="-122"/>
+            </a:endParaRPr>
           </a:p>
         </p:txBody>
       </p:sp>
@@ -8589,6 +8660,7 @@
               <a:rPr lang="en-US" altLang="zh-CN"/>
               <a:t>2</a:t>
             </a:r>
+            <a:endParaRPr lang="en-US" altLang="zh-CN"/>
           </a:p>
         </p:txBody>
       </p:sp>
@@ -8632,6 +8704,7 @@
               <a:rPr lang="en-US" altLang="zh-CN"/>
               <a:t>3</a:t>
             </a:r>
+            <a:endParaRPr lang="en-US" altLang="zh-CN"/>
           </a:p>
         </p:txBody>
       </p:sp>
@@ -8675,6 +8748,7 @@
               <a:rPr lang="en-US" altLang="zh-CN"/>
               <a:t>4</a:t>
             </a:r>
+            <a:endParaRPr lang="en-US" altLang="zh-CN"/>
           </a:p>
         </p:txBody>
       </p:sp>
@@ -8718,6 +8792,7 @@
               <a:rPr lang="en-US" altLang="zh-CN"/>
               <a:t>3</a:t>
             </a:r>
+            <a:endParaRPr lang="en-US" altLang="zh-CN"/>
           </a:p>
         </p:txBody>
       </p:sp>
@@ -8761,6 +8836,7 @@
               <a:rPr lang="en-US" altLang="zh-CN"/>
               <a:t>5</a:t>
             </a:r>
+            <a:endParaRPr lang="en-US" altLang="zh-CN"/>
           </a:p>
         </p:txBody>
       </p:sp>
@@ -8804,6 +8880,7 @@
               <a:rPr lang="en-US" altLang="zh-CN"/>
               <a:t>1</a:t>
             </a:r>
+            <a:endParaRPr lang="en-US" altLang="zh-CN"/>
           </a:p>
         </p:txBody>
       </p:sp>
@@ -8921,6 +8998,7 @@
               <a:rPr lang="en-US" altLang="zh-CN"/>
               <a:t>4</a:t>
             </a:r>
+            <a:endParaRPr lang="en-US" altLang="zh-CN"/>
           </a:p>
         </p:txBody>
       </p:sp>
@@ -8964,6 +9042,7 @@
               <a:rPr lang="en-US" altLang="zh-CN"/>
               <a:t>2</a:t>
             </a:r>
+            <a:endParaRPr lang="en-US" altLang="zh-CN"/>
           </a:p>
         </p:txBody>
       </p:sp>
@@ -9007,6 +9086,7 @@
               <a:rPr lang="en-US" altLang="zh-CN"/>
               <a:t>3</a:t>
             </a:r>
+            <a:endParaRPr lang="en-US" altLang="zh-CN"/>
           </a:p>
         </p:txBody>
       </p:sp>
@@ -9050,6 +9130,7 @@
               <a:rPr lang="en-US" altLang="zh-CN"/>
               <a:t>4</a:t>
             </a:r>
+            <a:endParaRPr lang="en-US" altLang="zh-CN"/>
           </a:p>
         </p:txBody>
       </p:sp>
@@ -9093,6 +9174,7 @@
               <a:rPr lang="en-US" altLang="zh-CN"/>
               <a:t>3</a:t>
             </a:r>
+            <a:endParaRPr lang="en-US" altLang="zh-CN"/>
           </a:p>
         </p:txBody>
       </p:sp>
@@ -9136,6 +9218,7 @@
               <a:rPr lang="en-US" altLang="zh-CN"/>
               <a:t>5</a:t>
             </a:r>
+            <a:endParaRPr lang="en-US" altLang="zh-CN"/>
           </a:p>
         </p:txBody>
       </p:sp>
@@ -9179,6 +9262,7 @@
               <a:rPr lang="en-US" altLang="zh-CN"/>
               <a:t>1</a:t>
             </a:r>
+            <a:endParaRPr lang="en-US" altLang="zh-CN"/>
           </a:p>
         </p:txBody>
       </p:sp>
@@ -9311,6 +9395,7 @@
               <a:rPr lang="en-US" altLang="zh-CN"/>
               <a:t>4</a:t>
             </a:r>
+            <a:endParaRPr lang="en-US" altLang="zh-CN"/>
           </a:p>
         </p:txBody>
       </p:sp>
@@ -9352,6 +9437,7 @@
               <a:rPr lang="en-US" altLang="zh-CN"/>
               <a:t>3</a:t>
             </a:r>
+            <a:endParaRPr lang="en-US" altLang="zh-CN"/>
           </a:p>
         </p:txBody>
       </p:sp>
@@ -9395,6 +9481,7 @@
               <a:rPr lang="en-US" altLang="zh-CN"/>
               <a:t>2</a:t>
             </a:r>
+            <a:endParaRPr lang="en-US" altLang="zh-CN"/>
           </a:p>
         </p:txBody>
       </p:sp>
@@ -9438,6 +9525,7 @@
               <a:rPr lang="en-US" altLang="zh-CN"/>
               <a:t>3</a:t>
             </a:r>
+            <a:endParaRPr lang="en-US" altLang="zh-CN"/>
           </a:p>
         </p:txBody>
       </p:sp>
@@ -9481,6 +9569,7 @@
               <a:rPr lang="en-US" altLang="zh-CN"/>
               <a:t>4</a:t>
             </a:r>
+            <a:endParaRPr lang="en-US" altLang="zh-CN"/>
           </a:p>
         </p:txBody>
       </p:sp>
@@ -9524,6 +9613,7 @@
               <a:rPr lang="en-US" altLang="zh-CN"/>
               <a:t>3</a:t>
             </a:r>
+            <a:endParaRPr lang="en-US" altLang="zh-CN"/>
           </a:p>
         </p:txBody>
       </p:sp>
@@ -9567,6 +9657,7 @@
               <a:rPr lang="en-US" altLang="zh-CN"/>
               <a:t>5</a:t>
             </a:r>
+            <a:endParaRPr lang="en-US" altLang="zh-CN"/>
           </a:p>
         </p:txBody>
       </p:sp>
@@ -9610,6 +9701,7 @@
               <a:rPr lang="en-US" altLang="zh-CN"/>
               <a:t>1</a:t>
             </a:r>
+            <a:endParaRPr lang="en-US" altLang="zh-CN"/>
           </a:p>
         </p:txBody>
       </p:sp>
@@ -9742,6 +9834,7 @@
               <a:rPr lang="en-US" altLang="zh-CN"/>
               <a:t>5</a:t>
             </a:r>
+            <a:endParaRPr lang="en-US" altLang="zh-CN"/>
           </a:p>
         </p:txBody>
       </p:sp>
@@ -9785,6 +9878,7 @@
               <a:rPr lang="en-US" altLang="zh-CN"/>
               <a:t>2</a:t>
             </a:r>
+            <a:endParaRPr lang="en-US" altLang="zh-CN"/>
           </a:p>
         </p:txBody>
       </p:sp>
@@ -9828,6 +9922,7 @@
               <a:rPr lang="en-US" altLang="zh-CN"/>
               <a:t>3</a:t>
             </a:r>
+            <a:endParaRPr lang="en-US" altLang="zh-CN"/>
           </a:p>
         </p:txBody>
       </p:sp>
@@ -9871,6 +9966,7 @@
               <a:rPr lang="en-US" altLang="zh-CN"/>
               <a:t>4</a:t>
             </a:r>
+            <a:endParaRPr lang="en-US" altLang="zh-CN"/>
           </a:p>
         </p:txBody>
       </p:sp>
@@ -9914,6 +10010,7 @@
               <a:rPr lang="en-US" altLang="zh-CN"/>
               <a:t>3</a:t>
             </a:r>
+            <a:endParaRPr lang="en-US" altLang="zh-CN"/>
           </a:p>
         </p:txBody>
       </p:sp>
@@ -9957,6 +10054,7 @@
               <a:rPr lang="en-US" altLang="zh-CN"/>
               <a:t>5</a:t>
             </a:r>
+            <a:endParaRPr lang="en-US" altLang="zh-CN"/>
           </a:p>
         </p:txBody>
       </p:sp>
@@ -10000,6 +10098,7 @@
               <a:rPr lang="en-US" altLang="zh-CN"/>
               <a:t>1</a:t>
             </a:r>
+            <a:endParaRPr lang="en-US" altLang="zh-CN"/>
           </a:p>
         </p:txBody>
       </p:sp>
@@ -10132,6 +10231,7 @@
               <a:rPr lang="en-US" altLang="zh-CN"/>
               <a:t>5</a:t>
             </a:r>
+            <a:endParaRPr lang="en-US" altLang="zh-CN"/>
           </a:p>
         </p:txBody>
       </p:sp>
@@ -10173,6 +10273,7 @@
               <a:rPr lang="en-US" altLang="zh-CN"/>
               <a:t>1</a:t>
             </a:r>
+            <a:endParaRPr lang="en-US" altLang="zh-CN"/>
           </a:p>
         </p:txBody>
       </p:sp>
@@ -10242,18 +10343,21 @@
               <a:rPr lang="zh-CN" altLang="en-US"/>
               <a:t>始终保持队列单调递减</a:t>
             </a:r>
+            <a:endParaRPr lang="zh-CN" altLang="en-US"/>
           </a:p>
           <a:p>
             <a:r>
               <a:rPr lang="zh-CN" altLang="en-US"/>
               <a:t>后面的值较大，会无条件清除队列前面的成员</a:t>
             </a:r>
+            <a:endParaRPr lang="zh-CN" altLang="en-US"/>
           </a:p>
           <a:p>
             <a:r>
               <a:rPr lang="zh-CN" altLang="en-US"/>
               <a:t>每次迭代，都会无条件的加入当前的索引作为候选的最大值</a:t>
             </a:r>
+            <a:endParaRPr lang="zh-CN" altLang="en-US"/>
           </a:p>
           <a:p>
             <a:endParaRPr lang="en-US" altLang="zh-CN"/>
@@ -10283,12 +10387,14 @@
               <a:rPr lang="zh-CN" altLang="en-US"/>
               <a:t>是窗口的宽</a:t>
             </a:r>
+            <a:endParaRPr lang="zh-CN" altLang="en-US"/>
           </a:p>
           <a:p>
             <a:r>
               <a:rPr lang="zh-CN" altLang="en-US"/>
               <a:t>注意：在涉及队列弹出的时候，要判空</a:t>
             </a:r>
+            <a:endParaRPr lang="zh-CN" altLang="en-US"/>
           </a:p>
         </p:txBody>
       </p:sp>
@@ -10919,6 +11025,7 @@
               <a:rPr lang="en-US" altLang="zh-CN" dirty="0" smtClean="0"/>
               <a:t>O(N2)</a:t>
             </a:r>
+            <a:endParaRPr lang="en-US" altLang="zh-CN" dirty="0" smtClean="0"/>
           </a:p>
           <a:p>
             <a:r>
@@ -11184,6 +11291,7 @@
               <a:rPr lang="en-US" altLang="zh-CN" sz="1350" dirty="0" smtClean="0"/>
               <a:t>[i]-S[j-1]</a:t>
             </a:r>
+            <a:endParaRPr lang="en-US" altLang="zh-CN" sz="1350" dirty="0" smtClean="0"/>
           </a:p>
           <a:p>
             <a:pPr>
@@ -11227,6 +11335,7 @@
               <a:rPr lang="en-US" altLang="zh-CN" sz="1350" dirty="0" smtClean="0"/>
               <a:t>Max(Si - Sj)  # i-m &lt;= j &lt;= i-1</a:t>
             </a:r>
+            <a:endParaRPr lang="en-US" altLang="zh-CN" sz="1350" dirty="0" smtClean="0"/>
           </a:p>
           <a:p>
             <a:pPr>
@@ -11755,6 +11864,7 @@
               <a:rPr lang="zh-CN" altLang="zh-CN" dirty="0"/>
               <a:t>复杂对象</a:t>
             </a:r>
+            <a:endParaRPr lang="zh-CN" altLang="zh-CN" dirty="0"/>
           </a:p>
         </p:txBody>
       </p:sp>
@@ -12014,6 +12124,7 @@
               <a:rPr lang="en-US" altLang="zh-CN"/>
               <a:t>a</a:t>
             </a:r>
+            <a:endParaRPr lang="en-US" altLang="zh-CN"/>
           </a:p>
         </p:txBody>
       </p:sp>
@@ -12043,6 +12154,7 @@
               <a:rPr lang="en-US" altLang="zh-CN"/>
               <a:t>b</a:t>
             </a:r>
+            <a:endParaRPr lang="en-US" altLang="zh-CN"/>
           </a:p>
         </p:txBody>
       </p:sp>
@@ -12302,6 +12414,7 @@
               <a:rPr lang="en-US" altLang="zh-CN"/>
               <a:t>a</a:t>
             </a:r>
+            <a:endParaRPr lang="en-US" altLang="zh-CN"/>
           </a:p>
         </p:txBody>
       </p:sp>
@@ -12331,6 +12444,7 @@
               <a:rPr lang="en-US" altLang="zh-CN"/>
               <a:t>b</a:t>
             </a:r>
+            <a:endParaRPr lang="en-US" altLang="zh-CN"/>
           </a:p>
         </p:txBody>
       </p:sp>
@@ -12450,6 +12564,7 @@
               <a:rPr lang="en-US" altLang="zh-CN"/>
               <a:t>10</a:t>
             </a:r>
+            <a:endParaRPr lang="en-US" altLang="zh-CN"/>
           </a:p>
         </p:txBody>
       </p:sp>
@@ -12551,6 +12666,7 @@
               <a:rPr lang="en-US" altLang="zh-CN"/>
               <a:t>a</a:t>
             </a:r>
+            <a:endParaRPr lang="en-US" altLang="zh-CN"/>
           </a:p>
         </p:txBody>
       </p:sp>
@@ -12580,6 +12696,7 @@
               <a:rPr lang="en-US" altLang="zh-CN"/>
               <a:t>b</a:t>
             </a:r>
+            <a:endParaRPr lang="en-US" altLang="zh-CN"/>
           </a:p>
         </p:txBody>
       </p:sp>
@@ -12645,6 +12762,7 @@
               <a:rPr lang="en-US" altLang="zh-CN"/>
               <a:t>b</a:t>
             </a:r>
+            <a:endParaRPr lang="en-US" altLang="zh-CN"/>
           </a:p>
         </p:txBody>
       </p:sp>
@@ -12686,6 +12804,7 @@
               <a:rPr lang="en-US" altLang="zh-CN"/>
               <a:t>20</a:t>
             </a:r>
+            <a:endParaRPr lang="en-US" altLang="zh-CN"/>
           </a:p>
         </p:txBody>
       </p:sp>
@@ -12715,12 +12834,14 @@
               <a:rPr lang="en-US" altLang="zh-CN"/>
               <a:t>a=b=10</a:t>
             </a:r>
+            <a:endParaRPr lang="en-US" altLang="zh-CN"/>
           </a:p>
           <a:p>
             <a:r>
               <a:rPr lang="en-US" altLang="zh-CN"/>
               <a:t>b+=10</a:t>
             </a:r>
+            <a:endParaRPr lang="en-US" altLang="zh-CN"/>
           </a:p>
         </p:txBody>
       </p:sp>
@@ -12750,12 +12871,14 @@
               <a:rPr lang="en-US" altLang="zh-CN"/>
               <a:t>a=b=[1,2,3,4]</a:t>
             </a:r>
+            <a:endParaRPr lang="en-US" altLang="zh-CN"/>
           </a:p>
           <a:p>
             <a:r>
               <a:rPr lang="en-US" altLang="zh-CN"/>
               <a:t>b.append(5)</a:t>
             </a:r>
+            <a:endParaRPr lang="en-US" altLang="zh-CN"/>
           </a:p>
         </p:txBody>
       </p:sp>
@@ -12800,12 +12923,14 @@
               <a:rPr lang="zh-CN" altLang="zh-CN"/>
               <a:t>一方变化，另一方也变化，</a:t>
             </a:r>
+            <a:endParaRPr lang="zh-CN" altLang="zh-CN"/>
           </a:p>
           <a:p>
             <a:r>
               <a:rPr lang="zh-CN" altLang="zh-CN"/>
               <a:t>相当于是引用，别名</a:t>
             </a:r>
+            <a:endParaRPr lang="zh-CN" altLang="zh-CN"/>
           </a:p>
         </p:txBody>
       </p:sp>
@@ -12843,6 +12968,11 @@
               </a:rPr>
               <a:t>数字，</a:t>
             </a:r>
+            <a:endParaRPr lang="zh-CN" altLang="zh-CN">
+              <a:solidFill>
+                <a:srgbClr val="FF0000"/>
+              </a:solidFill>
+            </a:endParaRPr>
           </a:p>
           <a:p>
             <a:r>
@@ -12857,18 +12987,21 @@
               <a:rPr lang="zh-CN" altLang="zh-CN"/>
               <a:t>，变化的话，地址</a:t>
             </a:r>
+            <a:endParaRPr lang="zh-CN" altLang="zh-CN"/>
           </a:p>
           <a:p>
             <a:r>
               <a:rPr lang="zh-CN" altLang="zh-CN"/>
               <a:t>直接就变了，两个变量没有</a:t>
             </a:r>
+            <a:endParaRPr lang="zh-CN" altLang="zh-CN"/>
           </a:p>
           <a:p>
             <a:r>
               <a:rPr lang="zh-CN" altLang="zh-CN"/>
               <a:t>关系，只是初值相等。</a:t>
             </a:r>
+            <a:endParaRPr lang="zh-CN" altLang="zh-CN"/>
           </a:p>
         </p:txBody>
       </p:sp>
@@ -13174,6 +13307,7 @@
               <a:rPr lang="en-US" altLang="zh-CN" dirty="0" smtClean="0"/>
               <a:t>OK</a:t>
             </a:r>
+            <a:endParaRPr lang="en-US" altLang="zh-CN" dirty="0" smtClean="0"/>
           </a:p>
           <a:p>
             <a:endParaRPr lang="zh-CN" altLang="en-US" dirty="0"/>
@@ -13238,49 +13372,85 @@
           <a:chExt cx="0" cy="0"/>
         </a:xfrm>
       </p:grpSpPr>
-      <p:sp>
-        <p:nvSpPr>
-          <p:cNvPr id="33" name="圆角矩形 32"/>
-          <p:cNvSpPr/>
-          <p:nvPr/>
-        </p:nvSpPr>
-        <p:spPr>
-          <a:xfrm>
-            <a:off x="2071670" y="357166"/>
-            <a:ext cx="5143536" cy="6000792"/>
-          </a:xfrm>
-          <a:prstGeom prst="roundRect">
-            <a:avLst>
-              <a:gd name="adj" fmla="val 5214"/>
-            </a:avLst>
-          </a:prstGeom>
-        </p:spPr>
-        <p:style>
-          <a:lnRef idx="1">
-            <a:schemeClr val="accent6"/>
-          </a:lnRef>
-          <a:fillRef idx="2">
-            <a:schemeClr val="accent6"/>
-          </a:fillRef>
-          <a:effectRef idx="1">
-            <a:schemeClr val="accent6"/>
-          </a:effectRef>
-          <a:fontRef idx="minor">
-            <a:schemeClr val="dk1"/>
-          </a:fontRef>
-        </p:style>
-        <p:txBody>
-          <a:bodyPr rtlCol="0" anchor="ctr"/>
-          <a:lstStyle/>
-          <a:p>
-            <a:pPr algn="ctr"/>
-            <a:endParaRPr lang="zh-CN" altLang="en-US"/>
-          </a:p>
-        </p:txBody>
-      </p:sp>
-      <p:sp>
-        <p:nvSpPr>
-          <p:cNvPr id="3" name="矩形 2"/>
+      <p:pic>
+        <p:nvPicPr>
+          <p:cNvPr id="13" name="图片 12"/>
+          <p:cNvPicPr>
+            <a:picLocks noChangeAspect="1"/>
+          </p:cNvPicPr>
+          <p:nvPr>
+            <p:custDataLst>
+              <p:tags r:id="rId1"/>
+            </p:custDataLst>
+          </p:nvPr>
+        </p:nvPicPr>
+        <p:blipFill>
+          <a:blip r:embed="rId2"/>
+          <a:stretch>
+            <a:fillRect/>
+          </a:stretch>
+        </p:blipFill>
+        <p:spPr>
+          <a:xfrm>
+            <a:off x="656590" y="2247265"/>
+            <a:ext cx="3724275" cy="1476375"/>
+          </a:xfrm>
+          <a:prstGeom prst="rect">
+            <a:avLst/>
+          </a:prstGeom>
+        </p:spPr>
+      </p:pic>
+      <p:pic>
+        <p:nvPicPr>
+          <p:cNvPr id="14" name="图片 13"/>
+          <p:cNvPicPr>
+            <a:picLocks noChangeAspect="1"/>
+          </p:cNvPicPr>
+          <p:nvPr/>
+        </p:nvPicPr>
+        <p:blipFill>
+          <a:blip r:embed="rId3"/>
+          <a:stretch>
+            <a:fillRect/>
+          </a:stretch>
+        </p:blipFill>
+        <p:spPr>
+          <a:xfrm>
+            <a:off x="5093970" y="2247265"/>
+            <a:ext cx="3543300" cy="1533525"/>
+          </a:xfrm>
+          <a:prstGeom prst="rect">
+            <a:avLst/>
+          </a:prstGeom>
+        </p:spPr>
+      </p:pic>
+      <p:pic>
+        <p:nvPicPr>
+          <p:cNvPr id="15" name="图片 14"/>
+          <p:cNvPicPr>
+            <a:picLocks noChangeAspect="1"/>
+          </p:cNvPicPr>
+          <p:nvPr/>
+        </p:nvPicPr>
+        <p:blipFill>
+          <a:blip r:embed="rId4"/>
+          <a:stretch>
+            <a:fillRect/>
+          </a:stretch>
+        </p:blipFill>
+        <p:spPr>
+          <a:xfrm>
+            <a:off x="3107055" y="4591050"/>
+            <a:ext cx="3352800" cy="1781175"/>
+          </a:xfrm>
+          <a:prstGeom prst="rect">
+            <a:avLst/>
+          </a:prstGeom>
+        </p:spPr>
+      </p:pic>
+      <p:sp>
+        <p:nvSpPr>
+          <p:cNvPr id="16" name="矩形 15"/>
           <p:cNvSpPr/>
           <p:nvPr/>
         </p:nvSpPr>
@@ -13314,12 +13484,11 @@
         </p:style>
         <p:txBody>
           <a:bodyPr rtlCol="0" anchor="ctr"/>
-          <a:lstStyle/>
-          <a:p>
-            <a:pPr algn="ctr"/>
-            <a:r>
-              <a:rPr lang="zh-CN" altLang="en-US" b="1" dirty="0" smtClean="0"/>
-              <a:t>编辑距离</a:t>
+          <a:p>
+            <a:pPr algn="ctr"/>
+            <a:r>
+              <a:rPr lang="zh-CN" altLang="en-US" b="1" dirty="0"/>
+              <a:t>约瑟夫环</a:t>
             </a:r>
             <a:endParaRPr lang="zh-CN" altLang="en-US" b="1" dirty="0"/>
           </a:p>
@@ -13327,94 +13496,14 @@
       </p:sp>
       <p:sp>
         <p:nvSpPr>
-          <p:cNvPr id="4" name="圆角矩形 3"/>
-          <p:cNvSpPr/>
-          <p:nvPr/>
-        </p:nvSpPr>
-        <p:spPr>
-          <a:xfrm>
-            <a:off x="3143240" y="928670"/>
-            <a:ext cx="2571768" cy="285752"/>
-          </a:xfrm>
-          <a:prstGeom prst="roundRect">
-            <a:avLst/>
-          </a:prstGeom>
-        </p:spPr>
-        <p:style>
-          <a:lnRef idx="2">
-            <a:schemeClr val="accent3">
-              <a:shade val="50000"/>
-            </a:schemeClr>
-          </a:lnRef>
-          <a:fillRef idx="1">
-            <a:schemeClr val="accent3"/>
-          </a:fillRef>
-          <a:effectRef idx="0">
-            <a:schemeClr val="accent3"/>
-          </a:effectRef>
-          <a:fontRef idx="minor">
-            <a:schemeClr val="lt1"/>
-          </a:fontRef>
-        </p:style>
-        <p:txBody>
-          <a:bodyPr rtlCol="0" anchor="ctr"/>
-          <a:lstStyle/>
-          <a:p>
-            <a:pPr algn="ctr"/>
-            <a:endParaRPr lang="zh-CN" altLang="en-US"/>
-          </a:p>
-        </p:txBody>
-      </p:sp>
-      <p:sp>
-        <p:nvSpPr>
-          <p:cNvPr id="5" name="圆角矩形 4"/>
-          <p:cNvSpPr/>
-          <p:nvPr/>
-        </p:nvSpPr>
-        <p:spPr>
-          <a:xfrm>
-            <a:off x="3143240" y="1214422"/>
-            <a:ext cx="3429024" cy="285752"/>
-          </a:xfrm>
-          <a:prstGeom prst="roundRect">
-            <a:avLst/>
-          </a:prstGeom>
-        </p:spPr>
-        <p:style>
-          <a:lnRef idx="2">
-            <a:schemeClr val="accent3">
-              <a:shade val="50000"/>
-            </a:schemeClr>
-          </a:lnRef>
-          <a:fillRef idx="1">
-            <a:schemeClr val="accent3"/>
-          </a:fillRef>
-          <a:effectRef idx="0">
-            <a:schemeClr val="accent3"/>
-          </a:effectRef>
-          <a:fontRef idx="minor">
-            <a:schemeClr val="lt1"/>
-          </a:fontRef>
-        </p:style>
-        <p:txBody>
-          <a:bodyPr rtlCol="0" anchor="ctr"/>
-          <a:lstStyle/>
-          <a:p>
-            <a:pPr algn="ctr"/>
-            <a:endParaRPr lang="zh-CN" altLang="en-US"/>
-          </a:p>
-        </p:txBody>
-      </p:sp>
-      <p:sp>
-        <p:nvSpPr>
-          <p:cNvPr id="6" name="TextBox 5"/>
+          <p:cNvPr id="17" name="文本框 16"/>
           <p:cNvSpPr txBox="1"/>
           <p:nvPr/>
         </p:nvSpPr>
         <p:spPr>
           <a:xfrm>
-            <a:off x="2428860" y="928670"/>
-            <a:ext cx="585417" cy="307777"/>
+            <a:off x="3409315" y="781685"/>
+            <a:ext cx="2325370" cy="922020"/>
           </a:xfrm>
           <a:prstGeom prst="rect">
             <a:avLst/>
@@ -13425,906 +13514,29 @@
           <a:bodyPr wrap="none" rtlCol="0">
             <a:spAutoFit/>
           </a:bodyPr>
-          <a:lstStyle/>
-          <a:p>
-            <a:r>
-              <a:rPr lang="zh-CN" altLang="en-US" sz="1400" dirty="0" smtClean="0"/>
-              <a:t>单词</a:t>
-            </a:r>
-            <a:r>
-              <a:rPr lang="en-US" altLang="zh-CN" sz="1400" dirty="0" smtClean="0"/>
-              <a:t>i</a:t>
-            </a:r>
-            <a:endParaRPr lang="zh-CN" altLang="en-US" sz="1400" dirty="0"/>
-          </a:p>
-        </p:txBody>
-      </p:sp>
-      <p:sp>
-        <p:nvSpPr>
-          <p:cNvPr id="7" name="TextBox 6"/>
-          <p:cNvSpPr txBox="1"/>
-          <p:nvPr/>
-        </p:nvSpPr>
-        <p:spPr>
-          <a:xfrm>
-            <a:off x="2428860" y="1214422"/>
-            <a:ext cx="587020" cy="307777"/>
-          </a:xfrm>
-          <a:prstGeom prst="rect">
-            <a:avLst/>
-          </a:prstGeom>
-          <a:noFill/>
-        </p:spPr>
-        <p:txBody>
-          <a:bodyPr wrap="none" rtlCol="0">
-            <a:spAutoFit/>
-          </a:bodyPr>
-          <a:lstStyle/>
-          <a:p>
-            <a:r>
-              <a:rPr lang="zh-CN" altLang="en-US" sz="1400" dirty="0" smtClean="0"/>
-              <a:t>单词</a:t>
-            </a:r>
-            <a:r>
-              <a:rPr lang="en-US" altLang="zh-CN" sz="1400" dirty="0" smtClean="0"/>
-              <a:t>j</a:t>
-            </a:r>
-            <a:endParaRPr lang="zh-CN" altLang="en-US" sz="1400" dirty="0"/>
-          </a:p>
-        </p:txBody>
-      </p:sp>
-      <p:sp>
-        <p:nvSpPr>
-          <p:cNvPr id="8" name="圆角矩形 7"/>
-          <p:cNvSpPr/>
-          <p:nvPr/>
-        </p:nvSpPr>
-        <p:spPr>
-          <a:xfrm>
-            <a:off x="6572264" y="1223214"/>
-            <a:ext cx="285752" cy="285752"/>
-          </a:xfrm>
-          <a:prstGeom prst="roundRect">
-            <a:avLst/>
-          </a:prstGeom>
-        </p:spPr>
-        <p:style>
-          <a:lnRef idx="0">
-            <a:schemeClr val="accent2"/>
-          </a:lnRef>
-          <a:fillRef idx="3">
-            <a:schemeClr val="accent2"/>
-          </a:fillRef>
-          <a:effectRef idx="3">
-            <a:schemeClr val="accent2"/>
-          </a:effectRef>
-          <a:fontRef idx="minor">
-            <a:schemeClr val="lt1"/>
-          </a:fontRef>
-        </p:style>
-        <p:txBody>
-          <a:bodyPr rtlCol="0" anchor="ctr"/>
-          <a:lstStyle/>
-          <a:p>
-            <a:pPr algn="ctr"/>
-            <a:endParaRPr lang="zh-CN" altLang="en-US"/>
-          </a:p>
-        </p:txBody>
-      </p:sp>
-      <p:sp>
-        <p:nvSpPr>
-          <p:cNvPr id="10" name="圆角矩形 9"/>
-          <p:cNvSpPr/>
-          <p:nvPr/>
-        </p:nvSpPr>
-        <p:spPr>
-          <a:xfrm>
-            <a:off x="3143240" y="2357430"/>
-            <a:ext cx="2286016" cy="285752"/>
-          </a:xfrm>
-          <a:prstGeom prst="roundRect">
-            <a:avLst/>
-          </a:prstGeom>
-        </p:spPr>
-        <p:style>
-          <a:lnRef idx="2">
-            <a:schemeClr val="accent3">
-              <a:shade val="50000"/>
-            </a:schemeClr>
-          </a:lnRef>
-          <a:fillRef idx="1">
-            <a:schemeClr val="accent3"/>
-          </a:fillRef>
-          <a:effectRef idx="0">
-            <a:schemeClr val="accent3"/>
-          </a:effectRef>
-          <a:fontRef idx="minor">
-            <a:schemeClr val="lt1"/>
-          </a:fontRef>
-        </p:style>
-        <p:txBody>
-          <a:bodyPr rtlCol="0" anchor="ctr"/>
-          <a:lstStyle/>
-          <a:p>
-            <a:pPr algn="ctr"/>
-            <a:endParaRPr lang="zh-CN" altLang="en-US"/>
-          </a:p>
-        </p:txBody>
-      </p:sp>
-      <p:sp>
-        <p:nvSpPr>
-          <p:cNvPr id="11" name="圆角矩形 10"/>
-          <p:cNvSpPr/>
-          <p:nvPr/>
-        </p:nvSpPr>
-        <p:spPr>
-          <a:xfrm>
-            <a:off x="3143240" y="2643182"/>
-            <a:ext cx="3429024" cy="285752"/>
-          </a:xfrm>
-          <a:prstGeom prst="roundRect">
-            <a:avLst/>
-          </a:prstGeom>
-        </p:spPr>
-        <p:style>
-          <a:lnRef idx="2">
-            <a:schemeClr val="accent3">
-              <a:shade val="50000"/>
-            </a:schemeClr>
-          </a:lnRef>
-          <a:fillRef idx="1">
-            <a:schemeClr val="accent3"/>
-          </a:fillRef>
-          <a:effectRef idx="0">
-            <a:schemeClr val="accent3"/>
-          </a:effectRef>
-          <a:fontRef idx="minor">
-            <a:schemeClr val="lt1"/>
-          </a:fontRef>
-        </p:style>
-        <p:txBody>
-          <a:bodyPr rtlCol="0" anchor="ctr"/>
-          <a:lstStyle/>
-          <a:p>
-            <a:pPr algn="ctr"/>
-            <a:endParaRPr lang="zh-CN" altLang="en-US"/>
-          </a:p>
-        </p:txBody>
-      </p:sp>
-      <p:sp>
-        <p:nvSpPr>
-          <p:cNvPr id="12" name="TextBox 11"/>
-          <p:cNvSpPr txBox="1"/>
-          <p:nvPr/>
-        </p:nvSpPr>
-        <p:spPr>
-          <a:xfrm>
-            <a:off x="2428860" y="2357430"/>
-            <a:ext cx="585417" cy="307777"/>
-          </a:xfrm>
-          <a:prstGeom prst="rect">
-            <a:avLst/>
-          </a:prstGeom>
-          <a:noFill/>
-        </p:spPr>
-        <p:txBody>
-          <a:bodyPr wrap="none" rtlCol="0">
-            <a:spAutoFit/>
-          </a:bodyPr>
-          <a:lstStyle/>
-          <a:p>
-            <a:r>
-              <a:rPr lang="zh-CN" altLang="en-US" sz="1400" dirty="0" smtClean="0"/>
-              <a:t>单词</a:t>
-            </a:r>
-            <a:r>
-              <a:rPr lang="en-US" altLang="zh-CN" sz="1400" dirty="0" smtClean="0"/>
-              <a:t>i</a:t>
-            </a:r>
-            <a:endParaRPr lang="zh-CN" altLang="en-US" sz="1400" dirty="0"/>
-          </a:p>
-        </p:txBody>
-      </p:sp>
-      <p:sp>
-        <p:nvSpPr>
-          <p:cNvPr id="13" name="TextBox 12"/>
-          <p:cNvSpPr txBox="1"/>
-          <p:nvPr/>
-        </p:nvSpPr>
-        <p:spPr>
-          <a:xfrm>
-            <a:off x="2428860" y="2643182"/>
-            <a:ext cx="587020" cy="307777"/>
-          </a:xfrm>
-          <a:prstGeom prst="rect">
-            <a:avLst/>
-          </a:prstGeom>
-          <a:noFill/>
-        </p:spPr>
-        <p:txBody>
-          <a:bodyPr wrap="none" rtlCol="0">
-            <a:spAutoFit/>
-          </a:bodyPr>
-          <a:lstStyle/>
-          <a:p>
-            <a:r>
-              <a:rPr lang="zh-CN" altLang="en-US" sz="1400" dirty="0" smtClean="0"/>
-              <a:t>单词</a:t>
-            </a:r>
-            <a:r>
-              <a:rPr lang="en-US" altLang="zh-CN" sz="1400" dirty="0" smtClean="0"/>
-              <a:t>j</a:t>
-            </a:r>
-            <a:endParaRPr lang="zh-CN" altLang="en-US" sz="1400" dirty="0"/>
-          </a:p>
-        </p:txBody>
-      </p:sp>
-      <p:sp>
-        <p:nvSpPr>
-          <p:cNvPr id="14" name="圆角矩形 13"/>
-          <p:cNvSpPr/>
-          <p:nvPr/>
-        </p:nvSpPr>
-        <p:spPr>
-          <a:xfrm>
-            <a:off x="5429256" y="2357430"/>
-            <a:ext cx="285752" cy="285752"/>
-          </a:xfrm>
-          <a:prstGeom prst="roundRect">
-            <a:avLst/>
-          </a:prstGeom>
-        </p:spPr>
-        <p:style>
-          <a:lnRef idx="0">
-            <a:schemeClr val="accent2"/>
-          </a:lnRef>
-          <a:fillRef idx="3">
-            <a:schemeClr val="accent2"/>
-          </a:fillRef>
-          <a:effectRef idx="3">
-            <a:schemeClr val="accent2"/>
-          </a:effectRef>
-          <a:fontRef idx="minor">
-            <a:schemeClr val="lt1"/>
-          </a:fontRef>
-        </p:style>
-        <p:txBody>
-          <a:bodyPr rtlCol="0" anchor="ctr"/>
-          <a:lstStyle/>
-          <a:p>
-            <a:pPr algn="ctr"/>
-            <a:endParaRPr lang="zh-CN" altLang="en-US"/>
-          </a:p>
-        </p:txBody>
-      </p:sp>
-      <p:sp>
-        <p:nvSpPr>
-          <p:cNvPr id="15" name="圆角矩形 14"/>
-          <p:cNvSpPr/>
-          <p:nvPr/>
-        </p:nvSpPr>
-        <p:spPr>
-          <a:xfrm>
-            <a:off x="3143240" y="3907041"/>
-            <a:ext cx="2286016" cy="285752"/>
-          </a:xfrm>
-          <a:prstGeom prst="roundRect">
-            <a:avLst/>
-          </a:prstGeom>
-        </p:spPr>
-        <p:style>
-          <a:lnRef idx="2">
-            <a:schemeClr val="accent3">
-              <a:shade val="50000"/>
-            </a:schemeClr>
-          </a:lnRef>
-          <a:fillRef idx="1">
-            <a:schemeClr val="accent3"/>
-          </a:fillRef>
-          <a:effectRef idx="0">
-            <a:schemeClr val="accent3"/>
-          </a:effectRef>
-          <a:fontRef idx="minor">
-            <a:schemeClr val="lt1"/>
-          </a:fontRef>
-        </p:style>
-        <p:txBody>
-          <a:bodyPr rtlCol="0" anchor="ctr"/>
-          <a:lstStyle/>
-          <a:p>
-            <a:pPr algn="ctr"/>
-            <a:endParaRPr lang="zh-CN" altLang="en-US"/>
-          </a:p>
-        </p:txBody>
-      </p:sp>
-      <p:sp>
-        <p:nvSpPr>
-          <p:cNvPr id="16" name="圆角矩形 15"/>
-          <p:cNvSpPr/>
-          <p:nvPr/>
-        </p:nvSpPr>
-        <p:spPr>
-          <a:xfrm>
-            <a:off x="3143240" y="4192793"/>
-            <a:ext cx="3429024" cy="285752"/>
-          </a:xfrm>
-          <a:prstGeom prst="roundRect">
-            <a:avLst/>
-          </a:prstGeom>
-        </p:spPr>
-        <p:style>
-          <a:lnRef idx="2">
-            <a:schemeClr val="accent3">
-              <a:shade val="50000"/>
-            </a:schemeClr>
-          </a:lnRef>
-          <a:fillRef idx="1">
-            <a:schemeClr val="accent3"/>
-          </a:fillRef>
-          <a:effectRef idx="0">
-            <a:schemeClr val="accent3"/>
-          </a:effectRef>
-          <a:fontRef idx="minor">
-            <a:schemeClr val="lt1"/>
-          </a:fontRef>
-        </p:style>
-        <p:txBody>
-          <a:bodyPr rtlCol="0" anchor="ctr"/>
-          <a:lstStyle/>
-          <a:p>
-            <a:pPr algn="ctr"/>
-            <a:endParaRPr lang="zh-CN" altLang="en-US"/>
-          </a:p>
-        </p:txBody>
-      </p:sp>
-      <p:sp>
-        <p:nvSpPr>
-          <p:cNvPr id="17" name="TextBox 16"/>
-          <p:cNvSpPr txBox="1"/>
-          <p:nvPr/>
-        </p:nvSpPr>
-        <p:spPr>
-          <a:xfrm>
-            <a:off x="2428860" y="3907041"/>
-            <a:ext cx="585417" cy="307777"/>
-          </a:xfrm>
-          <a:prstGeom prst="rect">
-            <a:avLst/>
-          </a:prstGeom>
-          <a:noFill/>
-        </p:spPr>
-        <p:txBody>
-          <a:bodyPr wrap="none" rtlCol="0">
-            <a:spAutoFit/>
-          </a:bodyPr>
-          <a:lstStyle/>
-          <a:p>
-            <a:r>
-              <a:rPr lang="zh-CN" altLang="en-US" sz="1400" dirty="0" smtClean="0"/>
-              <a:t>单词</a:t>
-            </a:r>
-            <a:r>
-              <a:rPr lang="en-US" altLang="zh-CN" sz="1400" dirty="0" smtClean="0"/>
-              <a:t>i</a:t>
-            </a:r>
-            <a:endParaRPr lang="zh-CN" altLang="en-US" sz="1400" dirty="0"/>
-          </a:p>
-        </p:txBody>
-      </p:sp>
-      <p:sp>
-        <p:nvSpPr>
-          <p:cNvPr id="18" name="TextBox 17"/>
-          <p:cNvSpPr txBox="1"/>
-          <p:nvPr/>
-        </p:nvSpPr>
-        <p:spPr>
-          <a:xfrm>
-            <a:off x="2428860" y="4192793"/>
-            <a:ext cx="587020" cy="307777"/>
-          </a:xfrm>
-          <a:prstGeom prst="rect">
-            <a:avLst/>
-          </a:prstGeom>
-          <a:noFill/>
-        </p:spPr>
-        <p:txBody>
-          <a:bodyPr wrap="none" rtlCol="0">
-            <a:spAutoFit/>
-          </a:bodyPr>
-          <a:lstStyle/>
-          <a:p>
-            <a:r>
-              <a:rPr lang="zh-CN" altLang="en-US" sz="1400" dirty="0" smtClean="0"/>
-              <a:t>单词</a:t>
-            </a:r>
-            <a:r>
-              <a:rPr lang="en-US" altLang="zh-CN" sz="1400" dirty="0" smtClean="0"/>
-              <a:t>j</a:t>
-            </a:r>
-            <a:endParaRPr lang="zh-CN" altLang="en-US" sz="1400" dirty="0"/>
-          </a:p>
-        </p:txBody>
-      </p:sp>
-      <p:sp>
-        <p:nvSpPr>
-          <p:cNvPr id="19" name="圆角矩形 18"/>
-          <p:cNvSpPr/>
-          <p:nvPr/>
-        </p:nvSpPr>
-        <p:spPr>
-          <a:xfrm>
-            <a:off x="5429256" y="3907041"/>
-            <a:ext cx="285752" cy="285752"/>
-          </a:xfrm>
-          <a:prstGeom prst="roundRect">
-            <a:avLst/>
-          </a:prstGeom>
-        </p:spPr>
-        <p:style>
-          <a:lnRef idx="0">
-            <a:schemeClr val="accent2"/>
-          </a:lnRef>
-          <a:fillRef idx="3">
-            <a:schemeClr val="accent2"/>
-          </a:fillRef>
-          <a:effectRef idx="3">
-            <a:schemeClr val="accent2"/>
-          </a:effectRef>
-          <a:fontRef idx="minor">
-            <a:schemeClr val="lt1"/>
-          </a:fontRef>
-        </p:style>
-        <p:txBody>
-          <a:bodyPr rtlCol="0" anchor="ctr"/>
-          <a:lstStyle/>
-          <a:p>
-            <a:pPr algn="ctr"/>
-            <a:endParaRPr lang="zh-CN" altLang="en-US"/>
-          </a:p>
-        </p:txBody>
-      </p:sp>
-      <p:sp>
-        <p:nvSpPr>
-          <p:cNvPr id="20" name="圆角矩形 19"/>
-          <p:cNvSpPr/>
-          <p:nvPr/>
-        </p:nvSpPr>
-        <p:spPr>
-          <a:xfrm>
-            <a:off x="6572264" y="4192793"/>
-            <a:ext cx="285752" cy="285752"/>
-          </a:xfrm>
-          <a:prstGeom prst="roundRect">
-            <a:avLst/>
-          </a:prstGeom>
-        </p:spPr>
-        <p:style>
-          <a:lnRef idx="0">
-            <a:schemeClr val="accent2"/>
-          </a:lnRef>
-          <a:fillRef idx="3">
-            <a:schemeClr val="accent2"/>
-          </a:fillRef>
-          <a:effectRef idx="3">
-            <a:schemeClr val="accent2"/>
-          </a:effectRef>
-          <a:fontRef idx="minor">
-            <a:schemeClr val="lt1"/>
-          </a:fontRef>
-        </p:style>
-        <p:txBody>
-          <a:bodyPr rtlCol="0" anchor="ctr"/>
-          <a:lstStyle/>
-          <a:p>
-            <a:pPr algn="ctr"/>
-            <a:endParaRPr lang="zh-CN" altLang="en-US"/>
-          </a:p>
-        </p:txBody>
-      </p:sp>
-      <p:sp>
-        <p:nvSpPr>
-          <p:cNvPr id="21" name="TextBox 20"/>
-          <p:cNvSpPr txBox="1"/>
-          <p:nvPr/>
-        </p:nvSpPr>
-        <p:spPr>
-          <a:xfrm>
-            <a:off x="3143240" y="571480"/>
-            <a:ext cx="2228495" cy="369332"/>
-          </a:xfrm>
-          <a:prstGeom prst="rect">
-            <a:avLst/>
-          </a:prstGeom>
-          <a:noFill/>
-        </p:spPr>
-        <p:txBody>
-          <a:bodyPr wrap="none" rtlCol="0">
-            <a:spAutoFit/>
-          </a:bodyPr>
-          <a:lstStyle/>
-          <a:p>
-            <a:r>
-              <a:rPr lang="en-US" altLang="zh-CN" dirty="0" smtClean="0"/>
-              <a:t>Dp[i][j] &lt;= dp[i][j-1]+1</a:t>
-            </a:r>
-            <a:endParaRPr lang="zh-CN" altLang="en-US" dirty="0"/>
-          </a:p>
-        </p:txBody>
-      </p:sp>
-      <p:sp>
-        <p:nvSpPr>
-          <p:cNvPr id="24" name="TextBox 23"/>
-          <p:cNvSpPr txBox="1"/>
-          <p:nvPr/>
-        </p:nvSpPr>
-        <p:spPr>
-          <a:xfrm>
-            <a:off x="3143240" y="2000240"/>
-            <a:ext cx="2299027" cy="369332"/>
-          </a:xfrm>
-          <a:prstGeom prst="rect">
-            <a:avLst/>
-          </a:prstGeom>
-          <a:noFill/>
-        </p:spPr>
-        <p:txBody>
-          <a:bodyPr wrap="none" rtlCol="0">
-            <a:spAutoFit/>
-          </a:bodyPr>
-          <a:lstStyle/>
-          <a:p>
-            <a:r>
-              <a:rPr lang="en-US" altLang="zh-CN" dirty="0" smtClean="0"/>
-              <a:t>Dp[i][j] &lt;= dp[i-1][j]+1</a:t>
-            </a:r>
-            <a:endParaRPr lang="zh-CN" altLang="en-US" dirty="0"/>
-          </a:p>
-        </p:txBody>
-      </p:sp>
-      <p:sp>
-        <p:nvSpPr>
-          <p:cNvPr id="25" name="TextBox 24"/>
-          <p:cNvSpPr txBox="1"/>
-          <p:nvPr/>
-        </p:nvSpPr>
-        <p:spPr>
-          <a:xfrm>
-            <a:off x="3143240" y="3500438"/>
-            <a:ext cx="2183611" cy="369332"/>
-          </a:xfrm>
-          <a:prstGeom prst="rect">
-            <a:avLst/>
-          </a:prstGeom>
-          <a:noFill/>
-        </p:spPr>
-        <p:txBody>
-          <a:bodyPr wrap="none" rtlCol="0">
-            <a:spAutoFit/>
-          </a:bodyPr>
-          <a:lstStyle/>
-          <a:p>
-            <a:r>
-              <a:rPr lang="en-US" altLang="zh-CN" dirty="0" smtClean="0"/>
-              <a:t>Dp[i][j] &lt;= dp[i-1][j-1]</a:t>
-            </a:r>
-            <a:endParaRPr lang="zh-CN" altLang="en-US" dirty="0"/>
-          </a:p>
-        </p:txBody>
-      </p:sp>
-      <p:sp>
-        <p:nvSpPr>
-          <p:cNvPr id="26" name="圆角矩形 25"/>
-          <p:cNvSpPr/>
-          <p:nvPr/>
-        </p:nvSpPr>
-        <p:spPr>
-          <a:xfrm>
-            <a:off x="3143240" y="5264363"/>
-            <a:ext cx="2286016" cy="285752"/>
-          </a:xfrm>
-          <a:prstGeom prst="roundRect">
-            <a:avLst/>
-          </a:prstGeom>
-        </p:spPr>
-        <p:style>
-          <a:lnRef idx="2">
-            <a:schemeClr val="accent3">
-              <a:shade val="50000"/>
-            </a:schemeClr>
-          </a:lnRef>
-          <a:fillRef idx="1">
-            <a:schemeClr val="accent3"/>
-          </a:fillRef>
-          <a:effectRef idx="0">
-            <a:schemeClr val="accent3"/>
-          </a:effectRef>
-          <a:fontRef idx="minor">
-            <a:schemeClr val="lt1"/>
-          </a:fontRef>
-        </p:style>
-        <p:txBody>
-          <a:bodyPr rtlCol="0" anchor="ctr"/>
-          <a:lstStyle/>
-          <a:p>
-            <a:pPr algn="ctr"/>
-            <a:endParaRPr lang="zh-CN" altLang="en-US"/>
-          </a:p>
-        </p:txBody>
-      </p:sp>
-      <p:sp>
-        <p:nvSpPr>
-          <p:cNvPr id="27" name="圆角矩形 26"/>
-          <p:cNvSpPr/>
-          <p:nvPr/>
-        </p:nvSpPr>
-        <p:spPr>
-          <a:xfrm>
-            <a:off x="3143240" y="5550115"/>
-            <a:ext cx="3429024" cy="285752"/>
-          </a:xfrm>
-          <a:prstGeom prst="roundRect">
-            <a:avLst/>
-          </a:prstGeom>
-        </p:spPr>
-        <p:style>
-          <a:lnRef idx="2">
-            <a:schemeClr val="accent3">
-              <a:shade val="50000"/>
-            </a:schemeClr>
-          </a:lnRef>
-          <a:fillRef idx="1">
-            <a:schemeClr val="accent3"/>
-          </a:fillRef>
-          <a:effectRef idx="0">
-            <a:schemeClr val="accent3"/>
-          </a:effectRef>
-          <a:fontRef idx="minor">
-            <a:schemeClr val="lt1"/>
-          </a:fontRef>
-        </p:style>
-        <p:txBody>
-          <a:bodyPr rtlCol="0" anchor="ctr"/>
-          <a:lstStyle/>
-          <a:p>
-            <a:pPr algn="ctr"/>
-            <a:endParaRPr lang="zh-CN" altLang="en-US"/>
-          </a:p>
-        </p:txBody>
-      </p:sp>
-      <p:sp>
-        <p:nvSpPr>
-          <p:cNvPr id="28" name="TextBox 27"/>
-          <p:cNvSpPr txBox="1"/>
-          <p:nvPr/>
-        </p:nvSpPr>
-        <p:spPr>
-          <a:xfrm>
-            <a:off x="2428860" y="5264363"/>
-            <a:ext cx="585417" cy="307777"/>
-          </a:xfrm>
-          <a:prstGeom prst="rect">
-            <a:avLst/>
-          </a:prstGeom>
-          <a:noFill/>
-        </p:spPr>
-        <p:txBody>
-          <a:bodyPr wrap="none" rtlCol="0">
-            <a:spAutoFit/>
-          </a:bodyPr>
-          <a:lstStyle/>
-          <a:p>
-            <a:r>
-              <a:rPr lang="zh-CN" altLang="en-US" sz="1400" dirty="0" smtClean="0"/>
-              <a:t>单词</a:t>
-            </a:r>
-            <a:r>
-              <a:rPr lang="en-US" altLang="zh-CN" sz="1400" dirty="0" smtClean="0"/>
-              <a:t>i</a:t>
-            </a:r>
-            <a:endParaRPr lang="zh-CN" altLang="en-US" sz="1400" dirty="0"/>
-          </a:p>
-        </p:txBody>
-      </p:sp>
-      <p:sp>
-        <p:nvSpPr>
-          <p:cNvPr id="29" name="TextBox 28"/>
-          <p:cNvSpPr txBox="1"/>
-          <p:nvPr/>
-        </p:nvSpPr>
-        <p:spPr>
-          <a:xfrm>
-            <a:off x="2428860" y="5550115"/>
-            <a:ext cx="587020" cy="307777"/>
-          </a:xfrm>
-          <a:prstGeom prst="rect">
-            <a:avLst/>
-          </a:prstGeom>
-          <a:noFill/>
-        </p:spPr>
-        <p:txBody>
-          <a:bodyPr wrap="none" rtlCol="0">
-            <a:spAutoFit/>
-          </a:bodyPr>
-          <a:lstStyle/>
-          <a:p>
-            <a:r>
-              <a:rPr lang="zh-CN" altLang="en-US" sz="1400" dirty="0" smtClean="0"/>
-              <a:t>单词</a:t>
-            </a:r>
-            <a:r>
-              <a:rPr lang="en-US" altLang="zh-CN" sz="1400" dirty="0" smtClean="0"/>
-              <a:t>j</a:t>
-            </a:r>
-            <a:endParaRPr lang="zh-CN" altLang="en-US" sz="1400" dirty="0"/>
-          </a:p>
-        </p:txBody>
-      </p:sp>
-      <p:sp>
-        <p:nvSpPr>
-          <p:cNvPr id="30" name="圆角矩形 29"/>
-          <p:cNvSpPr/>
-          <p:nvPr/>
-        </p:nvSpPr>
-        <p:spPr>
-          <a:xfrm>
-            <a:off x="5429256" y="5264363"/>
-            <a:ext cx="285752" cy="285752"/>
-          </a:xfrm>
-          <a:prstGeom prst="roundRect">
-            <a:avLst/>
-          </a:prstGeom>
-        </p:spPr>
-        <p:style>
-          <a:lnRef idx="0">
-            <a:schemeClr val="accent4"/>
-          </a:lnRef>
-          <a:fillRef idx="3">
-            <a:schemeClr val="accent4"/>
-          </a:fillRef>
-          <a:effectRef idx="3">
-            <a:schemeClr val="accent4"/>
-          </a:effectRef>
-          <a:fontRef idx="minor">
-            <a:schemeClr val="lt1"/>
-          </a:fontRef>
-        </p:style>
-        <p:txBody>
-          <a:bodyPr rtlCol="0" anchor="ctr"/>
-          <a:lstStyle/>
-          <a:p>
-            <a:pPr algn="ctr"/>
-            <a:endParaRPr lang="zh-CN" altLang="en-US"/>
-          </a:p>
-        </p:txBody>
-      </p:sp>
-      <p:sp>
-        <p:nvSpPr>
-          <p:cNvPr id="31" name="圆角矩形 30"/>
-          <p:cNvSpPr/>
-          <p:nvPr/>
-        </p:nvSpPr>
-        <p:spPr>
-          <a:xfrm>
-            <a:off x="6572264" y="5550115"/>
-            <a:ext cx="285752" cy="285752"/>
-          </a:xfrm>
-          <a:prstGeom prst="roundRect">
-            <a:avLst/>
-          </a:prstGeom>
-        </p:spPr>
-        <p:style>
-          <a:lnRef idx="0">
-            <a:schemeClr val="accent2"/>
-          </a:lnRef>
-          <a:fillRef idx="3">
-            <a:schemeClr val="accent2"/>
-          </a:fillRef>
-          <a:effectRef idx="3">
-            <a:schemeClr val="accent2"/>
-          </a:effectRef>
-          <a:fontRef idx="minor">
-            <a:schemeClr val="lt1"/>
-          </a:fontRef>
-        </p:style>
-        <p:txBody>
-          <a:bodyPr rtlCol="0" anchor="ctr"/>
-          <a:lstStyle/>
-          <a:p>
-            <a:pPr algn="ctr"/>
-            <a:endParaRPr lang="zh-CN" altLang="en-US"/>
-          </a:p>
-        </p:txBody>
-      </p:sp>
-      <p:sp>
-        <p:nvSpPr>
-          <p:cNvPr id="32" name="TextBox 31"/>
-          <p:cNvSpPr txBox="1"/>
-          <p:nvPr/>
-        </p:nvSpPr>
-        <p:spPr>
-          <a:xfrm>
-            <a:off x="3143240" y="4907173"/>
-            <a:ext cx="2416046" cy="369332"/>
-          </a:xfrm>
-          <a:prstGeom prst="rect">
-            <a:avLst/>
-          </a:prstGeom>
-          <a:noFill/>
-        </p:spPr>
-        <p:txBody>
-          <a:bodyPr wrap="none" rtlCol="0">
-            <a:spAutoFit/>
-          </a:bodyPr>
-          <a:lstStyle/>
-          <a:p>
-            <a:r>
-              <a:rPr lang="en-US" altLang="zh-CN" dirty="0" smtClean="0"/>
-              <a:t>Dp[i][j] &lt;= dp[i-1][j-1]+1</a:t>
-            </a:r>
-            <a:endParaRPr lang="zh-CN" altLang="en-US" dirty="0"/>
-          </a:p>
-        </p:txBody>
-      </p:sp>
-      <p:cxnSp>
-        <p:nvCxnSpPr>
-          <p:cNvPr id="36" name="直接连接符 35"/>
-          <p:cNvCxnSpPr/>
-          <p:nvPr/>
-        </p:nvCxnSpPr>
-        <p:spPr>
-          <a:xfrm>
-            <a:off x="2071670" y="1714488"/>
-            <a:ext cx="5143536" cy="1588"/>
-          </a:xfrm>
-          <a:prstGeom prst="line">
-            <a:avLst/>
-          </a:prstGeom>
-        </p:spPr>
-        <p:style>
-          <a:lnRef idx="1">
-            <a:schemeClr val="accent1"/>
-          </a:lnRef>
-          <a:fillRef idx="0">
-            <a:schemeClr val="accent1"/>
-          </a:fillRef>
-          <a:effectRef idx="0">
-            <a:schemeClr val="accent1"/>
-          </a:effectRef>
-          <a:fontRef idx="minor">
-            <a:schemeClr val="tx1"/>
-          </a:fontRef>
-        </p:style>
-      </p:cxnSp>
-      <p:cxnSp>
-        <p:nvCxnSpPr>
-          <p:cNvPr id="37" name="直接连接符 36"/>
-          <p:cNvCxnSpPr/>
-          <p:nvPr/>
-        </p:nvCxnSpPr>
-        <p:spPr>
-          <a:xfrm>
-            <a:off x="2071670" y="3286124"/>
-            <a:ext cx="5143536" cy="1588"/>
-          </a:xfrm>
-          <a:prstGeom prst="line">
-            <a:avLst/>
-          </a:prstGeom>
-        </p:spPr>
-        <p:style>
-          <a:lnRef idx="1">
-            <a:schemeClr val="accent1"/>
-          </a:lnRef>
-          <a:fillRef idx="0">
-            <a:schemeClr val="accent1"/>
-          </a:fillRef>
-          <a:effectRef idx="0">
-            <a:schemeClr val="accent1"/>
-          </a:effectRef>
-          <a:fontRef idx="minor">
-            <a:schemeClr val="tx1"/>
-          </a:fontRef>
-        </p:style>
-      </p:cxnSp>
+          <a:p>
+            <a:r>
+              <a:rPr lang="en-US" altLang="zh-CN"/>
+              <a:t>x = f(m-1, n)</a:t>
+            </a:r>
+            <a:endParaRPr lang="en-US" altLang="zh-CN"/>
+          </a:p>
+          <a:p>
+            <a:r>
+              <a:rPr lang="en-US" altLang="zh-CN"/>
+              <a:t>f(m, n) = (m%n + x) % n</a:t>
+            </a:r>
+            <a:endParaRPr lang="en-US" altLang="zh-CN"/>
+          </a:p>
+          <a:p>
+            <a:r>
+              <a:rPr lang="en-US" altLang="zh-CN"/>
+              <a:t>             = (m+x)%n</a:t>
+            </a:r>
+            <a:endParaRPr lang="en-US" altLang="zh-CN"/>
+          </a:p>
+        </p:txBody>
+      </p:sp>
     </p:spTree>
   </p:cSld>
   <p:clrMapOvr>
@@ -14352,14 +13564,181 @@
       </p:grpSpPr>
       <p:sp>
         <p:nvSpPr>
-          <p:cNvPr id="34" name="TextBox 33"/>
+          <p:cNvPr id="33" name="圆角矩形 32"/>
+          <p:cNvSpPr/>
+          <p:nvPr/>
+        </p:nvSpPr>
+        <p:spPr>
+          <a:xfrm>
+            <a:off x="2071670" y="357166"/>
+            <a:ext cx="5143536" cy="6000792"/>
+          </a:xfrm>
+          <a:prstGeom prst="roundRect">
+            <a:avLst>
+              <a:gd name="adj" fmla="val 5214"/>
+            </a:avLst>
+          </a:prstGeom>
+        </p:spPr>
+        <p:style>
+          <a:lnRef idx="1">
+            <a:schemeClr val="accent6"/>
+          </a:lnRef>
+          <a:fillRef idx="2">
+            <a:schemeClr val="accent6"/>
+          </a:fillRef>
+          <a:effectRef idx="1">
+            <a:schemeClr val="accent6"/>
+          </a:effectRef>
+          <a:fontRef idx="minor">
+            <a:schemeClr val="dk1"/>
+          </a:fontRef>
+        </p:style>
+        <p:txBody>
+          <a:bodyPr rtlCol="0" anchor="ctr"/>
+          <a:lstStyle/>
+          <a:p>
+            <a:pPr algn="ctr"/>
+            <a:endParaRPr lang="zh-CN" altLang="en-US"/>
+          </a:p>
+        </p:txBody>
+      </p:sp>
+      <p:sp>
+        <p:nvSpPr>
+          <p:cNvPr id="3" name="矩形 2"/>
+          <p:cNvSpPr/>
+          <p:nvPr/>
+        </p:nvSpPr>
+        <p:spPr>
+          <a:xfrm>
+            <a:off x="0" y="0"/>
+            <a:ext cx="1214414" cy="428604"/>
+          </a:xfrm>
+          <a:prstGeom prst="rect">
+            <a:avLst/>
+          </a:prstGeom>
+          <a:ln w="38100">
+            <a:solidFill>
+              <a:srgbClr val="FF0000"/>
+            </a:solidFill>
+          </a:ln>
+        </p:spPr>
+        <p:style>
+          <a:lnRef idx="2">
+            <a:schemeClr val="accent2"/>
+          </a:lnRef>
+          <a:fillRef idx="1">
+            <a:schemeClr val="lt1"/>
+          </a:fillRef>
+          <a:effectRef idx="0">
+            <a:schemeClr val="accent2"/>
+          </a:effectRef>
+          <a:fontRef idx="minor">
+            <a:schemeClr val="dk1"/>
+          </a:fontRef>
+        </p:style>
+        <p:txBody>
+          <a:bodyPr rtlCol="0" anchor="ctr"/>
+          <a:lstStyle/>
+          <a:p>
+            <a:pPr algn="ctr"/>
+            <a:r>
+              <a:rPr lang="zh-CN" altLang="en-US" b="1" dirty="0" smtClean="0"/>
+              <a:t>编辑距离</a:t>
+            </a:r>
+            <a:endParaRPr lang="zh-CN" altLang="en-US" b="1" dirty="0"/>
+          </a:p>
+        </p:txBody>
+      </p:sp>
+      <p:sp>
+        <p:nvSpPr>
+          <p:cNvPr id="4" name="圆角矩形 3"/>
+          <p:cNvSpPr/>
+          <p:nvPr/>
+        </p:nvSpPr>
+        <p:spPr>
+          <a:xfrm>
+            <a:off x="3143240" y="928670"/>
+            <a:ext cx="2571768" cy="285752"/>
+          </a:xfrm>
+          <a:prstGeom prst="roundRect">
+            <a:avLst/>
+          </a:prstGeom>
+        </p:spPr>
+        <p:style>
+          <a:lnRef idx="2">
+            <a:schemeClr val="accent3">
+              <a:shade val="50000"/>
+            </a:schemeClr>
+          </a:lnRef>
+          <a:fillRef idx="1">
+            <a:schemeClr val="accent3"/>
+          </a:fillRef>
+          <a:effectRef idx="0">
+            <a:schemeClr val="accent3"/>
+          </a:effectRef>
+          <a:fontRef idx="minor">
+            <a:schemeClr val="lt1"/>
+          </a:fontRef>
+        </p:style>
+        <p:txBody>
+          <a:bodyPr rtlCol="0" anchor="ctr"/>
+          <a:lstStyle/>
+          <a:p>
+            <a:pPr algn="ctr"/>
+            <a:endParaRPr lang="zh-CN" altLang="en-US"/>
+          </a:p>
+        </p:txBody>
+      </p:sp>
+      <p:sp>
+        <p:nvSpPr>
+          <p:cNvPr id="5" name="圆角矩形 4"/>
+          <p:cNvSpPr/>
+          <p:nvPr/>
+        </p:nvSpPr>
+        <p:spPr>
+          <a:xfrm>
+            <a:off x="3143240" y="1214422"/>
+            <a:ext cx="3429024" cy="285752"/>
+          </a:xfrm>
+          <a:prstGeom prst="roundRect">
+            <a:avLst/>
+          </a:prstGeom>
+        </p:spPr>
+        <p:style>
+          <a:lnRef idx="2">
+            <a:schemeClr val="accent3">
+              <a:shade val="50000"/>
+            </a:schemeClr>
+          </a:lnRef>
+          <a:fillRef idx="1">
+            <a:schemeClr val="accent3"/>
+          </a:fillRef>
+          <a:effectRef idx="0">
+            <a:schemeClr val="accent3"/>
+          </a:effectRef>
+          <a:fontRef idx="minor">
+            <a:schemeClr val="lt1"/>
+          </a:fontRef>
+        </p:style>
+        <p:txBody>
+          <a:bodyPr rtlCol="0" anchor="ctr"/>
+          <a:lstStyle/>
+          <a:p>
+            <a:pPr algn="ctr"/>
+            <a:endParaRPr lang="zh-CN" altLang="en-US"/>
+          </a:p>
+        </p:txBody>
+      </p:sp>
+      <p:sp>
+        <p:nvSpPr>
+          <p:cNvPr id="6" name="TextBox 5"/>
           <p:cNvSpPr txBox="1"/>
           <p:nvPr/>
         </p:nvSpPr>
         <p:spPr>
           <a:xfrm>
-            <a:off x="3857620" y="928670"/>
-            <a:ext cx="1034257" cy="1107996"/>
+            <a:off x="2428860" y="928670"/>
+            <a:ext cx="585417" cy="307777"/>
           </a:xfrm>
           <a:prstGeom prst="rect">
             <a:avLst/>
@@ -14372,27 +13751,102 @@
           </a:bodyPr>
           <a:lstStyle/>
           <a:p>
-            <a:pPr algn="ctr"/>
-            <a:r>
-              <a:rPr lang="zh-CN" altLang="en-US" sz="6600" b="1" dirty="0" smtClean="0"/>
-              <a:t>图</a:t>
-            </a:r>
-            <a:endParaRPr lang="zh-CN" altLang="en-US" sz="6600" b="1" dirty="0"/>
-          </a:p>
-        </p:txBody>
-      </p:sp>
-      <p:sp>
-        <p:nvSpPr>
-          <p:cNvPr id="3" name="矩形 2"/>
-          <p:cNvSpPr/>
-          <p:nvPr/>
-        </p:nvSpPr>
-        <p:spPr>
-          <a:xfrm>
-            <a:off x="714348" y="2428868"/>
-            <a:ext cx="7786742" cy="3929090"/>
+            <a:r>
+              <a:rPr lang="zh-CN" altLang="en-US" sz="1400" dirty="0" smtClean="0"/>
+              <a:t>单词</a:t>
+            </a:r>
+            <a:r>
+              <a:rPr lang="en-US" altLang="zh-CN" sz="1400" dirty="0" smtClean="0"/>
+              <a:t>i</a:t>
+            </a:r>
+            <a:endParaRPr lang="zh-CN" altLang="en-US" sz="1400" dirty="0"/>
+          </a:p>
+        </p:txBody>
+      </p:sp>
+      <p:sp>
+        <p:nvSpPr>
+          <p:cNvPr id="7" name="TextBox 6"/>
+          <p:cNvSpPr txBox="1"/>
+          <p:nvPr/>
+        </p:nvSpPr>
+        <p:spPr>
+          <a:xfrm>
+            <a:off x="2428860" y="1214422"/>
+            <a:ext cx="587020" cy="307777"/>
           </a:xfrm>
           <a:prstGeom prst="rect">
+            <a:avLst/>
+          </a:prstGeom>
+          <a:noFill/>
+        </p:spPr>
+        <p:txBody>
+          <a:bodyPr wrap="none" rtlCol="0">
+            <a:spAutoFit/>
+          </a:bodyPr>
+          <a:lstStyle/>
+          <a:p>
+            <a:r>
+              <a:rPr lang="zh-CN" altLang="en-US" sz="1400" dirty="0" smtClean="0"/>
+              <a:t>单词</a:t>
+            </a:r>
+            <a:r>
+              <a:rPr lang="en-US" altLang="zh-CN" sz="1400" dirty="0" smtClean="0"/>
+              <a:t>j</a:t>
+            </a:r>
+            <a:endParaRPr lang="zh-CN" altLang="en-US" sz="1400" dirty="0"/>
+          </a:p>
+        </p:txBody>
+      </p:sp>
+      <p:sp>
+        <p:nvSpPr>
+          <p:cNvPr id="8" name="圆角矩形 7"/>
+          <p:cNvSpPr/>
+          <p:nvPr/>
+        </p:nvSpPr>
+        <p:spPr>
+          <a:xfrm>
+            <a:off x="6572264" y="1223214"/>
+            <a:ext cx="285752" cy="285752"/>
+          </a:xfrm>
+          <a:prstGeom prst="roundRect">
+            <a:avLst/>
+          </a:prstGeom>
+        </p:spPr>
+        <p:style>
+          <a:lnRef idx="0">
+            <a:schemeClr val="accent2"/>
+          </a:lnRef>
+          <a:fillRef idx="3">
+            <a:schemeClr val="accent2"/>
+          </a:fillRef>
+          <a:effectRef idx="3">
+            <a:schemeClr val="accent2"/>
+          </a:effectRef>
+          <a:fontRef idx="minor">
+            <a:schemeClr val="lt1"/>
+          </a:fontRef>
+        </p:style>
+        <p:txBody>
+          <a:bodyPr rtlCol="0" anchor="ctr"/>
+          <a:lstStyle/>
+          <a:p>
+            <a:pPr algn="ctr"/>
+            <a:endParaRPr lang="zh-CN" altLang="en-US"/>
+          </a:p>
+        </p:txBody>
+      </p:sp>
+      <p:sp>
+        <p:nvSpPr>
+          <p:cNvPr id="10" name="圆角矩形 9"/>
+          <p:cNvSpPr/>
+          <p:nvPr/>
+        </p:nvSpPr>
+        <p:spPr>
+          <a:xfrm>
+            <a:off x="3143240" y="2357430"/>
+            <a:ext cx="2286016" cy="285752"/>
+          </a:xfrm>
+          <a:prstGeom prst="roundRect">
             <a:avLst/>
           </a:prstGeom>
         </p:spPr>
@@ -14421,6 +13875,780 @@
           </a:p>
         </p:txBody>
       </p:sp>
+      <p:sp>
+        <p:nvSpPr>
+          <p:cNvPr id="11" name="圆角矩形 10"/>
+          <p:cNvSpPr/>
+          <p:nvPr/>
+        </p:nvSpPr>
+        <p:spPr>
+          <a:xfrm>
+            <a:off x="3143240" y="2643182"/>
+            <a:ext cx="3429024" cy="285752"/>
+          </a:xfrm>
+          <a:prstGeom prst="roundRect">
+            <a:avLst/>
+          </a:prstGeom>
+        </p:spPr>
+        <p:style>
+          <a:lnRef idx="2">
+            <a:schemeClr val="accent3">
+              <a:shade val="50000"/>
+            </a:schemeClr>
+          </a:lnRef>
+          <a:fillRef idx="1">
+            <a:schemeClr val="accent3"/>
+          </a:fillRef>
+          <a:effectRef idx="0">
+            <a:schemeClr val="accent3"/>
+          </a:effectRef>
+          <a:fontRef idx="minor">
+            <a:schemeClr val="lt1"/>
+          </a:fontRef>
+        </p:style>
+        <p:txBody>
+          <a:bodyPr rtlCol="0" anchor="ctr"/>
+          <a:lstStyle/>
+          <a:p>
+            <a:pPr algn="ctr"/>
+            <a:endParaRPr lang="zh-CN" altLang="en-US"/>
+          </a:p>
+        </p:txBody>
+      </p:sp>
+      <p:sp>
+        <p:nvSpPr>
+          <p:cNvPr id="12" name="TextBox 11"/>
+          <p:cNvSpPr txBox="1"/>
+          <p:nvPr/>
+        </p:nvSpPr>
+        <p:spPr>
+          <a:xfrm>
+            <a:off x="2428860" y="2357430"/>
+            <a:ext cx="585417" cy="307777"/>
+          </a:xfrm>
+          <a:prstGeom prst="rect">
+            <a:avLst/>
+          </a:prstGeom>
+          <a:noFill/>
+        </p:spPr>
+        <p:txBody>
+          <a:bodyPr wrap="none" rtlCol="0">
+            <a:spAutoFit/>
+          </a:bodyPr>
+          <a:lstStyle/>
+          <a:p>
+            <a:r>
+              <a:rPr lang="zh-CN" altLang="en-US" sz="1400" dirty="0" smtClean="0"/>
+              <a:t>单词</a:t>
+            </a:r>
+            <a:r>
+              <a:rPr lang="en-US" altLang="zh-CN" sz="1400" dirty="0" smtClean="0"/>
+              <a:t>i</a:t>
+            </a:r>
+            <a:endParaRPr lang="zh-CN" altLang="en-US" sz="1400" dirty="0"/>
+          </a:p>
+        </p:txBody>
+      </p:sp>
+      <p:sp>
+        <p:nvSpPr>
+          <p:cNvPr id="13" name="TextBox 12"/>
+          <p:cNvSpPr txBox="1"/>
+          <p:nvPr/>
+        </p:nvSpPr>
+        <p:spPr>
+          <a:xfrm>
+            <a:off x="2428860" y="2643182"/>
+            <a:ext cx="587020" cy="307777"/>
+          </a:xfrm>
+          <a:prstGeom prst="rect">
+            <a:avLst/>
+          </a:prstGeom>
+          <a:noFill/>
+        </p:spPr>
+        <p:txBody>
+          <a:bodyPr wrap="none" rtlCol="0">
+            <a:spAutoFit/>
+          </a:bodyPr>
+          <a:lstStyle/>
+          <a:p>
+            <a:r>
+              <a:rPr lang="zh-CN" altLang="en-US" sz="1400" dirty="0" smtClean="0"/>
+              <a:t>单词</a:t>
+            </a:r>
+            <a:r>
+              <a:rPr lang="en-US" altLang="zh-CN" sz="1400" dirty="0" smtClean="0"/>
+              <a:t>j</a:t>
+            </a:r>
+            <a:endParaRPr lang="zh-CN" altLang="en-US" sz="1400" dirty="0"/>
+          </a:p>
+        </p:txBody>
+      </p:sp>
+      <p:sp>
+        <p:nvSpPr>
+          <p:cNvPr id="14" name="圆角矩形 13"/>
+          <p:cNvSpPr/>
+          <p:nvPr/>
+        </p:nvSpPr>
+        <p:spPr>
+          <a:xfrm>
+            <a:off x="5429256" y="2357430"/>
+            <a:ext cx="285752" cy="285752"/>
+          </a:xfrm>
+          <a:prstGeom prst="roundRect">
+            <a:avLst/>
+          </a:prstGeom>
+        </p:spPr>
+        <p:style>
+          <a:lnRef idx="0">
+            <a:schemeClr val="accent2"/>
+          </a:lnRef>
+          <a:fillRef idx="3">
+            <a:schemeClr val="accent2"/>
+          </a:fillRef>
+          <a:effectRef idx="3">
+            <a:schemeClr val="accent2"/>
+          </a:effectRef>
+          <a:fontRef idx="minor">
+            <a:schemeClr val="lt1"/>
+          </a:fontRef>
+        </p:style>
+        <p:txBody>
+          <a:bodyPr rtlCol="0" anchor="ctr"/>
+          <a:lstStyle/>
+          <a:p>
+            <a:pPr algn="ctr"/>
+            <a:endParaRPr lang="zh-CN" altLang="en-US"/>
+          </a:p>
+        </p:txBody>
+      </p:sp>
+      <p:sp>
+        <p:nvSpPr>
+          <p:cNvPr id="15" name="圆角矩形 14"/>
+          <p:cNvSpPr/>
+          <p:nvPr/>
+        </p:nvSpPr>
+        <p:spPr>
+          <a:xfrm>
+            <a:off x="3143240" y="3907041"/>
+            <a:ext cx="2286016" cy="285752"/>
+          </a:xfrm>
+          <a:prstGeom prst="roundRect">
+            <a:avLst/>
+          </a:prstGeom>
+        </p:spPr>
+        <p:style>
+          <a:lnRef idx="2">
+            <a:schemeClr val="accent3">
+              <a:shade val="50000"/>
+            </a:schemeClr>
+          </a:lnRef>
+          <a:fillRef idx="1">
+            <a:schemeClr val="accent3"/>
+          </a:fillRef>
+          <a:effectRef idx="0">
+            <a:schemeClr val="accent3"/>
+          </a:effectRef>
+          <a:fontRef idx="minor">
+            <a:schemeClr val="lt1"/>
+          </a:fontRef>
+        </p:style>
+        <p:txBody>
+          <a:bodyPr rtlCol="0" anchor="ctr"/>
+          <a:lstStyle/>
+          <a:p>
+            <a:pPr algn="ctr"/>
+            <a:endParaRPr lang="zh-CN" altLang="en-US"/>
+          </a:p>
+        </p:txBody>
+      </p:sp>
+      <p:sp>
+        <p:nvSpPr>
+          <p:cNvPr id="16" name="圆角矩形 15"/>
+          <p:cNvSpPr/>
+          <p:nvPr/>
+        </p:nvSpPr>
+        <p:spPr>
+          <a:xfrm>
+            <a:off x="3143240" y="4192793"/>
+            <a:ext cx="3429024" cy="285752"/>
+          </a:xfrm>
+          <a:prstGeom prst="roundRect">
+            <a:avLst/>
+          </a:prstGeom>
+        </p:spPr>
+        <p:style>
+          <a:lnRef idx="2">
+            <a:schemeClr val="accent3">
+              <a:shade val="50000"/>
+            </a:schemeClr>
+          </a:lnRef>
+          <a:fillRef idx="1">
+            <a:schemeClr val="accent3"/>
+          </a:fillRef>
+          <a:effectRef idx="0">
+            <a:schemeClr val="accent3"/>
+          </a:effectRef>
+          <a:fontRef idx="minor">
+            <a:schemeClr val="lt1"/>
+          </a:fontRef>
+        </p:style>
+        <p:txBody>
+          <a:bodyPr rtlCol="0" anchor="ctr"/>
+          <a:lstStyle/>
+          <a:p>
+            <a:pPr algn="ctr"/>
+            <a:endParaRPr lang="zh-CN" altLang="en-US"/>
+          </a:p>
+        </p:txBody>
+      </p:sp>
+      <p:sp>
+        <p:nvSpPr>
+          <p:cNvPr id="17" name="TextBox 16"/>
+          <p:cNvSpPr txBox="1"/>
+          <p:nvPr/>
+        </p:nvSpPr>
+        <p:spPr>
+          <a:xfrm>
+            <a:off x="2428860" y="3907041"/>
+            <a:ext cx="585417" cy="307777"/>
+          </a:xfrm>
+          <a:prstGeom prst="rect">
+            <a:avLst/>
+          </a:prstGeom>
+          <a:noFill/>
+        </p:spPr>
+        <p:txBody>
+          <a:bodyPr wrap="none" rtlCol="0">
+            <a:spAutoFit/>
+          </a:bodyPr>
+          <a:lstStyle/>
+          <a:p>
+            <a:r>
+              <a:rPr lang="zh-CN" altLang="en-US" sz="1400" dirty="0" smtClean="0"/>
+              <a:t>单词</a:t>
+            </a:r>
+            <a:r>
+              <a:rPr lang="en-US" altLang="zh-CN" sz="1400" dirty="0" smtClean="0"/>
+              <a:t>i</a:t>
+            </a:r>
+            <a:endParaRPr lang="zh-CN" altLang="en-US" sz="1400" dirty="0"/>
+          </a:p>
+        </p:txBody>
+      </p:sp>
+      <p:sp>
+        <p:nvSpPr>
+          <p:cNvPr id="18" name="TextBox 17"/>
+          <p:cNvSpPr txBox="1"/>
+          <p:nvPr/>
+        </p:nvSpPr>
+        <p:spPr>
+          <a:xfrm>
+            <a:off x="2428860" y="4192793"/>
+            <a:ext cx="587020" cy="307777"/>
+          </a:xfrm>
+          <a:prstGeom prst="rect">
+            <a:avLst/>
+          </a:prstGeom>
+          <a:noFill/>
+        </p:spPr>
+        <p:txBody>
+          <a:bodyPr wrap="none" rtlCol="0">
+            <a:spAutoFit/>
+          </a:bodyPr>
+          <a:lstStyle/>
+          <a:p>
+            <a:r>
+              <a:rPr lang="zh-CN" altLang="en-US" sz="1400" dirty="0" smtClean="0"/>
+              <a:t>单词</a:t>
+            </a:r>
+            <a:r>
+              <a:rPr lang="en-US" altLang="zh-CN" sz="1400" dirty="0" smtClean="0"/>
+              <a:t>j</a:t>
+            </a:r>
+            <a:endParaRPr lang="zh-CN" altLang="en-US" sz="1400" dirty="0"/>
+          </a:p>
+        </p:txBody>
+      </p:sp>
+      <p:sp>
+        <p:nvSpPr>
+          <p:cNvPr id="19" name="圆角矩形 18"/>
+          <p:cNvSpPr/>
+          <p:nvPr/>
+        </p:nvSpPr>
+        <p:spPr>
+          <a:xfrm>
+            <a:off x="5429256" y="3907041"/>
+            <a:ext cx="285752" cy="285752"/>
+          </a:xfrm>
+          <a:prstGeom prst="roundRect">
+            <a:avLst/>
+          </a:prstGeom>
+        </p:spPr>
+        <p:style>
+          <a:lnRef idx="0">
+            <a:schemeClr val="accent2"/>
+          </a:lnRef>
+          <a:fillRef idx="3">
+            <a:schemeClr val="accent2"/>
+          </a:fillRef>
+          <a:effectRef idx="3">
+            <a:schemeClr val="accent2"/>
+          </a:effectRef>
+          <a:fontRef idx="minor">
+            <a:schemeClr val="lt1"/>
+          </a:fontRef>
+        </p:style>
+        <p:txBody>
+          <a:bodyPr rtlCol="0" anchor="ctr"/>
+          <a:lstStyle/>
+          <a:p>
+            <a:pPr algn="ctr"/>
+            <a:endParaRPr lang="zh-CN" altLang="en-US"/>
+          </a:p>
+        </p:txBody>
+      </p:sp>
+      <p:sp>
+        <p:nvSpPr>
+          <p:cNvPr id="20" name="圆角矩形 19"/>
+          <p:cNvSpPr/>
+          <p:nvPr/>
+        </p:nvSpPr>
+        <p:spPr>
+          <a:xfrm>
+            <a:off x="6572264" y="4192793"/>
+            <a:ext cx="285752" cy="285752"/>
+          </a:xfrm>
+          <a:prstGeom prst="roundRect">
+            <a:avLst/>
+          </a:prstGeom>
+        </p:spPr>
+        <p:style>
+          <a:lnRef idx="0">
+            <a:schemeClr val="accent2"/>
+          </a:lnRef>
+          <a:fillRef idx="3">
+            <a:schemeClr val="accent2"/>
+          </a:fillRef>
+          <a:effectRef idx="3">
+            <a:schemeClr val="accent2"/>
+          </a:effectRef>
+          <a:fontRef idx="minor">
+            <a:schemeClr val="lt1"/>
+          </a:fontRef>
+        </p:style>
+        <p:txBody>
+          <a:bodyPr rtlCol="0" anchor="ctr"/>
+          <a:lstStyle/>
+          <a:p>
+            <a:pPr algn="ctr"/>
+            <a:endParaRPr lang="zh-CN" altLang="en-US"/>
+          </a:p>
+        </p:txBody>
+      </p:sp>
+      <p:sp>
+        <p:nvSpPr>
+          <p:cNvPr id="21" name="TextBox 20"/>
+          <p:cNvSpPr txBox="1"/>
+          <p:nvPr/>
+        </p:nvSpPr>
+        <p:spPr>
+          <a:xfrm>
+            <a:off x="3143240" y="571480"/>
+            <a:ext cx="2228495" cy="369332"/>
+          </a:xfrm>
+          <a:prstGeom prst="rect">
+            <a:avLst/>
+          </a:prstGeom>
+          <a:noFill/>
+        </p:spPr>
+        <p:txBody>
+          <a:bodyPr wrap="none" rtlCol="0">
+            <a:spAutoFit/>
+          </a:bodyPr>
+          <a:lstStyle/>
+          <a:p>
+            <a:r>
+              <a:rPr lang="en-US" altLang="zh-CN" dirty="0" smtClean="0"/>
+              <a:t>Dp[i][j] &lt;= dp[i][j-1]+1</a:t>
+            </a:r>
+            <a:endParaRPr lang="zh-CN" altLang="en-US" dirty="0"/>
+          </a:p>
+        </p:txBody>
+      </p:sp>
+      <p:sp>
+        <p:nvSpPr>
+          <p:cNvPr id="24" name="TextBox 23"/>
+          <p:cNvSpPr txBox="1"/>
+          <p:nvPr/>
+        </p:nvSpPr>
+        <p:spPr>
+          <a:xfrm>
+            <a:off x="3143240" y="2000240"/>
+            <a:ext cx="2299027" cy="369332"/>
+          </a:xfrm>
+          <a:prstGeom prst="rect">
+            <a:avLst/>
+          </a:prstGeom>
+          <a:noFill/>
+        </p:spPr>
+        <p:txBody>
+          <a:bodyPr wrap="none" rtlCol="0">
+            <a:spAutoFit/>
+          </a:bodyPr>
+          <a:lstStyle/>
+          <a:p>
+            <a:r>
+              <a:rPr lang="en-US" altLang="zh-CN" dirty="0" smtClean="0"/>
+              <a:t>Dp[i][j] &lt;= dp[i-1][j]+1</a:t>
+            </a:r>
+            <a:endParaRPr lang="zh-CN" altLang="en-US" dirty="0"/>
+          </a:p>
+        </p:txBody>
+      </p:sp>
+      <p:sp>
+        <p:nvSpPr>
+          <p:cNvPr id="25" name="TextBox 24"/>
+          <p:cNvSpPr txBox="1"/>
+          <p:nvPr/>
+        </p:nvSpPr>
+        <p:spPr>
+          <a:xfrm>
+            <a:off x="3143240" y="3500438"/>
+            <a:ext cx="2183611" cy="369332"/>
+          </a:xfrm>
+          <a:prstGeom prst="rect">
+            <a:avLst/>
+          </a:prstGeom>
+          <a:noFill/>
+        </p:spPr>
+        <p:txBody>
+          <a:bodyPr wrap="none" rtlCol="0">
+            <a:spAutoFit/>
+          </a:bodyPr>
+          <a:lstStyle/>
+          <a:p>
+            <a:r>
+              <a:rPr lang="en-US" altLang="zh-CN" dirty="0" smtClean="0"/>
+              <a:t>Dp[i][j] &lt;= dp[i-1][j-1]</a:t>
+            </a:r>
+            <a:endParaRPr lang="zh-CN" altLang="en-US" dirty="0"/>
+          </a:p>
+        </p:txBody>
+      </p:sp>
+      <p:sp>
+        <p:nvSpPr>
+          <p:cNvPr id="26" name="圆角矩形 25"/>
+          <p:cNvSpPr/>
+          <p:nvPr/>
+        </p:nvSpPr>
+        <p:spPr>
+          <a:xfrm>
+            <a:off x="3143240" y="5264363"/>
+            <a:ext cx="2286016" cy="285752"/>
+          </a:xfrm>
+          <a:prstGeom prst="roundRect">
+            <a:avLst/>
+          </a:prstGeom>
+        </p:spPr>
+        <p:style>
+          <a:lnRef idx="2">
+            <a:schemeClr val="accent3">
+              <a:shade val="50000"/>
+            </a:schemeClr>
+          </a:lnRef>
+          <a:fillRef idx="1">
+            <a:schemeClr val="accent3"/>
+          </a:fillRef>
+          <a:effectRef idx="0">
+            <a:schemeClr val="accent3"/>
+          </a:effectRef>
+          <a:fontRef idx="minor">
+            <a:schemeClr val="lt1"/>
+          </a:fontRef>
+        </p:style>
+        <p:txBody>
+          <a:bodyPr rtlCol="0" anchor="ctr"/>
+          <a:lstStyle/>
+          <a:p>
+            <a:pPr algn="ctr"/>
+            <a:endParaRPr lang="zh-CN" altLang="en-US"/>
+          </a:p>
+        </p:txBody>
+      </p:sp>
+      <p:sp>
+        <p:nvSpPr>
+          <p:cNvPr id="27" name="圆角矩形 26"/>
+          <p:cNvSpPr/>
+          <p:nvPr/>
+        </p:nvSpPr>
+        <p:spPr>
+          <a:xfrm>
+            <a:off x="3143240" y="5550115"/>
+            <a:ext cx="3429024" cy="285752"/>
+          </a:xfrm>
+          <a:prstGeom prst="roundRect">
+            <a:avLst/>
+          </a:prstGeom>
+        </p:spPr>
+        <p:style>
+          <a:lnRef idx="2">
+            <a:schemeClr val="accent3">
+              <a:shade val="50000"/>
+            </a:schemeClr>
+          </a:lnRef>
+          <a:fillRef idx="1">
+            <a:schemeClr val="accent3"/>
+          </a:fillRef>
+          <a:effectRef idx="0">
+            <a:schemeClr val="accent3"/>
+          </a:effectRef>
+          <a:fontRef idx="minor">
+            <a:schemeClr val="lt1"/>
+          </a:fontRef>
+        </p:style>
+        <p:txBody>
+          <a:bodyPr rtlCol="0" anchor="ctr"/>
+          <a:lstStyle/>
+          <a:p>
+            <a:pPr algn="ctr"/>
+            <a:endParaRPr lang="zh-CN" altLang="en-US"/>
+          </a:p>
+        </p:txBody>
+      </p:sp>
+      <p:sp>
+        <p:nvSpPr>
+          <p:cNvPr id="28" name="TextBox 27"/>
+          <p:cNvSpPr txBox="1"/>
+          <p:nvPr/>
+        </p:nvSpPr>
+        <p:spPr>
+          <a:xfrm>
+            <a:off x="2428860" y="5264363"/>
+            <a:ext cx="585417" cy="307777"/>
+          </a:xfrm>
+          <a:prstGeom prst="rect">
+            <a:avLst/>
+          </a:prstGeom>
+          <a:noFill/>
+        </p:spPr>
+        <p:txBody>
+          <a:bodyPr wrap="none" rtlCol="0">
+            <a:spAutoFit/>
+          </a:bodyPr>
+          <a:lstStyle/>
+          <a:p>
+            <a:r>
+              <a:rPr lang="zh-CN" altLang="en-US" sz="1400" dirty="0" smtClean="0"/>
+              <a:t>单词</a:t>
+            </a:r>
+            <a:r>
+              <a:rPr lang="en-US" altLang="zh-CN" sz="1400" dirty="0" smtClean="0"/>
+              <a:t>i</a:t>
+            </a:r>
+            <a:endParaRPr lang="zh-CN" altLang="en-US" sz="1400" dirty="0"/>
+          </a:p>
+        </p:txBody>
+      </p:sp>
+      <p:sp>
+        <p:nvSpPr>
+          <p:cNvPr id="29" name="TextBox 28"/>
+          <p:cNvSpPr txBox="1"/>
+          <p:nvPr/>
+        </p:nvSpPr>
+        <p:spPr>
+          <a:xfrm>
+            <a:off x="2428860" y="5550115"/>
+            <a:ext cx="587020" cy="307777"/>
+          </a:xfrm>
+          <a:prstGeom prst="rect">
+            <a:avLst/>
+          </a:prstGeom>
+          <a:noFill/>
+        </p:spPr>
+        <p:txBody>
+          <a:bodyPr wrap="none" rtlCol="0">
+            <a:spAutoFit/>
+          </a:bodyPr>
+          <a:lstStyle/>
+          <a:p>
+            <a:r>
+              <a:rPr lang="zh-CN" altLang="en-US" sz="1400" dirty="0" smtClean="0"/>
+              <a:t>单词</a:t>
+            </a:r>
+            <a:r>
+              <a:rPr lang="en-US" altLang="zh-CN" sz="1400" dirty="0" smtClean="0"/>
+              <a:t>j</a:t>
+            </a:r>
+            <a:endParaRPr lang="zh-CN" altLang="en-US" sz="1400" dirty="0"/>
+          </a:p>
+        </p:txBody>
+      </p:sp>
+      <p:sp>
+        <p:nvSpPr>
+          <p:cNvPr id="30" name="圆角矩形 29"/>
+          <p:cNvSpPr/>
+          <p:nvPr/>
+        </p:nvSpPr>
+        <p:spPr>
+          <a:xfrm>
+            <a:off x="5429256" y="5264363"/>
+            <a:ext cx="285752" cy="285752"/>
+          </a:xfrm>
+          <a:prstGeom prst="roundRect">
+            <a:avLst/>
+          </a:prstGeom>
+        </p:spPr>
+        <p:style>
+          <a:lnRef idx="0">
+            <a:schemeClr val="accent4"/>
+          </a:lnRef>
+          <a:fillRef idx="3">
+            <a:schemeClr val="accent4"/>
+          </a:fillRef>
+          <a:effectRef idx="3">
+            <a:schemeClr val="accent4"/>
+          </a:effectRef>
+          <a:fontRef idx="minor">
+            <a:schemeClr val="lt1"/>
+          </a:fontRef>
+        </p:style>
+        <p:txBody>
+          <a:bodyPr rtlCol="0" anchor="ctr"/>
+          <a:lstStyle/>
+          <a:p>
+            <a:pPr algn="ctr"/>
+            <a:endParaRPr lang="zh-CN" altLang="en-US"/>
+          </a:p>
+        </p:txBody>
+      </p:sp>
+      <p:sp>
+        <p:nvSpPr>
+          <p:cNvPr id="31" name="圆角矩形 30"/>
+          <p:cNvSpPr/>
+          <p:nvPr/>
+        </p:nvSpPr>
+        <p:spPr>
+          <a:xfrm>
+            <a:off x="6572264" y="5550115"/>
+            <a:ext cx="285752" cy="285752"/>
+          </a:xfrm>
+          <a:prstGeom prst="roundRect">
+            <a:avLst/>
+          </a:prstGeom>
+        </p:spPr>
+        <p:style>
+          <a:lnRef idx="0">
+            <a:schemeClr val="accent2"/>
+          </a:lnRef>
+          <a:fillRef idx="3">
+            <a:schemeClr val="accent2"/>
+          </a:fillRef>
+          <a:effectRef idx="3">
+            <a:schemeClr val="accent2"/>
+          </a:effectRef>
+          <a:fontRef idx="minor">
+            <a:schemeClr val="lt1"/>
+          </a:fontRef>
+        </p:style>
+        <p:txBody>
+          <a:bodyPr rtlCol="0" anchor="ctr"/>
+          <a:lstStyle/>
+          <a:p>
+            <a:pPr algn="ctr"/>
+            <a:endParaRPr lang="zh-CN" altLang="en-US"/>
+          </a:p>
+        </p:txBody>
+      </p:sp>
+      <p:sp>
+        <p:nvSpPr>
+          <p:cNvPr id="32" name="TextBox 31"/>
+          <p:cNvSpPr txBox="1"/>
+          <p:nvPr/>
+        </p:nvSpPr>
+        <p:spPr>
+          <a:xfrm>
+            <a:off x="3143240" y="4907173"/>
+            <a:ext cx="2416046" cy="369332"/>
+          </a:xfrm>
+          <a:prstGeom prst="rect">
+            <a:avLst/>
+          </a:prstGeom>
+          <a:noFill/>
+        </p:spPr>
+        <p:txBody>
+          <a:bodyPr wrap="none" rtlCol="0">
+            <a:spAutoFit/>
+          </a:bodyPr>
+          <a:lstStyle/>
+          <a:p>
+            <a:r>
+              <a:rPr lang="en-US" altLang="zh-CN" dirty="0" smtClean="0"/>
+              <a:t>Dp[i][j] &lt;= dp[i-1][j-1]+1</a:t>
+            </a:r>
+            <a:endParaRPr lang="zh-CN" altLang="en-US" dirty="0"/>
+          </a:p>
+        </p:txBody>
+      </p:sp>
+      <p:cxnSp>
+        <p:nvCxnSpPr>
+          <p:cNvPr id="36" name="直接连接符 35"/>
+          <p:cNvCxnSpPr/>
+          <p:nvPr/>
+        </p:nvCxnSpPr>
+        <p:spPr>
+          <a:xfrm>
+            <a:off x="2071670" y="1714488"/>
+            <a:ext cx="5143536" cy="1588"/>
+          </a:xfrm>
+          <a:prstGeom prst="line">
+            <a:avLst/>
+          </a:prstGeom>
+        </p:spPr>
+        <p:style>
+          <a:lnRef idx="1">
+            <a:schemeClr val="accent1"/>
+          </a:lnRef>
+          <a:fillRef idx="0">
+            <a:schemeClr val="accent1"/>
+          </a:fillRef>
+          <a:effectRef idx="0">
+            <a:schemeClr val="accent1"/>
+          </a:effectRef>
+          <a:fontRef idx="minor">
+            <a:schemeClr val="tx1"/>
+          </a:fontRef>
+        </p:style>
+      </p:cxnSp>
+      <p:cxnSp>
+        <p:nvCxnSpPr>
+          <p:cNvPr id="37" name="直接连接符 36"/>
+          <p:cNvCxnSpPr/>
+          <p:nvPr/>
+        </p:nvCxnSpPr>
+        <p:spPr>
+          <a:xfrm>
+            <a:off x="2071670" y="3286124"/>
+            <a:ext cx="5143536" cy="1588"/>
+          </a:xfrm>
+          <a:prstGeom prst="line">
+            <a:avLst/>
+          </a:prstGeom>
+        </p:spPr>
+        <p:style>
+          <a:lnRef idx="1">
+            <a:schemeClr val="accent1"/>
+          </a:lnRef>
+          <a:fillRef idx="0">
+            <a:schemeClr val="accent1"/>
+          </a:fillRef>
+          <a:effectRef idx="0">
+            <a:schemeClr val="accent1"/>
+          </a:effectRef>
+          <a:fontRef idx="minor">
+            <a:schemeClr val="tx1"/>
+          </a:fontRef>
+        </p:style>
+      </p:cxnSp>
     </p:spTree>
   </p:cSld>
   <p:clrMapOvr>
@@ -14454,8 +14682,8 @@
         </p:nvSpPr>
         <p:spPr>
           <a:xfrm>
-            <a:off x="3144499" y="2483161"/>
-            <a:ext cx="2708910" cy="1106805"/>
+            <a:off x="3857620" y="928670"/>
+            <a:ext cx="1034257" cy="1107996"/>
           </a:xfrm>
           <a:prstGeom prst="rect">
             <a:avLst/>
@@ -14470,9 +14698,50 @@
           <a:p>
             <a:pPr algn="ctr"/>
             <a:r>
-              <a:rPr lang="zh-CN" altLang="en-US" sz="6600" b="1" dirty="0"/>
-              <a:t>位运算</a:t>
-            </a:r>
+              <a:rPr lang="zh-CN" altLang="en-US" sz="6600" b="1" dirty="0" smtClean="0"/>
+              <a:t>图</a:t>
+            </a:r>
+            <a:endParaRPr lang="zh-CN" altLang="en-US" sz="6600" b="1" dirty="0"/>
+          </a:p>
+        </p:txBody>
+      </p:sp>
+      <p:sp>
+        <p:nvSpPr>
+          <p:cNvPr id="3" name="矩形 2"/>
+          <p:cNvSpPr/>
+          <p:nvPr/>
+        </p:nvSpPr>
+        <p:spPr>
+          <a:xfrm>
+            <a:off x="714348" y="2428868"/>
+            <a:ext cx="7786742" cy="3929090"/>
+          </a:xfrm>
+          <a:prstGeom prst="rect">
+            <a:avLst/>
+          </a:prstGeom>
+        </p:spPr>
+        <p:style>
+          <a:lnRef idx="2">
+            <a:schemeClr val="accent3">
+              <a:shade val="50000"/>
+            </a:schemeClr>
+          </a:lnRef>
+          <a:fillRef idx="1">
+            <a:schemeClr val="accent3"/>
+          </a:fillRef>
+          <a:effectRef idx="0">
+            <a:schemeClr val="accent3"/>
+          </a:effectRef>
+          <a:fontRef idx="minor">
+            <a:schemeClr val="lt1"/>
+          </a:fontRef>
+        </p:style>
+        <p:txBody>
+          <a:bodyPr rtlCol="0" anchor="ctr"/>
+          <a:lstStyle/>
+          <a:p>
+            <a:pPr algn="ctr"/>
+            <a:endParaRPr lang="zh-CN" altLang="en-US"/>
           </a:p>
         </p:txBody>
       </p:sp>
@@ -14503,14 +14772,14 @@
       </p:grpSpPr>
       <p:sp>
         <p:nvSpPr>
-          <p:cNvPr id="2" name="文本框 1"/>
+          <p:cNvPr id="34" name="TextBox 33"/>
           <p:cNvSpPr txBox="1"/>
           <p:nvPr/>
         </p:nvSpPr>
         <p:spPr>
           <a:xfrm>
-            <a:off x="920115" y="601345"/>
-            <a:ext cx="4726305" cy="2722880"/>
+            <a:off x="3144499" y="2483161"/>
+            <a:ext cx="2708910" cy="1106805"/>
           </a:xfrm>
           <a:prstGeom prst="rect">
             <a:avLst/>
@@ -14518,250 +14787,17 @@
           <a:noFill/>
         </p:spPr>
         <p:txBody>
-          <a:bodyPr wrap="square" rtlCol="0">
+          <a:bodyPr wrap="none" rtlCol="0">
             <a:spAutoFit/>
           </a:bodyPr>
           <a:lstStyle/>
           <a:p>
-            <a:pPr algn="l" fontAlgn="auto">
-              <a:lnSpc>
-                <a:spcPct val="150000"/>
-              </a:lnSpc>
-            </a:pPr>
-            <a:r>
-              <a:rPr lang="zh-CN" altLang="en-US">
-                <a:solidFill>
-                  <a:srgbClr val="FF0000"/>
-                </a:solidFill>
-              </a:rPr>
-              <a:t>亦或</a:t>
-            </a:r>
-            <a:r>
-              <a:rPr lang="zh-CN" altLang="en-US"/>
-              <a:t>：</a:t>
-            </a:r>
-            <a:r>
-              <a:rPr lang="en-US" altLang="zh-CN"/>
-              <a:t>a^a=0,  a^0=a,  a^1=~a</a:t>
-            </a:r>
-          </a:p>
-          <a:p>
-            <a:pPr algn="l" fontAlgn="auto">
-              <a:lnSpc>
-                <a:spcPct val="150000"/>
-              </a:lnSpc>
-            </a:pPr>
-            <a:r>
-              <a:rPr lang="zh-CN" altLang="zh-CN"/>
-              <a:t>判断</a:t>
-            </a:r>
-            <a:r>
-              <a:rPr lang="en-US" altLang="zh-CN"/>
-              <a:t>a</a:t>
-            </a:r>
-            <a:r>
-              <a:rPr lang="zh-CN" altLang="zh-CN"/>
-              <a:t>从右数</a:t>
-            </a:r>
-            <a:r>
-              <a:rPr lang="zh-CN" altLang="zh-CN">
-                <a:solidFill>
-                  <a:srgbClr val="FF0000"/>
-                </a:solidFill>
-              </a:rPr>
-              <a:t>第</a:t>
-            </a:r>
-            <a:r>
-              <a:rPr lang="en-US" altLang="zh-CN">
-                <a:solidFill>
-                  <a:srgbClr val="FF0000"/>
-                </a:solidFill>
-              </a:rPr>
-              <a:t>n</a:t>
-            </a:r>
-            <a:r>
-              <a:rPr lang="zh-CN" altLang="en-US">
-                <a:solidFill>
-                  <a:srgbClr val="FF0000"/>
-                </a:solidFill>
-              </a:rPr>
-              <a:t>位</a:t>
-            </a:r>
-            <a:r>
-              <a:rPr lang="zh-CN" altLang="zh-CN">
-                <a:solidFill>
-                  <a:srgbClr val="FF0000"/>
-                </a:solidFill>
-              </a:rPr>
-              <a:t>是否为</a:t>
-            </a:r>
-            <a:r>
-              <a:rPr lang="en-US" altLang="zh-CN">
-                <a:solidFill>
-                  <a:srgbClr val="FF0000"/>
-                </a:solidFill>
-              </a:rPr>
-              <a:t>0</a:t>
-            </a:r>
-            <a:r>
-              <a:rPr lang="zh-CN" altLang="en-US"/>
-              <a:t>：</a:t>
-            </a:r>
-            <a:r>
-              <a:rPr lang="en-US" altLang="zh-CN"/>
-              <a:t>a &amp; (</a:t>
-            </a:r>
-            <a:r>
-              <a:rPr lang="en-US" altLang="zh-CN">
-                <a:sym typeface="+mn-ea"/>
-              </a:rPr>
-              <a:t>1 </a:t>
-            </a:r>
-            <a:r>
-              <a:rPr lang="zh-CN" altLang="zh-CN">
-                <a:sym typeface="+mn-ea"/>
-              </a:rPr>
-              <a:t> </a:t>
-            </a:r>
-            <a:r>
-              <a:rPr lang="en-US" altLang="zh-CN">
-                <a:sym typeface="+mn-ea"/>
-              </a:rPr>
-              <a:t>&lt;&lt;= n-1 </a:t>
-            </a:r>
-            <a:r>
-              <a:rPr lang="en-US" altLang="zh-CN"/>
-              <a:t>)</a:t>
-            </a:r>
-          </a:p>
-          <a:p>
-            <a:pPr algn="l" fontAlgn="auto">
-              <a:lnSpc>
-                <a:spcPct val="150000"/>
-              </a:lnSpc>
-            </a:pPr>
-            <a:r>
-              <a:rPr lang="en-US" altLang="zh-CN">
-                <a:solidFill>
-                  <a:srgbClr val="FF0000"/>
-                </a:solidFill>
-              </a:rPr>
-              <a:t>n-1</a:t>
-            </a:r>
-            <a:r>
-              <a:rPr lang="en-US" altLang="zh-CN"/>
-              <a:t>:</a:t>
-            </a:r>
-            <a:r>
-              <a:rPr lang="zh-CN" altLang="zh-CN"/>
-              <a:t>最右边的</a:t>
-            </a:r>
-            <a:r>
-              <a:rPr lang="en-US" altLang="zh-CN"/>
-              <a:t>1</a:t>
-            </a:r>
-            <a:r>
-              <a:rPr lang="zh-CN" altLang="en-US"/>
-              <a:t>变成</a:t>
-            </a:r>
-            <a:r>
-              <a:rPr lang="en-US" altLang="zh-CN"/>
-              <a:t>0</a:t>
-            </a:r>
-            <a:r>
-              <a:rPr lang="zh-CN" altLang="en-US"/>
-              <a:t>，该位右边的</a:t>
-            </a:r>
-            <a:r>
-              <a:rPr lang="en-US" altLang="zh-CN"/>
-              <a:t>0</a:t>
-            </a:r>
-            <a:r>
-              <a:rPr lang="zh-CN" altLang="en-US"/>
-              <a:t>全部变为</a:t>
-            </a:r>
-            <a:r>
-              <a:rPr lang="en-US" altLang="zh-CN"/>
-              <a:t>1</a:t>
-            </a:r>
-          </a:p>
-          <a:p>
-            <a:pPr algn="l" fontAlgn="auto">
-              <a:lnSpc>
-                <a:spcPct val="150000"/>
-              </a:lnSpc>
-            </a:pPr>
-            <a:r>
-              <a:rPr lang="en-US" altLang="zh-CN">
-                <a:solidFill>
-                  <a:srgbClr val="FF0000"/>
-                </a:solidFill>
-              </a:rPr>
-              <a:t>n&amp;(n-1)</a:t>
-            </a:r>
-            <a:r>
-              <a:rPr lang="zh-CN" altLang="en-US"/>
-              <a:t>：最右边的</a:t>
-            </a:r>
-            <a:r>
-              <a:rPr lang="en-US" altLang="zh-CN"/>
-              <a:t>1</a:t>
-            </a:r>
-            <a:r>
-              <a:rPr lang="zh-CN" altLang="en-US"/>
-              <a:t>变成</a:t>
-            </a:r>
-            <a:r>
-              <a:rPr lang="en-US" altLang="zh-CN"/>
-              <a:t>0</a:t>
-            </a:r>
-            <a:r>
-              <a:rPr lang="zh-CN" altLang="en-US"/>
-              <a:t>，其余位置不变</a:t>
-            </a:r>
-          </a:p>
-          <a:p>
-            <a:pPr algn="l" fontAlgn="auto">
-              <a:lnSpc>
-                <a:spcPct val="150000"/>
-              </a:lnSpc>
-            </a:pPr>
-            <a:r>
-              <a:rPr lang="zh-CN" altLang="en-US"/>
-              <a:t>判断</a:t>
-            </a:r>
-            <a:r>
-              <a:rPr lang="zh-CN" altLang="en-US">
-                <a:solidFill>
-                  <a:srgbClr val="FF0000"/>
-                </a:solidFill>
-              </a:rPr>
-              <a:t>奇偶性</a:t>
-            </a:r>
-            <a:r>
-              <a:rPr lang="zh-CN" altLang="en-US"/>
-              <a:t>：</a:t>
-            </a:r>
-            <a:r>
-              <a:rPr lang="en-US" altLang="zh-CN"/>
-              <a:t>if a &amp; 1  #</a:t>
-            </a:r>
-            <a:r>
-              <a:rPr lang="zh-CN" altLang="en-US"/>
-              <a:t>奇数为</a:t>
-            </a:r>
-            <a:r>
-              <a:rPr lang="en-US" altLang="zh-CN"/>
-              <a:t>true</a:t>
-            </a:r>
-          </a:p>
-          <a:p>
-            <a:pPr algn="l"/>
-            <a:endParaRPr lang="en-US" altLang="zh-CN"/>
-          </a:p>
-          <a:p>
-            <a:pPr algn="l"/>
-            <a:endParaRPr lang="en-US" altLang="zh-CN"/>
+            <a:pPr algn="ctr"/>
+            <a:r>
+              <a:rPr lang="zh-CN" altLang="en-US" sz="6600" b="1" dirty="0"/>
+              <a:t>位运算</a:t>
+            </a:r>
+            <a:endParaRPr lang="zh-CN" altLang="en-US" sz="6600" b="1" dirty="0"/>
           </a:p>
         </p:txBody>
       </p:sp>
@@ -14798,6 +14834,300 @@
         </p:nvSpPr>
         <p:spPr>
           <a:xfrm>
+            <a:off x="920115" y="601345"/>
+            <a:ext cx="4726305" cy="2722880"/>
+          </a:xfrm>
+          <a:prstGeom prst="rect">
+            <a:avLst/>
+          </a:prstGeom>
+          <a:noFill/>
+        </p:spPr>
+        <p:txBody>
+          <a:bodyPr wrap="square" rtlCol="0">
+            <a:spAutoFit/>
+          </a:bodyPr>
+          <a:lstStyle/>
+          <a:p>
+            <a:pPr algn="l" fontAlgn="auto">
+              <a:lnSpc>
+                <a:spcPct val="150000"/>
+              </a:lnSpc>
+            </a:pPr>
+            <a:r>
+              <a:rPr lang="zh-CN" altLang="en-US">
+                <a:solidFill>
+                  <a:srgbClr val="FF0000"/>
+                </a:solidFill>
+              </a:rPr>
+              <a:t>亦或</a:t>
+            </a:r>
+            <a:r>
+              <a:rPr lang="zh-CN" altLang="en-US"/>
+              <a:t>：</a:t>
+            </a:r>
+            <a:r>
+              <a:rPr lang="en-US" altLang="zh-CN"/>
+              <a:t>a^a=0,  a^0=a,  a^1=~a</a:t>
+            </a:r>
+            <a:endParaRPr lang="en-US" altLang="zh-CN"/>
+          </a:p>
+          <a:p>
+            <a:pPr algn="l" fontAlgn="auto">
+              <a:lnSpc>
+                <a:spcPct val="150000"/>
+              </a:lnSpc>
+            </a:pPr>
+            <a:r>
+              <a:rPr lang="zh-CN" altLang="zh-CN"/>
+              <a:t>判断</a:t>
+            </a:r>
+            <a:r>
+              <a:rPr lang="en-US" altLang="zh-CN"/>
+              <a:t>a</a:t>
+            </a:r>
+            <a:r>
+              <a:rPr lang="zh-CN" altLang="zh-CN"/>
+              <a:t>从右数</a:t>
+            </a:r>
+            <a:r>
+              <a:rPr lang="zh-CN" altLang="zh-CN">
+                <a:solidFill>
+                  <a:srgbClr val="FF0000"/>
+                </a:solidFill>
+              </a:rPr>
+              <a:t>第</a:t>
+            </a:r>
+            <a:r>
+              <a:rPr lang="en-US" altLang="zh-CN">
+                <a:solidFill>
+                  <a:srgbClr val="FF0000"/>
+                </a:solidFill>
+              </a:rPr>
+              <a:t>n</a:t>
+            </a:r>
+            <a:r>
+              <a:rPr lang="zh-CN" altLang="en-US">
+                <a:solidFill>
+                  <a:srgbClr val="FF0000"/>
+                </a:solidFill>
+              </a:rPr>
+              <a:t>位</a:t>
+            </a:r>
+            <a:r>
+              <a:rPr lang="zh-CN" altLang="zh-CN">
+                <a:solidFill>
+                  <a:srgbClr val="FF0000"/>
+                </a:solidFill>
+              </a:rPr>
+              <a:t>是否为</a:t>
+            </a:r>
+            <a:r>
+              <a:rPr lang="en-US" altLang="zh-CN">
+                <a:solidFill>
+                  <a:srgbClr val="FF0000"/>
+                </a:solidFill>
+              </a:rPr>
+              <a:t>0</a:t>
+            </a:r>
+            <a:r>
+              <a:rPr lang="zh-CN" altLang="en-US"/>
+              <a:t>：</a:t>
+            </a:r>
+            <a:r>
+              <a:rPr lang="en-US" altLang="zh-CN"/>
+              <a:t>a &amp; (</a:t>
+            </a:r>
+            <a:r>
+              <a:rPr lang="en-US" altLang="zh-CN">
+                <a:sym typeface="+mn-ea"/>
+              </a:rPr>
+              <a:t>1 </a:t>
+            </a:r>
+            <a:r>
+              <a:rPr lang="zh-CN" altLang="zh-CN">
+                <a:sym typeface="+mn-ea"/>
+              </a:rPr>
+              <a:t> </a:t>
+            </a:r>
+            <a:r>
+              <a:rPr lang="en-US" altLang="zh-CN">
+                <a:sym typeface="+mn-ea"/>
+              </a:rPr>
+              <a:t>&lt;&lt;= n-1 </a:t>
+            </a:r>
+            <a:r>
+              <a:rPr lang="en-US" altLang="zh-CN"/>
+              <a:t>)</a:t>
+            </a:r>
+            <a:endParaRPr lang="en-US" altLang="zh-CN"/>
+          </a:p>
+          <a:p>
+            <a:pPr algn="l" fontAlgn="auto">
+              <a:lnSpc>
+                <a:spcPct val="150000"/>
+              </a:lnSpc>
+            </a:pPr>
+            <a:r>
+              <a:rPr lang="en-US" altLang="zh-CN">
+                <a:solidFill>
+                  <a:srgbClr val="FF0000"/>
+                </a:solidFill>
+              </a:rPr>
+              <a:t>n-1</a:t>
+            </a:r>
+            <a:r>
+              <a:rPr lang="en-US" altLang="zh-CN"/>
+              <a:t>:</a:t>
+            </a:r>
+            <a:r>
+              <a:rPr lang="zh-CN" altLang="zh-CN"/>
+              <a:t>最右边的</a:t>
+            </a:r>
+            <a:r>
+              <a:rPr lang="en-US" altLang="zh-CN"/>
+              <a:t>1</a:t>
+            </a:r>
+            <a:r>
+              <a:rPr lang="zh-CN" altLang="en-US"/>
+              <a:t>变成</a:t>
+            </a:r>
+            <a:r>
+              <a:rPr lang="en-US" altLang="zh-CN"/>
+              <a:t>0</a:t>
+            </a:r>
+            <a:r>
+              <a:rPr lang="zh-CN" altLang="en-US"/>
+              <a:t>，该位右边的</a:t>
+            </a:r>
+            <a:r>
+              <a:rPr lang="en-US" altLang="zh-CN"/>
+              <a:t>0</a:t>
+            </a:r>
+            <a:r>
+              <a:rPr lang="zh-CN" altLang="en-US"/>
+              <a:t>全部变为</a:t>
+            </a:r>
+            <a:r>
+              <a:rPr lang="en-US" altLang="zh-CN"/>
+              <a:t>1</a:t>
+            </a:r>
+            <a:endParaRPr lang="en-US" altLang="zh-CN"/>
+          </a:p>
+          <a:p>
+            <a:pPr algn="l" fontAlgn="auto">
+              <a:lnSpc>
+                <a:spcPct val="150000"/>
+              </a:lnSpc>
+            </a:pPr>
+            <a:r>
+              <a:rPr lang="en-US" altLang="zh-CN">
+                <a:solidFill>
+                  <a:srgbClr val="FF0000"/>
+                </a:solidFill>
+              </a:rPr>
+              <a:t>n&amp;(n-1)</a:t>
+            </a:r>
+            <a:r>
+              <a:rPr lang="zh-CN" altLang="en-US"/>
+              <a:t>：最右边的</a:t>
+            </a:r>
+            <a:r>
+              <a:rPr lang="en-US" altLang="zh-CN"/>
+              <a:t>1</a:t>
+            </a:r>
+            <a:r>
+              <a:rPr lang="zh-CN" altLang="en-US"/>
+              <a:t>变成</a:t>
+            </a:r>
+            <a:r>
+              <a:rPr lang="en-US" altLang="zh-CN"/>
+              <a:t>0</a:t>
+            </a:r>
+            <a:r>
+              <a:rPr lang="zh-CN" altLang="en-US"/>
+              <a:t>，其余位置不变</a:t>
+            </a:r>
+            <a:endParaRPr lang="zh-CN" altLang="en-US"/>
+          </a:p>
+          <a:p>
+            <a:pPr algn="l" fontAlgn="auto">
+              <a:lnSpc>
+                <a:spcPct val="150000"/>
+              </a:lnSpc>
+            </a:pPr>
+            <a:r>
+              <a:rPr lang="zh-CN" altLang="en-US"/>
+              <a:t>判断</a:t>
+            </a:r>
+            <a:r>
+              <a:rPr lang="zh-CN" altLang="en-US">
+                <a:solidFill>
+                  <a:srgbClr val="FF0000"/>
+                </a:solidFill>
+              </a:rPr>
+              <a:t>奇偶性</a:t>
+            </a:r>
+            <a:r>
+              <a:rPr lang="zh-CN" altLang="en-US"/>
+              <a:t>：</a:t>
+            </a:r>
+            <a:r>
+              <a:rPr lang="en-US" altLang="zh-CN"/>
+              <a:t>if a &amp; 1  #</a:t>
+            </a:r>
+            <a:r>
+              <a:rPr lang="zh-CN" altLang="en-US"/>
+              <a:t>奇数为</a:t>
+            </a:r>
+            <a:r>
+              <a:rPr lang="en-US" altLang="zh-CN"/>
+              <a:t>true</a:t>
+            </a:r>
+            <a:endParaRPr lang="en-US" altLang="zh-CN"/>
+          </a:p>
+          <a:p>
+            <a:pPr algn="l"/>
+            <a:endParaRPr lang="en-US" altLang="zh-CN"/>
+          </a:p>
+          <a:p>
+            <a:pPr algn="l"/>
+            <a:endParaRPr lang="en-US" altLang="zh-CN"/>
+          </a:p>
+        </p:txBody>
+      </p:sp>
+    </p:spTree>
+  </p:cSld>
+  <p:clrMapOvr>
+    <a:masterClrMapping/>
+  </p:clrMapOvr>
+</p:sld>
+</file>
+
+<file path=ppt/slides/slide26.xml><?xml version="1.0" encoding="utf-8"?>
+<p:sld xmlns:a="http://schemas.openxmlformats.org/drawingml/2006/main" xmlns:r="http://schemas.openxmlformats.org/officeDocument/2006/relationships" xmlns:p="http://schemas.openxmlformats.org/presentationml/2006/main">
+  <p:cSld>
+    <p:spTree>
+      <p:nvGrpSpPr>
+        <p:cNvPr id="1" name=""/>
+        <p:cNvGrpSpPr/>
+        <p:nvPr/>
+      </p:nvGrpSpPr>
+      <p:grpSpPr>
+        <a:xfrm>
+          <a:off x="0" y="0"/>
+          <a:ext cx="0" cy="0"/>
+          <a:chOff x="0" y="0"/>
+          <a:chExt cx="0" cy="0"/>
+        </a:xfrm>
+      </p:grpSpPr>
+      <p:sp>
+        <p:nvSpPr>
+          <p:cNvPr id="2" name="文本框 1"/>
+          <p:cNvSpPr txBox="1"/>
+          <p:nvPr/>
+        </p:nvSpPr>
+        <p:spPr>
+          <a:xfrm>
             <a:off x="1017905" y="1358900"/>
             <a:ext cx="6808470" cy="368300"/>
           </a:xfrm>
@@ -14832,6 +15162,7 @@
               <a:rPr lang="zh-CN" altLang="en-US"/>
               <a:t>次，其他的都出现了偶数次，找到这两个数字</a:t>
             </a:r>
+            <a:endParaRPr lang="zh-CN" altLang="en-US"/>
           </a:p>
         </p:txBody>
       </p:sp>
@@ -14873,6 +15204,7 @@
               <a:rPr lang="zh-CN" altLang="zh-CN"/>
               <a:t>亦或的结果</a:t>
             </a:r>
+            <a:endParaRPr lang="zh-CN" altLang="zh-CN"/>
           </a:p>
         </p:txBody>
       </p:sp>
@@ -14938,6 +15270,7 @@
               <a:rPr lang="en-US" altLang="zh-CN" sz="3600"/>
               <a:t>0</a:t>
             </a:r>
+            <a:endParaRPr lang="en-US" altLang="zh-CN" sz="3600"/>
           </a:p>
         </p:txBody>
       </p:sp>
@@ -15010,6 +15343,7 @@
               <a:rPr lang="zh-CN" altLang="en-US"/>
               <a:t>不同</a:t>
             </a:r>
+            <a:endParaRPr lang="zh-CN" altLang="en-US"/>
           </a:p>
         </p:txBody>
       </p:sp>
@@ -15082,6 +15416,7 @@
               <a:rPr lang="zh-CN" altLang="en-US"/>
               <a:t>相同</a:t>
             </a:r>
+            <a:endParaRPr lang="zh-CN" altLang="en-US"/>
           </a:p>
         </p:txBody>
       </p:sp>
@@ -15147,6 +15482,7 @@
               <a:rPr lang="zh-CN" altLang="en-US"/>
               <a:t>以此为切入点，遍历整个数组</a:t>
             </a:r>
+            <a:endParaRPr lang="zh-CN" altLang="en-US"/>
           </a:p>
           <a:p>
             <a:r>
@@ -15169,6 +15505,7 @@
               <a:rPr lang="zh-CN" altLang="en-US"/>
               <a:t>分到另</a:t>
             </a:r>
+            <a:endParaRPr lang="zh-CN" altLang="en-US"/>
           </a:p>
           <a:p>
             <a:r>
@@ -15191,6 +15528,11 @@
               </a:rPr>
               <a:t>binary</a:t>
             </a:r>
+            <a:endParaRPr lang="en-US" altLang="zh-CN">
+              <a:solidFill>
+                <a:srgbClr val="FF0000"/>
+              </a:solidFill>
+            </a:endParaRPr>
           </a:p>
           <a:p>
             <a:r>
@@ -15225,6 +15567,11 @@
               </a:rPr>
               <a:t>&amp;</a:t>
             </a:r>
+            <a:endParaRPr lang="en-US" altLang="zh-CN">
+              <a:solidFill>
+                <a:srgbClr val="FF0000"/>
+              </a:solidFill>
+            </a:endParaRPr>
           </a:p>
           <a:p>
             <a:r>
@@ -15235,6 +15582,11 @@
               </a:rPr>
               <a:t>即可。</a:t>
             </a:r>
+            <a:endParaRPr lang="zh-CN" altLang="en-US">
+              <a:solidFill>
+                <a:srgbClr val="FF0000"/>
+              </a:solidFill>
+            </a:endParaRPr>
           </a:p>
         </p:txBody>
       </p:sp>
@@ -15281,6 +15633,1409 @@
               <a:rPr lang="zh-CN" altLang="en-US" b="1" dirty="0"/>
               <a:t>出现一次的数字</a:t>
             </a:r>
+            <a:endParaRPr lang="zh-CN" altLang="en-US" b="1" dirty="0"/>
+          </a:p>
+        </p:txBody>
+      </p:sp>
+    </p:spTree>
+  </p:cSld>
+  <p:clrMapOvr>
+    <a:masterClrMapping/>
+  </p:clrMapOvr>
+</p:sld>
+</file>
+
+<file path=ppt/slides/slide27.xml><?xml version="1.0" encoding="utf-8"?>
+<p:sld xmlns:a="http://schemas.openxmlformats.org/drawingml/2006/main" xmlns:r="http://schemas.openxmlformats.org/officeDocument/2006/relationships" xmlns:p="http://schemas.openxmlformats.org/presentationml/2006/main">
+  <p:cSld>
+    <p:spTree>
+      <p:nvGrpSpPr>
+        <p:cNvPr id="1" name=""/>
+        <p:cNvGrpSpPr/>
+        <p:nvPr/>
+      </p:nvGrpSpPr>
+      <p:grpSpPr>
+        <a:xfrm>
+          <a:off x="0" y="0"/>
+          <a:ext cx="0" cy="0"/>
+          <a:chOff x="0" y="0"/>
+          <a:chExt cx="0" cy="0"/>
+        </a:xfrm>
+      </p:grpSpPr>
+      <p:sp>
+        <p:nvSpPr>
+          <p:cNvPr id="34" name="TextBox 33"/>
+          <p:cNvSpPr txBox="1"/>
+          <p:nvPr/>
+        </p:nvSpPr>
+        <p:spPr>
+          <a:xfrm>
+            <a:off x="2723494" y="2483161"/>
+            <a:ext cx="3550920" cy="1106805"/>
+          </a:xfrm>
+          <a:prstGeom prst="rect">
+            <a:avLst/>
+          </a:prstGeom>
+          <a:noFill/>
+        </p:spPr>
+        <p:txBody>
+          <a:bodyPr wrap="none" rtlCol="0">
+            <a:spAutoFit/>
+          </a:bodyPr>
+          <a:lstStyle/>
+          <a:p>
+            <a:pPr algn="ctr"/>
+            <a:r>
+              <a:rPr lang="zh-CN" altLang="en-US" sz="6600" b="1" dirty="0"/>
+              <a:t>矩阵操作</a:t>
+            </a:r>
+            <a:endParaRPr lang="zh-CN" altLang="en-US" sz="6600" b="1" dirty="0"/>
+          </a:p>
+        </p:txBody>
+      </p:sp>
+    </p:spTree>
+  </p:cSld>
+  <p:clrMapOvr>
+    <a:masterClrMapping/>
+  </p:clrMapOvr>
+</p:sld>
+</file>
+
+<file path=ppt/slides/slide28.xml><?xml version="1.0" encoding="utf-8"?>
+<p:sld xmlns:a="http://schemas.openxmlformats.org/drawingml/2006/main" xmlns:r="http://schemas.openxmlformats.org/officeDocument/2006/relationships" xmlns:p="http://schemas.openxmlformats.org/presentationml/2006/main">
+  <p:cSld>
+    <p:spTree>
+      <p:nvGrpSpPr>
+        <p:cNvPr id="1" name=""/>
+        <p:cNvGrpSpPr/>
+        <p:nvPr/>
+      </p:nvGrpSpPr>
+      <p:grpSpPr>
+        <a:xfrm>
+          <a:off x="0" y="0"/>
+          <a:ext cx="0" cy="0"/>
+          <a:chOff x="0" y="0"/>
+          <a:chExt cx="0" cy="0"/>
+        </a:xfrm>
+      </p:grpSpPr>
+      <p:sp>
+        <p:nvSpPr>
+          <p:cNvPr id="2" name="矩形 1"/>
+          <p:cNvSpPr/>
+          <p:nvPr/>
+        </p:nvSpPr>
+        <p:spPr>
+          <a:xfrm>
+            <a:off x="3227705" y="2051050"/>
+            <a:ext cx="432435" cy="432435"/>
+          </a:xfrm>
+          <a:prstGeom prst="rect">
+            <a:avLst/>
+          </a:prstGeom>
+        </p:spPr>
+        <p:style>
+          <a:lnRef idx="2">
+            <a:schemeClr val="accent1">
+              <a:shade val="50000"/>
+            </a:schemeClr>
+          </a:lnRef>
+          <a:fillRef idx="1">
+            <a:schemeClr val="accent1"/>
+          </a:fillRef>
+          <a:effectRef idx="0">
+            <a:schemeClr val="accent1"/>
+          </a:effectRef>
+          <a:fontRef idx="minor">
+            <a:schemeClr val="lt1"/>
+          </a:fontRef>
+        </p:style>
+        <p:txBody>
+          <a:bodyPr rtlCol="0" anchor="ctr"/>
+          <a:p>
+            <a:pPr algn="ctr"/>
+            <a:endParaRPr lang="zh-CN" altLang="en-US"/>
+          </a:p>
+        </p:txBody>
+      </p:sp>
+      <p:sp>
+        <p:nvSpPr>
+          <p:cNvPr id="3" name="矩形 2"/>
+          <p:cNvSpPr/>
+          <p:nvPr/>
+        </p:nvSpPr>
+        <p:spPr>
+          <a:xfrm>
+            <a:off x="3672840" y="2065655"/>
+            <a:ext cx="432435" cy="432435"/>
+          </a:xfrm>
+          <a:prstGeom prst="rect">
+            <a:avLst/>
+          </a:prstGeom>
+        </p:spPr>
+        <p:style>
+          <a:lnRef idx="2">
+            <a:schemeClr val="accent4">
+              <a:shade val="50000"/>
+            </a:schemeClr>
+          </a:lnRef>
+          <a:fillRef idx="1">
+            <a:schemeClr val="accent4"/>
+          </a:fillRef>
+          <a:effectRef idx="0">
+            <a:schemeClr val="accent4"/>
+          </a:effectRef>
+          <a:fontRef idx="minor">
+            <a:schemeClr val="lt1"/>
+          </a:fontRef>
+        </p:style>
+        <p:txBody>
+          <a:bodyPr rtlCol="0" anchor="ctr"/>
+          <a:p>
+            <a:pPr algn="ctr"/>
+            <a:endParaRPr lang="zh-CN" altLang="en-US"/>
+          </a:p>
+        </p:txBody>
+      </p:sp>
+      <p:sp>
+        <p:nvSpPr>
+          <p:cNvPr id="4" name="矩形 3"/>
+          <p:cNvSpPr/>
+          <p:nvPr/>
+        </p:nvSpPr>
+        <p:spPr>
+          <a:xfrm>
+            <a:off x="4095750" y="2065655"/>
+            <a:ext cx="432435" cy="432435"/>
+          </a:xfrm>
+          <a:prstGeom prst="rect">
+            <a:avLst/>
+          </a:prstGeom>
+        </p:spPr>
+        <p:style>
+          <a:lnRef idx="2">
+            <a:schemeClr val="accent1">
+              <a:shade val="50000"/>
+            </a:schemeClr>
+          </a:lnRef>
+          <a:fillRef idx="1">
+            <a:schemeClr val="accent1"/>
+          </a:fillRef>
+          <a:effectRef idx="0">
+            <a:schemeClr val="accent1"/>
+          </a:effectRef>
+          <a:fontRef idx="minor">
+            <a:schemeClr val="lt1"/>
+          </a:fontRef>
+        </p:style>
+        <p:txBody>
+          <a:bodyPr rtlCol="0" anchor="ctr"/>
+          <a:p>
+            <a:pPr algn="ctr"/>
+            <a:endParaRPr lang="zh-CN" altLang="en-US"/>
+          </a:p>
+        </p:txBody>
+      </p:sp>
+      <p:sp>
+        <p:nvSpPr>
+          <p:cNvPr id="5" name="矩形 4"/>
+          <p:cNvSpPr/>
+          <p:nvPr/>
+        </p:nvSpPr>
+        <p:spPr>
+          <a:xfrm>
+            <a:off x="4529455" y="2059305"/>
+            <a:ext cx="432435" cy="432435"/>
+          </a:xfrm>
+          <a:prstGeom prst="rect">
+            <a:avLst/>
+          </a:prstGeom>
+        </p:spPr>
+        <p:style>
+          <a:lnRef idx="2">
+            <a:schemeClr val="accent1">
+              <a:shade val="50000"/>
+            </a:schemeClr>
+          </a:lnRef>
+          <a:fillRef idx="1">
+            <a:schemeClr val="accent1"/>
+          </a:fillRef>
+          <a:effectRef idx="0">
+            <a:schemeClr val="accent1"/>
+          </a:effectRef>
+          <a:fontRef idx="minor">
+            <a:schemeClr val="lt1"/>
+          </a:fontRef>
+        </p:style>
+        <p:txBody>
+          <a:bodyPr rtlCol="0" anchor="ctr"/>
+          <a:p>
+            <a:pPr algn="ctr"/>
+            <a:endParaRPr lang="zh-CN" altLang="en-US"/>
+          </a:p>
+        </p:txBody>
+      </p:sp>
+      <p:sp>
+        <p:nvSpPr>
+          <p:cNvPr id="6" name="矩形 5"/>
+          <p:cNvSpPr/>
+          <p:nvPr/>
+        </p:nvSpPr>
+        <p:spPr>
+          <a:xfrm>
+            <a:off x="3227705" y="2483485"/>
+            <a:ext cx="432435" cy="432435"/>
+          </a:xfrm>
+          <a:prstGeom prst="rect">
+            <a:avLst/>
+          </a:prstGeom>
+        </p:spPr>
+        <p:style>
+          <a:lnRef idx="2">
+            <a:schemeClr val="accent1">
+              <a:shade val="50000"/>
+            </a:schemeClr>
+          </a:lnRef>
+          <a:fillRef idx="1">
+            <a:schemeClr val="accent1"/>
+          </a:fillRef>
+          <a:effectRef idx="0">
+            <a:schemeClr val="accent1"/>
+          </a:effectRef>
+          <a:fontRef idx="minor">
+            <a:schemeClr val="lt1"/>
+          </a:fontRef>
+        </p:style>
+        <p:txBody>
+          <a:bodyPr rtlCol="0" anchor="ctr"/>
+          <a:p>
+            <a:pPr algn="ctr"/>
+            <a:endParaRPr lang="zh-CN" altLang="en-US"/>
+          </a:p>
+        </p:txBody>
+      </p:sp>
+      <p:sp>
+        <p:nvSpPr>
+          <p:cNvPr id="7" name="矩形 6"/>
+          <p:cNvSpPr/>
+          <p:nvPr/>
+        </p:nvSpPr>
+        <p:spPr>
+          <a:xfrm>
+            <a:off x="3672205" y="2487930"/>
+            <a:ext cx="432435" cy="432435"/>
+          </a:xfrm>
+          <a:prstGeom prst="rect">
+            <a:avLst/>
+          </a:prstGeom>
+        </p:spPr>
+        <p:style>
+          <a:lnRef idx="2">
+            <a:schemeClr val="accent1">
+              <a:shade val="50000"/>
+            </a:schemeClr>
+          </a:lnRef>
+          <a:fillRef idx="1">
+            <a:schemeClr val="accent1"/>
+          </a:fillRef>
+          <a:effectRef idx="0">
+            <a:schemeClr val="accent1"/>
+          </a:effectRef>
+          <a:fontRef idx="minor">
+            <a:schemeClr val="lt1"/>
+          </a:fontRef>
+        </p:style>
+        <p:txBody>
+          <a:bodyPr rtlCol="0" anchor="ctr"/>
+          <a:p>
+            <a:pPr algn="ctr"/>
+            <a:endParaRPr lang="zh-CN" altLang="en-US"/>
+          </a:p>
+        </p:txBody>
+      </p:sp>
+      <p:sp>
+        <p:nvSpPr>
+          <p:cNvPr id="8" name="矩形 7"/>
+          <p:cNvSpPr/>
+          <p:nvPr/>
+        </p:nvSpPr>
+        <p:spPr>
+          <a:xfrm>
+            <a:off x="4095115" y="2487930"/>
+            <a:ext cx="432435" cy="432435"/>
+          </a:xfrm>
+          <a:prstGeom prst="rect">
+            <a:avLst/>
+          </a:prstGeom>
+        </p:spPr>
+        <p:style>
+          <a:lnRef idx="2">
+            <a:schemeClr val="accent1">
+              <a:shade val="50000"/>
+            </a:schemeClr>
+          </a:lnRef>
+          <a:fillRef idx="1">
+            <a:schemeClr val="accent1"/>
+          </a:fillRef>
+          <a:effectRef idx="0">
+            <a:schemeClr val="accent1"/>
+          </a:effectRef>
+          <a:fontRef idx="minor">
+            <a:schemeClr val="lt1"/>
+          </a:fontRef>
+        </p:style>
+        <p:txBody>
+          <a:bodyPr rtlCol="0" anchor="ctr"/>
+          <a:p>
+            <a:pPr algn="ctr"/>
+            <a:endParaRPr lang="zh-CN" altLang="en-US"/>
+          </a:p>
+        </p:txBody>
+      </p:sp>
+      <p:sp>
+        <p:nvSpPr>
+          <p:cNvPr id="9" name="矩形 8"/>
+          <p:cNvSpPr/>
+          <p:nvPr/>
+        </p:nvSpPr>
+        <p:spPr>
+          <a:xfrm>
+            <a:off x="4528820" y="2481580"/>
+            <a:ext cx="432435" cy="432435"/>
+          </a:xfrm>
+          <a:prstGeom prst="rect">
+            <a:avLst/>
+          </a:prstGeom>
+        </p:spPr>
+        <p:style>
+          <a:lnRef idx="2">
+            <a:schemeClr val="accent4">
+              <a:shade val="50000"/>
+            </a:schemeClr>
+          </a:lnRef>
+          <a:fillRef idx="1">
+            <a:schemeClr val="accent4"/>
+          </a:fillRef>
+          <a:effectRef idx="0">
+            <a:schemeClr val="accent4"/>
+          </a:effectRef>
+          <a:fontRef idx="minor">
+            <a:schemeClr val="lt1"/>
+          </a:fontRef>
+        </p:style>
+        <p:txBody>
+          <a:bodyPr rtlCol="0" anchor="ctr"/>
+          <a:p>
+            <a:pPr algn="ctr"/>
+            <a:endParaRPr lang="zh-CN" altLang="en-US"/>
+          </a:p>
+        </p:txBody>
+      </p:sp>
+      <p:sp>
+        <p:nvSpPr>
+          <p:cNvPr id="10" name="矩形 9"/>
+          <p:cNvSpPr/>
+          <p:nvPr/>
+        </p:nvSpPr>
+        <p:spPr>
+          <a:xfrm>
+            <a:off x="3229610" y="2893695"/>
+            <a:ext cx="432435" cy="432435"/>
+          </a:xfrm>
+          <a:prstGeom prst="rect">
+            <a:avLst/>
+          </a:prstGeom>
+        </p:spPr>
+        <p:style>
+          <a:lnRef idx="2">
+            <a:schemeClr val="accent4">
+              <a:shade val="50000"/>
+            </a:schemeClr>
+          </a:lnRef>
+          <a:fillRef idx="1">
+            <a:schemeClr val="accent4"/>
+          </a:fillRef>
+          <a:effectRef idx="0">
+            <a:schemeClr val="accent4"/>
+          </a:effectRef>
+          <a:fontRef idx="minor">
+            <a:schemeClr val="lt1"/>
+          </a:fontRef>
+        </p:style>
+        <p:txBody>
+          <a:bodyPr rtlCol="0" anchor="ctr"/>
+          <a:p>
+            <a:pPr algn="ctr"/>
+            <a:endParaRPr lang="zh-CN" altLang="en-US"/>
+          </a:p>
+        </p:txBody>
+      </p:sp>
+      <p:sp>
+        <p:nvSpPr>
+          <p:cNvPr id="11" name="矩形 10"/>
+          <p:cNvSpPr/>
+          <p:nvPr/>
+        </p:nvSpPr>
+        <p:spPr>
+          <a:xfrm>
+            <a:off x="3674110" y="2898140"/>
+            <a:ext cx="432435" cy="432435"/>
+          </a:xfrm>
+          <a:prstGeom prst="rect">
+            <a:avLst/>
+          </a:prstGeom>
+        </p:spPr>
+        <p:style>
+          <a:lnRef idx="2">
+            <a:schemeClr val="accent1">
+              <a:shade val="50000"/>
+            </a:schemeClr>
+          </a:lnRef>
+          <a:fillRef idx="1">
+            <a:schemeClr val="accent1"/>
+          </a:fillRef>
+          <a:effectRef idx="0">
+            <a:schemeClr val="accent1"/>
+          </a:effectRef>
+          <a:fontRef idx="minor">
+            <a:schemeClr val="lt1"/>
+          </a:fontRef>
+        </p:style>
+        <p:txBody>
+          <a:bodyPr rtlCol="0" anchor="ctr"/>
+          <a:p>
+            <a:pPr algn="ctr"/>
+            <a:endParaRPr lang="zh-CN" altLang="en-US"/>
+          </a:p>
+        </p:txBody>
+      </p:sp>
+      <p:sp>
+        <p:nvSpPr>
+          <p:cNvPr id="12" name="矩形 11"/>
+          <p:cNvSpPr/>
+          <p:nvPr/>
+        </p:nvSpPr>
+        <p:spPr>
+          <a:xfrm>
+            <a:off x="4097020" y="2898140"/>
+            <a:ext cx="432435" cy="432435"/>
+          </a:xfrm>
+          <a:prstGeom prst="rect">
+            <a:avLst/>
+          </a:prstGeom>
+        </p:spPr>
+        <p:style>
+          <a:lnRef idx="2">
+            <a:schemeClr val="accent1">
+              <a:shade val="50000"/>
+            </a:schemeClr>
+          </a:lnRef>
+          <a:fillRef idx="1">
+            <a:schemeClr val="accent1"/>
+          </a:fillRef>
+          <a:effectRef idx="0">
+            <a:schemeClr val="accent1"/>
+          </a:effectRef>
+          <a:fontRef idx="minor">
+            <a:schemeClr val="lt1"/>
+          </a:fontRef>
+        </p:style>
+        <p:txBody>
+          <a:bodyPr rtlCol="0" anchor="ctr"/>
+          <a:p>
+            <a:pPr algn="ctr"/>
+            <a:endParaRPr lang="zh-CN" altLang="en-US"/>
+          </a:p>
+        </p:txBody>
+      </p:sp>
+      <p:sp>
+        <p:nvSpPr>
+          <p:cNvPr id="13" name="矩形 12"/>
+          <p:cNvSpPr/>
+          <p:nvPr/>
+        </p:nvSpPr>
+        <p:spPr>
+          <a:xfrm>
+            <a:off x="4530725" y="2891790"/>
+            <a:ext cx="432435" cy="432435"/>
+          </a:xfrm>
+          <a:prstGeom prst="rect">
+            <a:avLst/>
+          </a:prstGeom>
+        </p:spPr>
+        <p:style>
+          <a:lnRef idx="2">
+            <a:schemeClr val="accent1">
+              <a:shade val="50000"/>
+            </a:schemeClr>
+          </a:lnRef>
+          <a:fillRef idx="1">
+            <a:schemeClr val="accent1"/>
+          </a:fillRef>
+          <a:effectRef idx="0">
+            <a:schemeClr val="accent1"/>
+          </a:effectRef>
+          <a:fontRef idx="minor">
+            <a:schemeClr val="lt1"/>
+          </a:fontRef>
+        </p:style>
+        <p:txBody>
+          <a:bodyPr rtlCol="0" anchor="ctr"/>
+          <a:p>
+            <a:pPr algn="ctr"/>
+            <a:endParaRPr lang="zh-CN" altLang="en-US"/>
+          </a:p>
+        </p:txBody>
+      </p:sp>
+      <p:sp>
+        <p:nvSpPr>
+          <p:cNvPr id="14" name="矩形 13"/>
+          <p:cNvSpPr/>
+          <p:nvPr/>
+        </p:nvSpPr>
+        <p:spPr>
+          <a:xfrm>
+            <a:off x="3228975" y="3315970"/>
+            <a:ext cx="432435" cy="432435"/>
+          </a:xfrm>
+          <a:prstGeom prst="rect">
+            <a:avLst/>
+          </a:prstGeom>
+        </p:spPr>
+        <p:style>
+          <a:lnRef idx="2">
+            <a:schemeClr val="accent1">
+              <a:shade val="50000"/>
+            </a:schemeClr>
+          </a:lnRef>
+          <a:fillRef idx="1">
+            <a:schemeClr val="accent1"/>
+          </a:fillRef>
+          <a:effectRef idx="0">
+            <a:schemeClr val="accent1"/>
+          </a:effectRef>
+          <a:fontRef idx="minor">
+            <a:schemeClr val="lt1"/>
+          </a:fontRef>
+        </p:style>
+        <p:txBody>
+          <a:bodyPr rtlCol="0" anchor="ctr"/>
+          <a:p>
+            <a:pPr algn="ctr"/>
+            <a:endParaRPr lang="zh-CN" altLang="en-US"/>
+          </a:p>
+        </p:txBody>
+      </p:sp>
+      <p:sp>
+        <p:nvSpPr>
+          <p:cNvPr id="15" name="矩形 14"/>
+          <p:cNvSpPr/>
+          <p:nvPr/>
+        </p:nvSpPr>
+        <p:spPr>
+          <a:xfrm>
+            <a:off x="3672840" y="3314065"/>
+            <a:ext cx="432435" cy="432435"/>
+          </a:xfrm>
+          <a:prstGeom prst="rect">
+            <a:avLst/>
+          </a:prstGeom>
+        </p:spPr>
+        <p:style>
+          <a:lnRef idx="2">
+            <a:schemeClr val="accent1">
+              <a:shade val="50000"/>
+            </a:schemeClr>
+          </a:lnRef>
+          <a:fillRef idx="1">
+            <a:schemeClr val="accent1"/>
+          </a:fillRef>
+          <a:effectRef idx="0">
+            <a:schemeClr val="accent1"/>
+          </a:effectRef>
+          <a:fontRef idx="minor">
+            <a:schemeClr val="lt1"/>
+          </a:fontRef>
+        </p:style>
+        <p:txBody>
+          <a:bodyPr rtlCol="0" anchor="ctr"/>
+          <a:p>
+            <a:pPr algn="ctr"/>
+            <a:endParaRPr lang="zh-CN" altLang="en-US"/>
+          </a:p>
+        </p:txBody>
+      </p:sp>
+      <p:sp>
+        <p:nvSpPr>
+          <p:cNvPr id="16" name="矩形 15"/>
+          <p:cNvSpPr/>
+          <p:nvPr/>
+        </p:nvSpPr>
+        <p:spPr>
+          <a:xfrm>
+            <a:off x="4096385" y="3320415"/>
+            <a:ext cx="432435" cy="432435"/>
+          </a:xfrm>
+          <a:prstGeom prst="rect">
+            <a:avLst/>
+          </a:prstGeom>
+        </p:spPr>
+        <p:style>
+          <a:lnRef idx="2">
+            <a:schemeClr val="accent4">
+              <a:shade val="50000"/>
+            </a:schemeClr>
+          </a:lnRef>
+          <a:fillRef idx="1">
+            <a:schemeClr val="accent4"/>
+          </a:fillRef>
+          <a:effectRef idx="0">
+            <a:schemeClr val="accent4"/>
+          </a:effectRef>
+          <a:fontRef idx="minor">
+            <a:schemeClr val="lt1"/>
+          </a:fontRef>
+        </p:style>
+        <p:txBody>
+          <a:bodyPr rtlCol="0" anchor="ctr"/>
+          <a:p>
+            <a:pPr algn="ctr"/>
+            <a:endParaRPr lang="zh-CN" altLang="en-US"/>
+          </a:p>
+        </p:txBody>
+      </p:sp>
+      <p:sp>
+        <p:nvSpPr>
+          <p:cNvPr id="17" name="矩形 16"/>
+          <p:cNvSpPr/>
+          <p:nvPr/>
+        </p:nvSpPr>
+        <p:spPr>
+          <a:xfrm>
+            <a:off x="4530090" y="3314065"/>
+            <a:ext cx="432435" cy="432435"/>
+          </a:xfrm>
+          <a:prstGeom prst="rect">
+            <a:avLst/>
+          </a:prstGeom>
+        </p:spPr>
+        <p:style>
+          <a:lnRef idx="2">
+            <a:schemeClr val="accent1">
+              <a:shade val="50000"/>
+            </a:schemeClr>
+          </a:lnRef>
+          <a:fillRef idx="1">
+            <a:schemeClr val="accent1"/>
+          </a:fillRef>
+          <a:effectRef idx="0">
+            <a:schemeClr val="accent1"/>
+          </a:effectRef>
+          <a:fontRef idx="minor">
+            <a:schemeClr val="lt1"/>
+          </a:fontRef>
+        </p:style>
+        <p:txBody>
+          <a:bodyPr rtlCol="0" anchor="ctr"/>
+          <a:p>
+            <a:pPr algn="ctr"/>
+            <a:endParaRPr lang="zh-CN" altLang="en-US"/>
+          </a:p>
+        </p:txBody>
+      </p:sp>
+      <p:sp>
+        <p:nvSpPr>
+          <p:cNvPr id="18" name="文本框 17"/>
+          <p:cNvSpPr txBox="1"/>
+          <p:nvPr/>
+        </p:nvSpPr>
+        <p:spPr>
+          <a:xfrm>
+            <a:off x="3602990" y="1657350"/>
+            <a:ext cx="537210" cy="368300"/>
+          </a:xfrm>
+          <a:prstGeom prst="rect">
+            <a:avLst/>
+          </a:prstGeom>
+          <a:noFill/>
+        </p:spPr>
+        <p:txBody>
+          <a:bodyPr wrap="none" rtlCol="0">
+            <a:spAutoFit/>
+          </a:bodyPr>
+          <a:p>
+            <a:r>
+              <a:rPr lang="en-US" altLang="zh-CN"/>
+              <a:t>(i, j)</a:t>
+            </a:r>
+            <a:endParaRPr lang="en-US" altLang="zh-CN"/>
+          </a:p>
+        </p:txBody>
+      </p:sp>
+      <p:sp>
+        <p:nvSpPr>
+          <p:cNvPr id="19" name="文本框 18"/>
+          <p:cNvSpPr txBox="1"/>
+          <p:nvPr/>
+        </p:nvSpPr>
+        <p:spPr>
+          <a:xfrm>
+            <a:off x="4963160" y="2487930"/>
+            <a:ext cx="919480" cy="368300"/>
+          </a:xfrm>
+          <a:prstGeom prst="rect">
+            <a:avLst/>
+          </a:prstGeom>
+          <a:noFill/>
+        </p:spPr>
+        <p:txBody>
+          <a:bodyPr wrap="none" rtlCol="0">
+            <a:spAutoFit/>
+          </a:bodyPr>
+          <a:p>
+            <a:r>
+              <a:rPr lang="en-US" altLang="zh-CN"/>
+              <a:t>(j, n-1-i)</a:t>
+            </a:r>
+            <a:endParaRPr lang="en-US" altLang="zh-CN"/>
+          </a:p>
+        </p:txBody>
+      </p:sp>
+      <p:sp>
+        <p:nvSpPr>
+          <p:cNvPr id="20" name="文本框 19"/>
+          <p:cNvSpPr txBox="1"/>
+          <p:nvPr/>
+        </p:nvSpPr>
+        <p:spPr>
+          <a:xfrm>
+            <a:off x="4043680" y="4019550"/>
+            <a:ext cx="1287780" cy="368300"/>
+          </a:xfrm>
+          <a:prstGeom prst="rect">
+            <a:avLst/>
+          </a:prstGeom>
+          <a:noFill/>
+        </p:spPr>
+        <p:txBody>
+          <a:bodyPr wrap="none" rtlCol="0">
+            <a:spAutoFit/>
+          </a:bodyPr>
+          <a:p>
+            <a:r>
+              <a:rPr lang="en-US" altLang="zh-CN"/>
+              <a:t>(n-1-i, n-1-j)</a:t>
+            </a:r>
+            <a:endParaRPr lang="en-US" altLang="zh-CN"/>
+          </a:p>
+        </p:txBody>
+      </p:sp>
+      <p:sp>
+        <p:nvSpPr>
+          <p:cNvPr id="21" name="文本框 20"/>
+          <p:cNvSpPr txBox="1"/>
+          <p:nvPr/>
+        </p:nvSpPr>
+        <p:spPr>
+          <a:xfrm>
+            <a:off x="1941830" y="2513330"/>
+            <a:ext cx="912495" cy="368300"/>
+          </a:xfrm>
+          <a:prstGeom prst="rect">
+            <a:avLst/>
+          </a:prstGeom>
+          <a:noFill/>
+        </p:spPr>
+        <p:txBody>
+          <a:bodyPr wrap="none" rtlCol="0">
+            <a:spAutoFit/>
+          </a:bodyPr>
+          <a:p>
+            <a:r>
+              <a:rPr lang="en-US" altLang="zh-CN"/>
+              <a:t>(n-1-j, i)</a:t>
+            </a:r>
+            <a:endParaRPr lang="en-US" altLang="zh-CN"/>
+          </a:p>
+        </p:txBody>
+      </p:sp>
+      <p:cxnSp>
+        <p:nvCxnSpPr>
+          <p:cNvPr id="22" name="曲线连接符 21"/>
+          <p:cNvCxnSpPr>
+            <a:stCxn id="18" idx="0"/>
+            <a:endCxn id="20" idx="3"/>
+          </p:cNvCxnSpPr>
+          <p:nvPr/>
+        </p:nvCxnSpPr>
+        <p:spPr>
+          <a:xfrm rot="16200000" flipH="1">
+            <a:off x="3328035" y="2200910"/>
+            <a:ext cx="2546350" cy="1459865"/>
+          </a:xfrm>
+          <a:prstGeom prst="curvedConnector4">
+            <a:avLst>
+              <a:gd name="adj1" fmla="val -14127"/>
+              <a:gd name="adj2" fmla="val 180969"/>
+            </a:avLst>
+          </a:prstGeom>
+          <a:ln>
+            <a:headEnd type="arrow"/>
+            <a:tailEnd type="arrow"/>
+          </a:ln>
+        </p:spPr>
+        <p:style>
+          <a:lnRef idx="1">
+            <a:schemeClr val="accent1"/>
+          </a:lnRef>
+          <a:fillRef idx="0">
+            <a:schemeClr val="accent1"/>
+          </a:fillRef>
+          <a:effectRef idx="0">
+            <a:schemeClr val="accent1"/>
+          </a:effectRef>
+          <a:fontRef idx="minor">
+            <a:schemeClr val="tx1"/>
+          </a:fontRef>
+        </p:style>
+      </p:cxnSp>
+      <p:sp>
+        <p:nvSpPr>
+          <p:cNvPr id="23" name="文本框 22"/>
+          <p:cNvSpPr txBox="1"/>
+          <p:nvPr/>
+        </p:nvSpPr>
+        <p:spPr>
+          <a:xfrm>
+            <a:off x="6491605" y="2025650"/>
+            <a:ext cx="1097280" cy="368300"/>
+          </a:xfrm>
+          <a:prstGeom prst="rect">
+            <a:avLst/>
+          </a:prstGeom>
+          <a:noFill/>
+        </p:spPr>
+        <p:txBody>
+          <a:bodyPr wrap="none" rtlCol="0">
+            <a:spAutoFit/>
+          </a:bodyPr>
+          <a:p>
+            <a:r>
+              <a:rPr lang="zh-CN" altLang="zh-CN"/>
+              <a:t>中心对称</a:t>
+            </a:r>
+            <a:endParaRPr lang="zh-CN" altLang="zh-CN"/>
+          </a:p>
+        </p:txBody>
+      </p:sp>
+      <p:cxnSp>
+        <p:nvCxnSpPr>
+          <p:cNvPr id="24" name="曲线连接符 23"/>
+          <p:cNvCxnSpPr>
+            <a:stCxn id="19" idx="3"/>
+            <a:endCxn id="21" idx="2"/>
+          </p:cNvCxnSpPr>
+          <p:nvPr/>
+        </p:nvCxnSpPr>
+        <p:spPr>
+          <a:xfrm flipH="1">
+            <a:off x="2398395" y="2672080"/>
+            <a:ext cx="3484245" cy="209550"/>
+          </a:xfrm>
+          <a:prstGeom prst="curvedConnector4">
+            <a:avLst>
+              <a:gd name="adj1" fmla="val -6834"/>
+              <a:gd name="adj2" fmla="val 1272727"/>
+            </a:avLst>
+          </a:prstGeom>
+          <a:ln>
+            <a:headEnd type="arrow"/>
+            <a:tailEnd type="arrow"/>
+          </a:ln>
+        </p:spPr>
+        <p:style>
+          <a:lnRef idx="1">
+            <a:schemeClr val="accent1"/>
+          </a:lnRef>
+          <a:fillRef idx="0">
+            <a:schemeClr val="accent1"/>
+          </a:fillRef>
+          <a:effectRef idx="0">
+            <a:schemeClr val="accent1"/>
+          </a:effectRef>
+          <a:fontRef idx="minor">
+            <a:schemeClr val="tx1"/>
+          </a:fontRef>
+        </p:style>
+      </p:cxnSp>
+      <p:sp>
+        <p:nvSpPr>
+          <p:cNvPr id="25" name="文本框 24"/>
+          <p:cNvSpPr txBox="1"/>
+          <p:nvPr/>
+        </p:nvSpPr>
+        <p:spPr>
+          <a:xfrm>
+            <a:off x="3672840" y="5387975"/>
+            <a:ext cx="1097280" cy="368300"/>
+          </a:xfrm>
+          <a:prstGeom prst="rect">
+            <a:avLst/>
+          </a:prstGeom>
+          <a:noFill/>
+        </p:spPr>
+        <p:txBody>
+          <a:bodyPr wrap="none" rtlCol="0">
+            <a:spAutoFit/>
+          </a:bodyPr>
+          <a:p>
+            <a:r>
+              <a:rPr lang="zh-CN" altLang="zh-CN"/>
+              <a:t>中心对称</a:t>
+            </a:r>
+            <a:endParaRPr lang="zh-CN" altLang="zh-CN"/>
+          </a:p>
+        </p:txBody>
+      </p:sp>
+      <p:cxnSp>
+        <p:nvCxnSpPr>
+          <p:cNvPr id="26" name="曲线连接符 25"/>
+          <p:cNvCxnSpPr>
+            <a:stCxn id="18" idx="3"/>
+            <a:endCxn id="19" idx="0"/>
+          </p:cNvCxnSpPr>
+          <p:nvPr/>
+        </p:nvCxnSpPr>
+        <p:spPr>
+          <a:xfrm>
+            <a:off x="4140200" y="1841500"/>
+            <a:ext cx="1282700" cy="646430"/>
+          </a:xfrm>
+          <a:prstGeom prst="curvedConnector2">
+            <a:avLst/>
+          </a:prstGeom>
+          <a:ln>
+            <a:headEnd type="arrow"/>
+            <a:tailEnd type="arrow"/>
+          </a:ln>
+        </p:spPr>
+        <p:style>
+          <a:lnRef idx="1">
+            <a:schemeClr val="accent1"/>
+          </a:lnRef>
+          <a:fillRef idx="0">
+            <a:schemeClr val="accent1"/>
+          </a:fillRef>
+          <a:effectRef idx="0">
+            <a:schemeClr val="accent1"/>
+          </a:effectRef>
+          <a:fontRef idx="minor">
+            <a:schemeClr val="tx1"/>
+          </a:fontRef>
+        </p:style>
+      </p:cxnSp>
+      <p:sp>
+        <p:nvSpPr>
+          <p:cNvPr id="27" name="文本框 26"/>
+          <p:cNvSpPr txBox="1"/>
+          <p:nvPr/>
+        </p:nvSpPr>
+        <p:spPr>
+          <a:xfrm>
+            <a:off x="2105660" y="1380490"/>
+            <a:ext cx="1554480" cy="645160"/>
+          </a:xfrm>
+          <a:prstGeom prst="rect">
+            <a:avLst/>
+          </a:prstGeom>
+          <a:noFill/>
+        </p:spPr>
+        <p:txBody>
+          <a:bodyPr wrap="none" rtlCol="0">
+            <a:spAutoFit/>
+          </a:bodyPr>
+          <a:p>
+            <a:r>
+              <a:rPr lang="zh-CN" altLang="zh-CN"/>
+              <a:t>第一个的行第</a:t>
+            </a:r>
+            <a:endParaRPr lang="zh-CN" altLang="zh-CN"/>
+          </a:p>
+          <a:p>
+            <a:r>
+              <a:rPr lang="zh-CN" altLang="zh-CN"/>
+              <a:t>二个的列互补</a:t>
+            </a:r>
+            <a:endParaRPr lang="zh-CN" altLang="zh-CN"/>
+          </a:p>
+        </p:txBody>
+      </p:sp>
+      <p:sp>
+        <p:nvSpPr>
+          <p:cNvPr id="35" name="矩形 34"/>
+          <p:cNvSpPr/>
+          <p:nvPr/>
+        </p:nvSpPr>
+        <p:spPr>
+          <a:xfrm>
+            <a:off x="0" y="0"/>
+            <a:ext cx="1842135" cy="428625"/>
+          </a:xfrm>
+          <a:prstGeom prst="rect">
+            <a:avLst/>
+          </a:prstGeom>
+          <a:ln w="38100">
+            <a:solidFill>
+              <a:srgbClr val="FF0000"/>
+            </a:solidFill>
+          </a:ln>
+        </p:spPr>
+        <p:style>
+          <a:lnRef idx="2">
+            <a:schemeClr val="accent2"/>
+          </a:lnRef>
+          <a:fillRef idx="1">
+            <a:schemeClr val="lt1"/>
+          </a:fillRef>
+          <a:effectRef idx="0">
+            <a:schemeClr val="accent2"/>
+          </a:effectRef>
+          <a:fontRef idx="minor">
+            <a:schemeClr val="dk1"/>
+          </a:fontRef>
+        </p:style>
+        <p:txBody>
+          <a:bodyPr rtlCol="0" anchor="ctr"/>
+          <a:p>
+            <a:pPr algn="ctr"/>
+            <a:r>
+              <a:rPr lang="zh-CN" altLang="en-US" b="1" dirty="0"/>
+              <a:t>矩阵旋转</a:t>
+            </a:r>
+            <a:endParaRPr lang="zh-CN" altLang="en-US" b="1" dirty="0"/>
+          </a:p>
+        </p:txBody>
+      </p:sp>
+    </p:spTree>
+  </p:cSld>
+  <p:clrMapOvr>
+    <a:masterClrMapping/>
+  </p:clrMapOvr>
+</p:sld>
+</file>
+
+<file path=ppt/slides/slide29.xml><?xml version="1.0" encoding="utf-8"?>
+<p:sld xmlns:a="http://schemas.openxmlformats.org/drawingml/2006/main" xmlns:r="http://schemas.openxmlformats.org/officeDocument/2006/relationships" xmlns:p="http://schemas.openxmlformats.org/presentationml/2006/main">
+  <p:cSld>
+    <p:spTree>
+      <p:nvGrpSpPr>
+        <p:cNvPr id="1" name=""/>
+        <p:cNvGrpSpPr/>
+        <p:nvPr/>
+      </p:nvGrpSpPr>
+      <p:grpSpPr>
+        <a:xfrm>
+          <a:off x="0" y="0"/>
+          <a:ext cx="0" cy="0"/>
+          <a:chOff x="0" y="0"/>
+          <a:chExt cx="0" cy="0"/>
+        </a:xfrm>
+      </p:grpSpPr>
+      <p:sp>
+        <p:nvSpPr>
+          <p:cNvPr id="35" name="矩形 34"/>
+          <p:cNvSpPr/>
+          <p:nvPr/>
+        </p:nvSpPr>
+        <p:spPr>
+          <a:xfrm>
+            <a:off x="0" y="0"/>
+            <a:ext cx="1842135" cy="428625"/>
+          </a:xfrm>
+          <a:prstGeom prst="rect">
+            <a:avLst/>
+          </a:prstGeom>
+          <a:ln w="38100">
+            <a:solidFill>
+              <a:srgbClr val="FF0000"/>
+            </a:solidFill>
+          </a:ln>
+        </p:spPr>
+        <p:style>
+          <a:lnRef idx="2">
+            <a:schemeClr val="accent2"/>
+          </a:lnRef>
+          <a:fillRef idx="1">
+            <a:schemeClr val="lt1"/>
+          </a:fillRef>
+          <a:effectRef idx="0">
+            <a:schemeClr val="accent2"/>
+          </a:effectRef>
+          <a:fontRef idx="minor">
+            <a:schemeClr val="dk1"/>
+          </a:fontRef>
+        </p:style>
+        <p:txBody>
+          <a:bodyPr rtlCol="0" anchor="ctr"/>
+          <a:p>
+            <a:pPr algn="ctr"/>
+            <a:r>
+              <a:rPr lang="zh-CN" altLang="en-US" b="1" dirty="0"/>
+              <a:t>接雨水</a:t>
+            </a:r>
+            <a:endParaRPr lang="zh-CN" altLang="en-US" b="1" dirty="0"/>
+          </a:p>
+        </p:txBody>
+      </p:sp>
+      <p:pic>
+        <p:nvPicPr>
+          <p:cNvPr id="28" name="图片 27"/>
+          <p:cNvPicPr>
+            <a:picLocks noChangeAspect="1"/>
+          </p:cNvPicPr>
+          <p:nvPr>
+            <p:custDataLst>
+              <p:tags r:id="rId1"/>
+            </p:custDataLst>
+          </p:nvPr>
+        </p:nvPicPr>
+        <p:blipFill>
+          <a:blip r:embed="rId2"/>
+          <a:stretch>
+            <a:fillRect/>
+          </a:stretch>
+        </p:blipFill>
+        <p:spPr>
+          <a:xfrm>
+            <a:off x="1464310" y="1111885"/>
+            <a:ext cx="5546090" cy="2081530"/>
+          </a:xfrm>
+          <a:prstGeom prst="rect">
+            <a:avLst/>
+          </a:prstGeom>
+        </p:spPr>
+      </p:pic>
+      <p:pic>
+        <p:nvPicPr>
+          <p:cNvPr id="29" name="图片 28"/>
+          <p:cNvPicPr>
+            <a:picLocks noChangeAspect="1"/>
+          </p:cNvPicPr>
+          <p:nvPr/>
+        </p:nvPicPr>
+        <p:blipFill>
+          <a:blip r:embed="rId3"/>
+          <a:stretch>
+            <a:fillRect/>
+          </a:stretch>
+        </p:blipFill>
+        <p:spPr>
+          <a:xfrm>
+            <a:off x="1340485" y="4103370"/>
+            <a:ext cx="6463030" cy="1691640"/>
+          </a:xfrm>
+          <a:prstGeom prst="rect">
+            <a:avLst/>
+          </a:prstGeom>
+        </p:spPr>
+      </p:pic>
+      <p:sp>
+        <p:nvSpPr>
+          <p:cNvPr id="30" name="矩形 29"/>
+          <p:cNvSpPr/>
+          <p:nvPr/>
+        </p:nvSpPr>
+        <p:spPr>
+          <a:xfrm>
+            <a:off x="3491865" y="2205355"/>
+            <a:ext cx="1296035" cy="431800"/>
+          </a:xfrm>
+          <a:prstGeom prst="rect">
+            <a:avLst/>
+          </a:prstGeom>
+          <a:noFill/>
+          <a:ln w="31750">
+            <a:solidFill>
+              <a:srgbClr val="FF0000"/>
+            </a:solidFill>
+            <a:prstDash val="sysDash"/>
+          </a:ln>
+        </p:spPr>
+        <p:style>
+          <a:lnRef idx="2">
+            <a:schemeClr val="accent2"/>
+          </a:lnRef>
+          <a:fillRef idx="1">
+            <a:schemeClr val="lt1"/>
+          </a:fillRef>
+          <a:effectRef idx="0">
+            <a:schemeClr val="accent2"/>
+          </a:effectRef>
+          <a:fontRef idx="minor">
+            <a:schemeClr val="dk1"/>
+          </a:fontRef>
+        </p:style>
+        <p:txBody>
+          <a:bodyPr rtlCol="0" anchor="ctr"/>
+          <a:p>
+            <a:pPr algn="ctr"/>
+            <a:endParaRPr lang="zh-CN" altLang="en-US"/>
+          </a:p>
+        </p:txBody>
+      </p:sp>
+      <p:cxnSp>
+        <p:nvCxnSpPr>
+          <p:cNvPr id="31" name="直接箭头连接符 30"/>
+          <p:cNvCxnSpPr/>
+          <p:nvPr/>
+        </p:nvCxnSpPr>
+        <p:spPr>
+          <a:xfrm flipV="1">
+            <a:off x="4572000" y="3054350"/>
+            <a:ext cx="0" cy="687705"/>
+          </a:xfrm>
+          <a:prstGeom prst="straightConnector1">
+            <a:avLst/>
+          </a:prstGeom>
+          <a:ln w="31750">
+            <a:tailEnd type="arrow"/>
+          </a:ln>
+        </p:spPr>
+        <p:style>
+          <a:lnRef idx="1">
+            <a:schemeClr val="accent1"/>
+          </a:lnRef>
+          <a:fillRef idx="0">
+            <a:schemeClr val="accent1"/>
+          </a:fillRef>
+          <a:effectRef idx="0">
+            <a:schemeClr val="accent1"/>
+          </a:effectRef>
+          <a:fontRef idx="minor">
+            <a:schemeClr val="tx1"/>
+          </a:fontRef>
+        </p:style>
+      </p:cxnSp>
+      <p:cxnSp>
+        <p:nvCxnSpPr>
+          <p:cNvPr id="32" name="直接箭头连接符 31"/>
+          <p:cNvCxnSpPr/>
+          <p:nvPr/>
+        </p:nvCxnSpPr>
+        <p:spPr>
+          <a:xfrm>
+            <a:off x="3317875" y="1289685"/>
+            <a:ext cx="0" cy="909955"/>
+          </a:xfrm>
+          <a:prstGeom prst="straightConnector1">
+            <a:avLst/>
+          </a:prstGeom>
+          <a:ln w="31750">
+            <a:tailEnd type="arrow"/>
+          </a:ln>
+        </p:spPr>
+        <p:style>
+          <a:lnRef idx="1">
+            <a:schemeClr val="accent1"/>
+          </a:lnRef>
+          <a:fillRef idx="0">
+            <a:schemeClr val="accent1"/>
+          </a:fillRef>
+          <a:effectRef idx="0">
+            <a:schemeClr val="accent1"/>
+          </a:effectRef>
+          <a:fontRef idx="minor">
+            <a:schemeClr val="tx1"/>
+          </a:fontRef>
+        </p:style>
+      </p:cxnSp>
+      <p:cxnSp>
+        <p:nvCxnSpPr>
+          <p:cNvPr id="33" name="直接箭头连接符 32"/>
+          <p:cNvCxnSpPr/>
+          <p:nvPr/>
+        </p:nvCxnSpPr>
+        <p:spPr>
+          <a:xfrm>
+            <a:off x="4970780" y="1234440"/>
+            <a:ext cx="0" cy="565785"/>
+          </a:xfrm>
+          <a:prstGeom prst="straightConnector1">
+            <a:avLst/>
+          </a:prstGeom>
+          <a:ln w="31750">
+            <a:tailEnd type="arrow"/>
+          </a:ln>
+        </p:spPr>
+        <p:style>
+          <a:lnRef idx="1">
+            <a:schemeClr val="accent1"/>
+          </a:lnRef>
+          <a:fillRef idx="0">
+            <a:schemeClr val="accent1"/>
+          </a:fillRef>
+          <a:effectRef idx="0">
+            <a:schemeClr val="accent1"/>
+          </a:effectRef>
+          <a:fontRef idx="minor">
+            <a:schemeClr val="tx1"/>
+          </a:fontRef>
+        </p:style>
+      </p:cxnSp>
+      <p:sp>
+        <p:nvSpPr>
+          <p:cNvPr id="34" name="文本框 33"/>
+          <p:cNvSpPr txBox="1"/>
+          <p:nvPr/>
+        </p:nvSpPr>
+        <p:spPr>
+          <a:xfrm>
+            <a:off x="2877185" y="934085"/>
+            <a:ext cx="868680" cy="368300"/>
+          </a:xfrm>
+          <a:prstGeom prst="rect">
+            <a:avLst/>
+          </a:prstGeom>
+          <a:noFill/>
+        </p:spPr>
+        <p:txBody>
+          <a:bodyPr wrap="none" rtlCol="0">
+            <a:spAutoFit/>
+          </a:bodyPr>
+          <a:p>
+            <a:r>
+              <a:rPr lang="zh-CN" altLang="en-US"/>
+              <a:t>左边界</a:t>
+            </a:r>
+            <a:endParaRPr lang="zh-CN" altLang="en-US"/>
+          </a:p>
+        </p:txBody>
+      </p:sp>
+      <p:sp>
+        <p:nvSpPr>
+          <p:cNvPr id="36" name="文本框 35"/>
+          <p:cNvSpPr txBox="1"/>
+          <p:nvPr/>
+        </p:nvSpPr>
+        <p:spPr>
+          <a:xfrm>
+            <a:off x="4538345" y="887095"/>
+            <a:ext cx="868680" cy="368300"/>
+          </a:xfrm>
+          <a:prstGeom prst="rect">
+            <a:avLst/>
+          </a:prstGeom>
+          <a:noFill/>
+        </p:spPr>
+        <p:txBody>
+          <a:bodyPr wrap="none" rtlCol="0">
+            <a:spAutoFit/>
+          </a:bodyPr>
+          <a:p>
+            <a:r>
+              <a:rPr lang="zh-CN" altLang="zh-CN"/>
+              <a:t>右边界</a:t>
+            </a:r>
+            <a:endParaRPr lang="zh-CN" altLang="zh-CN"/>
           </a:p>
         </p:txBody>
       </p:sp>
@@ -15335,6 +17090,2066 @@
               <a:rPr lang="zh-CN" altLang="en-US" sz="6600" b="1" dirty="0"/>
               <a:t>排序</a:t>
             </a:r>
+            <a:endParaRPr lang="zh-CN" altLang="en-US" sz="6600" b="1" dirty="0"/>
+          </a:p>
+        </p:txBody>
+      </p:sp>
+    </p:spTree>
+  </p:cSld>
+  <p:clrMapOvr>
+    <a:masterClrMapping/>
+  </p:clrMapOvr>
+</p:sld>
+</file>
+
+<file path=ppt/slides/slide30.xml><?xml version="1.0" encoding="utf-8"?>
+<p:sld xmlns:a="http://schemas.openxmlformats.org/drawingml/2006/main" xmlns:r="http://schemas.openxmlformats.org/officeDocument/2006/relationships" xmlns:p="http://schemas.openxmlformats.org/presentationml/2006/main">
+  <p:cSld>
+    <p:spTree>
+      <p:nvGrpSpPr>
+        <p:cNvPr id="1" name=""/>
+        <p:cNvGrpSpPr/>
+        <p:nvPr/>
+      </p:nvGrpSpPr>
+      <p:grpSpPr>
+        <a:xfrm>
+          <a:off x="0" y="0"/>
+          <a:ext cx="0" cy="0"/>
+          <a:chOff x="0" y="0"/>
+          <a:chExt cx="0" cy="0"/>
+        </a:xfrm>
+      </p:grpSpPr>
+      <p:sp>
+        <p:nvSpPr>
+          <p:cNvPr id="34" name="TextBox 33"/>
+          <p:cNvSpPr txBox="1"/>
+          <p:nvPr/>
+        </p:nvSpPr>
+        <p:spPr>
+          <a:xfrm>
+            <a:off x="3565504" y="2483161"/>
+            <a:ext cx="1866900" cy="1106805"/>
+          </a:xfrm>
+          <a:prstGeom prst="rect">
+            <a:avLst/>
+          </a:prstGeom>
+          <a:noFill/>
+        </p:spPr>
+        <p:txBody>
+          <a:bodyPr wrap="none" rtlCol="0">
+            <a:spAutoFit/>
+          </a:bodyPr>
+          <a:lstStyle/>
+          <a:p>
+            <a:pPr algn="ctr"/>
+            <a:r>
+              <a:rPr lang="zh-CN" altLang="en-US" sz="6600" b="1" dirty="0"/>
+              <a:t>链表</a:t>
+            </a:r>
+            <a:endParaRPr lang="zh-CN" altLang="en-US" sz="6600" b="1" dirty="0"/>
+          </a:p>
+        </p:txBody>
+      </p:sp>
+    </p:spTree>
+  </p:cSld>
+  <p:clrMapOvr>
+    <a:masterClrMapping/>
+  </p:clrMapOvr>
+</p:sld>
+</file>
+
+<file path=ppt/slides/slide31.xml><?xml version="1.0" encoding="utf-8"?>
+<p:sld xmlns:a="http://schemas.openxmlformats.org/drawingml/2006/main" xmlns:r="http://schemas.openxmlformats.org/officeDocument/2006/relationships" xmlns:p="http://schemas.openxmlformats.org/presentationml/2006/main">
+  <p:cSld>
+    <p:spTree>
+      <p:nvGrpSpPr>
+        <p:cNvPr id="1" name=""/>
+        <p:cNvGrpSpPr/>
+        <p:nvPr/>
+      </p:nvGrpSpPr>
+      <p:grpSpPr>
+        <a:xfrm>
+          <a:off x="0" y="0"/>
+          <a:ext cx="0" cy="0"/>
+          <a:chOff x="0" y="0"/>
+          <a:chExt cx="0" cy="0"/>
+        </a:xfrm>
+      </p:grpSpPr>
+      <p:sp>
+        <p:nvSpPr>
+          <p:cNvPr id="2" name="圆角矩形 1"/>
+          <p:cNvSpPr/>
+          <p:nvPr/>
+        </p:nvSpPr>
+        <p:spPr>
+          <a:xfrm>
+            <a:off x="3193415" y="1376680"/>
+            <a:ext cx="648335" cy="575945"/>
+          </a:xfrm>
+          <a:prstGeom prst="roundRect">
+            <a:avLst/>
+          </a:prstGeom>
+        </p:spPr>
+        <p:style>
+          <a:lnRef idx="2">
+            <a:schemeClr val="accent1">
+              <a:shade val="50000"/>
+            </a:schemeClr>
+          </a:lnRef>
+          <a:fillRef idx="1">
+            <a:schemeClr val="accent1"/>
+          </a:fillRef>
+          <a:effectRef idx="0">
+            <a:schemeClr val="accent1"/>
+          </a:effectRef>
+          <a:fontRef idx="minor">
+            <a:schemeClr val="lt1"/>
+          </a:fontRef>
+        </p:style>
+        <p:txBody>
+          <a:bodyPr rtlCol="0" anchor="ctr"/>
+          <a:p>
+            <a:pPr algn="ctr"/>
+            <a:r>
+              <a:rPr lang="en-US" altLang="zh-CN"/>
+              <a:t>1</a:t>
+            </a:r>
+            <a:endParaRPr lang="en-US" altLang="zh-CN"/>
+          </a:p>
+        </p:txBody>
+      </p:sp>
+      <p:sp>
+        <p:nvSpPr>
+          <p:cNvPr id="3" name="圆角矩形 2"/>
+          <p:cNvSpPr/>
+          <p:nvPr/>
+        </p:nvSpPr>
+        <p:spPr>
+          <a:xfrm>
+            <a:off x="3809365" y="1376680"/>
+            <a:ext cx="648335" cy="575945"/>
+          </a:xfrm>
+          <a:prstGeom prst="roundRect">
+            <a:avLst/>
+          </a:prstGeom>
+        </p:spPr>
+        <p:style>
+          <a:lnRef idx="2">
+            <a:schemeClr val="accent1">
+              <a:shade val="50000"/>
+            </a:schemeClr>
+          </a:lnRef>
+          <a:fillRef idx="1">
+            <a:schemeClr val="accent1"/>
+          </a:fillRef>
+          <a:effectRef idx="0">
+            <a:schemeClr val="accent1"/>
+          </a:effectRef>
+          <a:fontRef idx="minor">
+            <a:schemeClr val="lt1"/>
+          </a:fontRef>
+        </p:style>
+        <p:txBody>
+          <a:bodyPr rtlCol="0" anchor="ctr"/>
+          <a:p>
+            <a:pPr algn="ctr"/>
+            <a:r>
+              <a:rPr lang="en-US" altLang="zh-CN"/>
+              <a:t>4</a:t>
+            </a:r>
+            <a:endParaRPr lang="en-US" altLang="zh-CN"/>
+          </a:p>
+        </p:txBody>
+      </p:sp>
+      <p:sp>
+        <p:nvSpPr>
+          <p:cNvPr id="4" name="圆角矩形 3"/>
+          <p:cNvSpPr/>
+          <p:nvPr/>
+        </p:nvSpPr>
+        <p:spPr>
+          <a:xfrm>
+            <a:off x="4436745" y="1376680"/>
+            <a:ext cx="648335" cy="575945"/>
+          </a:xfrm>
+          <a:prstGeom prst="roundRect">
+            <a:avLst/>
+          </a:prstGeom>
+        </p:spPr>
+        <p:style>
+          <a:lnRef idx="2">
+            <a:schemeClr val="accent1">
+              <a:shade val="50000"/>
+            </a:schemeClr>
+          </a:lnRef>
+          <a:fillRef idx="1">
+            <a:schemeClr val="accent1"/>
+          </a:fillRef>
+          <a:effectRef idx="0">
+            <a:schemeClr val="accent1"/>
+          </a:effectRef>
+          <a:fontRef idx="minor">
+            <a:schemeClr val="lt1"/>
+          </a:fontRef>
+        </p:style>
+        <p:txBody>
+          <a:bodyPr rtlCol="0" anchor="ctr"/>
+          <a:p>
+            <a:pPr algn="ctr"/>
+            <a:r>
+              <a:rPr lang="en-US" altLang="zh-CN"/>
+              <a:t>5</a:t>
+            </a:r>
+            <a:endParaRPr lang="en-US" altLang="zh-CN"/>
+          </a:p>
+        </p:txBody>
+      </p:sp>
+      <p:sp>
+        <p:nvSpPr>
+          <p:cNvPr id="5" name="圆角矩形 4"/>
+          <p:cNvSpPr/>
+          <p:nvPr/>
+        </p:nvSpPr>
+        <p:spPr>
+          <a:xfrm>
+            <a:off x="5052695" y="1376680"/>
+            <a:ext cx="648335" cy="575945"/>
+          </a:xfrm>
+          <a:prstGeom prst="roundRect">
+            <a:avLst/>
+          </a:prstGeom>
+        </p:spPr>
+        <p:style>
+          <a:lnRef idx="2">
+            <a:schemeClr val="accent1">
+              <a:shade val="50000"/>
+            </a:schemeClr>
+          </a:lnRef>
+          <a:fillRef idx="1">
+            <a:schemeClr val="accent1"/>
+          </a:fillRef>
+          <a:effectRef idx="0">
+            <a:schemeClr val="accent1"/>
+          </a:effectRef>
+          <a:fontRef idx="minor">
+            <a:schemeClr val="lt1"/>
+          </a:fontRef>
+        </p:style>
+        <p:txBody>
+          <a:bodyPr rtlCol="0" anchor="ctr"/>
+          <a:p>
+            <a:pPr algn="ctr"/>
+            <a:r>
+              <a:rPr lang="en-US" altLang="zh-CN"/>
+              <a:t>2</a:t>
+            </a:r>
+            <a:endParaRPr lang="en-US" altLang="zh-CN"/>
+          </a:p>
+        </p:txBody>
+      </p:sp>
+      <p:cxnSp>
+        <p:nvCxnSpPr>
+          <p:cNvPr id="7" name="直接箭头连接符 6"/>
+          <p:cNvCxnSpPr/>
+          <p:nvPr/>
+        </p:nvCxnSpPr>
+        <p:spPr>
+          <a:xfrm flipV="1">
+            <a:off x="3517900" y="1952625"/>
+            <a:ext cx="0" cy="643255"/>
+          </a:xfrm>
+          <a:prstGeom prst="straightConnector1">
+            <a:avLst/>
+          </a:prstGeom>
+          <a:ln w="38100">
+            <a:solidFill>
+              <a:srgbClr val="00B050"/>
+            </a:solidFill>
+            <a:tailEnd type="arrow"/>
+          </a:ln>
+        </p:spPr>
+        <p:style>
+          <a:lnRef idx="1">
+            <a:schemeClr val="accent1"/>
+          </a:lnRef>
+          <a:fillRef idx="0">
+            <a:schemeClr val="accent1"/>
+          </a:fillRef>
+          <a:effectRef idx="0">
+            <a:schemeClr val="accent1"/>
+          </a:effectRef>
+          <a:fontRef idx="minor">
+            <a:schemeClr val="tx1"/>
+          </a:fontRef>
+        </p:style>
+      </p:cxnSp>
+      <p:cxnSp>
+        <p:nvCxnSpPr>
+          <p:cNvPr id="8" name="直接箭头连接符 7"/>
+          <p:cNvCxnSpPr/>
+          <p:nvPr/>
+        </p:nvCxnSpPr>
+        <p:spPr>
+          <a:xfrm flipV="1">
+            <a:off x="4760595" y="1952625"/>
+            <a:ext cx="0" cy="643255"/>
+          </a:xfrm>
+          <a:prstGeom prst="straightConnector1">
+            <a:avLst/>
+          </a:prstGeom>
+          <a:ln w="38100">
+            <a:solidFill>
+              <a:srgbClr val="00B050"/>
+            </a:solidFill>
+            <a:tailEnd type="arrow"/>
+          </a:ln>
+        </p:spPr>
+        <p:style>
+          <a:lnRef idx="1">
+            <a:schemeClr val="accent1"/>
+          </a:lnRef>
+          <a:fillRef idx="0">
+            <a:schemeClr val="accent1"/>
+          </a:fillRef>
+          <a:effectRef idx="0">
+            <a:schemeClr val="accent1"/>
+          </a:effectRef>
+          <a:fontRef idx="minor">
+            <a:schemeClr val="tx1"/>
+          </a:fontRef>
+        </p:style>
+      </p:cxnSp>
+      <p:sp>
+        <p:nvSpPr>
+          <p:cNvPr id="9" name="文本框 8"/>
+          <p:cNvSpPr txBox="1"/>
+          <p:nvPr/>
+        </p:nvSpPr>
+        <p:spPr>
+          <a:xfrm>
+            <a:off x="3276600" y="2595880"/>
+            <a:ext cx="597535" cy="368300"/>
+          </a:xfrm>
+          <a:prstGeom prst="rect">
+            <a:avLst/>
+          </a:prstGeom>
+          <a:noFill/>
+        </p:spPr>
+        <p:txBody>
+          <a:bodyPr wrap="square" rtlCol="0">
+            <a:spAutoFit/>
+          </a:bodyPr>
+          <a:p>
+            <a:r>
+              <a:rPr lang="en-US" altLang="zh-CN"/>
+              <a:t>left</a:t>
+            </a:r>
+            <a:endParaRPr lang="en-US" altLang="zh-CN"/>
+          </a:p>
+        </p:txBody>
+      </p:sp>
+      <p:sp>
+        <p:nvSpPr>
+          <p:cNvPr id="10" name="文本框 9"/>
+          <p:cNvSpPr txBox="1"/>
+          <p:nvPr/>
+        </p:nvSpPr>
+        <p:spPr>
+          <a:xfrm>
+            <a:off x="4465955" y="2595880"/>
+            <a:ext cx="796925" cy="368300"/>
+          </a:xfrm>
+          <a:prstGeom prst="rect">
+            <a:avLst/>
+          </a:prstGeom>
+          <a:noFill/>
+        </p:spPr>
+        <p:txBody>
+          <a:bodyPr wrap="square" rtlCol="0">
+            <a:spAutoFit/>
+          </a:bodyPr>
+          <a:p>
+            <a:r>
+              <a:rPr lang="en-US" altLang="zh-CN"/>
+              <a:t>right</a:t>
+            </a:r>
+            <a:endParaRPr lang="en-US" altLang="zh-CN"/>
+          </a:p>
+        </p:txBody>
+      </p:sp>
+      <p:sp>
+        <p:nvSpPr>
+          <p:cNvPr id="11" name="圆角矩形 10"/>
+          <p:cNvSpPr/>
+          <p:nvPr/>
+        </p:nvSpPr>
+        <p:spPr>
+          <a:xfrm>
+            <a:off x="5052695" y="322580"/>
+            <a:ext cx="648335" cy="575945"/>
+          </a:xfrm>
+          <a:prstGeom prst="roundRect">
+            <a:avLst/>
+          </a:prstGeom>
+        </p:spPr>
+        <p:style>
+          <a:lnRef idx="2">
+            <a:schemeClr val="accent1">
+              <a:shade val="50000"/>
+            </a:schemeClr>
+          </a:lnRef>
+          <a:fillRef idx="1">
+            <a:schemeClr val="accent1"/>
+          </a:fillRef>
+          <a:effectRef idx="0">
+            <a:schemeClr val="accent1"/>
+          </a:effectRef>
+          <a:fontRef idx="minor">
+            <a:schemeClr val="lt1"/>
+          </a:fontRef>
+        </p:style>
+        <p:txBody>
+          <a:bodyPr rtlCol="0" anchor="ctr"/>
+          <a:p>
+            <a:pPr algn="ctr"/>
+            <a:r>
+              <a:rPr lang="en-US" altLang="zh-CN"/>
+              <a:t>4</a:t>
+            </a:r>
+            <a:endParaRPr lang="en-US" altLang="zh-CN"/>
+          </a:p>
+        </p:txBody>
+      </p:sp>
+      <p:sp>
+        <p:nvSpPr>
+          <p:cNvPr id="12" name="圆角矩形 11"/>
+          <p:cNvSpPr/>
+          <p:nvPr/>
+        </p:nvSpPr>
+        <p:spPr>
+          <a:xfrm>
+            <a:off x="5701030" y="1376680"/>
+            <a:ext cx="648335" cy="575945"/>
+          </a:xfrm>
+          <a:prstGeom prst="roundRect">
+            <a:avLst/>
+          </a:prstGeom>
+        </p:spPr>
+        <p:style>
+          <a:lnRef idx="2">
+            <a:schemeClr val="accent1">
+              <a:shade val="50000"/>
+            </a:schemeClr>
+          </a:lnRef>
+          <a:fillRef idx="1">
+            <a:schemeClr val="accent1"/>
+          </a:fillRef>
+          <a:effectRef idx="0">
+            <a:schemeClr val="accent1"/>
+          </a:effectRef>
+          <a:fontRef idx="minor">
+            <a:schemeClr val="lt1"/>
+          </a:fontRef>
+        </p:style>
+        <p:txBody>
+          <a:bodyPr rtlCol="0" anchor="ctr"/>
+          <a:p>
+            <a:pPr algn="ctr"/>
+            <a:r>
+              <a:rPr lang="en-US" altLang="zh-CN"/>
+              <a:t>6</a:t>
+            </a:r>
+            <a:endParaRPr lang="en-US" altLang="zh-CN"/>
+          </a:p>
+        </p:txBody>
+      </p:sp>
+      <p:sp>
+        <p:nvSpPr>
+          <p:cNvPr id="13" name="圆角矩形 12"/>
+          <p:cNvSpPr/>
+          <p:nvPr/>
+        </p:nvSpPr>
+        <p:spPr>
+          <a:xfrm>
+            <a:off x="6355715" y="1377315"/>
+            <a:ext cx="648335" cy="575945"/>
+          </a:xfrm>
+          <a:prstGeom prst="roundRect">
+            <a:avLst/>
+          </a:prstGeom>
+        </p:spPr>
+        <p:style>
+          <a:lnRef idx="2">
+            <a:schemeClr val="accent1">
+              <a:shade val="50000"/>
+            </a:schemeClr>
+          </a:lnRef>
+          <a:fillRef idx="1">
+            <a:schemeClr val="accent1"/>
+          </a:fillRef>
+          <a:effectRef idx="0">
+            <a:schemeClr val="accent1"/>
+          </a:effectRef>
+          <a:fontRef idx="minor">
+            <a:schemeClr val="lt1"/>
+          </a:fontRef>
+        </p:style>
+        <p:txBody>
+          <a:bodyPr rtlCol="0" anchor="ctr"/>
+          <a:p>
+            <a:pPr algn="ctr"/>
+            <a:r>
+              <a:rPr lang="en-US" altLang="zh-CN"/>
+              <a:t>7</a:t>
+            </a:r>
+            <a:endParaRPr lang="en-US" altLang="zh-CN"/>
+          </a:p>
+        </p:txBody>
+      </p:sp>
+      <p:sp>
+        <p:nvSpPr>
+          <p:cNvPr id="14" name="圆角矩形 13"/>
+          <p:cNvSpPr/>
+          <p:nvPr/>
+        </p:nvSpPr>
+        <p:spPr>
+          <a:xfrm>
+            <a:off x="3276600" y="322580"/>
+            <a:ext cx="918845" cy="575945"/>
+          </a:xfrm>
+          <a:prstGeom prst="roundRect">
+            <a:avLst/>
+          </a:prstGeom>
+        </p:spPr>
+        <p:style>
+          <a:lnRef idx="2">
+            <a:schemeClr val="accent1">
+              <a:shade val="50000"/>
+            </a:schemeClr>
+          </a:lnRef>
+          <a:fillRef idx="1">
+            <a:schemeClr val="accent1"/>
+          </a:fillRef>
+          <a:effectRef idx="0">
+            <a:schemeClr val="accent1"/>
+          </a:effectRef>
+          <a:fontRef idx="minor">
+            <a:schemeClr val="lt1"/>
+          </a:fontRef>
+        </p:style>
+        <p:txBody>
+          <a:bodyPr rtlCol="0" anchor="ctr"/>
+          <a:p>
+            <a:pPr algn="ctr"/>
+            <a:r>
+              <a:rPr lang="en-US" altLang="zh-CN"/>
+              <a:t>back=2</a:t>
+            </a:r>
+            <a:endParaRPr lang="en-US" altLang="zh-CN"/>
+          </a:p>
+        </p:txBody>
+      </p:sp>
+      <p:cxnSp>
+        <p:nvCxnSpPr>
+          <p:cNvPr id="15" name="直接箭头连接符 14"/>
+          <p:cNvCxnSpPr>
+            <a:stCxn id="11" idx="3"/>
+            <a:endCxn id="12" idx="0"/>
+          </p:cNvCxnSpPr>
+          <p:nvPr/>
+        </p:nvCxnSpPr>
+        <p:spPr>
+          <a:xfrm>
+            <a:off x="5701030" y="610870"/>
+            <a:ext cx="324485" cy="765810"/>
+          </a:xfrm>
+          <a:prstGeom prst="straightConnector1">
+            <a:avLst/>
+          </a:prstGeom>
+          <a:ln w="38100">
+            <a:solidFill>
+              <a:srgbClr val="7030A0"/>
+            </a:solidFill>
+            <a:tailEnd type="arrow"/>
+          </a:ln>
+        </p:spPr>
+        <p:style>
+          <a:lnRef idx="1">
+            <a:schemeClr val="accent1"/>
+          </a:lnRef>
+          <a:fillRef idx="0">
+            <a:schemeClr val="accent1"/>
+          </a:fillRef>
+          <a:effectRef idx="0">
+            <a:schemeClr val="accent1"/>
+          </a:effectRef>
+          <a:fontRef idx="minor">
+            <a:schemeClr val="tx1"/>
+          </a:fontRef>
+        </p:style>
+      </p:cxnSp>
+      <p:cxnSp>
+        <p:nvCxnSpPr>
+          <p:cNvPr id="16" name="直接箭头连接符 15"/>
+          <p:cNvCxnSpPr>
+            <a:stCxn id="4" idx="0"/>
+            <a:endCxn id="11" idx="1"/>
+          </p:cNvCxnSpPr>
+          <p:nvPr/>
+        </p:nvCxnSpPr>
+        <p:spPr>
+          <a:xfrm flipV="1">
+            <a:off x="4761230" y="610870"/>
+            <a:ext cx="291465" cy="765810"/>
+          </a:xfrm>
+          <a:prstGeom prst="straightConnector1">
+            <a:avLst/>
+          </a:prstGeom>
+          <a:ln w="38100">
+            <a:solidFill>
+              <a:srgbClr val="7030A0"/>
+            </a:solidFill>
+            <a:tailEnd type="arrow"/>
+          </a:ln>
+        </p:spPr>
+        <p:style>
+          <a:lnRef idx="1">
+            <a:schemeClr val="accent1"/>
+          </a:lnRef>
+          <a:fillRef idx="0">
+            <a:schemeClr val="accent1"/>
+          </a:fillRef>
+          <a:effectRef idx="0">
+            <a:schemeClr val="accent1"/>
+          </a:effectRef>
+          <a:fontRef idx="minor">
+            <a:schemeClr val="tx1"/>
+          </a:fontRef>
+        </p:style>
+      </p:cxnSp>
+      <p:sp>
+        <p:nvSpPr>
+          <p:cNvPr id="17" name="圆角矩形 16"/>
+          <p:cNvSpPr/>
+          <p:nvPr/>
+        </p:nvSpPr>
+        <p:spPr>
+          <a:xfrm>
+            <a:off x="3182620" y="4683760"/>
+            <a:ext cx="648335" cy="575945"/>
+          </a:xfrm>
+          <a:prstGeom prst="roundRect">
+            <a:avLst/>
+          </a:prstGeom>
+        </p:spPr>
+        <p:style>
+          <a:lnRef idx="2">
+            <a:schemeClr val="accent1">
+              <a:shade val="50000"/>
+            </a:schemeClr>
+          </a:lnRef>
+          <a:fillRef idx="1">
+            <a:schemeClr val="accent1"/>
+          </a:fillRef>
+          <a:effectRef idx="0">
+            <a:schemeClr val="accent1"/>
+          </a:effectRef>
+          <a:fontRef idx="minor">
+            <a:schemeClr val="lt1"/>
+          </a:fontRef>
+        </p:style>
+        <p:txBody>
+          <a:bodyPr rtlCol="0" anchor="ctr"/>
+          <a:p>
+            <a:pPr algn="ctr"/>
+            <a:r>
+              <a:rPr lang="en-US" altLang="zh-CN"/>
+              <a:t>1</a:t>
+            </a:r>
+            <a:endParaRPr lang="en-US" altLang="zh-CN"/>
+          </a:p>
+        </p:txBody>
+      </p:sp>
+      <p:sp>
+        <p:nvSpPr>
+          <p:cNvPr id="19" name="圆角矩形 18"/>
+          <p:cNvSpPr/>
+          <p:nvPr/>
+        </p:nvSpPr>
+        <p:spPr>
+          <a:xfrm>
+            <a:off x="4425950" y="4683760"/>
+            <a:ext cx="648335" cy="575945"/>
+          </a:xfrm>
+          <a:prstGeom prst="roundRect">
+            <a:avLst/>
+          </a:prstGeom>
+        </p:spPr>
+        <p:style>
+          <a:lnRef idx="2">
+            <a:schemeClr val="accent1">
+              <a:shade val="50000"/>
+            </a:schemeClr>
+          </a:lnRef>
+          <a:fillRef idx="1">
+            <a:schemeClr val="accent1"/>
+          </a:fillRef>
+          <a:effectRef idx="0">
+            <a:schemeClr val="accent1"/>
+          </a:effectRef>
+          <a:fontRef idx="minor">
+            <a:schemeClr val="lt1"/>
+          </a:fontRef>
+        </p:style>
+        <p:txBody>
+          <a:bodyPr rtlCol="0" anchor="ctr"/>
+          <a:p>
+            <a:pPr algn="ctr"/>
+            <a:r>
+              <a:rPr lang="en-US" altLang="zh-CN"/>
+              <a:t>5</a:t>
+            </a:r>
+            <a:endParaRPr lang="en-US" altLang="zh-CN"/>
+          </a:p>
+        </p:txBody>
+      </p:sp>
+      <p:cxnSp>
+        <p:nvCxnSpPr>
+          <p:cNvPr id="21" name="直接箭头连接符 20"/>
+          <p:cNvCxnSpPr/>
+          <p:nvPr/>
+        </p:nvCxnSpPr>
+        <p:spPr>
+          <a:xfrm flipV="1">
+            <a:off x="3507105" y="5259705"/>
+            <a:ext cx="0" cy="643255"/>
+          </a:xfrm>
+          <a:prstGeom prst="straightConnector1">
+            <a:avLst/>
+          </a:prstGeom>
+          <a:ln w="38100">
+            <a:solidFill>
+              <a:srgbClr val="00B050"/>
+            </a:solidFill>
+            <a:tailEnd type="arrow"/>
+          </a:ln>
+        </p:spPr>
+        <p:style>
+          <a:lnRef idx="1">
+            <a:schemeClr val="accent1"/>
+          </a:lnRef>
+          <a:fillRef idx="0">
+            <a:schemeClr val="accent1"/>
+          </a:fillRef>
+          <a:effectRef idx="0">
+            <a:schemeClr val="accent1"/>
+          </a:effectRef>
+          <a:fontRef idx="minor">
+            <a:schemeClr val="tx1"/>
+          </a:fontRef>
+        </p:style>
+      </p:cxnSp>
+      <p:cxnSp>
+        <p:nvCxnSpPr>
+          <p:cNvPr id="22" name="直接箭头连接符 21"/>
+          <p:cNvCxnSpPr/>
+          <p:nvPr/>
+        </p:nvCxnSpPr>
+        <p:spPr>
+          <a:xfrm flipV="1">
+            <a:off x="4749800" y="5259705"/>
+            <a:ext cx="0" cy="643255"/>
+          </a:xfrm>
+          <a:prstGeom prst="straightConnector1">
+            <a:avLst/>
+          </a:prstGeom>
+          <a:ln w="38100">
+            <a:solidFill>
+              <a:srgbClr val="00B050"/>
+            </a:solidFill>
+            <a:tailEnd type="arrow"/>
+          </a:ln>
+        </p:spPr>
+        <p:style>
+          <a:lnRef idx="1">
+            <a:schemeClr val="accent1"/>
+          </a:lnRef>
+          <a:fillRef idx="0">
+            <a:schemeClr val="accent1"/>
+          </a:fillRef>
+          <a:effectRef idx="0">
+            <a:schemeClr val="accent1"/>
+          </a:effectRef>
+          <a:fontRef idx="minor">
+            <a:schemeClr val="tx1"/>
+          </a:fontRef>
+        </p:style>
+      </p:cxnSp>
+      <p:sp>
+        <p:nvSpPr>
+          <p:cNvPr id="23" name="文本框 22"/>
+          <p:cNvSpPr txBox="1"/>
+          <p:nvPr/>
+        </p:nvSpPr>
+        <p:spPr>
+          <a:xfrm>
+            <a:off x="3265805" y="5902960"/>
+            <a:ext cx="597535" cy="368300"/>
+          </a:xfrm>
+          <a:prstGeom prst="rect">
+            <a:avLst/>
+          </a:prstGeom>
+          <a:noFill/>
+        </p:spPr>
+        <p:txBody>
+          <a:bodyPr wrap="square" rtlCol="0">
+            <a:spAutoFit/>
+          </a:bodyPr>
+          <a:p>
+            <a:r>
+              <a:rPr lang="en-US" altLang="zh-CN"/>
+              <a:t>left</a:t>
+            </a:r>
+            <a:endParaRPr lang="en-US" altLang="zh-CN"/>
+          </a:p>
+        </p:txBody>
+      </p:sp>
+      <p:sp>
+        <p:nvSpPr>
+          <p:cNvPr id="24" name="文本框 23"/>
+          <p:cNvSpPr txBox="1"/>
+          <p:nvPr/>
+        </p:nvSpPr>
+        <p:spPr>
+          <a:xfrm>
+            <a:off x="4455160" y="5902960"/>
+            <a:ext cx="796925" cy="368300"/>
+          </a:xfrm>
+          <a:prstGeom prst="rect">
+            <a:avLst/>
+          </a:prstGeom>
+          <a:noFill/>
+        </p:spPr>
+        <p:txBody>
+          <a:bodyPr wrap="square" rtlCol="0">
+            <a:spAutoFit/>
+          </a:bodyPr>
+          <a:p>
+            <a:r>
+              <a:rPr lang="en-US" altLang="zh-CN"/>
+              <a:t>right</a:t>
+            </a:r>
+            <a:endParaRPr lang="en-US" altLang="zh-CN"/>
+          </a:p>
+        </p:txBody>
+      </p:sp>
+      <p:sp>
+        <p:nvSpPr>
+          <p:cNvPr id="25" name="圆角矩形 24"/>
+          <p:cNvSpPr/>
+          <p:nvPr/>
+        </p:nvSpPr>
+        <p:spPr>
+          <a:xfrm>
+            <a:off x="5687695" y="3629660"/>
+            <a:ext cx="648335" cy="575945"/>
+          </a:xfrm>
+          <a:prstGeom prst="roundRect">
+            <a:avLst/>
+          </a:prstGeom>
+        </p:spPr>
+        <p:style>
+          <a:lnRef idx="2">
+            <a:schemeClr val="accent1">
+              <a:shade val="50000"/>
+            </a:schemeClr>
+          </a:lnRef>
+          <a:fillRef idx="1">
+            <a:schemeClr val="accent1"/>
+          </a:fillRef>
+          <a:effectRef idx="0">
+            <a:schemeClr val="accent1"/>
+          </a:effectRef>
+          <a:fontRef idx="minor">
+            <a:schemeClr val="lt1"/>
+          </a:fontRef>
+        </p:style>
+        <p:txBody>
+          <a:bodyPr rtlCol="0" anchor="ctr"/>
+          <a:p>
+            <a:pPr algn="ctr"/>
+            <a:r>
+              <a:rPr lang="en-US" altLang="zh-CN"/>
+              <a:t>4</a:t>
+            </a:r>
+            <a:endParaRPr lang="en-US" altLang="zh-CN"/>
+          </a:p>
+        </p:txBody>
+      </p:sp>
+      <p:sp>
+        <p:nvSpPr>
+          <p:cNvPr id="26" name="圆角矩形 25"/>
+          <p:cNvSpPr/>
+          <p:nvPr/>
+        </p:nvSpPr>
+        <p:spPr>
+          <a:xfrm>
+            <a:off x="6336030" y="4683760"/>
+            <a:ext cx="648335" cy="575945"/>
+          </a:xfrm>
+          <a:prstGeom prst="roundRect">
+            <a:avLst/>
+          </a:prstGeom>
+        </p:spPr>
+        <p:style>
+          <a:lnRef idx="2">
+            <a:schemeClr val="accent1">
+              <a:shade val="50000"/>
+            </a:schemeClr>
+          </a:lnRef>
+          <a:fillRef idx="1">
+            <a:schemeClr val="accent1"/>
+          </a:fillRef>
+          <a:effectRef idx="0">
+            <a:schemeClr val="accent1"/>
+          </a:effectRef>
+          <a:fontRef idx="minor">
+            <a:schemeClr val="lt1"/>
+          </a:fontRef>
+        </p:style>
+        <p:txBody>
+          <a:bodyPr rtlCol="0" anchor="ctr"/>
+          <a:p>
+            <a:pPr algn="ctr"/>
+            <a:r>
+              <a:rPr lang="en-US" altLang="zh-CN"/>
+              <a:t>6</a:t>
+            </a:r>
+            <a:endParaRPr lang="en-US" altLang="zh-CN"/>
+          </a:p>
+        </p:txBody>
+      </p:sp>
+      <p:sp>
+        <p:nvSpPr>
+          <p:cNvPr id="27" name="圆角矩形 26"/>
+          <p:cNvSpPr/>
+          <p:nvPr/>
+        </p:nvSpPr>
+        <p:spPr>
+          <a:xfrm>
+            <a:off x="6990715" y="4684395"/>
+            <a:ext cx="648335" cy="575945"/>
+          </a:xfrm>
+          <a:prstGeom prst="roundRect">
+            <a:avLst/>
+          </a:prstGeom>
+        </p:spPr>
+        <p:style>
+          <a:lnRef idx="2">
+            <a:schemeClr val="accent1">
+              <a:shade val="50000"/>
+            </a:schemeClr>
+          </a:lnRef>
+          <a:fillRef idx="1">
+            <a:schemeClr val="accent1"/>
+          </a:fillRef>
+          <a:effectRef idx="0">
+            <a:schemeClr val="accent1"/>
+          </a:effectRef>
+          <a:fontRef idx="minor">
+            <a:schemeClr val="lt1"/>
+          </a:fontRef>
+        </p:style>
+        <p:txBody>
+          <a:bodyPr rtlCol="0" anchor="ctr"/>
+          <a:p>
+            <a:pPr algn="ctr"/>
+            <a:r>
+              <a:rPr lang="en-US" altLang="zh-CN"/>
+              <a:t>7</a:t>
+            </a:r>
+            <a:endParaRPr lang="en-US" altLang="zh-CN"/>
+          </a:p>
+        </p:txBody>
+      </p:sp>
+      <p:sp>
+        <p:nvSpPr>
+          <p:cNvPr id="28" name="圆角矩形 27"/>
+          <p:cNvSpPr/>
+          <p:nvPr/>
+        </p:nvSpPr>
+        <p:spPr>
+          <a:xfrm>
+            <a:off x="3265805" y="3629660"/>
+            <a:ext cx="918845" cy="575945"/>
+          </a:xfrm>
+          <a:prstGeom prst="roundRect">
+            <a:avLst/>
+          </a:prstGeom>
+        </p:spPr>
+        <p:style>
+          <a:lnRef idx="2">
+            <a:schemeClr val="accent1">
+              <a:shade val="50000"/>
+            </a:schemeClr>
+          </a:lnRef>
+          <a:fillRef idx="1">
+            <a:schemeClr val="accent1"/>
+          </a:fillRef>
+          <a:effectRef idx="0">
+            <a:schemeClr val="accent1"/>
+          </a:effectRef>
+          <a:fontRef idx="minor">
+            <a:schemeClr val="lt1"/>
+          </a:fontRef>
+        </p:style>
+        <p:txBody>
+          <a:bodyPr rtlCol="0" anchor="ctr"/>
+          <a:p>
+            <a:pPr algn="ctr"/>
+            <a:r>
+              <a:rPr lang="en-US" altLang="zh-CN"/>
+              <a:t>back=2</a:t>
+            </a:r>
+            <a:endParaRPr lang="en-US" altLang="zh-CN"/>
+          </a:p>
+        </p:txBody>
+      </p:sp>
+      <p:cxnSp>
+        <p:nvCxnSpPr>
+          <p:cNvPr id="29" name="直接箭头连接符 28"/>
+          <p:cNvCxnSpPr>
+            <a:stCxn id="25" idx="3"/>
+            <a:endCxn id="26" idx="0"/>
+          </p:cNvCxnSpPr>
+          <p:nvPr/>
+        </p:nvCxnSpPr>
+        <p:spPr>
+          <a:xfrm>
+            <a:off x="6264275" y="3917950"/>
+            <a:ext cx="324485" cy="765810"/>
+          </a:xfrm>
+          <a:prstGeom prst="straightConnector1">
+            <a:avLst/>
+          </a:prstGeom>
+          <a:ln w="38100">
+            <a:solidFill>
+              <a:srgbClr val="7030A0"/>
+            </a:solidFill>
+            <a:tailEnd type="arrow"/>
+          </a:ln>
+        </p:spPr>
+        <p:style>
+          <a:lnRef idx="1">
+            <a:schemeClr val="accent1"/>
+          </a:lnRef>
+          <a:fillRef idx="0">
+            <a:schemeClr val="accent1"/>
+          </a:fillRef>
+          <a:effectRef idx="0">
+            <a:schemeClr val="accent1"/>
+          </a:effectRef>
+          <a:fontRef idx="minor">
+            <a:schemeClr val="tx1"/>
+          </a:fontRef>
+        </p:style>
+      </p:cxnSp>
+      <p:cxnSp>
+        <p:nvCxnSpPr>
+          <p:cNvPr id="30" name="直接箭头连接符 29"/>
+          <p:cNvCxnSpPr>
+            <a:stCxn id="19" idx="3"/>
+            <a:endCxn id="25" idx="1"/>
+          </p:cNvCxnSpPr>
+          <p:nvPr/>
+        </p:nvCxnSpPr>
+        <p:spPr>
+          <a:xfrm flipV="1">
+            <a:off x="5074285" y="3917950"/>
+            <a:ext cx="613410" cy="1054100"/>
+          </a:xfrm>
+          <a:prstGeom prst="straightConnector1">
+            <a:avLst/>
+          </a:prstGeom>
+          <a:ln w="38100">
+            <a:solidFill>
+              <a:srgbClr val="7030A0"/>
+            </a:solidFill>
+            <a:tailEnd type="arrow"/>
+          </a:ln>
+        </p:spPr>
+        <p:style>
+          <a:lnRef idx="1">
+            <a:schemeClr val="accent1"/>
+          </a:lnRef>
+          <a:fillRef idx="0">
+            <a:schemeClr val="accent1"/>
+          </a:fillRef>
+          <a:effectRef idx="0">
+            <a:schemeClr val="accent1"/>
+          </a:effectRef>
+          <a:fontRef idx="minor">
+            <a:schemeClr val="tx1"/>
+          </a:fontRef>
+        </p:style>
+      </p:cxnSp>
+      <p:cxnSp>
+        <p:nvCxnSpPr>
+          <p:cNvPr id="32" name="直接箭头连接符 31"/>
+          <p:cNvCxnSpPr>
+            <a:stCxn id="28" idx="3"/>
+            <a:endCxn id="19" idx="0"/>
+          </p:cNvCxnSpPr>
+          <p:nvPr/>
+        </p:nvCxnSpPr>
+        <p:spPr>
+          <a:xfrm>
+            <a:off x="4184650" y="3917950"/>
+            <a:ext cx="565785" cy="765810"/>
+          </a:xfrm>
+          <a:prstGeom prst="straightConnector1">
+            <a:avLst/>
+          </a:prstGeom>
+          <a:ln w="38100">
+            <a:solidFill>
+              <a:srgbClr val="7030A0"/>
+            </a:solidFill>
+            <a:tailEnd type="arrow"/>
+          </a:ln>
+        </p:spPr>
+        <p:style>
+          <a:lnRef idx="1">
+            <a:schemeClr val="accent1"/>
+          </a:lnRef>
+          <a:fillRef idx="0">
+            <a:schemeClr val="accent1"/>
+          </a:fillRef>
+          <a:effectRef idx="0">
+            <a:schemeClr val="accent1"/>
+          </a:effectRef>
+          <a:fontRef idx="minor">
+            <a:schemeClr val="tx1"/>
+          </a:fontRef>
+        </p:style>
+      </p:cxnSp>
+      <p:cxnSp>
+        <p:nvCxnSpPr>
+          <p:cNvPr id="33" name="曲线连接符 32"/>
+          <p:cNvCxnSpPr>
+            <a:stCxn id="17" idx="0"/>
+            <a:endCxn id="28" idx="1"/>
+          </p:cNvCxnSpPr>
+          <p:nvPr/>
+        </p:nvCxnSpPr>
+        <p:spPr>
+          <a:xfrm rot="16200000" flipV="1">
+            <a:off x="3003550" y="4180205"/>
+            <a:ext cx="765810" cy="241300"/>
+          </a:xfrm>
+          <a:prstGeom prst="curvedConnector4">
+            <a:avLst>
+              <a:gd name="adj1" fmla="val 31177"/>
+              <a:gd name="adj2" fmla="val 233158"/>
+            </a:avLst>
+          </a:prstGeom>
+          <a:ln w="41275">
+            <a:solidFill>
+              <a:srgbClr val="7030A0"/>
+            </a:solidFill>
+            <a:tailEnd type="arrow"/>
+          </a:ln>
+        </p:spPr>
+        <p:style>
+          <a:lnRef idx="1">
+            <a:schemeClr val="accent1"/>
+          </a:lnRef>
+          <a:fillRef idx="0">
+            <a:schemeClr val="accent1"/>
+          </a:fillRef>
+          <a:effectRef idx="0">
+            <a:schemeClr val="accent1"/>
+          </a:effectRef>
+          <a:fontRef idx="minor">
+            <a:schemeClr val="tx1"/>
+          </a:fontRef>
+        </p:style>
+      </p:cxnSp>
+      <p:sp>
+        <p:nvSpPr>
+          <p:cNvPr id="35" name="矩形 34"/>
+          <p:cNvSpPr/>
+          <p:nvPr/>
+        </p:nvSpPr>
+        <p:spPr>
+          <a:xfrm>
+            <a:off x="0" y="0"/>
+            <a:ext cx="1842135" cy="428625"/>
+          </a:xfrm>
+          <a:prstGeom prst="rect">
+            <a:avLst/>
+          </a:prstGeom>
+          <a:ln w="38100">
+            <a:solidFill>
+              <a:srgbClr val="FF0000"/>
+            </a:solidFill>
+          </a:ln>
+        </p:spPr>
+        <p:style>
+          <a:lnRef idx="2">
+            <a:schemeClr val="accent2"/>
+          </a:lnRef>
+          <a:fillRef idx="1">
+            <a:schemeClr val="lt1"/>
+          </a:fillRef>
+          <a:effectRef idx="0">
+            <a:schemeClr val="accent2"/>
+          </a:effectRef>
+          <a:fontRef idx="minor">
+            <a:schemeClr val="dk1"/>
+          </a:fontRef>
+        </p:style>
+        <p:txBody>
+          <a:bodyPr rtlCol="0" anchor="ctr"/>
+          <a:p>
+            <a:pPr algn="ctr"/>
+            <a:r>
+              <a:rPr lang="zh-CN" altLang="zh-CN" b="1" dirty="0"/>
+              <a:t>链表</a:t>
+            </a:r>
+            <a:r>
+              <a:rPr lang="en-US" altLang="zh-CN" b="1" dirty="0"/>
+              <a:t>partition</a:t>
+            </a:r>
+            <a:endParaRPr lang="en-US" altLang="zh-CN" b="1" dirty="0"/>
+          </a:p>
+        </p:txBody>
+      </p:sp>
+    </p:spTree>
+  </p:cSld>
+  <p:clrMapOvr>
+    <a:masterClrMapping/>
+  </p:clrMapOvr>
+</p:sld>
+</file>
+
+<file path=ppt/slides/slide32.xml><?xml version="1.0" encoding="utf-8"?>
+<p:sld xmlns:a="http://schemas.openxmlformats.org/drawingml/2006/main" xmlns:r="http://schemas.openxmlformats.org/officeDocument/2006/relationships" xmlns:p="http://schemas.openxmlformats.org/presentationml/2006/main">
+  <p:cSld>
+    <p:spTree>
+      <p:nvGrpSpPr>
+        <p:cNvPr id="1" name=""/>
+        <p:cNvGrpSpPr/>
+        <p:nvPr/>
+      </p:nvGrpSpPr>
+      <p:grpSpPr>
+        <a:xfrm>
+          <a:off x="0" y="0"/>
+          <a:ext cx="0" cy="0"/>
+          <a:chOff x="0" y="0"/>
+          <a:chExt cx="0" cy="0"/>
+        </a:xfrm>
+      </p:grpSpPr>
+      <p:sp>
+        <p:nvSpPr>
+          <p:cNvPr id="17" name="圆角矩形 16"/>
+          <p:cNvSpPr/>
+          <p:nvPr/>
+        </p:nvSpPr>
+        <p:spPr>
+          <a:xfrm>
+            <a:off x="1688465" y="943610"/>
+            <a:ext cx="648335" cy="575945"/>
+          </a:xfrm>
+          <a:prstGeom prst="roundRect">
+            <a:avLst/>
+          </a:prstGeom>
+        </p:spPr>
+        <p:style>
+          <a:lnRef idx="2">
+            <a:schemeClr val="accent1">
+              <a:shade val="50000"/>
+            </a:schemeClr>
+          </a:lnRef>
+          <a:fillRef idx="1">
+            <a:schemeClr val="accent1"/>
+          </a:fillRef>
+          <a:effectRef idx="0">
+            <a:schemeClr val="accent1"/>
+          </a:effectRef>
+          <a:fontRef idx="minor">
+            <a:schemeClr val="lt1"/>
+          </a:fontRef>
+        </p:style>
+        <p:txBody>
+          <a:bodyPr rtlCol="0" anchor="ctr"/>
+          <a:p>
+            <a:pPr algn="ctr"/>
+            <a:r>
+              <a:rPr lang="en-US" altLang="zh-CN"/>
+              <a:t>1</a:t>
+            </a:r>
+            <a:endParaRPr lang="en-US" altLang="zh-CN"/>
+          </a:p>
+        </p:txBody>
+      </p:sp>
+      <p:sp>
+        <p:nvSpPr>
+          <p:cNvPr id="19" name="圆角矩形 18"/>
+          <p:cNvSpPr/>
+          <p:nvPr/>
+        </p:nvSpPr>
+        <p:spPr>
+          <a:xfrm>
+            <a:off x="4647565" y="943610"/>
+            <a:ext cx="648335" cy="575945"/>
+          </a:xfrm>
+          <a:prstGeom prst="roundRect">
+            <a:avLst/>
+          </a:prstGeom>
+        </p:spPr>
+        <p:style>
+          <a:lnRef idx="2">
+            <a:schemeClr val="accent1">
+              <a:shade val="50000"/>
+            </a:schemeClr>
+          </a:lnRef>
+          <a:fillRef idx="1">
+            <a:schemeClr val="accent1"/>
+          </a:fillRef>
+          <a:effectRef idx="0">
+            <a:schemeClr val="accent1"/>
+          </a:effectRef>
+          <a:fontRef idx="minor">
+            <a:schemeClr val="lt1"/>
+          </a:fontRef>
+        </p:style>
+        <p:txBody>
+          <a:bodyPr rtlCol="0" anchor="ctr"/>
+          <a:p>
+            <a:pPr algn="ctr"/>
+            <a:r>
+              <a:rPr lang="en-US" altLang="zh-CN"/>
+              <a:t>5</a:t>
+            </a:r>
+            <a:endParaRPr lang="en-US" altLang="zh-CN"/>
+          </a:p>
+        </p:txBody>
+      </p:sp>
+      <p:cxnSp>
+        <p:nvCxnSpPr>
+          <p:cNvPr id="21" name="直接箭头连接符 20"/>
+          <p:cNvCxnSpPr/>
+          <p:nvPr/>
+        </p:nvCxnSpPr>
+        <p:spPr>
+          <a:xfrm flipV="1">
+            <a:off x="3369945" y="1519555"/>
+            <a:ext cx="0" cy="643255"/>
+          </a:xfrm>
+          <a:prstGeom prst="straightConnector1">
+            <a:avLst/>
+          </a:prstGeom>
+          <a:ln w="38100">
+            <a:solidFill>
+              <a:srgbClr val="00B050"/>
+            </a:solidFill>
+            <a:prstDash val="sysDot"/>
+            <a:tailEnd type="arrow"/>
+          </a:ln>
+        </p:spPr>
+        <p:style>
+          <a:lnRef idx="1">
+            <a:schemeClr val="accent1"/>
+          </a:lnRef>
+          <a:fillRef idx="0">
+            <a:schemeClr val="accent1"/>
+          </a:fillRef>
+          <a:effectRef idx="0">
+            <a:schemeClr val="accent1"/>
+          </a:effectRef>
+          <a:fontRef idx="minor">
+            <a:schemeClr val="tx1"/>
+          </a:fontRef>
+        </p:style>
+      </p:cxnSp>
+      <p:cxnSp>
+        <p:nvCxnSpPr>
+          <p:cNvPr id="22" name="直接箭头连接符 21"/>
+          <p:cNvCxnSpPr/>
+          <p:nvPr/>
+        </p:nvCxnSpPr>
+        <p:spPr>
+          <a:xfrm flipV="1">
+            <a:off x="5967095" y="1519555"/>
+            <a:ext cx="0" cy="643255"/>
+          </a:xfrm>
+          <a:prstGeom prst="straightConnector1">
+            <a:avLst/>
+          </a:prstGeom>
+          <a:ln w="38100">
+            <a:solidFill>
+              <a:srgbClr val="00B050"/>
+            </a:solidFill>
+            <a:prstDash val="sysDot"/>
+            <a:tailEnd type="arrow"/>
+          </a:ln>
+        </p:spPr>
+        <p:style>
+          <a:lnRef idx="1">
+            <a:schemeClr val="accent1"/>
+          </a:lnRef>
+          <a:fillRef idx="0">
+            <a:schemeClr val="accent1"/>
+          </a:fillRef>
+          <a:effectRef idx="0">
+            <a:schemeClr val="accent1"/>
+          </a:effectRef>
+          <a:fontRef idx="minor">
+            <a:schemeClr val="tx1"/>
+          </a:fontRef>
+        </p:style>
+      </p:cxnSp>
+      <p:sp>
+        <p:nvSpPr>
+          <p:cNvPr id="23" name="文本框 22"/>
+          <p:cNvSpPr txBox="1"/>
+          <p:nvPr/>
+        </p:nvSpPr>
+        <p:spPr>
+          <a:xfrm>
+            <a:off x="3128645" y="2162810"/>
+            <a:ext cx="597535" cy="368300"/>
+          </a:xfrm>
+          <a:prstGeom prst="rect">
+            <a:avLst/>
+          </a:prstGeom>
+          <a:noFill/>
+        </p:spPr>
+        <p:txBody>
+          <a:bodyPr wrap="square" rtlCol="0">
+            <a:spAutoFit/>
+          </a:bodyPr>
+          <a:p>
+            <a:r>
+              <a:rPr lang="en-US" altLang="zh-CN"/>
+              <a:t>left</a:t>
+            </a:r>
+            <a:endParaRPr lang="en-US" altLang="zh-CN"/>
+          </a:p>
+        </p:txBody>
+      </p:sp>
+      <p:sp>
+        <p:nvSpPr>
+          <p:cNvPr id="24" name="文本框 23"/>
+          <p:cNvSpPr txBox="1"/>
+          <p:nvPr/>
+        </p:nvSpPr>
+        <p:spPr>
+          <a:xfrm>
+            <a:off x="5638165" y="2162810"/>
+            <a:ext cx="796925" cy="368300"/>
+          </a:xfrm>
+          <a:prstGeom prst="rect">
+            <a:avLst/>
+          </a:prstGeom>
+          <a:noFill/>
+        </p:spPr>
+        <p:txBody>
+          <a:bodyPr wrap="square" rtlCol="0">
+            <a:spAutoFit/>
+          </a:bodyPr>
+          <a:p>
+            <a:r>
+              <a:rPr lang="en-US" altLang="zh-CN"/>
+              <a:t>right</a:t>
+            </a:r>
+            <a:endParaRPr lang="en-US" altLang="zh-CN"/>
+          </a:p>
+        </p:txBody>
+      </p:sp>
+      <p:sp>
+        <p:nvSpPr>
+          <p:cNvPr id="25" name="圆角矩形 24"/>
+          <p:cNvSpPr/>
+          <p:nvPr/>
+        </p:nvSpPr>
+        <p:spPr>
+          <a:xfrm>
+            <a:off x="5643245" y="944245"/>
+            <a:ext cx="648335" cy="575945"/>
+          </a:xfrm>
+          <a:prstGeom prst="roundRect">
+            <a:avLst/>
+          </a:prstGeom>
+        </p:spPr>
+        <p:style>
+          <a:lnRef idx="2">
+            <a:schemeClr val="accent1">
+              <a:shade val="50000"/>
+            </a:schemeClr>
+          </a:lnRef>
+          <a:fillRef idx="1">
+            <a:schemeClr val="accent1"/>
+          </a:fillRef>
+          <a:effectRef idx="0">
+            <a:schemeClr val="accent1"/>
+          </a:effectRef>
+          <a:fontRef idx="minor">
+            <a:schemeClr val="lt1"/>
+          </a:fontRef>
+        </p:style>
+        <p:txBody>
+          <a:bodyPr rtlCol="0" anchor="ctr"/>
+          <a:p>
+            <a:pPr algn="ctr"/>
+            <a:r>
+              <a:rPr lang="en-US" altLang="zh-CN"/>
+              <a:t>4</a:t>
+            </a:r>
+            <a:endParaRPr lang="en-US" altLang="zh-CN"/>
+          </a:p>
+        </p:txBody>
+      </p:sp>
+      <p:sp>
+        <p:nvSpPr>
+          <p:cNvPr id="26" name="圆角矩形 25"/>
+          <p:cNvSpPr/>
+          <p:nvPr/>
+        </p:nvSpPr>
+        <p:spPr>
+          <a:xfrm>
+            <a:off x="6557645" y="943610"/>
+            <a:ext cx="648335" cy="575945"/>
+          </a:xfrm>
+          <a:prstGeom prst="roundRect">
+            <a:avLst/>
+          </a:prstGeom>
+        </p:spPr>
+        <p:style>
+          <a:lnRef idx="2">
+            <a:schemeClr val="accent1">
+              <a:shade val="50000"/>
+            </a:schemeClr>
+          </a:lnRef>
+          <a:fillRef idx="1">
+            <a:schemeClr val="accent1"/>
+          </a:fillRef>
+          <a:effectRef idx="0">
+            <a:schemeClr val="accent1"/>
+          </a:effectRef>
+          <a:fontRef idx="minor">
+            <a:schemeClr val="lt1"/>
+          </a:fontRef>
+        </p:style>
+        <p:txBody>
+          <a:bodyPr rtlCol="0" anchor="ctr"/>
+          <a:p>
+            <a:pPr algn="ctr"/>
+            <a:r>
+              <a:rPr lang="en-US" altLang="zh-CN"/>
+              <a:t>6</a:t>
+            </a:r>
+            <a:endParaRPr lang="en-US" altLang="zh-CN"/>
+          </a:p>
+        </p:txBody>
+      </p:sp>
+      <p:sp>
+        <p:nvSpPr>
+          <p:cNvPr id="27" name="圆角矩形 26"/>
+          <p:cNvSpPr/>
+          <p:nvPr/>
+        </p:nvSpPr>
+        <p:spPr>
+          <a:xfrm>
+            <a:off x="7212330" y="944245"/>
+            <a:ext cx="648335" cy="575945"/>
+          </a:xfrm>
+          <a:prstGeom prst="roundRect">
+            <a:avLst/>
+          </a:prstGeom>
+        </p:spPr>
+        <p:style>
+          <a:lnRef idx="2">
+            <a:schemeClr val="accent1">
+              <a:shade val="50000"/>
+            </a:schemeClr>
+          </a:lnRef>
+          <a:fillRef idx="1">
+            <a:schemeClr val="accent1"/>
+          </a:fillRef>
+          <a:effectRef idx="0">
+            <a:schemeClr val="accent1"/>
+          </a:effectRef>
+          <a:fontRef idx="minor">
+            <a:schemeClr val="lt1"/>
+          </a:fontRef>
+        </p:style>
+        <p:txBody>
+          <a:bodyPr rtlCol="0" anchor="ctr"/>
+          <a:p>
+            <a:pPr algn="ctr"/>
+            <a:r>
+              <a:rPr lang="en-US" altLang="zh-CN"/>
+              <a:t>7</a:t>
+            </a:r>
+            <a:endParaRPr lang="en-US" altLang="zh-CN"/>
+          </a:p>
+        </p:txBody>
+      </p:sp>
+      <p:sp>
+        <p:nvSpPr>
+          <p:cNvPr id="28" name="圆角矩形 27"/>
+          <p:cNvSpPr/>
+          <p:nvPr/>
+        </p:nvSpPr>
+        <p:spPr>
+          <a:xfrm>
+            <a:off x="3128645" y="943610"/>
+            <a:ext cx="918845" cy="575945"/>
+          </a:xfrm>
+          <a:prstGeom prst="roundRect">
+            <a:avLst/>
+          </a:prstGeom>
+        </p:spPr>
+        <p:style>
+          <a:lnRef idx="2">
+            <a:schemeClr val="accent1">
+              <a:shade val="50000"/>
+            </a:schemeClr>
+          </a:lnRef>
+          <a:fillRef idx="1">
+            <a:schemeClr val="accent1"/>
+          </a:fillRef>
+          <a:effectRef idx="0">
+            <a:schemeClr val="accent1"/>
+          </a:effectRef>
+          <a:fontRef idx="minor">
+            <a:schemeClr val="lt1"/>
+          </a:fontRef>
+        </p:style>
+        <p:txBody>
+          <a:bodyPr rtlCol="0" anchor="ctr"/>
+          <a:p>
+            <a:pPr algn="ctr"/>
+            <a:r>
+              <a:rPr lang="en-US" altLang="zh-CN"/>
+              <a:t>back=2</a:t>
+            </a:r>
+            <a:endParaRPr lang="en-US" altLang="zh-CN"/>
+          </a:p>
+        </p:txBody>
+      </p:sp>
+      <p:cxnSp>
+        <p:nvCxnSpPr>
+          <p:cNvPr id="29" name="直接箭头连接符 28"/>
+          <p:cNvCxnSpPr>
+            <a:stCxn id="25" idx="3"/>
+            <a:endCxn id="26" idx="1"/>
+          </p:cNvCxnSpPr>
+          <p:nvPr/>
+        </p:nvCxnSpPr>
+        <p:spPr>
+          <a:xfrm flipV="1">
+            <a:off x="6291580" y="1231900"/>
+            <a:ext cx="266065" cy="635"/>
+          </a:xfrm>
+          <a:prstGeom prst="straightConnector1">
+            <a:avLst/>
+          </a:prstGeom>
+          <a:ln w="38100">
+            <a:solidFill>
+              <a:srgbClr val="7030A0"/>
+            </a:solidFill>
+            <a:tailEnd type="arrow"/>
+          </a:ln>
+        </p:spPr>
+        <p:style>
+          <a:lnRef idx="1">
+            <a:schemeClr val="accent1"/>
+          </a:lnRef>
+          <a:fillRef idx="0">
+            <a:schemeClr val="accent1"/>
+          </a:fillRef>
+          <a:effectRef idx="0">
+            <a:schemeClr val="accent1"/>
+          </a:effectRef>
+          <a:fontRef idx="minor">
+            <a:schemeClr val="tx1"/>
+          </a:fontRef>
+        </p:style>
+      </p:cxnSp>
+      <p:cxnSp>
+        <p:nvCxnSpPr>
+          <p:cNvPr id="30" name="直接箭头连接符 29"/>
+          <p:cNvCxnSpPr>
+            <a:stCxn id="19" idx="3"/>
+            <a:endCxn id="25" idx="1"/>
+          </p:cNvCxnSpPr>
+          <p:nvPr/>
+        </p:nvCxnSpPr>
+        <p:spPr>
+          <a:xfrm>
+            <a:off x="5295900" y="1231900"/>
+            <a:ext cx="347345" cy="635"/>
+          </a:xfrm>
+          <a:prstGeom prst="straightConnector1">
+            <a:avLst/>
+          </a:prstGeom>
+          <a:ln w="38100">
+            <a:solidFill>
+              <a:srgbClr val="7030A0"/>
+            </a:solidFill>
+            <a:tailEnd type="arrow"/>
+          </a:ln>
+        </p:spPr>
+        <p:style>
+          <a:lnRef idx="1">
+            <a:schemeClr val="accent1"/>
+          </a:lnRef>
+          <a:fillRef idx="0">
+            <a:schemeClr val="accent1"/>
+          </a:fillRef>
+          <a:effectRef idx="0">
+            <a:schemeClr val="accent1"/>
+          </a:effectRef>
+          <a:fontRef idx="minor">
+            <a:schemeClr val="tx1"/>
+          </a:fontRef>
+        </p:style>
+      </p:cxnSp>
+      <p:cxnSp>
+        <p:nvCxnSpPr>
+          <p:cNvPr id="32" name="直接箭头连接符 31"/>
+          <p:cNvCxnSpPr>
+            <a:stCxn id="28" idx="3"/>
+            <a:endCxn id="19" idx="1"/>
+          </p:cNvCxnSpPr>
+          <p:nvPr/>
+        </p:nvCxnSpPr>
+        <p:spPr>
+          <a:xfrm>
+            <a:off x="4047490" y="1231900"/>
+            <a:ext cx="600075" cy="0"/>
+          </a:xfrm>
+          <a:prstGeom prst="straightConnector1">
+            <a:avLst/>
+          </a:prstGeom>
+          <a:ln w="38100">
+            <a:solidFill>
+              <a:srgbClr val="7030A0"/>
+            </a:solidFill>
+            <a:tailEnd type="arrow"/>
+          </a:ln>
+        </p:spPr>
+        <p:style>
+          <a:lnRef idx="1">
+            <a:schemeClr val="accent1"/>
+          </a:lnRef>
+          <a:fillRef idx="0">
+            <a:schemeClr val="accent1"/>
+          </a:fillRef>
+          <a:effectRef idx="0">
+            <a:schemeClr val="accent1"/>
+          </a:effectRef>
+          <a:fontRef idx="minor">
+            <a:schemeClr val="tx1"/>
+          </a:fontRef>
+        </p:style>
+      </p:cxnSp>
+      <p:cxnSp>
+        <p:nvCxnSpPr>
+          <p:cNvPr id="33" name="曲线连接符 32"/>
+          <p:cNvCxnSpPr>
+            <a:stCxn id="17" idx="3"/>
+            <a:endCxn id="28" idx="1"/>
+          </p:cNvCxnSpPr>
+          <p:nvPr/>
+        </p:nvCxnSpPr>
+        <p:spPr>
+          <a:xfrm>
+            <a:off x="2336800" y="1231900"/>
+            <a:ext cx="791845" cy="3175"/>
+          </a:xfrm>
+          <a:prstGeom prst="curvedConnector2">
+            <a:avLst/>
+          </a:prstGeom>
+          <a:ln w="41275">
+            <a:solidFill>
+              <a:srgbClr val="7030A0"/>
+            </a:solidFill>
+            <a:tailEnd type="arrow"/>
+          </a:ln>
+        </p:spPr>
+        <p:style>
+          <a:lnRef idx="1">
+            <a:schemeClr val="accent1"/>
+          </a:lnRef>
+          <a:fillRef idx="0">
+            <a:schemeClr val="accent1"/>
+          </a:fillRef>
+          <a:effectRef idx="0">
+            <a:schemeClr val="accent1"/>
+          </a:effectRef>
+          <a:fontRef idx="minor">
+            <a:schemeClr val="tx1"/>
+          </a:fontRef>
+        </p:style>
+      </p:cxnSp>
+      <p:sp>
+        <p:nvSpPr>
+          <p:cNvPr id="35" name="矩形 34"/>
+          <p:cNvSpPr/>
+          <p:nvPr/>
+        </p:nvSpPr>
+        <p:spPr>
+          <a:xfrm>
+            <a:off x="0" y="0"/>
+            <a:ext cx="1842135" cy="428625"/>
+          </a:xfrm>
+          <a:prstGeom prst="rect">
+            <a:avLst/>
+          </a:prstGeom>
+          <a:ln w="38100">
+            <a:solidFill>
+              <a:srgbClr val="FF0000"/>
+            </a:solidFill>
+          </a:ln>
+        </p:spPr>
+        <p:style>
+          <a:lnRef idx="2">
+            <a:schemeClr val="accent2"/>
+          </a:lnRef>
+          <a:fillRef idx="1">
+            <a:schemeClr val="lt1"/>
+          </a:fillRef>
+          <a:effectRef idx="0">
+            <a:schemeClr val="accent2"/>
+          </a:effectRef>
+          <a:fontRef idx="minor">
+            <a:schemeClr val="dk1"/>
+          </a:fontRef>
+        </p:style>
+        <p:txBody>
+          <a:bodyPr rtlCol="0" anchor="ctr"/>
+          <a:p>
+            <a:pPr algn="ctr"/>
+            <a:r>
+              <a:rPr lang="zh-CN" altLang="zh-CN" b="1" dirty="0"/>
+              <a:t>链表</a:t>
+            </a:r>
+            <a:r>
+              <a:rPr lang="en-US" altLang="zh-CN" b="1" dirty="0"/>
+              <a:t>partition</a:t>
+            </a:r>
+            <a:endParaRPr lang="en-US" altLang="zh-CN" b="1" dirty="0"/>
+          </a:p>
+        </p:txBody>
+      </p:sp>
+      <p:sp>
+        <p:nvSpPr>
+          <p:cNvPr id="18" name="文本框 17"/>
+          <p:cNvSpPr txBox="1"/>
+          <p:nvPr/>
+        </p:nvSpPr>
+        <p:spPr>
+          <a:xfrm>
+            <a:off x="246380" y="2912745"/>
+            <a:ext cx="8651875" cy="3692525"/>
+          </a:xfrm>
+          <a:prstGeom prst="rect">
+            <a:avLst/>
+          </a:prstGeom>
+          <a:noFill/>
+        </p:spPr>
+        <p:txBody>
+          <a:bodyPr wrap="square" rtlCol="0">
+            <a:spAutoFit/>
+          </a:bodyPr>
+          <a:p>
+            <a:pPr algn="l"/>
+            <a:r>
+              <a:rPr lang="zh-CN" altLang="en-US"/>
+              <a:t>思路：类比快拍的</a:t>
+            </a:r>
+            <a:r>
+              <a:rPr lang="en-US" altLang="zh-CN"/>
+              <a:t>partition</a:t>
+            </a:r>
+            <a:r>
+              <a:rPr lang="zh-CN" altLang="en-US"/>
+              <a:t>，</a:t>
+            </a:r>
+            <a:r>
+              <a:rPr lang="zh-CN" altLang="en-US"/>
+              <a:t>寻找符合下面条件的两个指针：</a:t>
+            </a:r>
+            <a:endParaRPr lang="zh-CN" altLang="en-US"/>
+          </a:p>
+          <a:p>
+            <a:pPr algn="l"/>
+            <a:r>
+              <a:rPr lang="zh-CN" altLang="en-US"/>
+              <a:t>左指针</a:t>
+            </a:r>
+            <a:r>
+              <a:rPr lang="en-US" altLang="zh-CN"/>
+              <a:t>l</a:t>
+            </a:r>
+            <a:r>
+              <a:rPr lang="zh-CN" altLang="en-US"/>
+              <a:t>：</a:t>
+            </a:r>
+            <a:r>
+              <a:rPr lang="en-US" altLang="zh-CN"/>
+              <a:t>l.val &lt; x</a:t>
+            </a:r>
+            <a:r>
+              <a:rPr lang="zh-CN" altLang="en-US"/>
+              <a:t>，</a:t>
+            </a:r>
+            <a:r>
+              <a:rPr lang="en-US" altLang="zh-CN"/>
+              <a:t>l.</a:t>
+            </a:r>
+            <a:r>
+              <a:rPr lang="en-US" altLang="zh-CN"/>
+              <a:t>next.val &gt;= X</a:t>
+            </a:r>
+            <a:endParaRPr lang="en-US" altLang="zh-CN"/>
+          </a:p>
+          <a:p>
+            <a:pPr algn="l"/>
+            <a:r>
+              <a:rPr lang="zh-CN" altLang="en-US"/>
+              <a:t>右指针</a:t>
+            </a:r>
+            <a:r>
+              <a:rPr lang="en-US" altLang="zh-CN"/>
+              <a:t>r</a:t>
+            </a:r>
+            <a:r>
+              <a:rPr lang="zh-CN" altLang="zh-CN"/>
+              <a:t>：</a:t>
+            </a:r>
+            <a:r>
+              <a:rPr lang="en-US" altLang="zh-CN"/>
+              <a:t>r.val &gt;= x</a:t>
+            </a:r>
+            <a:r>
+              <a:rPr lang="zh-CN" altLang="en-US"/>
+              <a:t>，</a:t>
+            </a:r>
+            <a:r>
+              <a:rPr lang="en-US" altLang="zh-CN"/>
+              <a:t>r.next.val &lt;= x</a:t>
+            </a:r>
+            <a:endParaRPr lang="en-US" altLang="zh-CN"/>
+          </a:p>
+          <a:p>
+            <a:pPr algn="l"/>
+            <a:r>
+              <a:rPr lang="zh-CN" altLang="en-US"/>
+              <a:t>如果这样的话，我们则执行一次链表的节点交换然后两个指针分别后移一位</a:t>
+            </a:r>
+            <a:endParaRPr lang="zh-CN" altLang="en-US"/>
+          </a:p>
+          <a:p>
+            <a:pPr algn="l"/>
+            <a:endParaRPr lang="zh-CN" altLang="en-US"/>
+          </a:p>
+          <a:p>
+            <a:pPr algn="l"/>
+            <a:r>
+              <a:rPr lang="zh-CN" altLang="en-US"/>
+              <a:t>但是实际链表头部的情况多种多样，为了避免讨论可以添加伪头</a:t>
+            </a:r>
+            <a:r>
+              <a:rPr lang="en-US" altLang="zh-CN"/>
+              <a:t>p_head</a:t>
+            </a:r>
+            <a:r>
+              <a:rPr lang="zh-CN" altLang="en-US"/>
+              <a:t>，强制首节点</a:t>
+            </a:r>
+            <a:endParaRPr lang="zh-CN" altLang="en-US"/>
+          </a:p>
+          <a:p>
+            <a:pPr algn="l"/>
+            <a:r>
+              <a:rPr lang="zh-CN" altLang="en-US"/>
+              <a:t>为合法左指针，然后搜索</a:t>
+            </a:r>
+            <a:r>
+              <a:rPr lang="zh-CN" altLang="en-US">
+                <a:sym typeface="+mn-ea"/>
+              </a:rPr>
+              <a:t>合法</a:t>
+            </a:r>
+            <a:r>
+              <a:rPr lang="zh-CN" altLang="en-US"/>
+              <a:t>右指针的位置</a:t>
+            </a:r>
+            <a:endParaRPr lang="zh-CN" altLang="en-US"/>
+          </a:p>
+          <a:p>
+            <a:pPr algn="l"/>
+            <a:endParaRPr lang="zh-CN" altLang="en-US"/>
+          </a:p>
+          <a:p>
+            <a:pPr algn="l"/>
+            <a:r>
+              <a:rPr lang="zh-CN" altLang="en-US"/>
+              <a:t>一旦找不到合法的右指针位置，说明已经不需要</a:t>
+            </a:r>
+            <a:r>
+              <a:rPr lang="en-US" altLang="zh-CN"/>
+              <a:t>partition</a:t>
+            </a:r>
+            <a:r>
+              <a:rPr lang="zh-CN" altLang="en-US"/>
+              <a:t>，返回</a:t>
+            </a:r>
+            <a:r>
+              <a:rPr lang="en-US" altLang="zh-CN"/>
+              <a:t>p_head.next</a:t>
+            </a:r>
+            <a:r>
+              <a:rPr lang="zh-CN" altLang="zh-CN"/>
+              <a:t>即可。</a:t>
+            </a:r>
+            <a:endParaRPr lang="zh-CN" altLang="zh-CN"/>
+          </a:p>
+          <a:p>
+            <a:pPr algn="l"/>
+            <a:endParaRPr lang="zh-CN" altLang="zh-CN"/>
+          </a:p>
+          <a:p>
+            <a:pPr algn="l"/>
+            <a:r>
+              <a:rPr lang="zh-CN" altLang="zh-CN"/>
+              <a:t>当然，用值交换的方式会更简单：只要右指针发现一个小于</a:t>
+            </a:r>
+            <a:r>
+              <a:rPr lang="en-US" altLang="zh-CN"/>
+              <a:t>pivot</a:t>
+            </a:r>
+            <a:r>
+              <a:rPr lang="zh-CN" altLang="en-US"/>
+              <a:t>的值，就和左</a:t>
+            </a:r>
+            <a:endParaRPr lang="zh-CN" altLang="en-US"/>
+          </a:p>
+          <a:p>
+            <a:pPr algn="l"/>
+            <a:r>
+              <a:rPr lang="zh-CN" altLang="en-US"/>
+              <a:t>指针交换，左指针交换后右移。</a:t>
+            </a:r>
+            <a:endParaRPr lang="zh-CN" altLang="zh-CN"/>
+          </a:p>
+          <a:p>
+            <a:pPr algn="l"/>
+            <a:endParaRPr lang="zh-CN" altLang="zh-CN"/>
           </a:p>
         </p:txBody>
       </p:sp>
@@ -15406,6 +19221,7 @@
               <a:rPr lang="zh-CN" altLang="zh-CN" dirty="0"/>
               <a:t>快速排序</a:t>
             </a:r>
+            <a:endParaRPr lang="zh-CN" altLang="zh-CN" dirty="0"/>
           </a:p>
         </p:txBody>
       </p:sp>
@@ -15449,6 +19265,7 @@
               <a:rPr lang="en-US" altLang="zh-CN"/>
               <a:t>3</a:t>
             </a:r>
+            <a:endParaRPr lang="en-US" altLang="zh-CN"/>
           </a:p>
         </p:txBody>
       </p:sp>
@@ -15532,6 +19349,7 @@
               <a:rPr lang="en-US" altLang="zh-CN"/>
               <a:t>6</a:t>
             </a:r>
+            <a:endParaRPr lang="en-US" altLang="zh-CN"/>
           </a:p>
         </p:txBody>
       </p:sp>
@@ -15575,6 +19393,7 @@
               <a:rPr lang="en-US" altLang="zh-CN"/>
               <a:t>5</a:t>
             </a:r>
+            <a:endParaRPr lang="en-US" altLang="zh-CN"/>
           </a:p>
         </p:txBody>
       </p:sp>
@@ -15618,6 +19437,7 @@
               <a:rPr lang="en-US" altLang="zh-CN"/>
               <a:t>8</a:t>
             </a:r>
+            <a:endParaRPr lang="en-US" altLang="zh-CN"/>
           </a:p>
         </p:txBody>
       </p:sp>
@@ -15661,6 +19481,7 @@
               <a:rPr lang="en-US" altLang="zh-CN"/>
               <a:t>2</a:t>
             </a:r>
+            <a:endParaRPr lang="en-US" altLang="zh-CN"/>
           </a:p>
         </p:txBody>
       </p:sp>
@@ -15704,6 +19525,7 @@
               <a:rPr lang="en-US" altLang="zh-CN"/>
               <a:t>1</a:t>
             </a:r>
+            <a:endParaRPr lang="en-US" altLang="zh-CN"/>
           </a:p>
         </p:txBody>
       </p:sp>
@@ -15747,6 +19569,7 @@
               <a:rPr lang="en-US" altLang="zh-CN"/>
               <a:t>4</a:t>
             </a:r>
+            <a:endParaRPr lang="en-US" altLang="zh-CN"/>
           </a:p>
         </p:txBody>
       </p:sp>
@@ -15776,6 +19599,7 @@
               <a:rPr lang="en-US" altLang="zh-CN"/>
               <a:t>pivot</a:t>
             </a:r>
+            <a:endParaRPr lang="en-US" altLang="zh-CN"/>
           </a:p>
         </p:txBody>
       </p:sp>
@@ -15988,6 +19812,7 @@
               <a:rPr lang="en-US" altLang="zh-CN"/>
               <a:t>3</a:t>
             </a:r>
+            <a:endParaRPr lang="en-US" altLang="zh-CN"/>
           </a:p>
         </p:txBody>
       </p:sp>
@@ -16031,6 +19856,7 @@
               <a:rPr lang="en-US" altLang="zh-CN"/>
               <a:t>2</a:t>
             </a:r>
+            <a:endParaRPr lang="en-US" altLang="zh-CN"/>
           </a:p>
         </p:txBody>
       </p:sp>
@@ -16074,6 +19900,7 @@
               <a:rPr lang="en-US" altLang="zh-CN"/>
               <a:t>6</a:t>
             </a:r>
+            <a:endParaRPr lang="en-US" altLang="zh-CN"/>
           </a:p>
         </p:txBody>
       </p:sp>
@@ -16117,6 +19944,7 @@
               <a:rPr lang="en-US" altLang="zh-CN"/>
               <a:t>5</a:t>
             </a:r>
+            <a:endParaRPr lang="en-US" altLang="zh-CN"/>
           </a:p>
         </p:txBody>
       </p:sp>
@@ -16160,6 +19988,7 @@
               <a:rPr lang="en-US" altLang="zh-CN"/>
               <a:t>8</a:t>
             </a:r>
+            <a:endParaRPr lang="en-US" altLang="zh-CN"/>
           </a:p>
         </p:txBody>
       </p:sp>
@@ -16243,6 +20072,7 @@
               <a:rPr lang="en-US" altLang="zh-CN"/>
               <a:t>1</a:t>
             </a:r>
+            <a:endParaRPr lang="en-US" altLang="zh-CN"/>
           </a:p>
         </p:txBody>
       </p:sp>
@@ -16455,6 +20285,7 @@
               <a:rPr lang="en-US" altLang="zh-CN"/>
               <a:t>3</a:t>
             </a:r>
+            <a:endParaRPr lang="en-US" altLang="zh-CN"/>
           </a:p>
         </p:txBody>
       </p:sp>
@@ -16498,6 +20329,7 @@
               <a:rPr lang="en-US" altLang="zh-CN"/>
               <a:t>2</a:t>
             </a:r>
+            <a:endParaRPr lang="en-US" altLang="zh-CN"/>
           </a:p>
         </p:txBody>
       </p:sp>
@@ -16581,6 +20413,7 @@
               <a:rPr lang="en-US" altLang="zh-CN"/>
               <a:t>5</a:t>
             </a:r>
+            <a:endParaRPr lang="en-US" altLang="zh-CN"/>
           </a:p>
         </p:txBody>
       </p:sp>
@@ -16624,6 +20457,7 @@
               <a:rPr lang="en-US" altLang="zh-CN"/>
               <a:t>8</a:t>
             </a:r>
+            <a:endParaRPr lang="en-US" altLang="zh-CN"/>
           </a:p>
         </p:txBody>
       </p:sp>
@@ -16667,6 +20501,7 @@
               <a:rPr lang="en-US" altLang="zh-CN"/>
               <a:t>6</a:t>
             </a:r>
+            <a:endParaRPr lang="en-US" altLang="zh-CN"/>
           </a:p>
         </p:txBody>
       </p:sp>
@@ -16710,6 +20545,7 @@
               <a:rPr lang="en-US" altLang="zh-CN"/>
               <a:t>1</a:t>
             </a:r>
+            <a:endParaRPr lang="en-US" altLang="zh-CN"/>
           </a:p>
         </p:txBody>
       </p:sp>
@@ -16793,6 +20629,7 @@
               <a:rPr lang="en-US" altLang="zh-CN"/>
               <a:t>3</a:t>
             </a:r>
+            <a:endParaRPr lang="en-US" altLang="zh-CN"/>
           </a:p>
         </p:txBody>
       </p:sp>
@@ -16836,6 +20673,7 @@
               <a:rPr lang="en-US" altLang="zh-CN"/>
               <a:t>2</a:t>
             </a:r>
+            <a:endParaRPr lang="en-US" altLang="zh-CN"/>
           </a:p>
         </p:txBody>
       </p:sp>
@@ -16919,6 +20757,7 @@
               <a:rPr lang="en-US" altLang="zh-CN"/>
               <a:t>5</a:t>
             </a:r>
+            <a:endParaRPr lang="en-US" altLang="zh-CN"/>
           </a:p>
         </p:txBody>
       </p:sp>
@@ -16962,6 +20801,7 @@
               <a:rPr lang="en-US" altLang="zh-CN"/>
               <a:t>8</a:t>
             </a:r>
+            <a:endParaRPr lang="en-US" altLang="zh-CN"/>
           </a:p>
         </p:txBody>
       </p:sp>
@@ -17005,6 +20845,7 @@
               <a:rPr lang="en-US" altLang="zh-CN"/>
               <a:t>6</a:t>
             </a:r>
+            <a:endParaRPr lang="en-US" altLang="zh-CN"/>
           </a:p>
         </p:txBody>
       </p:sp>
@@ -17048,6 +20889,7 @@
               <a:rPr lang="en-US" altLang="zh-CN"/>
               <a:t>1</a:t>
             </a:r>
+            <a:endParaRPr lang="en-US" altLang="zh-CN"/>
           </a:p>
         </p:txBody>
       </p:sp>
@@ -17125,12 +20967,14 @@
               <a:rPr lang="zh-CN" altLang="en-US"/>
               <a:t>结束</a:t>
             </a:r>
+            <a:endParaRPr lang="zh-CN" altLang="en-US"/>
           </a:p>
           <a:p>
             <a:r>
               <a:rPr lang="zh-CN" altLang="en-US"/>
               <a:t>两个指针相遇</a:t>
             </a:r>
+            <a:endParaRPr lang="zh-CN" altLang="en-US"/>
           </a:p>
           <a:p>
             <a:r>
@@ -17145,12 +20989,14 @@
               <a:rPr lang="zh-CN" altLang="en-US"/>
               <a:t>，放到</a:t>
             </a:r>
+            <a:endParaRPr lang="zh-CN" altLang="en-US"/>
           </a:p>
           <a:p>
             <a:r>
               <a:rPr lang="zh-CN" altLang="en-US"/>
               <a:t>指针停止的位置</a:t>
             </a:r>
+            <a:endParaRPr lang="zh-CN" altLang="en-US"/>
           </a:p>
         </p:txBody>
       </p:sp>
@@ -17222,6 +21068,7 @@
               <a:rPr lang="zh-CN" altLang="zh-CN" dirty="0"/>
               <a:t>归并排序</a:t>
             </a:r>
+            <a:endParaRPr lang="zh-CN" altLang="zh-CN" dirty="0"/>
           </a:p>
         </p:txBody>
       </p:sp>
@@ -17265,6 +21112,7 @@
               <a:rPr lang="en-US" altLang="zh-CN"/>
               <a:t>3</a:t>
             </a:r>
+            <a:endParaRPr lang="en-US" altLang="zh-CN"/>
           </a:p>
         </p:txBody>
       </p:sp>
@@ -17308,6 +21156,7 @@
               <a:rPr lang="en-US" altLang="zh-CN"/>
               <a:t>4</a:t>
             </a:r>
+            <a:endParaRPr lang="en-US" altLang="zh-CN"/>
           </a:p>
         </p:txBody>
       </p:sp>
@@ -17351,6 +21200,7 @@
               <a:rPr lang="en-US" altLang="zh-CN"/>
               <a:t>6</a:t>
             </a:r>
+            <a:endParaRPr lang="en-US" altLang="zh-CN"/>
           </a:p>
         </p:txBody>
       </p:sp>
@@ -17408,6 +21258,21 @@
               </a:rPr>
               <a:t>2</a:t>
             </a:r>
+            <a:endParaRPr lang="en-US" altLang="zh-CN">
+              <a:ln w="22225">
+                <a:solidFill>
+                  <a:schemeClr val="accent2"/>
+                </a:solidFill>
+                <a:prstDash val="solid"/>
+              </a:ln>
+              <a:solidFill>
+                <a:schemeClr val="accent2">
+                  <a:lumMod val="40000"/>
+                  <a:lumOff val="60000"/>
+                </a:schemeClr>
+              </a:solidFill>
+              <a:effectLst/>
+            </a:endParaRPr>
           </a:p>
         </p:txBody>
       </p:sp>
@@ -17451,6 +21316,7 @@
               <a:rPr lang="en-US" altLang="zh-CN"/>
               <a:t>5</a:t>
             </a:r>
+            <a:endParaRPr lang="en-US" altLang="zh-CN"/>
           </a:p>
         </p:txBody>
       </p:sp>
@@ -17494,6 +21360,7 @@
               <a:rPr lang="en-US" altLang="zh-CN"/>
               <a:t>8</a:t>
             </a:r>
+            <a:endParaRPr lang="en-US" altLang="zh-CN"/>
           </a:p>
         </p:txBody>
       </p:sp>
@@ -17537,6 +21404,7 @@
               <a:rPr lang="en-US" altLang="zh-CN"/>
               <a:t>2</a:t>
             </a:r>
+            <a:endParaRPr lang="en-US" altLang="zh-CN"/>
           </a:p>
         </p:txBody>
       </p:sp>
@@ -17770,6 +21638,7 @@
               <a:rPr lang="en-US" altLang="zh-CN" sz="1200"/>
               <a:t>1</a:t>
             </a:r>
+            <a:endParaRPr lang="en-US" altLang="zh-CN" sz="1200"/>
           </a:p>
         </p:txBody>
       </p:sp>
@@ -17803,6 +21672,7 @@
               <a:rPr lang="en-US" altLang="zh-CN" sz="1200"/>
               <a:t>2</a:t>
             </a:r>
+            <a:endParaRPr lang="en-US" altLang="zh-CN" sz="1200"/>
           </a:p>
         </p:txBody>
       </p:sp>
@@ -17836,6 +21706,7 @@
               <a:rPr lang="en-US" altLang="zh-CN" sz="1200"/>
               <a:t>3</a:t>
             </a:r>
+            <a:endParaRPr lang="en-US" altLang="zh-CN" sz="1200"/>
           </a:p>
         </p:txBody>
       </p:sp>
@@ -17965,6 +21836,21 @@
               </a:rPr>
               <a:t>3</a:t>
             </a:r>
+            <a:endParaRPr lang="en-US" altLang="zh-CN">
+              <a:ln w="22225">
+                <a:solidFill>
+                  <a:schemeClr val="accent2"/>
+                </a:solidFill>
+                <a:prstDash val="solid"/>
+              </a:ln>
+              <a:solidFill>
+                <a:schemeClr val="accent2">
+                  <a:lumMod val="40000"/>
+                  <a:lumOff val="60000"/>
+                </a:schemeClr>
+              </a:solidFill>
+              <a:effectLst/>
+            </a:endParaRPr>
           </a:p>
         </p:txBody>
       </p:sp>
@@ -18008,6 +21894,7 @@
               <a:rPr lang="en-US" altLang="zh-CN"/>
               <a:t>4</a:t>
             </a:r>
+            <a:endParaRPr lang="en-US" altLang="zh-CN"/>
           </a:p>
         </p:txBody>
       </p:sp>
@@ -18051,6 +21938,7 @@
               <a:rPr lang="en-US" altLang="zh-CN"/>
               <a:t>6</a:t>
             </a:r>
+            <a:endParaRPr lang="en-US" altLang="zh-CN"/>
           </a:p>
         </p:txBody>
       </p:sp>
@@ -18108,6 +21996,21 @@
               </a:rPr>
               <a:t>2</a:t>
             </a:r>
+            <a:endParaRPr lang="en-US" altLang="zh-CN">
+              <a:ln w="22225">
+                <a:solidFill>
+                  <a:schemeClr val="accent2"/>
+                </a:solidFill>
+                <a:prstDash val="solid"/>
+              </a:ln>
+              <a:solidFill>
+                <a:schemeClr val="accent2">
+                  <a:lumMod val="40000"/>
+                  <a:lumOff val="60000"/>
+                </a:schemeClr>
+              </a:solidFill>
+              <a:effectLst/>
+            </a:endParaRPr>
           </a:p>
         </p:txBody>
       </p:sp>
@@ -18151,6 +22054,7 @@
               <a:rPr lang="en-US" altLang="zh-CN"/>
               <a:t>5</a:t>
             </a:r>
+            <a:endParaRPr lang="en-US" altLang="zh-CN"/>
           </a:p>
         </p:txBody>
       </p:sp>
@@ -18194,6 +22098,7 @@
               <a:rPr lang="en-US" altLang="zh-CN"/>
               <a:t>8</a:t>
             </a:r>
+            <a:endParaRPr lang="en-US" altLang="zh-CN"/>
           </a:p>
         </p:txBody>
       </p:sp>
@@ -18251,6 +22156,21 @@
               </a:rPr>
               <a:t>2</a:t>
             </a:r>
+            <a:endParaRPr lang="en-US" altLang="zh-CN">
+              <a:ln w="22225">
+                <a:solidFill>
+                  <a:schemeClr val="accent2"/>
+                </a:solidFill>
+                <a:prstDash val="solid"/>
+              </a:ln>
+              <a:solidFill>
+                <a:schemeClr val="accent2">
+                  <a:lumMod val="40000"/>
+                  <a:lumOff val="60000"/>
+                </a:schemeClr>
+              </a:solidFill>
+              <a:effectLst/>
+            </a:endParaRPr>
           </a:p>
         </p:txBody>
       </p:sp>
@@ -18294,6 +22214,7 @@
               <a:rPr lang="en-US" altLang="zh-CN"/>
               <a:t>3</a:t>
             </a:r>
+            <a:endParaRPr lang="en-US" altLang="zh-CN"/>
           </a:p>
         </p:txBody>
       </p:sp>
@@ -18487,6 +22408,7 @@
               <a:rPr lang="en-US" altLang="zh-CN" sz="1200"/>
               <a:t>1</a:t>
             </a:r>
+            <a:endParaRPr lang="en-US" altLang="zh-CN" sz="1200"/>
           </a:p>
         </p:txBody>
       </p:sp>
@@ -18520,6 +22442,7 @@
               <a:rPr lang="en-US" altLang="zh-CN" sz="1200"/>
               <a:t>2</a:t>
             </a:r>
+            <a:endParaRPr lang="en-US" altLang="zh-CN" sz="1200"/>
           </a:p>
         </p:txBody>
       </p:sp>
@@ -18553,6 +22476,7 @@
               <a:rPr lang="en-US" altLang="zh-CN" sz="1200"/>
               <a:t>3</a:t>
             </a:r>
+            <a:endParaRPr lang="en-US" altLang="zh-CN" sz="1200"/>
           </a:p>
         </p:txBody>
       </p:sp>
@@ -18767,6 +22691,7 @@
               <a:rPr lang="en-US" altLang="zh-CN"/>
               <a:t>1</a:t>
             </a:r>
+            <a:endParaRPr lang="en-US" altLang="zh-CN"/>
           </a:p>
         </p:txBody>
       </p:sp>
@@ -18810,6 +22735,7 @@
               <a:rPr lang="en-US" altLang="zh-CN"/>
               <a:t>1</a:t>
             </a:r>
+            <a:endParaRPr lang="en-US" altLang="zh-CN"/>
           </a:p>
         </p:txBody>
       </p:sp>
@@ -18853,6 +22779,7 @@
               <a:rPr lang="en-US" altLang="zh-CN"/>
               <a:t>1</a:t>
             </a:r>
+            <a:endParaRPr lang="en-US" altLang="zh-CN"/>
           </a:p>
         </p:txBody>
       </p:sp>
@@ -18896,6 +22823,7 @@
               <a:rPr lang="en-US" altLang="zh-CN"/>
               <a:t>1</a:t>
             </a:r>
+            <a:endParaRPr lang="en-US" altLang="zh-CN"/>
           </a:p>
         </p:txBody>
       </p:sp>
@@ -18933,6 +22861,7 @@
               <a:rPr lang="zh-CN" altLang="en-US"/>
               <a:t>的时候，指向</a:t>
             </a:r>
+            <a:endParaRPr lang="zh-CN" altLang="en-US"/>
           </a:p>
           <a:p>
             <a:r>
@@ -18951,6 +22880,7 @@
               <a:rPr lang="en-US" altLang="zh-CN"/>
               <a:t>merge</a:t>
             </a:r>
+            <a:endParaRPr lang="en-US" altLang="zh-CN"/>
           </a:p>
           <a:p>
             <a:r>
@@ -18965,6 +22895,7 @@
               <a:rPr lang="zh-CN" altLang="en-US"/>
               <a:t>开始</a:t>
             </a:r>
+            <a:endParaRPr lang="zh-CN" altLang="en-US"/>
           </a:p>
         </p:txBody>
       </p:sp>
@@ -19117,6 +23048,7 @@
               <a:rPr lang="zh-CN" altLang="en-US" sz="6600" b="1" dirty="0"/>
               <a:t>二叉树</a:t>
             </a:r>
+            <a:endParaRPr lang="zh-CN" altLang="en-US" sz="6600" b="1" dirty="0"/>
           </a:p>
         </p:txBody>
       </p:sp>
@@ -19184,6 +23116,7 @@
               <a:rPr lang="zh-CN" altLang="en-US" dirty="0"/>
               <a:t>序列化</a:t>
             </a:r>
+            <a:endParaRPr lang="zh-CN" altLang="en-US" dirty="0"/>
           </a:p>
         </p:txBody>
       </p:sp>
@@ -19196,7 +23129,7 @@
           <p:nvPr/>
         </p:nvPicPr>
         <p:blipFill>
-          <a:blip r:embed="rId2"/>
+          <a:blip r:embed="rId1"/>
           <a:stretch>
             <a:fillRect/>
           </a:stretch>
@@ -19275,6 +23208,7 @@
               <a:rPr lang="zh-CN" altLang="en-US" dirty="0"/>
               <a:t>逆序列化</a:t>
             </a:r>
+            <a:endParaRPr lang="zh-CN" altLang="en-US" dirty="0"/>
           </a:p>
         </p:txBody>
       </p:sp>
@@ -19291,7 +23225,7 @@
           </p:nvPr>
         </p:nvPicPr>
         <p:blipFill>
-          <a:blip r:embed="rId3"/>
+          <a:blip r:embed="rId2"/>
           <a:stretch>
             <a:fillRect/>
           </a:stretch>
@@ -19370,6 +23304,7 @@
               <a:rPr lang="zh-CN" altLang="en-US" dirty="0"/>
               <a:t>逆序列化</a:t>
             </a:r>
+            <a:endParaRPr lang="zh-CN" altLang="en-US" dirty="0"/>
           </a:p>
         </p:txBody>
       </p:sp>
@@ -19382,7 +23317,7 @@
           <p:nvPr/>
         </p:nvPicPr>
         <p:blipFill>
-          <a:blip r:embed="rId2"/>
+          <a:blip r:embed="rId1"/>
           <a:stretch>
             <a:fillRect/>
           </a:stretch>
@@ -19406,8 +23341,20 @@
 </file>
 
 <file path=ppt/tags/tag1.xml><?xml version="1.0" encoding="utf-8"?>
-<p:tagLst xmlns:a="http://schemas.openxmlformats.org/drawingml/2006/main" xmlns:r="http://schemas.openxmlformats.org/officeDocument/2006/relationships" xmlns:p="http://schemas.openxmlformats.org/presentationml/2006/main">
+<p:tagLst xmlns:p="http://schemas.openxmlformats.org/presentationml/2006/main">
   <p:tag name="KSO_WM_UNIT_PLACING_PICTURE_USER_VIEWPORT" val="{&quot;height&quot;:8160,&quot;width&quot;:5925}"/>
+</p:tagLst>
+</file>
+
+<file path=ppt/tags/tag2.xml><?xml version="1.0" encoding="utf-8"?>
+<p:tagLst xmlns:p="http://schemas.openxmlformats.org/presentationml/2006/main">
+  <p:tag name="KSO_WM_UNIT_PLACING_PICTURE_USER_VIEWPORT" val="{&quot;height&quot;:2325,&quot;width&quot;:5865}"/>
+</p:tagLst>
+</file>
+
+<file path=ppt/tags/tag3.xml><?xml version="1.0" encoding="utf-8"?>
+<p:tagLst xmlns:p="http://schemas.openxmlformats.org/presentationml/2006/main">
+  <p:tag name="KSO_WM_UNIT_PLACING_PICTURE_USER_VIEWPORT" val="{&quot;height&quot;:2370,&quot;width&quot;:6315}"/>
 </p:tagLst>
 </file>
 
@@ -19689,11 +23636,9 @@
       </a:bgFillStyleLst>
     </a:fmtScheme>
   </a:themeElements>
-  <a:objectDefaults/>
-  <a:extraClrSchemeLst/>
   <a:extLst>
     <a:ext uri="{05A4C25C-085E-4340-85A3-A5531E510DB2}">
-      <thm15:themeFamily xmlns:thm15="http://schemas.microsoft.com/office/thememl/2012/main" xmlns="" name="Office Theme" id="{62F939B6-93AF-4DB8-9C6B-D6C7DFDC589F}" vid="{4A3C46E8-61CC-4603-A589-7422A47A8E4A}"/>
+      <thm15:themeFamily xmlns:thm15="http://schemas.microsoft.com/office/thememl/2012/main" name="Office Theme" id="{62F939B6-93AF-4DB8-9C6B-D6C7DFDC589F}" vid="{4A3C46E8-61CC-4603-A589-7422A47A8E4A}"/>
     </a:ext>
   </a:extLst>
 </a:theme>

--- a/第2遍/数据结构与算法.pptx
+++ b/第2遍/数据结构与算法.pptx
@@ -4865,7 +4865,19 @@
               </a:r>
               <a:r>
                 <a:rPr lang="en-US" altLang="zh-CN"/>
-                <a:t>1 2 3 4 5</a:t>
+                <a:t>1 </a:t>
+              </a:r>
+              <a:r>
+                <a:rPr lang="en-US" altLang="zh-CN">
+                  <a:solidFill>
+                    <a:srgbClr val="FF0000"/>
+                  </a:solidFill>
+                </a:rPr>
+                <a:t>2</a:t>
+              </a:r>
+              <a:r>
+                <a:rPr lang="en-US" altLang="zh-CN"/>
+                <a:t> 3 4 5</a:t>
               </a:r>
               <a:endParaRPr lang="en-US" altLang="zh-CN"/>
             </a:p>
@@ -4906,8 +4918,16 @@
                 <a:t>：</a:t>
               </a:r>
               <a:r>
+                <a:rPr lang="en-US" altLang="zh-CN">
+                  <a:solidFill>
+                    <a:srgbClr val="FF0000"/>
+                  </a:solidFill>
+                </a:rPr>
+                <a:t>2</a:t>
+              </a:r>
+              <a:r>
                 <a:rPr lang="en-US" altLang="zh-CN"/>
-                <a:t>2 4 5 3 1</a:t>
+                <a:t> 4 5 3 1</a:t>
               </a:r>
               <a:endParaRPr lang="en-US" altLang="zh-CN"/>
             </a:p>
@@ -4923,7 +4943,7 @@
         <p:spPr>
           <a:xfrm>
             <a:off x="5260340" y="855345"/>
-            <a:ext cx="2926080" cy="1198880"/>
+            <a:ext cx="3154680" cy="2584450"/>
           </a:xfrm>
           <a:prstGeom prst="rect">
             <a:avLst/>
@@ -4956,430 +4976,47 @@
           <a:p>
             <a:r>
               <a:rPr lang="zh-CN" altLang="en-US"/>
-              <a:t>可行解：设定先序遍历</a:t>
+              <a:t>可行解：找到左子树的根节点</a:t>
             </a:r>
             <a:endParaRPr lang="zh-CN" altLang="en-US"/>
           </a:p>
           <a:p>
             <a:r>
               <a:rPr lang="zh-CN" altLang="en-US"/>
-              <a:t>第一个节点为单节点左子树</a:t>
+              <a:t>根据这个根节点可以在后序中</a:t>
             </a:r>
             <a:endParaRPr lang="zh-CN" altLang="en-US"/>
           </a:p>
-        </p:txBody>
-      </p:sp>
-      <p:sp>
-        <p:nvSpPr>
-          <p:cNvPr id="2" name="椭圆 1"/>
-          <p:cNvSpPr/>
-          <p:nvPr/>
-        </p:nvSpPr>
-        <p:spPr>
-          <a:xfrm>
-            <a:off x="6407150" y="2395855"/>
-            <a:ext cx="431800" cy="431800"/>
-          </a:xfrm>
-          <a:prstGeom prst="ellipse">
-            <a:avLst/>
-          </a:prstGeom>
-        </p:spPr>
-        <p:style>
-          <a:lnRef idx="2">
-            <a:schemeClr val="accent3">
-              <a:shade val="50000"/>
-            </a:schemeClr>
-          </a:lnRef>
-          <a:fillRef idx="1">
-            <a:schemeClr val="accent3"/>
-          </a:fillRef>
-          <a:effectRef idx="0">
-            <a:schemeClr val="accent3"/>
-          </a:effectRef>
-          <a:fontRef idx="minor">
-            <a:schemeClr val="lt1"/>
-          </a:fontRef>
-        </p:style>
-        <p:txBody>
-          <a:bodyPr rtlCol="0" anchor="ctr"/>
-          <a:lstStyle/>
-          <a:p>
-            <a:pPr algn="ctr"/>
-            <a:r>
-              <a:rPr lang="en-US" altLang="zh-CN"/>
-              <a:t>1</a:t>
-            </a:r>
-            <a:endParaRPr lang="en-US" altLang="zh-CN"/>
-          </a:p>
-        </p:txBody>
-      </p:sp>
-      <p:cxnSp>
-        <p:nvCxnSpPr>
-          <p:cNvPr id="3" name="直接箭头连接符 2"/>
-          <p:cNvCxnSpPr>
-            <a:stCxn id="18" idx="4"/>
-            <a:endCxn id="20" idx="0"/>
-          </p:cNvCxnSpPr>
-          <p:nvPr/>
-        </p:nvCxnSpPr>
-        <p:spPr>
-          <a:xfrm>
-            <a:off x="7054850" y="3744595"/>
-            <a:ext cx="431800" cy="474980"/>
-          </a:xfrm>
-          <a:prstGeom prst="straightConnector1">
-            <a:avLst/>
-          </a:prstGeom>
-          <a:ln>
-            <a:solidFill>
-              <a:schemeClr val="tx1"/>
-            </a:solidFill>
-            <a:tailEnd type="arrow"/>
-          </a:ln>
-        </p:spPr>
-        <p:style>
-          <a:lnRef idx="1">
-            <a:schemeClr val="accent1"/>
-          </a:lnRef>
-          <a:fillRef idx="0">
-            <a:schemeClr val="accent1"/>
-          </a:fillRef>
-          <a:effectRef idx="0">
-            <a:schemeClr val="accent1"/>
-          </a:effectRef>
-          <a:fontRef idx="minor">
-            <a:schemeClr val="tx1"/>
-          </a:fontRef>
-        </p:style>
-      </p:cxnSp>
-      <p:sp>
-        <p:nvSpPr>
-          <p:cNvPr id="11" name="椭圆 10"/>
-          <p:cNvSpPr/>
-          <p:nvPr/>
-        </p:nvSpPr>
-        <p:spPr>
-          <a:xfrm>
-            <a:off x="6407150" y="4219575"/>
-            <a:ext cx="431800" cy="431800"/>
-          </a:xfrm>
-          <a:prstGeom prst="ellipse">
-            <a:avLst/>
-          </a:prstGeom>
-        </p:spPr>
-        <p:style>
-          <a:lnRef idx="2">
-            <a:schemeClr val="accent2">
-              <a:shade val="50000"/>
-            </a:schemeClr>
-          </a:lnRef>
-          <a:fillRef idx="1">
-            <a:schemeClr val="accent2"/>
-          </a:fillRef>
-          <a:effectRef idx="0">
-            <a:schemeClr val="accent2"/>
-          </a:effectRef>
-          <a:fontRef idx="minor">
-            <a:schemeClr val="lt1"/>
-          </a:fontRef>
-        </p:style>
-        <p:txBody>
-          <a:bodyPr rtlCol="0" anchor="ctr"/>
-          <a:lstStyle/>
-          <a:p>
-            <a:pPr algn="ctr"/>
-            <a:r>
-              <a:rPr lang="en-US" altLang="zh-CN"/>
-              <a:t>2</a:t>
-            </a:r>
-            <a:endParaRPr lang="en-US" altLang="zh-CN"/>
-          </a:p>
-        </p:txBody>
-      </p:sp>
-      <p:sp>
-        <p:nvSpPr>
-          <p:cNvPr id="18" name="椭圆 17"/>
-          <p:cNvSpPr/>
-          <p:nvPr/>
-        </p:nvSpPr>
-        <p:spPr>
-          <a:xfrm>
-            <a:off x="6838950" y="3312795"/>
-            <a:ext cx="431800" cy="431800"/>
-          </a:xfrm>
-          <a:prstGeom prst="ellipse">
-            <a:avLst/>
-          </a:prstGeom>
-        </p:spPr>
-        <p:style>
-          <a:lnRef idx="2">
-            <a:schemeClr val="accent2">
-              <a:shade val="50000"/>
-            </a:schemeClr>
-          </a:lnRef>
-          <a:fillRef idx="1">
-            <a:schemeClr val="accent2"/>
-          </a:fillRef>
-          <a:effectRef idx="0">
-            <a:schemeClr val="accent2"/>
-          </a:effectRef>
-          <a:fontRef idx="minor">
-            <a:schemeClr val="lt1"/>
-          </a:fontRef>
-        </p:style>
-        <p:txBody>
-          <a:bodyPr rtlCol="0" anchor="ctr"/>
-          <a:lstStyle/>
-          <a:p>
-            <a:pPr algn="ctr"/>
-            <a:r>
-              <a:rPr lang="en-US" altLang="zh-CN"/>
-              <a:t>3</a:t>
-            </a:r>
-            <a:endParaRPr lang="en-US" altLang="zh-CN"/>
-          </a:p>
-        </p:txBody>
-      </p:sp>
-      <p:sp>
-        <p:nvSpPr>
-          <p:cNvPr id="19" name="椭圆 18"/>
-          <p:cNvSpPr/>
-          <p:nvPr/>
-        </p:nvSpPr>
-        <p:spPr>
-          <a:xfrm>
-            <a:off x="6838950" y="5150485"/>
-            <a:ext cx="431800" cy="431800"/>
-          </a:xfrm>
-          <a:prstGeom prst="ellipse">
-            <a:avLst/>
-          </a:prstGeom>
-        </p:spPr>
-        <p:style>
-          <a:lnRef idx="2">
-            <a:schemeClr val="accent4">
-              <a:shade val="50000"/>
-            </a:schemeClr>
-          </a:lnRef>
-          <a:fillRef idx="1">
-            <a:schemeClr val="accent4"/>
-          </a:fillRef>
-          <a:effectRef idx="0">
-            <a:schemeClr val="accent4"/>
-          </a:effectRef>
-          <a:fontRef idx="minor">
-            <a:schemeClr val="lt1"/>
-          </a:fontRef>
-        </p:style>
-        <p:txBody>
-          <a:bodyPr rtlCol="0" anchor="ctr"/>
-          <a:lstStyle/>
-          <a:p>
-            <a:pPr algn="ctr"/>
-            <a:r>
-              <a:rPr lang="en-US" altLang="zh-CN"/>
-              <a:t>4</a:t>
-            </a:r>
-            <a:endParaRPr lang="en-US" altLang="zh-CN"/>
-          </a:p>
-        </p:txBody>
-      </p:sp>
-      <p:sp>
-        <p:nvSpPr>
-          <p:cNvPr id="20" name="椭圆 19"/>
-          <p:cNvSpPr/>
-          <p:nvPr/>
-        </p:nvSpPr>
-        <p:spPr>
-          <a:xfrm>
-            <a:off x="7270750" y="4219575"/>
-            <a:ext cx="431800" cy="431800"/>
-          </a:xfrm>
-          <a:prstGeom prst="ellipse">
-            <a:avLst/>
-          </a:prstGeom>
-        </p:spPr>
-        <p:style>
-          <a:lnRef idx="2">
-            <a:schemeClr val="accent4">
-              <a:shade val="50000"/>
-            </a:schemeClr>
-          </a:lnRef>
-          <a:fillRef idx="1">
-            <a:schemeClr val="accent4"/>
-          </a:fillRef>
-          <a:effectRef idx="0">
-            <a:schemeClr val="accent4"/>
-          </a:effectRef>
-          <a:fontRef idx="minor">
-            <a:schemeClr val="lt1"/>
-          </a:fontRef>
-        </p:style>
-        <p:txBody>
-          <a:bodyPr rtlCol="0" anchor="ctr"/>
-          <a:lstStyle/>
-          <a:p>
-            <a:pPr algn="ctr"/>
-            <a:r>
-              <a:rPr lang="en-US" altLang="zh-CN"/>
-              <a:t>5</a:t>
-            </a:r>
-            <a:endParaRPr lang="en-US" altLang="zh-CN"/>
-          </a:p>
-        </p:txBody>
-      </p:sp>
-      <p:cxnSp>
-        <p:nvCxnSpPr>
-          <p:cNvPr id="21" name="直接箭头连接符 20"/>
-          <p:cNvCxnSpPr>
-            <a:stCxn id="18" idx="4"/>
-            <a:endCxn id="11" idx="0"/>
-          </p:cNvCxnSpPr>
-          <p:nvPr/>
-        </p:nvCxnSpPr>
-        <p:spPr>
-          <a:xfrm flipH="1">
-            <a:off x="6623050" y="3744595"/>
-            <a:ext cx="431800" cy="474980"/>
-          </a:xfrm>
-          <a:prstGeom prst="straightConnector1">
-            <a:avLst/>
-          </a:prstGeom>
-          <a:ln>
-            <a:solidFill>
-              <a:schemeClr val="tx1"/>
-            </a:solidFill>
-            <a:tailEnd type="arrow"/>
-          </a:ln>
-        </p:spPr>
-        <p:style>
-          <a:lnRef idx="1">
-            <a:schemeClr val="accent1"/>
-          </a:lnRef>
-          <a:fillRef idx="0">
-            <a:schemeClr val="accent1"/>
-          </a:fillRef>
-          <a:effectRef idx="0">
-            <a:schemeClr val="accent1"/>
-          </a:effectRef>
-          <a:fontRef idx="minor">
-            <a:schemeClr val="tx1"/>
-          </a:fontRef>
-        </p:style>
-      </p:cxnSp>
-      <p:cxnSp>
-        <p:nvCxnSpPr>
-          <p:cNvPr id="22" name="直接箭头连接符 21"/>
-          <p:cNvCxnSpPr>
-            <a:stCxn id="2" idx="4"/>
-            <a:endCxn id="18" idx="0"/>
-          </p:cNvCxnSpPr>
-          <p:nvPr/>
-        </p:nvCxnSpPr>
-        <p:spPr>
-          <a:xfrm>
-            <a:off x="6623050" y="2827655"/>
-            <a:ext cx="431800" cy="485140"/>
-          </a:xfrm>
-          <a:prstGeom prst="straightConnector1">
-            <a:avLst/>
-          </a:prstGeom>
-          <a:ln>
-            <a:solidFill>
-              <a:schemeClr val="tx1"/>
-            </a:solidFill>
-            <a:tailEnd type="arrow"/>
-          </a:ln>
-        </p:spPr>
-        <p:style>
-          <a:lnRef idx="1">
-            <a:schemeClr val="accent1"/>
-          </a:lnRef>
-          <a:fillRef idx="0">
-            <a:schemeClr val="accent1"/>
-          </a:fillRef>
-          <a:effectRef idx="0">
-            <a:schemeClr val="accent1"/>
-          </a:effectRef>
-          <a:fontRef idx="minor">
-            <a:schemeClr val="tx1"/>
-          </a:fontRef>
-        </p:style>
-      </p:cxnSp>
-      <p:cxnSp>
-        <p:nvCxnSpPr>
-          <p:cNvPr id="24" name="直接箭头连接符 23"/>
-          <p:cNvCxnSpPr>
-            <a:stCxn id="20" idx="4"/>
-            <a:endCxn id="19" idx="0"/>
-          </p:cNvCxnSpPr>
-          <p:nvPr/>
-        </p:nvCxnSpPr>
-        <p:spPr>
-          <a:xfrm flipH="1">
-            <a:off x="7054850" y="4651375"/>
-            <a:ext cx="431800" cy="499110"/>
-          </a:xfrm>
-          <a:prstGeom prst="straightConnector1">
-            <a:avLst/>
-          </a:prstGeom>
-          <a:ln>
-            <a:solidFill>
-              <a:schemeClr val="tx1"/>
-            </a:solidFill>
-            <a:tailEnd type="arrow"/>
-          </a:ln>
-        </p:spPr>
-        <p:style>
-          <a:lnRef idx="1">
-            <a:schemeClr val="accent1"/>
-          </a:lnRef>
-          <a:fillRef idx="0">
-            <a:schemeClr val="accent1"/>
-          </a:fillRef>
-          <a:effectRef idx="0">
-            <a:schemeClr val="accent1"/>
-          </a:effectRef>
-          <a:fontRef idx="minor">
-            <a:schemeClr val="tx1"/>
-          </a:fontRef>
-        </p:style>
-      </p:cxnSp>
-      <p:sp>
-        <p:nvSpPr>
-          <p:cNvPr id="26" name="文本框 25"/>
-          <p:cNvSpPr txBox="1"/>
-          <p:nvPr/>
-        </p:nvSpPr>
-        <p:spPr>
-          <a:xfrm>
-            <a:off x="2183130" y="5884545"/>
-            <a:ext cx="3270250" cy="368300"/>
-          </a:xfrm>
-          <a:prstGeom prst="rect">
-            <a:avLst/>
-          </a:prstGeom>
-          <a:noFill/>
-        </p:spPr>
-        <p:txBody>
-          <a:bodyPr wrap="square" rtlCol="0">
-            <a:spAutoFit/>
-          </a:bodyPr>
-          <a:lstStyle/>
-          <a:p>
-            <a:r>
-              <a:rPr lang="zh-CN" altLang="en-US" b="1">
-                <a:solidFill>
-                  <a:srgbClr val="FF0000"/>
-                </a:solidFill>
-              </a:rPr>
-              <a:t>小结：重构必须用到中序遍历</a:t>
-            </a:r>
-            <a:endParaRPr lang="zh-CN" altLang="en-US" b="1">
-              <a:solidFill>
-                <a:srgbClr val="FF0000"/>
-              </a:solidFill>
-            </a:endParaRPr>
+          <a:p>
+            <a:r>
+              <a:rPr lang="zh-CN" altLang="en-US"/>
+              <a:t>切分出左右子树</a:t>
+            </a:r>
+            <a:endParaRPr lang="zh-CN" altLang="en-US"/>
+          </a:p>
+          <a:p>
+            <a:endParaRPr lang="zh-CN" altLang="en-US"/>
+          </a:p>
+          <a:p>
+            <a:r>
+              <a:rPr lang="zh-CN" altLang="en-US"/>
+              <a:t>当然一棵树也可能根本就没有</a:t>
+            </a:r>
+            <a:endParaRPr lang="zh-CN" altLang="en-US"/>
+          </a:p>
+          <a:p>
+            <a:r>
+              <a:rPr lang="zh-CN" altLang="en-US"/>
+              <a:t>左子树，所以答案不是唯一的</a:t>
+            </a:r>
+            <a:endParaRPr lang="zh-CN" altLang="en-US"/>
+          </a:p>
+          <a:p>
+            <a:r>
+              <a:rPr lang="zh-CN" altLang="en-US"/>
+              <a:t>只是这种算法可以求出一种解</a:t>
+            </a:r>
+            <a:endParaRPr lang="zh-CN" altLang="en-US"/>
           </a:p>
         </p:txBody>
       </p:sp>

--- a/第2遍/数据结构与算法.pptx
+++ b/第2遍/数据结构与算法.pptx
@@ -5,38 +5,44 @@
     <p:sldMasterId id="2147483648" r:id="rId1"/>
   </p:sldMasterIdLst>
   <p:sldIdLst>
-    <p:sldId id="287" r:id="rId3"/>
-    <p:sldId id="273" r:id="rId4"/>
-    <p:sldId id="288" r:id="rId5"/>
-    <p:sldId id="289" r:id="rId6"/>
-    <p:sldId id="291" r:id="rId7"/>
-    <p:sldId id="272" r:id="rId8"/>
-    <p:sldId id="269" r:id="rId9"/>
-    <p:sldId id="270" r:id="rId10"/>
-    <p:sldId id="271" r:id="rId11"/>
-    <p:sldId id="292" r:id="rId12"/>
-    <p:sldId id="293" r:id="rId13"/>
-    <p:sldId id="294" r:id="rId14"/>
-    <p:sldId id="268" r:id="rId15"/>
-    <p:sldId id="259" r:id="rId16"/>
-    <p:sldId id="257" r:id="rId17"/>
-    <p:sldId id="260" r:id="rId18"/>
-    <p:sldId id="295" r:id="rId19"/>
-    <p:sldId id="298" r:id="rId20"/>
-    <p:sldId id="296" r:id="rId21"/>
-    <p:sldId id="258" r:id="rId22"/>
-    <p:sldId id="312" r:id="rId23"/>
-    <p:sldId id="261" r:id="rId24"/>
-    <p:sldId id="264" r:id="rId25"/>
-    <p:sldId id="297" r:id="rId26"/>
-    <p:sldId id="266" r:id="rId27"/>
-    <p:sldId id="265" r:id="rId28"/>
-    <p:sldId id="318" r:id="rId29"/>
-    <p:sldId id="319" r:id="rId30"/>
-    <p:sldId id="323" r:id="rId31"/>
-    <p:sldId id="320" r:id="rId32"/>
-    <p:sldId id="321" r:id="rId33"/>
-    <p:sldId id="322" r:id="rId34"/>
+    <p:sldId id="287" r:id="rId2"/>
+    <p:sldId id="273" r:id="rId3"/>
+    <p:sldId id="288" r:id="rId4"/>
+    <p:sldId id="289" r:id="rId5"/>
+    <p:sldId id="291" r:id="rId6"/>
+    <p:sldId id="272" r:id="rId7"/>
+    <p:sldId id="269" r:id="rId8"/>
+    <p:sldId id="270" r:id="rId9"/>
+    <p:sldId id="271" r:id="rId10"/>
+    <p:sldId id="292" r:id="rId11"/>
+    <p:sldId id="293" r:id="rId12"/>
+    <p:sldId id="294" r:id="rId13"/>
+    <p:sldId id="268" r:id="rId14"/>
+    <p:sldId id="259" r:id="rId15"/>
+    <p:sldId id="257" r:id="rId16"/>
+    <p:sldId id="260" r:id="rId17"/>
+    <p:sldId id="295" r:id="rId18"/>
+    <p:sldId id="298" r:id="rId19"/>
+    <p:sldId id="296" r:id="rId20"/>
+    <p:sldId id="258" r:id="rId21"/>
+    <p:sldId id="312" r:id="rId22"/>
+    <p:sldId id="261" r:id="rId23"/>
+    <p:sldId id="264" r:id="rId24"/>
+    <p:sldId id="297" r:id="rId25"/>
+    <p:sldId id="266" r:id="rId26"/>
+    <p:sldId id="265" r:id="rId27"/>
+    <p:sldId id="324" r:id="rId28"/>
+    <p:sldId id="325" r:id="rId29"/>
+    <p:sldId id="326" r:id="rId30"/>
+    <p:sldId id="318" r:id="rId31"/>
+    <p:sldId id="319" r:id="rId32"/>
+    <p:sldId id="323" r:id="rId33"/>
+    <p:sldId id="320" r:id="rId34"/>
+    <p:sldId id="321" r:id="rId35"/>
+    <p:sldId id="322" r:id="rId36"/>
+    <p:sldId id="327" r:id="rId37"/>
+    <p:sldId id="328" r:id="rId38"/>
+    <p:sldId id="329" r:id="rId39"/>
   </p:sldIdLst>
   <p:sldSz cx="9144000" cy="6858000" type="screen4x3"/>
   <p:notesSz cx="6858000" cy="9144000"/>
@@ -135,6 +141,22 @@
       </a:defRPr>
     </a:lvl9pPr>
   </p:defaultTextStyle>
+  <p:extLst>
+    <p:ext uri="{EFAFB233-063F-42B5-8137-9DF3F51BA10A}">
+      <p15:sldGuideLst xmlns:p15="http://schemas.microsoft.com/office/powerpoint/2012/main">
+        <p15:guide id="1" orient="horz" pos="2261">
+          <p15:clr>
+            <a:srgbClr val="A4A3A4"/>
+          </p15:clr>
+        </p15:guide>
+        <p15:guide id="2" pos="2780">
+          <p15:clr>
+            <a:srgbClr val="A4A3A4"/>
+          </p15:clr>
+        </p15:guide>
+      </p15:sldGuideLst>
+    </p:ext>
+  </p:extLst>
 </p:presentation>
 </file>
 
@@ -319,6 +341,7 @@
           <a:p>
             <a:fld id="{530820CF-B880-4189-942D-D702A7CBA730}" type="datetimeFigureOut">
               <a:rPr lang="zh-CN" altLang="en-US" smtClean="0"/>
+              <a:t>2021/3/15</a:t>
             </a:fld>
             <a:endParaRPr lang="zh-CN" altLang="en-US"/>
           </a:p>
@@ -360,6 +383,7 @@
           <a:p>
             <a:fld id="{0C913308-F349-4B6D-A68A-DD1791B4A57B}" type="slidenum">
               <a:rPr lang="zh-CN" altLang="en-US" smtClean="0"/>
+              <a:t>‹#›</a:t>
             </a:fld>
             <a:endParaRPr lang="zh-CN" altLang="en-US"/>
           </a:p>
@@ -433,7 +457,6 @@
               <a:rPr lang="zh-CN" altLang="en-US" smtClean="0"/>
               <a:t>单击此处编辑母版文本样式</a:t>
             </a:r>
-            <a:endParaRPr lang="zh-CN" altLang="en-US" smtClean="0"/>
           </a:p>
           <a:p>
             <a:pPr lvl="1"/>
@@ -441,7 +464,6 @@
               <a:rPr lang="zh-CN" altLang="en-US" smtClean="0"/>
               <a:t>第二级</a:t>
             </a:r>
-            <a:endParaRPr lang="zh-CN" altLang="en-US" smtClean="0"/>
           </a:p>
           <a:p>
             <a:pPr lvl="2"/>
@@ -449,7 +471,6 @@
               <a:rPr lang="zh-CN" altLang="en-US" smtClean="0"/>
               <a:t>第三级</a:t>
             </a:r>
-            <a:endParaRPr lang="zh-CN" altLang="en-US" smtClean="0"/>
           </a:p>
           <a:p>
             <a:pPr lvl="3"/>
@@ -457,7 +478,6 @@
               <a:rPr lang="zh-CN" altLang="en-US" smtClean="0"/>
               <a:t>第四级</a:t>
             </a:r>
-            <a:endParaRPr lang="zh-CN" altLang="en-US" smtClean="0"/>
           </a:p>
           <a:p>
             <a:pPr lvl="4"/>
@@ -486,6 +506,7 @@
           <a:p>
             <a:fld id="{530820CF-B880-4189-942D-D702A7CBA730}" type="datetimeFigureOut">
               <a:rPr lang="zh-CN" altLang="en-US" smtClean="0"/>
+              <a:t>2021/3/15</a:t>
             </a:fld>
             <a:endParaRPr lang="zh-CN" altLang="en-US"/>
           </a:p>
@@ -527,6 +548,7 @@
           <a:p>
             <a:fld id="{0C913308-F349-4B6D-A68A-DD1791B4A57B}" type="slidenum">
               <a:rPr lang="zh-CN" altLang="en-US" smtClean="0"/>
+              <a:t>‹#›</a:t>
             </a:fld>
             <a:endParaRPr lang="zh-CN" altLang="en-US"/>
           </a:p>
@@ -610,7 +632,6 @@
               <a:rPr lang="zh-CN" altLang="en-US" smtClean="0"/>
               <a:t>单击此处编辑母版文本样式</a:t>
             </a:r>
-            <a:endParaRPr lang="zh-CN" altLang="en-US" smtClean="0"/>
           </a:p>
           <a:p>
             <a:pPr lvl="1"/>
@@ -618,7 +639,6 @@
               <a:rPr lang="zh-CN" altLang="en-US" smtClean="0"/>
               <a:t>第二级</a:t>
             </a:r>
-            <a:endParaRPr lang="zh-CN" altLang="en-US" smtClean="0"/>
           </a:p>
           <a:p>
             <a:pPr lvl="2"/>
@@ -626,7 +646,6 @@
               <a:rPr lang="zh-CN" altLang="en-US" smtClean="0"/>
               <a:t>第三级</a:t>
             </a:r>
-            <a:endParaRPr lang="zh-CN" altLang="en-US" smtClean="0"/>
           </a:p>
           <a:p>
             <a:pPr lvl="3"/>
@@ -634,7 +653,6 @@
               <a:rPr lang="zh-CN" altLang="en-US" smtClean="0"/>
               <a:t>第四级</a:t>
             </a:r>
-            <a:endParaRPr lang="zh-CN" altLang="en-US" smtClean="0"/>
           </a:p>
           <a:p>
             <a:pPr lvl="4"/>
@@ -663,6 +681,7 @@
           <a:p>
             <a:fld id="{530820CF-B880-4189-942D-D702A7CBA730}" type="datetimeFigureOut">
               <a:rPr lang="zh-CN" altLang="en-US" smtClean="0"/>
+              <a:t>2021/3/15</a:t>
             </a:fld>
             <a:endParaRPr lang="zh-CN" altLang="en-US"/>
           </a:p>
@@ -704,6 +723,7 @@
           <a:p>
             <a:fld id="{0C913308-F349-4B6D-A68A-DD1791B4A57B}" type="slidenum">
               <a:rPr lang="zh-CN" altLang="en-US" smtClean="0"/>
+              <a:t>‹#›</a:t>
             </a:fld>
             <a:endParaRPr lang="zh-CN" altLang="en-US"/>
           </a:p>
@@ -777,7 +797,6 @@
               <a:rPr lang="zh-CN" altLang="en-US" smtClean="0"/>
               <a:t>单击此处编辑母版文本样式</a:t>
             </a:r>
-            <a:endParaRPr lang="zh-CN" altLang="en-US" smtClean="0"/>
           </a:p>
           <a:p>
             <a:pPr lvl="1"/>
@@ -785,7 +804,6 @@
               <a:rPr lang="zh-CN" altLang="en-US" smtClean="0"/>
               <a:t>第二级</a:t>
             </a:r>
-            <a:endParaRPr lang="zh-CN" altLang="en-US" smtClean="0"/>
           </a:p>
           <a:p>
             <a:pPr lvl="2"/>
@@ -793,7 +811,6 @@
               <a:rPr lang="zh-CN" altLang="en-US" smtClean="0"/>
               <a:t>第三级</a:t>
             </a:r>
-            <a:endParaRPr lang="zh-CN" altLang="en-US" smtClean="0"/>
           </a:p>
           <a:p>
             <a:pPr lvl="3"/>
@@ -801,7 +818,6 @@
               <a:rPr lang="zh-CN" altLang="en-US" smtClean="0"/>
               <a:t>第四级</a:t>
             </a:r>
-            <a:endParaRPr lang="zh-CN" altLang="en-US" smtClean="0"/>
           </a:p>
           <a:p>
             <a:pPr lvl="4"/>
@@ -830,6 +846,7 @@
           <a:p>
             <a:fld id="{530820CF-B880-4189-942D-D702A7CBA730}" type="datetimeFigureOut">
               <a:rPr lang="zh-CN" altLang="en-US" smtClean="0"/>
+              <a:t>2021/3/15</a:t>
             </a:fld>
             <a:endParaRPr lang="zh-CN" altLang="en-US"/>
           </a:p>
@@ -871,6 +888,7 @@
           <a:p>
             <a:fld id="{0C913308-F349-4B6D-A68A-DD1791B4A57B}" type="slidenum">
               <a:rPr lang="zh-CN" altLang="en-US" smtClean="0"/>
+              <a:t>‹#›</a:t>
             </a:fld>
             <a:endParaRPr lang="zh-CN" altLang="en-US"/>
           </a:p>
@@ -1049,7 +1067,6 @@
               <a:rPr lang="zh-CN" altLang="en-US" smtClean="0"/>
               <a:t>单击此处编辑母版文本样式</a:t>
             </a:r>
-            <a:endParaRPr lang="zh-CN" altLang="en-US" smtClean="0"/>
           </a:p>
         </p:txBody>
       </p:sp>
@@ -1070,6 +1087,7 @@
           <a:p>
             <a:fld id="{530820CF-B880-4189-942D-D702A7CBA730}" type="datetimeFigureOut">
               <a:rPr lang="zh-CN" altLang="en-US" smtClean="0"/>
+              <a:t>2021/3/15</a:t>
             </a:fld>
             <a:endParaRPr lang="zh-CN" altLang="en-US"/>
           </a:p>
@@ -1111,6 +1129,7 @@
           <a:p>
             <a:fld id="{0C913308-F349-4B6D-A68A-DD1791B4A57B}" type="slidenum">
               <a:rPr lang="zh-CN" altLang="en-US" smtClean="0"/>
+              <a:t>‹#›</a:t>
             </a:fld>
             <a:endParaRPr lang="zh-CN" altLang="en-US"/>
           </a:p>
@@ -1217,7 +1236,6 @@
               <a:rPr lang="zh-CN" altLang="en-US" smtClean="0"/>
               <a:t>单击此处编辑母版文本样式</a:t>
             </a:r>
-            <a:endParaRPr lang="zh-CN" altLang="en-US" smtClean="0"/>
           </a:p>
           <a:p>
             <a:pPr lvl="1"/>
@@ -1225,7 +1243,6 @@
               <a:rPr lang="zh-CN" altLang="en-US" smtClean="0"/>
               <a:t>第二级</a:t>
             </a:r>
-            <a:endParaRPr lang="zh-CN" altLang="en-US" smtClean="0"/>
           </a:p>
           <a:p>
             <a:pPr lvl="2"/>
@@ -1233,7 +1250,6 @@
               <a:rPr lang="zh-CN" altLang="en-US" smtClean="0"/>
               <a:t>第三级</a:t>
             </a:r>
-            <a:endParaRPr lang="zh-CN" altLang="en-US" smtClean="0"/>
           </a:p>
           <a:p>
             <a:pPr lvl="3"/>
@@ -1241,7 +1257,6 @@
               <a:rPr lang="zh-CN" altLang="en-US" smtClean="0"/>
               <a:t>第四级</a:t>
             </a:r>
-            <a:endParaRPr lang="zh-CN" altLang="en-US" smtClean="0"/>
           </a:p>
           <a:p>
             <a:pPr lvl="4"/>
@@ -1306,7 +1321,6 @@
               <a:rPr lang="zh-CN" altLang="en-US" smtClean="0"/>
               <a:t>单击此处编辑母版文本样式</a:t>
             </a:r>
-            <a:endParaRPr lang="zh-CN" altLang="en-US" smtClean="0"/>
           </a:p>
           <a:p>
             <a:pPr lvl="1"/>
@@ -1314,7 +1328,6 @@
               <a:rPr lang="zh-CN" altLang="en-US" smtClean="0"/>
               <a:t>第二级</a:t>
             </a:r>
-            <a:endParaRPr lang="zh-CN" altLang="en-US" smtClean="0"/>
           </a:p>
           <a:p>
             <a:pPr lvl="2"/>
@@ -1322,7 +1335,6 @@
               <a:rPr lang="zh-CN" altLang="en-US" smtClean="0"/>
               <a:t>第三级</a:t>
             </a:r>
-            <a:endParaRPr lang="zh-CN" altLang="en-US" smtClean="0"/>
           </a:p>
           <a:p>
             <a:pPr lvl="3"/>
@@ -1330,7 +1342,6 @@
               <a:rPr lang="zh-CN" altLang="en-US" smtClean="0"/>
               <a:t>第四级</a:t>
             </a:r>
-            <a:endParaRPr lang="zh-CN" altLang="en-US" smtClean="0"/>
           </a:p>
           <a:p>
             <a:pPr lvl="4"/>
@@ -1359,6 +1370,7 @@
           <a:p>
             <a:fld id="{530820CF-B880-4189-942D-D702A7CBA730}" type="datetimeFigureOut">
               <a:rPr lang="zh-CN" altLang="en-US" smtClean="0"/>
+              <a:t>2021/3/15</a:t>
             </a:fld>
             <a:endParaRPr lang="zh-CN" altLang="en-US"/>
           </a:p>
@@ -1400,6 +1412,7 @@
           <a:p>
             <a:fld id="{0C913308-F349-4B6D-A68A-DD1791B4A57B}" type="slidenum">
               <a:rPr lang="zh-CN" altLang="en-US" smtClean="0"/>
+              <a:t>‹#›</a:t>
             </a:fld>
             <a:endParaRPr lang="zh-CN" altLang="en-US"/>
           </a:p>
@@ -1519,7 +1532,6 @@
               <a:rPr lang="zh-CN" altLang="en-US" smtClean="0"/>
               <a:t>单击此处编辑母版文本样式</a:t>
             </a:r>
-            <a:endParaRPr lang="zh-CN" altLang="en-US" smtClean="0"/>
           </a:p>
         </p:txBody>
       </p:sp>
@@ -1576,7 +1588,6 @@
               <a:rPr lang="zh-CN" altLang="en-US" smtClean="0"/>
               <a:t>单击此处编辑母版文本样式</a:t>
             </a:r>
-            <a:endParaRPr lang="zh-CN" altLang="en-US" smtClean="0"/>
           </a:p>
           <a:p>
             <a:pPr lvl="1"/>
@@ -1584,7 +1595,6 @@
               <a:rPr lang="zh-CN" altLang="en-US" smtClean="0"/>
               <a:t>第二级</a:t>
             </a:r>
-            <a:endParaRPr lang="zh-CN" altLang="en-US" smtClean="0"/>
           </a:p>
           <a:p>
             <a:pPr lvl="2"/>
@@ -1592,7 +1602,6 @@
               <a:rPr lang="zh-CN" altLang="en-US" smtClean="0"/>
               <a:t>第三级</a:t>
             </a:r>
-            <a:endParaRPr lang="zh-CN" altLang="en-US" smtClean="0"/>
           </a:p>
           <a:p>
             <a:pPr lvl="3"/>
@@ -1600,7 +1609,6 @@
               <a:rPr lang="zh-CN" altLang="en-US" smtClean="0"/>
               <a:t>第四级</a:t>
             </a:r>
-            <a:endParaRPr lang="zh-CN" altLang="en-US" smtClean="0"/>
           </a:p>
           <a:p>
             <a:pPr lvl="4"/>
@@ -1674,7 +1682,6 @@
               <a:rPr lang="zh-CN" altLang="en-US" smtClean="0"/>
               <a:t>单击此处编辑母版文本样式</a:t>
             </a:r>
-            <a:endParaRPr lang="zh-CN" altLang="en-US" smtClean="0"/>
           </a:p>
         </p:txBody>
       </p:sp>
@@ -1731,7 +1738,6 @@
               <a:rPr lang="zh-CN" altLang="en-US" smtClean="0"/>
               <a:t>单击此处编辑母版文本样式</a:t>
             </a:r>
-            <a:endParaRPr lang="zh-CN" altLang="en-US" smtClean="0"/>
           </a:p>
           <a:p>
             <a:pPr lvl="1"/>
@@ -1739,7 +1745,6 @@
               <a:rPr lang="zh-CN" altLang="en-US" smtClean="0"/>
               <a:t>第二级</a:t>
             </a:r>
-            <a:endParaRPr lang="zh-CN" altLang="en-US" smtClean="0"/>
           </a:p>
           <a:p>
             <a:pPr lvl="2"/>
@@ -1747,7 +1752,6 @@
               <a:rPr lang="zh-CN" altLang="en-US" smtClean="0"/>
               <a:t>第三级</a:t>
             </a:r>
-            <a:endParaRPr lang="zh-CN" altLang="en-US" smtClean="0"/>
           </a:p>
           <a:p>
             <a:pPr lvl="3"/>
@@ -1755,7 +1759,6 @@
               <a:rPr lang="zh-CN" altLang="en-US" smtClean="0"/>
               <a:t>第四级</a:t>
             </a:r>
-            <a:endParaRPr lang="zh-CN" altLang="en-US" smtClean="0"/>
           </a:p>
           <a:p>
             <a:pPr lvl="4"/>
@@ -1784,6 +1787,7 @@
           <a:p>
             <a:fld id="{530820CF-B880-4189-942D-D702A7CBA730}" type="datetimeFigureOut">
               <a:rPr lang="zh-CN" altLang="en-US" smtClean="0"/>
+              <a:t>2021/3/15</a:t>
             </a:fld>
             <a:endParaRPr lang="zh-CN" altLang="en-US"/>
           </a:p>
@@ -1825,6 +1829,7 @@
           <a:p>
             <a:fld id="{0C913308-F349-4B6D-A68A-DD1791B4A57B}" type="slidenum">
               <a:rPr lang="zh-CN" altLang="en-US" smtClean="0"/>
+              <a:t>‹#›</a:t>
             </a:fld>
             <a:endParaRPr lang="zh-CN" altLang="en-US"/>
           </a:p>
@@ -1895,6 +1900,7 @@
           <a:p>
             <a:fld id="{530820CF-B880-4189-942D-D702A7CBA730}" type="datetimeFigureOut">
               <a:rPr lang="zh-CN" altLang="en-US" smtClean="0"/>
+              <a:t>2021/3/15</a:t>
             </a:fld>
             <a:endParaRPr lang="zh-CN" altLang="en-US"/>
           </a:p>
@@ -1936,6 +1942,7 @@
           <a:p>
             <a:fld id="{0C913308-F349-4B6D-A68A-DD1791B4A57B}" type="slidenum">
               <a:rPr lang="zh-CN" altLang="en-US" smtClean="0"/>
+              <a:t>‹#›</a:t>
             </a:fld>
             <a:endParaRPr lang="zh-CN" altLang="en-US"/>
           </a:p>
@@ -1983,6 +1990,7 @@
           <a:p>
             <a:fld id="{530820CF-B880-4189-942D-D702A7CBA730}" type="datetimeFigureOut">
               <a:rPr lang="zh-CN" altLang="en-US" smtClean="0"/>
+              <a:t>2021/3/15</a:t>
             </a:fld>
             <a:endParaRPr lang="zh-CN" altLang="en-US"/>
           </a:p>
@@ -2024,6 +2032,7 @@
           <a:p>
             <a:fld id="{0C913308-F349-4B6D-A68A-DD1791B4A57B}" type="slidenum">
               <a:rPr lang="zh-CN" altLang="en-US" smtClean="0"/>
+              <a:t>‹#›</a:t>
             </a:fld>
             <a:endParaRPr lang="zh-CN" altLang="en-US"/>
           </a:p>
@@ -2139,7 +2148,6 @@
               <a:rPr lang="zh-CN" altLang="en-US" smtClean="0"/>
               <a:t>单击此处编辑母版文本样式</a:t>
             </a:r>
-            <a:endParaRPr lang="zh-CN" altLang="en-US" smtClean="0"/>
           </a:p>
           <a:p>
             <a:pPr lvl="1"/>
@@ -2147,7 +2155,6 @@
               <a:rPr lang="zh-CN" altLang="en-US" smtClean="0"/>
               <a:t>第二级</a:t>
             </a:r>
-            <a:endParaRPr lang="zh-CN" altLang="en-US" smtClean="0"/>
           </a:p>
           <a:p>
             <a:pPr lvl="2"/>
@@ -2155,7 +2162,6 @@
               <a:rPr lang="zh-CN" altLang="en-US" smtClean="0"/>
               <a:t>第三级</a:t>
             </a:r>
-            <a:endParaRPr lang="zh-CN" altLang="en-US" smtClean="0"/>
           </a:p>
           <a:p>
             <a:pPr lvl="3"/>
@@ -2163,7 +2169,6 @@
               <a:rPr lang="zh-CN" altLang="en-US" smtClean="0"/>
               <a:t>第四级</a:t>
             </a:r>
-            <a:endParaRPr lang="zh-CN" altLang="en-US" smtClean="0"/>
           </a:p>
           <a:p>
             <a:pPr lvl="4"/>
@@ -2237,7 +2242,6 @@
               <a:rPr lang="zh-CN" altLang="en-US" smtClean="0"/>
               <a:t>单击此处编辑母版文本样式</a:t>
             </a:r>
-            <a:endParaRPr lang="zh-CN" altLang="en-US" smtClean="0"/>
           </a:p>
         </p:txBody>
       </p:sp>
@@ -2258,6 +2262,7 @@
           <a:p>
             <a:fld id="{530820CF-B880-4189-942D-D702A7CBA730}" type="datetimeFigureOut">
               <a:rPr lang="zh-CN" altLang="en-US" smtClean="0"/>
+              <a:t>2021/3/15</a:t>
             </a:fld>
             <a:endParaRPr lang="zh-CN" altLang="en-US"/>
           </a:p>
@@ -2299,6 +2304,7 @@
           <a:p>
             <a:fld id="{0C913308-F349-4B6D-A68A-DD1791B4A57B}" type="slidenum">
               <a:rPr lang="zh-CN" altLang="en-US" smtClean="0"/>
+              <a:t>‹#›</a:t>
             </a:fld>
             <a:endParaRPr lang="zh-CN" altLang="en-US"/>
           </a:p>
@@ -2484,7 +2490,6 @@
               <a:rPr lang="zh-CN" altLang="en-US" smtClean="0"/>
               <a:t>单击此处编辑母版文本样式</a:t>
             </a:r>
-            <a:endParaRPr lang="zh-CN" altLang="en-US" smtClean="0"/>
           </a:p>
         </p:txBody>
       </p:sp>
@@ -2505,6 +2510,7 @@
           <a:p>
             <a:fld id="{530820CF-B880-4189-942D-D702A7CBA730}" type="datetimeFigureOut">
               <a:rPr lang="zh-CN" altLang="en-US" smtClean="0"/>
+              <a:t>2021/3/15</a:t>
             </a:fld>
             <a:endParaRPr lang="zh-CN" altLang="en-US"/>
           </a:p>
@@ -2546,6 +2552,7 @@
           <a:p>
             <a:fld id="{0C913308-F349-4B6D-A68A-DD1791B4A57B}" type="slidenum">
               <a:rPr lang="zh-CN" altLang="en-US" smtClean="0"/>
+              <a:t>‹#›</a:t>
             </a:fld>
             <a:endParaRPr lang="zh-CN" altLang="en-US"/>
           </a:p>
@@ -2644,7 +2651,6 @@
               <a:rPr lang="zh-CN" altLang="en-US" smtClean="0"/>
               <a:t>单击此处编辑母版文本样式</a:t>
             </a:r>
-            <a:endParaRPr lang="zh-CN" altLang="en-US" smtClean="0"/>
           </a:p>
           <a:p>
             <a:pPr lvl="1"/>
@@ -2652,7 +2658,6 @@
               <a:rPr lang="zh-CN" altLang="en-US" smtClean="0"/>
               <a:t>第二级</a:t>
             </a:r>
-            <a:endParaRPr lang="zh-CN" altLang="en-US" smtClean="0"/>
           </a:p>
           <a:p>
             <a:pPr lvl="2"/>
@@ -2660,7 +2665,6 @@
               <a:rPr lang="zh-CN" altLang="en-US" smtClean="0"/>
               <a:t>第三级</a:t>
             </a:r>
-            <a:endParaRPr lang="zh-CN" altLang="en-US" smtClean="0"/>
           </a:p>
           <a:p>
             <a:pPr lvl="3"/>
@@ -2668,7 +2672,6 @@
               <a:rPr lang="zh-CN" altLang="en-US" smtClean="0"/>
               <a:t>第四级</a:t>
             </a:r>
-            <a:endParaRPr lang="zh-CN" altLang="en-US" smtClean="0"/>
           </a:p>
           <a:p>
             <a:pPr lvl="4"/>
@@ -2715,6 +2718,7 @@
           <a:p>
             <a:fld id="{530820CF-B880-4189-942D-D702A7CBA730}" type="datetimeFigureOut">
               <a:rPr lang="zh-CN" altLang="en-US" smtClean="0"/>
+              <a:t>2021/3/15</a:t>
             </a:fld>
             <a:endParaRPr lang="zh-CN" altLang="en-US"/>
           </a:p>
@@ -2792,6 +2796,7 @@
           <a:p>
             <a:fld id="{0C913308-F349-4B6D-A68A-DD1791B4A57B}" type="slidenum">
               <a:rPr lang="zh-CN" altLang="en-US" smtClean="0"/>
+              <a:t>‹#›</a:t>
             </a:fld>
             <a:endParaRPr lang="zh-CN" altLang="en-US"/>
           </a:p>
@@ -3109,7 +3114,6 @@
               <a:rPr lang="zh-CN" altLang="en-US" sz="6600" b="1" dirty="0"/>
               <a:t>赋值与拷贝</a:t>
             </a:r>
-            <a:endParaRPr lang="zh-CN" altLang="en-US" sz="6600" b="1" dirty="0"/>
           </a:p>
         </p:txBody>
       </p:sp>
@@ -3181,7 +3185,6 @@
               <a:rPr lang="zh-CN" altLang="en-US" dirty="0"/>
               <a:t>从中序和后序重构</a:t>
             </a:r>
-            <a:endParaRPr lang="zh-CN" altLang="en-US" dirty="0"/>
           </a:p>
         </p:txBody>
       </p:sp>
@@ -3225,7 +3228,6 @@
               <a:rPr lang="en-US" altLang="zh-CN"/>
               <a:t>1</a:t>
             </a:r>
-            <a:endParaRPr lang="en-US" altLang="zh-CN"/>
           </a:p>
         </p:txBody>
       </p:sp>
@@ -3308,7 +3310,6 @@
               <a:rPr lang="en-US" altLang="zh-CN"/>
               <a:t>2</a:t>
             </a:r>
-            <a:endParaRPr lang="en-US" altLang="zh-CN"/>
           </a:p>
         </p:txBody>
       </p:sp>
@@ -3352,7 +3353,6 @@
               <a:rPr lang="en-US" altLang="zh-CN"/>
               <a:t>3</a:t>
             </a:r>
-            <a:endParaRPr lang="en-US" altLang="zh-CN"/>
           </a:p>
         </p:txBody>
       </p:sp>
@@ -3396,7 +3396,6 @@
               <a:rPr lang="en-US" altLang="zh-CN"/>
               <a:t>4</a:t>
             </a:r>
-            <a:endParaRPr lang="en-US" altLang="zh-CN"/>
           </a:p>
         </p:txBody>
       </p:sp>
@@ -3440,7 +3439,6 @@
               <a:rPr lang="en-US" altLang="zh-CN"/>
               <a:t>5</a:t>
             </a:r>
-            <a:endParaRPr lang="en-US" altLang="zh-CN"/>
           </a:p>
         </p:txBody>
       </p:sp>
@@ -3599,7 +3597,6 @@
               <a:rPr lang="en-US" altLang="zh-CN"/>
               <a:t>2 1 4 3 5</a:t>
             </a:r>
-            <a:endParaRPr lang="en-US" altLang="zh-CN"/>
           </a:p>
         </p:txBody>
       </p:sp>
@@ -3641,7 +3638,6 @@
               <a:rPr lang="en-US" altLang="zh-CN"/>
               <a:t>2 4 5 3 1</a:t>
             </a:r>
-            <a:endParaRPr lang="en-US" altLang="zh-CN"/>
           </a:p>
         </p:txBody>
       </p:sp>
@@ -3675,7 +3671,6 @@
               <a:rPr lang="en-US" altLang="zh-CN"/>
               <a:t>1</a:t>
             </a:r>
-            <a:endParaRPr lang="en-US" altLang="zh-CN"/>
           </a:p>
           <a:p>
             <a:r>
@@ -3686,7 +3681,6 @@
               <a:rPr lang="en-US" altLang="zh-CN"/>
               <a:t>:2</a:t>
             </a:r>
-            <a:endParaRPr lang="en-US" altLang="zh-CN"/>
           </a:p>
           <a:p>
             <a:r>
@@ -3697,14 +3691,12 @@
               <a:rPr lang="en-US" altLang="zh-CN"/>
               <a:t>4 3 5</a:t>
             </a:r>
-            <a:endParaRPr lang="en-US" altLang="zh-CN"/>
           </a:p>
           <a:p>
             <a:r>
               <a:rPr lang="zh-CN" altLang="en-US"/>
               <a:t>根据左子树中序的长度：</a:t>
             </a:r>
-            <a:endParaRPr lang="zh-CN" altLang="en-US"/>
           </a:p>
           <a:p>
             <a:r>
@@ -3715,7 +3707,6 @@
               <a:rPr lang="en-US" altLang="zh-CN"/>
               <a:t>2</a:t>
             </a:r>
-            <a:endParaRPr lang="en-US" altLang="zh-CN"/>
           </a:p>
           <a:p>
             <a:r>
@@ -3726,7 +3717,6 @@
               <a:rPr lang="en-US" altLang="zh-CN"/>
               <a:t>4 5 3</a:t>
             </a:r>
-            <a:endParaRPr lang="en-US" altLang="zh-CN"/>
           </a:p>
           <a:p>
             <a:endParaRPr lang="en-US" altLang="zh-CN"/>
@@ -3808,7 +3798,6 @@
               <a:rPr lang="zh-CN" altLang="en-US" dirty="0"/>
               <a:t>从中序和先序重构</a:t>
             </a:r>
-            <a:endParaRPr lang="zh-CN" altLang="en-US" dirty="0"/>
           </a:p>
         </p:txBody>
       </p:sp>
@@ -3852,7 +3841,6 @@
               <a:rPr lang="en-US" altLang="zh-CN"/>
               <a:t>1</a:t>
             </a:r>
-            <a:endParaRPr lang="en-US" altLang="zh-CN"/>
           </a:p>
         </p:txBody>
       </p:sp>
@@ -3935,7 +3923,6 @@
               <a:rPr lang="en-US" altLang="zh-CN"/>
               <a:t>2</a:t>
             </a:r>
-            <a:endParaRPr lang="en-US" altLang="zh-CN"/>
           </a:p>
         </p:txBody>
       </p:sp>
@@ -3979,7 +3966,6 @@
               <a:rPr lang="en-US" altLang="zh-CN"/>
               <a:t>3</a:t>
             </a:r>
-            <a:endParaRPr lang="en-US" altLang="zh-CN"/>
           </a:p>
         </p:txBody>
       </p:sp>
@@ -4023,7 +4009,6 @@
               <a:rPr lang="en-US" altLang="zh-CN"/>
               <a:t>4</a:t>
             </a:r>
-            <a:endParaRPr lang="en-US" altLang="zh-CN"/>
           </a:p>
         </p:txBody>
       </p:sp>
@@ -4067,7 +4052,6 @@
               <a:rPr lang="en-US" altLang="zh-CN"/>
               <a:t>5</a:t>
             </a:r>
-            <a:endParaRPr lang="en-US" altLang="zh-CN"/>
           </a:p>
         </p:txBody>
       </p:sp>
@@ -4226,7 +4210,6 @@
               <a:rPr lang="en-US" altLang="zh-CN"/>
               <a:t>1 2 3 4 5</a:t>
             </a:r>
-            <a:endParaRPr lang="en-US" altLang="zh-CN"/>
           </a:p>
         </p:txBody>
       </p:sp>
@@ -4268,7 +4251,6 @@
               <a:rPr lang="en-US" altLang="zh-CN"/>
               <a:t>2 1 4 3 5</a:t>
             </a:r>
-            <a:endParaRPr lang="en-US" altLang="zh-CN"/>
           </a:p>
         </p:txBody>
       </p:sp>
@@ -4302,7 +4284,6 @@
               <a:rPr lang="en-US" altLang="zh-CN"/>
               <a:t>1</a:t>
             </a:r>
-            <a:endParaRPr lang="en-US" altLang="zh-CN"/>
           </a:p>
           <a:p>
             <a:r>
@@ -4313,7 +4294,6 @@
               <a:rPr lang="en-US" altLang="zh-CN"/>
               <a:t>:2</a:t>
             </a:r>
-            <a:endParaRPr lang="en-US" altLang="zh-CN"/>
           </a:p>
           <a:p>
             <a:r>
@@ -4324,14 +4304,12 @@
               <a:rPr lang="en-US" altLang="zh-CN"/>
               <a:t>4 3 5</a:t>
             </a:r>
-            <a:endParaRPr lang="en-US" altLang="zh-CN"/>
           </a:p>
           <a:p>
             <a:r>
               <a:rPr lang="zh-CN" altLang="en-US"/>
               <a:t>根据左子树中序的长度：</a:t>
             </a:r>
-            <a:endParaRPr lang="zh-CN" altLang="en-US"/>
           </a:p>
           <a:p>
             <a:r>
@@ -4342,7 +4320,6 @@
               <a:rPr lang="en-US" altLang="zh-CN"/>
               <a:t>2</a:t>
             </a:r>
-            <a:endParaRPr lang="en-US" altLang="zh-CN"/>
           </a:p>
           <a:p>
             <a:r>
@@ -4353,7 +4330,6 @@
               <a:rPr lang="en-US" altLang="zh-CN"/>
               <a:t>345</a:t>
             </a:r>
-            <a:endParaRPr lang="en-US" altLang="zh-CN"/>
           </a:p>
           <a:p>
             <a:endParaRPr lang="en-US" altLang="zh-CN"/>
@@ -4435,7 +4411,6 @@
               <a:rPr lang="zh-CN" altLang="en-US" dirty="0"/>
               <a:t>从后序和先序重构</a:t>
             </a:r>
-            <a:endParaRPr lang="zh-CN" altLang="en-US" dirty="0"/>
           </a:p>
         </p:txBody>
       </p:sp>
@@ -4479,7 +4454,6 @@
               <a:rPr lang="en-US" altLang="zh-CN"/>
               <a:t>1</a:t>
             </a:r>
-            <a:endParaRPr lang="en-US" altLang="zh-CN"/>
           </a:p>
         </p:txBody>
       </p:sp>
@@ -4562,7 +4536,6 @@
               <a:rPr lang="en-US" altLang="zh-CN"/>
               <a:t>2</a:t>
             </a:r>
-            <a:endParaRPr lang="en-US" altLang="zh-CN"/>
           </a:p>
         </p:txBody>
       </p:sp>
@@ -4606,7 +4579,6 @@
               <a:rPr lang="en-US" altLang="zh-CN"/>
               <a:t>3</a:t>
             </a:r>
-            <a:endParaRPr lang="en-US" altLang="zh-CN"/>
           </a:p>
         </p:txBody>
       </p:sp>
@@ -4650,7 +4622,6 @@
               <a:rPr lang="en-US" altLang="zh-CN"/>
               <a:t>4</a:t>
             </a:r>
-            <a:endParaRPr lang="en-US" altLang="zh-CN"/>
           </a:p>
         </p:txBody>
       </p:sp>
@@ -4694,7 +4665,6 @@
               <a:rPr lang="en-US" altLang="zh-CN"/>
               <a:t>5</a:t>
             </a:r>
-            <a:endParaRPr lang="en-US" altLang="zh-CN"/>
           </a:p>
         </p:txBody>
       </p:sp>
@@ -4879,7 +4849,6 @@
                 <a:rPr lang="en-US" altLang="zh-CN"/>
                 <a:t> 3 4 5</a:t>
               </a:r>
-              <a:endParaRPr lang="en-US" altLang="zh-CN"/>
             </a:p>
           </p:txBody>
         </p:sp>
@@ -4929,7 +4898,6 @@
                 <a:rPr lang="en-US" altLang="zh-CN"/>
                 <a:t> 4 5 3 1</a:t>
               </a:r>
-              <a:endParaRPr lang="en-US" altLang="zh-CN"/>
             </a:p>
           </p:txBody>
         </p:sp>
@@ -4964,35 +4932,30 @@
               <a:rPr lang="en-US" altLang="zh-CN"/>
               <a:t>1</a:t>
             </a:r>
-            <a:endParaRPr lang="en-US" altLang="zh-CN"/>
           </a:p>
           <a:p>
             <a:r>
               <a:rPr lang="zh-CN" altLang="en-US" b="1"/>
               <a:t>左右子树无法划分</a:t>
             </a:r>
-            <a:endParaRPr lang="zh-CN" altLang="en-US" b="1"/>
           </a:p>
           <a:p>
             <a:r>
               <a:rPr lang="zh-CN" altLang="en-US"/>
               <a:t>可行解：找到左子树的根节点</a:t>
             </a:r>
-            <a:endParaRPr lang="zh-CN" altLang="en-US"/>
           </a:p>
           <a:p>
             <a:r>
               <a:rPr lang="zh-CN" altLang="en-US"/>
               <a:t>根据这个根节点可以在后序中</a:t>
             </a:r>
-            <a:endParaRPr lang="zh-CN" altLang="en-US"/>
           </a:p>
           <a:p>
             <a:r>
               <a:rPr lang="zh-CN" altLang="en-US"/>
               <a:t>切分出左右子树</a:t>
             </a:r>
-            <a:endParaRPr lang="zh-CN" altLang="en-US"/>
           </a:p>
           <a:p>
             <a:endParaRPr lang="zh-CN" altLang="en-US"/>
@@ -5002,21 +4965,18 @@
               <a:rPr lang="zh-CN" altLang="en-US"/>
               <a:t>当然一棵树也可能根本就没有</a:t>
             </a:r>
-            <a:endParaRPr lang="zh-CN" altLang="en-US"/>
           </a:p>
           <a:p>
             <a:r>
               <a:rPr lang="zh-CN" altLang="en-US"/>
               <a:t>左子树，所以答案不是唯一的</a:t>
             </a:r>
-            <a:endParaRPr lang="zh-CN" altLang="en-US"/>
           </a:p>
           <a:p>
             <a:r>
               <a:rPr lang="zh-CN" altLang="en-US"/>
               <a:t>只是这种算法可以求出一种解</a:t>
             </a:r>
-            <a:endParaRPr lang="zh-CN" altLang="en-US"/>
           </a:p>
         </p:txBody>
       </p:sp>
@@ -5071,7 +5031,6 @@
               <a:rPr lang="zh-CN" altLang="en-US" sz="6600" b="1" dirty="0" smtClean="0"/>
               <a:t>动态规划</a:t>
             </a:r>
-            <a:endParaRPr lang="zh-CN" altLang="en-US" sz="6600" b="1" dirty="0" smtClean="0"/>
           </a:p>
           <a:p>
             <a:pPr algn="ctr"/>
@@ -5079,7 +5038,6 @@
               <a:rPr lang="zh-CN" altLang="en-US" sz="3600" dirty="0" smtClean="0"/>
               <a:t>背包问题</a:t>
             </a:r>
-            <a:endParaRPr lang="zh-CN" altLang="en-US" sz="3600" dirty="0" smtClean="0"/>
           </a:p>
         </p:txBody>
       </p:sp>
@@ -5127,10 +5085,34 @@
                 <a:tableStyleId>{5940675A-B579-460E-94D1-54222C63F5DA}</a:tableStyleId>
               </a:tblPr>
               <a:tblGrid>
-                <a:gridCol w="1524000"/>
-                <a:gridCol w="1524000"/>
-                <a:gridCol w="1524000"/>
-                <a:gridCol w="1524000"/>
+                <a:gridCol w="1524000">
+                  <a:extLst>
+                    <a:ext uri="{9D8B030D-6E8A-4147-A177-3AD203B41FA5}">
+                      <a16:colId xmlns:a16="http://schemas.microsoft.com/office/drawing/2014/main" val="20000"/>
+                    </a:ext>
+                  </a:extLst>
+                </a:gridCol>
+                <a:gridCol w="1524000">
+                  <a:extLst>
+                    <a:ext uri="{9D8B030D-6E8A-4147-A177-3AD203B41FA5}">
+                      <a16:colId xmlns:a16="http://schemas.microsoft.com/office/drawing/2014/main" val="20001"/>
+                    </a:ext>
+                  </a:extLst>
+                </a:gridCol>
+                <a:gridCol w="1524000">
+                  <a:extLst>
+                    <a:ext uri="{9D8B030D-6E8A-4147-A177-3AD203B41FA5}">
+                      <a16:colId xmlns:a16="http://schemas.microsoft.com/office/drawing/2014/main" val="20002"/>
+                    </a:ext>
+                  </a:extLst>
+                </a:gridCol>
+                <a:gridCol w="1524000">
+                  <a:extLst>
+                    <a:ext uri="{9D8B030D-6E8A-4147-A177-3AD203B41FA5}">
+                      <a16:colId xmlns:a16="http://schemas.microsoft.com/office/drawing/2014/main" val="20003"/>
+                    </a:ext>
+                  </a:extLst>
+                </a:gridCol>
               </a:tblGrid>
               <a:tr h="370840">
                 <a:tc>
@@ -5199,6 +5181,11 @@
                   </a:txBody>
                   <a:tcPr/>
                 </a:tc>
+                <a:extLst>
+                  <a:ext uri="{0D108BD9-81ED-4DB2-BD59-A6C34878D82A}">
+                    <a16:rowId xmlns:a16="http://schemas.microsoft.com/office/drawing/2014/main" val="10000"/>
+                  </a:ext>
+                </a:extLst>
               </a:tr>
               <a:tr h="370840">
                 <a:tc>
@@ -5267,6 +5254,11 @@
                   </a:txBody>
                   <a:tcPr/>
                 </a:tc>
+                <a:extLst>
+                  <a:ext uri="{0D108BD9-81ED-4DB2-BD59-A6C34878D82A}">
+                    <a16:rowId xmlns:a16="http://schemas.microsoft.com/office/drawing/2014/main" val="10001"/>
+                  </a:ext>
+                </a:extLst>
               </a:tr>
             </a:tbl>
           </a:graphicData>
@@ -6543,10 +6535,34 @@
                 <a:tableStyleId>{5940675A-B579-460E-94D1-54222C63F5DA}</a:tableStyleId>
               </a:tblPr>
               <a:tblGrid>
-                <a:gridCol w="1524000"/>
-                <a:gridCol w="1524000"/>
-                <a:gridCol w="1524000"/>
-                <a:gridCol w="1524000"/>
+                <a:gridCol w="1524000">
+                  <a:extLst>
+                    <a:ext uri="{9D8B030D-6E8A-4147-A177-3AD203B41FA5}">
+                      <a16:colId xmlns:a16="http://schemas.microsoft.com/office/drawing/2014/main" val="20000"/>
+                    </a:ext>
+                  </a:extLst>
+                </a:gridCol>
+                <a:gridCol w="1524000">
+                  <a:extLst>
+                    <a:ext uri="{9D8B030D-6E8A-4147-A177-3AD203B41FA5}">
+                      <a16:colId xmlns:a16="http://schemas.microsoft.com/office/drawing/2014/main" val="20001"/>
+                    </a:ext>
+                  </a:extLst>
+                </a:gridCol>
+                <a:gridCol w="1524000">
+                  <a:extLst>
+                    <a:ext uri="{9D8B030D-6E8A-4147-A177-3AD203B41FA5}">
+                      <a16:colId xmlns:a16="http://schemas.microsoft.com/office/drawing/2014/main" val="20002"/>
+                    </a:ext>
+                  </a:extLst>
+                </a:gridCol>
+                <a:gridCol w="1524000">
+                  <a:extLst>
+                    <a:ext uri="{9D8B030D-6E8A-4147-A177-3AD203B41FA5}">
+                      <a16:colId xmlns:a16="http://schemas.microsoft.com/office/drawing/2014/main" val="20003"/>
+                    </a:ext>
+                  </a:extLst>
+                </a:gridCol>
               </a:tblGrid>
               <a:tr h="370840">
                 <a:tc>
@@ -6615,6 +6631,11 @@
                   </a:txBody>
                   <a:tcPr/>
                 </a:tc>
+                <a:extLst>
+                  <a:ext uri="{0D108BD9-81ED-4DB2-BD59-A6C34878D82A}">
+                    <a16:rowId xmlns:a16="http://schemas.microsoft.com/office/drawing/2014/main" val="10000"/>
+                  </a:ext>
+                </a:extLst>
               </a:tr>
               <a:tr h="370840">
                 <a:tc>
@@ -6683,6 +6704,11 @@
                   </a:txBody>
                   <a:tcPr/>
                 </a:tc>
+                <a:extLst>
+                  <a:ext uri="{0D108BD9-81ED-4DB2-BD59-A6C34878D82A}">
+                    <a16:rowId xmlns:a16="http://schemas.microsoft.com/office/drawing/2014/main" val="10001"/>
+                  </a:ext>
+                </a:extLst>
               </a:tr>
             </a:tbl>
           </a:graphicData>
@@ -7973,7 +7999,6 @@
               <a:rPr lang="zh-CN" altLang="en-US" sz="2800" dirty="0" smtClean="0"/>
               <a:t>子串子序列问题</a:t>
             </a:r>
-            <a:endParaRPr lang="zh-CN" altLang="en-US" sz="2800" dirty="0" smtClean="0"/>
           </a:p>
         </p:txBody>
       </p:sp>
@@ -8250,10 +8275,6 @@
               </a:rPr>
               <a:t>滑动窗口的最大值</a:t>
             </a:r>
-            <a:endParaRPr lang="zh-CN" altLang="en-US" sz="1350" b="1" dirty="0">
-              <a:latin typeface="宋体" panose="02010600030101010101" pitchFamily="2" charset="-122"/>
-              <a:ea typeface="宋体" panose="02010600030101010101" pitchFamily="2" charset="-122"/>
-            </a:endParaRPr>
           </a:p>
         </p:txBody>
       </p:sp>
@@ -8297,7 +8318,6 @@
               <a:rPr lang="en-US" altLang="zh-CN"/>
               <a:t>2</a:t>
             </a:r>
-            <a:endParaRPr lang="en-US" altLang="zh-CN"/>
           </a:p>
         </p:txBody>
       </p:sp>
@@ -8341,7 +8361,6 @@
               <a:rPr lang="en-US" altLang="zh-CN"/>
               <a:t>3</a:t>
             </a:r>
-            <a:endParaRPr lang="en-US" altLang="zh-CN"/>
           </a:p>
         </p:txBody>
       </p:sp>
@@ -8385,7 +8404,6 @@
               <a:rPr lang="en-US" altLang="zh-CN"/>
               <a:t>4</a:t>
             </a:r>
-            <a:endParaRPr lang="en-US" altLang="zh-CN"/>
           </a:p>
         </p:txBody>
       </p:sp>
@@ -8429,7 +8447,6 @@
               <a:rPr lang="en-US" altLang="zh-CN"/>
               <a:t>3</a:t>
             </a:r>
-            <a:endParaRPr lang="en-US" altLang="zh-CN"/>
           </a:p>
         </p:txBody>
       </p:sp>
@@ -8473,7 +8490,6 @@
               <a:rPr lang="en-US" altLang="zh-CN"/>
               <a:t>5</a:t>
             </a:r>
-            <a:endParaRPr lang="en-US" altLang="zh-CN"/>
           </a:p>
         </p:txBody>
       </p:sp>
@@ -8517,7 +8533,6 @@
               <a:rPr lang="en-US" altLang="zh-CN"/>
               <a:t>1</a:t>
             </a:r>
-            <a:endParaRPr lang="en-US" altLang="zh-CN"/>
           </a:p>
         </p:txBody>
       </p:sp>
@@ -8635,7 +8650,6 @@
               <a:rPr lang="en-US" altLang="zh-CN"/>
               <a:t>4</a:t>
             </a:r>
-            <a:endParaRPr lang="en-US" altLang="zh-CN"/>
           </a:p>
         </p:txBody>
       </p:sp>
@@ -8679,7 +8693,6 @@
               <a:rPr lang="en-US" altLang="zh-CN"/>
               <a:t>2</a:t>
             </a:r>
-            <a:endParaRPr lang="en-US" altLang="zh-CN"/>
           </a:p>
         </p:txBody>
       </p:sp>
@@ -8723,7 +8736,6 @@
               <a:rPr lang="en-US" altLang="zh-CN"/>
               <a:t>3</a:t>
             </a:r>
-            <a:endParaRPr lang="en-US" altLang="zh-CN"/>
           </a:p>
         </p:txBody>
       </p:sp>
@@ -8767,7 +8779,6 @@
               <a:rPr lang="en-US" altLang="zh-CN"/>
               <a:t>4</a:t>
             </a:r>
-            <a:endParaRPr lang="en-US" altLang="zh-CN"/>
           </a:p>
         </p:txBody>
       </p:sp>
@@ -8811,7 +8822,6 @@
               <a:rPr lang="en-US" altLang="zh-CN"/>
               <a:t>3</a:t>
             </a:r>
-            <a:endParaRPr lang="en-US" altLang="zh-CN"/>
           </a:p>
         </p:txBody>
       </p:sp>
@@ -8855,7 +8865,6 @@
               <a:rPr lang="en-US" altLang="zh-CN"/>
               <a:t>5</a:t>
             </a:r>
-            <a:endParaRPr lang="en-US" altLang="zh-CN"/>
           </a:p>
         </p:txBody>
       </p:sp>
@@ -8899,7 +8908,6 @@
               <a:rPr lang="en-US" altLang="zh-CN"/>
               <a:t>1</a:t>
             </a:r>
-            <a:endParaRPr lang="en-US" altLang="zh-CN"/>
           </a:p>
         </p:txBody>
       </p:sp>
@@ -9032,7 +9040,6 @@
               <a:rPr lang="en-US" altLang="zh-CN"/>
               <a:t>4</a:t>
             </a:r>
-            <a:endParaRPr lang="en-US" altLang="zh-CN"/>
           </a:p>
         </p:txBody>
       </p:sp>
@@ -9074,7 +9081,6 @@
               <a:rPr lang="en-US" altLang="zh-CN"/>
               <a:t>3</a:t>
             </a:r>
-            <a:endParaRPr lang="en-US" altLang="zh-CN"/>
           </a:p>
         </p:txBody>
       </p:sp>
@@ -9118,7 +9124,6 @@
               <a:rPr lang="en-US" altLang="zh-CN"/>
               <a:t>2</a:t>
             </a:r>
-            <a:endParaRPr lang="en-US" altLang="zh-CN"/>
           </a:p>
         </p:txBody>
       </p:sp>
@@ -9162,7 +9167,6 @@
               <a:rPr lang="en-US" altLang="zh-CN"/>
               <a:t>3</a:t>
             </a:r>
-            <a:endParaRPr lang="en-US" altLang="zh-CN"/>
           </a:p>
         </p:txBody>
       </p:sp>
@@ -9206,7 +9210,6 @@
               <a:rPr lang="en-US" altLang="zh-CN"/>
               <a:t>4</a:t>
             </a:r>
-            <a:endParaRPr lang="en-US" altLang="zh-CN"/>
           </a:p>
         </p:txBody>
       </p:sp>
@@ -9250,7 +9253,6 @@
               <a:rPr lang="en-US" altLang="zh-CN"/>
               <a:t>3</a:t>
             </a:r>
-            <a:endParaRPr lang="en-US" altLang="zh-CN"/>
           </a:p>
         </p:txBody>
       </p:sp>
@@ -9294,7 +9296,6 @@
               <a:rPr lang="en-US" altLang="zh-CN"/>
               <a:t>5</a:t>
             </a:r>
-            <a:endParaRPr lang="en-US" altLang="zh-CN"/>
           </a:p>
         </p:txBody>
       </p:sp>
@@ -9338,7 +9339,6 @@
               <a:rPr lang="en-US" altLang="zh-CN"/>
               <a:t>1</a:t>
             </a:r>
-            <a:endParaRPr lang="en-US" altLang="zh-CN"/>
           </a:p>
         </p:txBody>
       </p:sp>
@@ -9471,7 +9471,6 @@
               <a:rPr lang="en-US" altLang="zh-CN"/>
               <a:t>5</a:t>
             </a:r>
-            <a:endParaRPr lang="en-US" altLang="zh-CN"/>
           </a:p>
         </p:txBody>
       </p:sp>
@@ -9515,7 +9514,6 @@
               <a:rPr lang="en-US" altLang="zh-CN"/>
               <a:t>2</a:t>
             </a:r>
-            <a:endParaRPr lang="en-US" altLang="zh-CN"/>
           </a:p>
         </p:txBody>
       </p:sp>
@@ -9559,7 +9557,6 @@
               <a:rPr lang="en-US" altLang="zh-CN"/>
               <a:t>3</a:t>
             </a:r>
-            <a:endParaRPr lang="en-US" altLang="zh-CN"/>
           </a:p>
         </p:txBody>
       </p:sp>
@@ -9603,7 +9600,6 @@
               <a:rPr lang="en-US" altLang="zh-CN"/>
               <a:t>4</a:t>
             </a:r>
-            <a:endParaRPr lang="en-US" altLang="zh-CN"/>
           </a:p>
         </p:txBody>
       </p:sp>
@@ -9647,7 +9643,6 @@
               <a:rPr lang="en-US" altLang="zh-CN"/>
               <a:t>3</a:t>
             </a:r>
-            <a:endParaRPr lang="en-US" altLang="zh-CN"/>
           </a:p>
         </p:txBody>
       </p:sp>
@@ -9691,7 +9686,6 @@
               <a:rPr lang="en-US" altLang="zh-CN"/>
               <a:t>5</a:t>
             </a:r>
-            <a:endParaRPr lang="en-US" altLang="zh-CN"/>
           </a:p>
         </p:txBody>
       </p:sp>
@@ -9735,7 +9729,6 @@
               <a:rPr lang="en-US" altLang="zh-CN"/>
               <a:t>1</a:t>
             </a:r>
-            <a:endParaRPr lang="en-US" altLang="zh-CN"/>
           </a:p>
         </p:txBody>
       </p:sp>
@@ -9868,7 +9861,6 @@
               <a:rPr lang="en-US" altLang="zh-CN"/>
               <a:t>5</a:t>
             </a:r>
-            <a:endParaRPr lang="en-US" altLang="zh-CN"/>
           </a:p>
         </p:txBody>
       </p:sp>
@@ -9910,7 +9902,6 @@
               <a:rPr lang="en-US" altLang="zh-CN"/>
               <a:t>1</a:t>
             </a:r>
-            <a:endParaRPr lang="en-US" altLang="zh-CN"/>
           </a:p>
         </p:txBody>
       </p:sp>
@@ -9980,21 +9971,18 @@
               <a:rPr lang="zh-CN" altLang="en-US"/>
               <a:t>始终保持队列单调递减</a:t>
             </a:r>
-            <a:endParaRPr lang="zh-CN" altLang="en-US"/>
           </a:p>
           <a:p>
             <a:r>
               <a:rPr lang="zh-CN" altLang="en-US"/>
               <a:t>后面的值较大，会无条件清除队列前面的成员</a:t>
             </a:r>
-            <a:endParaRPr lang="zh-CN" altLang="en-US"/>
           </a:p>
           <a:p>
             <a:r>
               <a:rPr lang="zh-CN" altLang="en-US"/>
               <a:t>每次迭代，都会无条件的加入当前的索引作为候选的最大值</a:t>
             </a:r>
-            <a:endParaRPr lang="zh-CN" altLang="en-US"/>
           </a:p>
           <a:p>
             <a:endParaRPr lang="en-US" altLang="zh-CN"/>
@@ -10024,14 +10012,12 @@
               <a:rPr lang="zh-CN" altLang="en-US"/>
               <a:t>是窗口的宽</a:t>
             </a:r>
-            <a:endParaRPr lang="zh-CN" altLang="en-US"/>
           </a:p>
           <a:p>
             <a:r>
               <a:rPr lang="zh-CN" altLang="en-US"/>
               <a:t>注意：在涉及队列弹出的时候，要判空</a:t>
             </a:r>
-            <a:endParaRPr lang="zh-CN" altLang="en-US"/>
           </a:p>
         </p:txBody>
       </p:sp>
@@ -10092,14 +10078,7 @@
                 <a:latin typeface="宋体" panose="02010600030101010101" pitchFamily="2" charset="-122"/>
                 <a:ea typeface="宋体" panose="02010600030101010101" pitchFamily="2" charset="-122"/>
               </a:rPr>
-              <a:t>最</a:t>
-            </a:r>
-            <a:r>
-              <a:rPr lang="zh-CN" altLang="en-US" sz="1350" b="1" dirty="0" smtClean="0">
-                <a:latin typeface="宋体" panose="02010600030101010101" pitchFamily="2" charset="-122"/>
-                <a:ea typeface="宋体" panose="02010600030101010101" pitchFamily="2" charset="-122"/>
-              </a:rPr>
-              <a:t>长上升子序列</a:t>
+              <a:t>最长上升子序列</a:t>
             </a:r>
             <a:endParaRPr lang="zh-CN" altLang="en-US" sz="1350" b="1" dirty="0">
               <a:latin typeface="宋体" panose="02010600030101010101" pitchFamily="2" charset="-122"/>
@@ -10662,7 +10641,6 @@
               <a:rPr lang="en-US" altLang="zh-CN" dirty="0" smtClean="0"/>
               <a:t>O(N2)</a:t>
             </a:r>
-            <a:endParaRPr lang="en-US" altLang="zh-CN" dirty="0" smtClean="0"/>
           </a:p>
           <a:p>
             <a:r>
@@ -10928,7 +10906,6 @@
               <a:rPr lang="en-US" altLang="zh-CN" sz="1350" dirty="0" smtClean="0"/>
               <a:t>[i]-S[j-1]</a:t>
             </a:r>
-            <a:endParaRPr lang="en-US" altLang="zh-CN" sz="1350" dirty="0" smtClean="0"/>
           </a:p>
           <a:p>
             <a:pPr>
@@ -10972,7 +10949,6 @@
               <a:rPr lang="en-US" altLang="zh-CN" sz="1350" dirty="0" smtClean="0"/>
               <a:t>Max(Si - Sj)  # i-m &lt;= j &lt;= i-1</a:t>
             </a:r>
-            <a:endParaRPr lang="en-US" altLang="zh-CN" sz="1350" dirty="0" smtClean="0"/>
           </a:p>
           <a:p>
             <a:pPr>
@@ -11501,7 +11477,6 @@
               <a:rPr lang="zh-CN" altLang="zh-CN" dirty="0"/>
               <a:t>复杂对象</a:t>
             </a:r>
-            <a:endParaRPr lang="zh-CN" altLang="zh-CN" dirty="0"/>
           </a:p>
         </p:txBody>
       </p:sp>
@@ -11761,7 +11736,6 @@
               <a:rPr lang="en-US" altLang="zh-CN"/>
               <a:t>a</a:t>
             </a:r>
-            <a:endParaRPr lang="en-US" altLang="zh-CN"/>
           </a:p>
         </p:txBody>
       </p:sp>
@@ -11791,7 +11765,6 @@
               <a:rPr lang="en-US" altLang="zh-CN"/>
               <a:t>b</a:t>
             </a:r>
-            <a:endParaRPr lang="en-US" altLang="zh-CN"/>
           </a:p>
         </p:txBody>
       </p:sp>
@@ -12051,7 +12024,6 @@
               <a:rPr lang="en-US" altLang="zh-CN"/>
               <a:t>a</a:t>
             </a:r>
-            <a:endParaRPr lang="en-US" altLang="zh-CN"/>
           </a:p>
         </p:txBody>
       </p:sp>
@@ -12081,7 +12053,6 @@
               <a:rPr lang="en-US" altLang="zh-CN"/>
               <a:t>b</a:t>
             </a:r>
-            <a:endParaRPr lang="en-US" altLang="zh-CN"/>
           </a:p>
         </p:txBody>
       </p:sp>
@@ -12201,7 +12172,6 @@
               <a:rPr lang="en-US" altLang="zh-CN"/>
               <a:t>10</a:t>
             </a:r>
-            <a:endParaRPr lang="en-US" altLang="zh-CN"/>
           </a:p>
         </p:txBody>
       </p:sp>
@@ -12303,7 +12273,6 @@
               <a:rPr lang="en-US" altLang="zh-CN"/>
               <a:t>a</a:t>
             </a:r>
-            <a:endParaRPr lang="en-US" altLang="zh-CN"/>
           </a:p>
         </p:txBody>
       </p:sp>
@@ -12333,7 +12302,6 @@
               <a:rPr lang="en-US" altLang="zh-CN"/>
               <a:t>b</a:t>
             </a:r>
-            <a:endParaRPr lang="en-US" altLang="zh-CN"/>
           </a:p>
         </p:txBody>
       </p:sp>
@@ -12399,7 +12367,6 @@
               <a:rPr lang="en-US" altLang="zh-CN"/>
               <a:t>b</a:t>
             </a:r>
-            <a:endParaRPr lang="en-US" altLang="zh-CN"/>
           </a:p>
         </p:txBody>
       </p:sp>
@@ -12441,7 +12408,6 @@
               <a:rPr lang="en-US" altLang="zh-CN"/>
               <a:t>20</a:t>
             </a:r>
-            <a:endParaRPr lang="en-US" altLang="zh-CN"/>
           </a:p>
         </p:txBody>
       </p:sp>
@@ -12471,14 +12437,12 @@
               <a:rPr lang="en-US" altLang="zh-CN"/>
               <a:t>a=b=10</a:t>
             </a:r>
-            <a:endParaRPr lang="en-US" altLang="zh-CN"/>
           </a:p>
           <a:p>
             <a:r>
               <a:rPr lang="en-US" altLang="zh-CN"/>
               <a:t>b+=10</a:t>
             </a:r>
-            <a:endParaRPr lang="en-US" altLang="zh-CN"/>
           </a:p>
         </p:txBody>
       </p:sp>
@@ -12508,14 +12472,12 @@
               <a:rPr lang="en-US" altLang="zh-CN"/>
               <a:t>a=b=[1,2,3,4]</a:t>
             </a:r>
-            <a:endParaRPr lang="en-US" altLang="zh-CN"/>
           </a:p>
           <a:p>
             <a:r>
               <a:rPr lang="en-US" altLang="zh-CN"/>
               <a:t>b.append(5)</a:t>
             </a:r>
-            <a:endParaRPr lang="en-US" altLang="zh-CN"/>
           </a:p>
         </p:txBody>
       </p:sp>
@@ -12560,14 +12522,12 @@
               <a:rPr lang="zh-CN" altLang="zh-CN"/>
               <a:t>一方变化，另一方也变化，</a:t>
             </a:r>
-            <a:endParaRPr lang="zh-CN" altLang="zh-CN"/>
           </a:p>
           <a:p>
             <a:r>
               <a:rPr lang="zh-CN" altLang="zh-CN"/>
               <a:t>相当于是引用，别名</a:t>
             </a:r>
-            <a:endParaRPr lang="zh-CN" altLang="zh-CN"/>
           </a:p>
         </p:txBody>
       </p:sp>
@@ -12605,11 +12565,6 @@
               </a:rPr>
               <a:t>数字，</a:t>
             </a:r>
-            <a:endParaRPr lang="zh-CN" altLang="zh-CN">
-              <a:solidFill>
-                <a:srgbClr val="FF0000"/>
-              </a:solidFill>
-            </a:endParaRPr>
           </a:p>
           <a:p>
             <a:r>
@@ -12624,21 +12579,18 @@
               <a:rPr lang="zh-CN" altLang="zh-CN"/>
               <a:t>，变化的话，地址</a:t>
             </a:r>
-            <a:endParaRPr lang="zh-CN" altLang="zh-CN"/>
           </a:p>
           <a:p>
             <a:r>
               <a:rPr lang="zh-CN" altLang="zh-CN"/>
               <a:t>直接就变了，两个变量没有</a:t>
             </a:r>
-            <a:endParaRPr lang="zh-CN" altLang="zh-CN"/>
           </a:p>
           <a:p>
             <a:r>
               <a:rPr lang="zh-CN" altLang="zh-CN"/>
               <a:t>关系，只是初值相等。</a:t>
             </a:r>
-            <a:endParaRPr lang="zh-CN" altLang="zh-CN"/>
           </a:p>
         </p:txBody>
       </p:sp>
@@ -12944,7 +12896,6 @@
               <a:rPr lang="en-US" altLang="zh-CN" dirty="0" smtClean="0"/>
               <a:t>OK</a:t>
             </a:r>
-            <a:endParaRPr lang="en-US" altLang="zh-CN" dirty="0" smtClean="0"/>
           </a:p>
           <a:p>
             <a:endParaRPr lang="zh-CN" altLang="en-US" dirty="0"/>
@@ -13022,7 +12973,7 @@
           </p:nvPr>
         </p:nvPicPr>
         <p:blipFill>
-          <a:blip r:embed="rId2"/>
+          <a:blip r:embed="rId3"/>
           <a:stretch>
             <a:fillRect/>
           </a:stretch>
@@ -13046,7 +12997,7 @@
           <p:nvPr/>
         </p:nvPicPr>
         <p:blipFill>
-          <a:blip r:embed="rId3"/>
+          <a:blip r:embed="rId4"/>
           <a:stretch>
             <a:fillRect/>
           </a:stretch>
@@ -13070,7 +13021,7 @@
           <p:nvPr/>
         </p:nvPicPr>
         <p:blipFill>
-          <a:blip r:embed="rId4"/>
+          <a:blip r:embed="rId5"/>
           <a:stretch>
             <a:fillRect/>
           </a:stretch>
@@ -13121,13 +13072,13 @@
         </p:style>
         <p:txBody>
           <a:bodyPr rtlCol="0" anchor="ctr"/>
+          <a:lstStyle/>
           <a:p>
             <a:pPr algn="ctr"/>
             <a:r>
               <a:rPr lang="zh-CN" altLang="en-US" b="1" dirty="0"/>
               <a:t>约瑟夫环</a:t>
             </a:r>
-            <a:endParaRPr lang="zh-CN" altLang="en-US" b="1" dirty="0"/>
           </a:p>
         </p:txBody>
       </p:sp>
@@ -13151,26 +13102,24 @@
           <a:bodyPr wrap="none" rtlCol="0">
             <a:spAutoFit/>
           </a:bodyPr>
+          <a:lstStyle/>
           <a:p>
             <a:r>
               <a:rPr lang="en-US" altLang="zh-CN"/>
               <a:t>x = f(m-1, n)</a:t>
             </a:r>
-            <a:endParaRPr lang="en-US" altLang="zh-CN"/>
           </a:p>
           <a:p>
             <a:r>
               <a:rPr lang="en-US" altLang="zh-CN"/>
               <a:t>f(m, n) = (m%n + x) % n</a:t>
             </a:r>
-            <a:endParaRPr lang="en-US" altLang="zh-CN"/>
           </a:p>
           <a:p>
             <a:r>
               <a:rPr lang="en-US" altLang="zh-CN"/>
               <a:t>             = (m+x)%n</a:t>
             </a:r>
-            <a:endParaRPr lang="en-US" altLang="zh-CN"/>
           </a:p>
         </p:txBody>
       </p:sp>
@@ -14434,7 +14383,6 @@
               <a:rPr lang="zh-CN" altLang="en-US" sz="6600" b="1" dirty="0"/>
               <a:t>位运算</a:t>
             </a:r>
-            <a:endParaRPr lang="zh-CN" altLang="en-US" sz="6600" b="1" dirty="0"/>
           </a:p>
         </p:txBody>
       </p:sp>
@@ -14472,7 +14420,7 @@
         <p:spPr>
           <a:xfrm>
             <a:off x="920115" y="601345"/>
-            <a:ext cx="4726305" cy="2722880"/>
+            <a:ext cx="6604213" cy="2723823"/>
           </a:xfrm>
           <a:prstGeom prst="rect">
             <a:avLst/>
@@ -14491,22 +14439,37 @@
               </a:lnSpc>
             </a:pPr>
             <a:r>
-              <a:rPr lang="zh-CN" altLang="en-US">
+              <a:rPr lang="en-US" altLang="zh-CN" dirty="0" smtClean="0">
                 <a:solidFill>
                   <a:srgbClr val="FF0000"/>
                 </a:solidFill>
               </a:rPr>
-              <a:t>亦或</a:t>
-            </a:r>
-            <a:r>
-              <a:rPr lang="zh-CN" altLang="en-US"/>
+              <a:t>1</a:t>
+            </a:r>
+            <a:r>
+              <a:rPr lang="zh-CN" altLang="en-US" dirty="0" smtClean="0">
+                <a:solidFill>
+                  <a:srgbClr val="FF0000"/>
+                </a:solidFill>
+              </a:rPr>
+              <a:t>、亦</a:t>
+            </a:r>
+            <a:r>
+              <a:rPr lang="zh-CN" altLang="en-US" dirty="0">
+                <a:solidFill>
+                  <a:srgbClr val="FF0000"/>
+                </a:solidFill>
+              </a:rPr>
+              <a:t>或</a:t>
+            </a:r>
+            <a:r>
+              <a:rPr lang="zh-CN" altLang="en-US" dirty="0"/>
               <a:t>：</a:t>
             </a:r>
             <a:r>
-              <a:rPr lang="en-US" altLang="zh-CN"/>
+              <a:rPr lang="en-US" altLang="zh-CN" dirty="0"/>
               <a:t>a^a=0,  a^0=a,  a^1=~a</a:t>
             </a:r>
-            <a:endParaRPr lang="en-US" altLang="zh-CN"/>
           </a:p>
           <a:p>
             <a:pPr algn="l" fontAlgn="auto">
@@ -14515,19 +14478,31 @@
               </a:lnSpc>
             </a:pPr>
             <a:r>
-              <a:rPr lang="zh-CN" altLang="zh-CN"/>
-              <a:t>判断</a:t>
-            </a:r>
-            <a:r>
-              <a:rPr lang="en-US" altLang="zh-CN"/>
+              <a:rPr lang="en-US" altLang="zh-CN" dirty="0" smtClean="0"/>
+              <a:t>2</a:t>
+            </a:r>
+            <a:r>
+              <a:rPr lang="zh-CN" altLang="en-US" dirty="0" smtClean="0"/>
+              <a:t>、</a:t>
+            </a:r>
+            <a:r>
+              <a:rPr lang="zh-CN" altLang="zh-CN" dirty="0" smtClean="0"/>
+              <a:t>判</a:t>
+            </a:r>
+            <a:r>
+              <a:rPr lang="zh-CN" altLang="zh-CN" dirty="0"/>
+              <a:t>断</a:t>
+            </a:r>
+            <a:r>
+              <a:rPr lang="en-US" altLang="zh-CN" dirty="0"/>
               <a:t>a</a:t>
             </a:r>
             <a:r>
-              <a:rPr lang="zh-CN" altLang="zh-CN"/>
+              <a:rPr lang="zh-CN" altLang="zh-CN" dirty="0"/>
               <a:t>从右数</a:t>
             </a:r>
             <a:r>
-              <a:rPr lang="zh-CN" altLang="zh-CN">
+              <a:rPr lang="zh-CN" altLang="zh-CN" dirty="0">
                 <a:solidFill>
                   <a:srgbClr val="FF0000"/>
                 </a:solidFill>
@@ -14535,7 +14510,7 @@
               <a:t>第</a:t>
             </a:r>
             <a:r>
-              <a:rPr lang="en-US" altLang="zh-CN">
+              <a:rPr lang="en-US" altLang="zh-CN" dirty="0">
                 <a:solidFill>
                   <a:srgbClr val="FF0000"/>
                 </a:solidFill>
@@ -14543,7 +14518,7 @@
               <a:t>n</a:t>
             </a:r>
             <a:r>
-              <a:rPr lang="zh-CN" altLang="en-US">
+              <a:rPr lang="zh-CN" altLang="en-US" dirty="0">
                 <a:solidFill>
                   <a:srgbClr val="FF0000"/>
                 </a:solidFill>
@@ -14551,7 +14526,7 @@
               <a:t>位</a:t>
             </a:r>
             <a:r>
-              <a:rPr lang="zh-CN" altLang="zh-CN">
+              <a:rPr lang="zh-CN" altLang="zh-CN" dirty="0">
                 <a:solidFill>
                   <a:srgbClr val="FF0000"/>
                 </a:solidFill>
@@ -14559,7 +14534,7 @@
               <a:t>是否为</a:t>
             </a:r>
             <a:r>
-              <a:rPr lang="en-US" altLang="zh-CN">
+              <a:rPr lang="en-US" altLang="zh-CN" dirty="0">
                 <a:solidFill>
                   <a:srgbClr val="FF0000"/>
                 </a:solidFill>
@@ -14567,36 +14542,35 @@
               <a:t>0</a:t>
             </a:r>
             <a:r>
-              <a:rPr lang="zh-CN" altLang="en-US"/>
+              <a:rPr lang="zh-CN" altLang="en-US" dirty="0"/>
               <a:t>：</a:t>
             </a:r>
             <a:r>
-              <a:rPr lang="en-US" altLang="zh-CN"/>
+              <a:rPr lang="en-US" altLang="zh-CN" dirty="0"/>
               <a:t>a &amp; (</a:t>
             </a:r>
             <a:r>
-              <a:rPr lang="en-US" altLang="zh-CN">
+              <a:rPr lang="en-US" altLang="zh-CN" dirty="0">
                 <a:sym typeface="+mn-ea"/>
               </a:rPr>
               <a:t>1 </a:t>
             </a:r>
             <a:r>
-              <a:rPr lang="zh-CN" altLang="zh-CN">
+              <a:rPr lang="zh-CN" altLang="zh-CN" dirty="0">
                 <a:sym typeface="+mn-ea"/>
               </a:rPr>
               <a:t> </a:t>
             </a:r>
             <a:r>
-              <a:rPr lang="en-US" altLang="zh-CN">
+              <a:rPr lang="en-US" altLang="zh-CN" dirty="0">
                 <a:sym typeface="+mn-ea"/>
               </a:rPr>
               <a:t>&lt;&lt;= n-1 </a:t>
             </a:r>
             <a:r>
-              <a:rPr lang="en-US" altLang="zh-CN"/>
+              <a:rPr lang="en-US" altLang="zh-CN" dirty="0"/>
               <a:t>)</a:t>
             </a:r>
-            <a:endParaRPr lang="en-US" altLang="zh-CN"/>
           </a:p>
           <a:p>
             <a:pPr algn="l" fontAlgn="auto">
@@ -14605,7 +14579,23 @@
               </a:lnSpc>
             </a:pPr>
             <a:r>
-              <a:rPr lang="en-US" altLang="zh-CN">
+              <a:rPr lang="en-US" altLang="zh-CN" dirty="0" smtClean="0">
+                <a:solidFill>
+                  <a:srgbClr val="FF0000"/>
+                </a:solidFill>
+              </a:rPr>
+              <a:t>3</a:t>
+            </a:r>
+            <a:r>
+              <a:rPr lang="zh-CN" altLang="en-US" dirty="0" smtClean="0">
+                <a:solidFill>
+                  <a:srgbClr val="FF0000"/>
+                </a:solidFill>
+              </a:rPr>
+              <a:t>、</a:t>
+            </a:r>
+            <a:r>
+              <a:rPr lang="en-US" altLang="zh-CN" dirty="0" smtClean="0">
                 <a:solidFill>
                   <a:srgbClr val="FF0000"/>
                 </a:solidFill>
@@ -14613,42 +14603,41 @@
               <a:t>n-1</a:t>
             </a:r>
             <a:r>
-              <a:rPr lang="en-US" altLang="zh-CN"/>
+              <a:rPr lang="en-US" altLang="zh-CN" dirty="0"/>
               <a:t>:</a:t>
             </a:r>
             <a:r>
-              <a:rPr lang="zh-CN" altLang="zh-CN"/>
+              <a:rPr lang="zh-CN" altLang="zh-CN" dirty="0"/>
               <a:t>最右边的</a:t>
             </a:r>
             <a:r>
-              <a:rPr lang="en-US" altLang="zh-CN"/>
+              <a:rPr lang="en-US" altLang="zh-CN" dirty="0"/>
               <a:t>1</a:t>
             </a:r>
             <a:r>
-              <a:rPr lang="zh-CN" altLang="en-US"/>
+              <a:rPr lang="zh-CN" altLang="en-US" dirty="0"/>
               <a:t>变成</a:t>
             </a:r>
             <a:r>
-              <a:rPr lang="en-US" altLang="zh-CN"/>
+              <a:rPr lang="en-US" altLang="zh-CN" dirty="0"/>
               <a:t>0</a:t>
             </a:r>
             <a:r>
-              <a:rPr lang="zh-CN" altLang="en-US"/>
+              <a:rPr lang="zh-CN" altLang="en-US" dirty="0"/>
               <a:t>，该位右边的</a:t>
             </a:r>
             <a:r>
-              <a:rPr lang="en-US" altLang="zh-CN"/>
+              <a:rPr lang="en-US" altLang="zh-CN" dirty="0"/>
               <a:t>0</a:t>
             </a:r>
             <a:r>
-              <a:rPr lang="zh-CN" altLang="en-US"/>
+              <a:rPr lang="zh-CN" altLang="en-US" dirty="0"/>
               <a:t>全部变为</a:t>
             </a:r>
             <a:r>
-              <a:rPr lang="en-US" altLang="zh-CN"/>
+              <a:rPr lang="en-US" altLang="zh-CN" dirty="0"/>
               <a:t>1</a:t>
             </a:r>
-            <a:endParaRPr lang="en-US" altLang="zh-CN"/>
           </a:p>
           <a:p>
             <a:pPr algn="l" fontAlgn="auto">
@@ -14657,34 +14646,57 @@
               </a:lnSpc>
             </a:pPr>
             <a:r>
-              <a:rPr lang="en-US" altLang="zh-CN">
+              <a:rPr lang="en-US" altLang="zh-CN" dirty="0" smtClean="0">
                 <a:solidFill>
                   <a:srgbClr val="FF0000"/>
                 </a:solidFill>
               </a:rPr>
-              <a:t>n&amp;(n-1)</a:t>
-            </a:r>
-            <a:r>
-              <a:rPr lang="zh-CN" altLang="en-US"/>
+              <a:t>4</a:t>
+            </a:r>
+            <a:r>
+              <a:rPr lang="zh-CN" altLang="en-US" dirty="0" smtClean="0">
+                <a:solidFill>
+                  <a:srgbClr val="FF0000"/>
+                </a:solidFill>
+              </a:rPr>
+              <a:t>、</a:t>
+            </a:r>
+            <a:r>
+              <a:rPr lang="en-US" altLang="zh-CN" dirty="0" smtClean="0">
+                <a:solidFill>
+                  <a:srgbClr val="FF0000"/>
+                </a:solidFill>
+              </a:rPr>
+              <a:t>n</a:t>
+            </a:r>
+            <a:r>
+              <a:rPr lang="en-US" altLang="zh-CN" dirty="0">
+                <a:solidFill>
+                  <a:srgbClr val="FF0000"/>
+                </a:solidFill>
+              </a:rPr>
+              <a:t>&amp;(n-1)</a:t>
+            </a:r>
+            <a:r>
+              <a:rPr lang="zh-CN" altLang="en-US" dirty="0"/>
               <a:t>：最右边的</a:t>
             </a:r>
             <a:r>
-              <a:rPr lang="en-US" altLang="zh-CN"/>
+              <a:rPr lang="en-US" altLang="zh-CN" dirty="0"/>
               <a:t>1</a:t>
             </a:r>
             <a:r>
-              <a:rPr lang="zh-CN" altLang="en-US"/>
+              <a:rPr lang="zh-CN" altLang="en-US" dirty="0"/>
               <a:t>变成</a:t>
             </a:r>
             <a:r>
-              <a:rPr lang="en-US" altLang="zh-CN"/>
+              <a:rPr lang="en-US" altLang="zh-CN" dirty="0"/>
               <a:t>0</a:t>
             </a:r>
             <a:r>
-              <a:rPr lang="zh-CN" altLang="en-US"/>
+              <a:rPr lang="zh-CN" altLang="en-US" dirty="0"/>
               <a:t>，其余位置不变</a:t>
             </a:r>
-            <a:endParaRPr lang="zh-CN" altLang="en-US"/>
           </a:p>
           <a:p>
             <a:pPr algn="l" fontAlgn="auto">
@@ -14693,11 +14705,19 @@
               </a:lnSpc>
             </a:pPr>
             <a:r>
-              <a:rPr lang="zh-CN" altLang="en-US"/>
-              <a:t>判断</a:t>
-            </a:r>
-            <a:r>
-              <a:rPr lang="zh-CN" altLang="en-US">
+              <a:rPr lang="en-US" altLang="zh-CN" dirty="0" smtClean="0"/>
+              <a:t>5</a:t>
+            </a:r>
+            <a:r>
+              <a:rPr lang="zh-CN" altLang="en-US" dirty="0" smtClean="0"/>
+              <a:t>、判</a:t>
+            </a:r>
+            <a:r>
+              <a:rPr lang="zh-CN" altLang="en-US" dirty="0"/>
+              <a:t>断</a:t>
+            </a:r>
+            <a:r>
+              <a:rPr lang="zh-CN" altLang="en-US" dirty="0">
                 <a:solidFill>
                   <a:srgbClr val="FF0000"/>
                 </a:solidFill>
@@ -14705,30 +14725,29 @@
               <a:t>奇偶性</a:t>
             </a:r>
             <a:r>
-              <a:rPr lang="zh-CN" altLang="en-US"/>
+              <a:rPr lang="zh-CN" altLang="en-US" dirty="0"/>
               <a:t>：</a:t>
             </a:r>
             <a:r>
-              <a:rPr lang="en-US" altLang="zh-CN"/>
+              <a:rPr lang="en-US" altLang="zh-CN" dirty="0"/>
               <a:t>if a &amp; 1  #</a:t>
             </a:r>
             <a:r>
-              <a:rPr lang="zh-CN" altLang="en-US"/>
+              <a:rPr lang="zh-CN" altLang="en-US" dirty="0"/>
               <a:t>奇数为</a:t>
             </a:r>
             <a:r>
-              <a:rPr lang="en-US" altLang="zh-CN"/>
+              <a:rPr lang="en-US" altLang="zh-CN" dirty="0"/>
               <a:t>true</a:t>
             </a:r>
-            <a:endParaRPr lang="en-US" altLang="zh-CN"/>
           </a:p>
           <a:p>
             <a:pPr algn="l"/>
-            <a:endParaRPr lang="en-US" altLang="zh-CN"/>
+            <a:endParaRPr lang="en-US" altLang="zh-CN" dirty="0"/>
           </a:p>
           <a:p>
             <a:pPr algn="l"/>
-            <a:endParaRPr lang="en-US" altLang="zh-CN"/>
+            <a:endParaRPr lang="en-US" altLang="zh-CN" dirty="0"/>
           </a:p>
         </p:txBody>
       </p:sp>
@@ -14799,7 +14818,6 @@
               <a:rPr lang="zh-CN" altLang="en-US"/>
               <a:t>次，其他的都出现了偶数次，找到这两个数字</a:t>
             </a:r>
-            <a:endParaRPr lang="zh-CN" altLang="en-US"/>
           </a:p>
         </p:txBody>
       </p:sp>
@@ -14841,7 +14859,6 @@
               <a:rPr lang="zh-CN" altLang="zh-CN"/>
               <a:t>亦或的结果</a:t>
             </a:r>
-            <a:endParaRPr lang="zh-CN" altLang="zh-CN"/>
           </a:p>
         </p:txBody>
       </p:sp>
@@ -14907,7 +14924,6 @@
               <a:rPr lang="en-US" altLang="zh-CN" sz="3600"/>
               <a:t>0</a:t>
             </a:r>
-            <a:endParaRPr lang="en-US" altLang="zh-CN" sz="3600"/>
           </a:p>
         </p:txBody>
       </p:sp>
@@ -14980,7 +14996,6 @@
               <a:rPr lang="zh-CN" altLang="en-US"/>
               <a:t>不同</a:t>
             </a:r>
-            <a:endParaRPr lang="zh-CN" altLang="en-US"/>
           </a:p>
         </p:txBody>
       </p:sp>
@@ -15053,7 +15068,6 @@
               <a:rPr lang="zh-CN" altLang="en-US"/>
               <a:t>相同</a:t>
             </a:r>
-            <a:endParaRPr lang="zh-CN" altLang="en-US"/>
           </a:p>
         </p:txBody>
       </p:sp>
@@ -15119,7 +15133,6 @@
               <a:rPr lang="zh-CN" altLang="en-US"/>
               <a:t>以此为切入点，遍历整个数组</a:t>
             </a:r>
-            <a:endParaRPr lang="zh-CN" altLang="en-US"/>
           </a:p>
           <a:p>
             <a:r>
@@ -15142,7 +15155,6 @@
               <a:rPr lang="zh-CN" altLang="en-US"/>
               <a:t>分到另</a:t>
             </a:r>
-            <a:endParaRPr lang="zh-CN" altLang="en-US"/>
           </a:p>
           <a:p>
             <a:r>
@@ -15165,11 +15177,6 @@
               </a:rPr>
               <a:t>binary</a:t>
             </a:r>
-            <a:endParaRPr lang="en-US" altLang="zh-CN">
-              <a:solidFill>
-                <a:srgbClr val="FF0000"/>
-              </a:solidFill>
-            </a:endParaRPr>
           </a:p>
           <a:p>
             <a:r>
@@ -15204,11 +15211,6 @@
               </a:rPr>
               <a:t>&amp;</a:t>
             </a:r>
-            <a:endParaRPr lang="en-US" altLang="zh-CN">
-              <a:solidFill>
-                <a:srgbClr val="FF0000"/>
-              </a:solidFill>
-            </a:endParaRPr>
           </a:p>
           <a:p>
             <a:r>
@@ -15219,11 +15221,6 @@
               </a:rPr>
               <a:t>即可。</a:t>
             </a:r>
-            <a:endParaRPr lang="zh-CN" altLang="en-US">
-              <a:solidFill>
-                <a:srgbClr val="FF0000"/>
-              </a:solidFill>
-            </a:endParaRPr>
           </a:p>
         </p:txBody>
       </p:sp>
@@ -15270,7 +15267,6 @@
               <a:rPr lang="zh-CN" altLang="en-US" b="1" dirty="0"/>
               <a:t>出现一次的数字</a:t>
             </a:r>
-            <a:endParaRPr lang="zh-CN" altLang="en-US" b="1" dirty="0"/>
           </a:p>
         </p:txBody>
       </p:sp>
@@ -15301,36 +15297,181 @@
       </p:grpSpPr>
       <p:sp>
         <p:nvSpPr>
-          <p:cNvPr id="34" name="TextBox 33"/>
-          <p:cNvSpPr txBox="1"/>
-          <p:nvPr/>
-        </p:nvSpPr>
-        <p:spPr>
-          <a:xfrm>
-            <a:off x="2723494" y="2483161"/>
-            <a:ext cx="3550920" cy="1106805"/>
+          <p:cNvPr id="11" name="矩形 10"/>
+          <p:cNvSpPr/>
+          <p:nvPr/>
+        </p:nvSpPr>
+        <p:spPr>
+          <a:xfrm>
+            <a:off x="1" y="0"/>
+            <a:ext cx="1043608" cy="428625"/>
           </a:xfrm>
           <a:prstGeom prst="rect">
             <a:avLst/>
           </a:prstGeom>
-          <a:noFill/>
-        </p:spPr>
-        <p:txBody>
-          <a:bodyPr wrap="none" rtlCol="0">
+          <a:ln w="38100">
+            <a:solidFill>
+              <a:srgbClr val="FF0000"/>
+            </a:solidFill>
+          </a:ln>
+        </p:spPr>
+        <p:style>
+          <a:lnRef idx="2">
+            <a:schemeClr val="accent2"/>
+          </a:lnRef>
+          <a:fillRef idx="1">
+            <a:schemeClr val="lt1"/>
+          </a:fillRef>
+          <a:effectRef idx="0">
+            <a:schemeClr val="accent2"/>
+          </a:effectRef>
+          <a:fontRef idx="minor">
+            <a:schemeClr val="dk1"/>
+          </a:fontRef>
+        </p:style>
+        <p:txBody>
+          <a:bodyPr rtlCol="0" anchor="ctr"/>
+          <a:lstStyle/>
+          <a:p>
+            <a:pPr algn="ctr"/>
+            <a:r>
+              <a:rPr lang="zh-CN" altLang="en-US" b="1" dirty="0" smtClean="0"/>
+              <a:t>快速乘</a:t>
+            </a:r>
+            <a:endParaRPr lang="zh-CN" altLang="en-US" b="1" dirty="0"/>
+          </a:p>
+        </p:txBody>
+      </p:sp>
+      <p:sp>
+        <p:nvSpPr>
+          <p:cNvPr id="12" name="矩形 11"/>
+          <p:cNvSpPr/>
+          <p:nvPr/>
+        </p:nvSpPr>
+        <p:spPr>
+          <a:xfrm>
+            <a:off x="755576" y="836712"/>
+            <a:ext cx="7704855" cy="1477328"/>
+          </a:xfrm>
+          <a:prstGeom prst="rect">
+            <a:avLst/>
+          </a:prstGeom>
+        </p:spPr>
+        <p:txBody>
+          <a:bodyPr wrap="square">
             <a:spAutoFit/>
           </a:bodyPr>
           <a:lstStyle/>
           <a:p>
-            <a:pPr algn="ctr"/>
-            <a:r>
-              <a:rPr lang="zh-CN" altLang="en-US" sz="6600" b="1" dirty="0"/>
-              <a:t>矩阵操作</a:t>
-            </a:r>
-            <a:endParaRPr lang="zh-CN" altLang="en-US" sz="6600" b="1" dirty="0"/>
-          </a:p>
-        </p:txBody>
-      </p:sp>
+            <a:r>
+              <a:rPr lang="zh-CN" altLang="en-US" dirty="0"/>
+              <a:t>考</a:t>
+            </a:r>
+            <a:r>
+              <a:rPr lang="zh-CN" altLang="en-US" dirty="0">
+                <a:solidFill>
+                  <a:srgbClr val="FF0000"/>
+                </a:solidFill>
+              </a:rPr>
+              <a:t>虑 A 和 B 两数相</a:t>
+            </a:r>
+            <a:r>
+              <a:rPr lang="zh-CN" altLang="en-US" dirty="0" smtClean="0">
+                <a:solidFill>
+                  <a:srgbClr val="FF0000"/>
+                </a:solidFill>
+              </a:rPr>
+              <a:t>乘</a:t>
+            </a:r>
+            <a:endParaRPr lang="en-US" altLang="zh-CN" dirty="0" smtClean="0">
+              <a:solidFill>
+                <a:srgbClr val="FF0000"/>
+              </a:solidFill>
+            </a:endParaRPr>
+          </a:p>
+          <a:p>
+            <a:r>
+              <a:rPr lang="zh-CN" altLang="en-US" dirty="0" smtClean="0"/>
+              <a:t>其</a:t>
+            </a:r>
+            <a:r>
+              <a:rPr lang="zh-CN" altLang="en-US" dirty="0"/>
+              <a:t>实就是将 B 二进制展开，如果 B 的二进制表示下第 </a:t>
+            </a:r>
+            <a:r>
+              <a:rPr lang="zh-CN" altLang="en-US" dirty="0" smtClean="0"/>
+              <a:t>i </a:t>
+            </a:r>
+            <a:r>
+              <a:rPr lang="zh-CN" altLang="en-US" dirty="0"/>
+              <a:t>位为 1，那么这一位对最后结果的贡献就是 A*(1&lt;&lt;i</a:t>
+            </a:r>
+            <a:r>
+              <a:rPr lang="zh-CN" altLang="en-US" dirty="0" smtClean="0"/>
+              <a:t>) ，</a:t>
+            </a:r>
+            <a:r>
+              <a:rPr lang="zh-CN" altLang="en-US" dirty="0"/>
+              <a:t>即 A&lt;&lt;</a:t>
+            </a:r>
+            <a:r>
+              <a:rPr lang="zh-CN" altLang="en-US" dirty="0" smtClean="0"/>
+              <a:t>i。</a:t>
+            </a:r>
+            <a:r>
+              <a:rPr lang="zh-CN" altLang="en-US" dirty="0"/>
+              <a:t>我们遍历 B 二进制展开下的每一位，将所有贡献累加起来就是最后的答案，这个方法也被称作「俄罗斯农民乘</a:t>
+            </a:r>
+            <a:r>
+              <a:rPr lang="zh-CN" altLang="en-US" dirty="0" smtClean="0"/>
+              <a:t>法」</a:t>
+            </a:r>
+            <a:r>
+              <a:rPr lang="en-US" altLang="zh-CN" dirty="0" smtClean="0"/>
+              <a:t>, </a:t>
+            </a:r>
+            <a:r>
+              <a:rPr lang="zh-CN" altLang="en-US" dirty="0" smtClean="0"/>
+              <a:t>例如计算下面的</a:t>
+            </a:r>
+            <a:r>
+              <a:rPr lang="en-US" altLang="zh-CN" smtClean="0"/>
+              <a:t>1+2+3+...+n</a:t>
+            </a:r>
+            <a:endParaRPr lang="zh-CN" altLang="en-US" dirty="0"/>
+          </a:p>
+        </p:txBody>
+      </p:sp>
+      <p:pic>
+        <p:nvPicPr>
+          <p:cNvPr id="13" name="图片 12"/>
+          <p:cNvPicPr>
+            <a:picLocks noChangeAspect="1"/>
+          </p:cNvPicPr>
+          <p:nvPr/>
+        </p:nvPicPr>
+        <p:blipFill>
+          <a:blip r:embed="rId2"/>
+          <a:stretch>
+            <a:fillRect/>
+          </a:stretch>
+        </p:blipFill>
+        <p:spPr>
+          <a:xfrm>
+            <a:off x="2426778" y="2924944"/>
+            <a:ext cx="4362450" cy="2581275"/>
+          </a:xfrm>
+          <a:prstGeom prst="rect">
+            <a:avLst/>
+          </a:prstGeom>
+        </p:spPr>
+      </p:pic>
     </p:spTree>
+    <p:extLst>
+      <p:ext uri="{BB962C8B-B14F-4D97-AF65-F5344CB8AC3E}">
+        <p14:creationId xmlns:p14="http://schemas.microsoft.com/office/powerpoint/2010/main" val="1571759400"/>
+      </p:ext>
+    </p:extLst>
   </p:cSld>
   <p:clrMapOvr>
     <a:masterClrMapping/>
@@ -15357,965 +15498,14 @@
       </p:grpSpPr>
       <p:sp>
         <p:nvSpPr>
-          <p:cNvPr id="2" name="矩形 1"/>
-          <p:cNvSpPr/>
-          <p:nvPr/>
-        </p:nvSpPr>
-        <p:spPr>
-          <a:xfrm>
-            <a:off x="3227705" y="2051050"/>
-            <a:ext cx="432435" cy="432435"/>
-          </a:xfrm>
-          <a:prstGeom prst="rect">
-            <a:avLst/>
-          </a:prstGeom>
-        </p:spPr>
-        <p:style>
-          <a:lnRef idx="2">
-            <a:schemeClr val="accent1">
-              <a:shade val="50000"/>
-            </a:schemeClr>
-          </a:lnRef>
-          <a:fillRef idx="1">
-            <a:schemeClr val="accent1"/>
-          </a:fillRef>
-          <a:effectRef idx="0">
-            <a:schemeClr val="accent1"/>
-          </a:effectRef>
-          <a:fontRef idx="minor">
-            <a:schemeClr val="lt1"/>
-          </a:fontRef>
-        </p:style>
-        <p:txBody>
-          <a:bodyPr rtlCol="0" anchor="ctr"/>
-          <a:p>
-            <a:pPr algn="ctr"/>
-            <a:endParaRPr lang="zh-CN" altLang="en-US"/>
-          </a:p>
-        </p:txBody>
-      </p:sp>
-      <p:sp>
-        <p:nvSpPr>
-          <p:cNvPr id="3" name="矩形 2"/>
-          <p:cNvSpPr/>
-          <p:nvPr/>
-        </p:nvSpPr>
-        <p:spPr>
-          <a:xfrm>
-            <a:off x="3672840" y="2065655"/>
-            <a:ext cx="432435" cy="432435"/>
-          </a:xfrm>
-          <a:prstGeom prst="rect">
-            <a:avLst/>
-          </a:prstGeom>
-        </p:spPr>
-        <p:style>
-          <a:lnRef idx="2">
-            <a:schemeClr val="accent4">
-              <a:shade val="50000"/>
-            </a:schemeClr>
-          </a:lnRef>
-          <a:fillRef idx="1">
-            <a:schemeClr val="accent4"/>
-          </a:fillRef>
-          <a:effectRef idx="0">
-            <a:schemeClr val="accent4"/>
-          </a:effectRef>
-          <a:fontRef idx="minor">
-            <a:schemeClr val="lt1"/>
-          </a:fontRef>
-        </p:style>
-        <p:txBody>
-          <a:bodyPr rtlCol="0" anchor="ctr"/>
-          <a:p>
-            <a:pPr algn="ctr"/>
-            <a:endParaRPr lang="zh-CN" altLang="en-US"/>
-          </a:p>
-        </p:txBody>
-      </p:sp>
-      <p:sp>
-        <p:nvSpPr>
-          <p:cNvPr id="4" name="矩形 3"/>
-          <p:cNvSpPr/>
-          <p:nvPr/>
-        </p:nvSpPr>
-        <p:spPr>
-          <a:xfrm>
-            <a:off x="4095750" y="2065655"/>
-            <a:ext cx="432435" cy="432435"/>
-          </a:xfrm>
-          <a:prstGeom prst="rect">
-            <a:avLst/>
-          </a:prstGeom>
-        </p:spPr>
-        <p:style>
-          <a:lnRef idx="2">
-            <a:schemeClr val="accent1">
-              <a:shade val="50000"/>
-            </a:schemeClr>
-          </a:lnRef>
-          <a:fillRef idx="1">
-            <a:schemeClr val="accent1"/>
-          </a:fillRef>
-          <a:effectRef idx="0">
-            <a:schemeClr val="accent1"/>
-          </a:effectRef>
-          <a:fontRef idx="minor">
-            <a:schemeClr val="lt1"/>
-          </a:fontRef>
-        </p:style>
-        <p:txBody>
-          <a:bodyPr rtlCol="0" anchor="ctr"/>
-          <a:p>
-            <a:pPr algn="ctr"/>
-            <a:endParaRPr lang="zh-CN" altLang="en-US"/>
-          </a:p>
-        </p:txBody>
-      </p:sp>
-      <p:sp>
-        <p:nvSpPr>
-          <p:cNvPr id="5" name="矩形 4"/>
-          <p:cNvSpPr/>
-          <p:nvPr/>
-        </p:nvSpPr>
-        <p:spPr>
-          <a:xfrm>
-            <a:off x="4529455" y="2059305"/>
-            <a:ext cx="432435" cy="432435"/>
-          </a:xfrm>
-          <a:prstGeom prst="rect">
-            <a:avLst/>
-          </a:prstGeom>
-        </p:spPr>
-        <p:style>
-          <a:lnRef idx="2">
-            <a:schemeClr val="accent1">
-              <a:shade val="50000"/>
-            </a:schemeClr>
-          </a:lnRef>
-          <a:fillRef idx="1">
-            <a:schemeClr val="accent1"/>
-          </a:fillRef>
-          <a:effectRef idx="0">
-            <a:schemeClr val="accent1"/>
-          </a:effectRef>
-          <a:fontRef idx="minor">
-            <a:schemeClr val="lt1"/>
-          </a:fontRef>
-        </p:style>
-        <p:txBody>
-          <a:bodyPr rtlCol="0" anchor="ctr"/>
-          <a:p>
-            <a:pPr algn="ctr"/>
-            <a:endParaRPr lang="zh-CN" altLang="en-US"/>
-          </a:p>
-        </p:txBody>
-      </p:sp>
-      <p:sp>
-        <p:nvSpPr>
-          <p:cNvPr id="6" name="矩形 5"/>
-          <p:cNvSpPr/>
-          <p:nvPr/>
-        </p:nvSpPr>
-        <p:spPr>
-          <a:xfrm>
-            <a:off x="3227705" y="2483485"/>
-            <a:ext cx="432435" cy="432435"/>
-          </a:xfrm>
-          <a:prstGeom prst="rect">
-            <a:avLst/>
-          </a:prstGeom>
-        </p:spPr>
-        <p:style>
-          <a:lnRef idx="2">
-            <a:schemeClr val="accent1">
-              <a:shade val="50000"/>
-            </a:schemeClr>
-          </a:lnRef>
-          <a:fillRef idx="1">
-            <a:schemeClr val="accent1"/>
-          </a:fillRef>
-          <a:effectRef idx="0">
-            <a:schemeClr val="accent1"/>
-          </a:effectRef>
-          <a:fontRef idx="minor">
-            <a:schemeClr val="lt1"/>
-          </a:fontRef>
-        </p:style>
-        <p:txBody>
-          <a:bodyPr rtlCol="0" anchor="ctr"/>
-          <a:p>
-            <a:pPr algn="ctr"/>
-            <a:endParaRPr lang="zh-CN" altLang="en-US"/>
-          </a:p>
-        </p:txBody>
-      </p:sp>
-      <p:sp>
-        <p:nvSpPr>
-          <p:cNvPr id="7" name="矩形 6"/>
-          <p:cNvSpPr/>
-          <p:nvPr/>
-        </p:nvSpPr>
-        <p:spPr>
-          <a:xfrm>
-            <a:off x="3672205" y="2487930"/>
-            <a:ext cx="432435" cy="432435"/>
-          </a:xfrm>
-          <a:prstGeom prst="rect">
-            <a:avLst/>
-          </a:prstGeom>
-        </p:spPr>
-        <p:style>
-          <a:lnRef idx="2">
-            <a:schemeClr val="accent1">
-              <a:shade val="50000"/>
-            </a:schemeClr>
-          </a:lnRef>
-          <a:fillRef idx="1">
-            <a:schemeClr val="accent1"/>
-          </a:fillRef>
-          <a:effectRef idx="0">
-            <a:schemeClr val="accent1"/>
-          </a:effectRef>
-          <a:fontRef idx="minor">
-            <a:schemeClr val="lt1"/>
-          </a:fontRef>
-        </p:style>
-        <p:txBody>
-          <a:bodyPr rtlCol="0" anchor="ctr"/>
-          <a:p>
-            <a:pPr algn="ctr"/>
-            <a:endParaRPr lang="zh-CN" altLang="en-US"/>
-          </a:p>
-        </p:txBody>
-      </p:sp>
-      <p:sp>
-        <p:nvSpPr>
-          <p:cNvPr id="8" name="矩形 7"/>
-          <p:cNvSpPr/>
-          <p:nvPr/>
-        </p:nvSpPr>
-        <p:spPr>
-          <a:xfrm>
-            <a:off x="4095115" y="2487930"/>
-            <a:ext cx="432435" cy="432435"/>
-          </a:xfrm>
-          <a:prstGeom prst="rect">
-            <a:avLst/>
-          </a:prstGeom>
-        </p:spPr>
-        <p:style>
-          <a:lnRef idx="2">
-            <a:schemeClr val="accent1">
-              <a:shade val="50000"/>
-            </a:schemeClr>
-          </a:lnRef>
-          <a:fillRef idx="1">
-            <a:schemeClr val="accent1"/>
-          </a:fillRef>
-          <a:effectRef idx="0">
-            <a:schemeClr val="accent1"/>
-          </a:effectRef>
-          <a:fontRef idx="minor">
-            <a:schemeClr val="lt1"/>
-          </a:fontRef>
-        </p:style>
-        <p:txBody>
-          <a:bodyPr rtlCol="0" anchor="ctr"/>
-          <a:p>
-            <a:pPr algn="ctr"/>
-            <a:endParaRPr lang="zh-CN" altLang="en-US"/>
-          </a:p>
-        </p:txBody>
-      </p:sp>
-      <p:sp>
-        <p:nvSpPr>
-          <p:cNvPr id="9" name="矩形 8"/>
-          <p:cNvSpPr/>
-          <p:nvPr/>
-        </p:nvSpPr>
-        <p:spPr>
-          <a:xfrm>
-            <a:off x="4528820" y="2481580"/>
-            <a:ext cx="432435" cy="432435"/>
-          </a:xfrm>
-          <a:prstGeom prst="rect">
-            <a:avLst/>
-          </a:prstGeom>
-        </p:spPr>
-        <p:style>
-          <a:lnRef idx="2">
-            <a:schemeClr val="accent4">
-              <a:shade val="50000"/>
-            </a:schemeClr>
-          </a:lnRef>
-          <a:fillRef idx="1">
-            <a:schemeClr val="accent4"/>
-          </a:fillRef>
-          <a:effectRef idx="0">
-            <a:schemeClr val="accent4"/>
-          </a:effectRef>
-          <a:fontRef idx="minor">
-            <a:schemeClr val="lt1"/>
-          </a:fontRef>
-        </p:style>
-        <p:txBody>
-          <a:bodyPr rtlCol="0" anchor="ctr"/>
-          <a:p>
-            <a:pPr algn="ctr"/>
-            <a:endParaRPr lang="zh-CN" altLang="en-US"/>
-          </a:p>
-        </p:txBody>
-      </p:sp>
-      <p:sp>
-        <p:nvSpPr>
-          <p:cNvPr id="10" name="矩形 9"/>
-          <p:cNvSpPr/>
-          <p:nvPr/>
-        </p:nvSpPr>
-        <p:spPr>
-          <a:xfrm>
-            <a:off x="3229610" y="2893695"/>
-            <a:ext cx="432435" cy="432435"/>
-          </a:xfrm>
-          <a:prstGeom prst="rect">
-            <a:avLst/>
-          </a:prstGeom>
-        </p:spPr>
-        <p:style>
-          <a:lnRef idx="2">
-            <a:schemeClr val="accent4">
-              <a:shade val="50000"/>
-            </a:schemeClr>
-          </a:lnRef>
-          <a:fillRef idx="1">
-            <a:schemeClr val="accent4"/>
-          </a:fillRef>
-          <a:effectRef idx="0">
-            <a:schemeClr val="accent4"/>
-          </a:effectRef>
-          <a:fontRef idx="minor">
-            <a:schemeClr val="lt1"/>
-          </a:fontRef>
-        </p:style>
-        <p:txBody>
-          <a:bodyPr rtlCol="0" anchor="ctr"/>
-          <a:p>
-            <a:pPr algn="ctr"/>
-            <a:endParaRPr lang="zh-CN" altLang="en-US"/>
-          </a:p>
-        </p:txBody>
-      </p:sp>
-      <p:sp>
-        <p:nvSpPr>
           <p:cNvPr id="11" name="矩形 10"/>
           <p:cNvSpPr/>
           <p:nvPr/>
         </p:nvSpPr>
         <p:spPr>
           <a:xfrm>
-            <a:off x="3674110" y="2898140"/>
-            <a:ext cx="432435" cy="432435"/>
-          </a:xfrm>
-          <a:prstGeom prst="rect">
-            <a:avLst/>
-          </a:prstGeom>
-        </p:spPr>
-        <p:style>
-          <a:lnRef idx="2">
-            <a:schemeClr val="accent1">
-              <a:shade val="50000"/>
-            </a:schemeClr>
-          </a:lnRef>
-          <a:fillRef idx="1">
-            <a:schemeClr val="accent1"/>
-          </a:fillRef>
-          <a:effectRef idx="0">
-            <a:schemeClr val="accent1"/>
-          </a:effectRef>
-          <a:fontRef idx="minor">
-            <a:schemeClr val="lt1"/>
-          </a:fontRef>
-        </p:style>
-        <p:txBody>
-          <a:bodyPr rtlCol="0" anchor="ctr"/>
-          <a:p>
-            <a:pPr algn="ctr"/>
-            <a:endParaRPr lang="zh-CN" altLang="en-US"/>
-          </a:p>
-        </p:txBody>
-      </p:sp>
-      <p:sp>
-        <p:nvSpPr>
-          <p:cNvPr id="12" name="矩形 11"/>
-          <p:cNvSpPr/>
-          <p:nvPr/>
-        </p:nvSpPr>
-        <p:spPr>
-          <a:xfrm>
-            <a:off x="4097020" y="2898140"/>
-            <a:ext cx="432435" cy="432435"/>
-          </a:xfrm>
-          <a:prstGeom prst="rect">
-            <a:avLst/>
-          </a:prstGeom>
-        </p:spPr>
-        <p:style>
-          <a:lnRef idx="2">
-            <a:schemeClr val="accent1">
-              <a:shade val="50000"/>
-            </a:schemeClr>
-          </a:lnRef>
-          <a:fillRef idx="1">
-            <a:schemeClr val="accent1"/>
-          </a:fillRef>
-          <a:effectRef idx="0">
-            <a:schemeClr val="accent1"/>
-          </a:effectRef>
-          <a:fontRef idx="minor">
-            <a:schemeClr val="lt1"/>
-          </a:fontRef>
-        </p:style>
-        <p:txBody>
-          <a:bodyPr rtlCol="0" anchor="ctr"/>
-          <a:p>
-            <a:pPr algn="ctr"/>
-            <a:endParaRPr lang="zh-CN" altLang="en-US"/>
-          </a:p>
-        </p:txBody>
-      </p:sp>
-      <p:sp>
-        <p:nvSpPr>
-          <p:cNvPr id="13" name="矩形 12"/>
-          <p:cNvSpPr/>
-          <p:nvPr/>
-        </p:nvSpPr>
-        <p:spPr>
-          <a:xfrm>
-            <a:off x="4530725" y="2891790"/>
-            <a:ext cx="432435" cy="432435"/>
-          </a:xfrm>
-          <a:prstGeom prst="rect">
-            <a:avLst/>
-          </a:prstGeom>
-        </p:spPr>
-        <p:style>
-          <a:lnRef idx="2">
-            <a:schemeClr val="accent1">
-              <a:shade val="50000"/>
-            </a:schemeClr>
-          </a:lnRef>
-          <a:fillRef idx="1">
-            <a:schemeClr val="accent1"/>
-          </a:fillRef>
-          <a:effectRef idx="0">
-            <a:schemeClr val="accent1"/>
-          </a:effectRef>
-          <a:fontRef idx="minor">
-            <a:schemeClr val="lt1"/>
-          </a:fontRef>
-        </p:style>
-        <p:txBody>
-          <a:bodyPr rtlCol="0" anchor="ctr"/>
-          <a:p>
-            <a:pPr algn="ctr"/>
-            <a:endParaRPr lang="zh-CN" altLang="en-US"/>
-          </a:p>
-        </p:txBody>
-      </p:sp>
-      <p:sp>
-        <p:nvSpPr>
-          <p:cNvPr id="14" name="矩形 13"/>
-          <p:cNvSpPr/>
-          <p:nvPr/>
-        </p:nvSpPr>
-        <p:spPr>
-          <a:xfrm>
-            <a:off x="3228975" y="3315970"/>
-            <a:ext cx="432435" cy="432435"/>
-          </a:xfrm>
-          <a:prstGeom prst="rect">
-            <a:avLst/>
-          </a:prstGeom>
-        </p:spPr>
-        <p:style>
-          <a:lnRef idx="2">
-            <a:schemeClr val="accent1">
-              <a:shade val="50000"/>
-            </a:schemeClr>
-          </a:lnRef>
-          <a:fillRef idx="1">
-            <a:schemeClr val="accent1"/>
-          </a:fillRef>
-          <a:effectRef idx="0">
-            <a:schemeClr val="accent1"/>
-          </a:effectRef>
-          <a:fontRef idx="minor">
-            <a:schemeClr val="lt1"/>
-          </a:fontRef>
-        </p:style>
-        <p:txBody>
-          <a:bodyPr rtlCol="0" anchor="ctr"/>
-          <a:p>
-            <a:pPr algn="ctr"/>
-            <a:endParaRPr lang="zh-CN" altLang="en-US"/>
-          </a:p>
-        </p:txBody>
-      </p:sp>
-      <p:sp>
-        <p:nvSpPr>
-          <p:cNvPr id="15" name="矩形 14"/>
-          <p:cNvSpPr/>
-          <p:nvPr/>
-        </p:nvSpPr>
-        <p:spPr>
-          <a:xfrm>
-            <a:off x="3672840" y="3314065"/>
-            <a:ext cx="432435" cy="432435"/>
-          </a:xfrm>
-          <a:prstGeom prst="rect">
-            <a:avLst/>
-          </a:prstGeom>
-        </p:spPr>
-        <p:style>
-          <a:lnRef idx="2">
-            <a:schemeClr val="accent1">
-              <a:shade val="50000"/>
-            </a:schemeClr>
-          </a:lnRef>
-          <a:fillRef idx="1">
-            <a:schemeClr val="accent1"/>
-          </a:fillRef>
-          <a:effectRef idx="0">
-            <a:schemeClr val="accent1"/>
-          </a:effectRef>
-          <a:fontRef idx="minor">
-            <a:schemeClr val="lt1"/>
-          </a:fontRef>
-        </p:style>
-        <p:txBody>
-          <a:bodyPr rtlCol="0" anchor="ctr"/>
-          <a:p>
-            <a:pPr algn="ctr"/>
-            <a:endParaRPr lang="zh-CN" altLang="en-US"/>
-          </a:p>
-        </p:txBody>
-      </p:sp>
-      <p:sp>
-        <p:nvSpPr>
-          <p:cNvPr id="16" name="矩形 15"/>
-          <p:cNvSpPr/>
-          <p:nvPr/>
-        </p:nvSpPr>
-        <p:spPr>
-          <a:xfrm>
-            <a:off x="4096385" y="3320415"/>
-            <a:ext cx="432435" cy="432435"/>
-          </a:xfrm>
-          <a:prstGeom prst="rect">
-            <a:avLst/>
-          </a:prstGeom>
-        </p:spPr>
-        <p:style>
-          <a:lnRef idx="2">
-            <a:schemeClr val="accent4">
-              <a:shade val="50000"/>
-            </a:schemeClr>
-          </a:lnRef>
-          <a:fillRef idx="1">
-            <a:schemeClr val="accent4"/>
-          </a:fillRef>
-          <a:effectRef idx="0">
-            <a:schemeClr val="accent4"/>
-          </a:effectRef>
-          <a:fontRef idx="minor">
-            <a:schemeClr val="lt1"/>
-          </a:fontRef>
-        </p:style>
-        <p:txBody>
-          <a:bodyPr rtlCol="0" anchor="ctr"/>
-          <a:p>
-            <a:pPr algn="ctr"/>
-            <a:endParaRPr lang="zh-CN" altLang="en-US"/>
-          </a:p>
-        </p:txBody>
-      </p:sp>
-      <p:sp>
-        <p:nvSpPr>
-          <p:cNvPr id="17" name="矩形 16"/>
-          <p:cNvSpPr/>
-          <p:nvPr/>
-        </p:nvSpPr>
-        <p:spPr>
-          <a:xfrm>
-            <a:off x="4530090" y="3314065"/>
-            <a:ext cx="432435" cy="432435"/>
-          </a:xfrm>
-          <a:prstGeom prst="rect">
-            <a:avLst/>
-          </a:prstGeom>
-        </p:spPr>
-        <p:style>
-          <a:lnRef idx="2">
-            <a:schemeClr val="accent1">
-              <a:shade val="50000"/>
-            </a:schemeClr>
-          </a:lnRef>
-          <a:fillRef idx="1">
-            <a:schemeClr val="accent1"/>
-          </a:fillRef>
-          <a:effectRef idx="0">
-            <a:schemeClr val="accent1"/>
-          </a:effectRef>
-          <a:fontRef idx="minor">
-            <a:schemeClr val="lt1"/>
-          </a:fontRef>
-        </p:style>
-        <p:txBody>
-          <a:bodyPr rtlCol="0" anchor="ctr"/>
-          <a:p>
-            <a:pPr algn="ctr"/>
-            <a:endParaRPr lang="zh-CN" altLang="en-US"/>
-          </a:p>
-        </p:txBody>
-      </p:sp>
-      <p:sp>
-        <p:nvSpPr>
-          <p:cNvPr id="18" name="文本框 17"/>
-          <p:cNvSpPr txBox="1"/>
-          <p:nvPr/>
-        </p:nvSpPr>
-        <p:spPr>
-          <a:xfrm>
-            <a:off x="3602990" y="1657350"/>
-            <a:ext cx="537210" cy="368300"/>
-          </a:xfrm>
-          <a:prstGeom prst="rect">
-            <a:avLst/>
-          </a:prstGeom>
-          <a:noFill/>
-        </p:spPr>
-        <p:txBody>
-          <a:bodyPr wrap="none" rtlCol="0">
-            <a:spAutoFit/>
-          </a:bodyPr>
-          <a:p>
-            <a:r>
-              <a:rPr lang="en-US" altLang="zh-CN"/>
-              <a:t>(i, j)</a:t>
-            </a:r>
-            <a:endParaRPr lang="en-US" altLang="zh-CN"/>
-          </a:p>
-        </p:txBody>
-      </p:sp>
-      <p:sp>
-        <p:nvSpPr>
-          <p:cNvPr id="19" name="文本框 18"/>
-          <p:cNvSpPr txBox="1"/>
-          <p:nvPr/>
-        </p:nvSpPr>
-        <p:spPr>
-          <a:xfrm>
-            <a:off x="4963160" y="2487930"/>
-            <a:ext cx="919480" cy="368300"/>
-          </a:xfrm>
-          <a:prstGeom prst="rect">
-            <a:avLst/>
-          </a:prstGeom>
-          <a:noFill/>
-        </p:spPr>
-        <p:txBody>
-          <a:bodyPr wrap="none" rtlCol="0">
-            <a:spAutoFit/>
-          </a:bodyPr>
-          <a:p>
-            <a:r>
-              <a:rPr lang="en-US" altLang="zh-CN"/>
-              <a:t>(j, n-1-i)</a:t>
-            </a:r>
-            <a:endParaRPr lang="en-US" altLang="zh-CN"/>
-          </a:p>
-        </p:txBody>
-      </p:sp>
-      <p:sp>
-        <p:nvSpPr>
-          <p:cNvPr id="20" name="文本框 19"/>
-          <p:cNvSpPr txBox="1"/>
-          <p:nvPr/>
-        </p:nvSpPr>
-        <p:spPr>
-          <a:xfrm>
-            <a:off x="4043680" y="4019550"/>
-            <a:ext cx="1287780" cy="368300"/>
-          </a:xfrm>
-          <a:prstGeom prst="rect">
-            <a:avLst/>
-          </a:prstGeom>
-          <a:noFill/>
-        </p:spPr>
-        <p:txBody>
-          <a:bodyPr wrap="none" rtlCol="0">
-            <a:spAutoFit/>
-          </a:bodyPr>
-          <a:p>
-            <a:r>
-              <a:rPr lang="en-US" altLang="zh-CN"/>
-              <a:t>(n-1-i, n-1-j)</a:t>
-            </a:r>
-            <a:endParaRPr lang="en-US" altLang="zh-CN"/>
-          </a:p>
-        </p:txBody>
-      </p:sp>
-      <p:sp>
-        <p:nvSpPr>
-          <p:cNvPr id="21" name="文本框 20"/>
-          <p:cNvSpPr txBox="1"/>
-          <p:nvPr/>
-        </p:nvSpPr>
-        <p:spPr>
-          <a:xfrm>
-            <a:off x="1941830" y="2513330"/>
-            <a:ext cx="912495" cy="368300"/>
-          </a:xfrm>
-          <a:prstGeom prst="rect">
-            <a:avLst/>
-          </a:prstGeom>
-          <a:noFill/>
-        </p:spPr>
-        <p:txBody>
-          <a:bodyPr wrap="none" rtlCol="0">
-            <a:spAutoFit/>
-          </a:bodyPr>
-          <a:p>
-            <a:r>
-              <a:rPr lang="en-US" altLang="zh-CN"/>
-              <a:t>(n-1-j, i)</a:t>
-            </a:r>
-            <a:endParaRPr lang="en-US" altLang="zh-CN"/>
-          </a:p>
-        </p:txBody>
-      </p:sp>
-      <p:cxnSp>
-        <p:nvCxnSpPr>
-          <p:cNvPr id="22" name="曲线连接符 21"/>
-          <p:cNvCxnSpPr>
-            <a:stCxn id="18" idx="0"/>
-            <a:endCxn id="20" idx="3"/>
-          </p:cNvCxnSpPr>
-          <p:nvPr/>
-        </p:nvCxnSpPr>
-        <p:spPr>
-          <a:xfrm rot="16200000" flipH="1">
-            <a:off x="3328035" y="2200910"/>
-            <a:ext cx="2546350" cy="1459865"/>
-          </a:xfrm>
-          <a:prstGeom prst="curvedConnector4">
-            <a:avLst>
-              <a:gd name="adj1" fmla="val -14127"/>
-              <a:gd name="adj2" fmla="val 180969"/>
-            </a:avLst>
-          </a:prstGeom>
-          <a:ln>
-            <a:headEnd type="arrow"/>
-            <a:tailEnd type="arrow"/>
-          </a:ln>
-        </p:spPr>
-        <p:style>
-          <a:lnRef idx="1">
-            <a:schemeClr val="accent1"/>
-          </a:lnRef>
-          <a:fillRef idx="0">
-            <a:schemeClr val="accent1"/>
-          </a:fillRef>
-          <a:effectRef idx="0">
-            <a:schemeClr val="accent1"/>
-          </a:effectRef>
-          <a:fontRef idx="minor">
-            <a:schemeClr val="tx1"/>
-          </a:fontRef>
-        </p:style>
-      </p:cxnSp>
-      <p:sp>
-        <p:nvSpPr>
-          <p:cNvPr id="23" name="文本框 22"/>
-          <p:cNvSpPr txBox="1"/>
-          <p:nvPr/>
-        </p:nvSpPr>
-        <p:spPr>
-          <a:xfrm>
-            <a:off x="6491605" y="2025650"/>
-            <a:ext cx="1097280" cy="368300"/>
-          </a:xfrm>
-          <a:prstGeom prst="rect">
-            <a:avLst/>
-          </a:prstGeom>
-          <a:noFill/>
-        </p:spPr>
-        <p:txBody>
-          <a:bodyPr wrap="none" rtlCol="0">
-            <a:spAutoFit/>
-          </a:bodyPr>
-          <a:p>
-            <a:r>
-              <a:rPr lang="zh-CN" altLang="zh-CN"/>
-              <a:t>中心对称</a:t>
-            </a:r>
-            <a:endParaRPr lang="zh-CN" altLang="zh-CN"/>
-          </a:p>
-        </p:txBody>
-      </p:sp>
-      <p:cxnSp>
-        <p:nvCxnSpPr>
-          <p:cNvPr id="24" name="曲线连接符 23"/>
-          <p:cNvCxnSpPr>
-            <a:stCxn id="19" idx="3"/>
-            <a:endCxn id="21" idx="2"/>
-          </p:cNvCxnSpPr>
-          <p:nvPr/>
-        </p:nvCxnSpPr>
-        <p:spPr>
-          <a:xfrm flipH="1">
-            <a:off x="2398395" y="2672080"/>
-            <a:ext cx="3484245" cy="209550"/>
-          </a:xfrm>
-          <a:prstGeom prst="curvedConnector4">
-            <a:avLst>
-              <a:gd name="adj1" fmla="val -6834"/>
-              <a:gd name="adj2" fmla="val 1272727"/>
-            </a:avLst>
-          </a:prstGeom>
-          <a:ln>
-            <a:headEnd type="arrow"/>
-            <a:tailEnd type="arrow"/>
-          </a:ln>
-        </p:spPr>
-        <p:style>
-          <a:lnRef idx="1">
-            <a:schemeClr val="accent1"/>
-          </a:lnRef>
-          <a:fillRef idx="0">
-            <a:schemeClr val="accent1"/>
-          </a:fillRef>
-          <a:effectRef idx="0">
-            <a:schemeClr val="accent1"/>
-          </a:effectRef>
-          <a:fontRef idx="minor">
-            <a:schemeClr val="tx1"/>
-          </a:fontRef>
-        </p:style>
-      </p:cxnSp>
-      <p:sp>
-        <p:nvSpPr>
-          <p:cNvPr id="25" name="文本框 24"/>
-          <p:cNvSpPr txBox="1"/>
-          <p:nvPr/>
-        </p:nvSpPr>
-        <p:spPr>
-          <a:xfrm>
-            <a:off x="3672840" y="5387975"/>
-            <a:ext cx="1097280" cy="368300"/>
-          </a:xfrm>
-          <a:prstGeom prst="rect">
-            <a:avLst/>
-          </a:prstGeom>
-          <a:noFill/>
-        </p:spPr>
-        <p:txBody>
-          <a:bodyPr wrap="none" rtlCol="0">
-            <a:spAutoFit/>
-          </a:bodyPr>
-          <a:p>
-            <a:r>
-              <a:rPr lang="zh-CN" altLang="zh-CN"/>
-              <a:t>中心对称</a:t>
-            </a:r>
-            <a:endParaRPr lang="zh-CN" altLang="zh-CN"/>
-          </a:p>
-        </p:txBody>
-      </p:sp>
-      <p:cxnSp>
-        <p:nvCxnSpPr>
-          <p:cNvPr id="26" name="曲线连接符 25"/>
-          <p:cNvCxnSpPr>
-            <a:stCxn id="18" idx="3"/>
-            <a:endCxn id="19" idx="0"/>
-          </p:cNvCxnSpPr>
-          <p:nvPr/>
-        </p:nvCxnSpPr>
-        <p:spPr>
-          <a:xfrm>
-            <a:off x="4140200" y="1841500"/>
-            <a:ext cx="1282700" cy="646430"/>
-          </a:xfrm>
-          <a:prstGeom prst="curvedConnector2">
-            <a:avLst/>
-          </a:prstGeom>
-          <a:ln>
-            <a:headEnd type="arrow"/>
-            <a:tailEnd type="arrow"/>
-          </a:ln>
-        </p:spPr>
-        <p:style>
-          <a:lnRef idx="1">
-            <a:schemeClr val="accent1"/>
-          </a:lnRef>
-          <a:fillRef idx="0">
-            <a:schemeClr val="accent1"/>
-          </a:fillRef>
-          <a:effectRef idx="0">
-            <a:schemeClr val="accent1"/>
-          </a:effectRef>
-          <a:fontRef idx="minor">
-            <a:schemeClr val="tx1"/>
-          </a:fontRef>
-        </p:style>
-      </p:cxnSp>
-      <p:sp>
-        <p:nvSpPr>
-          <p:cNvPr id="27" name="文本框 26"/>
-          <p:cNvSpPr txBox="1"/>
-          <p:nvPr/>
-        </p:nvSpPr>
-        <p:spPr>
-          <a:xfrm>
-            <a:off x="2105660" y="1380490"/>
-            <a:ext cx="1554480" cy="645160"/>
-          </a:xfrm>
-          <a:prstGeom prst="rect">
-            <a:avLst/>
-          </a:prstGeom>
-          <a:noFill/>
-        </p:spPr>
-        <p:txBody>
-          <a:bodyPr wrap="none" rtlCol="0">
-            <a:spAutoFit/>
-          </a:bodyPr>
-          <a:p>
-            <a:r>
-              <a:rPr lang="zh-CN" altLang="zh-CN"/>
-              <a:t>第一个的行第</a:t>
-            </a:r>
-            <a:endParaRPr lang="zh-CN" altLang="zh-CN"/>
-          </a:p>
-          <a:p>
-            <a:r>
-              <a:rPr lang="zh-CN" altLang="zh-CN"/>
-              <a:t>二个的列互补</a:t>
-            </a:r>
-            <a:endParaRPr lang="zh-CN" altLang="zh-CN"/>
-          </a:p>
-        </p:txBody>
-      </p:sp>
-      <p:sp>
-        <p:nvSpPr>
-          <p:cNvPr id="35" name="矩形 34"/>
-          <p:cNvSpPr/>
-          <p:nvPr/>
-        </p:nvSpPr>
-        <p:spPr>
-          <a:xfrm>
             <a:off x="0" y="0"/>
-            <a:ext cx="1842135" cy="428625"/>
+            <a:ext cx="2339752" cy="428625"/>
           </a:xfrm>
           <a:prstGeom prst="rect">
             <a:avLst/>
@@ -16342,17 +15532,446 @@
         </p:style>
         <p:txBody>
           <a:bodyPr rtlCol="0" anchor="ctr"/>
-          <a:p>
-            <a:pPr algn="ctr"/>
-            <a:r>
-              <a:rPr lang="zh-CN" altLang="en-US" b="1" dirty="0"/>
-              <a:t>矩阵旋转</a:t>
+          <a:lstStyle/>
+          <a:p>
+            <a:pPr algn="ctr"/>
+            <a:r>
+              <a:rPr lang="zh-CN" altLang="en-US" b="1" dirty="0" smtClean="0"/>
+              <a:t>只出现一次的数字</a:t>
             </a:r>
             <a:endParaRPr lang="zh-CN" altLang="en-US" b="1" dirty="0"/>
           </a:p>
         </p:txBody>
       </p:sp>
+      <p:sp>
+        <p:nvSpPr>
+          <p:cNvPr id="5" name="矩形 4"/>
+          <p:cNvSpPr/>
+          <p:nvPr/>
+        </p:nvSpPr>
+        <p:spPr>
+          <a:xfrm>
+            <a:off x="4181452" y="423616"/>
+            <a:ext cx="4608512" cy="1384995"/>
+          </a:xfrm>
+          <a:prstGeom prst="rect">
+            <a:avLst/>
+          </a:prstGeom>
+        </p:spPr>
+        <p:txBody>
+          <a:bodyPr wrap="square">
+            <a:spAutoFit/>
+          </a:bodyPr>
+          <a:lstStyle/>
+          <a:p>
+            <a:r>
+              <a:rPr lang="zh-CN" altLang="zh-CN" sz="1400" dirty="0" smtClean="0">
+                <a:latin typeface="+mn-ea"/>
+                <a:cs typeface="Courier New" panose="02070309020205020404" pitchFamily="49" charset="0"/>
+              </a:rPr>
+              <a:t>统</a:t>
+            </a:r>
+            <a:r>
+              <a:rPr lang="zh-CN" altLang="zh-CN" sz="1400" dirty="0">
+                <a:latin typeface="+mn-ea"/>
+                <a:cs typeface="Courier New" panose="02070309020205020404" pitchFamily="49" charset="0"/>
+              </a:rPr>
+              <a:t>计各个二进制位 数字1 出现的次数</a:t>
+            </a:r>
+            <a:br>
+              <a:rPr lang="zh-CN" altLang="zh-CN" sz="1400" dirty="0">
+                <a:latin typeface="+mn-ea"/>
+                <a:cs typeface="Courier New" panose="02070309020205020404" pitchFamily="49" charset="0"/>
+              </a:rPr>
+            </a:br>
+            <a:r>
+              <a:rPr lang="zh-CN" altLang="zh-CN" sz="1400" dirty="0" smtClean="0">
+                <a:latin typeface="+mn-ea"/>
+                <a:cs typeface="Courier New" panose="02070309020205020404" pitchFamily="49" charset="0"/>
+              </a:rPr>
+              <a:t>定</a:t>
+            </a:r>
+            <a:r>
+              <a:rPr lang="zh-CN" altLang="zh-CN" sz="1400" dirty="0">
+                <a:latin typeface="+mn-ea"/>
+                <a:cs typeface="Courier New" panose="02070309020205020404" pitchFamily="49" charset="0"/>
+              </a:rPr>
+              <a:t>义two one 表示某一位 1的个数除以3取余后的结果</a:t>
+            </a:r>
+            <a:br>
+              <a:rPr lang="zh-CN" altLang="zh-CN" sz="1400" dirty="0">
+                <a:latin typeface="+mn-ea"/>
+                <a:cs typeface="Courier New" panose="02070309020205020404" pitchFamily="49" charset="0"/>
+              </a:rPr>
+            </a:br>
+            <a:r>
+              <a:rPr lang="zh-CN" altLang="zh-CN" sz="1400" dirty="0" smtClean="0">
+                <a:latin typeface="+mn-ea"/>
+                <a:cs typeface="Courier New" panose="02070309020205020404" pitchFamily="49" charset="0"/>
+              </a:rPr>
+              <a:t>t</a:t>
+            </a:r>
+            <a:r>
+              <a:rPr lang="zh-CN" altLang="zh-CN" sz="1400" dirty="0">
+                <a:latin typeface="+mn-ea"/>
+                <a:cs typeface="Courier New" panose="02070309020205020404" pitchFamily="49" charset="0"/>
+              </a:rPr>
+              <a:t>wo one 含义：</a:t>
+            </a:r>
+            <a:br>
+              <a:rPr lang="zh-CN" altLang="zh-CN" sz="1400" dirty="0">
+                <a:latin typeface="+mn-ea"/>
+                <a:cs typeface="Courier New" panose="02070309020205020404" pitchFamily="49" charset="0"/>
+              </a:rPr>
+            </a:br>
+            <a:r>
+              <a:rPr lang="zh-CN" altLang="zh-CN" sz="1400" dirty="0" smtClean="0">
+                <a:latin typeface="+mn-ea"/>
+                <a:cs typeface="Courier New" panose="02070309020205020404" pitchFamily="49" charset="0"/>
+              </a:rPr>
+              <a:t>0   </a:t>
+            </a:r>
+            <a:r>
+              <a:rPr lang="zh-CN" altLang="zh-CN" sz="1400" dirty="0">
+                <a:latin typeface="+mn-ea"/>
+                <a:cs typeface="Courier New" panose="02070309020205020404" pitchFamily="49" charset="0"/>
+              </a:rPr>
+              <a:t>0   该位 取余后 有0个1</a:t>
+            </a:r>
+            <a:br>
+              <a:rPr lang="zh-CN" altLang="zh-CN" sz="1400" dirty="0">
+                <a:latin typeface="+mn-ea"/>
+                <a:cs typeface="Courier New" panose="02070309020205020404" pitchFamily="49" charset="0"/>
+              </a:rPr>
+            </a:br>
+            <a:r>
+              <a:rPr lang="zh-CN" altLang="zh-CN" sz="1400" dirty="0" smtClean="0">
+                <a:latin typeface="+mn-ea"/>
+                <a:cs typeface="Courier New" panose="02070309020205020404" pitchFamily="49" charset="0"/>
+              </a:rPr>
+              <a:t>0   </a:t>
+            </a:r>
+            <a:r>
+              <a:rPr lang="zh-CN" altLang="zh-CN" sz="1400" dirty="0">
+                <a:latin typeface="+mn-ea"/>
+                <a:cs typeface="Courier New" panose="02070309020205020404" pitchFamily="49" charset="0"/>
+              </a:rPr>
+              <a:t>1   该位 取余后 有1个1</a:t>
+            </a:r>
+            <a:br>
+              <a:rPr lang="zh-CN" altLang="zh-CN" sz="1400" dirty="0">
+                <a:latin typeface="+mn-ea"/>
+                <a:cs typeface="Courier New" panose="02070309020205020404" pitchFamily="49" charset="0"/>
+              </a:rPr>
+            </a:br>
+            <a:r>
+              <a:rPr lang="zh-CN" altLang="zh-CN" sz="1400" dirty="0" smtClean="0">
+                <a:latin typeface="+mn-ea"/>
+                <a:cs typeface="Courier New" panose="02070309020205020404" pitchFamily="49" charset="0"/>
+              </a:rPr>
+              <a:t>1   </a:t>
+            </a:r>
+            <a:r>
+              <a:rPr lang="zh-CN" altLang="zh-CN" sz="1400" dirty="0">
+                <a:latin typeface="+mn-ea"/>
+                <a:cs typeface="Courier New" panose="02070309020205020404" pitchFamily="49" charset="0"/>
+              </a:rPr>
+              <a:t>0   该位 取余后 有2个</a:t>
+            </a:r>
+            <a:r>
+              <a:rPr lang="zh-CN" altLang="zh-CN" sz="1400" dirty="0" smtClean="0">
+                <a:latin typeface="+mn-ea"/>
+                <a:cs typeface="Courier New" panose="02070309020205020404" pitchFamily="49" charset="0"/>
+              </a:rPr>
+              <a:t>1</a:t>
+            </a:r>
+            <a:endParaRPr lang="zh-CN" altLang="en-US" sz="1400" dirty="0">
+              <a:latin typeface="+mn-ea"/>
+            </a:endParaRPr>
+          </a:p>
+        </p:txBody>
+      </p:sp>
+      <p:pic>
+        <p:nvPicPr>
+          <p:cNvPr id="6" name="图片 5"/>
+          <p:cNvPicPr>
+            <a:picLocks noChangeAspect="1"/>
+          </p:cNvPicPr>
+          <p:nvPr/>
+        </p:nvPicPr>
+        <p:blipFill>
+          <a:blip r:embed="rId2"/>
+          <a:stretch>
+            <a:fillRect/>
+          </a:stretch>
+        </p:blipFill>
+        <p:spPr>
+          <a:xfrm>
+            <a:off x="107504" y="590887"/>
+            <a:ext cx="3371850" cy="2924175"/>
+          </a:xfrm>
+          <a:prstGeom prst="rect">
+            <a:avLst/>
+          </a:prstGeom>
+        </p:spPr>
+      </p:pic>
+      <p:pic>
+        <p:nvPicPr>
+          <p:cNvPr id="7" name="图片 6"/>
+          <p:cNvPicPr>
+            <a:picLocks noChangeAspect="1"/>
+          </p:cNvPicPr>
+          <p:nvPr/>
+        </p:nvPicPr>
+        <p:blipFill>
+          <a:blip r:embed="rId3"/>
+          <a:stretch>
+            <a:fillRect/>
+          </a:stretch>
+        </p:blipFill>
+        <p:spPr>
+          <a:xfrm>
+            <a:off x="107504" y="3914006"/>
+            <a:ext cx="3248025" cy="2400300"/>
+          </a:xfrm>
+          <a:prstGeom prst="rect">
+            <a:avLst/>
+          </a:prstGeom>
+        </p:spPr>
+      </p:pic>
+      <p:pic>
+        <p:nvPicPr>
+          <p:cNvPr id="8" name="图片 7"/>
+          <p:cNvPicPr>
+            <a:picLocks noChangeAspect="1"/>
+          </p:cNvPicPr>
+          <p:nvPr/>
+        </p:nvPicPr>
+        <p:blipFill rotWithShape="1">
+          <a:blip r:embed="rId4" cstate="email">
+            <a:extLst>
+              <a:ext uri="{28A0092B-C50C-407E-A947-70E740481C1C}">
+                <a14:useLocalDpi xmlns:a14="http://schemas.microsoft.com/office/drawing/2010/main"/>
+              </a:ext>
+            </a:extLst>
+          </a:blip>
+          <a:srcRect/>
+          <a:stretch/>
+        </p:blipFill>
+        <p:spPr>
+          <a:xfrm>
+            <a:off x="4067944" y="1988840"/>
+            <a:ext cx="3168352" cy="1695450"/>
+          </a:xfrm>
+          <a:prstGeom prst="rect">
+            <a:avLst/>
+          </a:prstGeom>
+        </p:spPr>
+      </p:pic>
+      <p:grpSp>
+        <p:nvGrpSpPr>
+          <p:cNvPr id="16" name="组合 15"/>
+          <p:cNvGrpSpPr/>
+          <p:nvPr/>
+        </p:nvGrpSpPr>
+        <p:grpSpPr>
+          <a:xfrm>
+            <a:off x="4067944" y="4354846"/>
+            <a:ext cx="3980822" cy="1786276"/>
+            <a:chOff x="4181452" y="4354846"/>
+            <a:chExt cx="3980822" cy="1786276"/>
+          </a:xfrm>
+        </p:grpSpPr>
+        <p:pic>
+          <p:nvPicPr>
+            <p:cNvPr id="14" name="图片 13"/>
+            <p:cNvPicPr>
+              <a:picLocks noChangeAspect="1"/>
+            </p:cNvPicPr>
+            <p:nvPr/>
+          </p:nvPicPr>
+          <p:blipFill rotWithShape="1">
+            <a:blip r:embed="rId5" cstate="email">
+              <a:extLst>
+                <a:ext uri="{28A0092B-C50C-407E-A947-70E740481C1C}">
+                  <a14:useLocalDpi xmlns:a14="http://schemas.microsoft.com/office/drawing/2010/main"/>
+                </a:ext>
+              </a:extLst>
+            </a:blip>
+            <a:srcRect/>
+            <a:stretch/>
+          </p:blipFill>
+          <p:spPr>
+            <a:xfrm>
+              <a:off x="4181452" y="4365104"/>
+              <a:ext cx="3198860" cy="1695450"/>
+            </a:xfrm>
+            <a:prstGeom prst="rect">
+              <a:avLst/>
+            </a:prstGeom>
+          </p:spPr>
+        </p:pic>
+        <p:pic>
+          <p:nvPicPr>
+            <p:cNvPr id="9" name="图片 8"/>
+            <p:cNvPicPr>
+              <a:picLocks noChangeAspect="1"/>
+            </p:cNvPicPr>
+            <p:nvPr/>
+          </p:nvPicPr>
+          <p:blipFill>
+            <a:blip r:embed="rId6"/>
+            <a:stretch>
+              <a:fillRect/>
+            </a:stretch>
+          </p:blipFill>
+          <p:spPr>
+            <a:xfrm>
+              <a:off x="6436520" y="4387362"/>
+              <a:ext cx="705415" cy="1753760"/>
+            </a:xfrm>
+            <a:prstGeom prst="rect">
+              <a:avLst/>
+            </a:prstGeom>
+          </p:spPr>
+        </p:pic>
+        <p:pic>
+          <p:nvPicPr>
+            <p:cNvPr id="10" name="图片 9"/>
+            <p:cNvPicPr>
+              <a:picLocks noChangeAspect="1"/>
+            </p:cNvPicPr>
+            <p:nvPr/>
+          </p:nvPicPr>
+          <p:blipFill rotWithShape="1">
+            <a:blip r:embed="rId7"/>
+            <a:srcRect r="7556"/>
+            <a:stretch/>
+          </p:blipFill>
+          <p:spPr>
+            <a:xfrm>
+              <a:off x="7513475" y="4354846"/>
+              <a:ext cx="648799" cy="1705708"/>
+            </a:xfrm>
+            <a:prstGeom prst="rect">
+              <a:avLst/>
+            </a:prstGeom>
+          </p:spPr>
+        </p:pic>
+      </p:grpSp>
+      <p:pic>
+        <p:nvPicPr>
+          <p:cNvPr id="15" name="图片 14"/>
+          <p:cNvPicPr>
+            <a:picLocks noChangeAspect="1"/>
+          </p:cNvPicPr>
+          <p:nvPr/>
+        </p:nvPicPr>
+        <p:blipFill rotWithShape="1">
+          <a:blip r:embed="rId6"/>
+          <a:srcRect l="10712"/>
+          <a:stretch/>
+        </p:blipFill>
+        <p:spPr>
+          <a:xfrm>
+            <a:off x="7542550" y="2005707"/>
+            <a:ext cx="629850" cy="1753760"/>
+          </a:xfrm>
+          <a:prstGeom prst="rect">
+            <a:avLst/>
+          </a:prstGeom>
+        </p:spPr>
+      </p:pic>
+      <p:cxnSp>
+        <p:nvCxnSpPr>
+          <p:cNvPr id="18" name="曲线连接符 17"/>
+          <p:cNvCxnSpPr>
+            <a:stCxn id="15" idx="2"/>
+            <a:endCxn id="9" idx="0"/>
+          </p:cNvCxnSpPr>
+          <p:nvPr/>
+        </p:nvCxnSpPr>
+        <p:spPr>
+          <a:xfrm rot="5400000">
+            <a:off x="6952651" y="3482537"/>
+            <a:ext cx="627895" cy="1181755"/>
+          </a:xfrm>
+          <a:prstGeom prst="curvedConnector3">
+            <a:avLst/>
+          </a:prstGeom>
+          <a:ln>
+            <a:tailEnd type="triangle"/>
+          </a:ln>
+        </p:spPr>
+        <p:style>
+          <a:lnRef idx="1">
+            <a:schemeClr val="accent1"/>
+          </a:lnRef>
+          <a:fillRef idx="0">
+            <a:schemeClr val="accent1"/>
+          </a:fillRef>
+          <a:effectRef idx="0">
+            <a:schemeClr val="accent1"/>
+          </a:effectRef>
+          <a:fontRef idx="minor">
+            <a:schemeClr val="tx1"/>
+          </a:fontRef>
+        </p:style>
+      </p:cxnSp>
+      <p:pic>
+        <p:nvPicPr>
+          <p:cNvPr id="21" name="图片 20"/>
+          <p:cNvPicPr>
+            <a:picLocks noChangeAspect="1"/>
+          </p:cNvPicPr>
+          <p:nvPr/>
+        </p:nvPicPr>
+        <p:blipFill>
+          <a:blip r:embed="rId8"/>
+          <a:stretch>
+            <a:fillRect/>
+          </a:stretch>
+        </p:blipFill>
+        <p:spPr>
+          <a:xfrm>
+            <a:off x="5186354" y="3895377"/>
+            <a:ext cx="2971800" cy="238125"/>
+          </a:xfrm>
+          <a:prstGeom prst="rect">
+            <a:avLst/>
+          </a:prstGeom>
+        </p:spPr>
+      </p:pic>
+      <p:pic>
+        <p:nvPicPr>
+          <p:cNvPr id="22" name="图片 21"/>
+          <p:cNvPicPr>
+            <a:picLocks noChangeAspect="1"/>
+          </p:cNvPicPr>
+          <p:nvPr/>
+        </p:nvPicPr>
+        <p:blipFill>
+          <a:blip r:embed="rId9"/>
+          <a:stretch>
+            <a:fillRect/>
+          </a:stretch>
+        </p:blipFill>
+        <p:spPr>
+          <a:xfrm>
+            <a:off x="5224454" y="6314306"/>
+            <a:ext cx="2933700" cy="257175"/>
+          </a:xfrm>
+          <a:prstGeom prst="rect">
+            <a:avLst/>
+          </a:prstGeom>
+        </p:spPr>
+      </p:pic>
     </p:spTree>
+    <p:extLst>
+      <p:ext uri="{BB962C8B-B14F-4D97-AF65-F5344CB8AC3E}">
+        <p14:creationId xmlns:p14="http://schemas.microsoft.com/office/powerpoint/2010/main" val="3646451264"/>
+      </p:ext>
+    </p:extLst>
   </p:cSld>
   <p:clrMapOvr>
     <a:masterClrMapping/>
@@ -16379,14 +15998,14 @@
       </p:grpSpPr>
       <p:sp>
         <p:nvSpPr>
-          <p:cNvPr id="35" name="矩形 34"/>
+          <p:cNvPr id="11" name="矩形 10"/>
           <p:cNvSpPr/>
           <p:nvPr/>
         </p:nvSpPr>
         <p:spPr>
           <a:xfrm>
             <a:off x="0" y="0"/>
-            <a:ext cx="1842135" cy="428625"/>
+            <a:ext cx="2339752" cy="428625"/>
           </a:xfrm>
           <a:prstGeom prst="rect">
             <a:avLst/>
@@ -16413,11 +16032,12 @@
         </p:style>
         <p:txBody>
           <a:bodyPr rtlCol="0" anchor="ctr"/>
-          <a:p>
-            <a:pPr algn="ctr"/>
-            <a:r>
-              <a:rPr lang="zh-CN" altLang="en-US" b="1" dirty="0"/>
-              <a:t>接雨水</a:t>
+          <a:lstStyle/>
+          <a:p>
+            <a:pPr algn="ctr"/>
+            <a:r>
+              <a:rPr lang="zh-CN" altLang="en-US" b="1" dirty="0" smtClean="0"/>
+              <a:t>只出现一次的数字</a:t>
             </a:r>
             <a:endParaRPr lang="zh-CN" altLang="en-US" b="1" dirty="0"/>
           </a:p>
@@ -16425,26 +16045,109 @@
       </p:sp>
       <p:pic>
         <p:nvPicPr>
-          <p:cNvPr id="28" name="图片 27"/>
+          <p:cNvPr id="8" name="图片 7"/>
           <p:cNvPicPr>
             <a:picLocks noChangeAspect="1"/>
           </p:cNvPicPr>
-          <p:nvPr>
-            <p:custDataLst>
-              <p:tags r:id="rId1"/>
-            </p:custDataLst>
-          </p:nvPr>
+          <p:nvPr/>
+        </p:nvPicPr>
+        <p:blipFill rotWithShape="1">
+          <a:blip r:embed="rId2" cstate="email">
+            <a:extLst>
+              <a:ext uri="{28A0092B-C50C-407E-A947-70E740481C1C}">
+                <a14:useLocalDpi xmlns:a14="http://schemas.microsoft.com/office/drawing/2010/main"/>
+              </a:ext>
+            </a:extLst>
+          </a:blip>
+          <a:srcRect/>
+          <a:stretch/>
+        </p:blipFill>
+        <p:spPr>
+          <a:xfrm>
+            <a:off x="2530964" y="1097628"/>
+            <a:ext cx="1947774" cy="1695450"/>
+          </a:xfrm>
+          <a:prstGeom prst="rect">
+            <a:avLst/>
+          </a:prstGeom>
+        </p:spPr>
+      </p:pic>
+      <p:pic>
+        <p:nvPicPr>
+          <p:cNvPr id="15" name="图片 14"/>
+          <p:cNvPicPr>
+            <a:picLocks noChangeAspect="1"/>
+          </p:cNvPicPr>
+          <p:nvPr/>
+        </p:nvPicPr>
+        <p:blipFill rotWithShape="1">
+          <a:blip r:embed="rId3"/>
+          <a:srcRect l="10712"/>
+          <a:stretch/>
+        </p:blipFill>
+        <p:spPr>
+          <a:xfrm>
+            <a:off x="4784992" y="1114495"/>
+            <a:ext cx="629850" cy="1753760"/>
+          </a:xfrm>
+          <a:prstGeom prst="rect">
+            <a:avLst/>
+          </a:prstGeom>
+        </p:spPr>
+      </p:pic>
+      <p:cxnSp>
+        <p:nvCxnSpPr>
+          <p:cNvPr id="18" name="曲线连接符 17"/>
+          <p:cNvCxnSpPr>
+            <a:stCxn id="15" idx="2"/>
+          </p:cNvCxnSpPr>
+          <p:nvPr/>
+        </p:nvCxnSpPr>
+        <p:spPr>
+          <a:xfrm rot="5400000">
+            <a:off x="4195093" y="2591325"/>
+            <a:ext cx="627895" cy="1181755"/>
+          </a:xfrm>
+          <a:prstGeom prst="curvedConnector3">
+            <a:avLst/>
+          </a:prstGeom>
+          <a:ln>
+            <a:tailEnd type="triangle"/>
+          </a:ln>
+        </p:spPr>
+        <p:style>
+          <a:lnRef idx="1">
+            <a:schemeClr val="accent1"/>
+          </a:lnRef>
+          <a:fillRef idx="0">
+            <a:schemeClr val="accent1"/>
+          </a:fillRef>
+          <a:effectRef idx="0">
+            <a:schemeClr val="accent1"/>
+          </a:effectRef>
+          <a:fontRef idx="minor">
+            <a:schemeClr val="tx1"/>
+          </a:fontRef>
+        </p:style>
+      </p:cxnSp>
+      <p:pic>
+        <p:nvPicPr>
+          <p:cNvPr id="21" name="图片 20"/>
+          <p:cNvPicPr>
+            <a:picLocks noChangeAspect="1"/>
+          </p:cNvPicPr>
+          <p:nvPr/>
         </p:nvPicPr>
         <p:blipFill>
-          <a:blip r:embed="rId2"/>
+          <a:blip r:embed="rId4"/>
           <a:stretch>
             <a:fillRect/>
           </a:stretch>
         </p:blipFill>
         <p:spPr>
           <a:xfrm>
-            <a:off x="1464310" y="1111885"/>
-            <a:ext cx="5546090" cy="2081530"/>
+            <a:off x="2428796" y="3004165"/>
+            <a:ext cx="2971800" cy="238125"/>
           </a:xfrm>
           <a:prstGeom prst="rect">
             <a:avLst/>
@@ -16453,22 +16156,22 @@
       </p:pic>
       <p:pic>
         <p:nvPicPr>
-          <p:cNvPr id="29" name="图片 28"/>
+          <p:cNvPr id="22" name="图片 21"/>
           <p:cNvPicPr>
             <a:picLocks noChangeAspect="1"/>
           </p:cNvPicPr>
           <p:nvPr/>
         </p:nvPicPr>
         <p:blipFill>
-          <a:blip r:embed="rId3"/>
+          <a:blip r:embed="rId5"/>
           <a:stretch>
             <a:fillRect/>
           </a:stretch>
         </p:blipFill>
         <p:spPr>
           <a:xfrm>
-            <a:off x="1340485" y="4103370"/>
-            <a:ext cx="6463030" cy="1691640"/>
+            <a:off x="2466896" y="5423094"/>
+            <a:ext cx="2933700" cy="257175"/>
           </a:xfrm>
           <a:prstGeom prst="rect">
             <a:avLst/>
@@ -16477,64 +16180,230 @@
       </p:pic>
       <p:sp>
         <p:nvSpPr>
-          <p:cNvPr id="30" name="矩形 29"/>
-          <p:cNvSpPr/>
-          <p:nvPr/>
-        </p:nvSpPr>
-        <p:spPr>
-          <a:xfrm>
-            <a:off x="3491865" y="2205355"/>
-            <a:ext cx="1296035" cy="431800"/>
+          <p:cNvPr id="2" name="文本框 1"/>
+          <p:cNvSpPr txBox="1"/>
+          <p:nvPr/>
+        </p:nvSpPr>
+        <p:spPr>
+          <a:xfrm>
+            <a:off x="6324843" y="1260446"/>
+            <a:ext cx="1847557" cy="2031325"/>
           </a:xfrm>
           <a:prstGeom prst="rect">
             <a:avLst/>
           </a:prstGeom>
-          <a:noFill/>
-          <a:ln w="31750">
-            <a:solidFill>
-              <a:srgbClr val="FF0000"/>
-            </a:solidFill>
-            <a:prstDash val="sysDash"/>
-          </a:ln>
-        </p:spPr>
-        <p:style>
-          <a:lnRef idx="2">
-            <a:schemeClr val="accent2"/>
+        </p:spPr>
+        <p:style>
+          <a:lnRef idx="2">
+            <a:schemeClr val="dk1"/>
           </a:lnRef>
           <a:fillRef idx="1">
             <a:schemeClr val="lt1"/>
           </a:fillRef>
           <a:effectRef idx="0">
-            <a:schemeClr val="accent2"/>
-          </a:effectRef>
-          <a:fontRef idx="minor">
             <a:schemeClr val="dk1"/>
-          </a:fontRef>
-        </p:style>
-        <p:txBody>
-          <a:bodyPr rtlCol="0" anchor="ctr"/>
-          <a:p>
-            <a:pPr algn="ctr"/>
-            <a:endParaRPr lang="zh-CN" altLang="en-US"/>
+          </a:effectRef>
+          <a:fontRef idx="minor">
+            <a:schemeClr val="dk1"/>
+          </a:fontRef>
+        </p:style>
+        <p:txBody>
+          <a:bodyPr wrap="none" rtlCol="0">
+            <a:spAutoFit/>
+          </a:bodyPr>
+          <a:lstStyle/>
+          <a:p>
+            <a:r>
+              <a:rPr lang="en-US" altLang="zh-CN" dirty="0" smtClean="0"/>
+              <a:t>If ones == 0:</a:t>
+            </a:r>
+          </a:p>
+          <a:p>
+            <a:r>
+              <a:rPr lang="en-US" altLang="zh-CN" dirty="0"/>
+              <a:t> </a:t>
+            </a:r>
+            <a:r>
+              <a:rPr lang="en-US" altLang="zh-CN" dirty="0" smtClean="0"/>
+              <a:t>   if num == 0:</a:t>
+            </a:r>
+          </a:p>
+          <a:p>
+            <a:r>
+              <a:rPr lang="en-US" altLang="zh-CN" dirty="0"/>
+              <a:t> </a:t>
+            </a:r>
+            <a:r>
+              <a:rPr lang="en-US" altLang="zh-CN" dirty="0" smtClean="0"/>
+              <a:t>       twos = twos</a:t>
+            </a:r>
+          </a:p>
+          <a:p>
+            <a:r>
+              <a:rPr lang="en-US" altLang="zh-CN" dirty="0"/>
+              <a:t> </a:t>
+            </a:r>
+            <a:r>
+              <a:rPr lang="en-US" altLang="zh-CN" dirty="0" smtClean="0"/>
+              <a:t>   if num == 1</a:t>
+            </a:r>
+          </a:p>
+          <a:p>
+            <a:r>
+              <a:rPr lang="en-US" altLang="zh-CN" dirty="0"/>
+              <a:t> </a:t>
+            </a:r>
+            <a:r>
+              <a:rPr lang="en-US" altLang="zh-CN" dirty="0" smtClean="0"/>
+              <a:t>       twos = ~twos</a:t>
+            </a:r>
+          </a:p>
+          <a:p>
+            <a:r>
+              <a:rPr lang="en-US" altLang="zh-CN" dirty="0" smtClean="0"/>
+              <a:t>If ones == 1:</a:t>
+            </a:r>
+          </a:p>
+          <a:p>
+            <a:r>
+              <a:rPr lang="en-US" altLang="zh-CN" dirty="0"/>
+              <a:t> </a:t>
+            </a:r>
+            <a:r>
+              <a:rPr lang="en-US" altLang="zh-CN" dirty="0" smtClean="0"/>
+              <a:t>   twos = 0     </a:t>
+            </a:r>
+            <a:endParaRPr lang="zh-CN" altLang="en-US" dirty="0"/>
+          </a:p>
+        </p:txBody>
+      </p:sp>
+      <p:sp>
+        <p:nvSpPr>
+          <p:cNvPr id="17" name="文本框 16"/>
+          <p:cNvSpPr txBox="1"/>
+          <p:nvPr/>
+        </p:nvSpPr>
+        <p:spPr>
+          <a:xfrm>
+            <a:off x="6269477" y="3708718"/>
+            <a:ext cx="1958165" cy="1200329"/>
+          </a:xfrm>
+          <a:prstGeom prst="rect">
+            <a:avLst/>
+          </a:prstGeom>
+        </p:spPr>
+        <p:style>
+          <a:lnRef idx="2">
+            <a:schemeClr val="dk1"/>
+          </a:lnRef>
+          <a:fillRef idx="1">
+            <a:schemeClr val="lt1"/>
+          </a:fillRef>
+          <a:effectRef idx="0">
+            <a:schemeClr val="dk1"/>
+          </a:effectRef>
+          <a:fontRef idx="minor">
+            <a:schemeClr val="dk1"/>
+          </a:fontRef>
+        </p:style>
+        <p:txBody>
+          <a:bodyPr wrap="none" rtlCol="0">
+            <a:spAutoFit/>
+          </a:bodyPr>
+          <a:lstStyle/>
+          <a:p>
+            <a:r>
+              <a:rPr lang="en-US" altLang="zh-CN" dirty="0" smtClean="0"/>
+              <a:t>If ones == 0:</a:t>
+            </a:r>
+          </a:p>
+          <a:p>
+            <a:r>
+              <a:rPr lang="en-US" altLang="zh-CN" dirty="0" smtClean="0"/>
+              <a:t>    twos=twos^num</a:t>
+            </a:r>
+          </a:p>
+          <a:p>
+            <a:r>
+              <a:rPr lang="en-US" altLang="zh-CN" dirty="0" smtClean="0"/>
+              <a:t>If ones == 1:</a:t>
+            </a:r>
+          </a:p>
+          <a:p>
+            <a:r>
+              <a:rPr lang="en-US" altLang="zh-CN" dirty="0" smtClean="0"/>
+              <a:t>    twos = 0     </a:t>
+            </a:r>
+            <a:endParaRPr lang="zh-CN" altLang="en-US" dirty="0"/>
+          </a:p>
+        </p:txBody>
+      </p:sp>
+      <p:sp>
+        <p:nvSpPr>
+          <p:cNvPr id="20" name="文本框 19"/>
+          <p:cNvSpPr txBox="1"/>
+          <p:nvPr/>
+        </p:nvSpPr>
+        <p:spPr>
+          <a:xfrm>
+            <a:off x="5940152" y="5301208"/>
+            <a:ext cx="2626616" cy="369332"/>
+          </a:xfrm>
+          <a:prstGeom prst="rect">
+            <a:avLst/>
+          </a:prstGeom>
+        </p:spPr>
+        <p:style>
+          <a:lnRef idx="2">
+            <a:schemeClr val="dk1"/>
+          </a:lnRef>
+          <a:fillRef idx="1">
+            <a:schemeClr val="lt1"/>
+          </a:fillRef>
+          <a:effectRef idx="0">
+            <a:schemeClr val="dk1"/>
+          </a:effectRef>
+          <a:fontRef idx="minor">
+            <a:schemeClr val="dk1"/>
+          </a:fontRef>
+        </p:style>
+        <p:txBody>
+          <a:bodyPr wrap="none" rtlCol="0">
+            <a:spAutoFit/>
+          </a:bodyPr>
+          <a:lstStyle/>
+          <a:p>
+            <a:r>
+              <a:rPr lang="en-US" altLang="zh-CN" dirty="0"/>
+              <a:t>t</a:t>
+            </a:r>
+            <a:r>
+              <a:rPr lang="en-US" altLang="zh-CN" dirty="0" smtClean="0"/>
+              <a:t>wos=twos ^num &amp; ~ones</a:t>
+            </a:r>
+            <a:endParaRPr lang="zh-CN" altLang="en-US" dirty="0"/>
           </a:p>
         </p:txBody>
       </p:sp>
       <p:cxnSp>
         <p:nvCxnSpPr>
-          <p:cNvPr id="31" name="直接箭头连接符 30"/>
-          <p:cNvCxnSpPr/>
+          <p:cNvPr id="27" name="直接箭头连接符 26"/>
+          <p:cNvCxnSpPr>
+            <a:stCxn id="17" idx="2"/>
+            <a:endCxn id="20" idx="0"/>
+          </p:cNvCxnSpPr>
           <p:nvPr/>
         </p:nvCxnSpPr>
         <p:spPr>
-          <a:xfrm flipV="1">
-            <a:off x="4572000" y="3054350"/>
-            <a:ext cx="0" cy="687705"/>
+          <a:xfrm>
+            <a:off x="7248560" y="4909047"/>
+            <a:ext cx="4900" cy="392161"/>
           </a:xfrm>
           <a:prstGeom prst="straightConnector1">
             <a:avLst/>
           </a:prstGeom>
-          <a:ln w="31750">
-            <a:tailEnd type="arrow"/>
+          <a:ln>
+            <a:tailEnd type="triangle"/>
           </a:ln>
         </p:spPr>
         <p:style>
@@ -16554,20 +16423,23 @@
       </p:cxnSp>
       <p:cxnSp>
         <p:nvCxnSpPr>
-          <p:cNvPr id="32" name="直接箭头连接符 31"/>
-          <p:cNvCxnSpPr/>
+          <p:cNvPr id="28" name="直接箭头连接符 27"/>
+          <p:cNvCxnSpPr>
+            <a:stCxn id="2" idx="2"/>
+            <a:endCxn id="17" idx="0"/>
+          </p:cNvCxnSpPr>
           <p:nvPr/>
         </p:nvCxnSpPr>
         <p:spPr>
-          <a:xfrm>
-            <a:off x="3317875" y="1289685"/>
-            <a:ext cx="0" cy="909955"/>
+          <a:xfrm flipH="1">
+            <a:off x="7248560" y="3291771"/>
+            <a:ext cx="62" cy="416947"/>
           </a:xfrm>
           <a:prstGeom prst="straightConnector1">
             <a:avLst/>
           </a:prstGeom>
-          <a:ln w="31750">
-            <a:tailEnd type="arrow"/>
+          <a:ln>
+            <a:tailEnd type="triangle"/>
           </a:ln>
         </p:spPr>
         <p:style>
@@ -16585,39 +16457,30 @@
           </a:fontRef>
         </p:style>
       </p:cxnSp>
-      <p:cxnSp>
-        <p:nvCxnSpPr>
-          <p:cNvPr id="33" name="直接箭头连接符 32"/>
-          <p:cNvCxnSpPr/>
-          <p:nvPr/>
-        </p:nvCxnSpPr>
-        <p:spPr>
-          <a:xfrm>
-            <a:off x="4970780" y="1234440"/>
-            <a:ext cx="0" cy="565785"/>
-          </a:xfrm>
-          <a:prstGeom prst="straightConnector1">
-            <a:avLst/>
-          </a:prstGeom>
-          <a:ln w="31750">
-            <a:tailEnd type="arrow"/>
-          </a:ln>
-        </p:spPr>
-        <p:style>
-          <a:lnRef idx="1">
-            <a:schemeClr val="accent1"/>
-          </a:lnRef>
-          <a:fillRef idx="0">
-            <a:schemeClr val="accent1"/>
-          </a:fillRef>
-          <a:effectRef idx="0">
-            <a:schemeClr val="accent1"/>
-          </a:effectRef>
-          <a:fontRef idx="minor">
-            <a:schemeClr val="tx1"/>
-          </a:fontRef>
-        </p:style>
-      </p:cxnSp>
+      <p:pic>
+        <p:nvPicPr>
+          <p:cNvPr id="33" name="图片 32"/>
+          <p:cNvPicPr>
+            <a:picLocks noChangeAspect="1"/>
+          </p:cNvPicPr>
+          <p:nvPr/>
+        </p:nvPicPr>
+        <p:blipFill>
+          <a:blip r:embed="rId6"/>
+          <a:stretch>
+            <a:fillRect/>
+          </a:stretch>
+        </p:blipFill>
+        <p:spPr>
+          <a:xfrm>
+            <a:off x="2525955" y="3586766"/>
+            <a:ext cx="2816879" cy="1636719"/>
+          </a:xfrm>
+          <a:prstGeom prst="rect">
+            <a:avLst/>
+          </a:prstGeom>
+        </p:spPr>
+      </p:pic>
       <p:sp>
         <p:nvSpPr>
           <p:cNvPr id="34" name="文本框 33"/>
@@ -16626,8 +16489,8 @@
         </p:nvSpPr>
         <p:spPr>
           <a:xfrm>
-            <a:off x="2877185" y="934085"/>
-            <a:ext cx="868680" cy="368300"/>
+            <a:off x="467544" y="1700808"/>
+            <a:ext cx="1326004" cy="369332"/>
           </a:xfrm>
           <a:prstGeom prst="rect">
             <a:avLst/>
@@ -16638,25 +16501,30 @@
           <a:bodyPr wrap="none" rtlCol="0">
             <a:spAutoFit/>
           </a:bodyPr>
-          <a:p>
-            <a:r>
-              <a:rPr lang="zh-CN" altLang="en-US"/>
-              <a:t>左边界</a:t>
-            </a:r>
-            <a:endParaRPr lang="zh-CN" altLang="en-US"/>
-          </a:p>
-        </p:txBody>
-      </p:sp>
-      <p:sp>
-        <p:nvSpPr>
-          <p:cNvPr id="36" name="文本框 35"/>
+          <a:lstStyle/>
+          <a:p>
+            <a:r>
+              <a:rPr lang="zh-CN" altLang="en-US" dirty="0" smtClean="0"/>
+              <a:t>先计算</a:t>
+            </a:r>
+            <a:r>
+              <a:rPr lang="en-US" altLang="zh-CN" dirty="0" smtClean="0"/>
+              <a:t>ones</a:t>
+            </a:r>
+            <a:endParaRPr lang="zh-CN" altLang="en-US" dirty="0"/>
+          </a:p>
+        </p:txBody>
+      </p:sp>
+      <p:sp>
+        <p:nvSpPr>
+          <p:cNvPr id="35" name="文本框 34"/>
           <p:cNvSpPr txBox="1"/>
           <p:nvPr/>
         </p:nvSpPr>
         <p:spPr>
           <a:xfrm>
-            <a:off x="4538345" y="887095"/>
-            <a:ext cx="868680" cy="368300"/>
+            <a:off x="179512" y="4405125"/>
+            <a:ext cx="2239203" cy="369332"/>
           </a:xfrm>
           <a:prstGeom prst="rect">
             <a:avLst/>
@@ -16667,16 +16535,34 @@
           <a:bodyPr wrap="none" rtlCol="0">
             <a:spAutoFit/>
           </a:bodyPr>
-          <a:p>
-            <a:r>
-              <a:rPr lang="zh-CN" altLang="zh-CN"/>
-              <a:t>右边界</a:t>
-            </a:r>
-            <a:endParaRPr lang="zh-CN" altLang="zh-CN"/>
+          <a:lstStyle/>
+          <a:p>
+            <a:r>
+              <a:rPr lang="zh-CN" altLang="en-US" dirty="0" smtClean="0"/>
+              <a:t>更新</a:t>
+            </a:r>
+            <a:r>
+              <a:rPr lang="en-US" altLang="zh-CN" dirty="0" smtClean="0"/>
+              <a:t>ones</a:t>
+            </a:r>
+            <a:r>
+              <a:rPr lang="zh-CN" altLang="en-US" dirty="0" smtClean="0"/>
+              <a:t>，计算</a:t>
+            </a:r>
+            <a:r>
+              <a:rPr lang="en-US" altLang="zh-CN" dirty="0" smtClean="0"/>
+              <a:t>twos</a:t>
+            </a:r>
+            <a:endParaRPr lang="zh-CN" altLang="en-US" dirty="0"/>
           </a:p>
         </p:txBody>
       </p:sp>
     </p:spTree>
+    <p:extLst>
+      <p:ext uri="{BB962C8B-B14F-4D97-AF65-F5344CB8AC3E}">
+        <p14:creationId xmlns:p14="http://schemas.microsoft.com/office/powerpoint/2010/main" val="2726420942"/>
+      </p:ext>
+    </p:extLst>
   </p:cSld>
   <p:clrMapOvr>
     <a:masterClrMapping/>
@@ -16727,7 +16613,6 @@
               <a:rPr lang="zh-CN" altLang="en-US" sz="6600" b="1" dirty="0"/>
               <a:t>排序</a:t>
             </a:r>
-            <a:endParaRPr lang="zh-CN" altLang="en-US" sz="6600" b="1" dirty="0"/>
           </a:p>
         </p:txBody>
       </p:sp>
@@ -16764,8 +16649,8 @@
         </p:nvSpPr>
         <p:spPr>
           <a:xfrm>
-            <a:off x="3565504" y="2483161"/>
-            <a:ext cx="1866900" cy="1106805"/>
+            <a:off x="2723494" y="2483161"/>
+            <a:ext cx="3550920" cy="1106805"/>
           </a:xfrm>
           <a:prstGeom prst="rect">
             <a:avLst/>
@@ -16781,9 +16666,8 @@
             <a:pPr algn="ctr"/>
             <a:r>
               <a:rPr lang="zh-CN" altLang="en-US" sz="6600" b="1" dirty="0"/>
-              <a:t>链表</a:t>
-            </a:r>
-            <a:endParaRPr lang="zh-CN" altLang="en-US" sz="6600" b="1" dirty="0"/>
+              <a:t>矩阵操作</a:t>
+            </a:r>
           </a:p>
         </p:txBody>
       </p:sp>
@@ -16814,16 +16698,16 @@
       </p:grpSpPr>
       <p:sp>
         <p:nvSpPr>
-          <p:cNvPr id="2" name="圆角矩形 1"/>
-          <p:cNvSpPr/>
-          <p:nvPr/>
-        </p:nvSpPr>
-        <p:spPr>
-          <a:xfrm>
-            <a:off x="3193415" y="1376680"/>
-            <a:ext cx="648335" cy="575945"/>
-          </a:xfrm>
-          <a:prstGeom prst="roundRect">
+          <p:cNvPr id="2" name="矩形 1"/>
+          <p:cNvSpPr/>
+          <p:nvPr/>
+        </p:nvSpPr>
+        <p:spPr>
+          <a:xfrm>
+            <a:off x="3227705" y="2051050"/>
+            <a:ext cx="432435" cy="432435"/>
+          </a:xfrm>
+          <a:prstGeom prst="rect">
             <a:avLst/>
           </a:prstGeom>
         </p:spPr>
@@ -16845,28 +16729,65 @@
         </p:style>
         <p:txBody>
           <a:bodyPr rtlCol="0" anchor="ctr"/>
-          <a:p>
-            <a:pPr algn="ctr"/>
-            <a:r>
-              <a:rPr lang="en-US" altLang="zh-CN"/>
-              <a:t>1</a:t>
-            </a:r>
-            <a:endParaRPr lang="en-US" altLang="zh-CN"/>
-          </a:p>
-        </p:txBody>
-      </p:sp>
-      <p:sp>
-        <p:nvSpPr>
-          <p:cNvPr id="3" name="圆角矩形 2"/>
-          <p:cNvSpPr/>
-          <p:nvPr/>
-        </p:nvSpPr>
-        <p:spPr>
-          <a:xfrm>
-            <a:off x="3809365" y="1376680"/>
-            <a:ext cx="648335" cy="575945"/>
-          </a:xfrm>
-          <a:prstGeom prst="roundRect">
+          <a:lstStyle/>
+          <a:p>
+            <a:pPr algn="ctr"/>
+            <a:endParaRPr lang="zh-CN" altLang="en-US"/>
+          </a:p>
+        </p:txBody>
+      </p:sp>
+      <p:sp>
+        <p:nvSpPr>
+          <p:cNvPr id="3" name="矩形 2"/>
+          <p:cNvSpPr/>
+          <p:nvPr/>
+        </p:nvSpPr>
+        <p:spPr>
+          <a:xfrm>
+            <a:off x="3672840" y="2065655"/>
+            <a:ext cx="432435" cy="432435"/>
+          </a:xfrm>
+          <a:prstGeom prst="rect">
+            <a:avLst/>
+          </a:prstGeom>
+        </p:spPr>
+        <p:style>
+          <a:lnRef idx="2">
+            <a:schemeClr val="accent4">
+              <a:shade val="50000"/>
+            </a:schemeClr>
+          </a:lnRef>
+          <a:fillRef idx="1">
+            <a:schemeClr val="accent4"/>
+          </a:fillRef>
+          <a:effectRef idx="0">
+            <a:schemeClr val="accent4"/>
+          </a:effectRef>
+          <a:fontRef idx="minor">
+            <a:schemeClr val="lt1"/>
+          </a:fontRef>
+        </p:style>
+        <p:txBody>
+          <a:bodyPr rtlCol="0" anchor="ctr"/>
+          <a:lstStyle/>
+          <a:p>
+            <a:pPr algn="ctr"/>
+            <a:endParaRPr lang="zh-CN" altLang="en-US"/>
+          </a:p>
+        </p:txBody>
+      </p:sp>
+      <p:sp>
+        <p:nvSpPr>
+          <p:cNvPr id="4" name="矩形 3"/>
+          <p:cNvSpPr/>
+          <p:nvPr/>
+        </p:nvSpPr>
+        <p:spPr>
+          <a:xfrm>
+            <a:off x="4095750" y="2065655"/>
+            <a:ext cx="432435" cy="432435"/>
+          </a:xfrm>
+          <a:prstGeom prst="rect">
             <a:avLst/>
           </a:prstGeom>
         </p:spPr>
@@ -16888,28 +16809,25 @@
         </p:style>
         <p:txBody>
           <a:bodyPr rtlCol="0" anchor="ctr"/>
-          <a:p>
-            <a:pPr algn="ctr"/>
-            <a:r>
-              <a:rPr lang="en-US" altLang="zh-CN"/>
-              <a:t>4</a:t>
-            </a:r>
-            <a:endParaRPr lang="en-US" altLang="zh-CN"/>
-          </a:p>
-        </p:txBody>
-      </p:sp>
-      <p:sp>
-        <p:nvSpPr>
-          <p:cNvPr id="4" name="圆角矩形 3"/>
-          <p:cNvSpPr/>
-          <p:nvPr/>
-        </p:nvSpPr>
-        <p:spPr>
-          <a:xfrm>
-            <a:off x="4436745" y="1376680"/>
-            <a:ext cx="648335" cy="575945"/>
-          </a:xfrm>
-          <a:prstGeom prst="roundRect">
+          <a:lstStyle/>
+          <a:p>
+            <a:pPr algn="ctr"/>
+            <a:endParaRPr lang="zh-CN" altLang="en-US"/>
+          </a:p>
+        </p:txBody>
+      </p:sp>
+      <p:sp>
+        <p:nvSpPr>
+          <p:cNvPr id="5" name="矩形 4"/>
+          <p:cNvSpPr/>
+          <p:nvPr/>
+        </p:nvSpPr>
+        <p:spPr>
+          <a:xfrm>
+            <a:off x="4529455" y="2059305"/>
+            <a:ext cx="432435" cy="432435"/>
+          </a:xfrm>
+          <a:prstGeom prst="rect">
             <a:avLst/>
           </a:prstGeom>
         </p:spPr>
@@ -16931,28 +16849,25 @@
         </p:style>
         <p:txBody>
           <a:bodyPr rtlCol="0" anchor="ctr"/>
-          <a:p>
-            <a:pPr algn="ctr"/>
-            <a:r>
-              <a:rPr lang="en-US" altLang="zh-CN"/>
-              <a:t>5</a:t>
-            </a:r>
-            <a:endParaRPr lang="en-US" altLang="zh-CN"/>
-          </a:p>
-        </p:txBody>
-      </p:sp>
-      <p:sp>
-        <p:nvSpPr>
-          <p:cNvPr id="5" name="圆角矩形 4"/>
-          <p:cNvSpPr/>
-          <p:nvPr/>
-        </p:nvSpPr>
-        <p:spPr>
-          <a:xfrm>
-            <a:off x="5052695" y="1376680"/>
-            <a:ext cx="648335" cy="575945"/>
-          </a:xfrm>
-          <a:prstGeom prst="roundRect">
+          <a:lstStyle/>
+          <a:p>
+            <a:pPr algn="ctr"/>
+            <a:endParaRPr lang="zh-CN" altLang="en-US"/>
+          </a:p>
+        </p:txBody>
+      </p:sp>
+      <p:sp>
+        <p:nvSpPr>
+          <p:cNvPr id="6" name="矩形 5"/>
+          <p:cNvSpPr/>
+          <p:nvPr/>
+        </p:nvSpPr>
+        <p:spPr>
+          <a:xfrm>
+            <a:off x="3227705" y="2483485"/>
+            <a:ext cx="432435" cy="432435"/>
+          </a:xfrm>
+          <a:prstGeom prst="rect">
             <a:avLst/>
           </a:prstGeom>
         </p:spPr>
@@ -16974,158 +16889,25 @@
         </p:style>
         <p:txBody>
           <a:bodyPr rtlCol="0" anchor="ctr"/>
-          <a:p>
-            <a:pPr algn="ctr"/>
-            <a:r>
-              <a:rPr lang="en-US" altLang="zh-CN"/>
-              <a:t>2</a:t>
-            </a:r>
-            <a:endParaRPr lang="en-US" altLang="zh-CN"/>
-          </a:p>
-        </p:txBody>
-      </p:sp>
-      <p:cxnSp>
-        <p:nvCxnSpPr>
-          <p:cNvPr id="7" name="直接箭头连接符 6"/>
-          <p:cNvCxnSpPr/>
-          <p:nvPr/>
-        </p:nvCxnSpPr>
-        <p:spPr>
-          <a:xfrm flipV="1">
-            <a:off x="3517900" y="1952625"/>
-            <a:ext cx="0" cy="643255"/>
-          </a:xfrm>
-          <a:prstGeom prst="straightConnector1">
-            <a:avLst/>
-          </a:prstGeom>
-          <a:ln w="38100">
-            <a:solidFill>
-              <a:srgbClr val="00B050"/>
-            </a:solidFill>
-            <a:tailEnd type="arrow"/>
-          </a:ln>
-        </p:spPr>
-        <p:style>
-          <a:lnRef idx="1">
-            <a:schemeClr val="accent1"/>
-          </a:lnRef>
-          <a:fillRef idx="0">
-            <a:schemeClr val="accent1"/>
-          </a:fillRef>
-          <a:effectRef idx="0">
-            <a:schemeClr val="accent1"/>
-          </a:effectRef>
-          <a:fontRef idx="minor">
-            <a:schemeClr val="tx1"/>
-          </a:fontRef>
-        </p:style>
-      </p:cxnSp>
-      <p:cxnSp>
-        <p:nvCxnSpPr>
-          <p:cNvPr id="8" name="直接箭头连接符 7"/>
-          <p:cNvCxnSpPr/>
-          <p:nvPr/>
-        </p:nvCxnSpPr>
-        <p:spPr>
-          <a:xfrm flipV="1">
-            <a:off x="4760595" y="1952625"/>
-            <a:ext cx="0" cy="643255"/>
-          </a:xfrm>
-          <a:prstGeom prst="straightConnector1">
-            <a:avLst/>
-          </a:prstGeom>
-          <a:ln w="38100">
-            <a:solidFill>
-              <a:srgbClr val="00B050"/>
-            </a:solidFill>
-            <a:tailEnd type="arrow"/>
-          </a:ln>
-        </p:spPr>
-        <p:style>
-          <a:lnRef idx="1">
-            <a:schemeClr val="accent1"/>
-          </a:lnRef>
-          <a:fillRef idx="0">
-            <a:schemeClr val="accent1"/>
-          </a:fillRef>
-          <a:effectRef idx="0">
-            <a:schemeClr val="accent1"/>
-          </a:effectRef>
-          <a:fontRef idx="minor">
-            <a:schemeClr val="tx1"/>
-          </a:fontRef>
-        </p:style>
-      </p:cxnSp>
-      <p:sp>
-        <p:nvSpPr>
-          <p:cNvPr id="9" name="文本框 8"/>
-          <p:cNvSpPr txBox="1"/>
-          <p:nvPr/>
-        </p:nvSpPr>
-        <p:spPr>
-          <a:xfrm>
-            <a:off x="3276600" y="2595880"/>
-            <a:ext cx="597535" cy="368300"/>
+          <a:lstStyle/>
+          <a:p>
+            <a:pPr algn="ctr"/>
+            <a:endParaRPr lang="zh-CN" altLang="en-US"/>
+          </a:p>
+        </p:txBody>
+      </p:sp>
+      <p:sp>
+        <p:nvSpPr>
+          <p:cNvPr id="7" name="矩形 6"/>
+          <p:cNvSpPr/>
+          <p:nvPr/>
+        </p:nvSpPr>
+        <p:spPr>
+          <a:xfrm>
+            <a:off x="3672205" y="2487930"/>
+            <a:ext cx="432435" cy="432435"/>
           </a:xfrm>
           <a:prstGeom prst="rect">
-            <a:avLst/>
-          </a:prstGeom>
-          <a:noFill/>
-        </p:spPr>
-        <p:txBody>
-          <a:bodyPr wrap="square" rtlCol="0">
-            <a:spAutoFit/>
-          </a:bodyPr>
-          <a:p>
-            <a:r>
-              <a:rPr lang="en-US" altLang="zh-CN"/>
-              <a:t>left</a:t>
-            </a:r>
-            <a:endParaRPr lang="en-US" altLang="zh-CN"/>
-          </a:p>
-        </p:txBody>
-      </p:sp>
-      <p:sp>
-        <p:nvSpPr>
-          <p:cNvPr id="10" name="文本框 9"/>
-          <p:cNvSpPr txBox="1"/>
-          <p:nvPr/>
-        </p:nvSpPr>
-        <p:spPr>
-          <a:xfrm>
-            <a:off x="4465955" y="2595880"/>
-            <a:ext cx="796925" cy="368300"/>
-          </a:xfrm>
-          <a:prstGeom prst="rect">
-            <a:avLst/>
-          </a:prstGeom>
-          <a:noFill/>
-        </p:spPr>
-        <p:txBody>
-          <a:bodyPr wrap="square" rtlCol="0">
-            <a:spAutoFit/>
-          </a:bodyPr>
-          <a:p>
-            <a:r>
-              <a:rPr lang="en-US" altLang="zh-CN"/>
-              <a:t>right</a:t>
-            </a:r>
-            <a:endParaRPr lang="en-US" altLang="zh-CN"/>
-          </a:p>
-        </p:txBody>
-      </p:sp>
-      <p:sp>
-        <p:nvSpPr>
-          <p:cNvPr id="11" name="圆角矩形 10"/>
-          <p:cNvSpPr/>
-          <p:nvPr/>
-        </p:nvSpPr>
-        <p:spPr>
-          <a:xfrm>
-            <a:off x="5052695" y="322580"/>
-            <a:ext cx="648335" cy="575945"/>
-          </a:xfrm>
-          <a:prstGeom prst="roundRect">
             <a:avLst/>
           </a:prstGeom>
         </p:spPr>
@@ -17147,28 +16929,25 @@
         </p:style>
         <p:txBody>
           <a:bodyPr rtlCol="0" anchor="ctr"/>
-          <a:p>
-            <a:pPr algn="ctr"/>
-            <a:r>
-              <a:rPr lang="en-US" altLang="zh-CN"/>
-              <a:t>4</a:t>
-            </a:r>
-            <a:endParaRPr lang="en-US" altLang="zh-CN"/>
-          </a:p>
-        </p:txBody>
-      </p:sp>
-      <p:sp>
-        <p:nvSpPr>
-          <p:cNvPr id="12" name="圆角矩形 11"/>
-          <p:cNvSpPr/>
-          <p:nvPr/>
-        </p:nvSpPr>
-        <p:spPr>
-          <a:xfrm>
-            <a:off x="5701030" y="1376680"/>
-            <a:ext cx="648335" cy="575945"/>
-          </a:xfrm>
-          <a:prstGeom prst="roundRect">
+          <a:lstStyle/>
+          <a:p>
+            <a:pPr algn="ctr"/>
+            <a:endParaRPr lang="zh-CN" altLang="en-US"/>
+          </a:p>
+        </p:txBody>
+      </p:sp>
+      <p:sp>
+        <p:nvSpPr>
+          <p:cNvPr id="8" name="矩形 7"/>
+          <p:cNvSpPr/>
+          <p:nvPr/>
+        </p:nvSpPr>
+        <p:spPr>
+          <a:xfrm>
+            <a:off x="4095115" y="2487930"/>
+            <a:ext cx="432435" cy="432435"/>
+          </a:xfrm>
+          <a:prstGeom prst="rect">
             <a:avLst/>
           </a:prstGeom>
         </p:spPr>
@@ -17190,28 +16969,105 @@
         </p:style>
         <p:txBody>
           <a:bodyPr rtlCol="0" anchor="ctr"/>
-          <a:p>
-            <a:pPr algn="ctr"/>
-            <a:r>
-              <a:rPr lang="en-US" altLang="zh-CN"/>
-              <a:t>6</a:t>
-            </a:r>
-            <a:endParaRPr lang="en-US" altLang="zh-CN"/>
-          </a:p>
-        </p:txBody>
-      </p:sp>
-      <p:sp>
-        <p:nvSpPr>
-          <p:cNvPr id="13" name="圆角矩形 12"/>
-          <p:cNvSpPr/>
-          <p:nvPr/>
-        </p:nvSpPr>
-        <p:spPr>
-          <a:xfrm>
-            <a:off x="6355715" y="1377315"/>
-            <a:ext cx="648335" cy="575945"/>
-          </a:xfrm>
-          <a:prstGeom prst="roundRect">
+          <a:lstStyle/>
+          <a:p>
+            <a:pPr algn="ctr"/>
+            <a:endParaRPr lang="zh-CN" altLang="en-US"/>
+          </a:p>
+        </p:txBody>
+      </p:sp>
+      <p:sp>
+        <p:nvSpPr>
+          <p:cNvPr id="9" name="矩形 8"/>
+          <p:cNvSpPr/>
+          <p:nvPr/>
+        </p:nvSpPr>
+        <p:spPr>
+          <a:xfrm>
+            <a:off x="4528820" y="2481580"/>
+            <a:ext cx="432435" cy="432435"/>
+          </a:xfrm>
+          <a:prstGeom prst="rect">
+            <a:avLst/>
+          </a:prstGeom>
+        </p:spPr>
+        <p:style>
+          <a:lnRef idx="2">
+            <a:schemeClr val="accent4">
+              <a:shade val="50000"/>
+            </a:schemeClr>
+          </a:lnRef>
+          <a:fillRef idx="1">
+            <a:schemeClr val="accent4"/>
+          </a:fillRef>
+          <a:effectRef idx="0">
+            <a:schemeClr val="accent4"/>
+          </a:effectRef>
+          <a:fontRef idx="minor">
+            <a:schemeClr val="lt1"/>
+          </a:fontRef>
+        </p:style>
+        <p:txBody>
+          <a:bodyPr rtlCol="0" anchor="ctr"/>
+          <a:lstStyle/>
+          <a:p>
+            <a:pPr algn="ctr"/>
+            <a:endParaRPr lang="zh-CN" altLang="en-US"/>
+          </a:p>
+        </p:txBody>
+      </p:sp>
+      <p:sp>
+        <p:nvSpPr>
+          <p:cNvPr id="10" name="矩形 9"/>
+          <p:cNvSpPr/>
+          <p:nvPr/>
+        </p:nvSpPr>
+        <p:spPr>
+          <a:xfrm>
+            <a:off x="3229610" y="2893695"/>
+            <a:ext cx="432435" cy="432435"/>
+          </a:xfrm>
+          <a:prstGeom prst="rect">
+            <a:avLst/>
+          </a:prstGeom>
+        </p:spPr>
+        <p:style>
+          <a:lnRef idx="2">
+            <a:schemeClr val="accent4">
+              <a:shade val="50000"/>
+            </a:schemeClr>
+          </a:lnRef>
+          <a:fillRef idx="1">
+            <a:schemeClr val="accent4"/>
+          </a:fillRef>
+          <a:effectRef idx="0">
+            <a:schemeClr val="accent4"/>
+          </a:effectRef>
+          <a:fontRef idx="minor">
+            <a:schemeClr val="lt1"/>
+          </a:fontRef>
+        </p:style>
+        <p:txBody>
+          <a:bodyPr rtlCol="0" anchor="ctr"/>
+          <a:lstStyle/>
+          <a:p>
+            <a:pPr algn="ctr"/>
+            <a:endParaRPr lang="zh-CN" altLang="en-US"/>
+          </a:p>
+        </p:txBody>
+      </p:sp>
+      <p:sp>
+        <p:nvSpPr>
+          <p:cNvPr id="11" name="矩形 10"/>
+          <p:cNvSpPr/>
+          <p:nvPr/>
+        </p:nvSpPr>
+        <p:spPr>
+          <a:xfrm>
+            <a:off x="3674110" y="2898140"/>
+            <a:ext cx="432435" cy="432435"/>
+          </a:xfrm>
+          <a:prstGeom prst="rect">
             <a:avLst/>
           </a:prstGeom>
         </p:spPr>
@@ -17233,28 +17089,25 @@
         </p:style>
         <p:txBody>
           <a:bodyPr rtlCol="0" anchor="ctr"/>
-          <a:p>
-            <a:pPr algn="ctr"/>
-            <a:r>
-              <a:rPr lang="en-US" altLang="zh-CN"/>
-              <a:t>7</a:t>
-            </a:r>
-            <a:endParaRPr lang="en-US" altLang="zh-CN"/>
-          </a:p>
-        </p:txBody>
-      </p:sp>
-      <p:sp>
-        <p:nvSpPr>
-          <p:cNvPr id="14" name="圆角矩形 13"/>
-          <p:cNvSpPr/>
-          <p:nvPr/>
-        </p:nvSpPr>
-        <p:spPr>
-          <a:xfrm>
-            <a:off x="3276600" y="322580"/>
-            <a:ext cx="918845" cy="575945"/>
-          </a:xfrm>
-          <a:prstGeom prst="roundRect">
+          <a:lstStyle/>
+          <a:p>
+            <a:pPr algn="ctr"/>
+            <a:endParaRPr lang="zh-CN" altLang="en-US"/>
+          </a:p>
+        </p:txBody>
+      </p:sp>
+      <p:sp>
+        <p:nvSpPr>
+          <p:cNvPr id="12" name="矩形 11"/>
+          <p:cNvSpPr/>
+          <p:nvPr/>
+        </p:nvSpPr>
+        <p:spPr>
+          <a:xfrm>
+            <a:off x="4097020" y="2898140"/>
+            <a:ext cx="432435" cy="432435"/>
+          </a:xfrm>
+          <a:prstGeom prst="rect">
             <a:avLst/>
           </a:prstGeom>
         </p:spPr>
@@ -17276,106 +17129,25 @@
         </p:style>
         <p:txBody>
           <a:bodyPr rtlCol="0" anchor="ctr"/>
-          <a:p>
-            <a:pPr algn="ctr"/>
-            <a:r>
-              <a:rPr lang="en-US" altLang="zh-CN"/>
-              <a:t>back=2</a:t>
-            </a:r>
-            <a:endParaRPr lang="en-US" altLang="zh-CN"/>
-          </a:p>
-        </p:txBody>
-      </p:sp>
-      <p:cxnSp>
-        <p:nvCxnSpPr>
-          <p:cNvPr id="15" name="直接箭头连接符 14"/>
-          <p:cNvCxnSpPr>
-            <a:stCxn id="11" idx="3"/>
-            <a:endCxn id="12" idx="0"/>
-          </p:cNvCxnSpPr>
-          <p:nvPr/>
-        </p:nvCxnSpPr>
-        <p:spPr>
-          <a:xfrm>
-            <a:off x="5701030" y="610870"/>
-            <a:ext cx="324485" cy="765810"/>
-          </a:xfrm>
-          <a:prstGeom prst="straightConnector1">
-            <a:avLst/>
-          </a:prstGeom>
-          <a:ln w="38100">
-            <a:solidFill>
-              <a:srgbClr val="7030A0"/>
-            </a:solidFill>
-            <a:tailEnd type="arrow"/>
-          </a:ln>
-        </p:spPr>
-        <p:style>
-          <a:lnRef idx="1">
-            <a:schemeClr val="accent1"/>
-          </a:lnRef>
-          <a:fillRef idx="0">
-            <a:schemeClr val="accent1"/>
-          </a:fillRef>
-          <a:effectRef idx="0">
-            <a:schemeClr val="accent1"/>
-          </a:effectRef>
-          <a:fontRef idx="minor">
-            <a:schemeClr val="tx1"/>
-          </a:fontRef>
-        </p:style>
-      </p:cxnSp>
-      <p:cxnSp>
-        <p:nvCxnSpPr>
-          <p:cNvPr id="16" name="直接箭头连接符 15"/>
-          <p:cNvCxnSpPr>
-            <a:stCxn id="4" idx="0"/>
-            <a:endCxn id="11" idx="1"/>
-          </p:cNvCxnSpPr>
-          <p:nvPr/>
-        </p:nvCxnSpPr>
-        <p:spPr>
-          <a:xfrm flipV="1">
-            <a:off x="4761230" y="610870"/>
-            <a:ext cx="291465" cy="765810"/>
-          </a:xfrm>
-          <a:prstGeom prst="straightConnector1">
-            <a:avLst/>
-          </a:prstGeom>
-          <a:ln w="38100">
-            <a:solidFill>
-              <a:srgbClr val="7030A0"/>
-            </a:solidFill>
-            <a:tailEnd type="arrow"/>
-          </a:ln>
-        </p:spPr>
-        <p:style>
-          <a:lnRef idx="1">
-            <a:schemeClr val="accent1"/>
-          </a:lnRef>
-          <a:fillRef idx="0">
-            <a:schemeClr val="accent1"/>
-          </a:fillRef>
-          <a:effectRef idx="0">
-            <a:schemeClr val="accent1"/>
-          </a:effectRef>
-          <a:fontRef idx="minor">
-            <a:schemeClr val="tx1"/>
-          </a:fontRef>
-        </p:style>
-      </p:cxnSp>
-      <p:sp>
-        <p:nvSpPr>
-          <p:cNvPr id="17" name="圆角矩形 16"/>
-          <p:cNvSpPr/>
-          <p:nvPr/>
-        </p:nvSpPr>
-        <p:spPr>
-          <a:xfrm>
-            <a:off x="3182620" y="4683760"/>
-            <a:ext cx="648335" cy="575945"/>
-          </a:xfrm>
-          <a:prstGeom prst="roundRect">
+          <a:lstStyle/>
+          <a:p>
+            <a:pPr algn="ctr"/>
+            <a:endParaRPr lang="zh-CN" altLang="en-US"/>
+          </a:p>
+        </p:txBody>
+      </p:sp>
+      <p:sp>
+        <p:nvSpPr>
+          <p:cNvPr id="13" name="矩形 12"/>
+          <p:cNvSpPr/>
+          <p:nvPr/>
+        </p:nvSpPr>
+        <p:spPr>
+          <a:xfrm>
+            <a:off x="4530725" y="2891790"/>
+            <a:ext cx="432435" cy="432435"/>
+          </a:xfrm>
+          <a:prstGeom prst="rect">
             <a:avLst/>
           </a:prstGeom>
         </p:spPr>
@@ -17397,28 +17169,25 @@
         </p:style>
         <p:txBody>
           <a:bodyPr rtlCol="0" anchor="ctr"/>
-          <a:p>
-            <a:pPr algn="ctr"/>
-            <a:r>
-              <a:rPr lang="en-US" altLang="zh-CN"/>
-              <a:t>1</a:t>
-            </a:r>
-            <a:endParaRPr lang="en-US" altLang="zh-CN"/>
-          </a:p>
-        </p:txBody>
-      </p:sp>
-      <p:sp>
-        <p:nvSpPr>
-          <p:cNvPr id="19" name="圆角矩形 18"/>
-          <p:cNvSpPr/>
-          <p:nvPr/>
-        </p:nvSpPr>
-        <p:spPr>
-          <a:xfrm>
-            <a:off x="4425950" y="4683760"/>
-            <a:ext cx="648335" cy="575945"/>
-          </a:xfrm>
-          <a:prstGeom prst="roundRect">
+          <a:lstStyle/>
+          <a:p>
+            <a:pPr algn="ctr"/>
+            <a:endParaRPr lang="zh-CN" altLang="en-US"/>
+          </a:p>
+        </p:txBody>
+      </p:sp>
+      <p:sp>
+        <p:nvSpPr>
+          <p:cNvPr id="14" name="矩形 13"/>
+          <p:cNvSpPr/>
+          <p:nvPr/>
+        </p:nvSpPr>
+        <p:spPr>
+          <a:xfrm>
+            <a:off x="3228975" y="3315970"/>
+            <a:ext cx="432435" cy="432435"/>
+          </a:xfrm>
+          <a:prstGeom prst="rect">
             <a:avLst/>
           </a:prstGeom>
         </p:spPr>
@@ -17440,158 +17209,25 @@
         </p:style>
         <p:txBody>
           <a:bodyPr rtlCol="0" anchor="ctr"/>
-          <a:p>
-            <a:pPr algn="ctr"/>
-            <a:r>
-              <a:rPr lang="en-US" altLang="zh-CN"/>
-              <a:t>5</a:t>
-            </a:r>
-            <a:endParaRPr lang="en-US" altLang="zh-CN"/>
-          </a:p>
-        </p:txBody>
-      </p:sp>
-      <p:cxnSp>
-        <p:nvCxnSpPr>
-          <p:cNvPr id="21" name="直接箭头连接符 20"/>
-          <p:cNvCxnSpPr/>
-          <p:nvPr/>
-        </p:nvCxnSpPr>
-        <p:spPr>
-          <a:xfrm flipV="1">
-            <a:off x="3507105" y="5259705"/>
-            <a:ext cx="0" cy="643255"/>
-          </a:xfrm>
-          <a:prstGeom prst="straightConnector1">
-            <a:avLst/>
-          </a:prstGeom>
-          <a:ln w="38100">
-            <a:solidFill>
-              <a:srgbClr val="00B050"/>
-            </a:solidFill>
-            <a:tailEnd type="arrow"/>
-          </a:ln>
-        </p:spPr>
-        <p:style>
-          <a:lnRef idx="1">
-            <a:schemeClr val="accent1"/>
-          </a:lnRef>
-          <a:fillRef idx="0">
-            <a:schemeClr val="accent1"/>
-          </a:fillRef>
-          <a:effectRef idx="0">
-            <a:schemeClr val="accent1"/>
-          </a:effectRef>
-          <a:fontRef idx="minor">
-            <a:schemeClr val="tx1"/>
-          </a:fontRef>
-        </p:style>
-      </p:cxnSp>
-      <p:cxnSp>
-        <p:nvCxnSpPr>
-          <p:cNvPr id="22" name="直接箭头连接符 21"/>
-          <p:cNvCxnSpPr/>
-          <p:nvPr/>
-        </p:nvCxnSpPr>
-        <p:spPr>
-          <a:xfrm flipV="1">
-            <a:off x="4749800" y="5259705"/>
-            <a:ext cx="0" cy="643255"/>
-          </a:xfrm>
-          <a:prstGeom prst="straightConnector1">
-            <a:avLst/>
-          </a:prstGeom>
-          <a:ln w="38100">
-            <a:solidFill>
-              <a:srgbClr val="00B050"/>
-            </a:solidFill>
-            <a:tailEnd type="arrow"/>
-          </a:ln>
-        </p:spPr>
-        <p:style>
-          <a:lnRef idx="1">
-            <a:schemeClr val="accent1"/>
-          </a:lnRef>
-          <a:fillRef idx="0">
-            <a:schemeClr val="accent1"/>
-          </a:fillRef>
-          <a:effectRef idx="0">
-            <a:schemeClr val="accent1"/>
-          </a:effectRef>
-          <a:fontRef idx="minor">
-            <a:schemeClr val="tx1"/>
-          </a:fontRef>
-        </p:style>
-      </p:cxnSp>
-      <p:sp>
-        <p:nvSpPr>
-          <p:cNvPr id="23" name="文本框 22"/>
-          <p:cNvSpPr txBox="1"/>
-          <p:nvPr/>
-        </p:nvSpPr>
-        <p:spPr>
-          <a:xfrm>
-            <a:off x="3265805" y="5902960"/>
-            <a:ext cx="597535" cy="368300"/>
+          <a:lstStyle/>
+          <a:p>
+            <a:pPr algn="ctr"/>
+            <a:endParaRPr lang="zh-CN" altLang="en-US"/>
+          </a:p>
+        </p:txBody>
+      </p:sp>
+      <p:sp>
+        <p:nvSpPr>
+          <p:cNvPr id="15" name="矩形 14"/>
+          <p:cNvSpPr/>
+          <p:nvPr/>
+        </p:nvSpPr>
+        <p:spPr>
+          <a:xfrm>
+            <a:off x="3672840" y="3314065"/>
+            <a:ext cx="432435" cy="432435"/>
           </a:xfrm>
           <a:prstGeom prst="rect">
-            <a:avLst/>
-          </a:prstGeom>
-          <a:noFill/>
-        </p:spPr>
-        <p:txBody>
-          <a:bodyPr wrap="square" rtlCol="0">
-            <a:spAutoFit/>
-          </a:bodyPr>
-          <a:p>
-            <a:r>
-              <a:rPr lang="en-US" altLang="zh-CN"/>
-              <a:t>left</a:t>
-            </a:r>
-            <a:endParaRPr lang="en-US" altLang="zh-CN"/>
-          </a:p>
-        </p:txBody>
-      </p:sp>
-      <p:sp>
-        <p:nvSpPr>
-          <p:cNvPr id="24" name="文本框 23"/>
-          <p:cNvSpPr txBox="1"/>
-          <p:nvPr/>
-        </p:nvSpPr>
-        <p:spPr>
-          <a:xfrm>
-            <a:off x="4455160" y="5902960"/>
-            <a:ext cx="796925" cy="368300"/>
-          </a:xfrm>
-          <a:prstGeom prst="rect">
-            <a:avLst/>
-          </a:prstGeom>
-          <a:noFill/>
-        </p:spPr>
-        <p:txBody>
-          <a:bodyPr wrap="square" rtlCol="0">
-            <a:spAutoFit/>
-          </a:bodyPr>
-          <a:p>
-            <a:r>
-              <a:rPr lang="en-US" altLang="zh-CN"/>
-              <a:t>right</a:t>
-            </a:r>
-            <a:endParaRPr lang="en-US" altLang="zh-CN"/>
-          </a:p>
-        </p:txBody>
-      </p:sp>
-      <p:sp>
-        <p:nvSpPr>
-          <p:cNvPr id="25" name="圆角矩形 24"/>
-          <p:cNvSpPr/>
-          <p:nvPr/>
-        </p:nvSpPr>
-        <p:spPr>
-          <a:xfrm>
-            <a:off x="5687695" y="3629660"/>
-            <a:ext cx="648335" cy="575945"/>
-          </a:xfrm>
-          <a:prstGeom prst="roundRect">
             <a:avLst/>
           </a:prstGeom>
         </p:spPr>
@@ -17613,28 +17249,65 @@
         </p:style>
         <p:txBody>
           <a:bodyPr rtlCol="0" anchor="ctr"/>
-          <a:p>
-            <a:pPr algn="ctr"/>
-            <a:r>
-              <a:rPr lang="en-US" altLang="zh-CN"/>
-              <a:t>4</a:t>
-            </a:r>
-            <a:endParaRPr lang="en-US" altLang="zh-CN"/>
-          </a:p>
-        </p:txBody>
-      </p:sp>
-      <p:sp>
-        <p:nvSpPr>
-          <p:cNvPr id="26" name="圆角矩形 25"/>
-          <p:cNvSpPr/>
-          <p:nvPr/>
-        </p:nvSpPr>
-        <p:spPr>
-          <a:xfrm>
-            <a:off x="6336030" y="4683760"/>
-            <a:ext cx="648335" cy="575945"/>
-          </a:xfrm>
-          <a:prstGeom prst="roundRect">
+          <a:lstStyle/>
+          <a:p>
+            <a:pPr algn="ctr"/>
+            <a:endParaRPr lang="zh-CN" altLang="en-US"/>
+          </a:p>
+        </p:txBody>
+      </p:sp>
+      <p:sp>
+        <p:nvSpPr>
+          <p:cNvPr id="16" name="矩形 15"/>
+          <p:cNvSpPr/>
+          <p:nvPr/>
+        </p:nvSpPr>
+        <p:spPr>
+          <a:xfrm>
+            <a:off x="4096385" y="3320415"/>
+            <a:ext cx="432435" cy="432435"/>
+          </a:xfrm>
+          <a:prstGeom prst="rect">
+            <a:avLst/>
+          </a:prstGeom>
+        </p:spPr>
+        <p:style>
+          <a:lnRef idx="2">
+            <a:schemeClr val="accent4">
+              <a:shade val="50000"/>
+            </a:schemeClr>
+          </a:lnRef>
+          <a:fillRef idx="1">
+            <a:schemeClr val="accent4"/>
+          </a:fillRef>
+          <a:effectRef idx="0">
+            <a:schemeClr val="accent4"/>
+          </a:effectRef>
+          <a:fontRef idx="minor">
+            <a:schemeClr val="lt1"/>
+          </a:fontRef>
+        </p:style>
+        <p:txBody>
+          <a:bodyPr rtlCol="0" anchor="ctr"/>
+          <a:lstStyle/>
+          <a:p>
+            <a:pPr algn="ctr"/>
+            <a:endParaRPr lang="zh-CN" altLang="en-US"/>
+          </a:p>
+        </p:txBody>
+      </p:sp>
+      <p:sp>
+        <p:nvSpPr>
+          <p:cNvPr id="17" name="矩形 16"/>
+          <p:cNvSpPr/>
+          <p:nvPr/>
+        </p:nvSpPr>
+        <p:spPr>
+          <a:xfrm>
+            <a:off x="4530090" y="3314065"/>
+            <a:ext cx="432435" cy="432435"/>
+          </a:xfrm>
+          <a:prstGeom prst="rect">
             <a:avLst/>
           </a:prstGeom>
         </p:spPr>
@@ -17656,123 +17329,151 @@
         </p:style>
         <p:txBody>
           <a:bodyPr rtlCol="0" anchor="ctr"/>
-          <a:p>
-            <a:pPr algn="ctr"/>
+          <a:lstStyle/>
+          <a:p>
+            <a:pPr algn="ctr"/>
+            <a:endParaRPr lang="zh-CN" altLang="en-US"/>
+          </a:p>
+        </p:txBody>
+      </p:sp>
+      <p:sp>
+        <p:nvSpPr>
+          <p:cNvPr id="18" name="文本框 17"/>
+          <p:cNvSpPr txBox="1"/>
+          <p:nvPr/>
+        </p:nvSpPr>
+        <p:spPr>
+          <a:xfrm>
+            <a:off x="3602990" y="1657350"/>
+            <a:ext cx="537210" cy="368300"/>
+          </a:xfrm>
+          <a:prstGeom prst="rect">
+            <a:avLst/>
+          </a:prstGeom>
+          <a:noFill/>
+        </p:spPr>
+        <p:txBody>
+          <a:bodyPr wrap="none" rtlCol="0">
+            <a:spAutoFit/>
+          </a:bodyPr>
+          <a:lstStyle/>
+          <a:p>
             <a:r>
               <a:rPr lang="en-US" altLang="zh-CN"/>
-              <a:t>6</a:t>
-            </a:r>
-            <a:endParaRPr lang="en-US" altLang="zh-CN"/>
-          </a:p>
-        </p:txBody>
-      </p:sp>
-      <p:sp>
-        <p:nvSpPr>
-          <p:cNvPr id="27" name="圆角矩形 26"/>
-          <p:cNvSpPr/>
-          <p:nvPr/>
-        </p:nvSpPr>
-        <p:spPr>
-          <a:xfrm>
-            <a:off x="6990715" y="4684395"/>
-            <a:ext cx="648335" cy="575945"/>
-          </a:xfrm>
-          <a:prstGeom prst="roundRect">
-            <a:avLst/>
-          </a:prstGeom>
-        </p:spPr>
-        <p:style>
-          <a:lnRef idx="2">
-            <a:schemeClr val="accent1">
-              <a:shade val="50000"/>
-            </a:schemeClr>
-          </a:lnRef>
-          <a:fillRef idx="1">
-            <a:schemeClr val="accent1"/>
-          </a:fillRef>
-          <a:effectRef idx="0">
-            <a:schemeClr val="accent1"/>
-          </a:effectRef>
-          <a:fontRef idx="minor">
-            <a:schemeClr val="lt1"/>
-          </a:fontRef>
-        </p:style>
-        <p:txBody>
-          <a:bodyPr rtlCol="0" anchor="ctr"/>
-          <a:p>
-            <a:pPr algn="ctr"/>
+              <a:t>(i, j)</a:t>
+            </a:r>
+          </a:p>
+        </p:txBody>
+      </p:sp>
+      <p:sp>
+        <p:nvSpPr>
+          <p:cNvPr id="19" name="文本框 18"/>
+          <p:cNvSpPr txBox="1"/>
+          <p:nvPr/>
+        </p:nvSpPr>
+        <p:spPr>
+          <a:xfrm>
+            <a:off x="4963160" y="2487930"/>
+            <a:ext cx="919480" cy="368300"/>
+          </a:xfrm>
+          <a:prstGeom prst="rect">
+            <a:avLst/>
+          </a:prstGeom>
+          <a:noFill/>
+        </p:spPr>
+        <p:txBody>
+          <a:bodyPr wrap="none" rtlCol="0">
+            <a:spAutoFit/>
+          </a:bodyPr>
+          <a:lstStyle/>
+          <a:p>
             <a:r>
               <a:rPr lang="en-US" altLang="zh-CN"/>
-              <a:t>7</a:t>
-            </a:r>
-            <a:endParaRPr lang="en-US" altLang="zh-CN"/>
-          </a:p>
-        </p:txBody>
-      </p:sp>
-      <p:sp>
-        <p:nvSpPr>
-          <p:cNvPr id="28" name="圆角矩形 27"/>
-          <p:cNvSpPr/>
-          <p:nvPr/>
-        </p:nvSpPr>
-        <p:spPr>
-          <a:xfrm>
-            <a:off x="3265805" y="3629660"/>
-            <a:ext cx="918845" cy="575945"/>
-          </a:xfrm>
-          <a:prstGeom prst="roundRect">
-            <a:avLst/>
-          </a:prstGeom>
-        </p:spPr>
-        <p:style>
-          <a:lnRef idx="2">
-            <a:schemeClr val="accent1">
-              <a:shade val="50000"/>
-            </a:schemeClr>
-          </a:lnRef>
-          <a:fillRef idx="1">
-            <a:schemeClr val="accent1"/>
-          </a:fillRef>
-          <a:effectRef idx="0">
-            <a:schemeClr val="accent1"/>
-          </a:effectRef>
-          <a:fontRef idx="minor">
-            <a:schemeClr val="lt1"/>
-          </a:fontRef>
-        </p:style>
-        <p:txBody>
-          <a:bodyPr rtlCol="0" anchor="ctr"/>
-          <a:p>
-            <a:pPr algn="ctr"/>
+              <a:t>(j, n-1-i)</a:t>
+            </a:r>
+          </a:p>
+        </p:txBody>
+      </p:sp>
+      <p:sp>
+        <p:nvSpPr>
+          <p:cNvPr id="20" name="文本框 19"/>
+          <p:cNvSpPr txBox="1"/>
+          <p:nvPr/>
+        </p:nvSpPr>
+        <p:spPr>
+          <a:xfrm>
+            <a:off x="4043680" y="4019550"/>
+            <a:ext cx="1287780" cy="368300"/>
+          </a:xfrm>
+          <a:prstGeom prst="rect">
+            <a:avLst/>
+          </a:prstGeom>
+          <a:noFill/>
+        </p:spPr>
+        <p:txBody>
+          <a:bodyPr wrap="none" rtlCol="0">
+            <a:spAutoFit/>
+          </a:bodyPr>
+          <a:lstStyle/>
+          <a:p>
             <a:r>
               <a:rPr lang="en-US" altLang="zh-CN"/>
-              <a:t>back=2</a:t>
-            </a:r>
-            <a:endParaRPr lang="en-US" altLang="zh-CN"/>
+              <a:t>(n-1-i, n-1-j)</a:t>
+            </a:r>
+          </a:p>
+        </p:txBody>
+      </p:sp>
+      <p:sp>
+        <p:nvSpPr>
+          <p:cNvPr id="21" name="文本框 20"/>
+          <p:cNvSpPr txBox="1"/>
+          <p:nvPr/>
+        </p:nvSpPr>
+        <p:spPr>
+          <a:xfrm>
+            <a:off x="1941830" y="2513330"/>
+            <a:ext cx="912495" cy="368300"/>
+          </a:xfrm>
+          <a:prstGeom prst="rect">
+            <a:avLst/>
+          </a:prstGeom>
+          <a:noFill/>
+        </p:spPr>
+        <p:txBody>
+          <a:bodyPr wrap="none" rtlCol="0">
+            <a:spAutoFit/>
+          </a:bodyPr>
+          <a:lstStyle/>
+          <a:p>
+            <a:r>
+              <a:rPr lang="en-US" altLang="zh-CN"/>
+              <a:t>(n-1-j, i)</a:t>
+            </a:r>
           </a:p>
         </p:txBody>
       </p:sp>
       <p:cxnSp>
         <p:nvCxnSpPr>
-          <p:cNvPr id="29" name="直接箭头连接符 28"/>
+          <p:cNvPr id="22" name="曲线连接符 21"/>
           <p:cNvCxnSpPr>
-            <a:stCxn id="25" idx="3"/>
-            <a:endCxn id="26" idx="0"/>
+            <a:stCxn id="18" idx="0"/>
+            <a:endCxn id="20" idx="3"/>
           </p:cNvCxnSpPr>
           <p:nvPr/>
         </p:nvCxnSpPr>
         <p:spPr>
-          <a:xfrm>
-            <a:off x="6264275" y="3917950"/>
-            <a:ext cx="324485" cy="765810"/>
-          </a:xfrm>
-          <a:prstGeom prst="straightConnector1">
-            <a:avLst/>
-          </a:prstGeom>
-          <a:ln w="38100">
-            <a:solidFill>
-              <a:srgbClr val="7030A0"/>
-            </a:solidFill>
+          <a:xfrm rot="16200000" flipH="1">
+            <a:off x="3328035" y="2200910"/>
+            <a:ext cx="2546350" cy="1459865"/>
+          </a:xfrm>
+          <a:prstGeom prst="curvedConnector4">
+            <a:avLst>
+              <a:gd name="adj1" fmla="val -14127"/>
+              <a:gd name="adj2" fmla="val 180969"/>
+            </a:avLst>
+          </a:prstGeom>
+          <a:ln>
+            <a:headEnd type="arrow"/>
             <a:tailEnd type="arrow"/>
           </a:ln>
         </p:spPr>
@@ -17791,27 +17492,57 @@
           </a:fontRef>
         </p:style>
       </p:cxnSp>
+      <p:sp>
+        <p:nvSpPr>
+          <p:cNvPr id="23" name="文本框 22"/>
+          <p:cNvSpPr txBox="1"/>
+          <p:nvPr/>
+        </p:nvSpPr>
+        <p:spPr>
+          <a:xfrm>
+            <a:off x="6491605" y="2025650"/>
+            <a:ext cx="1097280" cy="368300"/>
+          </a:xfrm>
+          <a:prstGeom prst="rect">
+            <a:avLst/>
+          </a:prstGeom>
+          <a:noFill/>
+        </p:spPr>
+        <p:txBody>
+          <a:bodyPr wrap="none" rtlCol="0">
+            <a:spAutoFit/>
+          </a:bodyPr>
+          <a:lstStyle/>
+          <a:p>
+            <a:r>
+              <a:rPr lang="zh-CN" altLang="zh-CN"/>
+              <a:t>中心对称</a:t>
+            </a:r>
+          </a:p>
+        </p:txBody>
+      </p:sp>
       <p:cxnSp>
         <p:nvCxnSpPr>
-          <p:cNvPr id="30" name="直接箭头连接符 29"/>
+          <p:cNvPr id="24" name="曲线连接符 23"/>
           <p:cNvCxnSpPr>
             <a:stCxn id="19" idx="3"/>
-            <a:endCxn id="25" idx="1"/>
+            <a:endCxn id="21" idx="2"/>
           </p:cNvCxnSpPr>
           <p:nvPr/>
         </p:nvCxnSpPr>
         <p:spPr>
-          <a:xfrm flipV="1">
-            <a:off x="5074285" y="3917950"/>
-            <a:ext cx="613410" cy="1054100"/>
-          </a:xfrm>
-          <a:prstGeom prst="straightConnector1">
-            <a:avLst/>
-          </a:prstGeom>
-          <a:ln w="38100">
-            <a:solidFill>
-              <a:srgbClr val="7030A0"/>
-            </a:solidFill>
+          <a:xfrm flipH="1">
+            <a:off x="2398395" y="2672080"/>
+            <a:ext cx="3484245" cy="209550"/>
+          </a:xfrm>
+          <a:prstGeom prst="curvedConnector4">
+            <a:avLst>
+              <a:gd name="adj1" fmla="val -6834"/>
+              <a:gd name="adj2" fmla="val 1272727"/>
+            </a:avLst>
+          </a:prstGeom>
+          <a:ln>
+            <a:headEnd type="arrow"/>
             <a:tailEnd type="arrow"/>
           </a:ln>
         </p:spPr>
@@ -17830,27 +17561,54 @@
           </a:fontRef>
         </p:style>
       </p:cxnSp>
+      <p:sp>
+        <p:nvSpPr>
+          <p:cNvPr id="25" name="文本框 24"/>
+          <p:cNvSpPr txBox="1"/>
+          <p:nvPr/>
+        </p:nvSpPr>
+        <p:spPr>
+          <a:xfrm>
+            <a:off x="3672840" y="5387975"/>
+            <a:ext cx="1097280" cy="368300"/>
+          </a:xfrm>
+          <a:prstGeom prst="rect">
+            <a:avLst/>
+          </a:prstGeom>
+          <a:noFill/>
+        </p:spPr>
+        <p:txBody>
+          <a:bodyPr wrap="none" rtlCol="0">
+            <a:spAutoFit/>
+          </a:bodyPr>
+          <a:lstStyle/>
+          <a:p>
+            <a:r>
+              <a:rPr lang="zh-CN" altLang="zh-CN"/>
+              <a:t>中心对称</a:t>
+            </a:r>
+          </a:p>
+        </p:txBody>
+      </p:sp>
       <p:cxnSp>
         <p:nvCxnSpPr>
-          <p:cNvPr id="32" name="直接箭头连接符 31"/>
+          <p:cNvPr id="26" name="曲线连接符 25"/>
           <p:cNvCxnSpPr>
-            <a:stCxn id="28" idx="3"/>
+            <a:stCxn id="18" idx="3"/>
             <a:endCxn id="19" idx="0"/>
           </p:cNvCxnSpPr>
           <p:nvPr/>
         </p:nvCxnSpPr>
         <p:spPr>
           <a:xfrm>
-            <a:off x="4184650" y="3917950"/>
-            <a:ext cx="565785" cy="765810"/>
-          </a:xfrm>
-          <a:prstGeom prst="straightConnector1">
-            <a:avLst/>
-          </a:prstGeom>
-          <a:ln w="38100">
-            <a:solidFill>
-              <a:srgbClr val="7030A0"/>
-            </a:solidFill>
+            <a:off x="4140200" y="1841500"/>
+            <a:ext cx="1282700" cy="646430"/>
+          </a:xfrm>
+          <a:prstGeom prst="curvedConnector2">
+            <a:avLst/>
+          </a:prstGeom>
+          <a:ln>
+            <a:headEnd type="arrow"/>
             <a:tailEnd type="arrow"/>
           </a:ln>
         </p:spPr>
@@ -17869,48 +17627,41 @@
           </a:fontRef>
         </p:style>
       </p:cxnSp>
-      <p:cxnSp>
-        <p:nvCxnSpPr>
-          <p:cNvPr id="33" name="曲线连接符 32"/>
-          <p:cNvCxnSpPr>
-            <a:stCxn id="17" idx="0"/>
-            <a:endCxn id="28" idx="1"/>
-          </p:cNvCxnSpPr>
-          <p:nvPr/>
-        </p:nvCxnSpPr>
-        <p:spPr>
-          <a:xfrm rot="16200000" flipV="1">
-            <a:off x="3003550" y="4180205"/>
-            <a:ext cx="765810" cy="241300"/>
-          </a:xfrm>
-          <a:prstGeom prst="curvedConnector4">
-            <a:avLst>
-              <a:gd name="adj1" fmla="val 31177"/>
-              <a:gd name="adj2" fmla="val 233158"/>
-            </a:avLst>
-          </a:prstGeom>
-          <a:ln w="41275">
-            <a:solidFill>
-              <a:srgbClr val="7030A0"/>
-            </a:solidFill>
-            <a:tailEnd type="arrow"/>
-          </a:ln>
-        </p:spPr>
-        <p:style>
-          <a:lnRef idx="1">
-            <a:schemeClr val="accent1"/>
-          </a:lnRef>
-          <a:fillRef idx="0">
-            <a:schemeClr val="accent1"/>
-          </a:fillRef>
-          <a:effectRef idx="0">
-            <a:schemeClr val="accent1"/>
-          </a:effectRef>
-          <a:fontRef idx="minor">
-            <a:schemeClr val="tx1"/>
-          </a:fontRef>
-        </p:style>
-      </p:cxnSp>
+      <p:sp>
+        <p:nvSpPr>
+          <p:cNvPr id="27" name="文本框 26"/>
+          <p:cNvSpPr txBox="1"/>
+          <p:nvPr/>
+        </p:nvSpPr>
+        <p:spPr>
+          <a:xfrm>
+            <a:off x="2105660" y="1380490"/>
+            <a:ext cx="1554480" cy="645160"/>
+          </a:xfrm>
+          <a:prstGeom prst="rect">
+            <a:avLst/>
+          </a:prstGeom>
+          <a:noFill/>
+        </p:spPr>
+        <p:txBody>
+          <a:bodyPr wrap="none" rtlCol="0">
+            <a:spAutoFit/>
+          </a:bodyPr>
+          <a:lstStyle/>
+          <a:p>
+            <a:r>
+              <a:rPr lang="zh-CN" altLang="zh-CN"/>
+              <a:t>第一个的行第</a:t>
+            </a:r>
+          </a:p>
+          <a:p>
+            <a:r>
+              <a:rPr lang="zh-CN" altLang="zh-CN"/>
+              <a:t>二个的列互补</a:t>
+            </a:r>
+          </a:p>
+        </p:txBody>
+      </p:sp>
       <p:sp>
         <p:nvSpPr>
           <p:cNvPr id="35" name="矩形 34"/>
@@ -17947,17 +17698,13 @@
         </p:style>
         <p:txBody>
           <a:bodyPr rtlCol="0" anchor="ctr"/>
-          <a:p>
-            <a:pPr algn="ctr"/>
-            <a:r>
-              <a:rPr lang="zh-CN" altLang="zh-CN" b="1" dirty="0"/>
-              <a:t>链表</a:t>
-            </a:r>
-            <a:r>
-              <a:rPr lang="en-US" altLang="zh-CN" b="1" dirty="0"/>
-              <a:t>partition</a:t>
-            </a:r>
-            <a:endParaRPr lang="en-US" altLang="zh-CN" b="1" dirty="0"/>
+          <a:lstStyle/>
+          <a:p>
+            <a:pPr algn="ctr"/>
+            <a:r>
+              <a:rPr lang="zh-CN" altLang="en-US" b="1" dirty="0"/>
+              <a:t>矩阵旋转</a:t>
+            </a:r>
           </a:p>
         </p:txBody>
       </p:sp>
@@ -17988,13 +17735,393 @@
       </p:grpSpPr>
       <p:sp>
         <p:nvSpPr>
-          <p:cNvPr id="17" name="圆角矩形 16"/>
-          <p:cNvSpPr/>
-          <p:nvPr/>
-        </p:nvSpPr>
-        <p:spPr>
-          <a:xfrm>
-            <a:off x="1688465" y="943610"/>
+          <p:cNvPr id="35" name="矩形 34"/>
+          <p:cNvSpPr/>
+          <p:nvPr/>
+        </p:nvSpPr>
+        <p:spPr>
+          <a:xfrm>
+            <a:off x="0" y="0"/>
+            <a:ext cx="1842135" cy="428625"/>
+          </a:xfrm>
+          <a:prstGeom prst="rect">
+            <a:avLst/>
+          </a:prstGeom>
+          <a:ln w="38100">
+            <a:solidFill>
+              <a:srgbClr val="FF0000"/>
+            </a:solidFill>
+          </a:ln>
+        </p:spPr>
+        <p:style>
+          <a:lnRef idx="2">
+            <a:schemeClr val="accent2"/>
+          </a:lnRef>
+          <a:fillRef idx="1">
+            <a:schemeClr val="lt1"/>
+          </a:fillRef>
+          <a:effectRef idx="0">
+            <a:schemeClr val="accent2"/>
+          </a:effectRef>
+          <a:fontRef idx="minor">
+            <a:schemeClr val="dk1"/>
+          </a:fontRef>
+        </p:style>
+        <p:txBody>
+          <a:bodyPr rtlCol="0" anchor="ctr"/>
+          <a:lstStyle/>
+          <a:p>
+            <a:pPr algn="ctr"/>
+            <a:r>
+              <a:rPr lang="zh-CN" altLang="en-US" b="1" dirty="0"/>
+              <a:t>接雨水</a:t>
+            </a:r>
+          </a:p>
+        </p:txBody>
+      </p:sp>
+      <p:pic>
+        <p:nvPicPr>
+          <p:cNvPr id="28" name="图片 27"/>
+          <p:cNvPicPr>
+            <a:picLocks noChangeAspect="1"/>
+          </p:cNvPicPr>
+          <p:nvPr>
+            <p:custDataLst>
+              <p:tags r:id="rId1"/>
+            </p:custDataLst>
+          </p:nvPr>
+        </p:nvPicPr>
+        <p:blipFill>
+          <a:blip r:embed="rId3"/>
+          <a:stretch>
+            <a:fillRect/>
+          </a:stretch>
+        </p:blipFill>
+        <p:spPr>
+          <a:xfrm>
+            <a:off x="1464310" y="1111885"/>
+            <a:ext cx="5546090" cy="2081530"/>
+          </a:xfrm>
+          <a:prstGeom prst="rect">
+            <a:avLst/>
+          </a:prstGeom>
+        </p:spPr>
+      </p:pic>
+      <p:pic>
+        <p:nvPicPr>
+          <p:cNvPr id="29" name="图片 28"/>
+          <p:cNvPicPr>
+            <a:picLocks noChangeAspect="1"/>
+          </p:cNvPicPr>
+          <p:nvPr/>
+        </p:nvPicPr>
+        <p:blipFill>
+          <a:blip r:embed="rId4"/>
+          <a:stretch>
+            <a:fillRect/>
+          </a:stretch>
+        </p:blipFill>
+        <p:spPr>
+          <a:xfrm>
+            <a:off x="1340485" y="4103370"/>
+            <a:ext cx="6463030" cy="1691640"/>
+          </a:xfrm>
+          <a:prstGeom prst="rect">
+            <a:avLst/>
+          </a:prstGeom>
+        </p:spPr>
+      </p:pic>
+      <p:sp>
+        <p:nvSpPr>
+          <p:cNvPr id="30" name="矩形 29"/>
+          <p:cNvSpPr/>
+          <p:nvPr/>
+        </p:nvSpPr>
+        <p:spPr>
+          <a:xfrm>
+            <a:off x="3491865" y="2205355"/>
+            <a:ext cx="1296035" cy="431800"/>
+          </a:xfrm>
+          <a:prstGeom prst="rect">
+            <a:avLst/>
+          </a:prstGeom>
+          <a:noFill/>
+          <a:ln w="31750">
+            <a:solidFill>
+              <a:srgbClr val="FF0000"/>
+            </a:solidFill>
+            <a:prstDash val="sysDash"/>
+          </a:ln>
+        </p:spPr>
+        <p:style>
+          <a:lnRef idx="2">
+            <a:schemeClr val="accent2"/>
+          </a:lnRef>
+          <a:fillRef idx="1">
+            <a:schemeClr val="lt1"/>
+          </a:fillRef>
+          <a:effectRef idx="0">
+            <a:schemeClr val="accent2"/>
+          </a:effectRef>
+          <a:fontRef idx="minor">
+            <a:schemeClr val="dk1"/>
+          </a:fontRef>
+        </p:style>
+        <p:txBody>
+          <a:bodyPr rtlCol="0" anchor="ctr"/>
+          <a:lstStyle/>
+          <a:p>
+            <a:pPr algn="ctr"/>
+            <a:endParaRPr lang="zh-CN" altLang="en-US"/>
+          </a:p>
+        </p:txBody>
+      </p:sp>
+      <p:cxnSp>
+        <p:nvCxnSpPr>
+          <p:cNvPr id="31" name="直接箭头连接符 30"/>
+          <p:cNvCxnSpPr/>
+          <p:nvPr/>
+        </p:nvCxnSpPr>
+        <p:spPr>
+          <a:xfrm flipV="1">
+            <a:off x="4572000" y="3054350"/>
+            <a:ext cx="0" cy="687705"/>
+          </a:xfrm>
+          <a:prstGeom prst="straightConnector1">
+            <a:avLst/>
+          </a:prstGeom>
+          <a:ln w="31750">
+            <a:tailEnd type="arrow"/>
+          </a:ln>
+        </p:spPr>
+        <p:style>
+          <a:lnRef idx="1">
+            <a:schemeClr val="accent1"/>
+          </a:lnRef>
+          <a:fillRef idx="0">
+            <a:schemeClr val="accent1"/>
+          </a:fillRef>
+          <a:effectRef idx="0">
+            <a:schemeClr val="accent1"/>
+          </a:effectRef>
+          <a:fontRef idx="minor">
+            <a:schemeClr val="tx1"/>
+          </a:fontRef>
+        </p:style>
+      </p:cxnSp>
+      <p:cxnSp>
+        <p:nvCxnSpPr>
+          <p:cNvPr id="32" name="直接箭头连接符 31"/>
+          <p:cNvCxnSpPr/>
+          <p:nvPr/>
+        </p:nvCxnSpPr>
+        <p:spPr>
+          <a:xfrm>
+            <a:off x="3317875" y="1289685"/>
+            <a:ext cx="0" cy="909955"/>
+          </a:xfrm>
+          <a:prstGeom prst="straightConnector1">
+            <a:avLst/>
+          </a:prstGeom>
+          <a:ln w="31750">
+            <a:tailEnd type="arrow"/>
+          </a:ln>
+        </p:spPr>
+        <p:style>
+          <a:lnRef idx="1">
+            <a:schemeClr val="accent1"/>
+          </a:lnRef>
+          <a:fillRef idx="0">
+            <a:schemeClr val="accent1"/>
+          </a:fillRef>
+          <a:effectRef idx="0">
+            <a:schemeClr val="accent1"/>
+          </a:effectRef>
+          <a:fontRef idx="minor">
+            <a:schemeClr val="tx1"/>
+          </a:fontRef>
+        </p:style>
+      </p:cxnSp>
+      <p:cxnSp>
+        <p:nvCxnSpPr>
+          <p:cNvPr id="33" name="直接箭头连接符 32"/>
+          <p:cNvCxnSpPr/>
+          <p:nvPr/>
+        </p:nvCxnSpPr>
+        <p:spPr>
+          <a:xfrm>
+            <a:off x="4970780" y="1234440"/>
+            <a:ext cx="0" cy="565785"/>
+          </a:xfrm>
+          <a:prstGeom prst="straightConnector1">
+            <a:avLst/>
+          </a:prstGeom>
+          <a:ln w="31750">
+            <a:tailEnd type="arrow"/>
+          </a:ln>
+        </p:spPr>
+        <p:style>
+          <a:lnRef idx="1">
+            <a:schemeClr val="accent1"/>
+          </a:lnRef>
+          <a:fillRef idx="0">
+            <a:schemeClr val="accent1"/>
+          </a:fillRef>
+          <a:effectRef idx="0">
+            <a:schemeClr val="accent1"/>
+          </a:effectRef>
+          <a:fontRef idx="minor">
+            <a:schemeClr val="tx1"/>
+          </a:fontRef>
+        </p:style>
+      </p:cxnSp>
+      <p:sp>
+        <p:nvSpPr>
+          <p:cNvPr id="34" name="文本框 33"/>
+          <p:cNvSpPr txBox="1"/>
+          <p:nvPr/>
+        </p:nvSpPr>
+        <p:spPr>
+          <a:xfrm>
+            <a:off x="2877185" y="934085"/>
+            <a:ext cx="868680" cy="368300"/>
+          </a:xfrm>
+          <a:prstGeom prst="rect">
+            <a:avLst/>
+          </a:prstGeom>
+          <a:noFill/>
+        </p:spPr>
+        <p:txBody>
+          <a:bodyPr wrap="none" rtlCol="0">
+            <a:spAutoFit/>
+          </a:bodyPr>
+          <a:lstStyle/>
+          <a:p>
+            <a:r>
+              <a:rPr lang="zh-CN" altLang="en-US"/>
+              <a:t>左边界</a:t>
+            </a:r>
+          </a:p>
+        </p:txBody>
+      </p:sp>
+      <p:sp>
+        <p:nvSpPr>
+          <p:cNvPr id="36" name="文本框 35"/>
+          <p:cNvSpPr txBox="1"/>
+          <p:nvPr/>
+        </p:nvSpPr>
+        <p:spPr>
+          <a:xfrm>
+            <a:off x="4538345" y="887095"/>
+            <a:ext cx="868680" cy="368300"/>
+          </a:xfrm>
+          <a:prstGeom prst="rect">
+            <a:avLst/>
+          </a:prstGeom>
+          <a:noFill/>
+        </p:spPr>
+        <p:txBody>
+          <a:bodyPr wrap="none" rtlCol="0">
+            <a:spAutoFit/>
+          </a:bodyPr>
+          <a:lstStyle/>
+          <a:p>
+            <a:r>
+              <a:rPr lang="zh-CN" altLang="zh-CN"/>
+              <a:t>右边界</a:t>
+            </a:r>
+          </a:p>
+        </p:txBody>
+      </p:sp>
+    </p:spTree>
+  </p:cSld>
+  <p:clrMapOvr>
+    <a:masterClrMapping/>
+  </p:clrMapOvr>
+</p:sld>
+</file>
+
+<file path=ppt/slides/slide33.xml><?xml version="1.0" encoding="utf-8"?>
+<p:sld xmlns:a="http://schemas.openxmlformats.org/drawingml/2006/main" xmlns:r="http://schemas.openxmlformats.org/officeDocument/2006/relationships" xmlns:p="http://schemas.openxmlformats.org/presentationml/2006/main">
+  <p:cSld>
+    <p:spTree>
+      <p:nvGrpSpPr>
+        <p:cNvPr id="1" name=""/>
+        <p:cNvGrpSpPr/>
+        <p:nvPr/>
+      </p:nvGrpSpPr>
+      <p:grpSpPr>
+        <a:xfrm>
+          <a:off x="0" y="0"/>
+          <a:ext cx="0" cy="0"/>
+          <a:chOff x="0" y="0"/>
+          <a:chExt cx="0" cy="0"/>
+        </a:xfrm>
+      </p:grpSpPr>
+      <p:sp>
+        <p:nvSpPr>
+          <p:cNvPr id="34" name="TextBox 33"/>
+          <p:cNvSpPr txBox="1"/>
+          <p:nvPr/>
+        </p:nvSpPr>
+        <p:spPr>
+          <a:xfrm>
+            <a:off x="3565504" y="2483161"/>
+            <a:ext cx="1866900" cy="1106805"/>
+          </a:xfrm>
+          <a:prstGeom prst="rect">
+            <a:avLst/>
+          </a:prstGeom>
+          <a:noFill/>
+        </p:spPr>
+        <p:txBody>
+          <a:bodyPr wrap="none" rtlCol="0">
+            <a:spAutoFit/>
+          </a:bodyPr>
+          <a:lstStyle/>
+          <a:p>
+            <a:pPr algn="ctr"/>
+            <a:r>
+              <a:rPr lang="zh-CN" altLang="en-US" sz="6600" b="1" dirty="0"/>
+              <a:t>链表</a:t>
+            </a:r>
+          </a:p>
+        </p:txBody>
+      </p:sp>
+    </p:spTree>
+  </p:cSld>
+  <p:clrMapOvr>
+    <a:masterClrMapping/>
+  </p:clrMapOvr>
+</p:sld>
+</file>
+
+<file path=ppt/slides/slide34.xml><?xml version="1.0" encoding="utf-8"?>
+<p:sld xmlns:a="http://schemas.openxmlformats.org/drawingml/2006/main" xmlns:r="http://schemas.openxmlformats.org/officeDocument/2006/relationships" xmlns:p="http://schemas.openxmlformats.org/presentationml/2006/main">
+  <p:cSld>
+    <p:spTree>
+      <p:nvGrpSpPr>
+        <p:cNvPr id="1" name=""/>
+        <p:cNvGrpSpPr/>
+        <p:nvPr/>
+      </p:nvGrpSpPr>
+      <p:grpSpPr>
+        <a:xfrm>
+          <a:off x="0" y="0"/>
+          <a:ext cx="0" cy="0"/>
+          <a:chOff x="0" y="0"/>
+          <a:chExt cx="0" cy="0"/>
+        </a:xfrm>
+      </p:grpSpPr>
+      <p:sp>
+        <p:nvSpPr>
+          <p:cNvPr id="2" name="圆角矩形 1"/>
+          <p:cNvSpPr/>
+          <p:nvPr/>
+        </p:nvSpPr>
+        <p:spPr>
+          <a:xfrm>
+            <a:off x="3193415" y="1376680"/>
             <a:ext cx="648335" cy="575945"/>
           </a:xfrm>
           <a:prstGeom prst="roundRect">
@@ -18019,25 +18146,25 @@
         </p:style>
         <p:txBody>
           <a:bodyPr rtlCol="0" anchor="ctr"/>
+          <a:lstStyle/>
           <a:p>
             <a:pPr algn="ctr"/>
             <a:r>
               <a:rPr lang="en-US" altLang="zh-CN"/>
               <a:t>1</a:t>
             </a:r>
-            <a:endParaRPr lang="en-US" altLang="zh-CN"/>
-          </a:p>
-        </p:txBody>
-      </p:sp>
-      <p:sp>
-        <p:nvSpPr>
-          <p:cNvPr id="19" name="圆角矩形 18"/>
-          <p:cNvSpPr/>
-          <p:nvPr/>
-        </p:nvSpPr>
-        <p:spPr>
-          <a:xfrm>
-            <a:off x="4647565" y="943610"/>
+          </a:p>
+        </p:txBody>
+      </p:sp>
+      <p:sp>
+        <p:nvSpPr>
+          <p:cNvPr id="3" name="圆角矩形 2"/>
+          <p:cNvSpPr/>
+          <p:nvPr/>
+        </p:nvSpPr>
+        <p:spPr>
+          <a:xfrm>
+            <a:off x="3809365" y="1376680"/>
             <a:ext cx="648335" cy="575945"/>
           </a:xfrm>
           <a:prstGeom prst="roundRect">
@@ -18062,13 +18189,565 @@
         </p:style>
         <p:txBody>
           <a:bodyPr rtlCol="0" anchor="ctr"/>
+          <a:lstStyle/>
+          <a:p>
+            <a:pPr algn="ctr"/>
+            <a:r>
+              <a:rPr lang="en-US" altLang="zh-CN"/>
+              <a:t>4</a:t>
+            </a:r>
+          </a:p>
+        </p:txBody>
+      </p:sp>
+      <p:sp>
+        <p:nvSpPr>
+          <p:cNvPr id="4" name="圆角矩形 3"/>
+          <p:cNvSpPr/>
+          <p:nvPr/>
+        </p:nvSpPr>
+        <p:spPr>
+          <a:xfrm>
+            <a:off x="4436745" y="1376680"/>
+            <a:ext cx="648335" cy="575945"/>
+          </a:xfrm>
+          <a:prstGeom prst="roundRect">
+            <a:avLst/>
+          </a:prstGeom>
+        </p:spPr>
+        <p:style>
+          <a:lnRef idx="2">
+            <a:schemeClr val="accent1">
+              <a:shade val="50000"/>
+            </a:schemeClr>
+          </a:lnRef>
+          <a:fillRef idx="1">
+            <a:schemeClr val="accent1"/>
+          </a:fillRef>
+          <a:effectRef idx="0">
+            <a:schemeClr val="accent1"/>
+          </a:effectRef>
+          <a:fontRef idx="minor">
+            <a:schemeClr val="lt1"/>
+          </a:fontRef>
+        </p:style>
+        <p:txBody>
+          <a:bodyPr rtlCol="0" anchor="ctr"/>
+          <a:lstStyle/>
           <a:p>
             <a:pPr algn="ctr"/>
             <a:r>
               <a:rPr lang="en-US" altLang="zh-CN"/>
               <a:t>5</a:t>
             </a:r>
-            <a:endParaRPr lang="en-US" altLang="zh-CN"/>
+          </a:p>
+        </p:txBody>
+      </p:sp>
+      <p:sp>
+        <p:nvSpPr>
+          <p:cNvPr id="5" name="圆角矩形 4"/>
+          <p:cNvSpPr/>
+          <p:nvPr/>
+        </p:nvSpPr>
+        <p:spPr>
+          <a:xfrm>
+            <a:off x="5052695" y="1376680"/>
+            <a:ext cx="648335" cy="575945"/>
+          </a:xfrm>
+          <a:prstGeom prst="roundRect">
+            <a:avLst/>
+          </a:prstGeom>
+        </p:spPr>
+        <p:style>
+          <a:lnRef idx="2">
+            <a:schemeClr val="accent1">
+              <a:shade val="50000"/>
+            </a:schemeClr>
+          </a:lnRef>
+          <a:fillRef idx="1">
+            <a:schemeClr val="accent1"/>
+          </a:fillRef>
+          <a:effectRef idx="0">
+            <a:schemeClr val="accent1"/>
+          </a:effectRef>
+          <a:fontRef idx="minor">
+            <a:schemeClr val="lt1"/>
+          </a:fontRef>
+        </p:style>
+        <p:txBody>
+          <a:bodyPr rtlCol="0" anchor="ctr"/>
+          <a:lstStyle/>
+          <a:p>
+            <a:pPr algn="ctr"/>
+            <a:r>
+              <a:rPr lang="en-US" altLang="zh-CN"/>
+              <a:t>2</a:t>
+            </a:r>
+          </a:p>
+        </p:txBody>
+      </p:sp>
+      <p:cxnSp>
+        <p:nvCxnSpPr>
+          <p:cNvPr id="7" name="直接箭头连接符 6"/>
+          <p:cNvCxnSpPr/>
+          <p:nvPr/>
+        </p:nvCxnSpPr>
+        <p:spPr>
+          <a:xfrm flipV="1">
+            <a:off x="3517900" y="1952625"/>
+            <a:ext cx="0" cy="643255"/>
+          </a:xfrm>
+          <a:prstGeom prst="straightConnector1">
+            <a:avLst/>
+          </a:prstGeom>
+          <a:ln w="38100">
+            <a:solidFill>
+              <a:srgbClr val="00B050"/>
+            </a:solidFill>
+            <a:tailEnd type="arrow"/>
+          </a:ln>
+        </p:spPr>
+        <p:style>
+          <a:lnRef idx="1">
+            <a:schemeClr val="accent1"/>
+          </a:lnRef>
+          <a:fillRef idx="0">
+            <a:schemeClr val="accent1"/>
+          </a:fillRef>
+          <a:effectRef idx="0">
+            <a:schemeClr val="accent1"/>
+          </a:effectRef>
+          <a:fontRef idx="minor">
+            <a:schemeClr val="tx1"/>
+          </a:fontRef>
+        </p:style>
+      </p:cxnSp>
+      <p:cxnSp>
+        <p:nvCxnSpPr>
+          <p:cNvPr id="8" name="直接箭头连接符 7"/>
+          <p:cNvCxnSpPr/>
+          <p:nvPr/>
+        </p:nvCxnSpPr>
+        <p:spPr>
+          <a:xfrm flipV="1">
+            <a:off x="4760595" y="1952625"/>
+            <a:ext cx="0" cy="643255"/>
+          </a:xfrm>
+          <a:prstGeom prst="straightConnector1">
+            <a:avLst/>
+          </a:prstGeom>
+          <a:ln w="38100">
+            <a:solidFill>
+              <a:srgbClr val="00B050"/>
+            </a:solidFill>
+            <a:tailEnd type="arrow"/>
+          </a:ln>
+        </p:spPr>
+        <p:style>
+          <a:lnRef idx="1">
+            <a:schemeClr val="accent1"/>
+          </a:lnRef>
+          <a:fillRef idx="0">
+            <a:schemeClr val="accent1"/>
+          </a:fillRef>
+          <a:effectRef idx="0">
+            <a:schemeClr val="accent1"/>
+          </a:effectRef>
+          <a:fontRef idx="minor">
+            <a:schemeClr val="tx1"/>
+          </a:fontRef>
+        </p:style>
+      </p:cxnSp>
+      <p:sp>
+        <p:nvSpPr>
+          <p:cNvPr id="9" name="文本框 8"/>
+          <p:cNvSpPr txBox="1"/>
+          <p:nvPr/>
+        </p:nvSpPr>
+        <p:spPr>
+          <a:xfrm>
+            <a:off x="3276600" y="2595880"/>
+            <a:ext cx="597535" cy="368300"/>
+          </a:xfrm>
+          <a:prstGeom prst="rect">
+            <a:avLst/>
+          </a:prstGeom>
+          <a:noFill/>
+        </p:spPr>
+        <p:txBody>
+          <a:bodyPr wrap="square" rtlCol="0">
+            <a:spAutoFit/>
+          </a:bodyPr>
+          <a:lstStyle/>
+          <a:p>
+            <a:r>
+              <a:rPr lang="en-US" altLang="zh-CN"/>
+              <a:t>left</a:t>
+            </a:r>
+          </a:p>
+        </p:txBody>
+      </p:sp>
+      <p:sp>
+        <p:nvSpPr>
+          <p:cNvPr id="10" name="文本框 9"/>
+          <p:cNvSpPr txBox="1"/>
+          <p:nvPr/>
+        </p:nvSpPr>
+        <p:spPr>
+          <a:xfrm>
+            <a:off x="4465955" y="2595880"/>
+            <a:ext cx="796925" cy="368300"/>
+          </a:xfrm>
+          <a:prstGeom prst="rect">
+            <a:avLst/>
+          </a:prstGeom>
+          <a:noFill/>
+        </p:spPr>
+        <p:txBody>
+          <a:bodyPr wrap="square" rtlCol="0">
+            <a:spAutoFit/>
+          </a:bodyPr>
+          <a:lstStyle/>
+          <a:p>
+            <a:r>
+              <a:rPr lang="en-US" altLang="zh-CN"/>
+              <a:t>right</a:t>
+            </a:r>
+          </a:p>
+        </p:txBody>
+      </p:sp>
+      <p:sp>
+        <p:nvSpPr>
+          <p:cNvPr id="11" name="圆角矩形 10"/>
+          <p:cNvSpPr/>
+          <p:nvPr/>
+        </p:nvSpPr>
+        <p:spPr>
+          <a:xfrm>
+            <a:off x="5052695" y="322580"/>
+            <a:ext cx="648335" cy="575945"/>
+          </a:xfrm>
+          <a:prstGeom prst="roundRect">
+            <a:avLst/>
+          </a:prstGeom>
+        </p:spPr>
+        <p:style>
+          <a:lnRef idx="2">
+            <a:schemeClr val="accent1">
+              <a:shade val="50000"/>
+            </a:schemeClr>
+          </a:lnRef>
+          <a:fillRef idx="1">
+            <a:schemeClr val="accent1"/>
+          </a:fillRef>
+          <a:effectRef idx="0">
+            <a:schemeClr val="accent1"/>
+          </a:effectRef>
+          <a:fontRef idx="minor">
+            <a:schemeClr val="lt1"/>
+          </a:fontRef>
+        </p:style>
+        <p:txBody>
+          <a:bodyPr rtlCol="0" anchor="ctr"/>
+          <a:lstStyle/>
+          <a:p>
+            <a:pPr algn="ctr"/>
+            <a:r>
+              <a:rPr lang="en-US" altLang="zh-CN"/>
+              <a:t>4</a:t>
+            </a:r>
+          </a:p>
+        </p:txBody>
+      </p:sp>
+      <p:sp>
+        <p:nvSpPr>
+          <p:cNvPr id="12" name="圆角矩形 11"/>
+          <p:cNvSpPr/>
+          <p:nvPr/>
+        </p:nvSpPr>
+        <p:spPr>
+          <a:xfrm>
+            <a:off x="5701030" y="1376680"/>
+            <a:ext cx="648335" cy="575945"/>
+          </a:xfrm>
+          <a:prstGeom prst="roundRect">
+            <a:avLst/>
+          </a:prstGeom>
+        </p:spPr>
+        <p:style>
+          <a:lnRef idx="2">
+            <a:schemeClr val="accent1">
+              <a:shade val="50000"/>
+            </a:schemeClr>
+          </a:lnRef>
+          <a:fillRef idx="1">
+            <a:schemeClr val="accent1"/>
+          </a:fillRef>
+          <a:effectRef idx="0">
+            <a:schemeClr val="accent1"/>
+          </a:effectRef>
+          <a:fontRef idx="minor">
+            <a:schemeClr val="lt1"/>
+          </a:fontRef>
+        </p:style>
+        <p:txBody>
+          <a:bodyPr rtlCol="0" anchor="ctr"/>
+          <a:lstStyle/>
+          <a:p>
+            <a:pPr algn="ctr"/>
+            <a:r>
+              <a:rPr lang="en-US" altLang="zh-CN"/>
+              <a:t>6</a:t>
+            </a:r>
+          </a:p>
+        </p:txBody>
+      </p:sp>
+      <p:sp>
+        <p:nvSpPr>
+          <p:cNvPr id="13" name="圆角矩形 12"/>
+          <p:cNvSpPr/>
+          <p:nvPr/>
+        </p:nvSpPr>
+        <p:spPr>
+          <a:xfrm>
+            <a:off x="6355715" y="1377315"/>
+            <a:ext cx="648335" cy="575945"/>
+          </a:xfrm>
+          <a:prstGeom prst="roundRect">
+            <a:avLst/>
+          </a:prstGeom>
+        </p:spPr>
+        <p:style>
+          <a:lnRef idx="2">
+            <a:schemeClr val="accent1">
+              <a:shade val="50000"/>
+            </a:schemeClr>
+          </a:lnRef>
+          <a:fillRef idx="1">
+            <a:schemeClr val="accent1"/>
+          </a:fillRef>
+          <a:effectRef idx="0">
+            <a:schemeClr val="accent1"/>
+          </a:effectRef>
+          <a:fontRef idx="minor">
+            <a:schemeClr val="lt1"/>
+          </a:fontRef>
+        </p:style>
+        <p:txBody>
+          <a:bodyPr rtlCol="0" anchor="ctr"/>
+          <a:lstStyle/>
+          <a:p>
+            <a:pPr algn="ctr"/>
+            <a:r>
+              <a:rPr lang="en-US" altLang="zh-CN"/>
+              <a:t>7</a:t>
+            </a:r>
+          </a:p>
+        </p:txBody>
+      </p:sp>
+      <p:sp>
+        <p:nvSpPr>
+          <p:cNvPr id="14" name="圆角矩形 13"/>
+          <p:cNvSpPr/>
+          <p:nvPr/>
+        </p:nvSpPr>
+        <p:spPr>
+          <a:xfrm>
+            <a:off x="3276600" y="322580"/>
+            <a:ext cx="918845" cy="575945"/>
+          </a:xfrm>
+          <a:prstGeom prst="roundRect">
+            <a:avLst/>
+          </a:prstGeom>
+        </p:spPr>
+        <p:style>
+          <a:lnRef idx="2">
+            <a:schemeClr val="accent1">
+              <a:shade val="50000"/>
+            </a:schemeClr>
+          </a:lnRef>
+          <a:fillRef idx="1">
+            <a:schemeClr val="accent1"/>
+          </a:fillRef>
+          <a:effectRef idx="0">
+            <a:schemeClr val="accent1"/>
+          </a:effectRef>
+          <a:fontRef idx="minor">
+            <a:schemeClr val="lt1"/>
+          </a:fontRef>
+        </p:style>
+        <p:txBody>
+          <a:bodyPr rtlCol="0" anchor="ctr"/>
+          <a:lstStyle/>
+          <a:p>
+            <a:pPr algn="ctr"/>
+            <a:r>
+              <a:rPr lang="en-US" altLang="zh-CN"/>
+              <a:t>back=2</a:t>
+            </a:r>
+          </a:p>
+        </p:txBody>
+      </p:sp>
+      <p:cxnSp>
+        <p:nvCxnSpPr>
+          <p:cNvPr id="15" name="直接箭头连接符 14"/>
+          <p:cNvCxnSpPr>
+            <a:stCxn id="11" idx="3"/>
+            <a:endCxn id="12" idx="0"/>
+          </p:cNvCxnSpPr>
+          <p:nvPr/>
+        </p:nvCxnSpPr>
+        <p:spPr>
+          <a:xfrm>
+            <a:off x="5701030" y="610870"/>
+            <a:ext cx="324485" cy="765810"/>
+          </a:xfrm>
+          <a:prstGeom prst="straightConnector1">
+            <a:avLst/>
+          </a:prstGeom>
+          <a:ln w="38100">
+            <a:solidFill>
+              <a:srgbClr val="7030A0"/>
+            </a:solidFill>
+            <a:tailEnd type="arrow"/>
+          </a:ln>
+        </p:spPr>
+        <p:style>
+          <a:lnRef idx="1">
+            <a:schemeClr val="accent1"/>
+          </a:lnRef>
+          <a:fillRef idx="0">
+            <a:schemeClr val="accent1"/>
+          </a:fillRef>
+          <a:effectRef idx="0">
+            <a:schemeClr val="accent1"/>
+          </a:effectRef>
+          <a:fontRef idx="minor">
+            <a:schemeClr val="tx1"/>
+          </a:fontRef>
+        </p:style>
+      </p:cxnSp>
+      <p:cxnSp>
+        <p:nvCxnSpPr>
+          <p:cNvPr id="16" name="直接箭头连接符 15"/>
+          <p:cNvCxnSpPr>
+            <a:stCxn id="4" idx="0"/>
+            <a:endCxn id="11" idx="1"/>
+          </p:cNvCxnSpPr>
+          <p:nvPr/>
+        </p:nvCxnSpPr>
+        <p:spPr>
+          <a:xfrm flipV="1">
+            <a:off x="4761230" y="610870"/>
+            <a:ext cx="291465" cy="765810"/>
+          </a:xfrm>
+          <a:prstGeom prst="straightConnector1">
+            <a:avLst/>
+          </a:prstGeom>
+          <a:ln w="38100">
+            <a:solidFill>
+              <a:srgbClr val="7030A0"/>
+            </a:solidFill>
+            <a:tailEnd type="arrow"/>
+          </a:ln>
+        </p:spPr>
+        <p:style>
+          <a:lnRef idx="1">
+            <a:schemeClr val="accent1"/>
+          </a:lnRef>
+          <a:fillRef idx="0">
+            <a:schemeClr val="accent1"/>
+          </a:fillRef>
+          <a:effectRef idx="0">
+            <a:schemeClr val="accent1"/>
+          </a:effectRef>
+          <a:fontRef idx="minor">
+            <a:schemeClr val="tx1"/>
+          </a:fontRef>
+        </p:style>
+      </p:cxnSp>
+      <p:sp>
+        <p:nvSpPr>
+          <p:cNvPr id="17" name="圆角矩形 16"/>
+          <p:cNvSpPr/>
+          <p:nvPr/>
+        </p:nvSpPr>
+        <p:spPr>
+          <a:xfrm>
+            <a:off x="3182620" y="4683760"/>
+            <a:ext cx="648335" cy="575945"/>
+          </a:xfrm>
+          <a:prstGeom prst="roundRect">
+            <a:avLst/>
+          </a:prstGeom>
+        </p:spPr>
+        <p:style>
+          <a:lnRef idx="2">
+            <a:schemeClr val="accent1">
+              <a:shade val="50000"/>
+            </a:schemeClr>
+          </a:lnRef>
+          <a:fillRef idx="1">
+            <a:schemeClr val="accent1"/>
+          </a:fillRef>
+          <a:effectRef idx="0">
+            <a:schemeClr val="accent1"/>
+          </a:effectRef>
+          <a:fontRef idx="minor">
+            <a:schemeClr val="lt1"/>
+          </a:fontRef>
+        </p:style>
+        <p:txBody>
+          <a:bodyPr rtlCol="0" anchor="ctr"/>
+          <a:lstStyle/>
+          <a:p>
+            <a:pPr algn="ctr"/>
+            <a:r>
+              <a:rPr lang="en-US" altLang="zh-CN"/>
+              <a:t>1</a:t>
+            </a:r>
+          </a:p>
+        </p:txBody>
+      </p:sp>
+      <p:sp>
+        <p:nvSpPr>
+          <p:cNvPr id="19" name="圆角矩形 18"/>
+          <p:cNvSpPr/>
+          <p:nvPr/>
+        </p:nvSpPr>
+        <p:spPr>
+          <a:xfrm>
+            <a:off x="4425950" y="4683760"/>
+            <a:ext cx="648335" cy="575945"/>
+          </a:xfrm>
+          <a:prstGeom prst="roundRect">
+            <a:avLst/>
+          </a:prstGeom>
+        </p:spPr>
+        <p:style>
+          <a:lnRef idx="2">
+            <a:schemeClr val="accent1">
+              <a:shade val="50000"/>
+            </a:schemeClr>
+          </a:lnRef>
+          <a:fillRef idx="1">
+            <a:schemeClr val="accent1"/>
+          </a:fillRef>
+          <a:effectRef idx="0">
+            <a:schemeClr val="accent1"/>
+          </a:effectRef>
+          <a:fontRef idx="minor">
+            <a:schemeClr val="lt1"/>
+          </a:fontRef>
+        </p:style>
+        <p:txBody>
+          <a:bodyPr rtlCol="0" anchor="ctr"/>
+          <a:lstStyle/>
+          <a:p>
+            <a:pPr algn="ctr"/>
+            <a:r>
+              <a:rPr lang="en-US" altLang="zh-CN"/>
+              <a:t>5</a:t>
+            </a:r>
           </a:p>
         </p:txBody>
       </p:sp>
@@ -18080,7 +18759,7 @@
         </p:nvCxnSpPr>
         <p:spPr>
           <a:xfrm flipV="1">
-            <a:off x="3369945" y="1519555"/>
+            <a:off x="3507105" y="5259705"/>
             <a:ext cx="0" cy="643255"/>
           </a:xfrm>
           <a:prstGeom prst="straightConnector1">
@@ -18090,7 +18769,6 @@
             <a:solidFill>
               <a:srgbClr val="00B050"/>
             </a:solidFill>
-            <a:prstDash val="sysDot"/>
             <a:tailEnd type="arrow"/>
           </a:ln>
         </p:spPr>
@@ -18117,7 +18795,7 @@
         </p:nvCxnSpPr>
         <p:spPr>
           <a:xfrm flipV="1">
-            <a:off x="5967095" y="1519555"/>
+            <a:off x="4749800" y="5259705"/>
             <a:ext cx="0" cy="643255"/>
           </a:xfrm>
           <a:prstGeom prst="straightConnector1">
@@ -18127,7 +18805,6 @@
             <a:solidFill>
               <a:srgbClr val="00B050"/>
             </a:solidFill>
-            <a:prstDash val="sysDot"/>
             <a:tailEnd type="arrow"/>
           </a:ln>
         </p:spPr>
@@ -18154,7 +18831,7 @@
         </p:nvSpPr>
         <p:spPr>
           <a:xfrm>
-            <a:off x="3128645" y="2162810"/>
+            <a:off x="3265805" y="5902960"/>
             <a:ext cx="597535" cy="368300"/>
           </a:xfrm>
           <a:prstGeom prst="rect">
@@ -18166,12 +18843,12 @@
           <a:bodyPr wrap="square" rtlCol="0">
             <a:spAutoFit/>
           </a:bodyPr>
+          <a:lstStyle/>
           <a:p>
             <a:r>
               <a:rPr lang="en-US" altLang="zh-CN"/>
               <a:t>left</a:t>
             </a:r>
-            <a:endParaRPr lang="en-US" altLang="zh-CN"/>
           </a:p>
         </p:txBody>
       </p:sp>
@@ -18183,7 +18860,7 @@
         </p:nvSpPr>
         <p:spPr>
           <a:xfrm>
-            <a:off x="5638165" y="2162810"/>
+            <a:off x="4455160" y="5902960"/>
             <a:ext cx="796925" cy="368300"/>
           </a:xfrm>
           <a:prstGeom prst="rect">
@@ -18195,12 +18872,12 @@
           <a:bodyPr wrap="square" rtlCol="0">
             <a:spAutoFit/>
           </a:bodyPr>
+          <a:lstStyle/>
           <a:p>
             <a:r>
               <a:rPr lang="en-US" altLang="zh-CN"/>
               <a:t>right</a:t>
             </a:r>
-            <a:endParaRPr lang="en-US" altLang="zh-CN"/>
           </a:p>
         </p:txBody>
       </p:sp>
@@ -18212,7 +18889,7 @@
         </p:nvSpPr>
         <p:spPr>
           <a:xfrm>
-            <a:off x="5643245" y="944245"/>
+            <a:off x="5687695" y="3629660"/>
             <a:ext cx="648335" cy="575945"/>
           </a:xfrm>
           <a:prstGeom prst="roundRect">
@@ -18237,13 +18914,13 @@
         </p:style>
         <p:txBody>
           <a:bodyPr rtlCol="0" anchor="ctr"/>
+          <a:lstStyle/>
           <a:p>
             <a:pPr algn="ctr"/>
             <a:r>
               <a:rPr lang="en-US" altLang="zh-CN"/>
               <a:t>4</a:t>
             </a:r>
-            <a:endParaRPr lang="en-US" altLang="zh-CN"/>
           </a:p>
         </p:txBody>
       </p:sp>
@@ -18255,7 +18932,7 @@
         </p:nvSpPr>
         <p:spPr>
           <a:xfrm>
-            <a:off x="6557645" y="943610"/>
+            <a:off x="6336030" y="4683760"/>
             <a:ext cx="648335" cy="575945"/>
           </a:xfrm>
           <a:prstGeom prst="roundRect">
@@ -18280,13 +18957,13 @@
         </p:style>
         <p:txBody>
           <a:bodyPr rtlCol="0" anchor="ctr"/>
+          <a:lstStyle/>
           <a:p>
             <a:pPr algn="ctr"/>
             <a:r>
               <a:rPr lang="en-US" altLang="zh-CN"/>
               <a:t>6</a:t>
             </a:r>
-            <a:endParaRPr lang="en-US" altLang="zh-CN"/>
           </a:p>
         </p:txBody>
       </p:sp>
@@ -18298,7 +18975,7 @@
         </p:nvSpPr>
         <p:spPr>
           <a:xfrm>
-            <a:off x="7212330" y="944245"/>
+            <a:off x="6990715" y="4684395"/>
             <a:ext cx="648335" cy="575945"/>
           </a:xfrm>
           <a:prstGeom prst="roundRect">
@@ -18323,13 +19000,13 @@
         </p:style>
         <p:txBody>
           <a:bodyPr rtlCol="0" anchor="ctr"/>
+          <a:lstStyle/>
           <a:p>
             <a:pPr algn="ctr"/>
             <a:r>
               <a:rPr lang="en-US" altLang="zh-CN"/>
               <a:t>7</a:t>
             </a:r>
-            <a:endParaRPr lang="en-US" altLang="zh-CN"/>
           </a:p>
         </p:txBody>
       </p:sp>
@@ -18341,7 +19018,7 @@
         </p:nvSpPr>
         <p:spPr>
           <a:xfrm>
-            <a:off x="3128645" y="943610"/>
+            <a:off x="3265805" y="3629660"/>
             <a:ext cx="918845" cy="575945"/>
           </a:xfrm>
           <a:prstGeom prst="roundRect">
@@ -18366,13 +19043,13 @@
         </p:style>
         <p:txBody>
           <a:bodyPr rtlCol="0" anchor="ctr"/>
+          <a:lstStyle/>
           <a:p>
             <a:pPr algn="ctr"/>
             <a:r>
               <a:rPr lang="en-US" altLang="zh-CN"/>
               <a:t>back=2</a:t>
             </a:r>
-            <a:endParaRPr lang="en-US" altLang="zh-CN"/>
           </a:p>
         </p:txBody>
       </p:sp>
@@ -18381,14 +19058,14 @@
           <p:cNvPr id="29" name="直接箭头连接符 28"/>
           <p:cNvCxnSpPr>
             <a:stCxn id="25" idx="3"/>
-            <a:endCxn id="26" idx="1"/>
+            <a:endCxn id="26" idx="0"/>
           </p:cNvCxnSpPr>
           <p:nvPr/>
         </p:nvCxnSpPr>
         <p:spPr>
-          <a:xfrm flipV="1">
-            <a:off x="6291580" y="1231900"/>
-            <a:ext cx="266065" cy="635"/>
+          <a:xfrm>
+            <a:off x="6264275" y="3917950"/>
+            <a:ext cx="324485" cy="765810"/>
           </a:xfrm>
           <a:prstGeom prst="straightConnector1">
             <a:avLst/>
@@ -18425,6 +19102,630 @@
           <p:nvPr/>
         </p:nvCxnSpPr>
         <p:spPr>
+          <a:xfrm flipV="1">
+            <a:off x="5074285" y="3917950"/>
+            <a:ext cx="613410" cy="1054100"/>
+          </a:xfrm>
+          <a:prstGeom prst="straightConnector1">
+            <a:avLst/>
+          </a:prstGeom>
+          <a:ln w="38100">
+            <a:solidFill>
+              <a:srgbClr val="7030A0"/>
+            </a:solidFill>
+            <a:tailEnd type="arrow"/>
+          </a:ln>
+        </p:spPr>
+        <p:style>
+          <a:lnRef idx="1">
+            <a:schemeClr val="accent1"/>
+          </a:lnRef>
+          <a:fillRef idx="0">
+            <a:schemeClr val="accent1"/>
+          </a:fillRef>
+          <a:effectRef idx="0">
+            <a:schemeClr val="accent1"/>
+          </a:effectRef>
+          <a:fontRef idx="minor">
+            <a:schemeClr val="tx1"/>
+          </a:fontRef>
+        </p:style>
+      </p:cxnSp>
+      <p:cxnSp>
+        <p:nvCxnSpPr>
+          <p:cNvPr id="32" name="直接箭头连接符 31"/>
+          <p:cNvCxnSpPr>
+            <a:stCxn id="28" idx="3"/>
+            <a:endCxn id="19" idx="0"/>
+          </p:cNvCxnSpPr>
+          <p:nvPr/>
+        </p:nvCxnSpPr>
+        <p:spPr>
+          <a:xfrm>
+            <a:off x="4184650" y="3917950"/>
+            <a:ext cx="565785" cy="765810"/>
+          </a:xfrm>
+          <a:prstGeom prst="straightConnector1">
+            <a:avLst/>
+          </a:prstGeom>
+          <a:ln w="38100">
+            <a:solidFill>
+              <a:srgbClr val="7030A0"/>
+            </a:solidFill>
+            <a:tailEnd type="arrow"/>
+          </a:ln>
+        </p:spPr>
+        <p:style>
+          <a:lnRef idx="1">
+            <a:schemeClr val="accent1"/>
+          </a:lnRef>
+          <a:fillRef idx="0">
+            <a:schemeClr val="accent1"/>
+          </a:fillRef>
+          <a:effectRef idx="0">
+            <a:schemeClr val="accent1"/>
+          </a:effectRef>
+          <a:fontRef idx="minor">
+            <a:schemeClr val="tx1"/>
+          </a:fontRef>
+        </p:style>
+      </p:cxnSp>
+      <p:cxnSp>
+        <p:nvCxnSpPr>
+          <p:cNvPr id="33" name="曲线连接符 32"/>
+          <p:cNvCxnSpPr>
+            <a:stCxn id="17" idx="0"/>
+            <a:endCxn id="28" idx="1"/>
+          </p:cNvCxnSpPr>
+          <p:nvPr/>
+        </p:nvCxnSpPr>
+        <p:spPr>
+          <a:xfrm rot="16200000" flipV="1">
+            <a:off x="3003550" y="4180205"/>
+            <a:ext cx="765810" cy="241300"/>
+          </a:xfrm>
+          <a:prstGeom prst="curvedConnector4">
+            <a:avLst>
+              <a:gd name="adj1" fmla="val 31177"/>
+              <a:gd name="adj2" fmla="val 233158"/>
+            </a:avLst>
+          </a:prstGeom>
+          <a:ln w="41275">
+            <a:solidFill>
+              <a:srgbClr val="7030A0"/>
+            </a:solidFill>
+            <a:tailEnd type="arrow"/>
+          </a:ln>
+        </p:spPr>
+        <p:style>
+          <a:lnRef idx="1">
+            <a:schemeClr val="accent1"/>
+          </a:lnRef>
+          <a:fillRef idx="0">
+            <a:schemeClr val="accent1"/>
+          </a:fillRef>
+          <a:effectRef idx="0">
+            <a:schemeClr val="accent1"/>
+          </a:effectRef>
+          <a:fontRef idx="minor">
+            <a:schemeClr val="tx1"/>
+          </a:fontRef>
+        </p:style>
+      </p:cxnSp>
+      <p:sp>
+        <p:nvSpPr>
+          <p:cNvPr id="35" name="矩形 34"/>
+          <p:cNvSpPr/>
+          <p:nvPr/>
+        </p:nvSpPr>
+        <p:spPr>
+          <a:xfrm>
+            <a:off x="0" y="0"/>
+            <a:ext cx="1842135" cy="428625"/>
+          </a:xfrm>
+          <a:prstGeom prst="rect">
+            <a:avLst/>
+          </a:prstGeom>
+          <a:ln w="38100">
+            <a:solidFill>
+              <a:srgbClr val="FF0000"/>
+            </a:solidFill>
+          </a:ln>
+        </p:spPr>
+        <p:style>
+          <a:lnRef idx="2">
+            <a:schemeClr val="accent2"/>
+          </a:lnRef>
+          <a:fillRef idx="1">
+            <a:schemeClr val="lt1"/>
+          </a:fillRef>
+          <a:effectRef idx="0">
+            <a:schemeClr val="accent2"/>
+          </a:effectRef>
+          <a:fontRef idx="minor">
+            <a:schemeClr val="dk1"/>
+          </a:fontRef>
+        </p:style>
+        <p:txBody>
+          <a:bodyPr rtlCol="0" anchor="ctr"/>
+          <a:lstStyle/>
+          <a:p>
+            <a:pPr algn="ctr"/>
+            <a:r>
+              <a:rPr lang="zh-CN" altLang="zh-CN" b="1" dirty="0"/>
+              <a:t>链表</a:t>
+            </a:r>
+            <a:r>
+              <a:rPr lang="en-US" altLang="zh-CN" b="1" dirty="0"/>
+              <a:t>partition</a:t>
+            </a:r>
+          </a:p>
+        </p:txBody>
+      </p:sp>
+    </p:spTree>
+  </p:cSld>
+  <p:clrMapOvr>
+    <a:masterClrMapping/>
+  </p:clrMapOvr>
+</p:sld>
+</file>
+
+<file path=ppt/slides/slide35.xml><?xml version="1.0" encoding="utf-8"?>
+<p:sld xmlns:a="http://schemas.openxmlformats.org/drawingml/2006/main" xmlns:r="http://schemas.openxmlformats.org/officeDocument/2006/relationships" xmlns:p="http://schemas.openxmlformats.org/presentationml/2006/main">
+  <p:cSld>
+    <p:spTree>
+      <p:nvGrpSpPr>
+        <p:cNvPr id="1" name=""/>
+        <p:cNvGrpSpPr/>
+        <p:nvPr/>
+      </p:nvGrpSpPr>
+      <p:grpSpPr>
+        <a:xfrm>
+          <a:off x="0" y="0"/>
+          <a:ext cx="0" cy="0"/>
+          <a:chOff x="0" y="0"/>
+          <a:chExt cx="0" cy="0"/>
+        </a:xfrm>
+      </p:grpSpPr>
+      <p:sp>
+        <p:nvSpPr>
+          <p:cNvPr id="17" name="圆角矩形 16"/>
+          <p:cNvSpPr/>
+          <p:nvPr/>
+        </p:nvSpPr>
+        <p:spPr>
+          <a:xfrm>
+            <a:off x="1688465" y="943610"/>
+            <a:ext cx="648335" cy="575945"/>
+          </a:xfrm>
+          <a:prstGeom prst="roundRect">
+            <a:avLst/>
+          </a:prstGeom>
+        </p:spPr>
+        <p:style>
+          <a:lnRef idx="2">
+            <a:schemeClr val="accent1">
+              <a:shade val="50000"/>
+            </a:schemeClr>
+          </a:lnRef>
+          <a:fillRef idx="1">
+            <a:schemeClr val="accent1"/>
+          </a:fillRef>
+          <a:effectRef idx="0">
+            <a:schemeClr val="accent1"/>
+          </a:effectRef>
+          <a:fontRef idx="minor">
+            <a:schemeClr val="lt1"/>
+          </a:fontRef>
+        </p:style>
+        <p:txBody>
+          <a:bodyPr rtlCol="0" anchor="ctr"/>
+          <a:lstStyle/>
+          <a:p>
+            <a:pPr algn="ctr"/>
+            <a:r>
+              <a:rPr lang="en-US" altLang="zh-CN"/>
+              <a:t>1</a:t>
+            </a:r>
+          </a:p>
+        </p:txBody>
+      </p:sp>
+      <p:sp>
+        <p:nvSpPr>
+          <p:cNvPr id="19" name="圆角矩形 18"/>
+          <p:cNvSpPr/>
+          <p:nvPr/>
+        </p:nvSpPr>
+        <p:spPr>
+          <a:xfrm>
+            <a:off x="4647565" y="943610"/>
+            <a:ext cx="648335" cy="575945"/>
+          </a:xfrm>
+          <a:prstGeom prst="roundRect">
+            <a:avLst/>
+          </a:prstGeom>
+        </p:spPr>
+        <p:style>
+          <a:lnRef idx="2">
+            <a:schemeClr val="accent1">
+              <a:shade val="50000"/>
+            </a:schemeClr>
+          </a:lnRef>
+          <a:fillRef idx="1">
+            <a:schemeClr val="accent1"/>
+          </a:fillRef>
+          <a:effectRef idx="0">
+            <a:schemeClr val="accent1"/>
+          </a:effectRef>
+          <a:fontRef idx="minor">
+            <a:schemeClr val="lt1"/>
+          </a:fontRef>
+        </p:style>
+        <p:txBody>
+          <a:bodyPr rtlCol="0" anchor="ctr"/>
+          <a:lstStyle/>
+          <a:p>
+            <a:pPr algn="ctr"/>
+            <a:r>
+              <a:rPr lang="en-US" altLang="zh-CN"/>
+              <a:t>5</a:t>
+            </a:r>
+          </a:p>
+        </p:txBody>
+      </p:sp>
+      <p:cxnSp>
+        <p:nvCxnSpPr>
+          <p:cNvPr id="21" name="直接箭头连接符 20"/>
+          <p:cNvCxnSpPr/>
+          <p:nvPr/>
+        </p:nvCxnSpPr>
+        <p:spPr>
+          <a:xfrm flipV="1">
+            <a:off x="3369945" y="1519555"/>
+            <a:ext cx="0" cy="643255"/>
+          </a:xfrm>
+          <a:prstGeom prst="straightConnector1">
+            <a:avLst/>
+          </a:prstGeom>
+          <a:ln w="38100">
+            <a:solidFill>
+              <a:srgbClr val="00B050"/>
+            </a:solidFill>
+            <a:prstDash val="sysDot"/>
+            <a:tailEnd type="arrow"/>
+          </a:ln>
+        </p:spPr>
+        <p:style>
+          <a:lnRef idx="1">
+            <a:schemeClr val="accent1"/>
+          </a:lnRef>
+          <a:fillRef idx="0">
+            <a:schemeClr val="accent1"/>
+          </a:fillRef>
+          <a:effectRef idx="0">
+            <a:schemeClr val="accent1"/>
+          </a:effectRef>
+          <a:fontRef idx="minor">
+            <a:schemeClr val="tx1"/>
+          </a:fontRef>
+        </p:style>
+      </p:cxnSp>
+      <p:cxnSp>
+        <p:nvCxnSpPr>
+          <p:cNvPr id="22" name="直接箭头连接符 21"/>
+          <p:cNvCxnSpPr/>
+          <p:nvPr/>
+        </p:nvCxnSpPr>
+        <p:spPr>
+          <a:xfrm flipV="1">
+            <a:off x="5967095" y="1519555"/>
+            <a:ext cx="0" cy="643255"/>
+          </a:xfrm>
+          <a:prstGeom prst="straightConnector1">
+            <a:avLst/>
+          </a:prstGeom>
+          <a:ln w="38100">
+            <a:solidFill>
+              <a:srgbClr val="00B050"/>
+            </a:solidFill>
+            <a:prstDash val="sysDot"/>
+            <a:tailEnd type="arrow"/>
+          </a:ln>
+        </p:spPr>
+        <p:style>
+          <a:lnRef idx="1">
+            <a:schemeClr val="accent1"/>
+          </a:lnRef>
+          <a:fillRef idx="0">
+            <a:schemeClr val="accent1"/>
+          </a:fillRef>
+          <a:effectRef idx="0">
+            <a:schemeClr val="accent1"/>
+          </a:effectRef>
+          <a:fontRef idx="minor">
+            <a:schemeClr val="tx1"/>
+          </a:fontRef>
+        </p:style>
+      </p:cxnSp>
+      <p:sp>
+        <p:nvSpPr>
+          <p:cNvPr id="23" name="文本框 22"/>
+          <p:cNvSpPr txBox="1"/>
+          <p:nvPr/>
+        </p:nvSpPr>
+        <p:spPr>
+          <a:xfrm>
+            <a:off x="3128645" y="2162810"/>
+            <a:ext cx="597535" cy="368300"/>
+          </a:xfrm>
+          <a:prstGeom prst="rect">
+            <a:avLst/>
+          </a:prstGeom>
+          <a:noFill/>
+        </p:spPr>
+        <p:txBody>
+          <a:bodyPr wrap="square" rtlCol="0">
+            <a:spAutoFit/>
+          </a:bodyPr>
+          <a:lstStyle/>
+          <a:p>
+            <a:r>
+              <a:rPr lang="en-US" altLang="zh-CN"/>
+              <a:t>left</a:t>
+            </a:r>
+          </a:p>
+        </p:txBody>
+      </p:sp>
+      <p:sp>
+        <p:nvSpPr>
+          <p:cNvPr id="24" name="文本框 23"/>
+          <p:cNvSpPr txBox="1"/>
+          <p:nvPr/>
+        </p:nvSpPr>
+        <p:spPr>
+          <a:xfrm>
+            <a:off x="5638165" y="2162810"/>
+            <a:ext cx="796925" cy="368300"/>
+          </a:xfrm>
+          <a:prstGeom prst="rect">
+            <a:avLst/>
+          </a:prstGeom>
+          <a:noFill/>
+        </p:spPr>
+        <p:txBody>
+          <a:bodyPr wrap="square" rtlCol="0">
+            <a:spAutoFit/>
+          </a:bodyPr>
+          <a:lstStyle/>
+          <a:p>
+            <a:r>
+              <a:rPr lang="en-US" altLang="zh-CN"/>
+              <a:t>right</a:t>
+            </a:r>
+          </a:p>
+        </p:txBody>
+      </p:sp>
+      <p:sp>
+        <p:nvSpPr>
+          <p:cNvPr id="25" name="圆角矩形 24"/>
+          <p:cNvSpPr/>
+          <p:nvPr/>
+        </p:nvSpPr>
+        <p:spPr>
+          <a:xfrm>
+            <a:off x="5643245" y="944245"/>
+            <a:ext cx="648335" cy="575945"/>
+          </a:xfrm>
+          <a:prstGeom prst="roundRect">
+            <a:avLst/>
+          </a:prstGeom>
+        </p:spPr>
+        <p:style>
+          <a:lnRef idx="2">
+            <a:schemeClr val="accent1">
+              <a:shade val="50000"/>
+            </a:schemeClr>
+          </a:lnRef>
+          <a:fillRef idx="1">
+            <a:schemeClr val="accent1"/>
+          </a:fillRef>
+          <a:effectRef idx="0">
+            <a:schemeClr val="accent1"/>
+          </a:effectRef>
+          <a:fontRef idx="minor">
+            <a:schemeClr val="lt1"/>
+          </a:fontRef>
+        </p:style>
+        <p:txBody>
+          <a:bodyPr rtlCol="0" anchor="ctr"/>
+          <a:lstStyle/>
+          <a:p>
+            <a:pPr algn="ctr"/>
+            <a:r>
+              <a:rPr lang="en-US" altLang="zh-CN"/>
+              <a:t>4</a:t>
+            </a:r>
+          </a:p>
+        </p:txBody>
+      </p:sp>
+      <p:sp>
+        <p:nvSpPr>
+          <p:cNvPr id="26" name="圆角矩形 25"/>
+          <p:cNvSpPr/>
+          <p:nvPr/>
+        </p:nvSpPr>
+        <p:spPr>
+          <a:xfrm>
+            <a:off x="6557645" y="943610"/>
+            <a:ext cx="648335" cy="575945"/>
+          </a:xfrm>
+          <a:prstGeom prst="roundRect">
+            <a:avLst/>
+          </a:prstGeom>
+        </p:spPr>
+        <p:style>
+          <a:lnRef idx="2">
+            <a:schemeClr val="accent1">
+              <a:shade val="50000"/>
+            </a:schemeClr>
+          </a:lnRef>
+          <a:fillRef idx="1">
+            <a:schemeClr val="accent1"/>
+          </a:fillRef>
+          <a:effectRef idx="0">
+            <a:schemeClr val="accent1"/>
+          </a:effectRef>
+          <a:fontRef idx="minor">
+            <a:schemeClr val="lt1"/>
+          </a:fontRef>
+        </p:style>
+        <p:txBody>
+          <a:bodyPr rtlCol="0" anchor="ctr"/>
+          <a:lstStyle/>
+          <a:p>
+            <a:pPr algn="ctr"/>
+            <a:r>
+              <a:rPr lang="en-US" altLang="zh-CN"/>
+              <a:t>6</a:t>
+            </a:r>
+          </a:p>
+        </p:txBody>
+      </p:sp>
+      <p:sp>
+        <p:nvSpPr>
+          <p:cNvPr id="27" name="圆角矩形 26"/>
+          <p:cNvSpPr/>
+          <p:nvPr/>
+        </p:nvSpPr>
+        <p:spPr>
+          <a:xfrm>
+            <a:off x="7212330" y="944245"/>
+            <a:ext cx="648335" cy="575945"/>
+          </a:xfrm>
+          <a:prstGeom prst="roundRect">
+            <a:avLst/>
+          </a:prstGeom>
+        </p:spPr>
+        <p:style>
+          <a:lnRef idx="2">
+            <a:schemeClr val="accent1">
+              <a:shade val="50000"/>
+            </a:schemeClr>
+          </a:lnRef>
+          <a:fillRef idx="1">
+            <a:schemeClr val="accent1"/>
+          </a:fillRef>
+          <a:effectRef idx="0">
+            <a:schemeClr val="accent1"/>
+          </a:effectRef>
+          <a:fontRef idx="minor">
+            <a:schemeClr val="lt1"/>
+          </a:fontRef>
+        </p:style>
+        <p:txBody>
+          <a:bodyPr rtlCol="0" anchor="ctr"/>
+          <a:lstStyle/>
+          <a:p>
+            <a:pPr algn="ctr"/>
+            <a:r>
+              <a:rPr lang="en-US" altLang="zh-CN"/>
+              <a:t>7</a:t>
+            </a:r>
+          </a:p>
+        </p:txBody>
+      </p:sp>
+      <p:sp>
+        <p:nvSpPr>
+          <p:cNvPr id="28" name="圆角矩形 27"/>
+          <p:cNvSpPr/>
+          <p:nvPr/>
+        </p:nvSpPr>
+        <p:spPr>
+          <a:xfrm>
+            <a:off x="3128645" y="943610"/>
+            <a:ext cx="918845" cy="575945"/>
+          </a:xfrm>
+          <a:prstGeom prst="roundRect">
+            <a:avLst/>
+          </a:prstGeom>
+        </p:spPr>
+        <p:style>
+          <a:lnRef idx="2">
+            <a:schemeClr val="accent1">
+              <a:shade val="50000"/>
+            </a:schemeClr>
+          </a:lnRef>
+          <a:fillRef idx="1">
+            <a:schemeClr val="accent1"/>
+          </a:fillRef>
+          <a:effectRef idx="0">
+            <a:schemeClr val="accent1"/>
+          </a:effectRef>
+          <a:fontRef idx="minor">
+            <a:schemeClr val="lt1"/>
+          </a:fontRef>
+        </p:style>
+        <p:txBody>
+          <a:bodyPr rtlCol="0" anchor="ctr"/>
+          <a:lstStyle/>
+          <a:p>
+            <a:pPr algn="ctr"/>
+            <a:r>
+              <a:rPr lang="en-US" altLang="zh-CN"/>
+              <a:t>back=2</a:t>
+            </a:r>
+          </a:p>
+        </p:txBody>
+      </p:sp>
+      <p:cxnSp>
+        <p:nvCxnSpPr>
+          <p:cNvPr id="29" name="直接箭头连接符 28"/>
+          <p:cNvCxnSpPr>
+            <a:stCxn id="25" idx="3"/>
+            <a:endCxn id="26" idx="1"/>
+          </p:cNvCxnSpPr>
+          <p:nvPr/>
+        </p:nvCxnSpPr>
+        <p:spPr>
+          <a:xfrm flipV="1">
+            <a:off x="6291580" y="1231900"/>
+            <a:ext cx="266065" cy="635"/>
+          </a:xfrm>
+          <a:prstGeom prst="straightConnector1">
+            <a:avLst/>
+          </a:prstGeom>
+          <a:ln w="38100">
+            <a:solidFill>
+              <a:srgbClr val="7030A0"/>
+            </a:solidFill>
+            <a:tailEnd type="arrow"/>
+          </a:ln>
+        </p:spPr>
+        <p:style>
+          <a:lnRef idx="1">
+            <a:schemeClr val="accent1"/>
+          </a:lnRef>
+          <a:fillRef idx="0">
+            <a:schemeClr val="accent1"/>
+          </a:fillRef>
+          <a:effectRef idx="0">
+            <a:schemeClr val="accent1"/>
+          </a:effectRef>
+          <a:fontRef idx="minor">
+            <a:schemeClr val="tx1"/>
+          </a:fontRef>
+        </p:style>
+      </p:cxnSp>
+      <p:cxnSp>
+        <p:nvCxnSpPr>
+          <p:cNvPr id="30" name="直接箭头连接符 29"/>
+          <p:cNvCxnSpPr>
+            <a:stCxn id="19" idx="3"/>
+            <a:endCxn id="25" idx="1"/>
+          </p:cNvCxnSpPr>
+          <p:nvPr/>
+        </p:nvCxnSpPr>
+        <p:spPr>
           <a:xfrm>
             <a:off x="5295900" y="1231900"/>
             <a:ext cx="347345" cy="635"/>
@@ -18568,6 +19869,7 @@
         </p:style>
         <p:txBody>
           <a:bodyPr rtlCol="0" anchor="ctr"/>
+          <a:lstStyle/>
           <a:p>
             <a:pPr algn="ctr"/>
             <a:r>
@@ -18578,7 +19880,6 @@
               <a:rPr lang="en-US" altLang="zh-CN" b="1" dirty="0"/>
               <a:t>partition</a:t>
             </a:r>
-            <a:endParaRPr lang="en-US" altLang="zh-CN" b="1" dirty="0"/>
           </a:p>
         </p:txBody>
       </p:sp>
@@ -18602,6 +19903,7 @@
           <a:bodyPr wrap="square" rtlCol="0">
             <a:spAutoFit/>
           </a:bodyPr>
+          <a:lstStyle/>
           <a:p>
             <a:pPr algn="l"/>
             <a:r>
@@ -18614,13 +19916,8 @@
             </a:r>
             <a:r>
               <a:rPr lang="zh-CN" altLang="en-US"/>
-              <a:t>，</a:t>
-            </a:r>
-            <a:r>
-              <a:rPr lang="zh-CN" altLang="en-US"/>
-              <a:t>寻找符合下面条件的两个指针：</a:t>
-            </a:r>
-            <a:endParaRPr lang="zh-CN" altLang="en-US"/>
+              <a:t>，寻找符合下面条件的两个指针：</a:t>
+            </a:r>
           </a:p>
           <a:p>
             <a:pPr algn="l"/>
@@ -18646,13 +19943,8 @@
             </a:r>
             <a:r>
               <a:rPr lang="en-US" altLang="zh-CN"/>
-              <a:t>l.</a:t>
-            </a:r>
-            <a:r>
-              <a:rPr lang="en-US" altLang="zh-CN"/>
-              <a:t>next.val &gt;= X</a:t>
-            </a:r>
-            <a:endParaRPr lang="en-US" altLang="zh-CN"/>
+              <a:t>l.next.val &gt;= X</a:t>
+            </a:r>
           </a:p>
           <a:p>
             <a:pPr algn="l"/>
@@ -18680,7 +19972,6 @@
               <a:rPr lang="en-US" altLang="zh-CN"/>
               <a:t>r.next.val &lt;= x</a:t>
             </a:r>
-            <a:endParaRPr lang="en-US" altLang="zh-CN"/>
           </a:p>
           <a:p>
             <a:pPr algn="l"/>
@@ -18688,7 +19979,6 @@
               <a:rPr lang="zh-CN" altLang="en-US"/>
               <a:t>如果这样的话，我们则执行一次链表的节点交换然后两个指针分别后移一位</a:t>
             </a:r>
-            <a:endParaRPr lang="zh-CN" altLang="en-US"/>
           </a:p>
           <a:p>
             <a:pPr algn="l"/>
@@ -18708,7 +19998,6 @@
               <a:rPr lang="zh-CN" altLang="en-US"/>
               <a:t>，强制首节点</a:t>
             </a:r>
-            <a:endParaRPr lang="zh-CN" altLang="en-US"/>
           </a:p>
           <a:p>
             <a:pPr algn="l"/>
@@ -18726,7 +20015,6 @@
               <a:rPr lang="zh-CN" altLang="en-US"/>
               <a:t>右指针的位置</a:t>
             </a:r>
-            <a:endParaRPr lang="zh-CN" altLang="en-US"/>
           </a:p>
           <a:p>
             <a:pPr algn="l"/>
@@ -18754,7 +20042,6 @@
               <a:rPr lang="zh-CN" altLang="zh-CN"/>
               <a:t>即可。</a:t>
             </a:r>
-            <a:endParaRPr lang="zh-CN" altLang="zh-CN"/>
           </a:p>
           <a:p>
             <a:pPr algn="l"/>
@@ -18774,7 +20061,6 @@
               <a:rPr lang="zh-CN" altLang="en-US"/>
               <a:t>的值，就和左</a:t>
             </a:r>
-            <a:endParaRPr lang="zh-CN" altLang="en-US"/>
           </a:p>
           <a:p>
             <a:pPr algn="l"/>
@@ -18791,6 +20077,1185 @@
         </p:txBody>
       </p:sp>
     </p:spTree>
+  </p:cSld>
+  <p:clrMapOvr>
+    <a:masterClrMapping/>
+  </p:clrMapOvr>
+</p:sld>
+</file>
+
+<file path=ppt/slides/slide36.xml><?xml version="1.0" encoding="utf-8"?>
+<p:sld xmlns:a="http://schemas.openxmlformats.org/drawingml/2006/main" xmlns:r="http://schemas.openxmlformats.org/officeDocument/2006/relationships" xmlns:p="http://schemas.openxmlformats.org/presentationml/2006/main">
+  <p:cSld>
+    <p:spTree>
+      <p:nvGrpSpPr>
+        <p:cNvPr id="1" name=""/>
+        <p:cNvGrpSpPr/>
+        <p:nvPr/>
+      </p:nvGrpSpPr>
+      <p:grpSpPr>
+        <a:xfrm>
+          <a:off x="0" y="0"/>
+          <a:ext cx="0" cy="0"/>
+          <a:chOff x="0" y="0"/>
+          <a:chExt cx="0" cy="0"/>
+        </a:xfrm>
+      </p:grpSpPr>
+      <p:sp>
+        <p:nvSpPr>
+          <p:cNvPr id="34" name="TextBox 33"/>
+          <p:cNvSpPr txBox="1"/>
+          <p:nvPr/>
+        </p:nvSpPr>
+        <p:spPr>
+          <a:xfrm>
+            <a:off x="3981825" y="2483161"/>
+            <a:ext cx="1034257" cy="1107996"/>
+          </a:xfrm>
+          <a:prstGeom prst="rect">
+            <a:avLst/>
+          </a:prstGeom>
+          <a:noFill/>
+        </p:spPr>
+        <p:txBody>
+          <a:bodyPr wrap="none" rtlCol="0">
+            <a:spAutoFit/>
+          </a:bodyPr>
+          <a:lstStyle/>
+          <a:p>
+            <a:pPr algn="ctr"/>
+            <a:r>
+              <a:rPr lang="zh-CN" altLang="en-US" sz="6600" b="1" dirty="0" smtClean="0"/>
+              <a:t>堆</a:t>
+            </a:r>
+            <a:endParaRPr lang="zh-CN" altLang="en-US" sz="6600" b="1" dirty="0"/>
+          </a:p>
+        </p:txBody>
+      </p:sp>
+    </p:spTree>
+    <p:extLst>
+      <p:ext uri="{BB962C8B-B14F-4D97-AF65-F5344CB8AC3E}">
+        <p14:creationId xmlns:p14="http://schemas.microsoft.com/office/powerpoint/2010/main" val="2599374810"/>
+      </p:ext>
+    </p:extLst>
+  </p:cSld>
+  <p:clrMapOvr>
+    <a:masterClrMapping/>
+  </p:clrMapOvr>
+</p:sld>
+</file>
+
+<file path=ppt/slides/slide37.xml><?xml version="1.0" encoding="utf-8"?>
+<p:sld xmlns:a="http://schemas.openxmlformats.org/drawingml/2006/main" xmlns:r="http://schemas.openxmlformats.org/officeDocument/2006/relationships" xmlns:p="http://schemas.openxmlformats.org/presentationml/2006/main">
+  <p:cSld>
+    <p:spTree>
+      <p:nvGrpSpPr>
+        <p:cNvPr id="1" name=""/>
+        <p:cNvGrpSpPr/>
+        <p:nvPr/>
+      </p:nvGrpSpPr>
+      <p:grpSpPr>
+        <a:xfrm>
+          <a:off x="0" y="0"/>
+          <a:ext cx="0" cy="0"/>
+          <a:chOff x="0" y="0"/>
+          <a:chExt cx="0" cy="0"/>
+        </a:xfrm>
+      </p:grpSpPr>
+      <p:sp>
+        <p:nvSpPr>
+          <p:cNvPr id="4" name="矩形 3"/>
+          <p:cNvSpPr/>
+          <p:nvPr/>
+        </p:nvSpPr>
+        <p:spPr>
+          <a:xfrm>
+            <a:off x="0" y="0"/>
+            <a:ext cx="1842135" cy="428625"/>
+          </a:xfrm>
+          <a:prstGeom prst="rect">
+            <a:avLst/>
+          </a:prstGeom>
+          <a:ln w="38100">
+            <a:solidFill>
+              <a:srgbClr val="FF0000"/>
+            </a:solidFill>
+          </a:ln>
+        </p:spPr>
+        <p:style>
+          <a:lnRef idx="2">
+            <a:schemeClr val="accent2"/>
+          </a:lnRef>
+          <a:fillRef idx="1">
+            <a:schemeClr val="lt1"/>
+          </a:fillRef>
+          <a:effectRef idx="0">
+            <a:schemeClr val="accent2"/>
+          </a:effectRef>
+          <a:fontRef idx="minor">
+            <a:schemeClr val="dk1"/>
+          </a:fontRef>
+        </p:style>
+        <p:txBody>
+          <a:bodyPr rtlCol="0" anchor="ctr"/>
+          <a:lstStyle/>
+          <a:p>
+            <a:pPr algn="ctr"/>
+            <a:r>
+              <a:rPr lang="zh-CN" altLang="en-US" b="1" dirty="0" smtClean="0"/>
+              <a:t>数据流的中位数</a:t>
+            </a:r>
+            <a:endParaRPr lang="en-US" altLang="zh-CN" b="1" dirty="0"/>
+          </a:p>
+        </p:txBody>
+      </p:sp>
+      <p:cxnSp>
+        <p:nvCxnSpPr>
+          <p:cNvPr id="6" name="直接连接符 5"/>
+          <p:cNvCxnSpPr/>
+          <p:nvPr/>
+        </p:nvCxnSpPr>
+        <p:spPr>
+          <a:xfrm>
+            <a:off x="1842135" y="1196752"/>
+            <a:ext cx="1656184" cy="0"/>
+          </a:xfrm>
+          <a:prstGeom prst="line">
+            <a:avLst/>
+          </a:prstGeom>
+        </p:spPr>
+        <p:style>
+          <a:lnRef idx="1">
+            <a:schemeClr val="accent1"/>
+          </a:lnRef>
+          <a:fillRef idx="0">
+            <a:schemeClr val="accent1"/>
+          </a:fillRef>
+          <a:effectRef idx="0">
+            <a:schemeClr val="accent1"/>
+          </a:effectRef>
+          <a:fontRef idx="minor">
+            <a:schemeClr val="tx1"/>
+          </a:fontRef>
+        </p:style>
+      </p:cxnSp>
+      <p:cxnSp>
+        <p:nvCxnSpPr>
+          <p:cNvPr id="7" name="直接连接符 6"/>
+          <p:cNvCxnSpPr/>
+          <p:nvPr/>
+        </p:nvCxnSpPr>
+        <p:spPr>
+          <a:xfrm>
+            <a:off x="1842135" y="1772816"/>
+            <a:ext cx="1656184" cy="0"/>
+          </a:xfrm>
+          <a:prstGeom prst="line">
+            <a:avLst/>
+          </a:prstGeom>
+        </p:spPr>
+        <p:style>
+          <a:lnRef idx="1">
+            <a:schemeClr val="accent1"/>
+          </a:lnRef>
+          <a:fillRef idx="0">
+            <a:schemeClr val="accent1"/>
+          </a:fillRef>
+          <a:effectRef idx="0">
+            <a:schemeClr val="accent1"/>
+          </a:effectRef>
+          <a:fontRef idx="minor">
+            <a:schemeClr val="tx1"/>
+          </a:fontRef>
+        </p:style>
+      </p:cxnSp>
+      <p:cxnSp>
+        <p:nvCxnSpPr>
+          <p:cNvPr id="15" name="直接连接符 14"/>
+          <p:cNvCxnSpPr/>
+          <p:nvPr/>
+        </p:nvCxnSpPr>
+        <p:spPr>
+          <a:xfrm>
+            <a:off x="1842135" y="1196752"/>
+            <a:ext cx="0" cy="576064"/>
+          </a:xfrm>
+          <a:prstGeom prst="line">
+            <a:avLst/>
+          </a:prstGeom>
+        </p:spPr>
+        <p:style>
+          <a:lnRef idx="1">
+            <a:schemeClr val="accent1"/>
+          </a:lnRef>
+          <a:fillRef idx="0">
+            <a:schemeClr val="accent1"/>
+          </a:fillRef>
+          <a:effectRef idx="0">
+            <a:schemeClr val="accent1"/>
+          </a:effectRef>
+          <a:fontRef idx="minor">
+            <a:schemeClr val="tx1"/>
+          </a:fontRef>
+        </p:style>
+      </p:cxnSp>
+      <p:cxnSp>
+        <p:nvCxnSpPr>
+          <p:cNvPr id="19" name="直接连接符 18"/>
+          <p:cNvCxnSpPr/>
+          <p:nvPr/>
+        </p:nvCxnSpPr>
+        <p:spPr>
+          <a:xfrm>
+            <a:off x="4788024" y="1196752"/>
+            <a:ext cx="1440160" cy="0"/>
+          </a:xfrm>
+          <a:prstGeom prst="line">
+            <a:avLst/>
+          </a:prstGeom>
+        </p:spPr>
+        <p:style>
+          <a:lnRef idx="1">
+            <a:schemeClr val="accent1"/>
+          </a:lnRef>
+          <a:fillRef idx="0">
+            <a:schemeClr val="accent1"/>
+          </a:fillRef>
+          <a:effectRef idx="0">
+            <a:schemeClr val="accent1"/>
+          </a:effectRef>
+          <a:fontRef idx="minor">
+            <a:schemeClr val="tx1"/>
+          </a:fontRef>
+        </p:style>
+      </p:cxnSp>
+      <p:cxnSp>
+        <p:nvCxnSpPr>
+          <p:cNvPr id="20" name="直接连接符 19"/>
+          <p:cNvCxnSpPr/>
+          <p:nvPr/>
+        </p:nvCxnSpPr>
+        <p:spPr>
+          <a:xfrm>
+            <a:off x="4788024" y="1772816"/>
+            <a:ext cx="1440160" cy="0"/>
+          </a:xfrm>
+          <a:prstGeom prst="line">
+            <a:avLst/>
+          </a:prstGeom>
+        </p:spPr>
+        <p:style>
+          <a:lnRef idx="1">
+            <a:schemeClr val="accent1"/>
+          </a:lnRef>
+          <a:fillRef idx="0">
+            <a:schemeClr val="accent1"/>
+          </a:fillRef>
+          <a:effectRef idx="0">
+            <a:schemeClr val="accent1"/>
+          </a:effectRef>
+          <a:fontRef idx="minor">
+            <a:schemeClr val="tx1"/>
+          </a:fontRef>
+        </p:style>
+      </p:cxnSp>
+      <p:cxnSp>
+        <p:nvCxnSpPr>
+          <p:cNvPr id="21" name="直接连接符 20"/>
+          <p:cNvCxnSpPr/>
+          <p:nvPr/>
+        </p:nvCxnSpPr>
+        <p:spPr>
+          <a:xfrm>
+            <a:off x="6228184" y="1196752"/>
+            <a:ext cx="0" cy="576064"/>
+          </a:xfrm>
+          <a:prstGeom prst="line">
+            <a:avLst/>
+          </a:prstGeom>
+        </p:spPr>
+        <p:style>
+          <a:lnRef idx="1">
+            <a:schemeClr val="accent1"/>
+          </a:lnRef>
+          <a:fillRef idx="0">
+            <a:schemeClr val="accent1"/>
+          </a:fillRef>
+          <a:effectRef idx="0">
+            <a:schemeClr val="accent1"/>
+          </a:effectRef>
+          <a:fontRef idx="minor">
+            <a:schemeClr val="tx1"/>
+          </a:fontRef>
+        </p:style>
+      </p:cxnSp>
+      <p:sp>
+        <p:nvSpPr>
+          <p:cNvPr id="22" name="文本框 21"/>
+          <p:cNvSpPr txBox="1"/>
+          <p:nvPr/>
+        </p:nvSpPr>
+        <p:spPr>
+          <a:xfrm>
+            <a:off x="2037877" y="1300118"/>
+            <a:ext cx="1207382" cy="369332"/>
+          </a:xfrm>
+          <a:prstGeom prst="rect">
+            <a:avLst/>
+          </a:prstGeom>
+          <a:noFill/>
+        </p:spPr>
+        <p:txBody>
+          <a:bodyPr wrap="none" rtlCol="0">
+            <a:spAutoFit/>
+          </a:bodyPr>
+          <a:lstStyle/>
+          <a:p>
+            <a:r>
+              <a:rPr lang="en-US" altLang="zh-CN" dirty="0" smtClean="0"/>
+              <a:t>10,  9,  7, 5</a:t>
+            </a:r>
+            <a:endParaRPr lang="zh-CN" altLang="en-US" dirty="0"/>
+          </a:p>
+        </p:txBody>
+      </p:sp>
+      <p:sp>
+        <p:nvSpPr>
+          <p:cNvPr id="25" name="文本框 24"/>
+          <p:cNvSpPr txBox="1"/>
+          <p:nvPr/>
+        </p:nvSpPr>
+        <p:spPr>
+          <a:xfrm>
+            <a:off x="4989190" y="1300644"/>
+            <a:ext cx="968535" cy="369332"/>
+          </a:xfrm>
+          <a:prstGeom prst="rect">
+            <a:avLst/>
+          </a:prstGeom>
+          <a:noFill/>
+        </p:spPr>
+        <p:txBody>
+          <a:bodyPr wrap="none" rtlCol="0">
+            <a:spAutoFit/>
+          </a:bodyPr>
+          <a:lstStyle/>
+          <a:p>
+            <a:r>
+              <a:rPr lang="en-US" altLang="zh-CN" dirty="0" smtClean="0"/>
+              <a:t>-4, -3, -1</a:t>
+            </a:r>
+            <a:endParaRPr lang="zh-CN" altLang="en-US" dirty="0"/>
+          </a:p>
+        </p:txBody>
+      </p:sp>
+      <p:sp>
+        <p:nvSpPr>
+          <p:cNvPr id="28" name="文本框 27"/>
+          <p:cNvSpPr txBox="1"/>
+          <p:nvPr/>
+        </p:nvSpPr>
+        <p:spPr>
+          <a:xfrm>
+            <a:off x="3995936" y="2276872"/>
+            <a:ext cx="301686" cy="369332"/>
+          </a:xfrm>
+          <a:prstGeom prst="rect">
+            <a:avLst/>
+          </a:prstGeom>
+          <a:noFill/>
+        </p:spPr>
+        <p:txBody>
+          <a:bodyPr wrap="none" rtlCol="0">
+            <a:spAutoFit/>
+          </a:bodyPr>
+          <a:lstStyle/>
+          <a:p>
+            <a:r>
+              <a:rPr lang="en-US" altLang="zh-CN" dirty="0" smtClean="0"/>
+              <a:t>6</a:t>
+            </a:r>
+            <a:endParaRPr lang="zh-CN" altLang="en-US" dirty="0"/>
+          </a:p>
+        </p:txBody>
+      </p:sp>
+      <p:cxnSp>
+        <p:nvCxnSpPr>
+          <p:cNvPr id="30" name="曲线连接符 29"/>
+          <p:cNvCxnSpPr>
+            <a:stCxn id="28" idx="1"/>
+            <a:endCxn id="22" idx="1"/>
+          </p:cNvCxnSpPr>
+          <p:nvPr/>
+        </p:nvCxnSpPr>
+        <p:spPr>
+          <a:xfrm rot="10800000">
+            <a:off x="2037878" y="1484784"/>
+            <a:ext cx="1958059" cy="976754"/>
+          </a:xfrm>
+          <a:prstGeom prst="curvedConnector3">
+            <a:avLst>
+              <a:gd name="adj1" fmla="val 137270"/>
+            </a:avLst>
+          </a:prstGeom>
+          <a:ln>
+            <a:tailEnd type="triangle"/>
+          </a:ln>
+        </p:spPr>
+        <p:style>
+          <a:lnRef idx="1">
+            <a:schemeClr val="accent1"/>
+          </a:lnRef>
+          <a:fillRef idx="0">
+            <a:schemeClr val="accent1"/>
+          </a:fillRef>
+          <a:effectRef idx="0">
+            <a:schemeClr val="accent1"/>
+          </a:effectRef>
+          <a:fontRef idx="minor">
+            <a:schemeClr val="tx1"/>
+          </a:fontRef>
+        </p:style>
+      </p:cxnSp>
+      <p:cxnSp>
+        <p:nvCxnSpPr>
+          <p:cNvPr id="39" name="直接连接符 38"/>
+          <p:cNvCxnSpPr/>
+          <p:nvPr/>
+        </p:nvCxnSpPr>
+        <p:spPr>
+          <a:xfrm>
+            <a:off x="1851372" y="2996952"/>
+            <a:ext cx="1656184" cy="0"/>
+          </a:xfrm>
+          <a:prstGeom prst="line">
+            <a:avLst/>
+          </a:prstGeom>
+        </p:spPr>
+        <p:style>
+          <a:lnRef idx="1">
+            <a:schemeClr val="accent1"/>
+          </a:lnRef>
+          <a:fillRef idx="0">
+            <a:schemeClr val="accent1"/>
+          </a:fillRef>
+          <a:effectRef idx="0">
+            <a:schemeClr val="accent1"/>
+          </a:effectRef>
+          <a:fontRef idx="minor">
+            <a:schemeClr val="tx1"/>
+          </a:fontRef>
+        </p:style>
+      </p:cxnSp>
+      <p:cxnSp>
+        <p:nvCxnSpPr>
+          <p:cNvPr id="40" name="直接连接符 39"/>
+          <p:cNvCxnSpPr/>
+          <p:nvPr/>
+        </p:nvCxnSpPr>
+        <p:spPr>
+          <a:xfrm>
+            <a:off x="1851372" y="3573016"/>
+            <a:ext cx="1656184" cy="0"/>
+          </a:xfrm>
+          <a:prstGeom prst="line">
+            <a:avLst/>
+          </a:prstGeom>
+        </p:spPr>
+        <p:style>
+          <a:lnRef idx="1">
+            <a:schemeClr val="accent1"/>
+          </a:lnRef>
+          <a:fillRef idx="0">
+            <a:schemeClr val="accent1"/>
+          </a:fillRef>
+          <a:effectRef idx="0">
+            <a:schemeClr val="accent1"/>
+          </a:effectRef>
+          <a:fontRef idx="minor">
+            <a:schemeClr val="tx1"/>
+          </a:fontRef>
+        </p:style>
+      </p:cxnSp>
+      <p:cxnSp>
+        <p:nvCxnSpPr>
+          <p:cNvPr id="41" name="直接连接符 40"/>
+          <p:cNvCxnSpPr/>
+          <p:nvPr/>
+        </p:nvCxnSpPr>
+        <p:spPr>
+          <a:xfrm>
+            <a:off x="1851372" y="2996952"/>
+            <a:ext cx="0" cy="576064"/>
+          </a:xfrm>
+          <a:prstGeom prst="line">
+            <a:avLst/>
+          </a:prstGeom>
+        </p:spPr>
+        <p:style>
+          <a:lnRef idx="1">
+            <a:schemeClr val="accent1"/>
+          </a:lnRef>
+          <a:fillRef idx="0">
+            <a:schemeClr val="accent1"/>
+          </a:fillRef>
+          <a:effectRef idx="0">
+            <a:schemeClr val="accent1"/>
+          </a:effectRef>
+          <a:fontRef idx="minor">
+            <a:schemeClr val="tx1"/>
+          </a:fontRef>
+        </p:style>
+      </p:cxnSp>
+      <p:cxnSp>
+        <p:nvCxnSpPr>
+          <p:cNvPr id="42" name="直接连接符 41"/>
+          <p:cNvCxnSpPr/>
+          <p:nvPr/>
+        </p:nvCxnSpPr>
+        <p:spPr>
+          <a:xfrm>
+            <a:off x="4797261" y="2996952"/>
+            <a:ext cx="1440160" cy="0"/>
+          </a:xfrm>
+          <a:prstGeom prst="line">
+            <a:avLst/>
+          </a:prstGeom>
+        </p:spPr>
+        <p:style>
+          <a:lnRef idx="1">
+            <a:schemeClr val="accent1"/>
+          </a:lnRef>
+          <a:fillRef idx="0">
+            <a:schemeClr val="accent1"/>
+          </a:fillRef>
+          <a:effectRef idx="0">
+            <a:schemeClr val="accent1"/>
+          </a:effectRef>
+          <a:fontRef idx="minor">
+            <a:schemeClr val="tx1"/>
+          </a:fontRef>
+        </p:style>
+      </p:cxnSp>
+      <p:cxnSp>
+        <p:nvCxnSpPr>
+          <p:cNvPr id="43" name="直接连接符 42"/>
+          <p:cNvCxnSpPr/>
+          <p:nvPr/>
+        </p:nvCxnSpPr>
+        <p:spPr>
+          <a:xfrm>
+            <a:off x="4797261" y="3573016"/>
+            <a:ext cx="1440160" cy="0"/>
+          </a:xfrm>
+          <a:prstGeom prst="line">
+            <a:avLst/>
+          </a:prstGeom>
+        </p:spPr>
+        <p:style>
+          <a:lnRef idx="1">
+            <a:schemeClr val="accent1"/>
+          </a:lnRef>
+          <a:fillRef idx="0">
+            <a:schemeClr val="accent1"/>
+          </a:fillRef>
+          <a:effectRef idx="0">
+            <a:schemeClr val="accent1"/>
+          </a:effectRef>
+          <a:fontRef idx="minor">
+            <a:schemeClr val="tx1"/>
+          </a:fontRef>
+        </p:style>
+      </p:cxnSp>
+      <p:cxnSp>
+        <p:nvCxnSpPr>
+          <p:cNvPr id="44" name="直接连接符 43"/>
+          <p:cNvCxnSpPr/>
+          <p:nvPr/>
+        </p:nvCxnSpPr>
+        <p:spPr>
+          <a:xfrm>
+            <a:off x="6237421" y="2996952"/>
+            <a:ext cx="0" cy="576064"/>
+          </a:xfrm>
+          <a:prstGeom prst="line">
+            <a:avLst/>
+          </a:prstGeom>
+        </p:spPr>
+        <p:style>
+          <a:lnRef idx="1">
+            <a:schemeClr val="accent1"/>
+          </a:lnRef>
+          <a:fillRef idx="0">
+            <a:schemeClr val="accent1"/>
+          </a:fillRef>
+          <a:effectRef idx="0">
+            <a:schemeClr val="accent1"/>
+          </a:effectRef>
+          <a:fontRef idx="minor">
+            <a:schemeClr val="tx1"/>
+          </a:fontRef>
+        </p:style>
+      </p:cxnSp>
+      <p:sp>
+        <p:nvSpPr>
+          <p:cNvPr id="45" name="文本框 44"/>
+          <p:cNvSpPr txBox="1"/>
+          <p:nvPr/>
+        </p:nvSpPr>
+        <p:spPr>
+          <a:xfrm>
+            <a:off x="2047114" y="3100318"/>
+            <a:ext cx="1207382" cy="369332"/>
+          </a:xfrm>
+          <a:prstGeom prst="rect">
+            <a:avLst/>
+          </a:prstGeom>
+          <a:noFill/>
+        </p:spPr>
+        <p:txBody>
+          <a:bodyPr wrap="none" rtlCol="0">
+            <a:spAutoFit/>
+          </a:bodyPr>
+          <a:lstStyle/>
+          <a:p>
+            <a:r>
+              <a:rPr lang="en-US" altLang="zh-CN" dirty="0" smtClean="0"/>
+              <a:t>10,  9,  7, 6</a:t>
+            </a:r>
+            <a:endParaRPr lang="zh-CN" altLang="en-US" dirty="0"/>
+          </a:p>
+        </p:txBody>
+      </p:sp>
+      <p:sp>
+        <p:nvSpPr>
+          <p:cNvPr id="46" name="文本框 45"/>
+          <p:cNvSpPr txBox="1"/>
+          <p:nvPr/>
+        </p:nvSpPr>
+        <p:spPr>
+          <a:xfrm>
+            <a:off x="5004048" y="3100844"/>
+            <a:ext cx="968535" cy="369332"/>
+          </a:xfrm>
+          <a:prstGeom prst="rect">
+            <a:avLst/>
+          </a:prstGeom>
+          <a:noFill/>
+        </p:spPr>
+        <p:txBody>
+          <a:bodyPr wrap="none" rtlCol="0">
+            <a:spAutoFit/>
+          </a:bodyPr>
+          <a:lstStyle/>
+          <a:p>
+            <a:r>
+              <a:rPr lang="en-US" altLang="zh-CN" dirty="0" smtClean="0"/>
+              <a:t>-4, -3, -1</a:t>
+            </a:r>
+            <a:endParaRPr lang="zh-CN" altLang="en-US" dirty="0"/>
+          </a:p>
+        </p:txBody>
+      </p:sp>
+      <p:sp>
+        <p:nvSpPr>
+          <p:cNvPr id="64" name="文本框 63"/>
+          <p:cNvSpPr txBox="1"/>
+          <p:nvPr/>
+        </p:nvSpPr>
+        <p:spPr>
+          <a:xfrm>
+            <a:off x="4057604" y="3100318"/>
+            <a:ext cx="301686" cy="369332"/>
+          </a:xfrm>
+          <a:prstGeom prst="rect">
+            <a:avLst/>
+          </a:prstGeom>
+          <a:noFill/>
+        </p:spPr>
+        <p:txBody>
+          <a:bodyPr wrap="none" rtlCol="0">
+            <a:spAutoFit/>
+          </a:bodyPr>
+          <a:lstStyle/>
+          <a:p>
+            <a:r>
+              <a:rPr lang="en-US" altLang="zh-CN" dirty="0" smtClean="0"/>
+              <a:t>5</a:t>
+            </a:r>
+            <a:endParaRPr lang="zh-CN" altLang="en-US" dirty="0"/>
+          </a:p>
+        </p:txBody>
+      </p:sp>
+      <p:cxnSp>
+        <p:nvCxnSpPr>
+          <p:cNvPr id="65" name="直接连接符 64"/>
+          <p:cNvCxnSpPr/>
+          <p:nvPr/>
+        </p:nvCxnSpPr>
+        <p:spPr>
+          <a:xfrm>
+            <a:off x="1840319" y="4158371"/>
+            <a:ext cx="1656184" cy="0"/>
+          </a:xfrm>
+          <a:prstGeom prst="line">
+            <a:avLst/>
+          </a:prstGeom>
+        </p:spPr>
+        <p:style>
+          <a:lnRef idx="1">
+            <a:schemeClr val="accent1"/>
+          </a:lnRef>
+          <a:fillRef idx="0">
+            <a:schemeClr val="accent1"/>
+          </a:fillRef>
+          <a:effectRef idx="0">
+            <a:schemeClr val="accent1"/>
+          </a:effectRef>
+          <a:fontRef idx="minor">
+            <a:schemeClr val="tx1"/>
+          </a:fontRef>
+        </p:style>
+      </p:cxnSp>
+      <p:cxnSp>
+        <p:nvCxnSpPr>
+          <p:cNvPr id="66" name="直接连接符 65"/>
+          <p:cNvCxnSpPr/>
+          <p:nvPr/>
+        </p:nvCxnSpPr>
+        <p:spPr>
+          <a:xfrm>
+            <a:off x="1840319" y="4734435"/>
+            <a:ext cx="1656184" cy="0"/>
+          </a:xfrm>
+          <a:prstGeom prst="line">
+            <a:avLst/>
+          </a:prstGeom>
+        </p:spPr>
+        <p:style>
+          <a:lnRef idx="1">
+            <a:schemeClr val="accent1"/>
+          </a:lnRef>
+          <a:fillRef idx="0">
+            <a:schemeClr val="accent1"/>
+          </a:fillRef>
+          <a:effectRef idx="0">
+            <a:schemeClr val="accent1"/>
+          </a:effectRef>
+          <a:fontRef idx="minor">
+            <a:schemeClr val="tx1"/>
+          </a:fontRef>
+        </p:style>
+      </p:cxnSp>
+      <p:cxnSp>
+        <p:nvCxnSpPr>
+          <p:cNvPr id="67" name="直接连接符 66"/>
+          <p:cNvCxnSpPr/>
+          <p:nvPr/>
+        </p:nvCxnSpPr>
+        <p:spPr>
+          <a:xfrm>
+            <a:off x="1840319" y="4158371"/>
+            <a:ext cx="0" cy="576064"/>
+          </a:xfrm>
+          <a:prstGeom prst="line">
+            <a:avLst/>
+          </a:prstGeom>
+        </p:spPr>
+        <p:style>
+          <a:lnRef idx="1">
+            <a:schemeClr val="accent1"/>
+          </a:lnRef>
+          <a:fillRef idx="0">
+            <a:schemeClr val="accent1"/>
+          </a:fillRef>
+          <a:effectRef idx="0">
+            <a:schemeClr val="accent1"/>
+          </a:effectRef>
+          <a:fontRef idx="minor">
+            <a:schemeClr val="tx1"/>
+          </a:fontRef>
+        </p:style>
+      </p:cxnSp>
+      <p:cxnSp>
+        <p:nvCxnSpPr>
+          <p:cNvPr id="68" name="直接连接符 67"/>
+          <p:cNvCxnSpPr/>
+          <p:nvPr/>
+        </p:nvCxnSpPr>
+        <p:spPr>
+          <a:xfrm>
+            <a:off x="4786208" y="4158371"/>
+            <a:ext cx="1440160" cy="0"/>
+          </a:xfrm>
+          <a:prstGeom prst="line">
+            <a:avLst/>
+          </a:prstGeom>
+        </p:spPr>
+        <p:style>
+          <a:lnRef idx="1">
+            <a:schemeClr val="accent1"/>
+          </a:lnRef>
+          <a:fillRef idx="0">
+            <a:schemeClr val="accent1"/>
+          </a:fillRef>
+          <a:effectRef idx="0">
+            <a:schemeClr val="accent1"/>
+          </a:effectRef>
+          <a:fontRef idx="minor">
+            <a:schemeClr val="tx1"/>
+          </a:fontRef>
+        </p:style>
+      </p:cxnSp>
+      <p:cxnSp>
+        <p:nvCxnSpPr>
+          <p:cNvPr id="69" name="直接连接符 68"/>
+          <p:cNvCxnSpPr/>
+          <p:nvPr/>
+        </p:nvCxnSpPr>
+        <p:spPr>
+          <a:xfrm>
+            <a:off x="4786208" y="4734435"/>
+            <a:ext cx="1440160" cy="0"/>
+          </a:xfrm>
+          <a:prstGeom prst="line">
+            <a:avLst/>
+          </a:prstGeom>
+        </p:spPr>
+        <p:style>
+          <a:lnRef idx="1">
+            <a:schemeClr val="accent1"/>
+          </a:lnRef>
+          <a:fillRef idx="0">
+            <a:schemeClr val="accent1"/>
+          </a:fillRef>
+          <a:effectRef idx="0">
+            <a:schemeClr val="accent1"/>
+          </a:effectRef>
+          <a:fontRef idx="minor">
+            <a:schemeClr val="tx1"/>
+          </a:fontRef>
+        </p:style>
+      </p:cxnSp>
+      <p:cxnSp>
+        <p:nvCxnSpPr>
+          <p:cNvPr id="70" name="直接连接符 69"/>
+          <p:cNvCxnSpPr/>
+          <p:nvPr/>
+        </p:nvCxnSpPr>
+        <p:spPr>
+          <a:xfrm>
+            <a:off x="6226368" y="4158371"/>
+            <a:ext cx="0" cy="576064"/>
+          </a:xfrm>
+          <a:prstGeom prst="line">
+            <a:avLst/>
+          </a:prstGeom>
+        </p:spPr>
+        <p:style>
+          <a:lnRef idx="1">
+            <a:schemeClr val="accent1"/>
+          </a:lnRef>
+          <a:fillRef idx="0">
+            <a:schemeClr val="accent1"/>
+          </a:fillRef>
+          <a:effectRef idx="0">
+            <a:schemeClr val="accent1"/>
+          </a:effectRef>
+          <a:fontRef idx="minor">
+            <a:schemeClr val="tx1"/>
+          </a:fontRef>
+        </p:style>
+      </p:cxnSp>
+      <p:sp>
+        <p:nvSpPr>
+          <p:cNvPr id="71" name="文本框 70"/>
+          <p:cNvSpPr txBox="1"/>
+          <p:nvPr/>
+        </p:nvSpPr>
+        <p:spPr>
+          <a:xfrm>
+            <a:off x="2036061" y="4261737"/>
+            <a:ext cx="1207382" cy="369332"/>
+          </a:xfrm>
+          <a:prstGeom prst="rect">
+            <a:avLst/>
+          </a:prstGeom>
+          <a:noFill/>
+        </p:spPr>
+        <p:txBody>
+          <a:bodyPr wrap="none" rtlCol="0">
+            <a:spAutoFit/>
+          </a:bodyPr>
+          <a:lstStyle/>
+          <a:p>
+            <a:r>
+              <a:rPr lang="en-US" altLang="zh-CN" dirty="0" smtClean="0"/>
+              <a:t>10,  9,  7, 6</a:t>
+            </a:r>
+            <a:endParaRPr lang="zh-CN" altLang="en-US" dirty="0"/>
+          </a:p>
+        </p:txBody>
+      </p:sp>
+      <p:sp>
+        <p:nvSpPr>
+          <p:cNvPr id="72" name="文本框 71"/>
+          <p:cNvSpPr txBox="1"/>
+          <p:nvPr/>
+        </p:nvSpPr>
+        <p:spPr>
+          <a:xfrm>
+            <a:off x="4798366" y="4262263"/>
+            <a:ext cx="1213794" cy="369332"/>
+          </a:xfrm>
+          <a:prstGeom prst="rect">
+            <a:avLst/>
+          </a:prstGeom>
+          <a:noFill/>
+        </p:spPr>
+        <p:txBody>
+          <a:bodyPr wrap="none" rtlCol="0">
+            <a:spAutoFit/>
+          </a:bodyPr>
+          <a:lstStyle/>
+          <a:p>
+            <a:r>
+              <a:rPr lang="en-US" altLang="zh-CN" dirty="0" smtClean="0"/>
+              <a:t>-5,-4, -3, -1</a:t>
+            </a:r>
+            <a:endParaRPr lang="zh-CN" altLang="en-US" dirty="0"/>
+          </a:p>
+        </p:txBody>
+      </p:sp>
+      <p:cxnSp>
+        <p:nvCxnSpPr>
+          <p:cNvPr id="75" name="直接箭头连接符 74"/>
+          <p:cNvCxnSpPr>
+            <a:stCxn id="64" idx="3"/>
+            <a:endCxn id="46" idx="1"/>
+          </p:cNvCxnSpPr>
+          <p:nvPr/>
+        </p:nvCxnSpPr>
+        <p:spPr>
+          <a:xfrm>
+            <a:off x="4359290" y="3284984"/>
+            <a:ext cx="644758" cy="526"/>
+          </a:xfrm>
+          <a:prstGeom prst="straightConnector1">
+            <a:avLst/>
+          </a:prstGeom>
+          <a:ln>
+            <a:tailEnd type="triangle"/>
+          </a:ln>
+        </p:spPr>
+        <p:style>
+          <a:lnRef idx="1">
+            <a:schemeClr val="accent1"/>
+          </a:lnRef>
+          <a:fillRef idx="0">
+            <a:schemeClr val="accent1"/>
+          </a:fillRef>
+          <a:effectRef idx="0">
+            <a:schemeClr val="accent1"/>
+          </a:effectRef>
+          <a:fontRef idx="minor">
+            <a:schemeClr val="tx1"/>
+          </a:fontRef>
+        </p:style>
+      </p:cxnSp>
+      <p:sp>
+        <p:nvSpPr>
+          <p:cNvPr id="78" name="文本框 77"/>
+          <p:cNvSpPr txBox="1"/>
+          <p:nvPr/>
+        </p:nvSpPr>
+        <p:spPr>
+          <a:xfrm>
+            <a:off x="1619672" y="5589240"/>
+            <a:ext cx="5262979" cy="646331"/>
+          </a:xfrm>
+          <a:prstGeom prst="rect">
+            <a:avLst/>
+          </a:prstGeom>
+          <a:noFill/>
+        </p:spPr>
+        <p:txBody>
+          <a:bodyPr wrap="none" rtlCol="0">
+            <a:spAutoFit/>
+          </a:bodyPr>
+          <a:lstStyle/>
+          <a:p>
+            <a:r>
+              <a:rPr lang="zh-CN" altLang="en-US" dirty="0" smtClean="0"/>
+              <a:t>需要往大顶堆里面填充数据，首先从小顶堆过一遍</a:t>
+            </a:r>
+            <a:endParaRPr lang="en-US" altLang="zh-CN" dirty="0" smtClean="0"/>
+          </a:p>
+          <a:p>
+            <a:r>
+              <a:rPr lang="zh-CN" altLang="en-US" dirty="0"/>
+              <a:t>然</a:t>
+            </a:r>
+            <a:r>
+              <a:rPr lang="zh-CN" altLang="en-US" dirty="0" smtClean="0"/>
+              <a:t>后把弹出是数据，</a:t>
+            </a:r>
+            <a:r>
+              <a:rPr lang="en-US" altLang="zh-CN" dirty="0" smtClean="0"/>
+              <a:t>push</a:t>
+            </a:r>
+            <a:r>
+              <a:rPr lang="zh-CN" altLang="en-US" dirty="0" smtClean="0"/>
+              <a:t>到大顶堆。</a:t>
+            </a:r>
+            <a:endParaRPr lang="zh-CN" altLang="en-US" dirty="0"/>
+          </a:p>
+        </p:txBody>
+      </p:sp>
+    </p:spTree>
+    <p:extLst>
+      <p:ext uri="{BB962C8B-B14F-4D97-AF65-F5344CB8AC3E}">
+        <p14:creationId xmlns:p14="http://schemas.microsoft.com/office/powerpoint/2010/main" val="2431714034"/>
+      </p:ext>
+    </p:extLst>
+  </p:cSld>
+  <p:clrMapOvr>
+    <a:masterClrMapping/>
+  </p:clrMapOvr>
+</p:sld>
+</file>
+
+<file path=ppt/slides/slide38.xml><?xml version="1.0" encoding="utf-8"?>
+<p:sld xmlns:a="http://schemas.openxmlformats.org/drawingml/2006/main" xmlns:r="http://schemas.openxmlformats.org/officeDocument/2006/relationships" xmlns:p="http://schemas.openxmlformats.org/presentationml/2006/main">
+  <p:cSld>
+    <p:spTree>
+      <p:nvGrpSpPr>
+        <p:cNvPr id="1" name=""/>
+        <p:cNvGrpSpPr/>
+        <p:nvPr/>
+      </p:nvGrpSpPr>
+      <p:grpSpPr>
+        <a:xfrm>
+          <a:off x="0" y="0"/>
+          <a:ext cx="0" cy="0"/>
+          <a:chOff x="0" y="0"/>
+          <a:chExt cx="0" cy="0"/>
+        </a:xfrm>
+      </p:grpSpPr>
+      <p:sp>
+        <p:nvSpPr>
+          <p:cNvPr id="4" name="矩形 3"/>
+          <p:cNvSpPr/>
+          <p:nvPr/>
+        </p:nvSpPr>
+        <p:spPr>
+          <a:xfrm>
+            <a:off x="0" y="0"/>
+            <a:ext cx="1842135" cy="620689"/>
+          </a:xfrm>
+          <a:prstGeom prst="rect">
+            <a:avLst/>
+          </a:prstGeom>
+          <a:ln w="38100">
+            <a:solidFill>
+              <a:srgbClr val="FF0000"/>
+            </a:solidFill>
+          </a:ln>
+        </p:spPr>
+        <p:style>
+          <a:lnRef idx="2">
+            <a:schemeClr val="accent2"/>
+          </a:lnRef>
+          <a:fillRef idx="1">
+            <a:schemeClr val="lt1"/>
+          </a:fillRef>
+          <a:effectRef idx="0">
+            <a:schemeClr val="accent2"/>
+          </a:effectRef>
+          <a:fontRef idx="minor">
+            <a:schemeClr val="dk1"/>
+          </a:fontRef>
+        </p:style>
+        <p:txBody>
+          <a:bodyPr rtlCol="0" anchor="ctr"/>
+          <a:lstStyle/>
+          <a:p>
+            <a:pPr algn="ctr"/>
+            <a:r>
+              <a:rPr lang="zh-CN" altLang="en-US" b="1" dirty="0"/>
+              <a:t>数</a:t>
+            </a:r>
+            <a:r>
+              <a:rPr lang="zh-CN" altLang="en-US" b="1" dirty="0" smtClean="0"/>
+              <a:t>据窗口内</a:t>
+            </a:r>
+            <a:endParaRPr lang="en-US" altLang="zh-CN" b="1" dirty="0" smtClean="0"/>
+          </a:p>
+          <a:p>
+            <a:pPr algn="ctr"/>
+            <a:r>
+              <a:rPr lang="zh-CN" altLang="en-US" b="1" dirty="0" smtClean="0"/>
+              <a:t>的众数</a:t>
+            </a:r>
+            <a:endParaRPr lang="en-US" altLang="zh-CN" b="1" dirty="0"/>
+          </a:p>
+        </p:txBody>
+      </p:sp>
+      <p:sp>
+        <p:nvSpPr>
+          <p:cNvPr id="78" name="文本框 77"/>
+          <p:cNvSpPr txBox="1"/>
+          <p:nvPr/>
+        </p:nvSpPr>
+        <p:spPr>
+          <a:xfrm>
+            <a:off x="1619672" y="5589240"/>
+            <a:ext cx="5262979" cy="646331"/>
+          </a:xfrm>
+          <a:prstGeom prst="rect">
+            <a:avLst/>
+          </a:prstGeom>
+          <a:noFill/>
+        </p:spPr>
+        <p:txBody>
+          <a:bodyPr wrap="none" rtlCol="0">
+            <a:spAutoFit/>
+          </a:bodyPr>
+          <a:lstStyle/>
+          <a:p>
+            <a:r>
+              <a:rPr lang="zh-CN" altLang="en-US" dirty="0" smtClean="0"/>
+              <a:t>需要往大顶堆里面填充数据，首先从小顶堆过一遍</a:t>
+            </a:r>
+            <a:endParaRPr lang="en-US" altLang="zh-CN" dirty="0" smtClean="0"/>
+          </a:p>
+          <a:p>
+            <a:r>
+              <a:rPr lang="zh-CN" altLang="en-US" dirty="0"/>
+              <a:t>然</a:t>
+            </a:r>
+            <a:r>
+              <a:rPr lang="zh-CN" altLang="en-US" dirty="0" smtClean="0"/>
+              <a:t>后把弹出是数据，</a:t>
+            </a:r>
+            <a:r>
+              <a:rPr lang="en-US" altLang="zh-CN" dirty="0" smtClean="0"/>
+              <a:t>push</a:t>
+            </a:r>
+            <a:r>
+              <a:rPr lang="zh-CN" altLang="en-US" dirty="0" smtClean="0"/>
+              <a:t>到大顶堆。</a:t>
+            </a:r>
+            <a:endParaRPr lang="zh-CN" altLang="en-US" dirty="0"/>
+          </a:p>
+        </p:txBody>
+      </p:sp>
+    </p:spTree>
+    <p:extLst>
+      <p:ext uri="{BB962C8B-B14F-4D97-AF65-F5344CB8AC3E}">
+        <p14:creationId xmlns:p14="http://schemas.microsoft.com/office/powerpoint/2010/main" val="1571217292"/>
+      </p:ext>
+    </p:extLst>
   </p:cSld>
   <p:clrMapOvr>
     <a:masterClrMapping/>
@@ -18858,7 +21323,6 @@
               <a:rPr lang="zh-CN" altLang="zh-CN" dirty="0"/>
               <a:t>快速排序</a:t>
             </a:r>
-            <a:endParaRPr lang="zh-CN" altLang="zh-CN" dirty="0"/>
           </a:p>
         </p:txBody>
       </p:sp>
@@ -18902,7 +21366,6 @@
               <a:rPr lang="en-US" altLang="zh-CN"/>
               <a:t>3</a:t>
             </a:r>
-            <a:endParaRPr lang="en-US" altLang="zh-CN"/>
           </a:p>
         </p:txBody>
       </p:sp>
@@ -18986,7 +21449,6 @@
               <a:rPr lang="en-US" altLang="zh-CN"/>
               <a:t>6</a:t>
             </a:r>
-            <a:endParaRPr lang="en-US" altLang="zh-CN"/>
           </a:p>
         </p:txBody>
       </p:sp>
@@ -19030,7 +21492,6 @@
               <a:rPr lang="en-US" altLang="zh-CN"/>
               <a:t>5</a:t>
             </a:r>
-            <a:endParaRPr lang="en-US" altLang="zh-CN"/>
           </a:p>
         </p:txBody>
       </p:sp>
@@ -19074,7 +21535,6 @@
               <a:rPr lang="en-US" altLang="zh-CN"/>
               <a:t>8</a:t>
             </a:r>
-            <a:endParaRPr lang="en-US" altLang="zh-CN"/>
           </a:p>
         </p:txBody>
       </p:sp>
@@ -19118,7 +21578,6 @@
               <a:rPr lang="en-US" altLang="zh-CN"/>
               <a:t>2</a:t>
             </a:r>
-            <a:endParaRPr lang="en-US" altLang="zh-CN"/>
           </a:p>
         </p:txBody>
       </p:sp>
@@ -19162,7 +21621,6 @@
               <a:rPr lang="en-US" altLang="zh-CN"/>
               <a:t>1</a:t>
             </a:r>
-            <a:endParaRPr lang="en-US" altLang="zh-CN"/>
           </a:p>
         </p:txBody>
       </p:sp>
@@ -19206,7 +21664,6 @@
               <a:rPr lang="en-US" altLang="zh-CN"/>
               <a:t>4</a:t>
             </a:r>
-            <a:endParaRPr lang="en-US" altLang="zh-CN"/>
           </a:p>
         </p:txBody>
       </p:sp>
@@ -19236,7 +21693,6 @@
               <a:rPr lang="en-US" altLang="zh-CN"/>
               <a:t>pivot</a:t>
             </a:r>
-            <a:endParaRPr lang="en-US" altLang="zh-CN"/>
           </a:p>
         </p:txBody>
       </p:sp>
@@ -19449,7 +21905,6 @@
               <a:rPr lang="en-US" altLang="zh-CN"/>
               <a:t>3</a:t>
             </a:r>
-            <a:endParaRPr lang="en-US" altLang="zh-CN"/>
           </a:p>
         </p:txBody>
       </p:sp>
@@ -19493,7 +21948,6 @@
               <a:rPr lang="en-US" altLang="zh-CN"/>
               <a:t>2</a:t>
             </a:r>
-            <a:endParaRPr lang="en-US" altLang="zh-CN"/>
           </a:p>
         </p:txBody>
       </p:sp>
@@ -19537,7 +21991,6 @@
               <a:rPr lang="en-US" altLang="zh-CN"/>
               <a:t>6</a:t>
             </a:r>
-            <a:endParaRPr lang="en-US" altLang="zh-CN"/>
           </a:p>
         </p:txBody>
       </p:sp>
@@ -19581,7 +22034,6 @@
               <a:rPr lang="en-US" altLang="zh-CN"/>
               <a:t>5</a:t>
             </a:r>
-            <a:endParaRPr lang="en-US" altLang="zh-CN"/>
           </a:p>
         </p:txBody>
       </p:sp>
@@ -19625,7 +22077,6 @@
               <a:rPr lang="en-US" altLang="zh-CN"/>
               <a:t>8</a:t>
             </a:r>
-            <a:endParaRPr lang="en-US" altLang="zh-CN"/>
           </a:p>
         </p:txBody>
       </p:sp>
@@ -19709,7 +22160,6 @@
               <a:rPr lang="en-US" altLang="zh-CN"/>
               <a:t>1</a:t>
             </a:r>
-            <a:endParaRPr lang="en-US" altLang="zh-CN"/>
           </a:p>
         </p:txBody>
       </p:sp>
@@ -19922,7 +22372,6 @@
               <a:rPr lang="en-US" altLang="zh-CN"/>
               <a:t>3</a:t>
             </a:r>
-            <a:endParaRPr lang="en-US" altLang="zh-CN"/>
           </a:p>
         </p:txBody>
       </p:sp>
@@ -19966,7 +22415,6 @@
               <a:rPr lang="en-US" altLang="zh-CN"/>
               <a:t>2</a:t>
             </a:r>
-            <a:endParaRPr lang="en-US" altLang="zh-CN"/>
           </a:p>
         </p:txBody>
       </p:sp>
@@ -20050,7 +22498,6 @@
               <a:rPr lang="en-US" altLang="zh-CN"/>
               <a:t>5</a:t>
             </a:r>
-            <a:endParaRPr lang="en-US" altLang="zh-CN"/>
           </a:p>
         </p:txBody>
       </p:sp>
@@ -20094,7 +22541,6 @@
               <a:rPr lang="en-US" altLang="zh-CN"/>
               <a:t>8</a:t>
             </a:r>
-            <a:endParaRPr lang="en-US" altLang="zh-CN"/>
           </a:p>
         </p:txBody>
       </p:sp>
@@ -20138,7 +22584,6 @@
               <a:rPr lang="en-US" altLang="zh-CN"/>
               <a:t>6</a:t>
             </a:r>
-            <a:endParaRPr lang="en-US" altLang="zh-CN"/>
           </a:p>
         </p:txBody>
       </p:sp>
@@ -20182,7 +22627,6 @@
               <a:rPr lang="en-US" altLang="zh-CN"/>
               <a:t>1</a:t>
             </a:r>
-            <a:endParaRPr lang="en-US" altLang="zh-CN"/>
           </a:p>
         </p:txBody>
       </p:sp>
@@ -20266,7 +22710,6 @@
               <a:rPr lang="en-US" altLang="zh-CN"/>
               <a:t>3</a:t>
             </a:r>
-            <a:endParaRPr lang="en-US" altLang="zh-CN"/>
           </a:p>
         </p:txBody>
       </p:sp>
@@ -20310,7 +22753,6 @@
               <a:rPr lang="en-US" altLang="zh-CN"/>
               <a:t>2</a:t>
             </a:r>
-            <a:endParaRPr lang="en-US" altLang="zh-CN"/>
           </a:p>
         </p:txBody>
       </p:sp>
@@ -20394,7 +22836,6 @@
               <a:rPr lang="en-US" altLang="zh-CN"/>
               <a:t>5</a:t>
             </a:r>
-            <a:endParaRPr lang="en-US" altLang="zh-CN"/>
           </a:p>
         </p:txBody>
       </p:sp>
@@ -20438,7 +22879,6 @@
               <a:rPr lang="en-US" altLang="zh-CN"/>
               <a:t>8</a:t>
             </a:r>
-            <a:endParaRPr lang="en-US" altLang="zh-CN"/>
           </a:p>
         </p:txBody>
       </p:sp>
@@ -20482,7 +22922,6 @@
               <a:rPr lang="en-US" altLang="zh-CN"/>
               <a:t>6</a:t>
             </a:r>
-            <a:endParaRPr lang="en-US" altLang="zh-CN"/>
           </a:p>
         </p:txBody>
       </p:sp>
@@ -20526,7 +22965,6 @@
               <a:rPr lang="en-US" altLang="zh-CN"/>
               <a:t>1</a:t>
             </a:r>
-            <a:endParaRPr lang="en-US" altLang="zh-CN"/>
           </a:p>
         </p:txBody>
       </p:sp>
@@ -20604,14 +23042,12 @@
               <a:rPr lang="zh-CN" altLang="en-US"/>
               <a:t>结束</a:t>
             </a:r>
-            <a:endParaRPr lang="zh-CN" altLang="en-US"/>
           </a:p>
           <a:p>
             <a:r>
               <a:rPr lang="zh-CN" altLang="en-US"/>
               <a:t>两个指针相遇</a:t>
             </a:r>
-            <a:endParaRPr lang="zh-CN" altLang="en-US"/>
           </a:p>
           <a:p>
             <a:r>
@@ -20626,14 +23062,12 @@
               <a:rPr lang="zh-CN" altLang="en-US"/>
               <a:t>，放到</a:t>
             </a:r>
-            <a:endParaRPr lang="zh-CN" altLang="en-US"/>
           </a:p>
           <a:p>
             <a:r>
               <a:rPr lang="zh-CN" altLang="en-US"/>
               <a:t>指针停止的位置</a:t>
             </a:r>
-            <a:endParaRPr lang="zh-CN" altLang="en-US"/>
           </a:p>
         </p:txBody>
       </p:sp>
@@ -20705,7 +23139,6 @@
               <a:rPr lang="zh-CN" altLang="zh-CN" dirty="0"/>
               <a:t>归并排序</a:t>
             </a:r>
-            <a:endParaRPr lang="zh-CN" altLang="zh-CN" dirty="0"/>
           </a:p>
         </p:txBody>
       </p:sp>
@@ -20749,7 +23182,6 @@
               <a:rPr lang="en-US" altLang="zh-CN"/>
               <a:t>3</a:t>
             </a:r>
-            <a:endParaRPr lang="en-US" altLang="zh-CN"/>
           </a:p>
         </p:txBody>
       </p:sp>
@@ -20793,7 +23225,6 @@
               <a:rPr lang="en-US" altLang="zh-CN"/>
               <a:t>4</a:t>
             </a:r>
-            <a:endParaRPr lang="en-US" altLang="zh-CN"/>
           </a:p>
         </p:txBody>
       </p:sp>
@@ -20837,7 +23268,6 @@
               <a:rPr lang="en-US" altLang="zh-CN"/>
               <a:t>6</a:t>
             </a:r>
-            <a:endParaRPr lang="en-US" altLang="zh-CN"/>
           </a:p>
         </p:txBody>
       </p:sp>
@@ -20895,21 +23325,6 @@
               </a:rPr>
               <a:t>2</a:t>
             </a:r>
-            <a:endParaRPr lang="en-US" altLang="zh-CN">
-              <a:ln w="22225">
-                <a:solidFill>
-                  <a:schemeClr val="accent2"/>
-                </a:solidFill>
-                <a:prstDash val="solid"/>
-              </a:ln>
-              <a:solidFill>
-                <a:schemeClr val="accent2">
-                  <a:lumMod val="40000"/>
-                  <a:lumOff val="60000"/>
-                </a:schemeClr>
-              </a:solidFill>
-              <a:effectLst/>
-            </a:endParaRPr>
           </a:p>
         </p:txBody>
       </p:sp>
@@ -20953,7 +23368,6 @@
               <a:rPr lang="en-US" altLang="zh-CN"/>
               <a:t>5</a:t>
             </a:r>
-            <a:endParaRPr lang="en-US" altLang="zh-CN"/>
           </a:p>
         </p:txBody>
       </p:sp>
@@ -20997,7 +23411,6 @@
               <a:rPr lang="en-US" altLang="zh-CN"/>
               <a:t>8</a:t>
             </a:r>
-            <a:endParaRPr lang="en-US" altLang="zh-CN"/>
           </a:p>
         </p:txBody>
       </p:sp>
@@ -21041,7 +23454,6 @@
               <a:rPr lang="en-US" altLang="zh-CN"/>
               <a:t>2</a:t>
             </a:r>
-            <a:endParaRPr lang="en-US" altLang="zh-CN"/>
           </a:p>
         </p:txBody>
       </p:sp>
@@ -21275,7 +23687,6 @@
               <a:rPr lang="en-US" altLang="zh-CN" sz="1200"/>
               <a:t>1</a:t>
             </a:r>
-            <a:endParaRPr lang="en-US" altLang="zh-CN" sz="1200"/>
           </a:p>
         </p:txBody>
       </p:sp>
@@ -21309,7 +23720,6 @@
               <a:rPr lang="en-US" altLang="zh-CN" sz="1200"/>
               <a:t>2</a:t>
             </a:r>
-            <a:endParaRPr lang="en-US" altLang="zh-CN" sz="1200"/>
           </a:p>
         </p:txBody>
       </p:sp>
@@ -21343,7 +23753,6 @@
               <a:rPr lang="en-US" altLang="zh-CN" sz="1200"/>
               <a:t>3</a:t>
             </a:r>
-            <a:endParaRPr lang="en-US" altLang="zh-CN" sz="1200"/>
           </a:p>
         </p:txBody>
       </p:sp>
@@ -21473,21 +23882,6 @@
               </a:rPr>
               <a:t>3</a:t>
             </a:r>
-            <a:endParaRPr lang="en-US" altLang="zh-CN">
-              <a:ln w="22225">
-                <a:solidFill>
-                  <a:schemeClr val="accent2"/>
-                </a:solidFill>
-                <a:prstDash val="solid"/>
-              </a:ln>
-              <a:solidFill>
-                <a:schemeClr val="accent2">
-                  <a:lumMod val="40000"/>
-                  <a:lumOff val="60000"/>
-                </a:schemeClr>
-              </a:solidFill>
-              <a:effectLst/>
-            </a:endParaRPr>
           </a:p>
         </p:txBody>
       </p:sp>
@@ -21531,7 +23925,6 @@
               <a:rPr lang="en-US" altLang="zh-CN"/>
               <a:t>4</a:t>
             </a:r>
-            <a:endParaRPr lang="en-US" altLang="zh-CN"/>
           </a:p>
         </p:txBody>
       </p:sp>
@@ -21575,7 +23968,6 @@
               <a:rPr lang="en-US" altLang="zh-CN"/>
               <a:t>6</a:t>
             </a:r>
-            <a:endParaRPr lang="en-US" altLang="zh-CN"/>
           </a:p>
         </p:txBody>
       </p:sp>
@@ -21633,21 +24025,6 @@
               </a:rPr>
               <a:t>2</a:t>
             </a:r>
-            <a:endParaRPr lang="en-US" altLang="zh-CN">
-              <a:ln w="22225">
-                <a:solidFill>
-                  <a:schemeClr val="accent2"/>
-                </a:solidFill>
-                <a:prstDash val="solid"/>
-              </a:ln>
-              <a:solidFill>
-                <a:schemeClr val="accent2">
-                  <a:lumMod val="40000"/>
-                  <a:lumOff val="60000"/>
-                </a:schemeClr>
-              </a:solidFill>
-              <a:effectLst/>
-            </a:endParaRPr>
           </a:p>
         </p:txBody>
       </p:sp>
@@ -21691,7 +24068,6 @@
               <a:rPr lang="en-US" altLang="zh-CN"/>
               <a:t>5</a:t>
             </a:r>
-            <a:endParaRPr lang="en-US" altLang="zh-CN"/>
           </a:p>
         </p:txBody>
       </p:sp>
@@ -21735,7 +24111,6 @@
               <a:rPr lang="en-US" altLang="zh-CN"/>
               <a:t>8</a:t>
             </a:r>
-            <a:endParaRPr lang="en-US" altLang="zh-CN"/>
           </a:p>
         </p:txBody>
       </p:sp>
@@ -21793,21 +24168,6 @@
               </a:rPr>
               <a:t>2</a:t>
             </a:r>
-            <a:endParaRPr lang="en-US" altLang="zh-CN">
-              <a:ln w="22225">
-                <a:solidFill>
-                  <a:schemeClr val="accent2"/>
-                </a:solidFill>
-                <a:prstDash val="solid"/>
-              </a:ln>
-              <a:solidFill>
-                <a:schemeClr val="accent2">
-                  <a:lumMod val="40000"/>
-                  <a:lumOff val="60000"/>
-                </a:schemeClr>
-              </a:solidFill>
-              <a:effectLst/>
-            </a:endParaRPr>
           </a:p>
         </p:txBody>
       </p:sp>
@@ -21851,7 +24211,6 @@
               <a:rPr lang="en-US" altLang="zh-CN"/>
               <a:t>3</a:t>
             </a:r>
-            <a:endParaRPr lang="en-US" altLang="zh-CN"/>
           </a:p>
         </p:txBody>
       </p:sp>
@@ -22045,7 +24404,6 @@
               <a:rPr lang="en-US" altLang="zh-CN" sz="1200"/>
               <a:t>1</a:t>
             </a:r>
-            <a:endParaRPr lang="en-US" altLang="zh-CN" sz="1200"/>
           </a:p>
         </p:txBody>
       </p:sp>
@@ -22079,7 +24437,6 @@
               <a:rPr lang="en-US" altLang="zh-CN" sz="1200"/>
               <a:t>2</a:t>
             </a:r>
-            <a:endParaRPr lang="en-US" altLang="zh-CN" sz="1200"/>
           </a:p>
         </p:txBody>
       </p:sp>
@@ -22113,7 +24470,6 @@
               <a:rPr lang="en-US" altLang="zh-CN" sz="1200"/>
               <a:t>3</a:t>
             </a:r>
-            <a:endParaRPr lang="en-US" altLang="zh-CN" sz="1200"/>
           </a:p>
         </p:txBody>
       </p:sp>
@@ -22328,7 +24684,6 @@
               <a:rPr lang="en-US" altLang="zh-CN"/>
               <a:t>1</a:t>
             </a:r>
-            <a:endParaRPr lang="en-US" altLang="zh-CN"/>
           </a:p>
         </p:txBody>
       </p:sp>
@@ -22372,7 +24727,6 @@
               <a:rPr lang="en-US" altLang="zh-CN"/>
               <a:t>1</a:t>
             </a:r>
-            <a:endParaRPr lang="en-US" altLang="zh-CN"/>
           </a:p>
         </p:txBody>
       </p:sp>
@@ -22416,7 +24770,6 @@
               <a:rPr lang="en-US" altLang="zh-CN"/>
               <a:t>1</a:t>
             </a:r>
-            <a:endParaRPr lang="en-US" altLang="zh-CN"/>
           </a:p>
         </p:txBody>
       </p:sp>
@@ -22460,7 +24813,6 @@
               <a:rPr lang="en-US" altLang="zh-CN"/>
               <a:t>1</a:t>
             </a:r>
-            <a:endParaRPr lang="en-US" altLang="zh-CN"/>
           </a:p>
         </p:txBody>
       </p:sp>
@@ -22498,7 +24850,6 @@
               <a:rPr lang="zh-CN" altLang="en-US"/>
               <a:t>的时候，指向</a:t>
             </a:r>
-            <a:endParaRPr lang="zh-CN" altLang="en-US"/>
           </a:p>
           <a:p>
             <a:r>
@@ -22517,7 +24868,6 @@
               <a:rPr lang="en-US" altLang="zh-CN"/>
               <a:t>merge</a:t>
             </a:r>
-            <a:endParaRPr lang="en-US" altLang="zh-CN"/>
           </a:p>
           <a:p>
             <a:r>
@@ -22532,7 +24882,6 @@
               <a:rPr lang="zh-CN" altLang="en-US"/>
               <a:t>开始</a:t>
             </a:r>
-            <a:endParaRPr lang="zh-CN" altLang="en-US"/>
           </a:p>
         </p:txBody>
       </p:sp>
@@ -22685,7 +25034,6 @@
               <a:rPr lang="zh-CN" altLang="en-US" sz="6600" b="1" dirty="0"/>
               <a:t>二叉树</a:t>
             </a:r>
-            <a:endParaRPr lang="zh-CN" altLang="en-US" sz="6600" b="1" dirty="0"/>
           </a:p>
         </p:txBody>
       </p:sp>
@@ -22753,7 +25101,6 @@
               <a:rPr lang="zh-CN" altLang="en-US" dirty="0"/>
               <a:t>序列化</a:t>
             </a:r>
-            <a:endParaRPr lang="zh-CN" altLang="en-US" dirty="0"/>
           </a:p>
         </p:txBody>
       </p:sp>
@@ -22766,7 +25113,7 @@
           <p:nvPr/>
         </p:nvPicPr>
         <p:blipFill>
-          <a:blip r:embed="rId1"/>
+          <a:blip r:embed="rId2"/>
           <a:stretch>
             <a:fillRect/>
           </a:stretch>
@@ -22845,7 +25192,6 @@
               <a:rPr lang="zh-CN" altLang="en-US" dirty="0"/>
               <a:t>逆序列化</a:t>
             </a:r>
-            <a:endParaRPr lang="zh-CN" altLang="en-US" dirty="0"/>
           </a:p>
         </p:txBody>
       </p:sp>
@@ -22862,7 +25208,7 @@
           </p:nvPr>
         </p:nvPicPr>
         <p:blipFill>
-          <a:blip r:embed="rId2"/>
+          <a:blip r:embed="rId3"/>
           <a:stretch>
             <a:fillRect/>
           </a:stretch>
@@ -22941,7 +25287,6 @@
               <a:rPr lang="zh-CN" altLang="en-US" dirty="0"/>
               <a:t>逆序列化</a:t>
             </a:r>
-            <a:endParaRPr lang="zh-CN" altLang="en-US" dirty="0"/>
           </a:p>
         </p:txBody>
       </p:sp>
@@ -22954,7 +25299,7 @@
           <p:nvPr/>
         </p:nvPicPr>
         <p:blipFill>
-          <a:blip r:embed="rId1"/>
+          <a:blip r:embed="rId2"/>
           <a:stretch>
             <a:fillRect/>
           </a:stretch>
@@ -22978,19 +25323,19 @@
 </file>
 
 <file path=ppt/tags/tag1.xml><?xml version="1.0" encoding="utf-8"?>
-<p:tagLst xmlns:p="http://schemas.openxmlformats.org/presentationml/2006/main">
+<p:tagLst xmlns:a="http://schemas.openxmlformats.org/drawingml/2006/main" xmlns:r="http://schemas.openxmlformats.org/officeDocument/2006/relationships" xmlns:p="http://schemas.openxmlformats.org/presentationml/2006/main">
   <p:tag name="KSO_WM_UNIT_PLACING_PICTURE_USER_VIEWPORT" val="{&quot;height&quot;:8160,&quot;width&quot;:5925}"/>
 </p:tagLst>
 </file>
 
 <file path=ppt/tags/tag2.xml><?xml version="1.0" encoding="utf-8"?>
-<p:tagLst xmlns:p="http://schemas.openxmlformats.org/presentationml/2006/main">
+<p:tagLst xmlns:a="http://schemas.openxmlformats.org/drawingml/2006/main" xmlns:r="http://schemas.openxmlformats.org/officeDocument/2006/relationships" xmlns:p="http://schemas.openxmlformats.org/presentationml/2006/main">
   <p:tag name="KSO_WM_UNIT_PLACING_PICTURE_USER_VIEWPORT" val="{&quot;height&quot;:2325,&quot;width&quot;:5865}"/>
 </p:tagLst>
 </file>
 
 <file path=ppt/tags/tag3.xml><?xml version="1.0" encoding="utf-8"?>
-<p:tagLst xmlns:p="http://schemas.openxmlformats.org/presentationml/2006/main">
+<p:tagLst xmlns:a="http://schemas.openxmlformats.org/drawingml/2006/main" xmlns:r="http://schemas.openxmlformats.org/officeDocument/2006/relationships" xmlns:p="http://schemas.openxmlformats.org/presentationml/2006/main">
   <p:tag name="KSO_WM_UNIT_PLACING_PICTURE_USER_VIEWPORT" val="{&quot;height&quot;:2370,&quot;width&quot;:6315}"/>
 </p:tagLst>
 </file>
@@ -23273,6 +25618,8 @@
       </a:bgFillStyleLst>
     </a:fmtScheme>
   </a:themeElements>
+  <a:objectDefaults/>
+  <a:extraClrSchemeLst/>
   <a:extLst>
     <a:ext uri="{05A4C25C-085E-4340-85A3-A5531E510DB2}">
       <thm15:themeFamily xmlns:thm15="http://schemas.microsoft.com/office/thememl/2012/main" name="Office Theme" id="{62F939B6-93AF-4DB8-9C6B-D6C7DFDC589F}" vid="{4A3C46E8-61CC-4603-A589-7422A47A8E4A}"/>
